--- a/presentation/sicherheits_final_anV3.pptx
+++ b/presentation/sicherheits_final_anV3.pptx
@@ -22,8 +22,8 @@
     <p:sldId id="332" r:id="rId12"/>
     <p:sldId id="333" r:id="rId13"/>
     <p:sldId id="334" r:id="rId14"/>
-    <p:sldId id="320" r:id="rId15"/>
-    <p:sldId id="331" r:id="rId16"/>
+    <p:sldId id="331" r:id="rId15"/>
+    <p:sldId id="320" r:id="rId16"/>
     <p:sldId id="321" r:id="rId17"/>
     <p:sldId id="322" r:id="rId18"/>
     <p:sldId id="323" r:id="rId19"/>
@@ -1206,7 +1206,7 @@
               <a:pPr>
                 <a:defRPr/>
               </a:pPr>
-              <a:t>12</a:t>
+              <a:t>13</a:t>
             </a:fld>
             <a:endParaRPr lang="de-DE"/>
           </a:p>
@@ -1278,122 +1278,19 @@
                 <a:ea typeface="+mn-ea"/>
                 <a:cs typeface="+mn-cs"/>
               </a:rPr>
-              <a:t>The authors of [20] introduced the notion of monotonic</a:t>
-            </a:r>
-          </a:p>
-          <a:p>
-            <a:r>
-              <a:rPr lang="de-DE" sz="1200" b="0" i="0" u="none" strike="noStrike" kern="1200" baseline="0" dirty="0" err="1">
-                <a:solidFill>
-                  <a:schemeClr val="tx1"/>
-                </a:solidFill>
-                <a:latin typeface="Arial" charset="0"/>
-                <a:ea typeface="+mn-ea"/>
-                <a:cs typeface="+mn-cs"/>
-              </a:rPr>
-              <a:t>generalization</a:t>
-            </a:r>
-            <a:r>
-              <a:rPr lang="de-DE" sz="1200" b="0" i="0" u="none" strike="noStrike" kern="1200" baseline="0" dirty="0">
-                <a:solidFill>
-                  <a:schemeClr val="tx1"/>
-                </a:solidFill>
-                <a:latin typeface="Arial" charset="0"/>
-                <a:ea typeface="+mn-ea"/>
-                <a:cs typeface="+mn-cs"/>
-              </a:rPr>
-              <a:t> </a:t>
-            </a:r>
-            <a:r>
-              <a:rPr lang="de-DE" sz="1200" b="0" i="0" u="none" strike="noStrike" kern="1200" baseline="0" dirty="0" err="1">
-                <a:solidFill>
-                  <a:schemeClr val="tx1"/>
-                </a:solidFill>
-                <a:latin typeface="Arial" charset="0"/>
-                <a:ea typeface="+mn-ea"/>
-                <a:cs typeface="+mn-cs"/>
-              </a:rPr>
-              <a:t>hierarchies</a:t>
-            </a:r>
-            <a:r>
-              <a:rPr lang="de-DE" sz="1200" b="0" i="0" u="none" strike="noStrike" kern="1200" baseline="0" dirty="0">
-                <a:solidFill>
-                  <a:schemeClr val="tx1"/>
-                </a:solidFill>
-                <a:latin typeface="Arial" charset="0"/>
-                <a:ea typeface="+mn-ea"/>
-                <a:cs typeface="+mn-cs"/>
-              </a:rPr>
-              <a:t>. In a </a:t>
-            </a:r>
-            <a:r>
-              <a:rPr lang="de-DE" sz="1200" b="0" i="0" u="none" strike="noStrike" kern="1200" baseline="0" dirty="0" err="1">
-                <a:solidFill>
-                  <a:schemeClr val="tx1"/>
-                </a:solidFill>
-                <a:latin typeface="Arial" charset="0"/>
-                <a:ea typeface="+mn-ea"/>
-                <a:cs typeface="+mn-cs"/>
-              </a:rPr>
-              <a:t>monotonic</a:t>
-            </a:r>
-            <a:r>
-              <a:rPr lang="de-DE" sz="1200" b="0" i="0" u="none" strike="noStrike" kern="1200" baseline="0" dirty="0">
-                <a:solidFill>
-                  <a:schemeClr val="tx1"/>
-                </a:solidFill>
-                <a:latin typeface="Arial" charset="0"/>
-                <a:ea typeface="+mn-ea"/>
-                <a:cs typeface="+mn-cs"/>
-              </a:rPr>
-              <a:t> </a:t>
-            </a:r>
-            <a:r>
-              <a:rPr lang="de-DE" sz="1200" b="0" i="0" u="none" strike="noStrike" kern="1200" baseline="0" dirty="0" err="1">
-                <a:solidFill>
-                  <a:schemeClr val="tx1"/>
-                </a:solidFill>
-                <a:latin typeface="Arial" charset="0"/>
-                <a:ea typeface="+mn-ea"/>
-                <a:cs typeface="+mn-cs"/>
-              </a:rPr>
-              <a:t>generalization</a:t>
-            </a:r>
-            <a:r>
-              <a:rPr lang="de-DE" sz="1200" b="0" i="0" u="none" strike="noStrike" kern="1200" baseline="0" dirty="0">
-                <a:solidFill>
-                  <a:schemeClr val="tx1"/>
-                </a:solidFill>
-                <a:latin typeface="Arial" charset="0"/>
-                <a:ea typeface="+mn-ea"/>
-                <a:cs typeface="+mn-cs"/>
-              </a:rPr>
-              <a:t> </a:t>
-            </a:r>
-            <a:r>
-              <a:rPr lang="de-DE" sz="1200" b="0" i="0" u="none" strike="noStrike" kern="1200" baseline="0" dirty="0" err="1">
-                <a:solidFill>
-                  <a:schemeClr val="tx1"/>
-                </a:solidFill>
-                <a:latin typeface="Arial" charset="0"/>
-                <a:ea typeface="+mn-ea"/>
-                <a:cs typeface="+mn-cs"/>
-              </a:rPr>
-              <a:t>hierarchy</a:t>
-            </a:r>
-            <a:r>
-              <a:rPr lang="de-DE" sz="1200" b="0" i="0" u="none" strike="noStrike" kern="1200" baseline="0" dirty="0">
-                <a:solidFill>
-                  <a:schemeClr val="tx1"/>
-                </a:solidFill>
-                <a:latin typeface="Arial" charset="0"/>
-                <a:ea typeface="+mn-ea"/>
-                <a:cs typeface="+mn-cs"/>
-              </a:rPr>
-              <a:t>,</a:t>
-            </a:r>
-          </a:p>
-          <a:p>
+              <a:t>The idea of generalizing an attribute is a simple concept. A value is replaced by a less specific, more general value that is faithful to the original. Like in the example below the </a:t>
+            </a:r>
+            <a:r>
+              <a:rPr lang="en-US" sz="1200" b="0" i="0" u="none" strike="noStrike" kern="1200" baseline="0" dirty="0" err="1">
+                <a:solidFill>
+                  <a:schemeClr val="tx1"/>
+                </a:solidFill>
+                <a:latin typeface="Arial" charset="0"/>
+                <a:ea typeface="+mn-ea"/>
+                <a:cs typeface="+mn-cs"/>
+              </a:rPr>
+              <a:t>zipcode</a:t>
+            </a:r>
             <a:r>
               <a:rPr lang="en-US" sz="1200" b="0" i="0" u="none" strike="noStrike" kern="1200" baseline="0" dirty="0">
                 <a:solidFill>
@@ -1403,135 +1300,8 @@
                 <a:ea typeface="+mn-ea"/>
                 <a:cs typeface="+mn-cs"/>
               </a:rPr>
-              <a:t>the groups at level l +1 are built by merging groups</a:t>
-            </a:r>
-          </a:p>
-          <a:p>
-            <a:r>
-              <a:rPr lang="en-US" sz="1200" b="0" i="0" u="none" strike="noStrike" kern="1200" baseline="0" dirty="0">
-                <a:solidFill>
-                  <a:schemeClr val="tx1"/>
-                </a:solidFill>
-                <a:latin typeface="Arial" charset="0"/>
-                <a:ea typeface="+mn-ea"/>
-                <a:cs typeface="+mn-cs"/>
-              </a:rPr>
-              <a:t>from level l. This allows pruning of large parts of the search</a:t>
-            </a:r>
-          </a:p>
-          <a:p>
-            <a:r>
-              <a:rPr lang="en-US" sz="1200" b="0" i="0" u="none" strike="noStrike" kern="1200" baseline="0" dirty="0">
-                <a:solidFill>
-                  <a:schemeClr val="tx1"/>
-                </a:solidFill>
-                <a:latin typeface="Arial" charset="0"/>
-                <a:ea typeface="+mn-ea"/>
-                <a:cs typeface="+mn-cs"/>
-              </a:rPr>
-              <a:t>space, because all states which are successors of an anonymous</a:t>
-            </a:r>
-          </a:p>
-          <a:p>
-            <a:r>
-              <a:rPr lang="en-US" sz="1200" b="0" i="0" u="none" strike="noStrike" kern="1200" baseline="0" dirty="0">
-                <a:solidFill>
-                  <a:schemeClr val="tx1"/>
-                </a:solidFill>
-                <a:latin typeface="Arial" charset="0"/>
-                <a:ea typeface="+mn-ea"/>
-                <a:cs typeface="+mn-cs"/>
-              </a:rPr>
-              <a:t>state are also anonymous. Furthermore, all predecessors of a</a:t>
-            </a:r>
-          </a:p>
-          <a:p>
-            <a:r>
-              <a:rPr lang="en-US" sz="1200" b="0" i="0" u="none" strike="noStrike" kern="1200" baseline="0" dirty="0">
-                <a:solidFill>
-                  <a:schemeClr val="tx1"/>
-                </a:solidFill>
-                <a:latin typeface="Arial" charset="0"/>
-                <a:ea typeface="+mn-ea"/>
-                <a:cs typeface="+mn-cs"/>
-              </a:rPr>
-              <a:t>non-anonymous state are also non-anonymous. This is because</a:t>
-            </a:r>
-          </a:p>
-          <a:p>
-            <a:r>
-              <a:rPr lang="en-US" sz="1200" b="0" i="0" u="none" strike="noStrike" kern="1200" baseline="0" dirty="0">
-                <a:solidFill>
-                  <a:schemeClr val="tx1"/>
-                </a:solidFill>
-                <a:latin typeface="Arial" charset="0"/>
-                <a:ea typeface="+mn-ea"/>
-                <a:cs typeface="+mn-cs"/>
-              </a:rPr>
-              <a:t>generalization is monotonic for the complete dataset if it is</a:t>
-            </a:r>
-          </a:p>
-          <a:p>
-            <a:r>
-              <a:rPr lang="en-US" sz="1200" b="0" i="0" u="none" strike="noStrike" kern="1200" baseline="0" dirty="0">
-                <a:solidFill>
-                  <a:schemeClr val="tx1"/>
-                </a:solidFill>
-                <a:latin typeface="Arial" charset="0"/>
-                <a:ea typeface="+mn-ea"/>
-                <a:cs typeface="+mn-cs"/>
-              </a:rPr>
-              <a:t>monotonic for each quasi-identifier. An example is shown</a:t>
-            </a:r>
-          </a:p>
-          <a:p>
-            <a:r>
-              <a:rPr lang="en-US" sz="1200" b="0" i="0" u="none" strike="noStrike" kern="1200" baseline="0" dirty="0">
-                <a:solidFill>
-                  <a:schemeClr val="tx1"/>
-                </a:solidFill>
-                <a:latin typeface="Arial" charset="0"/>
-                <a:ea typeface="+mn-ea"/>
-                <a:cs typeface="+mn-cs"/>
-              </a:rPr>
-              <a:t>in Figure 3, where the fact that (2, 1, 1) is non-anonymous</a:t>
-            </a:r>
-          </a:p>
-          <a:p>
-            <a:r>
-              <a:rPr lang="en-US" sz="1200" b="0" i="0" u="none" strike="noStrike" kern="1200" baseline="0" dirty="0">
-                <a:solidFill>
-                  <a:schemeClr val="tx1"/>
-                </a:solidFill>
-                <a:latin typeface="Arial" charset="0"/>
-                <a:ea typeface="+mn-ea"/>
-                <a:cs typeface="+mn-cs"/>
-              </a:rPr>
-              <a:t>implies that all of its predecessors are also non-anonymous</a:t>
-            </a:r>
-          </a:p>
-          <a:p>
-            <a:r>
-              <a:rPr lang="en-US" sz="1200" b="0" i="0" u="none" strike="noStrike" kern="1200" baseline="0" dirty="0">
-                <a:solidFill>
-                  <a:schemeClr val="tx1"/>
-                </a:solidFill>
-                <a:latin typeface="Arial" charset="0"/>
-                <a:ea typeface="+mn-ea"/>
-                <a:cs typeface="+mn-cs"/>
-              </a:rPr>
-              <a:t>(dark gray). Furthermore, all successors of the</a:t>
-            </a:r>
-          </a:p>
-          <a:p>
-            <a:endParaRPr lang="en-US" sz="1200" b="0" i="0" u="none" strike="noStrike" kern="1200" baseline="0" dirty="0">
-              <a:solidFill>
-                <a:schemeClr val="tx1"/>
-              </a:solidFill>
-              <a:latin typeface="Arial" charset="0"/>
-              <a:ea typeface="+mn-ea"/>
-              <a:cs typeface="+mn-cs"/>
-            </a:endParaRPr>
+              <a:t> 02138 can be transform to 0213* by deleting the rightmost char</a:t>
+            </a:r>
           </a:p>
           <a:p>
             <a:endParaRPr lang="en-US" sz="1200" b="0" i="0" u="none" strike="noStrike" kern="1200" baseline="0" dirty="0">
@@ -2262,7 +2032,20 @@
                 <a:ea typeface="+mn-ea"/>
                 <a:cs typeface="+mn-cs"/>
               </a:rPr>
-              <a:t>The lattice height is not considered a good information loss metric because it does not account for the generalization hierarchy depths of the quasi-identifiers. For example, if we generalize “Male” to “Person” then this is given equal weight to generalizing age in years to age in five year intervals.</a:t>
+              <a:t>The lattice height is not considered a good information loss metric because it does not account for the generalization hierarchy depths of the quasi-identifiers. For example, if we generalize “Male” to “Person” then this is given equal weight</a:t>
+            </a:r>
+          </a:p>
+          <a:p>
+            <a:r>
+              <a:rPr lang="en-US" sz="1200" b="0" i="0" u="none" strike="noStrike" kern="1200" baseline="0" dirty="0">
+                <a:solidFill>
+                  <a:schemeClr val="tx1"/>
+                </a:solidFill>
+                <a:latin typeface="Arial" charset="0"/>
+                <a:ea typeface="+mn-ea"/>
+                <a:cs typeface="+mn-cs"/>
+              </a:rPr>
+              <a:t>to generalizing age in years to age in five year intervals. In the former case there is no information left in the gender variable, whereas the five year age interval still conveys a considerable amount of information and there are three more possible generalizations left in the age hierarchy</a:t>
             </a:r>
           </a:p>
           <a:p>
@@ -2307,7 +2090,30 @@
                 <a:ea typeface="+mn-ea"/>
                 <a:cs typeface="+mn-cs"/>
               </a:rPr>
-              <a:t>. The </a:t>
+              <a:t>. </a:t>
+            </a:r>
+          </a:p>
+          <a:p>
+            <a:endParaRPr lang="en-US" sz="1200" b="0" i="0" u="none" strike="noStrike" kern="1200" baseline="0" dirty="0">
+              <a:solidFill>
+                <a:schemeClr val="tx1"/>
+              </a:solidFill>
+              <a:latin typeface="Arial" charset="0"/>
+              <a:ea typeface="+mn-ea"/>
+              <a:cs typeface="+mn-cs"/>
+            </a:endParaRPr>
+          </a:p>
+          <a:p>
+            <a:r>
+              <a:rPr lang="en-US" sz="1200" b="0" i="0" u="none" strike="noStrike" kern="1200" baseline="0" dirty="0">
+                <a:solidFill>
+                  <a:schemeClr val="tx1"/>
+                </a:solidFill>
+                <a:latin typeface="Arial" charset="0"/>
+                <a:ea typeface="+mn-ea"/>
+                <a:cs typeface="+mn-cs"/>
+              </a:rPr>
+              <a:t>The </a:t>
             </a:r>
             <a:r>
               <a:rPr lang="en-US" sz="1200" b="0" i="1" u="none" strike="noStrike" kern="1200" baseline="0" dirty="0" err="1">
@@ -2340,20 +2146,7 @@
                 <a:ea typeface="+mn-ea"/>
                 <a:cs typeface="+mn-cs"/>
               </a:rPr>
-              <a:t>was</a:t>
-            </a:r>
-          </a:p>
-          <a:p>
-            <a:r>
-              <a:rPr lang="en-US" sz="1200" b="0" i="0" u="none" strike="noStrike" kern="1200" baseline="0" dirty="0">
-                <a:solidFill>
-                  <a:schemeClr val="tx1"/>
-                </a:solidFill>
-                <a:latin typeface="Arial" charset="0"/>
-                <a:ea typeface="+mn-ea"/>
-                <a:cs typeface="+mn-cs"/>
-              </a:rPr>
-              <a:t>introduced by Sweeney46,47 as an information loss metric that is suitable for hierarchical data. For every variable, the ratio </a:t>
+              <a:t>was introduced by Sweeney as an information loss metric that is suitable for hierarchical data. For every variable, the ratio </a:t>
             </a:r>
             <a:r>
               <a:rPr lang="en-US" sz="1200" b="0" i="0" u="none" strike="noStrike" kern="1200" baseline="0" dirty="0" err="1">
@@ -2690,7 +2483,7 @@
                 <a:ea typeface="+mn-ea"/>
                 <a:cs typeface="+mn-cs"/>
               </a:rPr>
-              <a:t> Metric or DM.27,39,48–54 The </a:t>
+              <a:t> Metric or DM.2The </a:t>
             </a:r>
             <a:r>
               <a:rPr lang="en-US" sz="1200" b="0" i="0" u="none" strike="noStrike" kern="1200" baseline="0" dirty="0" err="1">
@@ -2735,20 +2528,7 @@
                 <a:ea typeface="+mn-ea"/>
                 <a:cs typeface="+mn-cs"/>
               </a:rPr>
-              <a:t>Following the same reasoning, DM assigns a penalty equal</a:t>
-            </a:r>
-          </a:p>
-          <a:p>
-            <a:r>
-              <a:rPr lang="en-US" sz="1200" b="0" i="0" u="none" strike="noStrike" kern="1200" baseline="0" dirty="0">
-                <a:solidFill>
-                  <a:schemeClr val="tx1"/>
-                </a:solidFill>
-                <a:latin typeface="Arial" charset="0"/>
-                <a:ea typeface="+mn-ea"/>
-                <a:cs typeface="+mn-cs"/>
-              </a:rPr>
-              <a:t>to the whole dataset for every suppressed record (since suppressed records are indistinguishable from all other </a:t>
+              <a:t>Following the same reasoning, DM assigns a penalty equal to the whole dataset for every suppressed record (since suppressed records are indistinguishable from all other </a:t>
             </a:r>
             <a:r>
               <a:rPr lang="de-DE" sz="1200" b="0" i="0" u="none" strike="noStrike" kern="1200" baseline="0" dirty="0" err="1">
@@ -3609,238 +3389,6 @@
           <a:bodyPr/>
           <a:lstStyle/>
           <a:p>
-            <a:r>
-              <a:rPr lang="en-US" sz="1200" b="0" i="1" u="none" strike="noStrike" kern="1200" baseline="0" dirty="0">
-                <a:solidFill>
-                  <a:schemeClr val="tx1"/>
-                </a:solidFill>
-                <a:latin typeface="Arial" charset="0"/>
-                <a:ea typeface="+mn-ea"/>
-                <a:cs typeface="+mn-cs"/>
-              </a:rPr>
-              <a:t>The cloaking algorithm is run by the location protection broker on a trusted server, which anonymizes messages from the mobile nodes by </a:t>
-            </a:r>
-            <a:r>
-              <a:rPr lang="en-US" sz="1200" b="0" i="0" u="none" strike="noStrike" kern="1200" baseline="0" dirty="0">
-                <a:solidFill>
-                  <a:schemeClr val="tx1"/>
-                </a:solidFill>
-                <a:latin typeface="Arial" charset="0"/>
-                <a:ea typeface="+mn-ea"/>
-                <a:cs typeface="+mn-cs"/>
-              </a:rPr>
-              <a:t>cloaking </a:t>
-            </a:r>
-            <a:r>
-              <a:rPr lang="en-US" sz="1200" b="0" i="1" u="none" strike="noStrike" kern="1200" baseline="0" dirty="0">
-                <a:solidFill>
-                  <a:schemeClr val="tx1"/>
-                </a:solidFill>
-                <a:latin typeface="Arial" charset="0"/>
-                <a:ea typeface="+mn-ea"/>
-                <a:cs typeface="+mn-cs"/>
-              </a:rPr>
-              <a:t>the location information contained in</a:t>
-            </a:r>
-          </a:p>
-          <a:p>
-            <a:r>
-              <a:rPr lang="en-US" sz="1200" b="0" i="1" u="none" strike="noStrike" kern="1200" baseline="0" dirty="0">
-                <a:solidFill>
-                  <a:schemeClr val="tx1"/>
-                </a:solidFill>
-                <a:latin typeface="Arial" charset="0"/>
-                <a:ea typeface="+mn-ea"/>
-                <a:cs typeface="+mn-cs"/>
-              </a:rPr>
-              <a:t>the messages to reduce or avoid privacy threats before forwarding them to the LBS provider(s).</a:t>
-            </a:r>
-          </a:p>
-          <a:p>
-            <a:endParaRPr lang="en-US" sz="1200" b="0" i="1" u="none" strike="noStrike" kern="1200" baseline="0" dirty="0">
-              <a:solidFill>
-                <a:schemeClr val="tx1"/>
-              </a:solidFill>
-              <a:latin typeface="Arial" charset="0"/>
-              <a:ea typeface="+mn-ea"/>
-              <a:cs typeface="+mn-cs"/>
-            </a:endParaRPr>
-          </a:p>
-          <a:p>
-            <a:r>
-              <a:rPr lang="en-US" dirty="0"/>
-              <a:t>Restricted Space Identiﬁcation. If A knows that space L exclusively belongs to subject S then A learns that S is in L and S has sent M. For example, when the owner of a suburban house sends a message from his garage or driveway, the coordinates can be </a:t>
-            </a:r>
-            <a:r>
-              <a:rPr lang="en-US" dirty="0" err="1"/>
-              <a:t>correlatedwith</a:t>
-            </a:r>
-            <a:r>
-              <a:rPr lang="en-US" dirty="0"/>
-              <a:t> a </a:t>
-            </a:r>
-            <a:r>
-              <a:rPr lang="en-US" dirty="0" err="1"/>
-              <a:t>databaseof</a:t>
-            </a:r>
-            <a:r>
-              <a:rPr lang="en-US" dirty="0"/>
-              <a:t> </a:t>
-            </a:r>
-            <a:r>
-              <a:rPr lang="en-US" dirty="0" err="1"/>
-              <a:t>geocodedpostal</a:t>
-            </a:r>
-            <a:r>
-              <a:rPr lang="en-US" dirty="0"/>
-              <a:t> addresses (e.g., [30]) to identify the residence. An address lookup in phone or property listings then reveals the owner and likely originator of the </a:t>
-            </a:r>
-            <a:r>
-              <a:rPr lang="en-US" dirty="0" err="1"/>
-              <a:t>messag</a:t>
-            </a:r>
-            <a:endParaRPr lang="en-US" dirty="0"/>
-          </a:p>
-          <a:p>
-            <a:endParaRPr lang="en-US" dirty="0"/>
-          </a:p>
-          <a:p>
-            <a:r>
-              <a:rPr lang="en-US" dirty="0"/>
-              <a:t>Observation Identiﬁcation. If A has observed the current location L of subject S and ﬁnds a message M from L then A learns that S has sent M. For example, the subject has revealed its identity and location in a previous message and then wants to send an anonymous message. The later message can be linked to the previous one through the location information.</a:t>
-            </a:r>
-          </a:p>
-          <a:p>
-            <a:endParaRPr lang="en-US" dirty="0"/>
-          </a:p>
-          <a:p>
-            <a:r>
-              <a:rPr lang="en-US" sz="1200" b="0" i="0" u="none" strike="noStrike" kern="1200" baseline="0" dirty="0">
-                <a:solidFill>
-                  <a:schemeClr val="tx1"/>
-                </a:solidFill>
-                <a:latin typeface="Arial" charset="0"/>
-                <a:ea typeface="+mn-ea"/>
-                <a:cs typeface="+mn-cs"/>
-              </a:rPr>
-              <a:t>First, a given degree of location anonymity can be maintained, regardless of population density, by decreasing</a:t>
-            </a:r>
-          </a:p>
-          <a:p>
-            <a:r>
-              <a:rPr lang="en-US" sz="1200" b="0" i="0" u="none" strike="noStrike" kern="1200" baseline="0" dirty="0">
-                <a:solidFill>
-                  <a:schemeClr val="tx1"/>
-                </a:solidFill>
-                <a:latin typeface="Arial" charset="0"/>
-                <a:ea typeface="+mn-ea"/>
-                <a:cs typeface="+mn-cs"/>
-              </a:rPr>
-              <a:t>the location accuracy through enlarging the revealed spatial area, such that there are other </a:t>
-            </a:r>
-            <a:r>
-              <a:rPr lang="en-US" sz="1200" b="0" i="1" u="none" strike="noStrike" kern="1200" baseline="0" dirty="0">
-                <a:solidFill>
-                  <a:schemeClr val="tx1"/>
-                </a:solidFill>
-                <a:latin typeface="Arial" charset="0"/>
-                <a:ea typeface="+mn-ea"/>
-                <a:cs typeface="+mn-cs"/>
-              </a:rPr>
-              <a:t>k−</a:t>
-            </a:r>
-            <a:r>
-              <a:rPr lang="en-US" sz="1200" b="0" i="0" u="none" strike="noStrike" kern="1200" baseline="0" dirty="0">
-                <a:solidFill>
-                  <a:schemeClr val="tx1"/>
-                </a:solidFill>
-                <a:latin typeface="Arial" charset="0"/>
-                <a:ea typeface="+mn-ea"/>
-                <a:cs typeface="+mn-cs"/>
-              </a:rPr>
-              <a:t>1 mobile nodes present</a:t>
-            </a:r>
-          </a:p>
-          <a:p>
-            <a:r>
-              <a:rPr lang="en-US" sz="1200" b="0" i="0" u="none" strike="noStrike" kern="1200" baseline="0" dirty="0">
-                <a:solidFill>
-                  <a:schemeClr val="tx1"/>
-                </a:solidFill>
-                <a:latin typeface="Arial" charset="0"/>
-                <a:ea typeface="+mn-ea"/>
-                <a:cs typeface="+mn-cs"/>
-              </a:rPr>
-              <a:t>in the same spatial area. This approach is called spatial cloaking. Second, one can achieve the location anonymity by delaying</a:t>
-            </a:r>
-          </a:p>
-          <a:p>
-            <a:r>
-              <a:rPr lang="en-US" sz="1200" b="0" i="0" u="none" strike="noStrike" kern="1200" baseline="0" dirty="0">
-                <a:solidFill>
-                  <a:schemeClr val="tx1"/>
-                </a:solidFill>
-                <a:latin typeface="Arial" charset="0"/>
-                <a:ea typeface="+mn-ea"/>
-                <a:cs typeface="+mn-cs"/>
-              </a:rPr>
-              <a:t>the message until </a:t>
-            </a:r>
-            <a:r>
-              <a:rPr lang="en-US" sz="1200" b="0" i="1" u="none" strike="noStrike" kern="1200" baseline="0" dirty="0">
-                <a:solidFill>
-                  <a:schemeClr val="tx1"/>
-                </a:solidFill>
-                <a:latin typeface="Arial" charset="0"/>
-                <a:ea typeface="+mn-ea"/>
-                <a:cs typeface="+mn-cs"/>
-              </a:rPr>
-              <a:t>k </a:t>
-            </a:r>
-            <a:r>
-              <a:rPr lang="en-US" sz="1200" b="0" i="0" u="none" strike="noStrike" kern="1200" baseline="0" dirty="0">
-                <a:solidFill>
-                  <a:schemeClr val="tx1"/>
-                </a:solidFill>
-                <a:latin typeface="Arial" charset="0"/>
-                <a:ea typeface="+mn-ea"/>
-                <a:cs typeface="+mn-cs"/>
-              </a:rPr>
-              <a:t>mobile nodes have visited the same area located by the message sender. This approach is called </a:t>
-            </a:r>
-            <a:r>
-              <a:rPr lang="de-DE" sz="1200" b="0" i="0" u="none" strike="noStrike" kern="1200" baseline="0" dirty="0">
-                <a:solidFill>
-                  <a:schemeClr val="tx1"/>
-                </a:solidFill>
-                <a:latin typeface="Arial" charset="0"/>
-                <a:ea typeface="+mn-ea"/>
-                <a:cs typeface="+mn-cs"/>
-              </a:rPr>
-              <a:t>temporal </a:t>
-            </a:r>
-            <a:r>
-              <a:rPr lang="de-DE" sz="1200" b="0" i="0" u="none" strike="noStrike" kern="1200" baseline="0" dirty="0" err="1">
-                <a:solidFill>
-                  <a:schemeClr val="tx1"/>
-                </a:solidFill>
-                <a:latin typeface="Arial" charset="0"/>
-                <a:ea typeface="+mn-ea"/>
-                <a:cs typeface="+mn-cs"/>
-              </a:rPr>
-              <a:t>cloaking</a:t>
-            </a:r>
-            <a:r>
-              <a:rPr lang="de-DE" sz="1200" b="0" i="0" u="none" strike="noStrike" kern="1200" baseline="0" dirty="0">
-                <a:solidFill>
-                  <a:schemeClr val="tx1"/>
-                </a:solidFill>
-                <a:latin typeface="Arial" charset="0"/>
-                <a:ea typeface="+mn-ea"/>
-                <a:cs typeface="+mn-cs"/>
-              </a:rPr>
-              <a:t>.</a:t>
-            </a:r>
             <a:endParaRPr lang="de-DE" dirty="0"/>
           </a:p>
         </p:txBody>
@@ -3868,7 +3416,7 @@
               <a:pPr>
                 <a:defRPr/>
               </a:pPr>
-              <a:t>19</a:t>
+              <a:t>18</a:t>
             </a:fld>
             <a:endParaRPr lang="de-DE"/>
           </a:p>
@@ -3877,7 +3425,7 @@
     </p:spTree>
     <p:extLst>
       <p:ext uri="{BB962C8B-B14F-4D97-AF65-F5344CB8AC3E}">
-        <p14:creationId xmlns:p14="http://schemas.microsoft.com/office/powerpoint/2010/main" val="1491132089"/>
+        <p14:creationId xmlns:p14="http://schemas.microsoft.com/office/powerpoint/2010/main" val="2676402822"/>
       </p:ext>
     </p:extLst>
   </p:cSld>
@@ -3932,6 +3480,328 @@
           <a:lstStyle/>
           <a:p>
             <a:r>
+              <a:rPr lang="en-US" sz="1200" b="0" i="1" u="none" strike="noStrike" kern="1200" baseline="0" dirty="0">
+                <a:solidFill>
+                  <a:schemeClr val="tx1"/>
+                </a:solidFill>
+                <a:latin typeface="Arial" charset="0"/>
+                <a:ea typeface="+mn-ea"/>
+                <a:cs typeface="+mn-cs"/>
+              </a:rPr>
+              <a:t>The cloaking algorithm is run by the location protection broker on a trusted server, which anonymizes messages from the mobile nodes by </a:t>
+            </a:r>
+            <a:r>
+              <a:rPr lang="en-US" sz="1200" b="0" i="0" u="none" strike="noStrike" kern="1200" baseline="0" dirty="0">
+                <a:solidFill>
+                  <a:schemeClr val="tx1"/>
+                </a:solidFill>
+                <a:latin typeface="Arial" charset="0"/>
+                <a:ea typeface="+mn-ea"/>
+                <a:cs typeface="+mn-cs"/>
+              </a:rPr>
+              <a:t>cloaking </a:t>
+            </a:r>
+            <a:r>
+              <a:rPr lang="en-US" sz="1200" b="0" i="1" u="none" strike="noStrike" kern="1200" baseline="0" dirty="0">
+                <a:solidFill>
+                  <a:schemeClr val="tx1"/>
+                </a:solidFill>
+                <a:latin typeface="Arial" charset="0"/>
+                <a:ea typeface="+mn-ea"/>
+                <a:cs typeface="+mn-cs"/>
+              </a:rPr>
+              <a:t>the location information contained in</a:t>
+            </a:r>
+          </a:p>
+          <a:p>
+            <a:r>
+              <a:rPr lang="en-US" sz="1200" b="0" i="1" u="none" strike="noStrike" kern="1200" baseline="0" dirty="0">
+                <a:solidFill>
+                  <a:schemeClr val="tx1"/>
+                </a:solidFill>
+                <a:latin typeface="Arial" charset="0"/>
+                <a:ea typeface="+mn-ea"/>
+                <a:cs typeface="+mn-cs"/>
+              </a:rPr>
+              <a:t>the messages to reduce or avoid privacy threats before forwarding them to the LBS provider(s).</a:t>
+            </a:r>
+          </a:p>
+          <a:p>
+            <a:endParaRPr lang="en-US" sz="1200" b="0" i="1" u="none" strike="noStrike" kern="1200" baseline="0" dirty="0">
+              <a:solidFill>
+                <a:schemeClr val="tx1"/>
+              </a:solidFill>
+              <a:latin typeface="Arial" charset="0"/>
+              <a:ea typeface="+mn-ea"/>
+              <a:cs typeface="+mn-cs"/>
+            </a:endParaRPr>
+          </a:p>
+          <a:p>
+            <a:r>
+              <a:rPr lang="en-US" dirty="0"/>
+              <a:t>Restricted Space Identiﬁcation. If A knows that space L exclusively belongs to subject S then A learns that S is in L and S has sent M. For example, when the owner of a suburban house sends a message from his garage or driveway, the coordinates can be </a:t>
+            </a:r>
+            <a:r>
+              <a:rPr lang="en-US" dirty="0" err="1"/>
+              <a:t>correlatedwith</a:t>
+            </a:r>
+            <a:r>
+              <a:rPr lang="en-US" dirty="0"/>
+              <a:t> a </a:t>
+            </a:r>
+            <a:r>
+              <a:rPr lang="en-US" dirty="0" err="1"/>
+              <a:t>databaseof</a:t>
+            </a:r>
+            <a:r>
+              <a:rPr lang="en-US" dirty="0"/>
+              <a:t> </a:t>
+            </a:r>
+            <a:r>
+              <a:rPr lang="en-US" dirty="0" err="1"/>
+              <a:t>geocodedpostal</a:t>
+            </a:r>
+            <a:r>
+              <a:rPr lang="en-US" dirty="0"/>
+              <a:t> addresses (e.g., [30]) to identify the residence. An address lookup in phone or property listings then reveals the owner and likely originator of the </a:t>
+            </a:r>
+            <a:r>
+              <a:rPr lang="en-US" dirty="0" err="1"/>
+              <a:t>messag</a:t>
+            </a:r>
+            <a:endParaRPr lang="en-US" dirty="0"/>
+          </a:p>
+          <a:p>
+            <a:endParaRPr lang="en-US" dirty="0"/>
+          </a:p>
+          <a:p>
+            <a:r>
+              <a:rPr lang="en-US" dirty="0"/>
+              <a:t>Observation Identiﬁcation. If A has observed the current location L of subject S and ﬁnds a message M from L then A learns that S has sent M. For example, the subject has revealed its identity and location in a previous message and then wants to send an anonymous message. The later message can be linked to the previous one through the location information.</a:t>
+            </a:r>
+          </a:p>
+          <a:p>
+            <a:endParaRPr lang="en-US" dirty="0"/>
+          </a:p>
+          <a:p>
+            <a:r>
+              <a:rPr lang="en-US" sz="1200" b="0" i="0" u="none" strike="noStrike" kern="1200" baseline="0" dirty="0">
+                <a:solidFill>
+                  <a:schemeClr val="tx1"/>
+                </a:solidFill>
+                <a:latin typeface="Arial" charset="0"/>
+                <a:ea typeface="+mn-ea"/>
+                <a:cs typeface="+mn-cs"/>
+              </a:rPr>
+              <a:t>First, a given degree of location anonymity can be maintained, regardless of population density, by decreasing</a:t>
+            </a:r>
+          </a:p>
+          <a:p>
+            <a:r>
+              <a:rPr lang="en-US" sz="1200" b="0" i="0" u="none" strike="noStrike" kern="1200" baseline="0" dirty="0">
+                <a:solidFill>
+                  <a:schemeClr val="tx1"/>
+                </a:solidFill>
+                <a:latin typeface="Arial" charset="0"/>
+                <a:ea typeface="+mn-ea"/>
+                <a:cs typeface="+mn-cs"/>
+              </a:rPr>
+              <a:t>the location accuracy through enlarging the revealed spatial area, such that there are other </a:t>
+            </a:r>
+            <a:r>
+              <a:rPr lang="en-US" sz="1200" b="0" i="1" u="none" strike="noStrike" kern="1200" baseline="0" dirty="0">
+                <a:solidFill>
+                  <a:schemeClr val="tx1"/>
+                </a:solidFill>
+                <a:latin typeface="Arial" charset="0"/>
+                <a:ea typeface="+mn-ea"/>
+                <a:cs typeface="+mn-cs"/>
+              </a:rPr>
+              <a:t>k−</a:t>
+            </a:r>
+            <a:r>
+              <a:rPr lang="en-US" sz="1200" b="0" i="0" u="none" strike="noStrike" kern="1200" baseline="0" dirty="0">
+                <a:solidFill>
+                  <a:schemeClr val="tx1"/>
+                </a:solidFill>
+                <a:latin typeface="Arial" charset="0"/>
+                <a:ea typeface="+mn-ea"/>
+                <a:cs typeface="+mn-cs"/>
+              </a:rPr>
+              <a:t>1 mobile nodes present</a:t>
+            </a:r>
+          </a:p>
+          <a:p>
+            <a:r>
+              <a:rPr lang="en-US" sz="1200" b="0" i="0" u="none" strike="noStrike" kern="1200" baseline="0" dirty="0">
+                <a:solidFill>
+                  <a:schemeClr val="tx1"/>
+                </a:solidFill>
+                <a:latin typeface="Arial" charset="0"/>
+                <a:ea typeface="+mn-ea"/>
+                <a:cs typeface="+mn-cs"/>
+              </a:rPr>
+              <a:t>in the same spatial area. This approach is called spatial cloaking. Second, one can achieve the location anonymity by delaying</a:t>
+            </a:r>
+          </a:p>
+          <a:p>
+            <a:r>
+              <a:rPr lang="en-US" sz="1200" b="0" i="0" u="none" strike="noStrike" kern="1200" baseline="0" dirty="0">
+                <a:solidFill>
+                  <a:schemeClr val="tx1"/>
+                </a:solidFill>
+                <a:latin typeface="Arial" charset="0"/>
+                <a:ea typeface="+mn-ea"/>
+                <a:cs typeface="+mn-cs"/>
+              </a:rPr>
+              <a:t>the message until </a:t>
+            </a:r>
+            <a:r>
+              <a:rPr lang="en-US" sz="1200" b="0" i="1" u="none" strike="noStrike" kern="1200" baseline="0" dirty="0">
+                <a:solidFill>
+                  <a:schemeClr val="tx1"/>
+                </a:solidFill>
+                <a:latin typeface="Arial" charset="0"/>
+                <a:ea typeface="+mn-ea"/>
+                <a:cs typeface="+mn-cs"/>
+              </a:rPr>
+              <a:t>k </a:t>
+            </a:r>
+            <a:r>
+              <a:rPr lang="en-US" sz="1200" b="0" i="0" u="none" strike="noStrike" kern="1200" baseline="0" dirty="0">
+                <a:solidFill>
+                  <a:schemeClr val="tx1"/>
+                </a:solidFill>
+                <a:latin typeface="Arial" charset="0"/>
+                <a:ea typeface="+mn-ea"/>
+                <a:cs typeface="+mn-cs"/>
+              </a:rPr>
+              <a:t>mobile nodes have visited the same area located by the message sender. This approach is called </a:t>
+            </a:r>
+            <a:r>
+              <a:rPr lang="de-DE" sz="1200" b="0" i="0" u="none" strike="noStrike" kern="1200" baseline="0" dirty="0">
+                <a:solidFill>
+                  <a:schemeClr val="tx1"/>
+                </a:solidFill>
+                <a:latin typeface="Arial" charset="0"/>
+                <a:ea typeface="+mn-ea"/>
+                <a:cs typeface="+mn-cs"/>
+              </a:rPr>
+              <a:t>temporal </a:t>
+            </a:r>
+            <a:r>
+              <a:rPr lang="de-DE" sz="1200" b="0" i="0" u="none" strike="noStrike" kern="1200" baseline="0" dirty="0" err="1">
+                <a:solidFill>
+                  <a:schemeClr val="tx1"/>
+                </a:solidFill>
+                <a:latin typeface="Arial" charset="0"/>
+                <a:ea typeface="+mn-ea"/>
+                <a:cs typeface="+mn-cs"/>
+              </a:rPr>
+              <a:t>cloaking</a:t>
+            </a:r>
+            <a:r>
+              <a:rPr lang="de-DE" sz="1200" b="0" i="0" u="none" strike="noStrike" kern="1200" baseline="0" dirty="0">
+                <a:solidFill>
+                  <a:schemeClr val="tx1"/>
+                </a:solidFill>
+                <a:latin typeface="Arial" charset="0"/>
+                <a:ea typeface="+mn-ea"/>
+                <a:cs typeface="+mn-cs"/>
+              </a:rPr>
+              <a:t>.</a:t>
+            </a:r>
+            <a:endParaRPr lang="de-DE" dirty="0"/>
+          </a:p>
+        </p:txBody>
+      </p:sp>
+      <p:sp>
+        <p:nvSpPr>
+          <p:cNvPr id="4" name="Foliennummernplatzhalter 3"/>
+          <p:cNvSpPr>
+            <a:spLocks noGrp="1"/>
+          </p:cNvSpPr>
+          <p:nvPr>
+            <p:ph type="sldNum" sz="quarter" idx="10"/>
+          </p:nvPr>
+        </p:nvSpPr>
+        <p:spPr/>
+        <p:txBody>
+          <a:bodyPr/>
+          <a:lstStyle/>
+          <a:p>
+            <a:pPr>
+              <a:defRPr/>
+            </a:pPr>
+            <a:fld id="{4351B0B5-D942-48DD-B88D-7AC11D76AF21}" type="slidenum">
+              <a:rPr lang="de-DE" smtClean="0"/>
+              <a:pPr>
+                <a:defRPr/>
+              </a:pPr>
+              <a:t>19</a:t>
+            </a:fld>
+            <a:endParaRPr lang="de-DE"/>
+          </a:p>
+        </p:txBody>
+      </p:sp>
+    </p:spTree>
+    <p:extLst>
+      <p:ext uri="{BB962C8B-B14F-4D97-AF65-F5344CB8AC3E}">
+        <p14:creationId xmlns:p14="http://schemas.microsoft.com/office/powerpoint/2010/main" val="1491132089"/>
+      </p:ext>
+    </p:extLst>
+  </p:cSld>
+  <p:clrMapOvr>
+    <a:masterClrMapping/>
+  </p:clrMapOvr>
+</p:notes>
+</file>
+
+<file path=ppt/notesSlides/notesSlide7.xml><?xml version="1.0" encoding="utf-8"?>
+<p:notes xmlns:a="http://schemas.openxmlformats.org/drawingml/2006/main" xmlns:r="http://schemas.openxmlformats.org/officeDocument/2006/relationships" xmlns:p="http://schemas.openxmlformats.org/presentationml/2006/main">
+  <p:cSld>
+    <p:spTree>
+      <p:nvGrpSpPr>
+        <p:cNvPr id="1" name=""/>
+        <p:cNvGrpSpPr/>
+        <p:nvPr/>
+      </p:nvGrpSpPr>
+      <p:grpSpPr>
+        <a:xfrm>
+          <a:off x="0" y="0"/>
+          <a:ext cx="0" cy="0"/>
+          <a:chOff x="0" y="0"/>
+          <a:chExt cx="0" cy="0"/>
+        </a:xfrm>
+      </p:grpSpPr>
+      <p:sp>
+        <p:nvSpPr>
+          <p:cNvPr id="2" name="Folienbildplatzhalter 1"/>
+          <p:cNvSpPr>
+            <a:spLocks noGrp="1" noRot="1" noChangeAspect="1"/>
+          </p:cNvSpPr>
+          <p:nvPr>
+            <p:ph type="sldImg"/>
+          </p:nvPr>
+        </p:nvSpPr>
+        <p:spPr/>
+      </p:sp>
+      <p:sp>
+        <p:nvSpPr>
+          <p:cNvPr id="3" name="Notizenplatzhalter 2"/>
+          <p:cNvSpPr>
+            <a:spLocks noGrp="1"/>
+          </p:cNvSpPr>
+          <p:nvPr>
+            <p:ph type="body" idx="1"/>
+          </p:nvPr>
+        </p:nvSpPr>
+        <p:spPr/>
+        <p:txBody>
+          <a:bodyPr/>
+          <a:lstStyle/>
+          <a:p>
+            <a:r>
               <a:rPr lang="en-US" sz="1200" b="0" i="0" u="none" strike="noStrike" kern="1200" baseline="0" dirty="0">
                 <a:solidFill>
                   <a:schemeClr val="tx1"/>
@@ -4774,7 +4644,7 @@
 </p:notes>
 </file>
 
-<file path=ppt/notesSlides/notesSlide7.xml><?xml version="1.0" encoding="utf-8"?>
+<file path=ppt/notesSlides/notesSlide8.xml><?xml version="1.0" encoding="utf-8"?>
 <p:notes xmlns:a="http://schemas.openxmlformats.org/drawingml/2006/main" xmlns:r="http://schemas.openxmlformats.org/officeDocument/2006/relationships" xmlns:p="http://schemas.openxmlformats.org/presentationml/2006/main">
   <p:cSld>
     <p:spTree>
@@ -8007,7 +7877,7 @@
           <p:cNvPr id="2" name="Textplatzhalter 1">
             <a:extLst>
               <a:ext uri="{FF2B5EF4-FFF2-40B4-BE49-F238E27FC236}">
-                <a16:creationId xmlns:a16="http://schemas.microsoft.com/office/drawing/2014/main" id="{B7F551F4-610E-488D-AB7B-CE0A61388660}"/>
+                <a16:creationId xmlns:a16="http://schemas.microsoft.com/office/drawing/2014/main" id="{D71D1614-3ADC-4DE3-8C51-A7417C1EDD56}"/>
               </a:ext>
             </a:extLst>
           </p:cNvPr>
@@ -8023,107 +7893,60 @@
           <a:bodyPr/>
           <a:lstStyle/>
           <a:p>
+            <a:r>
+              <a:rPr lang="en-US" dirty="0"/>
+              <a:t>Calculate information loss/distortion:</a:t>
+            </a:r>
+          </a:p>
+          <a:p>
+            <a:pPr lvl="1"/>
+            <a:r>
+              <a:rPr lang="en-US" dirty="0"/>
+              <a:t>Modification rate:</a:t>
+            </a:r>
+          </a:p>
+          <a:p>
+            <a:pPr lvl="2"/>
+            <a:r>
+              <a:rPr lang="en-US" dirty="0"/>
+              <a:t>The fraction of cells being modified</a:t>
+            </a:r>
+          </a:p>
+          <a:p>
+            <a:pPr lvl="2"/>
+            <a:r>
+              <a:rPr lang="en-US" dirty="0"/>
+              <a:t>Does not consider hierarchical structures</a:t>
+            </a:r>
+          </a:p>
+          <a:p>
+            <a:pPr lvl="1"/>
+            <a:r>
+              <a:rPr lang="en-US" dirty="0"/>
+              <a:t>Weighted hierarchical Distance</a:t>
+            </a:r>
+          </a:p>
+          <a:p>
+            <a:pPr lvl="2"/>
+            <a:r>
+              <a:rPr lang="en-US" dirty="0"/>
+              <a:t>Uniformed Weight: wj,j-1 = 1 (where 2&lt;= j&lt;=h)</a:t>
+            </a:r>
+          </a:p>
+          <a:p>
+            <a:pPr lvl="2"/>
+            <a:r>
+              <a:rPr lang="en-US" dirty="0"/>
+              <a:t>Or height weight </a:t>
+            </a:r>
+          </a:p>
+          <a:p>
+            <a:pPr lvl="2"/>
             <a:endParaRPr lang="en-US" dirty="0"/>
           </a:p>
           <a:p>
-            <a:r>
-              <a:rPr lang="de-DE" dirty="0"/>
-              <a:t>Goal </a:t>
-            </a:r>
-            <a:r>
-              <a:rPr lang="de-DE" dirty="0" err="1"/>
-              <a:t>of</a:t>
-            </a:r>
-            <a:r>
-              <a:rPr lang="de-DE" dirty="0"/>
-              <a:t> k-</a:t>
-            </a:r>
-            <a:r>
-              <a:rPr lang="de-DE" dirty="0" err="1"/>
-              <a:t>anonmity</a:t>
-            </a:r>
-            <a:r>
-              <a:rPr lang="de-DE" dirty="0"/>
-              <a:t> </a:t>
-            </a:r>
-            <a:r>
-              <a:rPr lang="de-DE" dirty="0" err="1"/>
-              <a:t>algorithm</a:t>
-            </a:r>
-            <a:r>
-              <a:rPr lang="de-DE" dirty="0"/>
-              <a:t> </a:t>
-            </a:r>
-            <a:r>
-              <a:rPr lang="de-DE" dirty="0" err="1"/>
-              <a:t>is</a:t>
-            </a:r>
-            <a:r>
-              <a:rPr lang="de-DE" dirty="0"/>
-              <a:t> </a:t>
-            </a:r>
-            <a:r>
-              <a:rPr lang="de-DE" dirty="0" err="1"/>
-              <a:t>to</a:t>
-            </a:r>
-            <a:r>
-              <a:rPr lang="de-DE" dirty="0"/>
-              <a:t> find a optimal </a:t>
-            </a:r>
-            <a:r>
-              <a:rPr lang="de-DE" dirty="0" err="1"/>
-              <a:t>solution</a:t>
-            </a:r>
-            <a:endParaRPr lang="de-DE" dirty="0"/>
-          </a:p>
-          <a:p>
-            <a:r>
-              <a:rPr lang="de-DE" dirty="0"/>
-              <a:t>Minimal Information </a:t>
-            </a:r>
-            <a:r>
-              <a:rPr lang="de-DE" dirty="0" err="1"/>
-              <a:t>loss</a:t>
-            </a:r>
-            <a:endParaRPr lang="de-DE" dirty="0"/>
-          </a:p>
-          <a:p>
-            <a:r>
-              <a:rPr lang="de-DE" dirty="0"/>
-              <a:t>Datamining</a:t>
-            </a:r>
-          </a:p>
-          <a:p>
-            <a:r>
-              <a:rPr lang="de-DE" dirty="0" err="1"/>
-              <a:t>Heuristic</a:t>
-            </a:r>
-            <a:r>
-              <a:rPr lang="de-DE" dirty="0"/>
-              <a:t> /</a:t>
-            </a:r>
-            <a:r>
-              <a:rPr lang="de-DE" dirty="0" err="1"/>
-              <a:t>Approximations</a:t>
-            </a:r>
-            <a:r>
-              <a:rPr lang="de-DE" dirty="0"/>
-              <a:t>/ Loss </a:t>
-            </a:r>
-            <a:r>
-              <a:rPr lang="de-DE" dirty="0" err="1"/>
-              <a:t>Metrics</a:t>
-            </a:r>
-            <a:endParaRPr lang="de-DE" dirty="0"/>
-          </a:p>
-          <a:p>
-            <a:r>
-              <a:rPr lang="de-DE" dirty="0"/>
-              <a:t>NP-Hard</a:t>
-            </a:r>
-          </a:p>
-          <a:p>
-            <a:endParaRPr lang="de-DE" dirty="0"/>
+            <a:pPr lvl="1"/>
+            <a:endParaRPr lang="en-US" dirty="0"/>
           </a:p>
         </p:txBody>
       </p:sp>
@@ -8132,7 +7955,7 @@
           <p:cNvPr id="3" name="Datumsplatzhalter 2">
             <a:extLst>
               <a:ext uri="{FF2B5EF4-FFF2-40B4-BE49-F238E27FC236}">
-                <a16:creationId xmlns:a16="http://schemas.microsoft.com/office/drawing/2014/main" id="{49D056D6-2543-4934-B1CF-0CC279797548}"/>
+                <a16:creationId xmlns:a16="http://schemas.microsoft.com/office/drawing/2014/main" id="{43E853D6-46C1-4523-ACD1-ED97431F8107}"/>
               </a:ext>
             </a:extLst>
           </p:cNvPr>
@@ -8161,7 +7984,7 @@
           <p:cNvPr id="4" name="Fußzeilenplatzhalter 3">
             <a:extLst>
               <a:ext uri="{FF2B5EF4-FFF2-40B4-BE49-F238E27FC236}">
-                <a16:creationId xmlns:a16="http://schemas.microsoft.com/office/drawing/2014/main" id="{ABEE3C34-C2C7-4728-B360-111405533D4C}"/>
+                <a16:creationId xmlns:a16="http://schemas.microsoft.com/office/drawing/2014/main" id="{1C730658-4EC4-4585-854A-66ACA12C51FC}"/>
               </a:ext>
             </a:extLst>
           </p:cNvPr>
@@ -8190,7 +8013,7 @@
           <p:cNvPr id="5" name="Foliennummernplatzhalter 4">
             <a:extLst>
               <a:ext uri="{FF2B5EF4-FFF2-40B4-BE49-F238E27FC236}">
-                <a16:creationId xmlns:a16="http://schemas.microsoft.com/office/drawing/2014/main" id="{6EB8AD93-9E3D-4E56-97AA-90997DA25138}"/>
+                <a16:creationId xmlns:a16="http://schemas.microsoft.com/office/drawing/2014/main" id="{0FAB273A-C162-4643-B876-9030E30E092F}"/>
               </a:ext>
             </a:extLst>
           </p:cNvPr>
@@ -8220,7 +8043,7 @@
           <p:cNvPr id="6" name="Titel 5">
             <a:extLst>
               <a:ext uri="{FF2B5EF4-FFF2-40B4-BE49-F238E27FC236}">
-                <a16:creationId xmlns:a16="http://schemas.microsoft.com/office/drawing/2014/main" id="{4BFCF9A1-69B3-4D2C-8818-7711643B9733}"/>
+                <a16:creationId xmlns:a16="http://schemas.microsoft.com/office/drawing/2014/main" id="{0E078E46-7095-4E2A-B4DE-B56C7B703DA6}"/>
               </a:ext>
             </a:extLst>
           </p:cNvPr>
@@ -8237,14 +8060,9 @@
           <a:lstStyle/>
           <a:p>
             <a:r>
-              <a:rPr lang="de-DE" dirty="0"/>
-              <a:t>Optimal K-</a:t>
-            </a:r>
-            <a:r>
-              <a:rPr lang="de-DE" dirty="0" err="1"/>
-              <a:t>Anonymity</a:t>
-            </a:r>
-            <a:endParaRPr lang="de-DE" dirty="0"/>
+              <a:rPr lang="en-US" dirty="0"/>
+              <a:t>Quality of k-anonymization</a:t>
+            </a:r>
           </a:p>
         </p:txBody>
       </p:sp>
@@ -8253,17 +8071,21 @@
           <p:cNvPr id="8" name="Grafik 7">
             <a:extLst>
               <a:ext uri="{FF2B5EF4-FFF2-40B4-BE49-F238E27FC236}">
-                <a16:creationId xmlns:a16="http://schemas.microsoft.com/office/drawing/2014/main" id="{F8F3F7CA-32E0-4C54-8871-FD67CAB0A2A8}"/>
+                <a16:creationId xmlns:a16="http://schemas.microsoft.com/office/drawing/2014/main" id="{41925E0A-3354-4A62-925F-B526D0B4E84A}"/>
               </a:ext>
             </a:extLst>
           </p:cNvPr>
           <p:cNvPicPr>
             <a:picLocks noChangeAspect="1"/>
           </p:cNvPicPr>
-          <p:nvPr/>
+          <p:nvPr>
+            <p:custDataLst>
+              <p:tags r:id="rId1"/>
+            </p:custDataLst>
+          </p:nvPr>
         </p:nvPicPr>
         <p:blipFill>
-          <a:blip r:embed="rId3">
+          <a:blip r:embed="rId3" cstate="print">
             <a:extLst>
               <a:ext uri="{28A0092B-C50C-407E-A947-70E740481C1C}">
                 <a14:useLocalDpi xmlns:a14="http://schemas.microsoft.com/office/drawing/2010/main" val="0"/>
@@ -8276,44 +8098,8 @@
         </p:blipFill>
         <p:spPr>
           <a:xfrm>
-            <a:off x="430213" y="3941346"/>
-            <a:ext cx="3887369" cy="1843724"/>
-          </a:xfrm>
-          <a:prstGeom prst="rect">
-            <a:avLst/>
-          </a:prstGeom>
-        </p:spPr>
-      </p:pic>
-      <p:pic>
-        <p:nvPicPr>
-          <p:cNvPr id="9" name="Grafik 8">
-            <a:extLst>
-              <a:ext uri="{FF2B5EF4-FFF2-40B4-BE49-F238E27FC236}">
-                <a16:creationId xmlns:a16="http://schemas.microsoft.com/office/drawing/2014/main" id="{0435FEEA-0B13-44FB-A367-342EC84D6421}"/>
-              </a:ext>
-            </a:extLst>
-          </p:cNvPr>
-          <p:cNvPicPr>
-            <a:picLocks noChangeAspect="1"/>
-          </p:cNvPicPr>
-          <p:nvPr/>
-        </p:nvPicPr>
-        <p:blipFill>
-          <a:blip r:embed="rId4">
-            <a:extLst>
-              <a:ext uri="{28A0092B-C50C-407E-A947-70E740481C1C}">
-                <a14:useLocalDpi xmlns:a14="http://schemas.microsoft.com/office/drawing/2010/main" val="0"/>
-              </a:ext>
-            </a:extLst>
-          </a:blip>
-          <a:stretch>
-            <a:fillRect/>
-          </a:stretch>
-        </p:blipFill>
-        <p:spPr>
-          <a:xfrm>
-            <a:off x="5004048" y="3570859"/>
-            <a:ext cx="2066032" cy="2556971"/>
+            <a:off x="1420662" y="3429000"/>
+            <a:ext cx="2985143" cy="495238"/>
           </a:xfrm>
           <a:prstGeom prst="rect">
             <a:avLst/>
@@ -8323,7 +8109,7 @@
     </p:spTree>
     <p:extLst>
       <p:ext uri="{BB962C8B-B14F-4D97-AF65-F5344CB8AC3E}">
-        <p14:creationId xmlns:p14="http://schemas.microsoft.com/office/powerpoint/2010/main" val="1624472290"/>
+        <p14:creationId xmlns:p14="http://schemas.microsoft.com/office/powerpoint/2010/main" val="1042052436"/>
       </p:ext>
     </p:extLst>
   </p:cSld>
@@ -8355,7 +8141,7 @@
           <p:cNvPr id="2" name="Textplatzhalter 1">
             <a:extLst>
               <a:ext uri="{FF2B5EF4-FFF2-40B4-BE49-F238E27FC236}">
-                <a16:creationId xmlns:a16="http://schemas.microsoft.com/office/drawing/2014/main" id="{D71D1614-3ADC-4DE3-8C51-A7417C1EDD56}"/>
+                <a16:creationId xmlns:a16="http://schemas.microsoft.com/office/drawing/2014/main" id="{B7F551F4-610E-488D-AB7B-CE0A61388660}"/>
               </a:ext>
             </a:extLst>
           </p:cNvPr>
@@ -8371,60 +8157,107 @@
           <a:bodyPr/>
           <a:lstStyle/>
           <a:p>
-            <a:r>
-              <a:rPr lang="en-US" dirty="0"/>
-              <a:t>Calculate information loss/distortion:</a:t>
-            </a:r>
-          </a:p>
-          <a:p>
-            <a:pPr lvl="1"/>
-            <a:r>
-              <a:rPr lang="en-US" dirty="0"/>
-              <a:t>Modification rate:</a:t>
-            </a:r>
-          </a:p>
-          <a:p>
-            <a:pPr lvl="2"/>
-            <a:r>
-              <a:rPr lang="en-US" dirty="0"/>
-              <a:t>The fraction of cells being modified</a:t>
-            </a:r>
-          </a:p>
-          <a:p>
-            <a:pPr lvl="2"/>
-            <a:r>
-              <a:rPr lang="en-US" dirty="0"/>
-              <a:t>Does not consider hierarchical structures</a:t>
-            </a:r>
-          </a:p>
-          <a:p>
-            <a:pPr lvl="1"/>
-            <a:r>
-              <a:rPr lang="en-US" dirty="0"/>
-              <a:t>Weighted hierarchical Distance</a:t>
-            </a:r>
-          </a:p>
-          <a:p>
-            <a:pPr lvl="2"/>
-            <a:r>
-              <a:rPr lang="en-US" dirty="0"/>
-              <a:t>Uniformed Weight: wj,j-1 = 1 (where 2&lt;= j&lt;=h)</a:t>
-            </a:r>
-          </a:p>
-          <a:p>
-            <a:pPr lvl="2"/>
-            <a:r>
-              <a:rPr lang="en-US" dirty="0"/>
-              <a:t>Or height weight </a:t>
-            </a:r>
-          </a:p>
-          <a:p>
-            <a:pPr lvl="2"/>
             <a:endParaRPr lang="en-US" dirty="0"/>
           </a:p>
           <a:p>
-            <a:pPr lvl="1"/>
-            <a:endParaRPr lang="en-US" dirty="0"/>
+            <a:r>
+              <a:rPr lang="de-DE" dirty="0"/>
+              <a:t>Goal </a:t>
+            </a:r>
+            <a:r>
+              <a:rPr lang="de-DE" dirty="0" err="1"/>
+              <a:t>of</a:t>
+            </a:r>
+            <a:r>
+              <a:rPr lang="de-DE" dirty="0"/>
+              <a:t> k-</a:t>
+            </a:r>
+            <a:r>
+              <a:rPr lang="de-DE" dirty="0" err="1"/>
+              <a:t>anonmity</a:t>
+            </a:r>
+            <a:r>
+              <a:rPr lang="de-DE" dirty="0"/>
+              <a:t> </a:t>
+            </a:r>
+            <a:r>
+              <a:rPr lang="de-DE" dirty="0" err="1"/>
+              <a:t>algorithm</a:t>
+            </a:r>
+            <a:r>
+              <a:rPr lang="de-DE" dirty="0"/>
+              <a:t> </a:t>
+            </a:r>
+            <a:r>
+              <a:rPr lang="de-DE" dirty="0" err="1"/>
+              <a:t>is</a:t>
+            </a:r>
+            <a:r>
+              <a:rPr lang="de-DE" dirty="0"/>
+              <a:t> </a:t>
+            </a:r>
+            <a:r>
+              <a:rPr lang="de-DE" dirty="0" err="1"/>
+              <a:t>to</a:t>
+            </a:r>
+            <a:r>
+              <a:rPr lang="de-DE" dirty="0"/>
+              <a:t> find a optimal </a:t>
+            </a:r>
+            <a:r>
+              <a:rPr lang="de-DE" dirty="0" err="1"/>
+              <a:t>solution</a:t>
+            </a:r>
+            <a:endParaRPr lang="de-DE" dirty="0"/>
+          </a:p>
+          <a:p>
+            <a:r>
+              <a:rPr lang="de-DE" dirty="0"/>
+              <a:t>Minimal Information </a:t>
+            </a:r>
+            <a:r>
+              <a:rPr lang="de-DE" dirty="0" err="1"/>
+              <a:t>loss</a:t>
+            </a:r>
+            <a:endParaRPr lang="de-DE" dirty="0"/>
+          </a:p>
+          <a:p>
+            <a:r>
+              <a:rPr lang="de-DE" dirty="0"/>
+              <a:t>Datamining</a:t>
+            </a:r>
+          </a:p>
+          <a:p>
+            <a:r>
+              <a:rPr lang="de-DE" dirty="0" err="1"/>
+              <a:t>Heuristic</a:t>
+            </a:r>
+            <a:r>
+              <a:rPr lang="de-DE" dirty="0"/>
+              <a:t> /</a:t>
+            </a:r>
+            <a:r>
+              <a:rPr lang="de-DE" dirty="0" err="1"/>
+              <a:t>Approximations</a:t>
+            </a:r>
+            <a:r>
+              <a:rPr lang="de-DE" dirty="0"/>
+              <a:t>/ Loss </a:t>
+            </a:r>
+            <a:r>
+              <a:rPr lang="de-DE" dirty="0" err="1"/>
+              <a:t>Metrics</a:t>
+            </a:r>
+            <a:endParaRPr lang="de-DE" dirty="0"/>
+          </a:p>
+          <a:p>
+            <a:r>
+              <a:rPr lang="de-DE" dirty="0"/>
+              <a:t>NP-Hard</a:t>
+            </a:r>
+          </a:p>
+          <a:p>
+            <a:endParaRPr lang="de-DE" dirty="0"/>
           </a:p>
         </p:txBody>
       </p:sp>
@@ -8433,7 +8266,7 @@
           <p:cNvPr id="3" name="Datumsplatzhalter 2">
             <a:extLst>
               <a:ext uri="{FF2B5EF4-FFF2-40B4-BE49-F238E27FC236}">
-                <a16:creationId xmlns:a16="http://schemas.microsoft.com/office/drawing/2014/main" id="{43E853D6-46C1-4523-ACD1-ED97431F8107}"/>
+                <a16:creationId xmlns:a16="http://schemas.microsoft.com/office/drawing/2014/main" id="{49D056D6-2543-4934-B1CF-0CC279797548}"/>
               </a:ext>
             </a:extLst>
           </p:cNvPr>
@@ -8462,7 +8295,7 @@
           <p:cNvPr id="4" name="Fußzeilenplatzhalter 3">
             <a:extLst>
               <a:ext uri="{FF2B5EF4-FFF2-40B4-BE49-F238E27FC236}">
-                <a16:creationId xmlns:a16="http://schemas.microsoft.com/office/drawing/2014/main" id="{1C730658-4EC4-4585-854A-66ACA12C51FC}"/>
+                <a16:creationId xmlns:a16="http://schemas.microsoft.com/office/drawing/2014/main" id="{ABEE3C34-C2C7-4728-B360-111405533D4C}"/>
               </a:ext>
             </a:extLst>
           </p:cNvPr>
@@ -8491,7 +8324,7 @@
           <p:cNvPr id="5" name="Foliennummernplatzhalter 4">
             <a:extLst>
               <a:ext uri="{FF2B5EF4-FFF2-40B4-BE49-F238E27FC236}">
-                <a16:creationId xmlns:a16="http://schemas.microsoft.com/office/drawing/2014/main" id="{0FAB273A-C162-4643-B876-9030E30E092F}"/>
+                <a16:creationId xmlns:a16="http://schemas.microsoft.com/office/drawing/2014/main" id="{6EB8AD93-9E3D-4E56-97AA-90997DA25138}"/>
               </a:ext>
             </a:extLst>
           </p:cNvPr>
@@ -8521,7 +8354,7 @@
           <p:cNvPr id="6" name="Titel 5">
             <a:extLst>
               <a:ext uri="{FF2B5EF4-FFF2-40B4-BE49-F238E27FC236}">
-                <a16:creationId xmlns:a16="http://schemas.microsoft.com/office/drawing/2014/main" id="{0E078E46-7095-4E2A-B4DE-B56C7B703DA6}"/>
+                <a16:creationId xmlns:a16="http://schemas.microsoft.com/office/drawing/2014/main" id="{4BFCF9A1-69B3-4D2C-8818-7711643B9733}"/>
               </a:ext>
             </a:extLst>
           </p:cNvPr>
@@ -8538,9 +8371,14 @@
           <a:lstStyle/>
           <a:p>
             <a:r>
-              <a:rPr lang="en-US" dirty="0"/>
-              <a:t>Quality of k-anonymization</a:t>
-            </a:r>
+              <a:rPr lang="de-DE" dirty="0"/>
+              <a:t>Optimal K-</a:t>
+            </a:r>
+            <a:r>
+              <a:rPr lang="de-DE" dirty="0" err="1"/>
+              <a:t>Anonymity</a:t>
+            </a:r>
+            <a:endParaRPr lang="de-DE" dirty="0"/>
           </a:p>
         </p:txBody>
       </p:sp>
@@ -8549,21 +8387,17 @@
           <p:cNvPr id="8" name="Grafik 7">
             <a:extLst>
               <a:ext uri="{FF2B5EF4-FFF2-40B4-BE49-F238E27FC236}">
-                <a16:creationId xmlns:a16="http://schemas.microsoft.com/office/drawing/2014/main" id="{41925E0A-3354-4A62-925F-B526D0B4E84A}"/>
+                <a16:creationId xmlns:a16="http://schemas.microsoft.com/office/drawing/2014/main" id="{F8F3F7CA-32E0-4C54-8871-FD67CAB0A2A8}"/>
               </a:ext>
             </a:extLst>
           </p:cNvPr>
           <p:cNvPicPr>
             <a:picLocks noChangeAspect="1"/>
           </p:cNvPicPr>
-          <p:nvPr>
-            <p:custDataLst>
-              <p:tags r:id="rId1"/>
-            </p:custDataLst>
-          </p:nvPr>
+          <p:nvPr/>
         </p:nvPicPr>
         <p:blipFill>
-          <a:blip r:embed="rId3" cstate="print">
+          <a:blip r:embed="rId3">
             <a:extLst>
               <a:ext uri="{28A0092B-C50C-407E-A947-70E740481C1C}">
                 <a14:useLocalDpi xmlns:a14="http://schemas.microsoft.com/office/drawing/2010/main" val="0"/>
@@ -8576,8 +8410,44 @@
         </p:blipFill>
         <p:spPr>
           <a:xfrm>
-            <a:off x="1420662" y="3429000"/>
-            <a:ext cx="2985143" cy="495238"/>
+            <a:off x="430213" y="3941346"/>
+            <a:ext cx="3887369" cy="1843724"/>
+          </a:xfrm>
+          <a:prstGeom prst="rect">
+            <a:avLst/>
+          </a:prstGeom>
+        </p:spPr>
+      </p:pic>
+      <p:pic>
+        <p:nvPicPr>
+          <p:cNvPr id="9" name="Grafik 8">
+            <a:extLst>
+              <a:ext uri="{FF2B5EF4-FFF2-40B4-BE49-F238E27FC236}">
+                <a16:creationId xmlns:a16="http://schemas.microsoft.com/office/drawing/2014/main" id="{0435FEEA-0B13-44FB-A367-342EC84D6421}"/>
+              </a:ext>
+            </a:extLst>
+          </p:cNvPr>
+          <p:cNvPicPr>
+            <a:picLocks noChangeAspect="1"/>
+          </p:cNvPicPr>
+          <p:nvPr/>
+        </p:nvPicPr>
+        <p:blipFill>
+          <a:blip r:embed="rId4">
+            <a:extLst>
+              <a:ext uri="{28A0092B-C50C-407E-A947-70E740481C1C}">
+                <a14:useLocalDpi xmlns:a14="http://schemas.microsoft.com/office/drawing/2010/main" val="0"/>
+              </a:ext>
+            </a:extLst>
+          </a:blip>
+          <a:stretch>
+            <a:fillRect/>
+          </a:stretch>
+        </p:blipFill>
+        <p:spPr>
+          <a:xfrm>
+            <a:off x="5004048" y="3570859"/>
+            <a:ext cx="2066032" cy="2556971"/>
           </a:xfrm>
           <a:prstGeom prst="rect">
             <a:avLst/>
@@ -8587,7 +8457,7 @@
     </p:spTree>
     <p:extLst>
       <p:ext uri="{BB962C8B-B14F-4D97-AF65-F5344CB8AC3E}">
-        <p14:creationId xmlns:p14="http://schemas.microsoft.com/office/powerpoint/2010/main" val="1042052436"/>
+        <p14:creationId xmlns:p14="http://schemas.microsoft.com/office/powerpoint/2010/main" val="1624472290"/>
       </p:ext>
     </p:extLst>
   </p:cSld>
@@ -9335,54 +9205,69 @@
           <a:lstStyle/>
           <a:p>
             <a:r>
-              <a:rPr lang="en-US"/>
+              <a:rPr lang="en-US" dirty="0"/>
               <a:t>Lowest lattice height</a:t>
             </a:r>
           </a:p>
           <a:p>
             <a:r>
-              <a:rPr lang="en-US"/>
+              <a:rPr lang="en-US" dirty="0"/>
               <a:t>example</a:t>
             </a:r>
           </a:p>
           <a:p>
             <a:r>
-              <a:rPr lang="en-US"/>
-              <a:t>Prec: takes lattice height into account</a:t>
-            </a:r>
-          </a:p>
-          <a:p>
-            <a:r>
-              <a:rPr lang="en-US"/>
+              <a:rPr lang="en-US" dirty="0" err="1"/>
+              <a:t>Prec</a:t>
+            </a:r>
+            <a:r>
+              <a:rPr lang="en-US" dirty="0"/>
+              <a:t>: takes lattice height into account</a:t>
+            </a:r>
+          </a:p>
+          <a:p>
+            <a:r>
+              <a:rPr lang="en-US" dirty="0"/>
               <a:t>example</a:t>
             </a:r>
           </a:p>
           <a:p>
             <a:r>
-              <a:rPr lang="de-DE"/>
-              <a:t>Discernability Metric or DM.</a:t>
-            </a:r>
-          </a:p>
-          <a:p>
-            <a:r>
-              <a:rPr lang="de-DE"/>
-              <a:t>Example</a:t>
-            </a:r>
-          </a:p>
-          <a:p>
-            <a:r>
-              <a:rPr lang="de-DE"/>
-              <a:t>Entropy </a:t>
-            </a:r>
-          </a:p>
-          <a:p>
-            <a:endParaRPr lang="en-US"/>
+              <a:rPr lang="de-DE" dirty="0" err="1"/>
+              <a:t>Discernability</a:t>
+            </a:r>
+            <a:r>
+              <a:rPr lang="de-DE" dirty="0"/>
+              <a:t> </a:t>
+            </a:r>
+            <a:r>
+              <a:rPr lang="de-DE" dirty="0" err="1"/>
+              <a:t>Metric</a:t>
+            </a:r>
+            <a:r>
+              <a:rPr lang="de-DE" dirty="0"/>
+              <a:t> </a:t>
+            </a:r>
+            <a:r>
+              <a:rPr lang="de-DE" dirty="0" err="1"/>
+              <a:t>or</a:t>
+            </a:r>
+            <a:r>
+              <a:rPr lang="de-DE" dirty="0"/>
+              <a:t> DM.</a:t>
+            </a:r>
           </a:p>
           <a:p>
             <a:pPr marL="0" indent="0">
               <a:buNone/>
             </a:pPr>
-            <a:endParaRPr lang="de-DE"/>
+            <a:endParaRPr lang="en-US" dirty="0"/>
+          </a:p>
+          <a:p>
+            <a:pPr marL="0" indent="0">
+              <a:buNone/>
+            </a:pPr>
+            <a:endParaRPr lang="de-DE" dirty="0"/>
           </a:p>
           <a:p>
             <a:pPr marL="0" indent="0">
@@ -9531,7 +9416,7 @@
         </p:blipFill>
         <p:spPr>
           <a:xfrm>
-            <a:off x="2755900" y="3573016"/>
+            <a:off x="1980406" y="3601566"/>
             <a:ext cx="5768656" cy="2104141"/>
           </a:xfrm>
           <a:prstGeom prst="rect">
@@ -9590,129 +9475,51 @@
           <a:bodyPr/>
           <a:lstStyle/>
           <a:p>
-            <a:r>
-              <a:rPr lang="en-US"/>
-              <a:t>1. For each generalization strategy, conduct a binary search</a:t>
-            </a:r>
-          </a:p>
-          <a:p>
-            <a:pPr marL="0" indent="0">
-              <a:buNone/>
+            <a:pPr marL="342900" indent="-342900">
+              <a:buFont typeface="+mj-lt"/>
+              <a:buAutoNum type="arabicPeriod"/>
             </a:pPr>
             <a:r>
-              <a:rPr lang="en-US"/>
-              <a:t>to find all the k-anonymous nodes.</a:t>
-            </a:r>
-          </a:p>
-          <a:p>
-            <a:r>
-              <a:rPr lang="en-US"/>
-              <a:t>2. For each generalization strategy with k-anonymous</a:t>
-            </a:r>
-          </a:p>
-          <a:p>
-            <a:pPr marL="0" indent="0">
-              <a:buNone/>
+              <a:rPr lang="en-US" sz="1800" dirty="0"/>
+              <a:t>For each generalization strategy, conduct a binary search to find all the k-anonymous nodes.</a:t>
+            </a:r>
+          </a:p>
+          <a:p>
+            <a:pPr marL="342900" indent="-342900">
+              <a:buFont typeface="+mj-lt"/>
+              <a:buAutoNum type="arabicPeriod"/>
             </a:pPr>
             <a:r>
-              <a:rPr lang="en-US"/>
-              <a:t>nodes, only the k-anonymous node with the lowest</a:t>
-            </a:r>
-          </a:p>
-          <a:p>
-            <a:pPr marL="0" indent="0">
-              <a:buNone/>
+              <a:rPr lang="en-US" sz="1800" dirty="0"/>
+              <a:t>For each generalization strategy with k-anonymous nodes, only the k-anonymous node with the lowest height within the strategy is retained. For example, in Figure 2 both nodes d0, g1, a1 and d0, g1, a2 are k-anonymous, but they are both part of the same generalization strategy and d0, g1, a1 is below d0, g1, a2 in the lattice. This means that d0, g1, a1 will have less information loss on all the three metrics we considered. The node d0, g1, a1 is called a </a:t>
+            </a:r>
+            <a:r>
+              <a:rPr lang="en-US" sz="1800" i="1" dirty="0"/>
+              <a:t>k</a:t>
+            </a:r>
+            <a:r>
+              <a:rPr lang="en-US" sz="1800" dirty="0"/>
+              <a:t>-</a:t>
+            </a:r>
+            <a:r>
+              <a:rPr lang="en-US" sz="1800" i="1" dirty="0"/>
+              <a:t>minimal node</a:t>
+            </a:r>
+            <a:r>
+              <a:rPr lang="en-US" sz="1800" dirty="0"/>
+              <a:t>. </a:t>
+            </a:r>
+          </a:p>
+          <a:p>
+            <a:pPr marL="342900" indent="-342900">
+              <a:buFont typeface="+mj-lt"/>
+              <a:buAutoNum type="arabicPeriod"/>
             </a:pPr>
             <a:r>
-              <a:rPr lang="en-US"/>
-              <a:t>height within the strategy is retained. For example, in</a:t>
-            </a:r>
-          </a:p>
-          <a:p>
-            <a:pPr marL="0" indent="0">
-              <a:buNone/>
-            </a:pPr>
-            <a:r>
-              <a:rPr lang="en-US"/>
-              <a:t>Figure 2 both nodes d0, g1, a1 and d0, g1, a2 are</a:t>
-            </a:r>
-          </a:p>
-          <a:p>
-            <a:pPr marL="0" indent="0">
-              <a:buNone/>
-            </a:pPr>
-            <a:r>
-              <a:rPr lang="en-US"/>
-              <a:t>k-anonymous, but they are both part of the same generalization strategy and d0, g1, a1 is below d0, g1, a2</a:t>
-            </a:r>
-          </a:p>
-          <a:p>
-            <a:pPr marL="0" indent="0">
-              <a:buNone/>
-            </a:pPr>
-            <a:r>
-              <a:rPr lang="en-US"/>
-              <a:t>in the lattice. This means that d0, g1, a1 will have less information loss on all the three metrics we considered. The node d0, g1, a1 is called a </a:t>
-            </a:r>
-            <a:r>
-              <a:rPr lang="en-US" i="1"/>
-              <a:t>k</a:t>
-            </a:r>
-            <a:r>
-              <a:rPr lang="en-US"/>
-              <a:t>-</a:t>
-            </a:r>
-            <a:r>
-              <a:rPr lang="en-US" i="1"/>
-              <a:t>minimal node</a:t>
-            </a:r>
-            <a:r>
-              <a:rPr lang="en-US"/>
-              <a:t>. </a:t>
-            </a:r>
-          </a:p>
-          <a:p>
-            <a:r>
-              <a:rPr lang="en-US"/>
-              <a:t>3. Now that we have the k-minimal nodes, these are compared n terms of their information loss and the node withthe smallest information loss is selected as the globally</a:t>
-            </a:r>
-          </a:p>
-          <a:p>
-            <a:pPr marL="0" indent="0">
-              <a:buNone/>
-            </a:pPr>
-            <a:r>
-              <a:rPr lang="en-US"/>
-              <a:t>optimal solution. Because of the monotonicity property,</a:t>
-            </a:r>
-          </a:p>
-          <a:p>
-            <a:pPr marL="0" indent="0">
-              <a:buNone/>
-            </a:pPr>
-            <a:r>
-              <a:rPr lang="en-US"/>
-              <a:t>the k-minimal node with the smallest information loss</a:t>
-            </a:r>
-          </a:p>
-          <a:p>
-            <a:pPr marL="0" indent="0">
-              <a:buNone/>
-            </a:pPr>
-            <a:r>
-              <a:rPr lang="en-US"/>
-              <a:t>must also have the smallest information loss among all</a:t>
-            </a:r>
-          </a:p>
-          <a:p>
-            <a:pPr marL="0" indent="0">
-              <a:buNone/>
-            </a:pPr>
-            <a:r>
-              <a:rPr lang="en-US"/>
-              <a:t>k-anonymous nodes in the lattice.</a:t>
-            </a:r>
-            <a:endParaRPr lang="de-DE" dirty="0"/>
+              <a:rPr lang="en-US" sz="1800" dirty="0"/>
+              <a:t>Now that we have the k-minimal nodes, these are compared n terms of their information loss and the node with the smallest information loss is selected as the globally optimal solution. Because of the monotonicity property, the k-minimal node with the smallest information loss must also have the smallest information loss among all k-anonymous nodes in the lattice.</a:t>
+            </a:r>
+            <a:endParaRPr lang="de-DE" sz="1800" dirty="0"/>
           </a:p>
         </p:txBody>
       </p:sp>
@@ -14849,18 +14656,18 @@
 
 <file path=customXml/item1.xml><?xml version="1.0" encoding="utf-8"?>
 <Control xmlns="http://schemas.microsoft.com/VisualStudio/2011/storyboarding/control">
-  <Id Name="System.Storyboarding.Common.Button" Revision="1" Stencil="System.Storyboarding.Common" StencilVersion="0.1"/>
+  <Id Name="dec3670c-0d6f-4455-9c2f-971d108358d4" Revision="1" Stencil="System.MyShapes" StencilVersion="1.0"/>
 </Control>
 </file>
 
 <file path=customXml/item2.xml><?xml version="1.0" encoding="utf-8"?>
 <Control xmlns="http://schemas.microsoft.com/VisualStudio/2011/storyboarding/control">
-  <Id Name="dec3670c-0d6f-4455-9c2f-971d108358d4" Revision="1" Stencil="System.MyShapes" StencilVersion="1.0"/>
+  <Id Name="System.Storyboarding.Common.Button" Revision="1" Stencil="System.Storyboarding.Common" StencilVersion="0.1"/>
 </Control>
 </file>
 
 <file path=customXml/itemProps1.xml><?xml version="1.0" encoding="utf-8"?>
-<ds:datastoreItem xmlns:ds="http://schemas.openxmlformats.org/officeDocument/2006/customXml" ds:itemID="{206AFEA3-501E-4E71-91B3-BDBE1D839E11}">
+<ds:datastoreItem xmlns:ds="http://schemas.openxmlformats.org/officeDocument/2006/customXml" ds:itemID="{566C5A5A-5A83-4A95-95C1-260C6D486DE6}">
   <ds:schemaRefs>
     <ds:schemaRef ds:uri="http://schemas.microsoft.com/VisualStudio/2011/storyboarding/control"/>
   </ds:schemaRefs>
@@ -14868,7 +14675,7 @@
 </file>
 
 <file path=customXml/itemProps2.xml><?xml version="1.0" encoding="utf-8"?>
-<ds:datastoreItem xmlns:ds="http://schemas.openxmlformats.org/officeDocument/2006/customXml" ds:itemID="{566C5A5A-5A83-4A95-95C1-260C6D486DE6}">
+<ds:datastoreItem xmlns:ds="http://schemas.openxmlformats.org/officeDocument/2006/customXml" ds:itemID="{206AFEA3-501E-4E71-91B3-BDBE1D839E11}">
   <ds:schemaRefs>
     <ds:schemaRef ds:uri="http://schemas.microsoft.com/VisualStudio/2011/storyboarding/control"/>
   </ds:schemaRefs>

--- a/presentation/sicherheits_final_anV3.pptx
+++ b/presentation/sicherheits_final_anV3.pptx
@@ -1300,7 +1300,20 @@
                 <a:ea typeface="+mn-ea"/>
                 <a:cs typeface="+mn-cs"/>
               </a:rPr>
-              <a:t> 02138 can be transform to 0213* by deleting the rightmost char</a:t>
+              <a:t> 02138 can be transform to 0213* by deleting the rightmost </a:t>
+            </a:r>
+          </a:p>
+          <a:p>
+            <a:r>
+              <a:rPr lang="en-US" sz="1200" b="0" i="0" u="none" strike="noStrike" kern="1200" baseline="0" dirty="0">
+                <a:solidFill>
+                  <a:schemeClr val="tx1"/>
+                </a:solidFill>
+                <a:latin typeface="Arial" charset="0"/>
+                <a:ea typeface="+mn-ea"/>
+                <a:cs typeface="+mn-cs"/>
+              </a:rPr>
+              <a:t>char</a:t>
             </a:r>
           </a:p>
           <a:p>
@@ -1314,6 +1327,39 @@
             </a:endParaRPr>
           </a:p>
           <a:p>
+            <a:pPr marL="0" marR="0" lvl="0" indent="0" algn="l" defTabSz="914400" rtl="0" eaLnBrk="1" fontAlgn="base" latinLnBrk="0" hangingPunct="1">
+              <a:lnSpc>
+                <a:spcPct val="100000"/>
+              </a:lnSpc>
+              <a:spcBef>
+                <a:spcPct val="30000"/>
+              </a:spcBef>
+              <a:spcAft>
+                <a:spcPct val="0"/>
+              </a:spcAft>
+              <a:buClrTx/>
+              <a:buSzTx/>
+              <a:buFontTx/>
+              <a:buNone/>
+              <a:tabLst/>
+              <a:defRPr/>
+            </a:pPr>
+            <a:r>
+              <a:rPr lang="en-US" dirty="0"/>
+              <a:t>The idea of generalizing an attribute is a simple concept. A value is replaced by a less specific, more general value that is faithful to the original.</a:t>
+            </a:r>
+          </a:p>
+          <a:p>
+            <a:endParaRPr lang="en-US" sz="1200" b="0" i="0" u="none" strike="noStrike" kern="1200" baseline="0" dirty="0">
+              <a:solidFill>
+                <a:schemeClr val="tx1"/>
+              </a:solidFill>
+              <a:latin typeface="Arial" charset="0"/>
+              <a:ea typeface="+mn-ea"/>
+              <a:cs typeface="+mn-cs"/>
+            </a:endParaRPr>
+          </a:p>
+          <a:p>
             <a:r>
               <a:rPr lang="en-US" sz="1200" b="0" i="0" u="none" strike="noStrike" kern="1200" baseline="0" dirty="0" err="1">
                 <a:solidFill>
@@ -1392,6 +1438,28 @@
                 <a:cs typeface="+mn-cs"/>
               </a:rPr>
               <a:t>used</a:t>
+            </a:r>
+            <a:r>
+              <a:rPr lang="de-DE" sz="1200" b="0" i="0" u="none" strike="noStrike" kern="1200" baseline="0" dirty="0">
+                <a:solidFill>
+                  <a:schemeClr val="tx1"/>
+                </a:solidFill>
+                <a:latin typeface="Arial" charset="0"/>
+                <a:ea typeface="+mn-ea"/>
+                <a:cs typeface="+mn-cs"/>
+              </a:rPr>
+              <a:t>: </a:t>
+            </a:r>
+            <a:r>
+              <a:rPr lang="de-DE" sz="1200" b="0" i="0" u="none" strike="noStrike" kern="1200" baseline="0" dirty="0" err="1">
+                <a:solidFill>
+                  <a:schemeClr val="tx1"/>
+                </a:solidFill>
+                <a:latin typeface="Arial" charset="0"/>
+                <a:ea typeface="+mn-ea"/>
+                <a:cs typeface="+mn-cs"/>
+              </a:rPr>
+              <a:t>example</a:t>
             </a:r>
             <a:endParaRPr lang="de-DE" dirty="0"/>
           </a:p>
@@ -1483,420 +1551,6 @@
           <a:bodyPr/>
           <a:lstStyle/>
           <a:p>
-            <a:r>
-              <a:rPr lang="en-US" sz="1200" b="0" i="0" u="none" strike="noStrike" kern="1200" baseline="0" dirty="0">
-                <a:solidFill>
-                  <a:schemeClr val="tx1"/>
-                </a:solidFill>
-                <a:latin typeface="Arial" charset="0"/>
-                <a:ea typeface="+mn-ea"/>
-                <a:cs typeface="+mn-cs"/>
-              </a:rPr>
-              <a:t>The three information loss metrics that we have presented above (</a:t>
-            </a:r>
-            <a:r>
-              <a:rPr lang="en-US" sz="1200" b="0" i="1" u="none" strike="noStrike" kern="1200" baseline="0" dirty="0" err="1">
-                <a:solidFill>
-                  <a:schemeClr val="tx1"/>
-                </a:solidFill>
-                <a:latin typeface="Arial" charset="0"/>
-                <a:ea typeface="+mn-ea"/>
-                <a:cs typeface="+mn-cs"/>
-              </a:rPr>
-              <a:t>Prec</a:t>
-            </a:r>
-            <a:r>
-              <a:rPr lang="en-US" sz="1200" b="0" i="0" u="none" strike="noStrike" kern="1200" baseline="0" dirty="0">
-                <a:solidFill>
-                  <a:schemeClr val="tx1"/>
-                </a:solidFill>
-                <a:latin typeface="Arial" charset="0"/>
-                <a:ea typeface="+mn-ea"/>
-                <a:cs typeface="+mn-cs"/>
-              </a:rPr>
-              <a:t>, </a:t>
-            </a:r>
-            <a:r>
-              <a:rPr lang="en-US" sz="1200" b="0" i="1" u="none" strike="noStrike" kern="1200" baseline="0" dirty="0">
-                <a:solidFill>
-                  <a:schemeClr val="tx1"/>
-                </a:solidFill>
-                <a:latin typeface="Arial" charset="0"/>
-                <a:ea typeface="+mn-ea"/>
-                <a:cs typeface="+mn-cs"/>
-              </a:rPr>
-              <a:t>DM</a:t>
-            </a:r>
-            <a:r>
-              <a:rPr lang="en-US" sz="1200" b="0" i="0" u="none" strike="noStrike" kern="1200" baseline="0" dirty="0">
-                <a:solidFill>
-                  <a:schemeClr val="tx1"/>
-                </a:solidFill>
-                <a:latin typeface="Arial" charset="0"/>
-                <a:ea typeface="+mn-ea"/>
-                <a:cs typeface="+mn-cs"/>
-              </a:rPr>
-              <a:t>*, and non-uniform entropy) are monotonic</a:t>
-            </a:r>
-          </a:p>
-          <a:p>
-            <a:r>
-              <a:rPr lang="en-US" sz="1200" b="0" i="0" u="none" strike="noStrike" kern="1200" baseline="0" dirty="0">
-                <a:solidFill>
-                  <a:schemeClr val="tx1"/>
-                </a:solidFill>
-                <a:latin typeface="Arial" charset="0"/>
-                <a:ea typeface="+mn-ea"/>
-                <a:cs typeface="+mn-cs"/>
-              </a:rPr>
-              <a:t>within any given generalization strategy. This means that as we move up the lattice along any generalization strategy the</a:t>
-            </a:r>
-          </a:p>
-          <a:p>
-            <a:r>
-              <a:rPr lang="en-US" sz="1200" b="0" i="0" u="none" strike="noStrike" kern="1200" baseline="0" dirty="0">
-                <a:solidFill>
-                  <a:schemeClr val="tx1"/>
-                </a:solidFill>
-                <a:latin typeface="Arial" charset="0"/>
-                <a:ea typeface="+mn-ea"/>
-                <a:cs typeface="+mn-cs"/>
-              </a:rPr>
-              <a:t>information loss value will either remain the same or increase. This property is important because it means that if we have two</a:t>
-            </a:r>
-          </a:p>
-          <a:p>
-            <a:r>
-              <a:rPr lang="en-US" sz="1200" b="0" i="0" u="none" strike="noStrike" kern="1200" baseline="0" dirty="0">
-                <a:solidFill>
-                  <a:schemeClr val="tx1"/>
-                </a:solidFill>
-                <a:latin typeface="Arial" charset="0"/>
-                <a:ea typeface="+mn-ea"/>
-                <a:cs typeface="+mn-cs"/>
-              </a:rPr>
-              <a:t>k-anonymous nodes in the same generalization strategy, then the one lower in the strategy will always have a lower information </a:t>
-            </a:r>
-            <a:r>
-              <a:rPr lang="de-DE" sz="1200" b="0" i="0" u="none" strike="noStrike" kern="1200" baseline="0" dirty="0" err="1">
-                <a:solidFill>
-                  <a:schemeClr val="tx1"/>
-                </a:solidFill>
-                <a:latin typeface="Arial" charset="0"/>
-                <a:ea typeface="+mn-ea"/>
-                <a:cs typeface="+mn-cs"/>
-              </a:rPr>
-              <a:t>loss</a:t>
-            </a:r>
-            <a:r>
-              <a:rPr lang="de-DE" sz="1200" b="0" i="0" u="none" strike="noStrike" kern="1200" baseline="0" dirty="0">
-                <a:solidFill>
-                  <a:schemeClr val="tx1"/>
-                </a:solidFill>
-                <a:latin typeface="Arial" charset="0"/>
-                <a:ea typeface="+mn-ea"/>
-                <a:cs typeface="+mn-cs"/>
-              </a:rPr>
-              <a:t>.</a:t>
-            </a:r>
-          </a:p>
-          <a:p>
-            <a:endParaRPr lang="de-DE" sz="1200" b="0" i="0" u="none" strike="noStrike" kern="1200" baseline="0" dirty="0">
-              <a:solidFill>
-                <a:schemeClr val="tx1"/>
-              </a:solidFill>
-              <a:latin typeface="Arial" charset="0"/>
-              <a:ea typeface="+mn-ea"/>
-              <a:cs typeface="+mn-cs"/>
-            </a:endParaRPr>
-          </a:p>
-          <a:p>
-            <a:r>
-              <a:rPr lang="en-US" sz="1200" b="0" i="0" u="none" strike="noStrike" kern="1200" baseline="0" dirty="0">
-                <a:solidFill>
-                  <a:schemeClr val="tx1"/>
-                </a:solidFill>
-                <a:latin typeface="Arial" charset="0"/>
-                <a:ea typeface="+mn-ea"/>
-                <a:cs typeface="+mn-cs"/>
-              </a:rPr>
-              <a:t>The generalization hierarchies for the three quasi-identifiers in</a:t>
-            </a:r>
-          </a:p>
-          <a:p>
-            <a:r>
-              <a:rPr lang="en-US" sz="1200" b="0" i="0" u="none" strike="noStrike" kern="1200" baseline="0" dirty="0">
-                <a:solidFill>
-                  <a:schemeClr val="tx1"/>
-                </a:solidFill>
-                <a:latin typeface="Arial" charset="0"/>
-                <a:ea typeface="+mn-ea"/>
-                <a:cs typeface="+mn-cs"/>
-              </a:rPr>
-              <a:t>Figure 1 can be represented as a lattice, as in panel (a) of Figure</a:t>
-            </a:r>
-          </a:p>
-          <a:p>
-            <a:r>
-              <a:rPr lang="en-US" sz="1200" b="0" i="0" u="none" strike="noStrike" kern="1200" baseline="0" dirty="0">
-                <a:solidFill>
-                  <a:schemeClr val="tx1"/>
-                </a:solidFill>
-                <a:latin typeface="Arial" charset="0"/>
-                <a:ea typeface="+mn-ea"/>
-                <a:cs typeface="+mn-cs"/>
-              </a:rPr>
-              <a:t>2. The height of each row of nodes is shown on the left hand</a:t>
-            </a:r>
-          </a:p>
-          <a:p>
-            <a:r>
-              <a:rPr lang="en-US" sz="1200" b="0" i="0" u="none" strike="noStrike" kern="1200" baseline="0" dirty="0">
-                <a:solidFill>
-                  <a:schemeClr val="tx1"/>
-                </a:solidFill>
-                <a:latin typeface="Arial" charset="0"/>
-                <a:ea typeface="+mn-ea"/>
-                <a:cs typeface="+mn-cs"/>
-              </a:rPr>
-              <a:t>side, ranging from zero to 7 in this case. The arrows illustrate</a:t>
-            </a:r>
-          </a:p>
-          <a:p>
-            <a:r>
-              <a:rPr lang="en-US" sz="1200" b="0" i="0" u="none" strike="noStrike" kern="1200" baseline="0" dirty="0">
-                <a:solidFill>
-                  <a:schemeClr val="tx1"/>
-                </a:solidFill>
-                <a:latin typeface="Arial" charset="0"/>
-                <a:ea typeface="+mn-ea"/>
-                <a:cs typeface="+mn-cs"/>
-              </a:rPr>
-              <a:t>the possible generalization paths that can be taken through the</a:t>
-            </a:r>
-          </a:p>
-          <a:p>
-            <a:r>
-              <a:rPr lang="en-US" sz="1200" b="0" i="0" u="none" strike="noStrike" kern="1200" baseline="0" dirty="0">
-                <a:solidFill>
-                  <a:schemeClr val="tx1"/>
-                </a:solidFill>
-                <a:latin typeface="Arial" charset="0"/>
-                <a:ea typeface="+mn-ea"/>
-                <a:cs typeface="+mn-cs"/>
-              </a:rPr>
-              <a:t>lattice. A series of connected paths from the bottom node to the</a:t>
-            </a:r>
-          </a:p>
-          <a:p>
-            <a:r>
-              <a:rPr lang="en-US" sz="1200" b="0" i="0" u="none" strike="noStrike" kern="1200" baseline="0" dirty="0">
-                <a:solidFill>
-                  <a:schemeClr val="tx1"/>
-                </a:solidFill>
-                <a:latin typeface="Arial" charset="0"/>
-                <a:ea typeface="+mn-ea"/>
-                <a:cs typeface="+mn-cs"/>
-              </a:rPr>
-              <a:t>top node is a </a:t>
-            </a:r>
-            <a:r>
-              <a:rPr lang="en-US" sz="1200" b="0" i="1" u="none" strike="noStrike" kern="1200" baseline="0" dirty="0">
-                <a:solidFill>
-                  <a:schemeClr val="tx1"/>
-                </a:solidFill>
-                <a:latin typeface="Arial" charset="0"/>
-                <a:ea typeface="+mn-ea"/>
-                <a:cs typeface="+mn-cs"/>
-              </a:rPr>
-              <a:t>generalization strategy</a:t>
-            </a:r>
-            <a:r>
-              <a:rPr lang="en-US" sz="1200" b="0" i="0" u="none" strike="noStrike" kern="1200" baseline="0" dirty="0">
-                <a:solidFill>
-                  <a:schemeClr val="tx1"/>
-                </a:solidFill>
-                <a:latin typeface="Arial" charset="0"/>
-                <a:ea typeface="+mn-ea"/>
-                <a:cs typeface="+mn-cs"/>
-              </a:rPr>
-              <a:t>. Panel (b) of Figure 2 shows two</a:t>
-            </a:r>
-          </a:p>
-          <a:p>
-            <a:r>
-              <a:rPr lang="en-US" sz="1200" b="0" i="0" u="none" strike="noStrike" kern="1200" baseline="0" dirty="0">
-                <a:solidFill>
-                  <a:schemeClr val="tx1"/>
-                </a:solidFill>
-                <a:latin typeface="Arial" charset="0"/>
-                <a:ea typeface="+mn-ea"/>
-                <a:cs typeface="+mn-cs"/>
-              </a:rPr>
-              <a:t>generalization strategies which pass through the node d0, g1,</a:t>
-            </a:r>
-          </a:p>
-          <a:p>
-            <a:r>
-              <a:rPr lang="en-US" sz="1200" b="0" i="0" u="none" strike="noStrike" kern="1200" baseline="0" dirty="0">
-                <a:solidFill>
-                  <a:schemeClr val="tx1"/>
-                </a:solidFill>
-                <a:latin typeface="Arial" charset="0"/>
-                <a:ea typeface="+mn-ea"/>
-                <a:cs typeface="+mn-cs"/>
-              </a:rPr>
-              <a:t>a2. Each node in the lattice represents a possible instance of the</a:t>
-            </a:r>
-          </a:p>
-          <a:p>
-            <a:r>
-              <a:rPr lang="en-US" sz="1200" b="0" i="0" u="none" strike="noStrike" kern="1200" baseline="0" dirty="0">
-                <a:solidFill>
-                  <a:schemeClr val="tx1"/>
-                </a:solidFill>
-                <a:latin typeface="Arial" charset="0"/>
-                <a:ea typeface="+mn-ea"/>
-                <a:cs typeface="+mn-cs"/>
-              </a:rPr>
-              <a:t>dataset. One of these nodes is the globally optimal solution and</a:t>
-            </a:r>
-          </a:p>
-          <a:p>
-            <a:r>
-              <a:rPr lang="en-US" sz="1200" b="0" i="0" u="none" strike="noStrike" kern="1200" baseline="0" dirty="0">
-                <a:solidFill>
-                  <a:schemeClr val="tx1"/>
-                </a:solidFill>
-                <a:latin typeface="Arial" charset="0"/>
-                <a:ea typeface="+mn-ea"/>
-                <a:cs typeface="+mn-cs"/>
-              </a:rPr>
-              <a:t>the objective of a k-anonymity algorithm is to find it efficiently.</a:t>
-            </a:r>
-          </a:p>
-          <a:p>
-            <a:endParaRPr lang="en-US" sz="1200" b="0" i="0" u="none" strike="noStrike" kern="1200" baseline="0" dirty="0">
-              <a:solidFill>
-                <a:schemeClr val="tx1"/>
-              </a:solidFill>
-              <a:latin typeface="Arial" charset="0"/>
-              <a:ea typeface="+mn-ea"/>
-              <a:cs typeface="+mn-cs"/>
-            </a:endParaRPr>
-          </a:p>
-          <a:p>
-            <a:r>
-              <a:rPr lang="en-US" sz="1200" b="0" i="0" u="none" strike="noStrike" kern="1200" baseline="0" dirty="0">
-                <a:solidFill>
-                  <a:schemeClr val="tx1"/>
-                </a:solidFill>
-                <a:latin typeface="Arial" charset="0"/>
-                <a:ea typeface="+mn-ea"/>
-                <a:cs typeface="+mn-cs"/>
-              </a:rPr>
-              <a:t>All equivalence classes in the dataset that are smaller than </a:t>
-            </a:r>
-            <a:r>
-              <a:rPr lang="en-US" sz="1200" b="0" i="1" u="none" strike="noStrike" kern="1200" baseline="0" dirty="0">
-                <a:solidFill>
-                  <a:schemeClr val="tx1"/>
-                </a:solidFill>
-                <a:latin typeface="Arial" charset="0"/>
-                <a:ea typeface="+mn-ea"/>
-                <a:cs typeface="+mn-cs"/>
-              </a:rPr>
-              <a:t>k </a:t>
-            </a:r>
-            <a:r>
-              <a:rPr lang="en-US" sz="1200" b="0" i="0" u="none" strike="noStrike" kern="1200" baseline="0" dirty="0">
-                <a:solidFill>
-                  <a:schemeClr val="tx1"/>
-                </a:solidFill>
-                <a:latin typeface="Arial" charset="0"/>
-                <a:ea typeface="+mn-ea"/>
-                <a:cs typeface="+mn-cs"/>
-              </a:rPr>
-              <a:t>are</a:t>
-            </a:r>
-          </a:p>
-          <a:p>
-            <a:r>
-              <a:rPr lang="en-US" sz="1200" b="0" i="0" u="none" strike="noStrike" kern="1200" baseline="0" dirty="0">
-                <a:solidFill>
-                  <a:schemeClr val="tx1"/>
-                </a:solidFill>
-                <a:latin typeface="Arial" charset="0"/>
-                <a:ea typeface="+mn-ea"/>
-                <a:cs typeface="+mn-cs"/>
-              </a:rPr>
-              <a:t>suppressed.26 In Figure 2, 70% of the records were suppressed in</a:t>
-            </a:r>
-          </a:p>
-          <a:p>
-            <a:r>
-              <a:rPr lang="en-US" sz="1200" b="0" i="0" u="none" strike="noStrike" kern="1200" baseline="0" dirty="0">
-                <a:solidFill>
-                  <a:schemeClr val="tx1"/>
-                </a:solidFill>
-                <a:latin typeface="Arial" charset="0"/>
-                <a:ea typeface="+mn-ea"/>
-                <a:cs typeface="+mn-cs"/>
-              </a:rPr>
-              <a:t>the dataset represented by node d0, g0, a0 because these</a:t>
-            </a:r>
-          </a:p>
-          <a:p>
-            <a:r>
-              <a:rPr lang="en-US" sz="1200" b="0" i="0" u="none" strike="noStrike" kern="1200" baseline="0" dirty="0">
-                <a:solidFill>
-                  <a:schemeClr val="tx1"/>
-                </a:solidFill>
-                <a:latin typeface="Arial" charset="0"/>
-                <a:ea typeface="+mn-ea"/>
-                <a:cs typeface="+mn-cs"/>
-              </a:rPr>
-              <a:t>records were in small equivalence classes. As more generalization</a:t>
-            </a:r>
-          </a:p>
-          <a:p>
-            <a:r>
-              <a:rPr lang="en-US" sz="1200" b="0" i="0" u="none" strike="noStrike" kern="1200" baseline="0" dirty="0">
-                <a:solidFill>
-                  <a:schemeClr val="tx1"/>
-                </a:solidFill>
-                <a:latin typeface="Arial" charset="0"/>
-                <a:ea typeface="+mn-ea"/>
-                <a:cs typeface="+mn-cs"/>
-              </a:rPr>
-              <a:t>is applied, the extent of suppression goes down. For example,</a:t>
-            </a:r>
-          </a:p>
-          <a:p>
-            <a:r>
-              <a:rPr lang="en-US" sz="1200" b="0" i="0" u="none" strike="noStrike" kern="1200" baseline="0" dirty="0">
-                <a:solidFill>
-                  <a:schemeClr val="tx1"/>
-                </a:solidFill>
-                <a:latin typeface="Arial" charset="0"/>
-                <a:ea typeface="+mn-ea"/>
-                <a:cs typeface="+mn-cs"/>
-              </a:rPr>
-              <a:t>node d0, g0, a1, with age generalized to 5-year intervals, has</a:t>
-            </a:r>
-          </a:p>
-          <a:p>
-            <a:r>
-              <a:rPr lang="en-US" sz="1200" b="0" i="0" u="none" strike="noStrike" kern="1200" baseline="0" dirty="0">
-                <a:solidFill>
-                  <a:schemeClr val="tx1"/>
-                </a:solidFill>
-                <a:latin typeface="Arial" charset="0"/>
-                <a:ea typeface="+mn-ea"/>
-                <a:cs typeface="+mn-cs"/>
-              </a:rPr>
-              <a:t>only 30% of the records suppressed.</a:t>
-            </a:r>
             <a:endParaRPr lang="de-DE" dirty="0"/>
           </a:p>
         </p:txBody>
@@ -1924,7 +1578,7 @@
               <a:pPr>
                 <a:defRPr/>
               </a:pPr>
-              <a:t>16</a:t>
+              <a:t>15</a:t>
             </a:fld>
             <a:endParaRPr lang="de-DE"/>
           </a:p>
@@ -1933,7 +1587,7 @@
     </p:spTree>
     <p:extLst>
       <p:ext uri="{BB962C8B-B14F-4D97-AF65-F5344CB8AC3E}">
-        <p14:creationId xmlns:p14="http://schemas.microsoft.com/office/powerpoint/2010/main" val="3798197572"/>
+        <p14:creationId xmlns:p14="http://schemas.microsoft.com/office/powerpoint/2010/main" val="839755462"/>
       </p:ext>
     </p:extLst>
   </p:cSld>
@@ -1996,10 +1650,19 @@
                 <a:ea typeface="+mn-ea"/>
                 <a:cs typeface="+mn-cs"/>
               </a:rPr>
-              <a:t>Out of the highlighted nodes in the lattice, Samarati24 proposes that the node with the lowest lattice height should be selected as the optimal solution. In our example of Figure</a:t>
-            </a:r>
-          </a:p>
-          <a:p>
+              <a:t>The three information loss metrics that we have presented above (</a:t>
+            </a:r>
+            <a:r>
+              <a:rPr lang="en-US" sz="1200" b="0" i="1" u="none" strike="noStrike" kern="1200" baseline="0" dirty="0" err="1">
+                <a:solidFill>
+                  <a:schemeClr val="tx1"/>
+                </a:solidFill>
+                <a:latin typeface="Arial" charset="0"/>
+                <a:ea typeface="+mn-ea"/>
+                <a:cs typeface="+mn-cs"/>
+              </a:rPr>
+              <a:t>Prec</a:t>
+            </a:r>
             <a:r>
               <a:rPr lang="en-US" sz="1200" b="0" i="0" u="none" strike="noStrike" kern="1200" baseline="0" dirty="0">
                 <a:solidFill>
@@ -2009,7 +1672,265 @@
                 <a:ea typeface="+mn-ea"/>
                 <a:cs typeface="+mn-cs"/>
               </a:rPr>
-              <a:t>2, this would be node d0, g1, a1. The assumption being made is that this solution balances the extent of generalization with the extent of suppression</a:t>
+              <a:t>, </a:t>
+            </a:r>
+            <a:r>
+              <a:rPr lang="en-US" sz="1200" b="0" i="1" u="none" strike="noStrike" kern="1200" baseline="0" dirty="0">
+                <a:solidFill>
+                  <a:schemeClr val="tx1"/>
+                </a:solidFill>
+                <a:latin typeface="Arial" charset="0"/>
+                <a:ea typeface="+mn-ea"/>
+                <a:cs typeface="+mn-cs"/>
+              </a:rPr>
+              <a:t>DM</a:t>
+            </a:r>
+            <a:r>
+              <a:rPr lang="en-US" sz="1200" b="0" i="0" u="none" strike="noStrike" kern="1200" baseline="0" dirty="0">
+                <a:solidFill>
+                  <a:schemeClr val="tx1"/>
+                </a:solidFill>
+                <a:latin typeface="Arial" charset="0"/>
+                <a:ea typeface="+mn-ea"/>
+                <a:cs typeface="+mn-cs"/>
+              </a:rPr>
+              <a:t>*, and non-uniform entropy) are monotonic</a:t>
+            </a:r>
+          </a:p>
+          <a:p>
+            <a:r>
+              <a:rPr lang="en-US" sz="1200" b="0" i="0" u="none" strike="noStrike" kern="1200" baseline="0" dirty="0">
+                <a:solidFill>
+                  <a:schemeClr val="tx1"/>
+                </a:solidFill>
+                <a:latin typeface="Arial" charset="0"/>
+                <a:ea typeface="+mn-ea"/>
+                <a:cs typeface="+mn-cs"/>
+              </a:rPr>
+              <a:t>within any given generalization strategy. This means that as we move up the lattice along any generalization strategy the</a:t>
+            </a:r>
+          </a:p>
+          <a:p>
+            <a:r>
+              <a:rPr lang="en-US" sz="1200" b="0" i="0" u="none" strike="noStrike" kern="1200" baseline="0" dirty="0">
+                <a:solidFill>
+                  <a:schemeClr val="tx1"/>
+                </a:solidFill>
+                <a:latin typeface="Arial" charset="0"/>
+                <a:ea typeface="+mn-ea"/>
+                <a:cs typeface="+mn-cs"/>
+              </a:rPr>
+              <a:t>information loss value will either remain the same or increase. This property is important because it means that if we have two</a:t>
+            </a:r>
+          </a:p>
+          <a:p>
+            <a:r>
+              <a:rPr lang="en-US" sz="1200" b="0" i="0" u="none" strike="noStrike" kern="1200" baseline="0" dirty="0">
+                <a:solidFill>
+                  <a:schemeClr val="tx1"/>
+                </a:solidFill>
+                <a:latin typeface="Arial" charset="0"/>
+                <a:ea typeface="+mn-ea"/>
+                <a:cs typeface="+mn-cs"/>
+              </a:rPr>
+              <a:t>k-anonymous nodes in the same generalization strategy, then the one lower in the strategy will always have a lower information </a:t>
+            </a:r>
+            <a:r>
+              <a:rPr lang="de-DE" sz="1200" b="0" i="0" u="none" strike="noStrike" kern="1200" baseline="0" dirty="0" err="1">
+                <a:solidFill>
+                  <a:schemeClr val="tx1"/>
+                </a:solidFill>
+                <a:latin typeface="Arial" charset="0"/>
+                <a:ea typeface="+mn-ea"/>
+                <a:cs typeface="+mn-cs"/>
+              </a:rPr>
+              <a:t>loss</a:t>
+            </a:r>
+            <a:r>
+              <a:rPr lang="de-DE" sz="1200" b="0" i="0" u="none" strike="noStrike" kern="1200" baseline="0" dirty="0">
+                <a:solidFill>
+                  <a:schemeClr val="tx1"/>
+                </a:solidFill>
+                <a:latin typeface="Arial" charset="0"/>
+                <a:ea typeface="+mn-ea"/>
+                <a:cs typeface="+mn-cs"/>
+              </a:rPr>
+              <a:t>.</a:t>
+            </a:r>
+          </a:p>
+          <a:p>
+            <a:endParaRPr lang="de-DE" sz="1200" b="0" i="0" u="none" strike="noStrike" kern="1200" baseline="0" dirty="0">
+              <a:solidFill>
+                <a:schemeClr val="tx1"/>
+              </a:solidFill>
+              <a:latin typeface="Arial" charset="0"/>
+              <a:ea typeface="+mn-ea"/>
+              <a:cs typeface="+mn-cs"/>
+            </a:endParaRPr>
+          </a:p>
+          <a:p>
+            <a:r>
+              <a:rPr lang="en-US" sz="1200" b="0" i="0" u="none" strike="noStrike" kern="1200" baseline="0" dirty="0">
+                <a:solidFill>
+                  <a:schemeClr val="tx1"/>
+                </a:solidFill>
+                <a:latin typeface="Arial" charset="0"/>
+                <a:ea typeface="+mn-ea"/>
+                <a:cs typeface="+mn-cs"/>
+              </a:rPr>
+              <a:t>The generalization hierarchies for the three quasi-identifiers in</a:t>
+            </a:r>
+          </a:p>
+          <a:p>
+            <a:r>
+              <a:rPr lang="en-US" sz="1200" b="0" i="0" u="none" strike="noStrike" kern="1200" baseline="0" dirty="0">
+                <a:solidFill>
+                  <a:schemeClr val="tx1"/>
+                </a:solidFill>
+                <a:latin typeface="Arial" charset="0"/>
+                <a:ea typeface="+mn-ea"/>
+                <a:cs typeface="+mn-cs"/>
+              </a:rPr>
+              <a:t>Figure 1 can be represented as a lattice, as in panel (a) of Figure</a:t>
+            </a:r>
+          </a:p>
+          <a:p>
+            <a:r>
+              <a:rPr lang="en-US" sz="1200" b="0" i="0" u="none" strike="noStrike" kern="1200" baseline="0" dirty="0">
+                <a:solidFill>
+                  <a:schemeClr val="tx1"/>
+                </a:solidFill>
+                <a:latin typeface="Arial" charset="0"/>
+                <a:ea typeface="+mn-ea"/>
+                <a:cs typeface="+mn-cs"/>
+              </a:rPr>
+              <a:t>2. The height of each row of nodes is shown on the left hand</a:t>
+            </a:r>
+          </a:p>
+          <a:p>
+            <a:r>
+              <a:rPr lang="en-US" sz="1200" b="0" i="0" u="none" strike="noStrike" kern="1200" baseline="0" dirty="0">
+                <a:solidFill>
+                  <a:schemeClr val="tx1"/>
+                </a:solidFill>
+                <a:latin typeface="Arial" charset="0"/>
+                <a:ea typeface="+mn-ea"/>
+                <a:cs typeface="+mn-cs"/>
+              </a:rPr>
+              <a:t>side, ranging from zero to 7 in this case. The arrows illustrate</a:t>
+            </a:r>
+          </a:p>
+          <a:p>
+            <a:r>
+              <a:rPr lang="en-US" sz="1200" b="0" i="0" u="none" strike="noStrike" kern="1200" baseline="0" dirty="0">
+                <a:solidFill>
+                  <a:schemeClr val="tx1"/>
+                </a:solidFill>
+                <a:latin typeface="Arial" charset="0"/>
+                <a:ea typeface="+mn-ea"/>
+                <a:cs typeface="+mn-cs"/>
+              </a:rPr>
+              <a:t>the possible generalization paths that can be taken through the</a:t>
+            </a:r>
+          </a:p>
+          <a:p>
+            <a:r>
+              <a:rPr lang="en-US" sz="1200" b="0" i="0" u="none" strike="noStrike" kern="1200" baseline="0" dirty="0">
+                <a:solidFill>
+                  <a:schemeClr val="tx1"/>
+                </a:solidFill>
+                <a:latin typeface="Arial" charset="0"/>
+                <a:ea typeface="+mn-ea"/>
+                <a:cs typeface="+mn-cs"/>
+              </a:rPr>
+              <a:t>lattice. A series of connected paths from the bottom node to the</a:t>
+            </a:r>
+          </a:p>
+          <a:p>
+            <a:r>
+              <a:rPr lang="en-US" sz="1200" b="0" i="0" u="none" strike="noStrike" kern="1200" baseline="0" dirty="0">
+                <a:solidFill>
+                  <a:schemeClr val="tx1"/>
+                </a:solidFill>
+                <a:latin typeface="Arial" charset="0"/>
+                <a:ea typeface="+mn-ea"/>
+                <a:cs typeface="+mn-cs"/>
+              </a:rPr>
+              <a:t>top node is a </a:t>
+            </a:r>
+            <a:r>
+              <a:rPr lang="en-US" sz="1200" b="0" i="1" u="none" strike="noStrike" kern="1200" baseline="0" dirty="0">
+                <a:solidFill>
+                  <a:schemeClr val="tx1"/>
+                </a:solidFill>
+                <a:latin typeface="Arial" charset="0"/>
+                <a:ea typeface="+mn-ea"/>
+                <a:cs typeface="+mn-cs"/>
+              </a:rPr>
+              <a:t>generalization strategy</a:t>
+            </a:r>
+            <a:r>
+              <a:rPr lang="en-US" sz="1200" b="0" i="0" u="none" strike="noStrike" kern="1200" baseline="0" dirty="0">
+                <a:solidFill>
+                  <a:schemeClr val="tx1"/>
+                </a:solidFill>
+                <a:latin typeface="Arial" charset="0"/>
+                <a:ea typeface="+mn-ea"/>
+                <a:cs typeface="+mn-cs"/>
+              </a:rPr>
+              <a:t>. Panel (b) of Figure 2 shows two</a:t>
+            </a:r>
+          </a:p>
+          <a:p>
+            <a:r>
+              <a:rPr lang="en-US" sz="1200" b="0" i="0" u="none" strike="noStrike" kern="1200" baseline="0" dirty="0">
+                <a:solidFill>
+                  <a:schemeClr val="tx1"/>
+                </a:solidFill>
+                <a:latin typeface="Arial" charset="0"/>
+                <a:ea typeface="+mn-ea"/>
+                <a:cs typeface="+mn-cs"/>
+              </a:rPr>
+              <a:t>generalization strategies which pass through the node d0, g1,</a:t>
+            </a:r>
+          </a:p>
+          <a:p>
+            <a:r>
+              <a:rPr lang="en-US" sz="1200" b="0" i="0" u="none" strike="noStrike" kern="1200" baseline="0" dirty="0">
+                <a:solidFill>
+                  <a:schemeClr val="tx1"/>
+                </a:solidFill>
+                <a:latin typeface="Arial" charset="0"/>
+                <a:ea typeface="+mn-ea"/>
+                <a:cs typeface="+mn-cs"/>
+              </a:rPr>
+              <a:t>a2. Each node in the lattice represents a possible instance of the</a:t>
+            </a:r>
+          </a:p>
+          <a:p>
+            <a:r>
+              <a:rPr lang="en-US" sz="1200" b="0" i="0" u="none" strike="noStrike" kern="1200" baseline="0" dirty="0">
+                <a:solidFill>
+                  <a:schemeClr val="tx1"/>
+                </a:solidFill>
+                <a:latin typeface="Arial" charset="0"/>
+                <a:ea typeface="+mn-ea"/>
+                <a:cs typeface="+mn-cs"/>
+              </a:rPr>
+              <a:t>dataset. One of these nodes is the globally optimal solution and</a:t>
+            </a:r>
+          </a:p>
+          <a:p>
+            <a:r>
+              <a:rPr lang="en-US" sz="1200" b="0" i="0" u="none" strike="noStrike" kern="1200" baseline="0" dirty="0">
+                <a:solidFill>
+                  <a:schemeClr val="tx1"/>
+                </a:solidFill>
+                <a:latin typeface="Arial" charset="0"/>
+                <a:ea typeface="+mn-ea"/>
+                <a:cs typeface="+mn-cs"/>
+              </a:rPr>
+              <a:t>the objective of a k-anonymity algorithm is to find it efficiently.</a:t>
             </a:r>
           </a:p>
           <a:p>
@@ -2032,10 +1953,19 @@
                 <a:ea typeface="+mn-ea"/>
                 <a:cs typeface="+mn-cs"/>
               </a:rPr>
-              <a:t>The lattice height is not considered a good information loss metric because it does not account for the generalization hierarchy depths of the quasi-identifiers. For example, if we generalize “Male” to “Person” then this is given equal weight</a:t>
-            </a:r>
-          </a:p>
-          <a:p>
+              <a:t>All equivalence classes in the dataset that are smaller than </a:t>
+            </a:r>
+            <a:r>
+              <a:rPr lang="en-US" sz="1200" b="0" i="1" u="none" strike="noStrike" kern="1200" baseline="0" dirty="0">
+                <a:solidFill>
+                  <a:schemeClr val="tx1"/>
+                </a:solidFill>
+                <a:latin typeface="Arial" charset="0"/>
+                <a:ea typeface="+mn-ea"/>
+                <a:cs typeface="+mn-cs"/>
+              </a:rPr>
+              <a:t>k </a:t>
+            </a:r>
             <a:r>
               <a:rPr lang="en-US" sz="1200" b="0" i="0" u="none" strike="noStrike" kern="1200" baseline="0" dirty="0">
                 <a:solidFill>
@@ -2045,18 +1975,8 @@
                 <a:ea typeface="+mn-ea"/>
                 <a:cs typeface="+mn-cs"/>
               </a:rPr>
-              <a:t>to generalizing age in years to age in five year intervals. In the former case there is no information left in the gender variable, whereas the five year age interval still conveys a considerable amount of information and there are three more possible generalizations left in the age hierarchy</a:t>
-            </a:r>
-          </a:p>
-          <a:p>
-            <a:endParaRPr lang="en-US" sz="1200" b="0" i="0" u="none" strike="noStrike" kern="1200" baseline="0" dirty="0">
-              <a:solidFill>
-                <a:schemeClr val="tx1"/>
-              </a:solidFill>
-              <a:latin typeface="Arial" charset="0"/>
-              <a:ea typeface="+mn-ea"/>
-              <a:cs typeface="+mn-cs"/>
-            </a:endParaRPr>
+              <a:t>are</a:t>
+            </a:r>
           </a:p>
           <a:p>
             <a:r>
@@ -2068,19 +1988,10 @@
                 <a:ea typeface="+mn-ea"/>
                 <a:cs typeface="+mn-cs"/>
               </a:rPr>
-              <a:t>An information loss metric that takes into account the height of the generalization hierarchy is Precision or </a:t>
-            </a:r>
-            <a:r>
-              <a:rPr lang="en-US" sz="1200" b="0" i="1" u="none" strike="noStrike" kern="1200" baseline="0" dirty="0">
-                <a:solidFill>
-                  <a:schemeClr val="tx1"/>
-                </a:solidFill>
-                <a:latin typeface="Arial" charset="0"/>
-                <a:ea typeface="+mn-ea"/>
-                <a:cs typeface="+mn-cs"/>
-              </a:rPr>
-              <a:t>Prec</a:t>
-            </a:r>
+              <a:t>suppressed.26 In Figure 2, 70% of the records were suppressed in</a:t>
+            </a:r>
+          </a:p>
+          <a:p>
             <a:r>
               <a:rPr lang="en-US" sz="1200" b="0" i="0" u="none" strike="noStrike" kern="1200" baseline="0" dirty="0">
                 <a:solidFill>
@@ -2090,18 +2001,8 @@
                 <a:ea typeface="+mn-ea"/>
                 <a:cs typeface="+mn-cs"/>
               </a:rPr>
-              <a:t>. </a:t>
-            </a:r>
-          </a:p>
-          <a:p>
-            <a:endParaRPr lang="en-US" sz="1200" b="0" i="0" u="none" strike="noStrike" kern="1200" baseline="0" dirty="0">
-              <a:solidFill>
-                <a:schemeClr val="tx1"/>
-              </a:solidFill>
-              <a:latin typeface="Arial" charset="0"/>
-              <a:ea typeface="+mn-ea"/>
-              <a:cs typeface="+mn-cs"/>
-            </a:endParaRPr>
+              <a:t>the dataset represented by node d0, g0, a0 because these</a:t>
+            </a:r>
           </a:p>
           <a:p>
             <a:r>
@@ -2113,30 +2014,10 @@
                 <a:ea typeface="+mn-ea"/>
                 <a:cs typeface="+mn-cs"/>
               </a:rPr>
-              <a:t>The </a:t>
-            </a:r>
-            <a:r>
-              <a:rPr lang="en-US" sz="1200" b="0" i="1" u="none" strike="noStrike" kern="1200" baseline="0" dirty="0" err="1">
-                <a:solidFill>
-                  <a:schemeClr val="tx1"/>
-                </a:solidFill>
-                <a:latin typeface="Arial" charset="0"/>
-                <a:ea typeface="+mn-ea"/>
-                <a:cs typeface="+mn-cs"/>
-              </a:rPr>
-              <a:t>Prec</a:t>
-            </a:r>
-            <a:r>
-              <a:rPr lang="en-US" sz="1200" b="0" i="1" u="none" strike="noStrike" kern="1200" baseline="0" dirty="0">
-                <a:solidFill>
-                  <a:schemeClr val="tx1"/>
-                </a:solidFill>
-                <a:latin typeface="Arial" charset="0"/>
-                <a:ea typeface="+mn-ea"/>
-                <a:cs typeface="+mn-cs"/>
-              </a:rPr>
-              <a:t> </a:t>
-            </a:r>
+              <a:t>records were in small equivalence classes. As more generalization</a:t>
+            </a:r>
+          </a:p>
+          <a:p>
             <a:r>
               <a:rPr lang="en-US" sz="1200" b="0" i="0" u="none" strike="noStrike" kern="1200" baseline="0" dirty="0">
                 <a:solidFill>
@@ -2146,19 +2027,10 @@
                 <a:ea typeface="+mn-ea"/>
                 <a:cs typeface="+mn-cs"/>
               </a:rPr>
-              <a:t>was introduced by Sweeney as an information loss metric that is suitable for hierarchical data. For every variable, the ratio </a:t>
-            </a:r>
-            <a:r>
-              <a:rPr lang="en-US" sz="1200" b="0" i="0" u="none" strike="noStrike" kern="1200" baseline="0" dirty="0" err="1">
-                <a:solidFill>
-                  <a:schemeClr val="tx1"/>
-                </a:solidFill>
-                <a:latin typeface="Arial" charset="0"/>
-                <a:ea typeface="+mn-ea"/>
-                <a:cs typeface="+mn-cs"/>
-              </a:rPr>
-              <a:t>ofthe</a:t>
-            </a:r>
+              <a:t>is applied, the extent of suppression goes down. For example,</a:t>
+            </a:r>
+          </a:p>
+          <a:p>
             <a:r>
               <a:rPr lang="en-US" sz="1200" b="0" i="0" u="none" strike="noStrike" kern="1200" baseline="0" dirty="0">
                 <a:solidFill>
@@ -2168,7 +2040,7 @@
                 <a:ea typeface="+mn-ea"/>
                 <a:cs typeface="+mn-cs"/>
               </a:rPr>
-              <a:t> number of generalization steps applied to the total number</a:t>
+              <a:t>node d0, g0, a1, with age generalized to 5-year intervals, has</a:t>
             </a:r>
           </a:p>
           <a:p>
@@ -2181,1123 +2053,7 @@
                 <a:ea typeface="+mn-ea"/>
                 <a:cs typeface="+mn-cs"/>
               </a:rPr>
-              <a:t>of possible generalization steps (total height of the generalization hierarchy) gives the amount of information loss for that </a:t>
-            </a:r>
-            <a:r>
-              <a:rPr lang="de-DE" sz="1200" b="0" i="0" u="none" strike="noStrike" kern="1200" baseline="0" dirty="0" err="1">
-                <a:solidFill>
-                  <a:schemeClr val="tx1"/>
-                </a:solidFill>
-                <a:latin typeface="Arial" charset="0"/>
-                <a:ea typeface="+mn-ea"/>
-                <a:cs typeface="+mn-cs"/>
-              </a:rPr>
-              <a:t>particular</a:t>
-            </a:r>
-            <a:r>
-              <a:rPr lang="de-DE" sz="1200" b="0" i="0" u="none" strike="noStrike" kern="1200" baseline="0" dirty="0">
-                <a:solidFill>
-                  <a:schemeClr val="tx1"/>
-                </a:solidFill>
-                <a:latin typeface="Arial" charset="0"/>
-                <a:ea typeface="+mn-ea"/>
-                <a:cs typeface="+mn-cs"/>
-              </a:rPr>
-              <a:t> variable.</a:t>
-            </a:r>
-          </a:p>
-          <a:p>
-            <a:endParaRPr lang="de-DE" sz="1200" b="0" i="0" u="none" strike="noStrike" kern="1200" baseline="0" dirty="0">
-              <a:solidFill>
-                <a:schemeClr val="tx1"/>
-              </a:solidFill>
-              <a:latin typeface="Arial" charset="0"/>
-              <a:ea typeface="+mn-ea"/>
-              <a:cs typeface="+mn-cs"/>
-            </a:endParaRPr>
-          </a:p>
-          <a:p>
-            <a:r>
-              <a:rPr lang="en-US" sz="1200" b="0" i="0" u="none" strike="noStrike" kern="1200" baseline="0" dirty="0">
-                <a:solidFill>
-                  <a:schemeClr val="tx1"/>
-                </a:solidFill>
-                <a:latin typeface="Arial" charset="0"/>
-                <a:ea typeface="+mn-ea"/>
-                <a:cs typeface="+mn-cs"/>
-              </a:rPr>
-              <a:t>For example, in Figure 1 if age is generalized from age in years to age in five year intervals, then the value is ¼. Overall </a:t>
-            </a:r>
-            <a:r>
-              <a:rPr lang="en-US" sz="1200" b="0" i="1" u="none" strike="noStrike" kern="1200" baseline="0" dirty="0" err="1">
-                <a:solidFill>
-                  <a:schemeClr val="tx1"/>
-                </a:solidFill>
-                <a:latin typeface="Arial" charset="0"/>
-                <a:ea typeface="+mn-ea"/>
-                <a:cs typeface="+mn-cs"/>
-              </a:rPr>
-              <a:t>Prec</a:t>
-            </a:r>
-            <a:r>
-              <a:rPr lang="en-US" sz="1200" b="0" i="1" u="none" strike="noStrike" kern="1200" baseline="0" dirty="0">
-                <a:solidFill>
-                  <a:schemeClr val="tx1"/>
-                </a:solidFill>
-                <a:latin typeface="Arial" charset="0"/>
-                <a:ea typeface="+mn-ea"/>
-                <a:cs typeface="+mn-cs"/>
-              </a:rPr>
-              <a:t> </a:t>
-            </a:r>
-            <a:r>
-              <a:rPr lang="en-US" sz="1200" b="0" i="0" u="none" strike="noStrike" kern="1200" baseline="0" dirty="0">
-                <a:solidFill>
-                  <a:schemeClr val="tx1"/>
-                </a:solidFill>
-                <a:latin typeface="Arial" charset="0"/>
-                <a:ea typeface="+mn-ea"/>
-                <a:cs typeface="+mn-cs"/>
-              </a:rPr>
-              <a:t>information loss is the average of the </a:t>
-            </a:r>
-            <a:r>
-              <a:rPr lang="en-US" sz="1200" b="0" i="1" u="none" strike="noStrike" kern="1200" baseline="0" dirty="0" err="1">
-                <a:solidFill>
-                  <a:schemeClr val="tx1"/>
-                </a:solidFill>
-                <a:latin typeface="Arial" charset="0"/>
-                <a:ea typeface="+mn-ea"/>
-                <a:cs typeface="+mn-cs"/>
-              </a:rPr>
-              <a:t>Prec</a:t>
-            </a:r>
-            <a:r>
-              <a:rPr lang="en-US" sz="1200" b="0" i="1" u="none" strike="noStrike" kern="1200" baseline="0" dirty="0">
-                <a:solidFill>
-                  <a:schemeClr val="tx1"/>
-                </a:solidFill>
-                <a:latin typeface="Arial" charset="0"/>
-                <a:ea typeface="+mn-ea"/>
-                <a:cs typeface="+mn-cs"/>
-              </a:rPr>
-              <a:t> </a:t>
-            </a:r>
-            <a:r>
-              <a:rPr lang="en-US" sz="1200" b="0" i="0" u="none" strike="noStrike" kern="1200" baseline="0" dirty="0">
-                <a:solidFill>
-                  <a:schemeClr val="tx1"/>
-                </a:solidFill>
-                <a:latin typeface="Arial" charset="0"/>
-                <a:ea typeface="+mn-ea"/>
-                <a:cs typeface="+mn-cs"/>
-              </a:rPr>
-              <a:t>values across all quasi-identifiers in the dataset. As a</a:t>
-            </a:r>
-          </a:p>
-          <a:p>
-            <a:r>
-              <a:rPr lang="en-US" sz="1200" b="0" i="0" u="none" strike="noStrike" kern="1200" baseline="0" dirty="0">
-                <a:solidFill>
-                  <a:schemeClr val="tx1"/>
-                </a:solidFill>
-                <a:latin typeface="Arial" charset="0"/>
-                <a:ea typeface="+mn-ea"/>
-                <a:cs typeface="+mn-cs"/>
-              </a:rPr>
-              <a:t>consequence, the more a variable is generalized, the higher the information loss. Moreover, variables with more generalization steps (i.e., more levels in their generalization hierarchy) tend to have less information loss than ones with shorter hierarchies. Using </a:t>
-            </a:r>
-            <a:r>
-              <a:rPr lang="en-US" sz="1200" b="0" i="1" u="none" strike="noStrike" kern="1200" baseline="0" dirty="0" err="1">
-                <a:solidFill>
-                  <a:schemeClr val="tx1"/>
-                </a:solidFill>
-                <a:latin typeface="Arial" charset="0"/>
-                <a:ea typeface="+mn-ea"/>
-                <a:cs typeface="+mn-cs"/>
-              </a:rPr>
-              <a:t>Prec</a:t>
-            </a:r>
-            <a:r>
-              <a:rPr lang="en-US" sz="1200" b="0" i="1" u="none" strike="noStrike" kern="1200" baseline="0" dirty="0">
-                <a:solidFill>
-                  <a:schemeClr val="tx1"/>
-                </a:solidFill>
-                <a:latin typeface="Arial" charset="0"/>
-                <a:ea typeface="+mn-ea"/>
-                <a:cs typeface="+mn-cs"/>
-              </a:rPr>
-              <a:t> </a:t>
-            </a:r>
-            <a:r>
-              <a:rPr lang="en-US" sz="1200" b="0" i="0" u="none" strike="noStrike" kern="1200" baseline="0" dirty="0">
-                <a:solidFill>
-                  <a:schemeClr val="tx1"/>
-                </a:solidFill>
-                <a:latin typeface="Arial" charset="0"/>
-                <a:ea typeface="+mn-ea"/>
-                <a:cs typeface="+mn-cs"/>
-              </a:rPr>
-              <a:t>as the information loss metric, the noded2, g0, a1 would be the optimal node rather than node d0, g1, a1 in</a:t>
-            </a:r>
-          </a:p>
-          <a:p>
-            <a:r>
-              <a:rPr lang="en-US" sz="1200" b="0" i="0" u="none" strike="noStrike" kern="1200" baseline="0" dirty="0">
-                <a:solidFill>
-                  <a:schemeClr val="tx1"/>
-                </a:solidFill>
-                <a:latin typeface="Arial" charset="0"/>
-                <a:ea typeface="+mn-ea"/>
-                <a:cs typeface="+mn-cs"/>
-              </a:rPr>
-              <a:t>Figure 2: the former has a </a:t>
-            </a:r>
-            <a:r>
-              <a:rPr lang="en-US" sz="1200" b="0" i="1" u="none" strike="noStrike" kern="1200" baseline="0" dirty="0" err="1">
-                <a:solidFill>
-                  <a:schemeClr val="tx1"/>
-                </a:solidFill>
-                <a:latin typeface="Arial" charset="0"/>
-                <a:ea typeface="+mn-ea"/>
-                <a:cs typeface="+mn-cs"/>
-              </a:rPr>
-              <a:t>Prec</a:t>
-            </a:r>
-            <a:r>
-              <a:rPr lang="en-US" sz="1200" b="0" i="1" u="none" strike="noStrike" kern="1200" baseline="0" dirty="0">
-                <a:solidFill>
-                  <a:schemeClr val="tx1"/>
-                </a:solidFill>
-                <a:latin typeface="Arial" charset="0"/>
-                <a:ea typeface="+mn-ea"/>
-                <a:cs typeface="+mn-cs"/>
-              </a:rPr>
-              <a:t> </a:t>
-            </a:r>
-            <a:r>
-              <a:rPr lang="en-US" sz="1200" b="0" i="0" u="none" strike="noStrike" kern="1200" baseline="0" dirty="0">
-                <a:solidFill>
-                  <a:schemeClr val="tx1"/>
-                </a:solidFill>
-                <a:latin typeface="Arial" charset="0"/>
-                <a:ea typeface="+mn-ea"/>
-                <a:cs typeface="+mn-cs"/>
-              </a:rPr>
-              <a:t>of 0.417 and the latter a </a:t>
-            </a:r>
-            <a:r>
-              <a:rPr lang="en-US" sz="1200" b="0" i="1" u="none" strike="noStrike" kern="1200" baseline="0" dirty="0" err="1">
-                <a:solidFill>
-                  <a:schemeClr val="tx1"/>
-                </a:solidFill>
-                <a:latin typeface="Arial" charset="0"/>
-                <a:ea typeface="+mn-ea"/>
-                <a:cs typeface="+mn-cs"/>
-              </a:rPr>
-              <a:t>Prec</a:t>
-            </a:r>
-            <a:r>
-              <a:rPr lang="en-US" sz="1200" b="0" i="1" u="none" strike="noStrike" kern="1200" baseline="0" dirty="0">
-                <a:solidFill>
-                  <a:schemeClr val="tx1"/>
-                </a:solidFill>
-                <a:latin typeface="Arial" charset="0"/>
-                <a:ea typeface="+mn-ea"/>
-                <a:cs typeface="+mn-cs"/>
-              </a:rPr>
-              <a:t> </a:t>
-            </a:r>
-            <a:r>
-              <a:rPr lang="en-US" sz="1200" b="0" i="0" u="none" strike="noStrike" kern="1200" baseline="0" dirty="0">
-                <a:solidFill>
-                  <a:schemeClr val="tx1"/>
-                </a:solidFill>
-                <a:latin typeface="Arial" charset="0"/>
-                <a:ea typeface="+mn-ea"/>
-                <a:cs typeface="+mn-cs"/>
-              </a:rPr>
-              <a:t>of </a:t>
-            </a:r>
-            <a:r>
-              <a:rPr lang="de-DE" sz="1200" b="0" i="0" u="none" strike="noStrike" kern="1200" baseline="0" dirty="0">
-                <a:solidFill>
-                  <a:schemeClr val="tx1"/>
-                </a:solidFill>
-                <a:latin typeface="Arial" charset="0"/>
-                <a:ea typeface="+mn-ea"/>
-                <a:cs typeface="+mn-cs"/>
-              </a:rPr>
-              <a:t>0.466.</a:t>
-            </a:r>
-          </a:p>
-          <a:p>
-            <a:endParaRPr lang="de-DE" sz="1200" b="0" i="0" u="none" strike="noStrike" kern="1200" baseline="0" dirty="0">
-              <a:solidFill>
-                <a:schemeClr val="tx1"/>
-              </a:solidFill>
-              <a:latin typeface="Arial" charset="0"/>
-              <a:ea typeface="+mn-ea"/>
-              <a:cs typeface="+mn-cs"/>
-            </a:endParaRPr>
-          </a:p>
-          <a:p>
-            <a:endParaRPr lang="de-DE" sz="1200" b="0" i="0" u="none" strike="noStrike" kern="1200" baseline="0" dirty="0">
-              <a:solidFill>
-                <a:schemeClr val="tx1"/>
-              </a:solidFill>
-              <a:latin typeface="Arial" charset="0"/>
-              <a:ea typeface="+mn-ea"/>
-              <a:cs typeface="+mn-cs"/>
-            </a:endParaRPr>
-          </a:p>
-          <a:p>
-            <a:r>
-              <a:rPr lang="en-US" sz="1200" b="0" i="0" u="none" strike="noStrike" kern="1200" baseline="0" dirty="0">
-                <a:solidFill>
-                  <a:schemeClr val="tx1"/>
-                </a:solidFill>
-                <a:latin typeface="Arial" charset="0"/>
-                <a:ea typeface="+mn-ea"/>
-                <a:cs typeface="+mn-cs"/>
-              </a:rPr>
-              <a:t>Another commonly used information loss metric is the </a:t>
-            </a:r>
-            <a:r>
-              <a:rPr lang="en-US" sz="1200" b="0" i="0" u="none" strike="noStrike" kern="1200" baseline="0" dirty="0" err="1">
-                <a:solidFill>
-                  <a:schemeClr val="tx1"/>
-                </a:solidFill>
-                <a:latin typeface="Arial" charset="0"/>
-                <a:ea typeface="+mn-ea"/>
-                <a:cs typeface="+mn-cs"/>
-              </a:rPr>
-              <a:t>Discernability</a:t>
-            </a:r>
-            <a:r>
-              <a:rPr lang="en-US" sz="1200" b="0" i="0" u="none" strike="noStrike" kern="1200" baseline="0" dirty="0">
-                <a:solidFill>
-                  <a:schemeClr val="tx1"/>
-                </a:solidFill>
-                <a:latin typeface="Arial" charset="0"/>
-                <a:ea typeface="+mn-ea"/>
-                <a:cs typeface="+mn-cs"/>
-              </a:rPr>
-              <a:t> Metric or DM.2The </a:t>
-            </a:r>
-            <a:r>
-              <a:rPr lang="en-US" sz="1200" b="0" i="0" u="none" strike="noStrike" kern="1200" baseline="0" dirty="0" err="1">
-                <a:solidFill>
-                  <a:schemeClr val="tx1"/>
-                </a:solidFill>
-                <a:latin typeface="Arial" charset="0"/>
-                <a:ea typeface="+mn-ea"/>
-                <a:cs typeface="+mn-cs"/>
-              </a:rPr>
-              <a:t>discernability</a:t>
-            </a:r>
-            <a:endParaRPr lang="en-US" sz="1200" b="0" i="0" u="none" strike="noStrike" kern="1200" baseline="0" dirty="0">
-              <a:solidFill>
-                <a:schemeClr val="tx1"/>
-              </a:solidFill>
-              <a:latin typeface="Arial" charset="0"/>
-              <a:ea typeface="+mn-ea"/>
-              <a:cs typeface="+mn-cs"/>
-            </a:endParaRPr>
-          </a:p>
-          <a:p>
-            <a:r>
-              <a:rPr lang="en-US" sz="1200" b="0" i="0" u="none" strike="noStrike" kern="1200" baseline="0" dirty="0">
-                <a:solidFill>
-                  <a:schemeClr val="tx1"/>
-                </a:solidFill>
-                <a:latin typeface="Arial" charset="0"/>
-                <a:ea typeface="+mn-ea"/>
-                <a:cs typeface="+mn-cs"/>
-              </a:rPr>
-              <a:t>metric assigns a penalty to every record that is proportional to the number of records that are indistinguishable from it.</a:t>
-            </a:r>
-          </a:p>
-          <a:p>
-            <a:r>
-              <a:rPr lang="en-US" sz="1200" b="0" i="0" u="none" strike="noStrike" kern="1200" baseline="0" dirty="0">
-                <a:solidFill>
-                  <a:schemeClr val="tx1"/>
-                </a:solidFill>
-                <a:latin typeface="Arial" charset="0"/>
-                <a:ea typeface="+mn-ea"/>
-                <a:cs typeface="+mn-cs"/>
-              </a:rPr>
-              <a:t>Following the same reasoning, DM assigns a penalty equal to the whole dataset for every suppressed record (since suppressed records are indistinguishable from all other </a:t>
-            </a:r>
-            <a:r>
-              <a:rPr lang="de-DE" sz="1200" b="0" i="0" u="none" strike="noStrike" kern="1200" baseline="0" dirty="0" err="1">
-                <a:solidFill>
-                  <a:schemeClr val="tx1"/>
-                </a:solidFill>
-                <a:latin typeface="Arial" charset="0"/>
-                <a:ea typeface="+mn-ea"/>
-                <a:cs typeface="+mn-cs"/>
-              </a:rPr>
-              <a:t>records</a:t>
-            </a:r>
-            <a:r>
-              <a:rPr lang="de-DE" sz="1200" b="0" i="0" u="none" strike="noStrike" kern="1200" baseline="0" dirty="0">
-                <a:solidFill>
-                  <a:schemeClr val="tx1"/>
-                </a:solidFill>
-                <a:latin typeface="Arial" charset="0"/>
-                <a:ea typeface="+mn-ea"/>
-                <a:cs typeface="+mn-cs"/>
-              </a:rPr>
-              <a:t>).</a:t>
-            </a:r>
-          </a:p>
-          <a:p>
-            <a:endParaRPr lang="de-DE" sz="1200" b="0" i="0" u="none" strike="noStrike" kern="1200" baseline="0" dirty="0">
-              <a:solidFill>
-                <a:schemeClr val="tx1"/>
-              </a:solidFill>
-              <a:latin typeface="Arial" charset="0"/>
-              <a:ea typeface="+mn-ea"/>
-              <a:cs typeface="+mn-cs"/>
-            </a:endParaRPr>
-          </a:p>
-          <a:p>
-            <a:r>
-              <a:rPr lang="en-US" sz="1200" b="0" i="0" u="none" strike="noStrike" kern="1200" baseline="0" dirty="0">
-                <a:solidFill>
-                  <a:schemeClr val="tx1"/>
-                </a:solidFill>
-                <a:latin typeface="Arial" charset="0"/>
-                <a:ea typeface="+mn-ea"/>
-                <a:cs typeface="+mn-cs"/>
-              </a:rPr>
-              <a:t>The </a:t>
-            </a:r>
-            <a:r>
-              <a:rPr lang="en-US" sz="1200" b="0" i="1" u="none" strike="noStrike" kern="1200" baseline="0" dirty="0">
-                <a:solidFill>
-                  <a:schemeClr val="tx1"/>
-                </a:solidFill>
-                <a:latin typeface="Arial" charset="0"/>
-                <a:ea typeface="+mn-ea"/>
-                <a:cs typeface="+mn-cs"/>
-              </a:rPr>
-              <a:t>DM</a:t>
-            </a:r>
-            <a:r>
-              <a:rPr lang="en-US" sz="1200" b="0" i="0" u="none" strike="noStrike" kern="1200" baseline="0" dirty="0">
-                <a:solidFill>
-                  <a:schemeClr val="tx1"/>
-                </a:solidFill>
-                <a:latin typeface="Arial" charset="0"/>
-                <a:ea typeface="+mn-ea"/>
-                <a:cs typeface="+mn-cs"/>
-              </a:rPr>
-              <a:t>* information loss also solves a weakness with the </a:t>
-            </a:r>
-            <a:r>
-              <a:rPr lang="en-US" sz="1200" b="0" i="1" u="none" strike="noStrike" kern="1200" baseline="0" dirty="0" err="1">
-                <a:solidFill>
-                  <a:schemeClr val="tx1"/>
-                </a:solidFill>
-                <a:latin typeface="Arial" charset="0"/>
-                <a:ea typeface="+mn-ea"/>
-                <a:cs typeface="+mn-cs"/>
-              </a:rPr>
-              <a:t>Prec</a:t>
-            </a:r>
-            <a:r>
-              <a:rPr lang="en-US" sz="1200" b="0" i="1" u="none" strike="noStrike" kern="1200" baseline="0" dirty="0">
-                <a:solidFill>
-                  <a:schemeClr val="tx1"/>
-                </a:solidFill>
-                <a:latin typeface="Arial" charset="0"/>
-                <a:ea typeface="+mn-ea"/>
-                <a:cs typeface="+mn-cs"/>
-              </a:rPr>
-              <a:t> </a:t>
-            </a:r>
-            <a:r>
-              <a:rPr lang="en-US" sz="1200" b="0" i="0" u="none" strike="noStrike" kern="1200" baseline="0" dirty="0">
-                <a:solidFill>
-                  <a:schemeClr val="tx1"/>
-                </a:solidFill>
-                <a:latin typeface="Arial" charset="0"/>
-                <a:ea typeface="+mn-ea"/>
-                <a:cs typeface="+mn-cs"/>
-              </a:rPr>
-              <a:t>metric in that </a:t>
-            </a:r>
-            <a:r>
-              <a:rPr lang="en-US" sz="1200" b="0" i="1" u="none" strike="noStrike" kern="1200" baseline="0" dirty="0" err="1">
-                <a:solidFill>
-                  <a:schemeClr val="tx1"/>
-                </a:solidFill>
-                <a:latin typeface="Arial" charset="0"/>
-                <a:ea typeface="+mn-ea"/>
-                <a:cs typeface="+mn-cs"/>
-              </a:rPr>
-              <a:t>Prec</a:t>
-            </a:r>
-            <a:r>
-              <a:rPr lang="en-US" sz="1200" b="0" i="1" u="none" strike="noStrike" kern="1200" baseline="0" dirty="0">
-                <a:solidFill>
-                  <a:schemeClr val="tx1"/>
-                </a:solidFill>
-                <a:latin typeface="Arial" charset="0"/>
-                <a:ea typeface="+mn-ea"/>
-                <a:cs typeface="+mn-cs"/>
-              </a:rPr>
-              <a:t> </a:t>
-            </a:r>
-            <a:r>
-              <a:rPr lang="en-US" sz="1200" b="0" i="0" u="none" strike="noStrike" kern="1200" baseline="0" dirty="0">
-                <a:solidFill>
-                  <a:schemeClr val="tx1"/>
-                </a:solidFill>
-                <a:latin typeface="Arial" charset="0"/>
-                <a:ea typeface="+mn-ea"/>
-                <a:cs typeface="+mn-cs"/>
-              </a:rPr>
-              <a:t>does not take into account the size</a:t>
-            </a:r>
-          </a:p>
-          <a:p>
-            <a:r>
-              <a:rPr lang="en-US" sz="1200" b="0" i="0" u="none" strike="noStrike" kern="1200" baseline="0" dirty="0">
-                <a:solidFill>
-                  <a:schemeClr val="tx1"/>
-                </a:solidFill>
-                <a:latin typeface="Arial" charset="0"/>
-                <a:ea typeface="+mn-ea"/>
-                <a:cs typeface="+mn-cs"/>
-              </a:rPr>
-              <a:t>of the equivalence classes. If we generalize gender to “Person” in Table a of Figure 3 to obtain Table c in Figure</a:t>
-            </a:r>
-          </a:p>
-          <a:p>
-            <a:r>
-              <a:rPr lang="en-US" sz="1200" b="0" i="0" u="none" strike="noStrike" kern="1200" baseline="0" dirty="0">
-                <a:solidFill>
-                  <a:schemeClr val="tx1"/>
-                </a:solidFill>
-                <a:latin typeface="Arial" charset="0"/>
-                <a:ea typeface="+mn-ea"/>
-                <a:cs typeface="+mn-cs"/>
-              </a:rPr>
-              <a:t>3, then the </a:t>
-            </a:r>
-            <a:r>
-              <a:rPr lang="en-US" sz="1200" b="0" i="1" u="none" strike="noStrike" kern="1200" baseline="0" dirty="0" err="1">
-                <a:solidFill>
-                  <a:schemeClr val="tx1"/>
-                </a:solidFill>
-                <a:latin typeface="Arial" charset="0"/>
-                <a:ea typeface="+mn-ea"/>
-                <a:cs typeface="+mn-cs"/>
-              </a:rPr>
-              <a:t>Prec</a:t>
-            </a:r>
-            <a:r>
-              <a:rPr lang="en-US" sz="1200" b="0" i="1" u="none" strike="noStrike" kern="1200" baseline="0" dirty="0">
-                <a:solidFill>
-                  <a:schemeClr val="tx1"/>
-                </a:solidFill>
-                <a:latin typeface="Arial" charset="0"/>
-                <a:ea typeface="+mn-ea"/>
-                <a:cs typeface="+mn-cs"/>
-              </a:rPr>
-              <a:t> </a:t>
-            </a:r>
-            <a:r>
-              <a:rPr lang="en-US" sz="1200" b="0" i="0" u="none" strike="noStrike" kern="1200" baseline="0" dirty="0">
-                <a:solidFill>
-                  <a:schemeClr val="tx1"/>
-                </a:solidFill>
-                <a:latin typeface="Arial" charset="0"/>
-                <a:ea typeface="+mn-ea"/>
-                <a:cs typeface="+mn-cs"/>
-              </a:rPr>
-              <a:t>for Table (c) would be 0.33 and </a:t>
-            </a:r>
-            <a:r>
-              <a:rPr lang="en-US" sz="1200" b="0" i="1" u="none" strike="noStrike" kern="1200" baseline="0" dirty="0">
-                <a:solidFill>
-                  <a:schemeClr val="tx1"/>
-                </a:solidFill>
-                <a:latin typeface="Arial" charset="0"/>
-                <a:ea typeface="+mn-ea"/>
-                <a:cs typeface="+mn-cs"/>
-              </a:rPr>
-              <a:t>DM</a:t>
-            </a:r>
-            <a:r>
-              <a:rPr lang="en-US" sz="1200" b="0" i="0" u="none" strike="noStrike" kern="1200" baseline="0" dirty="0">
-                <a:solidFill>
-                  <a:schemeClr val="tx1"/>
-                </a:solidFill>
-                <a:latin typeface="Arial" charset="0"/>
-                <a:ea typeface="+mn-ea"/>
-                <a:cs typeface="+mn-cs"/>
-              </a:rPr>
-              <a:t>* would be 16. However, Table b in Figure 3 has a </a:t>
-            </a:r>
-            <a:r>
-              <a:rPr lang="en-US" sz="1200" b="0" i="1" u="none" strike="noStrike" kern="1200" baseline="0" dirty="0" err="1">
-                <a:solidFill>
-                  <a:schemeClr val="tx1"/>
-                </a:solidFill>
-                <a:latin typeface="Arial" charset="0"/>
-                <a:ea typeface="+mn-ea"/>
-                <a:cs typeface="+mn-cs"/>
-              </a:rPr>
-              <a:t>Prec</a:t>
-            </a:r>
-            <a:r>
-              <a:rPr lang="en-US" sz="1200" b="0" i="1" u="none" strike="noStrike" kern="1200" baseline="0" dirty="0">
-                <a:solidFill>
-                  <a:schemeClr val="tx1"/>
-                </a:solidFill>
-                <a:latin typeface="Arial" charset="0"/>
-                <a:ea typeface="+mn-ea"/>
-                <a:cs typeface="+mn-cs"/>
-              </a:rPr>
-              <a:t> </a:t>
-            </a:r>
-            <a:r>
-              <a:rPr lang="en-US" sz="1200" b="0" i="0" u="none" strike="noStrike" kern="1200" baseline="0" dirty="0">
-                <a:solidFill>
-                  <a:schemeClr val="tx1"/>
-                </a:solidFill>
-                <a:latin typeface="Arial" charset="0"/>
-                <a:ea typeface="+mn-ea"/>
-                <a:cs typeface="+mn-cs"/>
-              </a:rPr>
-              <a:t>of 0.0833 and a </a:t>
-            </a:r>
-            <a:r>
-              <a:rPr lang="en-US" sz="1200" b="0" i="1" u="none" strike="noStrike" kern="1200" baseline="0" dirty="0">
-                <a:solidFill>
-                  <a:schemeClr val="tx1"/>
-                </a:solidFill>
-                <a:latin typeface="Arial" charset="0"/>
-                <a:ea typeface="+mn-ea"/>
-                <a:cs typeface="+mn-cs"/>
-              </a:rPr>
-              <a:t>DM</a:t>
-            </a:r>
-            <a:r>
-              <a:rPr lang="en-US" sz="1200" b="0" i="0" u="none" strike="noStrike" kern="1200" baseline="0" dirty="0">
-                <a:solidFill>
-                  <a:schemeClr val="tx1"/>
-                </a:solidFill>
-                <a:latin typeface="Arial" charset="0"/>
-                <a:ea typeface="+mn-ea"/>
-                <a:cs typeface="+mn-cs"/>
-              </a:rPr>
-              <a:t>* of 28. As can be seen in this case, the</a:t>
-            </a:r>
-          </a:p>
-          <a:p>
-            <a:r>
-              <a:rPr lang="en-US" sz="1200" b="0" i="0" u="none" strike="noStrike" kern="1200" baseline="0" dirty="0">
-                <a:solidFill>
-                  <a:schemeClr val="tx1"/>
-                </a:solidFill>
-                <a:latin typeface="Arial" charset="0"/>
-                <a:ea typeface="+mn-ea"/>
-                <a:cs typeface="+mn-cs"/>
-              </a:rPr>
-              <a:t>higher </a:t>
-            </a:r>
-            <a:r>
-              <a:rPr lang="en-US" sz="1200" b="0" i="1" u="none" strike="noStrike" kern="1200" baseline="0" dirty="0" err="1">
-                <a:solidFill>
-                  <a:schemeClr val="tx1"/>
-                </a:solidFill>
-                <a:latin typeface="Arial" charset="0"/>
-                <a:ea typeface="+mn-ea"/>
-                <a:cs typeface="+mn-cs"/>
-              </a:rPr>
-              <a:t>Prec</a:t>
-            </a:r>
-            <a:r>
-              <a:rPr lang="en-US" sz="1200" b="0" i="1" u="none" strike="noStrike" kern="1200" baseline="0" dirty="0">
-                <a:solidFill>
-                  <a:schemeClr val="tx1"/>
-                </a:solidFill>
-                <a:latin typeface="Arial" charset="0"/>
-                <a:ea typeface="+mn-ea"/>
-                <a:cs typeface="+mn-cs"/>
-              </a:rPr>
-              <a:t> </a:t>
-            </a:r>
-            <a:r>
-              <a:rPr lang="en-US" sz="1200" b="0" i="0" u="none" strike="noStrike" kern="1200" baseline="0" dirty="0">
-                <a:solidFill>
-                  <a:schemeClr val="tx1"/>
-                </a:solidFill>
-                <a:latin typeface="Arial" charset="0"/>
-                <a:ea typeface="+mn-ea"/>
-                <a:cs typeface="+mn-cs"/>
-              </a:rPr>
-              <a:t>value had a lower </a:t>
-            </a:r>
-            <a:r>
-              <a:rPr lang="en-US" sz="1200" b="0" i="1" u="none" strike="noStrike" kern="1200" baseline="0" dirty="0">
-                <a:solidFill>
-                  <a:schemeClr val="tx1"/>
-                </a:solidFill>
-                <a:latin typeface="Arial" charset="0"/>
-                <a:ea typeface="+mn-ea"/>
-                <a:cs typeface="+mn-cs"/>
-              </a:rPr>
-              <a:t>DM</a:t>
-            </a:r>
-            <a:r>
-              <a:rPr lang="en-US" sz="1200" b="0" i="0" u="none" strike="noStrike" kern="1200" baseline="0" dirty="0">
-                <a:solidFill>
-                  <a:schemeClr val="tx1"/>
-                </a:solidFill>
-                <a:latin typeface="Arial" charset="0"/>
-                <a:ea typeface="+mn-ea"/>
-                <a:cs typeface="+mn-cs"/>
-              </a:rPr>
-              <a:t>* value. The reason is that there are more equivalence classes in (b) than in (c),</a:t>
-            </a:r>
-          </a:p>
-          <a:p>
-            <a:r>
-              <a:rPr lang="en-US" sz="1200" b="0" i="0" u="none" strike="noStrike" kern="1200" baseline="0" dirty="0">
-                <a:solidFill>
-                  <a:schemeClr val="tx1"/>
-                </a:solidFill>
-                <a:latin typeface="Arial" charset="0"/>
-                <a:ea typeface="+mn-ea"/>
-                <a:cs typeface="+mn-cs"/>
-              </a:rPr>
-              <a:t>and one of the equivalence classes is larger; the </a:t>
-            </a:r>
-            <a:r>
-              <a:rPr lang="en-US" sz="1200" b="0" i="1" u="none" strike="noStrike" kern="1200" baseline="0" dirty="0" err="1">
-                <a:solidFill>
-                  <a:schemeClr val="tx1"/>
-                </a:solidFill>
-                <a:latin typeface="Arial" charset="0"/>
-                <a:ea typeface="+mn-ea"/>
-                <a:cs typeface="+mn-cs"/>
-              </a:rPr>
-              <a:t>Prec</a:t>
-            </a:r>
-            <a:r>
-              <a:rPr lang="en-US" sz="1200" b="0" i="1" u="none" strike="noStrike" kern="1200" baseline="0" dirty="0">
-                <a:solidFill>
-                  <a:schemeClr val="tx1"/>
-                </a:solidFill>
-                <a:latin typeface="Arial" charset="0"/>
-                <a:ea typeface="+mn-ea"/>
-                <a:cs typeface="+mn-cs"/>
-              </a:rPr>
-              <a:t> </a:t>
-            </a:r>
-            <a:r>
-              <a:rPr lang="en-US" sz="1200" b="0" i="0" u="none" strike="noStrike" kern="1200" baseline="0" dirty="0">
-                <a:solidFill>
-                  <a:schemeClr val="tx1"/>
-                </a:solidFill>
-                <a:latin typeface="Arial" charset="0"/>
-                <a:ea typeface="+mn-ea"/>
-                <a:cs typeface="+mn-cs"/>
-              </a:rPr>
-              <a:t>metric does not consider the structure of the data itself.</a:t>
-            </a:r>
-          </a:p>
-          <a:p>
-            <a:endParaRPr lang="en-US" sz="1200" b="0" i="0" u="none" strike="noStrike" kern="1200" baseline="0" dirty="0">
-              <a:solidFill>
-                <a:schemeClr val="tx1"/>
-              </a:solidFill>
-              <a:latin typeface="Arial" charset="0"/>
-              <a:ea typeface="+mn-ea"/>
-              <a:cs typeface="+mn-cs"/>
-            </a:endParaRPr>
-          </a:p>
-          <a:p>
-            <a:endParaRPr lang="en-US" sz="1200" b="0" i="0" u="none" strike="noStrike" kern="1200" baseline="0" dirty="0">
-              <a:solidFill>
-                <a:schemeClr val="tx1"/>
-              </a:solidFill>
-              <a:latin typeface="Arial" charset="0"/>
-              <a:ea typeface="+mn-ea"/>
-              <a:cs typeface="+mn-cs"/>
-            </a:endParaRPr>
-          </a:p>
-          <a:p>
-            <a:endParaRPr lang="en-US" sz="1200" b="0" i="0" u="none" strike="noStrike" kern="1200" baseline="0" dirty="0">
-              <a:solidFill>
-                <a:schemeClr val="tx1"/>
-              </a:solidFill>
-              <a:latin typeface="Arial" charset="0"/>
-              <a:ea typeface="+mn-ea"/>
-              <a:cs typeface="+mn-cs"/>
-            </a:endParaRPr>
-          </a:p>
-          <a:p>
-            <a:endParaRPr lang="en-US" sz="1200" b="0" i="0" u="none" strike="noStrike" kern="1200" baseline="0" dirty="0">
-              <a:solidFill>
-                <a:schemeClr val="tx1"/>
-              </a:solidFill>
-              <a:latin typeface="Arial" charset="0"/>
-              <a:ea typeface="+mn-ea"/>
-              <a:cs typeface="+mn-cs"/>
-            </a:endParaRPr>
-          </a:p>
-          <a:p>
-            <a:endParaRPr lang="en-US" sz="1200" b="0" i="0" u="none" strike="noStrike" kern="1200" baseline="0" dirty="0">
-              <a:solidFill>
-                <a:schemeClr val="tx1"/>
-              </a:solidFill>
-              <a:latin typeface="Arial" charset="0"/>
-              <a:ea typeface="+mn-ea"/>
-              <a:cs typeface="+mn-cs"/>
-            </a:endParaRPr>
-          </a:p>
-          <a:p>
-            <a:r>
-              <a:rPr lang="en-US" sz="1200" b="0" i="0" u="none" strike="noStrike" kern="1200" baseline="0" dirty="0">
-                <a:solidFill>
-                  <a:schemeClr val="tx1"/>
-                </a:solidFill>
-                <a:latin typeface="Arial" charset="0"/>
-                <a:ea typeface="+mn-ea"/>
-                <a:cs typeface="+mn-cs"/>
-              </a:rPr>
-              <a:t>the number of generalization steps applied to the total number</a:t>
-            </a:r>
-          </a:p>
-          <a:p>
-            <a:r>
-              <a:rPr lang="en-US" sz="1200" b="0" i="0" u="none" strike="noStrike" kern="1200" baseline="0" dirty="0">
-                <a:solidFill>
-                  <a:schemeClr val="tx1"/>
-                </a:solidFill>
-                <a:latin typeface="Arial" charset="0"/>
-                <a:ea typeface="+mn-ea"/>
-                <a:cs typeface="+mn-cs"/>
-              </a:rPr>
-              <a:t>of possible generalization steps (total height of the generalization</a:t>
-            </a:r>
-          </a:p>
-          <a:p>
-            <a:r>
-              <a:rPr lang="en-US" sz="1200" b="0" i="0" u="none" strike="noStrike" kern="1200" baseline="0" dirty="0">
-                <a:solidFill>
-                  <a:schemeClr val="tx1"/>
-                </a:solidFill>
-                <a:latin typeface="Arial" charset="0"/>
-                <a:ea typeface="+mn-ea"/>
-                <a:cs typeface="+mn-cs"/>
-              </a:rPr>
-              <a:t>hierarchy) gives the amount of information loss for that</a:t>
-            </a:r>
-          </a:p>
-          <a:p>
-            <a:r>
-              <a:rPr lang="en-US" sz="1200" b="0" i="0" u="none" strike="noStrike" kern="1200" baseline="0" dirty="0">
-                <a:solidFill>
-                  <a:schemeClr val="tx1"/>
-                </a:solidFill>
-                <a:latin typeface="Arial" charset="0"/>
-                <a:ea typeface="+mn-ea"/>
-                <a:cs typeface="+mn-cs"/>
-              </a:rPr>
-              <a:t>particular variable. For example, in Figure 1 if age is generalized</a:t>
-            </a:r>
-          </a:p>
-          <a:p>
-            <a:r>
-              <a:rPr lang="en-US" sz="1200" b="0" i="0" u="none" strike="noStrike" kern="1200" baseline="0" dirty="0">
-                <a:solidFill>
-                  <a:schemeClr val="tx1"/>
-                </a:solidFill>
-                <a:latin typeface="Arial" charset="0"/>
-                <a:ea typeface="+mn-ea"/>
-                <a:cs typeface="+mn-cs"/>
-              </a:rPr>
-              <a:t>from age in years to age in five year intervals, then the</a:t>
-            </a:r>
-          </a:p>
-          <a:p>
-            <a:r>
-              <a:rPr lang="en-US" sz="1200" b="0" i="0" u="none" strike="noStrike" kern="1200" baseline="0" dirty="0">
-                <a:solidFill>
-                  <a:schemeClr val="tx1"/>
-                </a:solidFill>
-                <a:latin typeface="Arial" charset="0"/>
-                <a:ea typeface="+mn-ea"/>
-                <a:cs typeface="+mn-cs"/>
-              </a:rPr>
-              <a:t>value is ¼. Overall </a:t>
-            </a:r>
-            <a:r>
-              <a:rPr lang="en-US" sz="1200" b="0" i="1" u="none" strike="noStrike" kern="1200" baseline="0" dirty="0" err="1">
-                <a:solidFill>
-                  <a:schemeClr val="tx1"/>
-                </a:solidFill>
-                <a:latin typeface="Arial" charset="0"/>
-                <a:ea typeface="+mn-ea"/>
-                <a:cs typeface="+mn-cs"/>
-              </a:rPr>
-              <a:t>Prec</a:t>
-            </a:r>
-            <a:r>
-              <a:rPr lang="en-US" sz="1200" b="0" i="1" u="none" strike="noStrike" kern="1200" baseline="0" dirty="0">
-                <a:solidFill>
-                  <a:schemeClr val="tx1"/>
-                </a:solidFill>
-                <a:latin typeface="Arial" charset="0"/>
-                <a:ea typeface="+mn-ea"/>
-                <a:cs typeface="+mn-cs"/>
-              </a:rPr>
-              <a:t> </a:t>
-            </a:r>
-            <a:r>
-              <a:rPr lang="en-US" sz="1200" b="0" i="0" u="none" strike="noStrike" kern="1200" baseline="0" dirty="0">
-                <a:solidFill>
-                  <a:schemeClr val="tx1"/>
-                </a:solidFill>
-                <a:latin typeface="Arial" charset="0"/>
-                <a:ea typeface="+mn-ea"/>
-                <a:cs typeface="+mn-cs"/>
-              </a:rPr>
-              <a:t>information loss is the average of the</a:t>
-            </a:r>
-          </a:p>
-          <a:p>
-            <a:r>
-              <a:rPr lang="en-US" sz="1200" b="0" i="1" u="none" strike="noStrike" kern="1200" baseline="0" dirty="0" err="1">
-                <a:solidFill>
-                  <a:schemeClr val="tx1"/>
-                </a:solidFill>
-                <a:latin typeface="Arial" charset="0"/>
-                <a:ea typeface="+mn-ea"/>
-                <a:cs typeface="+mn-cs"/>
-              </a:rPr>
-              <a:t>Prec</a:t>
-            </a:r>
-            <a:r>
-              <a:rPr lang="en-US" sz="1200" b="0" i="1" u="none" strike="noStrike" kern="1200" baseline="0" dirty="0">
-                <a:solidFill>
-                  <a:schemeClr val="tx1"/>
-                </a:solidFill>
-                <a:latin typeface="Arial" charset="0"/>
-                <a:ea typeface="+mn-ea"/>
-                <a:cs typeface="+mn-cs"/>
-              </a:rPr>
-              <a:t> </a:t>
-            </a:r>
-            <a:r>
-              <a:rPr lang="en-US" sz="1200" b="0" i="0" u="none" strike="noStrike" kern="1200" baseline="0" dirty="0">
-                <a:solidFill>
-                  <a:schemeClr val="tx1"/>
-                </a:solidFill>
-                <a:latin typeface="Arial" charset="0"/>
-                <a:ea typeface="+mn-ea"/>
-                <a:cs typeface="+mn-cs"/>
-              </a:rPr>
-              <a:t>values across all quasi-identifiers in the dataset.</a:t>
-            </a:r>
-            <a:r>
-              <a:rPr lang="de-DE" sz="1200" b="0" i="0" u="none" strike="noStrike" kern="1200" baseline="0" dirty="0">
-                <a:solidFill>
-                  <a:schemeClr val="tx1"/>
-                </a:solidFill>
-                <a:latin typeface="Arial" charset="0"/>
-                <a:ea typeface="+mn-ea"/>
-                <a:cs typeface="+mn-cs"/>
-              </a:rPr>
-              <a:t> As a</a:t>
-            </a:r>
-          </a:p>
-          <a:p>
-            <a:r>
-              <a:rPr lang="en-US" sz="1200" b="0" i="0" u="none" strike="noStrike" kern="1200" baseline="0" dirty="0">
-                <a:solidFill>
-                  <a:schemeClr val="tx1"/>
-                </a:solidFill>
-                <a:latin typeface="Arial" charset="0"/>
-                <a:ea typeface="+mn-ea"/>
-                <a:cs typeface="+mn-cs"/>
-              </a:rPr>
-              <a:t>consequence, the more a variable is generalized, the higher the</a:t>
-            </a:r>
-          </a:p>
-          <a:p>
-            <a:r>
-              <a:rPr lang="de-DE" sz="1200" b="0" i="0" u="none" strike="noStrike" kern="1200" baseline="0" dirty="0" err="1">
-                <a:solidFill>
-                  <a:schemeClr val="tx1"/>
-                </a:solidFill>
-                <a:latin typeface="Arial" charset="0"/>
-                <a:ea typeface="+mn-ea"/>
-                <a:cs typeface="+mn-cs"/>
-              </a:rPr>
-              <a:t>information</a:t>
-            </a:r>
-            <a:r>
-              <a:rPr lang="de-DE" sz="1200" b="0" i="0" u="none" strike="noStrike" kern="1200" baseline="0" dirty="0">
-                <a:solidFill>
-                  <a:schemeClr val="tx1"/>
-                </a:solidFill>
-                <a:latin typeface="Arial" charset="0"/>
-                <a:ea typeface="+mn-ea"/>
-                <a:cs typeface="+mn-cs"/>
-              </a:rPr>
-              <a:t> </a:t>
-            </a:r>
-            <a:r>
-              <a:rPr lang="de-DE" sz="1200" b="0" i="0" u="none" strike="noStrike" kern="1200" baseline="0" dirty="0" err="1">
-                <a:solidFill>
-                  <a:schemeClr val="tx1"/>
-                </a:solidFill>
-                <a:latin typeface="Arial" charset="0"/>
-                <a:ea typeface="+mn-ea"/>
-                <a:cs typeface="+mn-cs"/>
-              </a:rPr>
-              <a:t>loss</a:t>
-            </a:r>
-            <a:r>
-              <a:rPr lang="de-DE" sz="1200" b="0" i="0" u="none" strike="noStrike" kern="1200" baseline="0" dirty="0">
-                <a:solidFill>
-                  <a:schemeClr val="tx1"/>
-                </a:solidFill>
-                <a:latin typeface="Arial" charset="0"/>
-                <a:ea typeface="+mn-ea"/>
-                <a:cs typeface="+mn-cs"/>
-              </a:rPr>
-              <a:t>.</a:t>
-            </a:r>
-          </a:p>
-          <a:p>
-            <a:endParaRPr lang="de-DE" sz="1200" b="0" i="0" u="none" strike="noStrike" kern="1200" baseline="0" dirty="0">
-              <a:solidFill>
-                <a:schemeClr val="tx1"/>
-              </a:solidFill>
-              <a:latin typeface="Arial" charset="0"/>
-              <a:ea typeface="+mn-ea"/>
-              <a:cs typeface="+mn-cs"/>
-            </a:endParaRPr>
-          </a:p>
-          <a:p>
-            <a:r>
-              <a:rPr lang="de-DE" sz="1200" b="0" i="0" u="none" strike="noStrike" kern="1200" baseline="0" dirty="0">
-                <a:solidFill>
-                  <a:schemeClr val="tx1"/>
-                </a:solidFill>
-                <a:latin typeface="Arial" charset="0"/>
-                <a:ea typeface="+mn-ea"/>
-                <a:cs typeface="+mn-cs"/>
-              </a:rPr>
-              <a:t>The </a:t>
-            </a:r>
-            <a:r>
-              <a:rPr lang="de-DE" sz="1200" b="0" i="0" u="none" strike="noStrike" kern="1200" baseline="0" dirty="0" err="1">
-                <a:solidFill>
-                  <a:schemeClr val="tx1"/>
-                </a:solidFill>
-                <a:latin typeface="Arial" charset="0"/>
-                <a:ea typeface="+mn-ea"/>
-                <a:cs typeface="+mn-cs"/>
-              </a:rPr>
-              <a:t>discernability</a:t>
-            </a:r>
-            <a:endParaRPr lang="de-DE" sz="1200" b="0" i="0" u="none" strike="noStrike" kern="1200" baseline="0" dirty="0">
-              <a:solidFill>
-                <a:schemeClr val="tx1"/>
-              </a:solidFill>
-              <a:latin typeface="Arial" charset="0"/>
-              <a:ea typeface="+mn-ea"/>
-              <a:cs typeface="+mn-cs"/>
-            </a:endParaRPr>
-          </a:p>
-          <a:p>
-            <a:r>
-              <a:rPr lang="en-US" sz="1200" b="0" i="0" u="none" strike="noStrike" kern="1200" baseline="0" dirty="0">
-                <a:solidFill>
-                  <a:schemeClr val="tx1"/>
-                </a:solidFill>
-                <a:latin typeface="Arial" charset="0"/>
-                <a:ea typeface="+mn-ea"/>
-                <a:cs typeface="+mn-cs"/>
-              </a:rPr>
-              <a:t>metric assigns a penalty to every record that is proportional</a:t>
-            </a:r>
-          </a:p>
-          <a:p>
-            <a:r>
-              <a:rPr lang="en-US" sz="1200" b="0" i="0" u="none" strike="noStrike" kern="1200" baseline="0" dirty="0">
-                <a:solidFill>
-                  <a:schemeClr val="tx1"/>
-                </a:solidFill>
-                <a:latin typeface="Arial" charset="0"/>
-                <a:ea typeface="+mn-ea"/>
-                <a:cs typeface="+mn-cs"/>
-              </a:rPr>
-              <a:t>to the number of records that are indistinguishable from it.</a:t>
-            </a:r>
-          </a:p>
-          <a:p>
-            <a:r>
-              <a:rPr lang="en-US" sz="1200" b="0" i="0" u="none" strike="noStrike" kern="1200" baseline="0" dirty="0">
-                <a:solidFill>
-                  <a:schemeClr val="tx1"/>
-                </a:solidFill>
-                <a:latin typeface="Arial" charset="0"/>
-                <a:ea typeface="+mn-ea"/>
-                <a:cs typeface="+mn-cs"/>
-              </a:rPr>
-              <a:t>Following the same reasoning, DM assigns a penalty equal</a:t>
-            </a:r>
-          </a:p>
-          <a:p>
-            <a:r>
-              <a:rPr lang="en-US" sz="1200" b="0" i="0" u="none" strike="noStrike" kern="1200" baseline="0" dirty="0">
-                <a:solidFill>
-                  <a:schemeClr val="tx1"/>
-                </a:solidFill>
-                <a:latin typeface="Arial" charset="0"/>
-                <a:ea typeface="+mn-ea"/>
-                <a:cs typeface="+mn-cs"/>
-              </a:rPr>
-              <a:t>to the whole dataset for every suppressed record (since</a:t>
-            </a:r>
-          </a:p>
-          <a:p>
-            <a:r>
-              <a:rPr lang="en-US" sz="1200" b="0" i="0" u="none" strike="noStrike" kern="1200" baseline="0" dirty="0">
-                <a:solidFill>
-                  <a:schemeClr val="tx1"/>
-                </a:solidFill>
-                <a:latin typeface="Arial" charset="0"/>
-                <a:ea typeface="+mn-ea"/>
-                <a:cs typeface="+mn-cs"/>
-              </a:rPr>
-              <a:t>suppressed records are indistinguishable from all other</a:t>
-            </a:r>
-          </a:p>
-          <a:p>
-            <a:r>
-              <a:rPr lang="en-US" sz="1200" b="0" i="0" u="none" strike="noStrike" kern="1200" baseline="0" dirty="0">
-                <a:solidFill>
-                  <a:schemeClr val="tx1"/>
-                </a:solidFill>
-                <a:latin typeface="Arial" charset="0"/>
-                <a:ea typeface="+mn-ea"/>
-                <a:cs typeface="+mn-cs"/>
-              </a:rPr>
-              <a:t>records). The formula for DM metric appears in online</a:t>
+              <a:t>only 30% of the records suppressed.</a:t>
             </a:r>
             <a:endParaRPr lang="de-DE" dirty="0"/>
           </a:p>
@@ -3326,7 +2082,7 @@
               <a:pPr>
                 <a:defRPr/>
               </a:pPr>
-              <a:t>17</a:t>
+              <a:t>16</a:t>
             </a:fld>
             <a:endParaRPr lang="de-DE"/>
           </a:p>
@@ -3335,7 +2091,7 @@
     </p:spTree>
     <p:extLst>
       <p:ext uri="{BB962C8B-B14F-4D97-AF65-F5344CB8AC3E}">
-        <p14:creationId xmlns:p14="http://schemas.microsoft.com/office/powerpoint/2010/main" val="3708521623"/>
+        <p14:creationId xmlns:p14="http://schemas.microsoft.com/office/powerpoint/2010/main" val="3798197572"/>
       </p:ext>
     </p:extLst>
   </p:cSld>
@@ -3389,6 +2145,1318 @@
           <a:bodyPr/>
           <a:lstStyle/>
           <a:p>
+            <a:r>
+              <a:rPr lang="en-US" sz="1200" b="0" i="0" u="none" strike="noStrike" kern="1200" baseline="0" dirty="0">
+                <a:solidFill>
+                  <a:schemeClr val="tx1"/>
+                </a:solidFill>
+                <a:latin typeface="Arial" charset="0"/>
+                <a:ea typeface="+mn-ea"/>
+                <a:cs typeface="+mn-cs"/>
+              </a:rPr>
+              <a:t>Out of the highlighted nodes in the lattice, Samarati24 proposes that the node with the lowest lattice height should be selected as the optimal solution. In our example of Figure</a:t>
+            </a:r>
+          </a:p>
+          <a:p>
+            <a:r>
+              <a:rPr lang="en-US" sz="1200" b="0" i="0" u="none" strike="noStrike" kern="1200" baseline="0" dirty="0">
+                <a:solidFill>
+                  <a:schemeClr val="tx1"/>
+                </a:solidFill>
+                <a:latin typeface="Arial" charset="0"/>
+                <a:ea typeface="+mn-ea"/>
+                <a:cs typeface="+mn-cs"/>
+              </a:rPr>
+              <a:t>2, this would be node d0, g1, a1. The assumption being made is that this solution balances the extent of generalization with the extent of suppression</a:t>
+            </a:r>
+          </a:p>
+          <a:p>
+            <a:endParaRPr lang="en-US" sz="1200" b="0" i="0" u="none" strike="noStrike" kern="1200" baseline="0" dirty="0">
+              <a:solidFill>
+                <a:schemeClr val="tx1"/>
+              </a:solidFill>
+              <a:latin typeface="Arial" charset="0"/>
+              <a:ea typeface="+mn-ea"/>
+              <a:cs typeface="+mn-cs"/>
+            </a:endParaRPr>
+          </a:p>
+          <a:p>
+            <a:r>
+              <a:rPr lang="en-US" sz="1200" b="0" i="0" u="none" strike="noStrike" kern="1200" baseline="0" dirty="0">
+                <a:solidFill>
+                  <a:schemeClr val="tx1"/>
+                </a:solidFill>
+                <a:latin typeface="Arial" charset="0"/>
+                <a:ea typeface="+mn-ea"/>
+                <a:cs typeface="+mn-cs"/>
+              </a:rPr>
+              <a:t>The lattice height is not considered a good information loss metric because it does not account for the generalization hierarchy depths of the quasi-identifiers. For example, if we generalize “Male” to “Person” then this is given equal weight</a:t>
+            </a:r>
+          </a:p>
+          <a:p>
+            <a:r>
+              <a:rPr lang="en-US" sz="1200" b="0" i="0" u="none" strike="noStrike" kern="1200" baseline="0" dirty="0">
+                <a:solidFill>
+                  <a:schemeClr val="tx1"/>
+                </a:solidFill>
+                <a:latin typeface="Arial" charset="0"/>
+                <a:ea typeface="+mn-ea"/>
+                <a:cs typeface="+mn-cs"/>
+              </a:rPr>
+              <a:t>to generalizing age in years to age in five year intervals. In the former case there is no information left in the gender variable, whereas the five year age interval still conveys a considerable amount of information and there are three more possible generalizations left in the age hierarchy</a:t>
+            </a:r>
+          </a:p>
+          <a:p>
+            <a:endParaRPr lang="en-US" sz="1200" b="0" i="0" u="none" strike="noStrike" kern="1200" baseline="0" dirty="0">
+              <a:solidFill>
+                <a:schemeClr val="tx1"/>
+              </a:solidFill>
+              <a:latin typeface="Arial" charset="0"/>
+              <a:ea typeface="+mn-ea"/>
+              <a:cs typeface="+mn-cs"/>
+            </a:endParaRPr>
+          </a:p>
+          <a:p>
+            <a:r>
+              <a:rPr lang="en-US" sz="1200" b="0" i="0" u="none" strike="noStrike" kern="1200" baseline="0" dirty="0">
+                <a:solidFill>
+                  <a:schemeClr val="tx1"/>
+                </a:solidFill>
+                <a:latin typeface="Arial" charset="0"/>
+                <a:ea typeface="+mn-ea"/>
+                <a:cs typeface="+mn-cs"/>
+              </a:rPr>
+              <a:t>An information loss metric that takes into account the height of the generalization hierarchy is Precision or </a:t>
+            </a:r>
+            <a:r>
+              <a:rPr lang="en-US" sz="1200" b="0" i="1" u="none" strike="noStrike" kern="1200" baseline="0" dirty="0">
+                <a:solidFill>
+                  <a:schemeClr val="tx1"/>
+                </a:solidFill>
+                <a:latin typeface="Arial" charset="0"/>
+                <a:ea typeface="+mn-ea"/>
+                <a:cs typeface="+mn-cs"/>
+              </a:rPr>
+              <a:t>Prec</a:t>
+            </a:r>
+            <a:r>
+              <a:rPr lang="en-US" sz="1200" b="0" i="0" u="none" strike="noStrike" kern="1200" baseline="0" dirty="0">
+                <a:solidFill>
+                  <a:schemeClr val="tx1"/>
+                </a:solidFill>
+                <a:latin typeface="Arial" charset="0"/>
+                <a:ea typeface="+mn-ea"/>
+                <a:cs typeface="+mn-cs"/>
+              </a:rPr>
+              <a:t>. </a:t>
+            </a:r>
+          </a:p>
+          <a:p>
+            <a:endParaRPr lang="en-US" sz="1200" b="0" i="0" u="none" strike="noStrike" kern="1200" baseline="0" dirty="0">
+              <a:solidFill>
+                <a:schemeClr val="tx1"/>
+              </a:solidFill>
+              <a:latin typeface="Arial" charset="0"/>
+              <a:ea typeface="+mn-ea"/>
+              <a:cs typeface="+mn-cs"/>
+            </a:endParaRPr>
+          </a:p>
+          <a:p>
+            <a:r>
+              <a:rPr lang="en-US" sz="1200" b="0" i="0" u="none" strike="noStrike" kern="1200" baseline="0" dirty="0">
+                <a:solidFill>
+                  <a:schemeClr val="tx1"/>
+                </a:solidFill>
+                <a:latin typeface="Arial" charset="0"/>
+                <a:ea typeface="+mn-ea"/>
+                <a:cs typeface="+mn-cs"/>
+              </a:rPr>
+              <a:t>The </a:t>
+            </a:r>
+            <a:r>
+              <a:rPr lang="en-US" sz="1200" b="0" i="1" u="none" strike="noStrike" kern="1200" baseline="0" dirty="0" err="1">
+                <a:solidFill>
+                  <a:schemeClr val="tx1"/>
+                </a:solidFill>
+                <a:latin typeface="Arial" charset="0"/>
+                <a:ea typeface="+mn-ea"/>
+                <a:cs typeface="+mn-cs"/>
+              </a:rPr>
+              <a:t>Prec</a:t>
+            </a:r>
+            <a:r>
+              <a:rPr lang="en-US" sz="1200" b="0" i="1" u="none" strike="noStrike" kern="1200" baseline="0" dirty="0">
+                <a:solidFill>
+                  <a:schemeClr val="tx1"/>
+                </a:solidFill>
+                <a:latin typeface="Arial" charset="0"/>
+                <a:ea typeface="+mn-ea"/>
+                <a:cs typeface="+mn-cs"/>
+              </a:rPr>
+              <a:t> </a:t>
+            </a:r>
+            <a:r>
+              <a:rPr lang="en-US" sz="1200" b="0" i="0" u="none" strike="noStrike" kern="1200" baseline="0" dirty="0">
+                <a:solidFill>
+                  <a:schemeClr val="tx1"/>
+                </a:solidFill>
+                <a:latin typeface="Arial" charset="0"/>
+                <a:ea typeface="+mn-ea"/>
+                <a:cs typeface="+mn-cs"/>
+              </a:rPr>
+              <a:t>was introduced by Sweeney as an information loss metric that is suitable for hierarchical data. For every variable, the ratio </a:t>
+            </a:r>
+            <a:r>
+              <a:rPr lang="en-US" sz="1200" b="0" i="0" u="none" strike="noStrike" kern="1200" baseline="0" dirty="0" err="1">
+                <a:solidFill>
+                  <a:schemeClr val="tx1"/>
+                </a:solidFill>
+                <a:latin typeface="Arial" charset="0"/>
+                <a:ea typeface="+mn-ea"/>
+                <a:cs typeface="+mn-cs"/>
+              </a:rPr>
+              <a:t>ofthe</a:t>
+            </a:r>
+            <a:r>
+              <a:rPr lang="en-US" sz="1200" b="0" i="0" u="none" strike="noStrike" kern="1200" baseline="0" dirty="0">
+                <a:solidFill>
+                  <a:schemeClr val="tx1"/>
+                </a:solidFill>
+                <a:latin typeface="Arial" charset="0"/>
+                <a:ea typeface="+mn-ea"/>
+                <a:cs typeface="+mn-cs"/>
+              </a:rPr>
+              <a:t> number of generalization steps applied to the total number</a:t>
+            </a:r>
+          </a:p>
+          <a:p>
+            <a:r>
+              <a:rPr lang="en-US" sz="1200" b="0" i="0" u="none" strike="noStrike" kern="1200" baseline="0" dirty="0">
+                <a:solidFill>
+                  <a:schemeClr val="tx1"/>
+                </a:solidFill>
+                <a:latin typeface="Arial" charset="0"/>
+                <a:ea typeface="+mn-ea"/>
+                <a:cs typeface="+mn-cs"/>
+              </a:rPr>
+              <a:t>of possible generalization steps (total height of the generalization hierarchy) gives the amount of information loss for that </a:t>
+            </a:r>
+            <a:r>
+              <a:rPr lang="de-DE" sz="1200" b="0" i="0" u="none" strike="noStrike" kern="1200" baseline="0" dirty="0" err="1">
+                <a:solidFill>
+                  <a:schemeClr val="tx1"/>
+                </a:solidFill>
+                <a:latin typeface="Arial" charset="0"/>
+                <a:ea typeface="+mn-ea"/>
+                <a:cs typeface="+mn-cs"/>
+              </a:rPr>
+              <a:t>particular</a:t>
+            </a:r>
+            <a:r>
+              <a:rPr lang="de-DE" sz="1200" b="0" i="0" u="none" strike="noStrike" kern="1200" baseline="0" dirty="0">
+                <a:solidFill>
+                  <a:schemeClr val="tx1"/>
+                </a:solidFill>
+                <a:latin typeface="Arial" charset="0"/>
+                <a:ea typeface="+mn-ea"/>
+                <a:cs typeface="+mn-cs"/>
+              </a:rPr>
+              <a:t> variable.</a:t>
+            </a:r>
+          </a:p>
+          <a:p>
+            <a:endParaRPr lang="de-DE" sz="1200" b="0" i="0" u="none" strike="noStrike" kern="1200" baseline="0" dirty="0">
+              <a:solidFill>
+                <a:schemeClr val="tx1"/>
+              </a:solidFill>
+              <a:latin typeface="Arial" charset="0"/>
+              <a:ea typeface="+mn-ea"/>
+              <a:cs typeface="+mn-cs"/>
+            </a:endParaRPr>
+          </a:p>
+          <a:p>
+            <a:r>
+              <a:rPr lang="en-US" sz="1200" b="0" i="0" u="none" strike="noStrike" kern="1200" baseline="0" dirty="0">
+                <a:solidFill>
+                  <a:schemeClr val="tx1"/>
+                </a:solidFill>
+                <a:latin typeface="Arial" charset="0"/>
+                <a:ea typeface="+mn-ea"/>
+                <a:cs typeface="+mn-cs"/>
+              </a:rPr>
+              <a:t>For example, in Figure 1 if age is generalized from age in years to age in five year intervals, then the value is ¼. Overall </a:t>
+            </a:r>
+            <a:r>
+              <a:rPr lang="en-US" sz="1200" b="0" i="1" u="none" strike="noStrike" kern="1200" baseline="0" dirty="0" err="1">
+                <a:solidFill>
+                  <a:schemeClr val="tx1"/>
+                </a:solidFill>
+                <a:latin typeface="Arial" charset="0"/>
+                <a:ea typeface="+mn-ea"/>
+                <a:cs typeface="+mn-cs"/>
+              </a:rPr>
+              <a:t>Prec</a:t>
+            </a:r>
+            <a:r>
+              <a:rPr lang="en-US" sz="1200" b="0" i="1" u="none" strike="noStrike" kern="1200" baseline="0" dirty="0">
+                <a:solidFill>
+                  <a:schemeClr val="tx1"/>
+                </a:solidFill>
+                <a:latin typeface="Arial" charset="0"/>
+                <a:ea typeface="+mn-ea"/>
+                <a:cs typeface="+mn-cs"/>
+              </a:rPr>
+              <a:t> </a:t>
+            </a:r>
+            <a:r>
+              <a:rPr lang="en-US" sz="1200" b="0" i="0" u="none" strike="noStrike" kern="1200" baseline="0" dirty="0">
+                <a:solidFill>
+                  <a:schemeClr val="tx1"/>
+                </a:solidFill>
+                <a:latin typeface="Arial" charset="0"/>
+                <a:ea typeface="+mn-ea"/>
+                <a:cs typeface="+mn-cs"/>
+              </a:rPr>
+              <a:t>information loss is the average of the </a:t>
+            </a:r>
+            <a:r>
+              <a:rPr lang="en-US" sz="1200" b="0" i="1" u="none" strike="noStrike" kern="1200" baseline="0" dirty="0" err="1">
+                <a:solidFill>
+                  <a:schemeClr val="tx1"/>
+                </a:solidFill>
+                <a:latin typeface="Arial" charset="0"/>
+                <a:ea typeface="+mn-ea"/>
+                <a:cs typeface="+mn-cs"/>
+              </a:rPr>
+              <a:t>Prec</a:t>
+            </a:r>
+            <a:r>
+              <a:rPr lang="en-US" sz="1200" b="0" i="1" u="none" strike="noStrike" kern="1200" baseline="0" dirty="0">
+                <a:solidFill>
+                  <a:schemeClr val="tx1"/>
+                </a:solidFill>
+                <a:latin typeface="Arial" charset="0"/>
+                <a:ea typeface="+mn-ea"/>
+                <a:cs typeface="+mn-cs"/>
+              </a:rPr>
+              <a:t> </a:t>
+            </a:r>
+            <a:r>
+              <a:rPr lang="en-US" sz="1200" b="0" i="0" u="none" strike="noStrike" kern="1200" baseline="0" dirty="0">
+                <a:solidFill>
+                  <a:schemeClr val="tx1"/>
+                </a:solidFill>
+                <a:latin typeface="Arial" charset="0"/>
+                <a:ea typeface="+mn-ea"/>
+                <a:cs typeface="+mn-cs"/>
+              </a:rPr>
+              <a:t>values across all quasi-identifiers in the dataset. As a</a:t>
+            </a:r>
+          </a:p>
+          <a:p>
+            <a:r>
+              <a:rPr lang="en-US" sz="1200" b="0" i="0" u="none" strike="noStrike" kern="1200" baseline="0" dirty="0">
+                <a:solidFill>
+                  <a:schemeClr val="tx1"/>
+                </a:solidFill>
+                <a:latin typeface="Arial" charset="0"/>
+                <a:ea typeface="+mn-ea"/>
+                <a:cs typeface="+mn-cs"/>
+              </a:rPr>
+              <a:t>consequence, the more a variable is generalized, the higher the information loss. Moreover, variables with more generalization steps (i.e., more levels in their generalization hierarchy) tend to have less information loss than ones with shorter hierarchies. Using </a:t>
+            </a:r>
+            <a:r>
+              <a:rPr lang="en-US" sz="1200" b="0" i="1" u="none" strike="noStrike" kern="1200" baseline="0" dirty="0" err="1">
+                <a:solidFill>
+                  <a:schemeClr val="tx1"/>
+                </a:solidFill>
+                <a:latin typeface="Arial" charset="0"/>
+                <a:ea typeface="+mn-ea"/>
+                <a:cs typeface="+mn-cs"/>
+              </a:rPr>
+              <a:t>Prec</a:t>
+            </a:r>
+            <a:r>
+              <a:rPr lang="en-US" sz="1200" b="0" i="1" u="none" strike="noStrike" kern="1200" baseline="0" dirty="0">
+                <a:solidFill>
+                  <a:schemeClr val="tx1"/>
+                </a:solidFill>
+                <a:latin typeface="Arial" charset="0"/>
+                <a:ea typeface="+mn-ea"/>
+                <a:cs typeface="+mn-cs"/>
+              </a:rPr>
+              <a:t> </a:t>
+            </a:r>
+            <a:r>
+              <a:rPr lang="en-US" sz="1200" b="0" i="0" u="none" strike="noStrike" kern="1200" baseline="0" dirty="0">
+                <a:solidFill>
+                  <a:schemeClr val="tx1"/>
+                </a:solidFill>
+                <a:latin typeface="Arial" charset="0"/>
+                <a:ea typeface="+mn-ea"/>
+                <a:cs typeface="+mn-cs"/>
+              </a:rPr>
+              <a:t>as the information loss metric, the noded2, g0, a1 would be the optimal node rather than node d0, g1, a1 in</a:t>
+            </a:r>
+          </a:p>
+          <a:p>
+            <a:r>
+              <a:rPr lang="en-US" sz="1200" b="0" i="0" u="none" strike="noStrike" kern="1200" baseline="0" dirty="0">
+                <a:solidFill>
+                  <a:schemeClr val="tx1"/>
+                </a:solidFill>
+                <a:latin typeface="Arial" charset="0"/>
+                <a:ea typeface="+mn-ea"/>
+                <a:cs typeface="+mn-cs"/>
+              </a:rPr>
+              <a:t>Figure 2: the former has a </a:t>
+            </a:r>
+            <a:r>
+              <a:rPr lang="en-US" sz="1200" b="0" i="1" u="none" strike="noStrike" kern="1200" baseline="0" dirty="0" err="1">
+                <a:solidFill>
+                  <a:schemeClr val="tx1"/>
+                </a:solidFill>
+                <a:latin typeface="Arial" charset="0"/>
+                <a:ea typeface="+mn-ea"/>
+                <a:cs typeface="+mn-cs"/>
+              </a:rPr>
+              <a:t>Prec</a:t>
+            </a:r>
+            <a:r>
+              <a:rPr lang="en-US" sz="1200" b="0" i="1" u="none" strike="noStrike" kern="1200" baseline="0" dirty="0">
+                <a:solidFill>
+                  <a:schemeClr val="tx1"/>
+                </a:solidFill>
+                <a:latin typeface="Arial" charset="0"/>
+                <a:ea typeface="+mn-ea"/>
+                <a:cs typeface="+mn-cs"/>
+              </a:rPr>
+              <a:t> </a:t>
+            </a:r>
+            <a:r>
+              <a:rPr lang="en-US" sz="1200" b="0" i="0" u="none" strike="noStrike" kern="1200" baseline="0" dirty="0">
+                <a:solidFill>
+                  <a:schemeClr val="tx1"/>
+                </a:solidFill>
+                <a:latin typeface="Arial" charset="0"/>
+                <a:ea typeface="+mn-ea"/>
+                <a:cs typeface="+mn-cs"/>
+              </a:rPr>
+              <a:t>of 0.417 and the latter a </a:t>
+            </a:r>
+            <a:r>
+              <a:rPr lang="en-US" sz="1200" b="0" i="1" u="none" strike="noStrike" kern="1200" baseline="0" dirty="0" err="1">
+                <a:solidFill>
+                  <a:schemeClr val="tx1"/>
+                </a:solidFill>
+                <a:latin typeface="Arial" charset="0"/>
+                <a:ea typeface="+mn-ea"/>
+                <a:cs typeface="+mn-cs"/>
+              </a:rPr>
+              <a:t>Prec</a:t>
+            </a:r>
+            <a:r>
+              <a:rPr lang="en-US" sz="1200" b="0" i="1" u="none" strike="noStrike" kern="1200" baseline="0" dirty="0">
+                <a:solidFill>
+                  <a:schemeClr val="tx1"/>
+                </a:solidFill>
+                <a:latin typeface="Arial" charset="0"/>
+                <a:ea typeface="+mn-ea"/>
+                <a:cs typeface="+mn-cs"/>
+              </a:rPr>
+              <a:t> </a:t>
+            </a:r>
+            <a:r>
+              <a:rPr lang="en-US" sz="1200" b="0" i="0" u="none" strike="noStrike" kern="1200" baseline="0" dirty="0">
+                <a:solidFill>
+                  <a:schemeClr val="tx1"/>
+                </a:solidFill>
+                <a:latin typeface="Arial" charset="0"/>
+                <a:ea typeface="+mn-ea"/>
+                <a:cs typeface="+mn-cs"/>
+              </a:rPr>
+              <a:t>of </a:t>
+            </a:r>
+            <a:r>
+              <a:rPr lang="de-DE" sz="1200" b="0" i="0" u="none" strike="noStrike" kern="1200" baseline="0" dirty="0">
+                <a:solidFill>
+                  <a:schemeClr val="tx1"/>
+                </a:solidFill>
+                <a:latin typeface="Arial" charset="0"/>
+                <a:ea typeface="+mn-ea"/>
+                <a:cs typeface="+mn-cs"/>
+              </a:rPr>
+              <a:t>0.466.</a:t>
+            </a:r>
+          </a:p>
+          <a:p>
+            <a:endParaRPr lang="de-DE" sz="1200" b="0" i="0" u="none" strike="noStrike" kern="1200" baseline="0" dirty="0">
+              <a:solidFill>
+                <a:schemeClr val="tx1"/>
+              </a:solidFill>
+              <a:latin typeface="Arial" charset="0"/>
+              <a:ea typeface="+mn-ea"/>
+              <a:cs typeface="+mn-cs"/>
+            </a:endParaRPr>
+          </a:p>
+          <a:p>
+            <a:endParaRPr lang="de-DE" sz="1200" b="0" i="0" u="none" strike="noStrike" kern="1200" baseline="0" dirty="0">
+              <a:solidFill>
+                <a:schemeClr val="tx1"/>
+              </a:solidFill>
+              <a:latin typeface="Arial" charset="0"/>
+              <a:ea typeface="+mn-ea"/>
+              <a:cs typeface="+mn-cs"/>
+            </a:endParaRPr>
+          </a:p>
+          <a:p>
+            <a:r>
+              <a:rPr lang="en-US" sz="1200" b="0" i="0" u="none" strike="noStrike" kern="1200" baseline="0" dirty="0">
+                <a:solidFill>
+                  <a:schemeClr val="tx1"/>
+                </a:solidFill>
+                <a:latin typeface="Arial" charset="0"/>
+                <a:ea typeface="+mn-ea"/>
+                <a:cs typeface="+mn-cs"/>
+              </a:rPr>
+              <a:t>Another commonly used information loss metric is the </a:t>
+            </a:r>
+            <a:r>
+              <a:rPr lang="en-US" sz="1200" b="0" i="0" u="none" strike="noStrike" kern="1200" baseline="0" dirty="0" err="1">
+                <a:solidFill>
+                  <a:schemeClr val="tx1"/>
+                </a:solidFill>
+                <a:latin typeface="Arial" charset="0"/>
+                <a:ea typeface="+mn-ea"/>
+                <a:cs typeface="+mn-cs"/>
+              </a:rPr>
+              <a:t>Discernability</a:t>
+            </a:r>
+            <a:r>
+              <a:rPr lang="en-US" sz="1200" b="0" i="0" u="none" strike="noStrike" kern="1200" baseline="0" dirty="0">
+                <a:solidFill>
+                  <a:schemeClr val="tx1"/>
+                </a:solidFill>
+                <a:latin typeface="Arial" charset="0"/>
+                <a:ea typeface="+mn-ea"/>
+                <a:cs typeface="+mn-cs"/>
+              </a:rPr>
+              <a:t> Metric or DM.2The </a:t>
+            </a:r>
+            <a:r>
+              <a:rPr lang="en-US" sz="1200" b="0" i="0" u="none" strike="noStrike" kern="1200" baseline="0" dirty="0" err="1">
+                <a:solidFill>
+                  <a:schemeClr val="tx1"/>
+                </a:solidFill>
+                <a:latin typeface="Arial" charset="0"/>
+                <a:ea typeface="+mn-ea"/>
+                <a:cs typeface="+mn-cs"/>
+              </a:rPr>
+              <a:t>discernability</a:t>
+            </a:r>
+            <a:endParaRPr lang="en-US" sz="1200" b="0" i="0" u="none" strike="noStrike" kern="1200" baseline="0" dirty="0">
+              <a:solidFill>
+                <a:schemeClr val="tx1"/>
+              </a:solidFill>
+              <a:latin typeface="Arial" charset="0"/>
+              <a:ea typeface="+mn-ea"/>
+              <a:cs typeface="+mn-cs"/>
+            </a:endParaRPr>
+          </a:p>
+          <a:p>
+            <a:r>
+              <a:rPr lang="en-US" sz="1200" b="0" i="0" u="none" strike="noStrike" kern="1200" baseline="0" dirty="0">
+                <a:solidFill>
+                  <a:schemeClr val="tx1"/>
+                </a:solidFill>
+                <a:latin typeface="Arial" charset="0"/>
+                <a:ea typeface="+mn-ea"/>
+                <a:cs typeface="+mn-cs"/>
+              </a:rPr>
+              <a:t>metric assigns a penalty to every record that is proportional to the number of records that are indistinguishable from it.</a:t>
+            </a:r>
+          </a:p>
+          <a:p>
+            <a:r>
+              <a:rPr lang="en-US" sz="1200" b="0" i="0" u="none" strike="noStrike" kern="1200" baseline="0" dirty="0">
+                <a:solidFill>
+                  <a:schemeClr val="tx1"/>
+                </a:solidFill>
+                <a:latin typeface="Arial" charset="0"/>
+                <a:ea typeface="+mn-ea"/>
+                <a:cs typeface="+mn-cs"/>
+              </a:rPr>
+              <a:t>Following the same reasoning, DM assigns a penalty equal to the whole dataset for every suppressed record (since suppressed records are indistinguishable from all other </a:t>
+            </a:r>
+            <a:r>
+              <a:rPr lang="de-DE" sz="1200" b="0" i="0" u="none" strike="noStrike" kern="1200" baseline="0" dirty="0" err="1">
+                <a:solidFill>
+                  <a:schemeClr val="tx1"/>
+                </a:solidFill>
+                <a:latin typeface="Arial" charset="0"/>
+                <a:ea typeface="+mn-ea"/>
+                <a:cs typeface="+mn-cs"/>
+              </a:rPr>
+              <a:t>records</a:t>
+            </a:r>
+            <a:r>
+              <a:rPr lang="de-DE" sz="1200" b="0" i="0" u="none" strike="noStrike" kern="1200" baseline="0" dirty="0">
+                <a:solidFill>
+                  <a:schemeClr val="tx1"/>
+                </a:solidFill>
+                <a:latin typeface="Arial" charset="0"/>
+                <a:ea typeface="+mn-ea"/>
+                <a:cs typeface="+mn-cs"/>
+              </a:rPr>
+              <a:t>).</a:t>
+            </a:r>
+          </a:p>
+          <a:p>
+            <a:endParaRPr lang="de-DE" sz="1200" b="0" i="0" u="none" strike="noStrike" kern="1200" baseline="0" dirty="0">
+              <a:solidFill>
+                <a:schemeClr val="tx1"/>
+              </a:solidFill>
+              <a:latin typeface="Arial" charset="0"/>
+              <a:ea typeface="+mn-ea"/>
+              <a:cs typeface="+mn-cs"/>
+            </a:endParaRPr>
+          </a:p>
+          <a:p>
+            <a:r>
+              <a:rPr lang="en-US" sz="1200" b="0" i="0" u="none" strike="noStrike" kern="1200" baseline="0" dirty="0">
+                <a:solidFill>
+                  <a:schemeClr val="tx1"/>
+                </a:solidFill>
+                <a:latin typeface="Arial" charset="0"/>
+                <a:ea typeface="+mn-ea"/>
+                <a:cs typeface="+mn-cs"/>
+              </a:rPr>
+              <a:t>The </a:t>
+            </a:r>
+            <a:r>
+              <a:rPr lang="en-US" sz="1200" b="0" i="1" u="none" strike="noStrike" kern="1200" baseline="0" dirty="0">
+                <a:solidFill>
+                  <a:schemeClr val="tx1"/>
+                </a:solidFill>
+                <a:latin typeface="Arial" charset="0"/>
+                <a:ea typeface="+mn-ea"/>
+                <a:cs typeface="+mn-cs"/>
+              </a:rPr>
+              <a:t>DM</a:t>
+            </a:r>
+            <a:r>
+              <a:rPr lang="en-US" sz="1200" b="0" i="0" u="none" strike="noStrike" kern="1200" baseline="0" dirty="0">
+                <a:solidFill>
+                  <a:schemeClr val="tx1"/>
+                </a:solidFill>
+                <a:latin typeface="Arial" charset="0"/>
+                <a:ea typeface="+mn-ea"/>
+                <a:cs typeface="+mn-cs"/>
+              </a:rPr>
+              <a:t>* information loss also solves a weakness with the </a:t>
+            </a:r>
+            <a:r>
+              <a:rPr lang="en-US" sz="1200" b="0" i="1" u="none" strike="noStrike" kern="1200" baseline="0" dirty="0" err="1">
+                <a:solidFill>
+                  <a:schemeClr val="tx1"/>
+                </a:solidFill>
+                <a:latin typeface="Arial" charset="0"/>
+                <a:ea typeface="+mn-ea"/>
+                <a:cs typeface="+mn-cs"/>
+              </a:rPr>
+              <a:t>Prec</a:t>
+            </a:r>
+            <a:r>
+              <a:rPr lang="en-US" sz="1200" b="0" i="1" u="none" strike="noStrike" kern="1200" baseline="0" dirty="0">
+                <a:solidFill>
+                  <a:schemeClr val="tx1"/>
+                </a:solidFill>
+                <a:latin typeface="Arial" charset="0"/>
+                <a:ea typeface="+mn-ea"/>
+                <a:cs typeface="+mn-cs"/>
+              </a:rPr>
+              <a:t> </a:t>
+            </a:r>
+            <a:r>
+              <a:rPr lang="en-US" sz="1200" b="0" i="0" u="none" strike="noStrike" kern="1200" baseline="0" dirty="0">
+                <a:solidFill>
+                  <a:schemeClr val="tx1"/>
+                </a:solidFill>
+                <a:latin typeface="Arial" charset="0"/>
+                <a:ea typeface="+mn-ea"/>
+                <a:cs typeface="+mn-cs"/>
+              </a:rPr>
+              <a:t>metric in that </a:t>
+            </a:r>
+            <a:r>
+              <a:rPr lang="en-US" sz="1200" b="0" i="1" u="none" strike="noStrike" kern="1200" baseline="0" dirty="0" err="1">
+                <a:solidFill>
+                  <a:schemeClr val="tx1"/>
+                </a:solidFill>
+                <a:latin typeface="Arial" charset="0"/>
+                <a:ea typeface="+mn-ea"/>
+                <a:cs typeface="+mn-cs"/>
+              </a:rPr>
+              <a:t>Prec</a:t>
+            </a:r>
+            <a:r>
+              <a:rPr lang="en-US" sz="1200" b="0" i="1" u="none" strike="noStrike" kern="1200" baseline="0" dirty="0">
+                <a:solidFill>
+                  <a:schemeClr val="tx1"/>
+                </a:solidFill>
+                <a:latin typeface="Arial" charset="0"/>
+                <a:ea typeface="+mn-ea"/>
+                <a:cs typeface="+mn-cs"/>
+              </a:rPr>
+              <a:t> </a:t>
+            </a:r>
+            <a:r>
+              <a:rPr lang="en-US" sz="1200" b="0" i="0" u="none" strike="noStrike" kern="1200" baseline="0" dirty="0">
+                <a:solidFill>
+                  <a:schemeClr val="tx1"/>
+                </a:solidFill>
+                <a:latin typeface="Arial" charset="0"/>
+                <a:ea typeface="+mn-ea"/>
+                <a:cs typeface="+mn-cs"/>
+              </a:rPr>
+              <a:t>does not take into account the size</a:t>
+            </a:r>
+          </a:p>
+          <a:p>
+            <a:r>
+              <a:rPr lang="en-US" sz="1200" b="0" i="0" u="none" strike="noStrike" kern="1200" baseline="0" dirty="0">
+                <a:solidFill>
+                  <a:schemeClr val="tx1"/>
+                </a:solidFill>
+                <a:latin typeface="Arial" charset="0"/>
+                <a:ea typeface="+mn-ea"/>
+                <a:cs typeface="+mn-cs"/>
+              </a:rPr>
+              <a:t>of the equivalence classes. If we generalize gender to “Person” in Table a of Figure 3 to obtain Table c in Figure</a:t>
+            </a:r>
+          </a:p>
+          <a:p>
+            <a:r>
+              <a:rPr lang="en-US" sz="1200" b="0" i="0" u="none" strike="noStrike" kern="1200" baseline="0" dirty="0">
+                <a:solidFill>
+                  <a:schemeClr val="tx1"/>
+                </a:solidFill>
+                <a:latin typeface="Arial" charset="0"/>
+                <a:ea typeface="+mn-ea"/>
+                <a:cs typeface="+mn-cs"/>
+              </a:rPr>
+              <a:t>3, then the </a:t>
+            </a:r>
+            <a:r>
+              <a:rPr lang="en-US" sz="1200" b="0" i="1" u="none" strike="noStrike" kern="1200" baseline="0" dirty="0" err="1">
+                <a:solidFill>
+                  <a:schemeClr val="tx1"/>
+                </a:solidFill>
+                <a:latin typeface="Arial" charset="0"/>
+                <a:ea typeface="+mn-ea"/>
+                <a:cs typeface="+mn-cs"/>
+              </a:rPr>
+              <a:t>Prec</a:t>
+            </a:r>
+            <a:r>
+              <a:rPr lang="en-US" sz="1200" b="0" i="1" u="none" strike="noStrike" kern="1200" baseline="0" dirty="0">
+                <a:solidFill>
+                  <a:schemeClr val="tx1"/>
+                </a:solidFill>
+                <a:latin typeface="Arial" charset="0"/>
+                <a:ea typeface="+mn-ea"/>
+                <a:cs typeface="+mn-cs"/>
+              </a:rPr>
+              <a:t> </a:t>
+            </a:r>
+            <a:r>
+              <a:rPr lang="en-US" sz="1200" b="0" i="0" u="none" strike="noStrike" kern="1200" baseline="0" dirty="0">
+                <a:solidFill>
+                  <a:schemeClr val="tx1"/>
+                </a:solidFill>
+                <a:latin typeface="Arial" charset="0"/>
+                <a:ea typeface="+mn-ea"/>
+                <a:cs typeface="+mn-cs"/>
+              </a:rPr>
+              <a:t>for Table (c) would be 0.33 and </a:t>
+            </a:r>
+            <a:r>
+              <a:rPr lang="en-US" sz="1200" b="0" i="1" u="none" strike="noStrike" kern="1200" baseline="0" dirty="0">
+                <a:solidFill>
+                  <a:schemeClr val="tx1"/>
+                </a:solidFill>
+                <a:latin typeface="Arial" charset="0"/>
+                <a:ea typeface="+mn-ea"/>
+                <a:cs typeface="+mn-cs"/>
+              </a:rPr>
+              <a:t>DM</a:t>
+            </a:r>
+            <a:r>
+              <a:rPr lang="en-US" sz="1200" b="0" i="0" u="none" strike="noStrike" kern="1200" baseline="0" dirty="0">
+                <a:solidFill>
+                  <a:schemeClr val="tx1"/>
+                </a:solidFill>
+                <a:latin typeface="Arial" charset="0"/>
+                <a:ea typeface="+mn-ea"/>
+                <a:cs typeface="+mn-cs"/>
+              </a:rPr>
+              <a:t>* would be 16. However, Table b in Figure 3 has a </a:t>
+            </a:r>
+            <a:r>
+              <a:rPr lang="en-US" sz="1200" b="0" i="1" u="none" strike="noStrike" kern="1200" baseline="0" dirty="0" err="1">
+                <a:solidFill>
+                  <a:schemeClr val="tx1"/>
+                </a:solidFill>
+                <a:latin typeface="Arial" charset="0"/>
+                <a:ea typeface="+mn-ea"/>
+                <a:cs typeface="+mn-cs"/>
+              </a:rPr>
+              <a:t>Prec</a:t>
+            </a:r>
+            <a:r>
+              <a:rPr lang="en-US" sz="1200" b="0" i="1" u="none" strike="noStrike" kern="1200" baseline="0" dirty="0">
+                <a:solidFill>
+                  <a:schemeClr val="tx1"/>
+                </a:solidFill>
+                <a:latin typeface="Arial" charset="0"/>
+                <a:ea typeface="+mn-ea"/>
+                <a:cs typeface="+mn-cs"/>
+              </a:rPr>
+              <a:t> </a:t>
+            </a:r>
+            <a:r>
+              <a:rPr lang="en-US" sz="1200" b="0" i="0" u="none" strike="noStrike" kern="1200" baseline="0" dirty="0">
+                <a:solidFill>
+                  <a:schemeClr val="tx1"/>
+                </a:solidFill>
+                <a:latin typeface="Arial" charset="0"/>
+                <a:ea typeface="+mn-ea"/>
+                <a:cs typeface="+mn-cs"/>
+              </a:rPr>
+              <a:t>of 0.0833 and a </a:t>
+            </a:r>
+            <a:r>
+              <a:rPr lang="en-US" sz="1200" b="0" i="1" u="none" strike="noStrike" kern="1200" baseline="0" dirty="0">
+                <a:solidFill>
+                  <a:schemeClr val="tx1"/>
+                </a:solidFill>
+                <a:latin typeface="Arial" charset="0"/>
+                <a:ea typeface="+mn-ea"/>
+                <a:cs typeface="+mn-cs"/>
+              </a:rPr>
+              <a:t>DM</a:t>
+            </a:r>
+            <a:r>
+              <a:rPr lang="en-US" sz="1200" b="0" i="0" u="none" strike="noStrike" kern="1200" baseline="0" dirty="0">
+                <a:solidFill>
+                  <a:schemeClr val="tx1"/>
+                </a:solidFill>
+                <a:latin typeface="Arial" charset="0"/>
+                <a:ea typeface="+mn-ea"/>
+                <a:cs typeface="+mn-cs"/>
+              </a:rPr>
+              <a:t>* of 28. As can be seen in this case, the</a:t>
+            </a:r>
+          </a:p>
+          <a:p>
+            <a:r>
+              <a:rPr lang="en-US" sz="1200" b="0" i="0" u="none" strike="noStrike" kern="1200" baseline="0" dirty="0">
+                <a:solidFill>
+                  <a:schemeClr val="tx1"/>
+                </a:solidFill>
+                <a:latin typeface="Arial" charset="0"/>
+                <a:ea typeface="+mn-ea"/>
+                <a:cs typeface="+mn-cs"/>
+              </a:rPr>
+              <a:t>higher </a:t>
+            </a:r>
+            <a:r>
+              <a:rPr lang="en-US" sz="1200" b="0" i="1" u="none" strike="noStrike" kern="1200" baseline="0" dirty="0" err="1">
+                <a:solidFill>
+                  <a:schemeClr val="tx1"/>
+                </a:solidFill>
+                <a:latin typeface="Arial" charset="0"/>
+                <a:ea typeface="+mn-ea"/>
+                <a:cs typeface="+mn-cs"/>
+              </a:rPr>
+              <a:t>Prec</a:t>
+            </a:r>
+            <a:r>
+              <a:rPr lang="en-US" sz="1200" b="0" i="1" u="none" strike="noStrike" kern="1200" baseline="0" dirty="0">
+                <a:solidFill>
+                  <a:schemeClr val="tx1"/>
+                </a:solidFill>
+                <a:latin typeface="Arial" charset="0"/>
+                <a:ea typeface="+mn-ea"/>
+                <a:cs typeface="+mn-cs"/>
+              </a:rPr>
+              <a:t> </a:t>
+            </a:r>
+            <a:r>
+              <a:rPr lang="en-US" sz="1200" b="0" i="0" u="none" strike="noStrike" kern="1200" baseline="0" dirty="0">
+                <a:solidFill>
+                  <a:schemeClr val="tx1"/>
+                </a:solidFill>
+                <a:latin typeface="Arial" charset="0"/>
+                <a:ea typeface="+mn-ea"/>
+                <a:cs typeface="+mn-cs"/>
+              </a:rPr>
+              <a:t>value had a lower </a:t>
+            </a:r>
+            <a:r>
+              <a:rPr lang="en-US" sz="1200" b="0" i="1" u="none" strike="noStrike" kern="1200" baseline="0" dirty="0">
+                <a:solidFill>
+                  <a:schemeClr val="tx1"/>
+                </a:solidFill>
+                <a:latin typeface="Arial" charset="0"/>
+                <a:ea typeface="+mn-ea"/>
+                <a:cs typeface="+mn-cs"/>
+              </a:rPr>
+              <a:t>DM</a:t>
+            </a:r>
+            <a:r>
+              <a:rPr lang="en-US" sz="1200" b="0" i="0" u="none" strike="noStrike" kern="1200" baseline="0" dirty="0">
+                <a:solidFill>
+                  <a:schemeClr val="tx1"/>
+                </a:solidFill>
+                <a:latin typeface="Arial" charset="0"/>
+                <a:ea typeface="+mn-ea"/>
+                <a:cs typeface="+mn-cs"/>
+              </a:rPr>
+              <a:t>* value. The reason is that there are more equivalence classes in (b) than in (c),</a:t>
+            </a:r>
+          </a:p>
+          <a:p>
+            <a:r>
+              <a:rPr lang="en-US" sz="1200" b="0" i="0" u="none" strike="noStrike" kern="1200" baseline="0" dirty="0">
+                <a:solidFill>
+                  <a:schemeClr val="tx1"/>
+                </a:solidFill>
+                <a:latin typeface="Arial" charset="0"/>
+                <a:ea typeface="+mn-ea"/>
+                <a:cs typeface="+mn-cs"/>
+              </a:rPr>
+              <a:t>and one of the equivalence classes is larger; the </a:t>
+            </a:r>
+            <a:r>
+              <a:rPr lang="en-US" sz="1200" b="0" i="1" u="none" strike="noStrike" kern="1200" baseline="0" dirty="0" err="1">
+                <a:solidFill>
+                  <a:schemeClr val="tx1"/>
+                </a:solidFill>
+                <a:latin typeface="Arial" charset="0"/>
+                <a:ea typeface="+mn-ea"/>
+                <a:cs typeface="+mn-cs"/>
+              </a:rPr>
+              <a:t>Prec</a:t>
+            </a:r>
+            <a:r>
+              <a:rPr lang="en-US" sz="1200" b="0" i="1" u="none" strike="noStrike" kern="1200" baseline="0" dirty="0">
+                <a:solidFill>
+                  <a:schemeClr val="tx1"/>
+                </a:solidFill>
+                <a:latin typeface="Arial" charset="0"/>
+                <a:ea typeface="+mn-ea"/>
+                <a:cs typeface="+mn-cs"/>
+              </a:rPr>
+              <a:t> </a:t>
+            </a:r>
+            <a:r>
+              <a:rPr lang="en-US" sz="1200" b="0" i="0" u="none" strike="noStrike" kern="1200" baseline="0" dirty="0">
+                <a:solidFill>
+                  <a:schemeClr val="tx1"/>
+                </a:solidFill>
+                <a:latin typeface="Arial" charset="0"/>
+                <a:ea typeface="+mn-ea"/>
+                <a:cs typeface="+mn-cs"/>
+              </a:rPr>
+              <a:t>metric does not consider the structure of the data itself.</a:t>
+            </a:r>
+          </a:p>
+          <a:p>
+            <a:endParaRPr lang="en-US" sz="1200" b="0" i="0" u="none" strike="noStrike" kern="1200" baseline="0" dirty="0">
+              <a:solidFill>
+                <a:schemeClr val="tx1"/>
+              </a:solidFill>
+              <a:latin typeface="Arial" charset="0"/>
+              <a:ea typeface="+mn-ea"/>
+              <a:cs typeface="+mn-cs"/>
+            </a:endParaRPr>
+          </a:p>
+          <a:p>
+            <a:endParaRPr lang="en-US" sz="1200" b="0" i="0" u="none" strike="noStrike" kern="1200" baseline="0" dirty="0">
+              <a:solidFill>
+                <a:schemeClr val="tx1"/>
+              </a:solidFill>
+              <a:latin typeface="Arial" charset="0"/>
+              <a:ea typeface="+mn-ea"/>
+              <a:cs typeface="+mn-cs"/>
+            </a:endParaRPr>
+          </a:p>
+          <a:p>
+            <a:endParaRPr lang="en-US" sz="1200" b="0" i="0" u="none" strike="noStrike" kern="1200" baseline="0" dirty="0">
+              <a:solidFill>
+                <a:schemeClr val="tx1"/>
+              </a:solidFill>
+              <a:latin typeface="Arial" charset="0"/>
+              <a:ea typeface="+mn-ea"/>
+              <a:cs typeface="+mn-cs"/>
+            </a:endParaRPr>
+          </a:p>
+          <a:p>
+            <a:endParaRPr lang="en-US" sz="1200" b="0" i="0" u="none" strike="noStrike" kern="1200" baseline="0" dirty="0">
+              <a:solidFill>
+                <a:schemeClr val="tx1"/>
+              </a:solidFill>
+              <a:latin typeface="Arial" charset="0"/>
+              <a:ea typeface="+mn-ea"/>
+              <a:cs typeface="+mn-cs"/>
+            </a:endParaRPr>
+          </a:p>
+          <a:p>
+            <a:endParaRPr lang="en-US" sz="1200" b="0" i="0" u="none" strike="noStrike" kern="1200" baseline="0" dirty="0">
+              <a:solidFill>
+                <a:schemeClr val="tx1"/>
+              </a:solidFill>
+              <a:latin typeface="Arial" charset="0"/>
+              <a:ea typeface="+mn-ea"/>
+              <a:cs typeface="+mn-cs"/>
+            </a:endParaRPr>
+          </a:p>
+          <a:p>
+            <a:r>
+              <a:rPr lang="en-US" sz="1200" b="0" i="0" u="none" strike="noStrike" kern="1200" baseline="0" dirty="0">
+                <a:solidFill>
+                  <a:schemeClr val="tx1"/>
+                </a:solidFill>
+                <a:latin typeface="Arial" charset="0"/>
+                <a:ea typeface="+mn-ea"/>
+                <a:cs typeface="+mn-cs"/>
+              </a:rPr>
+              <a:t>the number of generalization steps applied to the total number</a:t>
+            </a:r>
+          </a:p>
+          <a:p>
+            <a:r>
+              <a:rPr lang="en-US" sz="1200" b="0" i="0" u="none" strike="noStrike" kern="1200" baseline="0" dirty="0">
+                <a:solidFill>
+                  <a:schemeClr val="tx1"/>
+                </a:solidFill>
+                <a:latin typeface="Arial" charset="0"/>
+                <a:ea typeface="+mn-ea"/>
+                <a:cs typeface="+mn-cs"/>
+              </a:rPr>
+              <a:t>of possible generalization steps (total height of the generalization</a:t>
+            </a:r>
+          </a:p>
+          <a:p>
+            <a:r>
+              <a:rPr lang="en-US" sz="1200" b="0" i="0" u="none" strike="noStrike" kern="1200" baseline="0" dirty="0">
+                <a:solidFill>
+                  <a:schemeClr val="tx1"/>
+                </a:solidFill>
+                <a:latin typeface="Arial" charset="0"/>
+                <a:ea typeface="+mn-ea"/>
+                <a:cs typeface="+mn-cs"/>
+              </a:rPr>
+              <a:t>hierarchy) gives the amount of information loss for that</a:t>
+            </a:r>
+          </a:p>
+          <a:p>
+            <a:r>
+              <a:rPr lang="en-US" sz="1200" b="0" i="0" u="none" strike="noStrike" kern="1200" baseline="0" dirty="0">
+                <a:solidFill>
+                  <a:schemeClr val="tx1"/>
+                </a:solidFill>
+                <a:latin typeface="Arial" charset="0"/>
+                <a:ea typeface="+mn-ea"/>
+                <a:cs typeface="+mn-cs"/>
+              </a:rPr>
+              <a:t>particular variable. For example, in Figure 1 if age is generalized</a:t>
+            </a:r>
+          </a:p>
+          <a:p>
+            <a:r>
+              <a:rPr lang="en-US" sz="1200" b="0" i="0" u="none" strike="noStrike" kern="1200" baseline="0" dirty="0">
+                <a:solidFill>
+                  <a:schemeClr val="tx1"/>
+                </a:solidFill>
+                <a:latin typeface="Arial" charset="0"/>
+                <a:ea typeface="+mn-ea"/>
+                <a:cs typeface="+mn-cs"/>
+              </a:rPr>
+              <a:t>from age in years to age in five year intervals, then the</a:t>
+            </a:r>
+          </a:p>
+          <a:p>
+            <a:r>
+              <a:rPr lang="en-US" sz="1200" b="0" i="0" u="none" strike="noStrike" kern="1200" baseline="0" dirty="0">
+                <a:solidFill>
+                  <a:schemeClr val="tx1"/>
+                </a:solidFill>
+                <a:latin typeface="Arial" charset="0"/>
+                <a:ea typeface="+mn-ea"/>
+                <a:cs typeface="+mn-cs"/>
+              </a:rPr>
+              <a:t>value is ¼. Overall </a:t>
+            </a:r>
+            <a:r>
+              <a:rPr lang="en-US" sz="1200" b="0" i="1" u="none" strike="noStrike" kern="1200" baseline="0" dirty="0" err="1">
+                <a:solidFill>
+                  <a:schemeClr val="tx1"/>
+                </a:solidFill>
+                <a:latin typeface="Arial" charset="0"/>
+                <a:ea typeface="+mn-ea"/>
+                <a:cs typeface="+mn-cs"/>
+              </a:rPr>
+              <a:t>Prec</a:t>
+            </a:r>
+            <a:r>
+              <a:rPr lang="en-US" sz="1200" b="0" i="1" u="none" strike="noStrike" kern="1200" baseline="0" dirty="0">
+                <a:solidFill>
+                  <a:schemeClr val="tx1"/>
+                </a:solidFill>
+                <a:latin typeface="Arial" charset="0"/>
+                <a:ea typeface="+mn-ea"/>
+                <a:cs typeface="+mn-cs"/>
+              </a:rPr>
+              <a:t> </a:t>
+            </a:r>
+            <a:r>
+              <a:rPr lang="en-US" sz="1200" b="0" i="0" u="none" strike="noStrike" kern="1200" baseline="0" dirty="0">
+                <a:solidFill>
+                  <a:schemeClr val="tx1"/>
+                </a:solidFill>
+                <a:latin typeface="Arial" charset="0"/>
+                <a:ea typeface="+mn-ea"/>
+                <a:cs typeface="+mn-cs"/>
+              </a:rPr>
+              <a:t>information loss is the average of the</a:t>
+            </a:r>
+          </a:p>
+          <a:p>
+            <a:r>
+              <a:rPr lang="en-US" sz="1200" b="0" i="1" u="none" strike="noStrike" kern="1200" baseline="0" dirty="0" err="1">
+                <a:solidFill>
+                  <a:schemeClr val="tx1"/>
+                </a:solidFill>
+                <a:latin typeface="Arial" charset="0"/>
+                <a:ea typeface="+mn-ea"/>
+                <a:cs typeface="+mn-cs"/>
+              </a:rPr>
+              <a:t>Prec</a:t>
+            </a:r>
+            <a:r>
+              <a:rPr lang="en-US" sz="1200" b="0" i="1" u="none" strike="noStrike" kern="1200" baseline="0" dirty="0">
+                <a:solidFill>
+                  <a:schemeClr val="tx1"/>
+                </a:solidFill>
+                <a:latin typeface="Arial" charset="0"/>
+                <a:ea typeface="+mn-ea"/>
+                <a:cs typeface="+mn-cs"/>
+              </a:rPr>
+              <a:t> </a:t>
+            </a:r>
+            <a:r>
+              <a:rPr lang="en-US" sz="1200" b="0" i="0" u="none" strike="noStrike" kern="1200" baseline="0" dirty="0">
+                <a:solidFill>
+                  <a:schemeClr val="tx1"/>
+                </a:solidFill>
+                <a:latin typeface="Arial" charset="0"/>
+                <a:ea typeface="+mn-ea"/>
+                <a:cs typeface="+mn-cs"/>
+              </a:rPr>
+              <a:t>values across all quasi-identifiers in the dataset.</a:t>
+            </a:r>
+            <a:r>
+              <a:rPr lang="de-DE" sz="1200" b="0" i="0" u="none" strike="noStrike" kern="1200" baseline="0" dirty="0">
+                <a:solidFill>
+                  <a:schemeClr val="tx1"/>
+                </a:solidFill>
+                <a:latin typeface="Arial" charset="0"/>
+                <a:ea typeface="+mn-ea"/>
+                <a:cs typeface="+mn-cs"/>
+              </a:rPr>
+              <a:t> As a</a:t>
+            </a:r>
+          </a:p>
+          <a:p>
+            <a:r>
+              <a:rPr lang="en-US" sz="1200" b="0" i="0" u="none" strike="noStrike" kern="1200" baseline="0" dirty="0">
+                <a:solidFill>
+                  <a:schemeClr val="tx1"/>
+                </a:solidFill>
+                <a:latin typeface="Arial" charset="0"/>
+                <a:ea typeface="+mn-ea"/>
+                <a:cs typeface="+mn-cs"/>
+              </a:rPr>
+              <a:t>consequence, the more a variable is generalized, the higher the</a:t>
+            </a:r>
+          </a:p>
+          <a:p>
+            <a:r>
+              <a:rPr lang="de-DE" sz="1200" b="0" i="0" u="none" strike="noStrike" kern="1200" baseline="0" dirty="0" err="1">
+                <a:solidFill>
+                  <a:schemeClr val="tx1"/>
+                </a:solidFill>
+                <a:latin typeface="Arial" charset="0"/>
+                <a:ea typeface="+mn-ea"/>
+                <a:cs typeface="+mn-cs"/>
+              </a:rPr>
+              <a:t>information</a:t>
+            </a:r>
+            <a:r>
+              <a:rPr lang="de-DE" sz="1200" b="0" i="0" u="none" strike="noStrike" kern="1200" baseline="0" dirty="0">
+                <a:solidFill>
+                  <a:schemeClr val="tx1"/>
+                </a:solidFill>
+                <a:latin typeface="Arial" charset="0"/>
+                <a:ea typeface="+mn-ea"/>
+                <a:cs typeface="+mn-cs"/>
+              </a:rPr>
+              <a:t> </a:t>
+            </a:r>
+            <a:r>
+              <a:rPr lang="de-DE" sz="1200" b="0" i="0" u="none" strike="noStrike" kern="1200" baseline="0" dirty="0" err="1">
+                <a:solidFill>
+                  <a:schemeClr val="tx1"/>
+                </a:solidFill>
+                <a:latin typeface="Arial" charset="0"/>
+                <a:ea typeface="+mn-ea"/>
+                <a:cs typeface="+mn-cs"/>
+              </a:rPr>
+              <a:t>loss</a:t>
+            </a:r>
+            <a:r>
+              <a:rPr lang="de-DE" sz="1200" b="0" i="0" u="none" strike="noStrike" kern="1200" baseline="0" dirty="0">
+                <a:solidFill>
+                  <a:schemeClr val="tx1"/>
+                </a:solidFill>
+                <a:latin typeface="Arial" charset="0"/>
+                <a:ea typeface="+mn-ea"/>
+                <a:cs typeface="+mn-cs"/>
+              </a:rPr>
+              <a:t>.</a:t>
+            </a:r>
+          </a:p>
+          <a:p>
+            <a:endParaRPr lang="de-DE" sz="1200" b="0" i="0" u="none" strike="noStrike" kern="1200" baseline="0" dirty="0">
+              <a:solidFill>
+                <a:schemeClr val="tx1"/>
+              </a:solidFill>
+              <a:latin typeface="Arial" charset="0"/>
+              <a:ea typeface="+mn-ea"/>
+              <a:cs typeface="+mn-cs"/>
+            </a:endParaRPr>
+          </a:p>
+          <a:p>
+            <a:r>
+              <a:rPr lang="de-DE" sz="1200" b="0" i="0" u="none" strike="noStrike" kern="1200" baseline="0" dirty="0">
+                <a:solidFill>
+                  <a:schemeClr val="tx1"/>
+                </a:solidFill>
+                <a:latin typeface="Arial" charset="0"/>
+                <a:ea typeface="+mn-ea"/>
+                <a:cs typeface="+mn-cs"/>
+              </a:rPr>
+              <a:t>The </a:t>
+            </a:r>
+            <a:r>
+              <a:rPr lang="de-DE" sz="1200" b="0" i="0" u="none" strike="noStrike" kern="1200" baseline="0" dirty="0" err="1">
+                <a:solidFill>
+                  <a:schemeClr val="tx1"/>
+                </a:solidFill>
+                <a:latin typeface="Arial" charset="0"/>
+                <a:ea typeface="+mn-ea"/>
+                <a:cs typeface="+mn-cs"/>
+              </a:rPr>
+              <a:t>discernability</a:t>
+            </a:r>
+            <a:endParaRPr lang="de-DE" sz="1200" b="0" i="0" u="none" strike="noStrike" kern="1200" baseline="0" dirty="0">
+              <a:solidFill>
+                <a:schemeClr val="tx1"/>
+              </a:solidFill>
+              <a:latin typeface="Arial" charset="0"/>
+              <a:ea typeface="+mn-ea"/>
+              <a:cs typeface="+mn-cs"/>
+            </a:endParaRPr>
+          </a:p>
+          <a:p>
+            <a:r>
+              <a:rPr lang="en-US" sz="1200" b="0" i="0" u="none" strike="noStrike" kern="1200" baseline="0" dirty="0">
+                <a:solidFill>
+                  <a:schemeClr val="tx1"/>
+                </a:solidFill>
+                <a:latin typeface="Arial" charset="0"/>
+                <a:ea typeface="+mn-ea"/>
+                <a:cs typeface="+mn-cs"/>
+              </a:rPr>
+              <a:t>metric assigns a penalty to every record that is proportional</a:t>
+            </a:r>
+          </a:p>
+          <a:p>
+            <a:r>
+              <a:rPr lang="en-US" sz="1200" b="0" i="0" u="none" strike="noStrike" kern="1200" baseline="0" dirty="0">
+                <a:solidFill>
+                  <a:schemeClr val="tx1"/>
+                </a:solidFill>
+                <a:latin typeface="Arial" charset="0"/>
+                <a:ea typeface="+mn-ea"/>
+                <a:cs typeface="+mn-cs"/>
+              </a:rPr>
+              <a:t>to the number of records that are indistinguishable from it.</a:t>
+            </a:r>
+          </a:p>
+          <a:p>
+            <a:r>
+              <a:rPr lang="en-US" sz="1200" b="0" i="0" u="none" strike="noStrike" kern="1200" baseline="0" dirty="0">
+                <a:solidFill>
+                  <a:schemeClr val="tx1"/>
+                </a:solidFill>
+                <a:latin typeface="Arial" charset="0"/>
+                <a:ea typeface="+mn-ea"/>
+                <a:cs typeface="+mn-cs"/>
+              </a:rPr>
+              <a:t>Following the same reasoning, DM assigns a penalty equal</a:t>
+            </a:r>
+          </a:p>
+          <a:p>
+            <a:r>
+              <a:rPr lang="en-US" sz="1200" b="0" i="0" u="none" strike="noStrike" kern="1200" baseline="0" dirty="0">
+                <a:solidFill>
+                  <a:schemeClr val="tx1"/>
+                </a:solidFill>
+                <a:latin typeface="Arial" charset="0"/>
+                <a:ea typeface="+mn-ea"/>
+                <a:cs typeface="+mn-cs"/>
+              </a:rPr>
+              <a:t>to the whole dataset for every suppressed record (since</a:t>
+            </a:r>
+          </a:p>
+          <a:p>
+            <a:r>
+              <a:rPr lang="en-US" sz="1200" b="0" i="0" u="none" strike="noStrike" kern="1200" baseline="0" dirty="0">
+                <a:solidFill>
+                  <a:schemeClr val="tx1"/>
+                </a:solidFill>
+                <a:latin typeface="Arial" charset="0"/>
+                <a:ea typeface="+mn-ea"/>
+                <a:cs typeface="+mn-cs"/>
+              </a:rPr>
+              <a:t>suppressed records are indistinguishable from all other</a:t>
+            </a:r>
+          </a:p>
+          <a:p>
+            <a:r>
+              <a:rPr lang="en-US" sz="1200" b="0" i="0" u="none" strike="noStrike" kern="1200" baseline="0" dirty="0">
+                <a:solidFill>
+                  <a:schemeClr val="tx1"/>
+                </a:solidFill>
+                <a:latin typeface="Arial" charset="0"/>
+                <a:ea typeface="+mn-ea"/>
+                <a:cs typeface="+mn-cs"/>
+              </a:rPr>
+              <a:t>records). The formula for DM metric appears in online</a:t>
+            </a:r>
             <a:endParaRPr lang="de-DE" dirty="0"/>
           </a:p>
         </p:txBody>
@@ -3416,7 +3484,7 @@
               <a:pPr>
                 <a:defRPr/>
               </a:pPr>
-              <a:t>18</a:t>
+              <a:t>17</a:t>
             </a:fld>
             <a:endParaRPr lang="de-DE"/>
           </a:p>
@@ -3425,7 +3493,7 @@
     </p:spTree>
     <p:extLst>
       <p:ext uri="{BB962C8B-B14F-4D97-AF65-F5344CB8AC3E}">
-        <p14:creationId xmlns:p14="http://schemas.microsoft.com/office/powerpoint/2010/main" val="2676402822"/>
+        <p14:creationId xmlns:p14="http://schemas.microsoft.com/office/powerpoint/2010/main" val="3708521623"/>
       </p:ext>
     </p:extLst>
   </p:cSld>
@@ -3479,238 +3547,6 @@
           <a:bodyPr/>
           <a:lstStyle/>
           <a:p>
-            <a:r>
-              <a:rPr lang="en-US" sz="1200" b="0" i="1" u="none" strike="noStrike" kern="1200" baseline="0" dirty="0">
-                <a:solidFill>
-                  <a:schemeClr val="tx1"/>
-                </a:solidFill>
-                <a:latin typeface="Arial" charset="0"/>
-                <a:ea typeface="+mn-ea"/>
-                <a:cs typeface="+mn-cs"/>
-              </a:rPr>
-              <a:t>The cloaking algorithm is run by the location protection broker on a trusted server, which anonymizes messages from the mobile nodes by </a:t>
-            </a:r>
-            <a:r>
-              <a:rPr lang="en-US" sz="1200" b="0" i="0" u="none" strike="noStrike" kern="1200" baseline="0" dirty="0">
-                <a:solidFill>
-                  <a:schemeClr val="tx1"/>
-                </a:solidFill>
-                <a:latin typeface="Arial" charset="0"/>
-                <a:ea typeface="+mn-ea"/>
-                <a:cs typeface="+mn-cs"/>
-              </a:rPr>
-              <a:t>cloaking </a:t>
-            </a:r>
-            <a:r>
-              <a:rPr lang="en-US" sz="1200" b="0" i="1" u="none" strike="noStrike" kern="1200" baseline="0" dirty="0">
-                <a:solidFill>
-                  <a:schemeClr val="tx1"/>
-                </a:solidFill>
-                <a:latin typeface="Arial" charset="0"/>
-                <a:ea typeface="+mn-ea"/>
-                <a:cs typeface="+mn-cs"/>
-              </a:rPr>
-              <a:t>the location information contained in</a:t>
-            </a:r>
-          </a:p>
-          <a:p>
-            <a:r>
-              <a:rPr lang="en-US" sz="1200" b="0" i="1" u="none" strike="noStrike" kern="1200" baseline="0" dirty="0">
-                <a:solidFill>
-                  <a:schemeClr val="tx1"/>
-                </a:solidFill>
-                <a:latin typeface="Arial" charset="0"/>
-                <a:ea typeface="+mn-ea"/>
-                <a:cs typeface="+mn-cs"/>
-              </a:rPr>
-              <a:t>the messages to reduce or avoid privacy threats before forwarding them to the LBS provider(s).</a:t>
-            </a:r>
-          </a:p>
-          <a:p>
-            <a:endParaRPr lang="en-US" sz="1200" b="0" i="1" u="none" strike="noStrike" kern="1200" baseline="0" dirty="0">
-              <a:solidFill>
-                <a:schemeClr val="tx1"/>
-              </a:solidFill>
-              <a:latin typeface="Arial" charset="0"/>
-              <a:ea typeface="+mn-ea"/>
-              <a:cs typeface="+mn-cs"/>
-            </a:endParaRPr>
-          </a:p>
-          <a:p>
-            <a:r>
-              <a:rPr lang="en-US" dirty="0"/>
-              <a:t>Restricted Space Identiﬁcation. If A knows that space L exclusively belongs to subject S then A learns that S is in L and S has sent M. For example, when the owner of a suburban house sends a message from his garage or driveway, the coordinates can be </a:t>
-            </a:r>
-            <a:r>
-              <a:rPr lang="en-US" dirty="0" err="1"/>
-              <a:t>correlatedwith</a:t>
-            </a:r>
-            <a:r>
-              <a:rPr lang="en-US" dirty="0"/>
-              <a:t> a </a:t>
-            </a:r>
-            <a:r>
-              <a:rPr lang="en-US" dirty="0" err="1"/>
-              <a:t>databaseof</a:t>
-            </a:r>
-            <a:r>
-              <a:rPr lang="en-US" dirty="0"/>
-              <a:t> </a:t>
-            </a:r>
-            <a:r>
-              <a:rPr lang="en-US" dirty="0" err="1"/>
-              <a:t>geocodedpostal</a:t>
-            </a:r>
-            <a:r>
-              <a:rPr lang="en-US" dirty="0"/>
-              <a:t> addresses (e.g., [30]) to identify the residence. An address lookup in phone or property listings then reveals the owner and likely originator of the </a:t>
-            </a:r>
-            <a:r>
-              <a:rPr lang="en-US" dirty="0" err="1"/>
-              <a:t>messag</a:t>
-            </a:r>
-            <a:endParaRPr lang="en-US" dirty="0"/>
-          </a:p>
-          <a:p>
-            <a:endParaRPr lang="en-US" dirty="0"/>
-          </a:p>
-          <a:p>
-            <a:r>
-              <a:rPr lang="en-US" dirty="0"/>
-              <a:t>Observation Identiﬁcation. If A has observed the current location L of subject S and ﬁnds a message M from L then A learns that S has sent M. For example, the subject has revealed its identity and location in a previous message and then wants to send an anonymous message. The later message can be linked to the previous one through the location information.</a:t>
-            </a:r>
-          </a:p>
-          <a:p>
-            <a:endParaRPr lang="en-US" dirty="0"/>
-          </a:p>
-          <a:p>
-            <a:r>
-              <a:rPr lang="en-US" sz="1200" b="0" i="0" u="none" strike="noStrike" kern="1200" baseline="0" dirty="0">
-                <a:solidFill>
-                  <a:schemeClr val="tx1"/>
-                </a:solidFill>
-                <a:latin typeface="Arial" charset="0"/>
-                <a:ea typeface="+mn-ea"/>
-                <a:cs typeface="+mn-cs"/>
-              </a:rPr>
-              <a:t>First, a given degree of location anonymity can be maintained, regardless of population density, by decreasing</a:t>
-            </a:r>
-          </a:p>
-          <a:p>
-            <a:r>
-              <a:rPr lang="en-US" sz="1200" b="0" i="0" u="none" strike="noStrike" kern="1200" baseline="0" dirty="0">
-                <a:solidFill>
-                  <a:schemeClr val="tx1"/>
-                </a:solidFill>
-                <a:latin typeface="Arial" charset="0"/>
-                <a:ea typeface="+mn-ea"/>
-                <a:cs typeface="+mn-cs"/>
-              </a:rPr>
-              <a:t>the location accuracy through enlarging the revealed spatial area, such that there are other </a:t>
-            </a:r>
-            <a:r>
-              <a:rPr lang="en-US" sz="1200" b="0" i="1" u="none" strike="noStrike" kern="1200" baseline="0" dirty="0">
-                <a:solidFill>
-                  <a:schemeClr val="tx1"/>
-                </a:solidFill>
-                <a:latin typeface="Arial" charset="0"/>
-                <a:ea typeface="+mn-ea"/>
-                <a:cs typeface="+mn-cs"/>
-              </a:rPr>
-              <a:t>k−</a:t>
-            </a:r>
-            <a:r>
-              <a:rPr lang="en-US" sz="1200" b="0" i="0" u="none" strike="noStrike" kern="1200" baseline="0" dirty="0">
-                <a:solidFill>
-                  <a:schemeClr val="tx1"/>
-                </a:solidFill>
-                <a:latin typeface="Arial" charset="0"/>
-                <a:ea typeface="+mn-ea"/>
-                <a:cs typeface="+mn-cs"/>
-              </a:rPr>
-              <a:t>1 mobile nodes present</a:t>
-            </a:r>
-          </a:p>
-          <a:p>
-            <a:r>
-              <a:rPr lang="en-US" sz="1200" b="0" i="0" u="none" strike="noStrike" kern="1200" baseline="0" dirty="0">
-                <a:solidFill>
-                  <a:schemeClr val="tx1"/>
-                </a:solidFill>
-                <a:latin typeface="Arial" charset="0"/>
-                <a:ea typeface="+mn-ea"/>
-                <a:cs typeface="+mn-cs"/>
-              </a:rPr>
-              <a:t>in the same spatial area. This approach is called spatial cloaking. Second, one can achieve the location anonymity by delaying</a:t>
-            </a:r>
-          </a:p>
-          <a:p>
-            <a:r>
-              <a:rPr lang="en-US" sz="1200" b="0" i="0" u="none" strike="noStrike" kern="1200" baseline="0" dirty="0">
-                <a:solidFill>
-                  <a:schemeClr val="tx1"/>
-                </a:solidFill>
-                <a:latin typeface="Arial" charset="0"/>
-                <a:ea typeface="+mn-ea"/>
-                <a:cs typeface="+mn-cs"/>
-              </a:rPr>
-              <a:t>the message until </a:t>
-            </a:r>
-            <a:r>
-              <a:rPr lang="en-US" sz="1200" b="0" i="1" u="none" strike="noStrike" kern="1200" baseline="0" dirty="0">
-                <a:solidFill>
-                  <a:schemeClr val="tx1"/>
-                </a:solidFill>
-                <a:latin typeface="Arial" charset="0"/>
-                <a:ea typeface="+mn-ea"/>
-                <a:cs typeface="+mn-cs"/>
-              </a:rPr>
-              <a:t>k </a:t>
-            </a:r>
-            <a:r>
-              <a:rPr lang="en-US" sz="1200" b="0" i="0" u="none" strike="noStrike" kern="1200" baseline="0" dirty="0">
-                <a:solidFill>
-                  <a:schemeClr val="tx1"/>
-                </a:solidFill>
-                <a:latin typeface="Arial" charset="0"/>
-                <a:ea typeface="+mn-ea"/>
-                <a:cs typeface="+mn-cs"/>
-              </a:rPr>
-              <a:t>mobile nodes have visited the same area located by the message sender. This approach is called </a:t>
-            </a:r>
-            <a:r>
-              <a:rPr lang="de-DE" sz="1200" b="0" i="0" u="none" strike="noStrike" kern="1200" baseline="0" dirty="0">
-                <a:solidFill>
-                  <a:schemeClr val="tx1"/>
-                </a:solidFill>
-                <a:latin typeface="Arial" charset="0"/>
-                <a:ea typeface="+mn-ea"/>
-                <a:cs typeface="+mn-cs"/>
-              </a:rPr>
-              <a:t>temporal </a:t>
-            </a:r>
-            <a:r>
-              <a:rPr lang="de-DE" sz="1200" b="0" i="0" u="none" strike="noStrike" kern="1200" baseline="0" dirty="0" err="1">
-                <a:solidFill>
-                  <a:schemeClr val="tx1"/>
-                </a:solidFill>
-                <a:latin typeface="Arial" charset="0"/>
-                <a:ea typeface="+mn-ea"/>
-                <a:cs typeface="+mn-cs"/>
-              </a:rPr>
-              <a:t>cloaking</a:t>
-            </a:r>
-            <a:r>
-              <a:rPr lang="de-DE" sz="1200" b="0" i="0" u="none" strike="noStrike" kern="1200" baseline="0" dirty="0">
-                <a:solidFill>
-                  <a:schemeClr val="tx1"/>
-                </a:solidFill>
-                <a:latin typeface="Arial" charset="0"/>
-                <a:ea typeface="+mn-ea"/>
-                <a:cs typeface="+mn-cs"/>
-              </a:rPr>
-              <a:t>.</a:t>
-            </a:r>
             <a:endParaRPr lang="de-DE" dirty="0"/>
           </a:p>
         </p:txBody>
@@ -3738,7 +3574,7 @@
               <a:pPr>
                 <a:defRPr/>
               </a:pPr>
-              <a:t>19</a:t>
+              <a:t>18</a:t>
             </a:fld>
             <a:endParaRPr lang="de-DE"/>
           </a:p>
@@ -3747,7 +3583,7 @@
     </p:spTree>
     <p:extLst>
       <p:ext uri="{BB962C8B-B14F-4D97-AF65-F5344CB8AC3E}">
-        <p14:creationId xmlns:p14="http://schemas.microsoft.com/office/powerpoint/2010/main" val="1491132089"/>
+        <p14:creationId xmlns:p14="http://schemas.microsoft.com/office/powerpoint/2010/main" val="2676402822"/>
       </p:ext>
     </p:extLst>
   </p:cSld>
@@ -3802,6 +3638,17 @@
           <a:lstStyle/>
           <a:p>
             <a:r>
+              <a:rPr lang="en-US" sz="1200" b="0" i="1" u="none" strike="noStrike" kern="1200" baseline="0" dirty="0">
+                <a:solidFill>
+                  <a:schemeClr val="tx1"/>
+                </a:solidFill>
+                <a:latin typeface="Arial" charset="0"/>
+                <a:ea typeface="+mn-ea"/>
+                <a:cs typeface="+mn-cs"/>
+              </a:rPr>
+              <a:t>The cloaking algorithm is run by the location protection broker on a trusted server, which anonymizes messages from the mobile nodes by </a:t>
+            </a:r>
+            <a:r>
               <a:rPr lang="en-US" sz="1200" b="0" i="0" u="none" strike="noStrike" kern="1200" baseline="0" dirty="0">
                 <a:solidFill>
                   <a:schemeClr val="tx1"/>
@@ -3810,8 +3657,89 @@
                 <a:ea typeface="+mn-ea"/>
                 <a:cs typeface="+mn-cs"/>
               </a:rPr>
-              <a:t>A main technical challenge for developing an efficient cloaking</a:t>
-            </a:r>
+              <a:t>cloaking </a:t>
+            </a:r>
+            <a:r>
+              <a:rPr lang="en-US" sz="1200" b="0" i="1" u="none" strike="noStrike" kern="1200" baseline="0" dirty="0">
+                <a:solidFill>
+                  <a:schemeClr val="tx1"/>
+                </a:solidFill>
+                <a:latin typeface="Arial" charset="0"/>
+                <a:ea typeface="+mn-ea"/>
+                <a:cs typeface="+mn-cs"/>
+              </a:rPr>
+              <a:t>the location information contained in</a:t>
+            </a:r>
+          </a:p>
+          <a:p>
+            <a:r>
+              <a:rPr lang="en-US" sz="1200" b="0" i="1" u="none" strike="noStrike" kern="1200" baseline="0" dirty="0">
+                <a:solidFill>
+                  <a:schemeClr val="tx1"/>
+                </a:solidFill>
+                <a:latin typeface="Arial" charset="0"/>
+                <a:ea typeface="+mn-ea"/>
+                <a:cs typeface="+mn-cs"/>
+              </a:rPr>
+              <a:t>the messages to reduce or avoid privacy threats before forwarding them to the LBS provider(s).</a:t>
+            </a:r>
+          </a:p>
+          <a:p>
+            <a:endParaRPr lang="en-US" sz="1200" b="0" i="1" u="none" strike="noStrike" kern="1200" baseline="0" dirty="0">
+              <a:solidFill>
+                <a:schemeClr val="tx1"/>
+              </a:solidFill>
+              <a:latin typeface="Arial" charset="0"/>
+              <a:ea typeface="+mn-ea"/>
+              <a:cs typeface="+mn-cs"/>
+            </a:endParaRPr>
+          </a:p>
+          <a:p>
+            <a:r>
+              <a:rPr lang="en-US" dirty="0"/>
+              <a:t>Restricted Space Identiﬁcation. If A knows that space L exclusively belongs to subject S then A learns that S is in L and S has sent M. For example, when the owner of a suburban house sends a message from his garage or driveway, the coordinates can be </a:t>
+            </a:r>
+            <a:r>
+              <a:rPr lang="en-US" dirty="0" err="1"/>
+              <a:t>correlatedwith</a:t>
+            </a:r>
+            <a:r>
+              <a:rPr lang="en-US" dirty="0"/>
+              <a:t> a </a:t>
+            </a:r>
+            <a:r>
+              <a:rPr lang="en-US" dirty="0" err="1"/>
+              <a:t>databaseof</a:t>
+            </a:r>
+            <a:r>
+              <a:rPr lang="en-US" dirty="0"/>
+              <a:t> </a:t>
+            </a:r>
+            <a:r>
+              <a:rPr lang="en-US" dirty="0" err="1"/>
+              <a:t>geocodedpostal</a:t>
+            </a:r>
+            <a:r>
+              <a:rPr lang="en-US" dirty="0"/>
+              <a:t> addresses (e.g., [30]) to identify the residence. An address lookup in phone or property listings then reveals the owner and likely originator of the </a:t>
+            </a:r>
+            <a:r>
+              <a:rPr lang="en-US" dirty="0" err="1"/>
+              <a:t>messag</a:t>
+            </a:r>
+            <a:endParaRPr lang="en-US" dirty="0"/>
+          </a:p>
+          <a:p>
+            <a:endParaRPr lang="en-US" dirty="0"/>
+          </a:p>
+          <a:p>
+            <a:r>
+              <a:rPr lang="en-US" dirty="0"/>
+              <a:t>Observation Identiﬁcation. If A has observed the current location L of subject S and ﬁnds a message M from L then A learns that S has sent M. For example, the subject has revealed its identity and location in a previous message and then wants to send an anonymous message. The later message can be linked to the previous one through the location information.</a:t>
+            </a:r>
+          </a:p>
+          <a:p>
+            <a:endParaRPr lang="en-US" dirty="0"/>
           </a:p>
           <a:p>
             <a:r>
@@ -3823,7 +3751,7 @@
                 <a:ea typeface="+mn-ea"/>
                 <a:cs typeface="+mn-cs"/>
               </a:rPr>
-              <a:t>algorithm is to find a set of messages and to assign the</a:t>
+              <a:t>First, a given degree of location anonymity can be maintained, regardless of population density, by decreasing</a:t>
             </a:r>
           </a:p>
           <a:p>
@@ -3836,18 +3764,18 @@
                 <a:ea typeface="+mn-ea"/>
                 <a:cs typeface="+mn-cs"/>
               </a:rPr>
-              <a:t>smallest possible </a:t>
-            </a:r>
-            <a:r>
-              <a:rPr lang="en-US" sz="1200" b="0" i="0" u="none" strike="noStrike" kern="1200" baseline="0" dirty="0" err="1">
-                <a:solidFill>
-                  <a:schemeClr val="tx1"/>
-                </a:solidFill>
-                <a:latin typeface="Arial" charset="0"/>
-                <a:ea typeface="+mn-ea"/>
-                <a:cs typeface="+mn-cs"/>
-              </a:rPr>
-              <a:t>spatio</a:t>
+              <a:t>the location accuracy through enlarging the revealed spatial area, such that there are other </a:t>
+            </a:r>
+            <a:r>
+              <a:rPr lang="en-US" sz="1200" b="0" i="1" u="none" strike="noStrike" kern="1200" baseline="0" dirty="0">
+                <a:solidFill>
+                  <a:schemeClr val="tx1"/>
+                </a:solidFill>
+                <a:latin typeface="Arial" charset="0"/>
+                <a:ea typeface="+mn-ea"/>
+                <a:cs typeface="+mn-cs"/>
+              </a:rPr>
+              <a:t>k−</a:t>
             </a:r>
             <a:r>
               <a:rPr lang="en-US" sz="1200" b="0" i="0" u="none" strike="noStrike" kern="1200" baseline="0" dirty="0">
@@ -3858,7 +3786,7 @@
                 <a:ea typeface="+mn-ea"/>
                 <a:cs typeface="+mn-cs"/>
               </a:rPr>
-              <a:t>-temporal cloaking box to these messages,</a:t>
+              <a:t>1 mobile nodes present</a:t>
             </a:r>
           </a:p>
           <a:p>
@@ -3871,42 +3799,7 @@
                 <a:ea typeface="+mn-ea"/>
                 <a:cs typeface="+mn-cs"/>
               </a:rPr>
-              <a:t>such that the </a:t>
-            </a:r>
-            <a:r>
-              <a:rPr lang="en-US" sz="1200" b="0" i="1" u="none" strike="noStrike" kern="1200" baseline="0" dirty="0">
-                <a:solidFill>
-                  <a:schemeClr val="tx1"/>
-                </a:solidFill>
-                <a:latin typeface="Arial" charset="0"/>
-                <a:ea typeface="+mn-ea"/>
-                <a:cs typeface="+mn-cs"/>
-              </a:rPr>
-              <a:t>k</a:t>
-            </a:r>
-            <a:r>
-              <a:rPr lang="en-US" sz="1200" b="0" i="0" u="none" strike="noStrike" kern="1200" baseline="0" dirty="0">
-                <a:solidFill>
-                  <a:schemeClr val="tx1"/>
-                </a:solidFill>
-                <a:latin typeface="Arial" charset="0"/>
-                <a:ea typeface="+mn-ea"/>
-                <a:cs typeface="+mn-cs"/>
-              </a:rPr>
-              <a:t>-anonymity requirements are satisfied for</a:t>
-            </a:r>
-          </a:p>
-          <a:p>
-            <a:r>
-              <a:rPr lang="en-US" sz="1200" b="0" i="0" u="none" strike="noStrike" kern="1200" baseline="0" dirty="0">
-                <a:solidFill>
-                  <a:schemeClr val="tx1"/>
-                </a:solidFill>
-                <a:latin typeface="Arial" charset="0"/>
-                <a:ea typeface="+mn-ea"/>
-                <a:cs typeface="+mn-cs"/>
-              </a:rPr>
-              <a:t>all messages in the set.</a:t>
+              <a:t>in the same spatial area. This approach is called spatial cloaking. </a:t>
             </a:r>
           </a:p>
           <a:p>
@@ -3929,7 +3822,20 @@
                 <a:ea typeface="+mn-ea"/>
                 <a:cs typeface="+mn-cs"/>
               </a:rPr>
-              <a:t>Messages that can not be anonymized until their </a:t>
+              <a:t>Second, one can achieve the location anonymity by delaying</a:t>
+            </a:r>
+          </a:p>
+          <a:p>
+            <a:r>
+              <a:rPr lang="en-US" sz="1200" b="0" i="0" u="none" strike="noStrike" kern="1200" baseline="0" dirty="0">
+                <a:solidFill>
+                  <a:schemeClr val="tx1"/>
+                </a:solidFill>
+                <a:latin typeface="Arial" charset="0"/>
+                <a:ea typeface="+mn-ea"/>
+                <a:cs typeface="+mn-cs"/>
+              </a:rPr>
+              <a:t>the message until </a:t>
             </a:r>
             <a:r>
               <a:rPr lang="en-US" sz="1200" b="0" i="1" u="none" strike="noStrike" kern="1200" baseline="0" dirty="0">
@@ -3940,10 +3846,8 @@
                 <a:ea typeface="+mn-ea"/>
                 <a:cs typeface="+mn-cs"/>
               </a:rPr>
-              <a:t>deadline</a:t>
-            </a:r>
-          </a:p>
-          <a:p>
+              <a:t>k </a:t>
+            </a:r>
             <a:r>
               <a:rPr lang="en-US" sz="1200" b="0" i="0" u="none" strike="noStrike" kern="1200" baseline="0" dirty="0">
                 <a:solidFill>
@@ -3953,153 +3857,32 @@
                 <a:ea typeface="+mn-ea"/>
                 <a:cs typeface="+mn-cs"/>
               </a:rPr>
-              <a:t>are dropped. The deadline of a message is the high point along</a:t>
-            </a:r>
-          </a:p>
-          <a:p>
-            <a:r>
-              <a:rPr lang="en-US" sz="1200" b="0" i="0" u="none" strike="noStrike" kern="1200" baseline="0" dirty="0">
-                <a:solidFill>
-                  <a:schemeClr val="tx1"/>
-                </a:solidFill>
-                <a:latin typeface="Arial" charset="0"/>
-                <a:ea typeface="+mn-ea"/>
-                <a:cs typeface="+mn-cs"/>
-              </a:rPr>
-              <a:t>the temporal dimension in its </a:t>
-            </a:r>
-            <a:r>
-              <a:rPr lang="en-US" sz="1200" b="0" i="0" u="none" strike="noStrike" kern="1200" baseline="0" dirty="0" err="1">
-                <a:solidFill>
-                  <a:schemeClr val="tx1"/>
-                </a:solidFill>
-                <a:latin typeface="Arial" charset="0"/>
-                <a:ea typeface="+mn-ea"/>
-                <a:cs typeface="+mn-cs"/>
-              </a:rPr>
-              <a:t>spatio</a:t>
-            </a:r>
-            <a:r>
-              <a:rPr lang="en-US" sz="1200" b="0" i="0" u="none" strike="noStrike" kern="1200" baseline="0" dirty="0">
-                <a:solidFill>
-                  <a:schemeClr val="tx1"/>
-                </a:solidFill>
-                <a:latin typeface="Arial" charset="0"/>
-                <a:ea typeface="+mn-ea"/>
-                <a:cs typeface="+mn-cs"/>
-              </a:rPr>
-              <a:t>-temporal constraint box.</a:t>
-            </a:r>
-          </a:p>
-          <a:p>
-            <a:endParaRPr lang="en-US" sz="1200" b="0" i="0" u="none" strike="noStrike" kern="1200" baseline="0" dirty="0">
-              <a:solidFill>
-                <a:schemeClr val="tx1"/>
-              </a:solidFill>
-              <a:latin typeface="Arial" charset="0"/>
-              <a:ea typeface="+mn-ea"/>
-              <a:cs typeface="+mn-cs"/>
-            </a:endParaRPr>
-          </a:p>
-          <a:p>
-            <a:endParaRPr lang="en-US" sz="1200" b="0" i="0" u="none" strike="noStrike" kern="1200" baseline="0" dirty="0">
-              <a:solidFill>
-                <a:schemeClr val="tx1"/>
-              </a:solidFill>
-              <a:latin typeface="Arial" charset="0"/>
-              <a:ea typeface="+mn-ea"/>
-              <a:cs typeface="+mn-cs"/>
-            </a:endParaRPr>
-          </a:p>
-          <a:p>
-            <a:endParaRPr lang="en-US" sz="1200" b="0" i="0" u="none" strike="noStrike" kern="1200" baseline="0" dirty="0">
-              <a:solidFill>
-                <a:schemeClr val="tx1"/>
-              </a:solidFill>
-              <a:latin typeface="Arial" charset="0"/>
-              <a:ea typeface="+mn-ea"/>
-              <a:cs typeface="+mn-cs"/>
-            </a:endParaRPr>
-          </a:p>
-          <a:p>
-            <a:endParaRPr lang="en-US" sz="1200" b="0" i="0" u="none" strike="noStrike" kern="1200" baseline="0" dirty="0">
-              <a:solidFill>
-                <a:schemeClr val="tx1"/>
-              </a:solidFill>
-              <a:latin typeface="Arial" charset="0"/>
-              <a:ea typeface="+mn-ea"/>
-              <a:cs typeface="+mn-cs"/>
-            </a:endParaRPr>
-          </a:p>
-          <a:p>
-            <a:r>
-              <a:rPr lang="en-US" sz="1200" b="0" i="0" u="none" strike="noStrike" kern="1200" baseline="0" dirty="0">
-                <a:solidFill>
-                  <a:schemeClr val="tx1"/>
-                </a:solidFill>
-                <a:latin typeface="Arial" charset="0"/>
-                <a:ea typeface="+mn-ea"/>
-                <a:cs typeface="+mn-cs"/>
-              </a:rPr>
-              <a:t>Messages are uniquely identifiable by the sender’s identifier, message reference number pairs, (</a:t>
-            </a:r>
-            <a:r>
-              <a:rPr lang="en-US" sz="1200" b="0" i="1" u="none" strike="noStrike" kern="1200" baseline="0" dirty="0" err="1">
-                <a:solidFill>
-                  <a:schemeClr val="tx1"/>
-                </a:solidFill>
-                <a:latin typeface="Arial" charset="0"/>
-                <a:ea typeface="+mn-ea"/>
-                <a:cs typeface="+mn-cs"/>
-              </a:rPr>
-              <a:t>uid</a:t>
-            </a:r>
-            <a:r>
-              <a:rPr lang="en-US" sz="1200" b="0" i="1" u="none" strike="noStrike" kern="1200" baseline="0" dirty="0">
-                <a:solidFill>
-                  <a:schemeClr val="tx1"/>
-                </a:solidFill>
-                <a:latin typeface="Arial" charset="0"/>
-                <a:ea typeface="+mn-ea"/>
-                <a:cs typeface="+mn-cs"/>
-              </a:rPr>
-              <a:t>, </a:t>
-            </a:r>
-            <a:r>
-              <a:rPr lang="en-US" sz="1200" b="0" i="1" u="none" strike="noStrike" kern="1200" baseline="0" dirty="0" err="1">
-                <a:solidFill>
-                  <a:schemeClr val="tx1"/>
-                </a:solidFill>
-                <a:latin typeface="Arial" charset="0"/>
-                <a:ea typeface="+mn-ea"/>
-                <a:cs typeface="+mn-cs"/>
-              </a:rPr>
-              <a:t>rno</a:t>
-            </a:r>
-            <a:r>
-              <a:rPr lang="en-US" sz="1200" b="0" i="0" u="none" strike="noStrike" kern="1200" baseline="0" dirty="0">
-                <a:solidFill>
-                  <a:schemeClr val="tx1"/>
-                </a:solidFill>
-                <a:latin typeface="Arial" charset="0"/>
-                <a:ea typeface="+mn-ea"/>
-                <a:cs typeface="+mn-cs"/>
-              </a:rPr>
-              <a:t>), within the set </a:t>
-            </a:r>
-            <a:r>
-              <a:rPr lang="en-US" sz="1200" b="0" i="1" u="none" strike="noStrike" kern="1200" baseline="0" dirty="0">
-                <a:solidFill>
-                  <a:schemeClr val="tx1"/>
-                </a:solidFill>
-                <a:latin typeface="Arial" charset="0"/>
-                <a:ea typeface="+mn-ea"/>
-                <a:cs typeface="+mn-cs"/>
-              </a:rPr>
-              <a:t>S</a:t>
-            </a:r>
-            <a:r>
-              <a:rPr lang="en-US" sz="1200" b="0" i="0" u="none" strike="noStrike" kern="1200" baseline="0" dirty="0">
+              <a:t>mobile nodes have visited the same area located by the message sender. This approach is called </a:t>
+            </a:r>
+            <a:r>
+              <a:rPr lang="de-DE" sz="1200" b="0" i="0" u="none" strike="noStrike" kern="1200" baseline="0" dirty="0">
+                <a:solidFill>
+                  <a:schemeClr val="tx1"/>
+                </a:solidFill>
+                <a:latin typeface="Arial" charset="0"/>
+                <a:ea typeface="+mn-ea"/>
+                <a:cs typeface="+mn-cs"/>
+              </a:rPr>
+              <a:t>temporal </a:t>
+            </a:r>
+            <a:r>
+              <a:rPr lang="de-DE" sz="1200" b="0" i="0" u="none" strike="noStrike" kern="1200" baseline="0" dirty="0" err="1">
+                <a:solidFill>
+                  <a:schemeClr val="tx1"/>
+                </a:solidFill>
+                <a:latin typeface="Arial" charset="0"/>
+                <a:ea typeface="+mn-ea"/>
+                <a:cs typeface="+mn-cs"/>
+              </a:rPr>
+              <a:t>cloaking</a:t>
+            </a:r>
+            <a:r>
+              <a:rPr lang="de-DE" sz="1200" b="0" i="0" u="none" strike="noStrike" kern="1200" baseline="0" dirty="0">
                 <a:solidFill>
                   <a:schemeClr val="tx1"/>
                 </a:solidFill>
@@ -4108,495 +3891,6 @@
                 <a:cs typeface="+mn-cs"/>
               </a:rPr>
               <a:t>.</a:t>
-            </a:r>
-          </a:p>
-          <a:p>
-            <a:r>
-              <a:rPr lang="en-US" sz="1200" b="0" i="0" u="none" strike="noStrike" kern="1200" baseline="0" dirty="0">
-                <a:solidFill>
-                  <a:schemeClr val="tx1"/>
-                </a:solidFill>
-                <a:latin typeface="Arial" charset="0"/>
-                <a:ea typeface="+mn-ea"/>
-                <a:cs typeface="+mn-cs"/>
-              </a:rPr>
-              <a:t>Messages from the same mobile node have same sender identifiers but different reference numbers. In a received message,</a:t>
-            </a:r>
-          </a:p>
-          <a:p>
-            <a:r>
-              <a:rPr lang="en-US" sz="1200" b="0" i="1" u="none" strike="noStrike" kern="1200" baseline="0" dirty="0">
-                <a:solidFill>
-                  <a:schemeClr val="tx1"/>
-                </a:solidFill>
-                <a:latin typeface="Arial" charset="0"/>
-                <a:ea typeface="+mn-ea"/>
-                <a:cs typeface="+mn-cs"/>
-              </a:rPr>
-              <a:t>x, y, </a:t>
-            </a:r>
-            <a:r>
-              <a:rPr lang="en-US" sz="1200" b="0" i="0" u="none" strike="noStrike" kern="1200" baseline="0" dirty="0">
-                <a:solidFill>
-                  <a:schemeClr val="tx1"/>
-                </a:solidFill>
-                <a:latin typeface="Arial" charset="0"/>
-                <a:ea typeface="+mn-ea"/>
-                <a:cs typeface="+mn-cs"/>
-              </a:rPr>
-              <a:t>and </a:t>
-            </a:r>
-            <a:r>
-              <a:rPr lang="en-US" sz="1200" b="0" i="1" u="none" strike="noStrike" kern="1200" baseline="0" dirty="0">
-                <a:solidFill>
-                  <a:schemeClr val="tx1"/>
-                </a:solidFill>
-                <a:latin typeface="Arial" charset="0"/>
-                <a:ea typeface="+mn-ea"/>
-                <a:cs typeface="+mn-cs"/>
-              </a:rPr>
-              <a:t>t </a:t>
-            </a:r>
-            <a:r>
-              <a:rPr lang="en-US" sz="1200" b="0" i="0" u="none" strike="noStrike" kern="1200" baseline="0" dirty="0">
-                <a:solidFill>
-                  <a:schemeClr val="tx1"/>
-                </a:solidFill>
-                <a:latin typeface="Arial" charset="0"/>
-                <a:ea typeface="+mn-ea"/>
-                <a:cs typeface="+mn-cs"/>
-              </a:rPr>
-              <a:t>together form the three dimensional </a:t>
-            </a:r>
-            <a:r>
-              <a:rPr lang="en-US" sz="1200" b="0" i="1" u="none" strike="noStrike" kern="1200" baseline="0" dirty="0" err="1">
-                <a:solidFill>
-                  <a:schemeClr val="tx1"/>
-                </a:solidFill>
-                <a:latin typeface="Arial" charset="0"/>
-                <a:ea typeface="+mn-ea"/>
-                <a:cs typeface="+mn-cs"/>
-              </a:rPr>
-              <a:t>spatio</a:t>
-            </a:r>
-            <a:r>
-              <a:rPr lang="en-US" sz="1200" b="0" i="1" u="none" strike="noStrike" kern="1200" baseline="0" dirty="0">
-                <a:solidFill>
-                  <a:schemeClr val="tx1"/>
-                </a:solidFill>
-                <a:latin typeface="Arial" charset="0"/>
-                <a:ea typeface="+mn-ea"/>
-                <a:cs typeface="+mn-cs"/>
-              </a:rPr>
-              <a:t>-temporal point </a:t>
-            </a:r>
-            <a:r>
-              <a:rPr lang="en-US" sz="1200" b="0" i="0" u="none" strike="noStrike" kern="1200" baseline="0" dirty="0">
-                <a:solidFill>
-                  <a:schemeClr val="tx1"/>
-                </a:solidFill>
-                <a:latin typeface="Arial" charset="0"/>
-                <a:ea typeface="+mn-ea"/>
-                <a:cs typeface="+mn-cs"/>
-              </a:rPr>
-              <a:t>of the message, denoted as </a:t>
-            </a:r>
-            <a:r>
-              <a:rPr lang="en-US" sz="1200" b="0" i="1" u="none" strike="noStrike" kern="1200" baseline="0" dirty="0">
-                <a:solidFill>
-                  <a:schemeClr val="tx1"/>
-                </a:solidFill>
-                <a:latin typeface="Arial" charset="0"/>
-                <a:ea typeface="+mn-ea"/>
-                <a:cs typeface="+mn-cs"/>
-              </a:rPr>
-              <a:t>P</a:t>
-            </a:r>
-            <a:r>
-              <a:rPr lang="en-US" sz="1200" b="0" i="0" u="none" strike="noStrike" kern="1200" baseline="0" dirty="0">
-                <a:solidFill>
-                  <a:schemeClr val="tx1"/>
-                </a:solidFill>
-                <a:latin typeface="Arial" charset="0"/>
-                <a:ea typeface="+mn-ea"/>
-                <a:cs typeface="+mn-cs"/>
-              </a:rPr>
-              <a:t>(</a:t>
-            </a:r>
-            <a:r>
-              <a:rPr lang="en-US" sz="1200" b="0" i="1" u="none" strike="noStrike" kern="1200" baseline="0" dirty="0" err="1">
-                <a:solidFill>
-                  <a:schemeClr val="tx1"/>
-                </a:solidFill>
-                <a:latin typeface="Arial" charset="0"/>
-                <a:ea typeface="+mn-ea"/>
-                <a:cs typeface="+mn-cs"/>
-              </a:rPr>
-              <a:t>ms</a:t>
-            </a:r>
-            <a:r>
-              <a:rPr lang="en-US" sz="1200" b="0" i="0" u="none" strike="noStrike" kern="1200" baseline="0" dirty="0">
-                <a:solidFill>
-                  <a:schemeClr val="tx1"/>
-                </a:solidFill>
-                <a:latin typeface="Arial" charset="0"/>
-                <a:ea typeface="+mn-ea"/>
-                <a:cs typeface="+mn-cs"/>
-              </a:rPr>
-              <a:t>). The coordinate (</a:t>
-            </a:r>
-            <a:r>
-              <a:rPr lang="en-US" sz="1200" b="0" i="1" u="none" strike="noStrike" kern="1200" baseline="0" dirty="0">
-                <a:solidFill>
-                  <a:schemeClr val="tx1"/>
-                </a:solidFill>
-                <a:latin typeface="Arial" charset="0"/>
-                <a:ea typeface="+mn-ea"/>
-                <a:cs typeface="+mn-cs"/>
-              </a:rPr>
-              <a:t>x, y</a:t>
-            </a:r>
-            <a:r>
-              <a:rPr lang="en-US" sz="1200" b="0" i="0" u="none" strike="noStrike" kern="1200" baseline="0" dirty="0">
-                <a:solidFill>
-                  <a:schemeClr val="tx1"/>
-                </a:solidFill>
-                <a:latin typeface="Arial" charset="0"/>
-                <a:ea typeface="+mn-ea"/>
-                <a:cs typeface="+mn-cs"/>
-              </a:rPr>
-              <a:t>)</a:t>
-            </a:r>
-          </a:p>
-          <a:p>
-            <a:r>
-              <a:rPr lang="en-US" sz="1200" b="0" i="0" u="none" strike="noStrike" kern="1200" baseline="0" dirty="0">
-                <a:solidFill>
-                  <a:schemeClr val="tx1"/>
-                </a:solidFill>
-                <a:latin typeface="Arial" charset="0"/>
-                <a:ea typeface="+mn-ea"/>
-                <a:cs typeface="+mn-cs"/>
-              </a:rPr>
-              <a:t>refers to the spatial position of the mobile node in the two dimensional space (i.e., </a:t>
-            </a:r>
-            <a:r>
-              <a:rPr lang="en-US" sz="1200" b="0" i="1" u="none" strike="noStrike" kern="1200" baseline="0" dirty="0">
-                <a:solidFill>
-                  <a:schemeClr val="tx1"/>
-                </a:solidFill>
-                <a:latin typeface="Arial" charset="0"/>
-                <a:ea typeface="+mn-ea"/>
-                <a:cs typeface="+mn-cs"/>
-              </a:rPr>
-              <a:t>x</a:t>
-            </a:r>
-            <a:r>
-              <a:rPr lang="en-US" sz="1200" b="0" i="0" u="none" strike="noStrike" kern="1200" baseline="0" dirty="0">
-                <a:solidFill>
-                  <a:schemeClr val="tx1"/>
-                </a:solidFill>
-                <a:latin typeface="Arial" charset="0"/>
-                <a:ea typeface="+mn-ea"/>
-                <a:cs typeface="+mn-cs"/>
-              </a:rPr>
-              <a:t>-axis and </a:t>
-            </a:r>
-            <a:r>
-              <a:rPr lang="en-US" sz="1200" b="0" i="1" u="none" strike="noStrike" kern="1200" baseline="0" dirty="0">
-                <a:solidFill>
-                  <a:schemeClr val="tx1"/>
-                </a:solidFill>
-                <a:latin typeface="Arial" charset="0"/>
-                <a:ea typeface="+mn-ea"/>
-                <a:cs typeface="+mn-cs"/>
-              </a:rPr>
-              <a:t>y</a:t>
-            </a:r>
-            <a:r>
-              <a:rPr lang="en-US" sz="1200" b="0" i="0" u="none" strike="noStrike" kern="1200" baseline="0" dirty="0">
-                <a:solidFill>
-                  <a:schemeClr val="tx1"/>
-                </a:solidFill>
-                <a:latin typeface="Arial" charset="0"/>
-                <a:ea typeface="+mn-ea"/>
-                <a:cs typeface="+mn-cs"/>
-              </a:rPr>
-              <a:t>-axis), and the timestamp </a:t>
-            </a:r>
-            <a:r>
-              <a:rPr lang="en-US" sz="1200" b="0" i="1" u="none" strike="noStrike" kern="1200" baseline="0" dirty="0">
-                <a:solidFill>
-                  <a:schemeClr val="tx1"/>
-                </a:solidFill>
-                <a:latin typeface="Arial" charset="0"/>
-                <a:ea typeface="+mn-ea"/>
-                <a:cs typeface="+mn-cs"/>
-              </a:rPr>
-              <a:t>t</a:t>
-            </a:r>
-          </a:p>
-          <a:p>
-            <a:r>
-              <a:rPr lang="en-US" sz="1200" b="0" i="0" u="none" strike="noStrike" kern="1200" baseline="0" dirty="0">
-                <a:solidFill>
-                  <a:schemeClr val="tx1"/>
-                </a:solidFill>
-                <a:latin typeface="Arial" charset="0"/>
-                <a:ea typeface="+mn-ea"/>
-                <a:cs typeface="+mn-cs"/>
-              </a:rPr>
-              <a:t>refers to the time point at which the mobile node was present at that position (temporal dimension: </a:t>
-            </a:r>
-            <a:r>
-              <a:rPr lang="en-US" sz="1200" b="0" i="1" u="none" strike="noStrike" kern="1200" baseline="0" dirty="0">
-                <a:solidFill>
-                  <a:schemeClr val="tx1"/>
-                </a:solidFill>
-                <a:latin typeface="Arial" charset="0"/>
-                <a:ea typeface="+mn-ea"/>
-                <a:cs typeface="+mn-cs"/>
-              </a:rPr>
-              <a:t>t</a:t>
-            </a:r>
-            <a:r>
-              <a:rPr lang="en-US" sz="1200" b="0" i="0" u="none" strike="noStrike" kern="1200" baseline="0" dirty="0">
-                <a:solidFill>
-                  <a:schemeClr val="tx1"/>
-                </a:solidFill>
-                <a:latin typeface="Arial" charset="0"/>
-                <a:ea typeface="+mn-ea"/>
-                <a:cs typeface="+mn-cs"/>
-              </a:rPr>
-              <a:t>-axis of the message).</a:t>
-            </a:r>
-          </a:p>
-          <a:p>
-            <a:r>
-              <a:rPr lang="de-DE" sz="1200" b="0" i="0" u="none" strike="noStrike" kern="1200" baseline="0" dirty="0">
-                <a:solidFill>
-                  <a:schemeClr val="tx1"/>
-                </a:solidFill>
-                <a:latin typeface="Arial" charset="0"/>
-                <a:ea typeface="+mn-ea"/>
-                <a:cs typeface="+mn-cs"/>
-              </a:rPr>
-              <a:t>The </a:t>
-            </a:r>
-            <a:r>
-              <a:rPr lang="de-DE" sz="1200" b="0" i="1" u="none" strike="noStrike" kern="1200" baseline="0" dirty="0" err="1">
-                <a:solidFill>
-                  <a:schemeClr val="tx1"/>
-                </a:solidFill>
-                <a:latin typeface="Arial" charset="0"/>
-                <a:ea typeface="+mn-ea"/>
-                <a:cs typeface="+mn-cs"/>
-              </a:rPr>
-              <a:t>dt</a:t>
-            </a:r>
-            <a:r>
-              <a:rPr lang="de-DE" sz="1200" b="0" i="1" u="none" strike="noStrike" kern="1200" baseline="0" dirty="0">
-                <a:solidFill>
-                  <a:schemeClr val="tx1"/>
-                </a:solidFill>
-                <a:latin typeface="Arial" charset="0"/>
-                <a:ea typeface="+mn-ea"/>
-                <a:cs typeface="+mn-cs"/>
-              </a:rPr>
-              <a:t> </a:t>
-            </a:r>
-            <a:r>
-              <a:rPr lang="de-DE" sz="1200" b="0" i="0" u="none" strike="noStrike" kern="1200" baseline="0" dirty="0" err="1">
-                <a:solidFill>
-                  <a:schemeClr val="tx1"/>
-                </a:solidFill>
-                <a:latin typeface="Arial" charset="0"/>
-                <a:ea typeface="+mn-ea"/>
-                <a:cs typeface="+mn-cs"/>
-              </a:rPr>
-              <a:t>value</a:t>
-            </a:r>
-            <a:r>
-              <a:rPr lang="de-DE" sz="1200" b="0" i="0" u="none" strike="noStrike" kern="1200" baseline="0" dirty="0">
-                <a:solidFill>
-                  <a:schemeClr val="tx1"/>
-                </a:solidFill>
-                <a:latin typeface="Arial" charset="0"/>
-                <a:ea typeface="+mn-ea"/>
-                <a:cs typeface="+mn-cs"/>
-              </a:rPr>
-              <a:t> </a:t>
-            </a:r>
-            <a:r>
-              <a:rPr lang="de-DE" sz="1200" b="0" i="0" u="none" strike="noStrike" kern="1200" baseline="0" dirty="0" err="1">
-                <a:solidFill>
-                  <a:schemeClr val="tx1"/>
-                </a:solidFill>
-                <a:latin typeface="Arial" charset="0"/>
-                <a:ea typeface="+mn-ea"/>
-                <a:cs typeface="+mn-cs"/>
-              </a:rPr>
-              <a:t>of</a:t>
-            </a:r>
-            <a:r>
-              <a:rPr lang="de-DE" sz="1200" b="0" i="0" u="none" strike="noStrike" kern="1200" baseline="0" dirty="0">
-                <a:solidFill>
-                  <a:schemeClr val="tx1"/>
-                </a:solidFill>
-                <a:latin typeface="Arial" charset="0"/>
-                <a:ea typeface="+mn-ea"/>
-                <a:cs typeface="+mn-cs"/>
-              </a:rPr>
-              <a:t> </a:t>
-            </a:r>
-            <a:r>
-              <a:rPr lang="en-US" sz="1200" b="0" i="0" u="none" strike="noStrike" kern="1200" baseline="0" dirty="0">
-                <a:solidFill>
-                  <a:schemeClr val="tx1"/>
-                </a:solidFill>
-                <a:latin typeface="Arial" charset="0"/>
-                <a:ea typeface="+mn-ea"/>
-                <a:cs typeface="+mn-cs"/>
-              </a:rPr>
-              <a:t>the message represents the temporal tolerance specified by the </a:t>
-            </a:r>
-            <a:r>
-              <a:rPr lang="de-DE" sz="1200" b="0" i="0" u="none" strike="noStrike" kern="1200" baseline="0" dirty="0" err="1">
-                <a:solidFill>
-                  <a:schemeClr val="tx1"/>
-                </a:solidFill>
-                <a:latin typeface="Arial" charset="0"/>
-                <a:ea typeface="+mn-ea"/>
-                <a:cs typeface="+mn-cs"/>
-              </a:rPr>
-              <a:t>user</a:t>
-            </a:r>
-            <a:r>
-              <a:rPr lang="de-DE" sz="1200" b="0" i="0" u="none" strike="noStrike" kern="1200" baseline="0" dirty="0">
-                <a:solidFill>
-                  <a:schemeClr val="tx1"/>
-                </a:solidFill>
-                <a:latin typeface="Arial" charset="0"/>
-                <a:ea typeface="+mn-ea"/>
-                <a:cs typeface="+mn-cs"/>
-              </a:rPr>
-              <a:t>. </a:t>
-            </a:r>
-            <a:r>
-              <a:rPr lang="en-US" sz="1200" b="0" i="0" u="none" strike="noStrike" kern="1200" baseline="0" dirty="0">
-                <a:solidFill>
-                  <a:schemeClr val="tx1"/>
-                </a:solidFill>
-                <a:latin typeface="Arial" charset="0"/>
-                <a:ea typeface="+mn-ea"/>
-                <a:cs typeface="+mn-cs"/>
-              </a:rPr>
-              <a:t>Similarly, </a:t>
-            </a:r>
-            <a:r>
-              <a:rPr lang="en-US" sz="1200" b="0" i="1" u="none" strike="noStrike" kern="1200" baseline="0" dirty="0">
-                <a:solidFill>
-                  <a:schemeClr val="tx1"/>
-                </a:solidFill>
-                <a:latin typeface="Arial" charset="0"/>
-                <a:ea typeface="+mn-ea"/>
-                <a:cs typeface="+mn-cs"/>
-              </a:rPr>
-              <a:t>dx </a:t>
-            </a:r>
-            <a:r>
-              <a:rPr lang="en-US" sz="1200" b="0" i="0" u="none" strike="noStrike" kern="1200" baseline="0" dirty="0">
-                <a:solidFill>
-                  <a:schemeClr val="tx1"/>
-                </a:solidFill>
-                <a:latin typeface="Arial" charset="0"/>
-                <a:ea typeface="+mn-ea"/>
-                <a:cs typeface="+mn-cs"/>
-              </a:rPr>
-              <a:t>and </a:t>
-            </a:r>
-            <a:r>
-              <a:rPr lang="en-US" sz="1200" b="0" i="1" u="none" strike="noStrike" kern="1200" baseline="0" dirty="0" err="1">
-                <a:solidFill>
-                  <a:schemeClr val="tx1"/>
-                </a:solidFill>
-                <a:latin typeface="Arial" charset="0"/>
-                <a:ea typeface="+mn-ea"/>
-                <a:cs typeface="+mn-cs"/>
-              </a:rPr>
-              <a:t>dy</a:t>
-            </a:r>
-            <a:r>
-              <a:rPr lang="en-US" sz="1200" b="0" i="1" u="none" strike="noStrike" kern="1200" baseline="0" dirty="0">
-                <a:solidFill>
-                  <a:schemeClr val="tx1"/>
-                </a:solidFill>
-                <a:latin typeface="Arial" charset="0"/>
-                <a:ea typeface="+mn-ea"/>
-                <a:cs typeface="+mn-cs"/>
-              </a:rPr>
-              <a:t> </a:t>
-            </a:r>
-            <a:r>
-              <a:rPr lang="en-US" sz="1200" b="0" i="0" u="none" strike="noStrike" kern="1200" baseline="0" dirty="0">
-                <a:solidFill>
-                  <a:schemeClr val="tx1"/>
-                </a:solidFill>
-                <a:latin typeface="Arial" charset="0"/>
-                <a:ea typeface="+mn-ea"/>
-                <a:cs typeface="+mn-cs"/>
-              </a:rPr>
-              <a:t>specify the tolerances with</a:t>
-            </a:r>
-          </a:p>
-          <a:p>
-            <a:r>
-              <a:rPr lang="de-DE" sz="1200" b="0" i="0" u="none" strike="noStrike" kern="1200" baseline="0" dirty="0">
-                <a:solidFill>
-                  <a:schemeClr val="tx1"/>
-                </a:solidFill>
-                <a:latin typeface="Arial" charset="0"/>
-                <a:ea typeface="+mn-ea"/>
-                <a:cs typeface="+mn-cs"/>
-              </a:rPr>
-              <a:t>3 </a:t>
-            </a:r>
-            <a:r>
-              <a:rPr lang="en-US" sz="1200" b="0" i="0" u="none" strike="noStrike" kern="1200" baseline="0" dirty="0">
-                <a:solidFill>
-                  <a:schemeClr val="tx1"/>
-                </a:solidFill>
-                <a:latin typeface="Arial" charset="0"/>
-                <a:ea typeface="+mn-ea"/>
-                <a:cs typeface="+mn-cs"/>
-              </a:rPr>
-              <a:t>respect to the spatial dimensions. The values of these three parameters are dependent on the requirements of the external</a:t>
-            </a:r>
-          </a:p>
-          <a:p>
-            <a:r>
-              <a:rPr lang="en-US" sz="1200" b="0" i="0" u="none" strike="noStrike" kern="1200" baseline="0" dirty="0">
-                <a:solidFill>
-                  <a:schemeClr val="tx1"/>
-                </a:solidFill>
-                <a:latin typeface="Arial" charset="0"/>
-                <a:ea typeface="+mn-ea"/>
-                <a:cs typeface="+mn-cs"/>
-              </a:rPr>
-              <a:t>LBS and users’ preferences with regard to quality of service. For instance, larger spatial tolerances may result in less accurate</a:t>
-            </a:r>
-          </a:p>
-          <a:p>
-            <a:r>
-              <a:rPr lang="en-US" sz="1200" b="0" i="0" u="none" strike="noStrike" kern="1200" baseline="0" dirty="0">
-                <a:solidFill>
-                  <a:schemeClr val="tx1"/>
-                </a:solidFill>
-                <a:latin typeface="Arial" charset="0"/>
-                <a:ea typeface="+mn-ea"/>
-                <a:cs typeface="+mn-cs"/>
-              </a:rPr>
-              <a:t>results to location-dependent service requests and larger temporal tolerances may result in higher latencies of the messages.</a:t>
             </a:r>
             <a:endParaRPr lang="de-DE" dirty="0"/>
           </a:p>
@@ -4625,7 +3919,7 @@
               <a:pPr>
                 <a:defRPr/>
               </a:pPr>
-              <a:t>20</a:t>
+              <a:t>19</a:t>
             </a:fld>
             <a:endParaRPr lang="de-DE"/>
           </a:p>
@@ -4634,7 +3928,7 @@
     </p:spTree>
     <p:extLst>
       <p:ext uri="{BB962C8B-B14F-4D97-AF65-F5344CB8AC3E}">
-        <p14:creationId xmlns:p14="http://schemas.microsoft.com/office/powerpoint/2010/main" val="539691595"/>
+        <p14:creationId xmlns:p14="http://schemas.microsoft.com/office/powerpoint/2010/main" val="1491132089"/>
       </p:ext>
     </p:extLst>
   </p:cSld>
@@ -4697,7 +3991,7 @@
                 <a:ea typeface="+mn-ea"/>
                 <a:cs typeface="+mn-cs"/>
               </a:rPr>
-              <a:t>Transaction data is usually high-dimensional. For example, Amazon.com has several</a:t>
+              <a:t>A main technical challenge for developing an efficient cloaking</a:t>
             </a:r>
           </a:p>
           <a:p>
@@ -4710,7 +4004,55 @@
                 <a:ea typeface="+mn-ea"/>
                 <a:cs typeface="+mn-cs"/>
               </a:rPr>
-              <a:t>million catalog items. Each dimension could be a potential </a:t>
+              <a:t>algorithm is to find a set of messages and to assign the</a:t>
+            </a:r>
+          </a:p>
+          <a:p>
+            <a:r>
+              <a:rPr lang="en-US" sz="1200" b="0" i="0" u="none" strike="noStrike" kern="1200" baseline="0" dirty="0">
+                <a:solidFill>
+                  <a:schemeClr val="tx1"/>
+                </a:solidFill>
+                <a:latin typeface="Arial" charset="0"/>
+                <a:ea typeface="+mn-ea"/>
+                <a:cs typeface="+mn-cs"/>
+              </a:rPr>
+              <a:t>smallest possible </a:t>
+            </a:r>
+            <a:r>
+              <a:rPr lang="en-US" sz="1200" b="0" i="0" u="none" strike="noStrike" kern="1200" baseline="0" dirty="0" err="1">
+                <a:solidFill>
+                  <a:schemeClr val="tx1"/>
+                </a:solidFill>
+                <a:latin typeface="Arial" charset="0"/>
+                <a:ea typeface="+mn-ea"/>
+                <a:cs typeface="+mn-cs"/>
+              </a:rPr>
+              <a:t>spatio</a:t>
+            </a:r>
+            <a:r>
+              <a:rPr lang="en-US" sz="1200" b="0" i="0" u="none" strike="noStrike" kern="1200" baseline="0" dirty="0">
+                <a:solidFill>
+                  <a:schemeClr val="tx1"/>
+                </a:solidFill>
+                <a:latin typeface="Arial" charset="0"/>
+                <a:ea typeface="+mn-ea"/>
+                <a:cs typeface="+mn-cs"/>
+              </a:rPr>
+              <a:t>-temporal cloaking box to these messages,</a:t>
+            </a:r>
+          </a:p>
+          <a:p>
+            <a:r>
+              <a:rPr lang="en-US" sz="1200" b="0" i="0" u="none" strike="noStrike" kern="1200" baseline="0" dirty="0">
+                <a:solidFill>
+                  <a:schemeClr val="tx1"/>
+                </a:solidFill>
+                <a:latin typeface="Arial" charset="0"/>
+                <a:ea typeface="+mn-ea"/>
+                <a:cs typeface="+mn-cs"/>
+              </a:rPr>
+              <a:t>such that the </a:t>
             </a:r>
             <a:r>
               <a:rPr lang="en-US" sz="1200" b="0" i="1" u="none" strike="noStrike" kern="1200" baseline="0" dirty="0">
@@ -4721,7 +4063,7 @@
                 <a:ea typeface="+mn-ea"/>
                 <a:cs typeface="+mn-cs"/>
               </a:rPr>
-              <a:t>QID </a:t>
+              <a:t>k</a:t>
             </a:r>
             <a:r>
               <a:rPr lang="en-US" sz="1200" b="0" i="0" u="none" strike="noStrike" kern="1200" baseline="0" dirty="0">
@@ -4732,7 +4074,7 @@
                 <a:ea typeface="+mn-ea"/>
                 <a:cs typeface="+mn-cs"/>
               </a:rPr>
-              <a:t>attribute used</a:t>
+              <a:t>-anonymity requirements are satisfied for</a:t>
             </a:r>
           </a:p>
           <a:p>
@@ -4745,64 +4087,7 @@
                 <a:ea typeface="+mn-ea"/>
                 <a:cs typeface="+mn-cs"/>
               </a:rPr>
-              <a:t>for record or attribute linkages; therefore, employing traditional privacy models, such</a:t>
-            </a:r>
-          </a:p>
-          <a:p>
-            <a:r>
-              <a:rPr lang="en-US" sz="1200" b="0" i="0" u="none" strike="noStrike" kern="1200" baseline="0" dirty="0">
-                <a:solidFill>
-                  <a:schemeClr val="tx1"/>
-                </a:solidFill>
-                <a:latin typeface="Arial" charset="0"/>
-                <a:ea typeface="+mn-ea"/>
-                <a:cs typeface="+mn-cs"/>
-              </a:rPr>
-              <a:t>as </a:t>
-            </a:r>
-            <a:r>
-              <a:rPr lang="en-US" sz="1200" b="0" i="1" u="none" strike="noStrike" kern="1200" baseline="0" dirty="0">
-                <a:solidFill>
-                  <a:schemeClr val="tx1"/>
-                </a:solidFill>
-                <a:latin typeface="Arial" charset="0"/>
-                <a:ea typeface="+mn-ea"/>
-                <a:cs typeface="+mn-cs"/>
-              </a:rPr>
-              <a:t>k</a:t>
-            </a:r>
-            <a:r>
-              <a:rPr lang="en-US" sz="1200" b="0" i="0" u="none" strike="noStrike" kern="1200" baseline="0" dirty="0">
-                <a:solidFill>
-                  <a:schemeClr val="tx1"/>
-                </a:solidFill>
-                <a:latin typeface="Arial" charset="0"/>
-                <a:ea typeface="+mn-ea"/>
-                <a:cs typeface="+mn-cs"/>
-              </a:rPr>
-              <a:t>-anonymity, would require including all dimensions into a single </a:t>
-            </a:r>
-            <a:r>
-              <a:rPr lang="en-US" sz="1200" b="0" i="1" u="none" strike="noStrike" kern="1200" baseline="0" dirty="0">
-                <a:solidFill>
-                  <a:schemeClr val="tx1"/>
-                </a:solidFill>
-                <a:latin typeface="Arial" charset="0"/>
-                <a:ea typeface="+mn-ea"/>
-                <a:cs typeface="+mn-cs"/>
-              </a:rPr>
-              <a:t>QID</a:t>
-            </a:r>
-            <a:r>
-              <a:rPr lang="en-US" sz="1200" b="0" i="0" u="none" strike="noStrike" kern="1200" baseline="0" dirty="0">
-                <a:solidFill>
-                  <a:schemeClr val="tx1"/>
-                </a:solidFill>
-                <a:latin typeface="Arial" charset="0"/>
-                <a:ea typeface="+mn-ea"/>
-                <a:cs typeface="+mn-cs"/>
-              </a:rPr>
-              <a:t>.</a:t>
+              <a:t>all messages in the set.</a:t>
             </a:r>
           </a:p>
           <a:p>
@@ -4817,19 +4102,6 @@
           </a:p>
           <a:p>
             <a:r>
-              <a:rPr lang="de-DE" sz="1200" b="0" i="0" u="none" strike="noStrike" kern="1200" baseline="0" dirty="0">
-                <a:solidFill>
-                  <a:schemeClr val="tx1"/>
-                </a:solidFill>
-                <a:latin typeface="Arial" charset="0"/>
-                <a:ea typeface="+mn-ea"/>
-                <a:cs typeface="+mn-cs"/>
-              </a:rPr>
-              <a:t>Due to the</a:t>
-            </a:r>
-          </a:p>
-          <a:p>
-            <a:r>
               <a:rPr lang="en-US" sz="1200" b="0" i="0" u="none" strike="noStrike" kern="1200" baseline="0" dirty="0">
                 <a:solidFill>
                   <a:schemeClr val="tx1"/>
@@ -4838,7 +4110,18 @@
                 <a:ea typeface="+mn-ea"/>
                 <a:cs typeface="+mn-cs"/>
               </a:rPr>
-              <a:t>curse of high-dimensionality [Aggarwal 2005], it is very likely that lots of data has to</a:t>
+              <a:t>Messages that can not be anonymized until their </a:t>
+            </a:r>
+            <a:r>
+              <a:rPr lang="en-US" sz="1200" b="0" i="1" u="none" strike="noStrike" kern="1200" baseline="0" dirty="0">
+                <a:solidFill>
+                  <a:schemeClr val="tx1"/>
+                </a:solidFill>
+                <a:latin typeface="Arial" charset="0"/>
+                <a:ea typeface="+mn-ea"/>
+                <a:cs typeface="+mn-cs"/>
+              </a:rPr>
+              <a:t>deadline</a:t>
             </a:r>
           </a:p>
           <a:p>
@@ -4851,19 +4134,10 @@
                 <a:ea typeface="+mn-ea"/>
                 <a:cs typeface="+mn-cs"/>
               </a:rPr>
-              <a:t>be suppressed or generalized to the top-most values in order to satisfy </a:t>
-            </a:r>
-            <a:r>
-              <a:rPr lang="en-US" sz="1200" b="0" i="1" u="none" strike="noStrike" kern="1200" baseline="0" dirty="0">
-                <a:solidFill>
-                  <a:schemeClr val="tx1"/>
-                </a:solidFill>
-                <a:latin typeface="Arial" charset="0"/>
-                <a:ea typeface="+mn-ea"/>
-                <a:cs typeface="+mn-cs"/>
-              </a:rPr>
-              <a:t>k</a:t>
-            </a:r>
+              <a:t>are dropped. The deadline of a message is the high point along</a:t>
+            </a:r>
+          </a:p>
+          <a:p>
             <a:r>
               <a:rPr lang="en-US" sz="1200" b="0" i="0" u="none" strike="noStrike" kern="1200" baseline="0" dirty="0">
                 <a:solidFill>
@@ -4873,10 +4147,19 @@
                 <a:ea typeface="+mn-ea"/>
                 <a:cs typeface="+mn-cs"/>
               </a:rPr>
-              <a:t>-anonymity,</a:t>
-            </a:r>
-          </a:p>
-          <a:p>
+              <a:t>the temporal dimension in its </a:t>
+            </a:r>
+            <a:r>
+              <a:rPr lang="en-US" sz="1200" b="0" i="0" u="none" strike="noStrike" kern="1200" baseline="0" dirty="0" err="1">
+                <a:solidFill>
+                  <a:schemeClr val="tx1"/>
+                </a:solidFill>
+                <a:latin typeface="Arial" charset="0"/>
+                <a:ea typeface="+mn-ea"/>
+                <a:cs typeface="+mn-cs"/>
+              </a:rPr>
+              <a:t>spatio</a:t>
+            </a:r>
             <a:r>
               <a:rPr lang="en-US" sz="1200" b="0" i="0" u="none" strike="noStrike" kern="1200" baseline="0" dirty="0">
                 <a:solidFill>
@@ -4886,29 +4169,7 @@
                 <a:ea typeface="+mn-ea"/>
                 <a:cs typeface="+mn-cs"/>
               </a:rPr>
-              <a:t>even if </a:t>
-            </a:r>
-            <a:r>
-              <a:rPr lang="en-US" sz="1200" b="0" i="1" u="none" strike="noStrike" kern="1200" baseline="0" dirty="0">
-                <a:solidFill>
-                  <a:schemeClr val="tx1"/>
-                </a:solidFill>
-                <a:latin typeface="Arial" charset="0"/>
-                <a:ea typeface="+mn-ea"/>
-                <a:cs typeface="+mn-cs"/>
-              </a:rPr>
-              <a:t>k </a:t>
-            </a:r>
-            <a:r>
-              <a:rPr lang="en-US" sz="1200" b="0" i="0" u="none" strike="noStrike" kern="1200" baseline="0" dirty="0">
-                <a:solidFill>
-                  <a:schemeClr val="tx1"/>
-                </a:solidFill>
-                <a:latin typeface="Arial" charset="0"/>
-                <a:ea typeface="+mn-ea"/>
-                <a:cs typeface="+mn-cs"/>
-              </a:rPr>
-              <a:t>is small. Obviously, such anonymous data is useless for data analysis.</a:t>
+              <a:t>-temporal constraint box.</a:t>
             </a:r>
           </a:p>
           <a:p>
@@ -4922,6 +4183,16 @@
             </a:endParaRPr>
           </a:p>
           <a:p>
+            <a:endParaRPr lang="en-US" sz="1200" b="0" i="0" u="none" strike="noStrike" kern="1200" baseline="0" dirty="0">
+              <a:solidFill>
+                <a:schemeClr val="tx1"/>
+              </a:solidFill>
+              <a:latin typeface="Arial" charset="0"/>
+              <a:ea typeface="+mn-ea"/>
+              <a:cs typeface="+mn-cs"/>
+            </a:endParaRPr>
+          </a:p>
+          <a:p>
             <a:r>
               <a:rPr lang="en-US" sz="1200" b="0" i="0" u="none" strike="noStrike" kern="1200" baseline="0" dirty="0">
                 <a:solidFill>
@@ -4931,6 +4202,896 @@
                 <a:ea typeface="+mn-ea"/>
                 <a:cs typeface="+mn-cs"/>
               </a:rPr>
+              <a:t>Messages are uniquely identifiable by the sender’s identifier, message reference number pairs, (</a:t>
+            </a:r>
+            <a:r>
+              <a:rPr lang="en-US" sz="1200" b="0" i="1" u="none" strike="noStrike" kern="1200" baseline="0" dirty="0" err="1">
+                <a:solidFill>
+                  <a:schemeClr val="tx1"/>
+                </a:solidFill>
+                <a:latin typeface="Arial" charset="0"/>
+                <a:ea typeface="+mn-ea"/>
+                <a:cs typeface="+mn-cs"/>
+              </a:rPr>
+              <a:t>uid</a:t>
+            </a:r>
+            <a:r>
+              <a:rPr lang="en-US" sz="1200" b="0" i="1" u="none" strike="noStrike" kern="1200" baseline="0" dirty="0">
+                <a:solidFill>
+                  <a:schemeClr val="tx1"/>
+                </a:solidFill>
+                <a:latin typeface="Arial" charset="0"/>
+                <a:ea typeface="+mn-ea"/>
+                <a:cs typeface="+mn-cs"/>
+              </a:rPr>
+              <a:t>, </a:t>
+            </a:r>
+            <a:r>
+              <a:rPr lang="en-US" sz="1200" b="0" i="1" u="none" strike="noStrike" kern="1200" baseline="0" dirty="0" err="1">
+                <a:solidFill>
+                  <a:schemeClr val="tx1"/>
+                </a:solidFill>
+                <a:latin typeface="Arial" charset="0"/>
+                <a:ea typeface="+mn-ea"/>
+                <a:cs typeface="+mn-cs"/>
+              </a:rPr>
+              <a:t>rno</a:t>
+            </a:r>
+            <a:r>
+              <a:rPr lang="en-US" sz="1200" b="0" i="0" u="none" strike="noStrike" kern="1200" baseline="0" dirty="0">
+                <a:solidFill>
+                  <a:schemeClr val="tx1"/>
+                </a:solidFill>
+                <a:latin typeface="Arial" charset="0"/>
+                <a:ea typeface="+mn-ea"/>
+                <a:cs typeface="+mn-cs"/>
+              </a:rPr>
+              <a:t>), within the set </a:t>
+            </a:r>
+            <a:r>
+              <a:rPr lang="en-US" sz="1200" b="0" i="1" u="none" strike="noStrike" kern="1200" baseline="0" dirty="0">
+                <a:solidFill>
+                  <a:schemeClr val="tx1"/>
+                </a:solidFill>
+                <a:latin typeface="Arial" charset="0"/>
+                <a:ea typeface="+mn-ea"/>
+                <a:cs typeface="+mn-cs"/>
+              </a:rPr>
+              <a:t>S</a:t>
+            </a:r>
+            <a:r>
+              <a:rPr lang="en-US" sz="1200" b="0" i="0" u="none" strike="noStrike" kern="1200" baseline="0" dirty="0">
+                <a:solidFill>
+                  <a:schemeClr val="tx1"/>
+                </a:solidFill>
+                <a:latin typeface="Arial" charset="0"/>
+                <a:ea typeface="+mn-ea"/>
+                <a:cs typeface="+mn-cs"/>
+              </a:rPr>
+              <a:t>.</a:t>
+            </a:r>
+          </a:p>
+          <a:p>
+            <a:r>
+              <a:rPr lang="en-US" sz="1200" b="0" i="0" u="none" strike="noStrike" kern="1200" baseline="0" dirty="0">
+                <a:solidFill>
+                  <a:schemeClr val="tx1"/>
+                </a:solidFill>
+                <a:latin typeface="Arial" charset="0"/>
+                <a:ea typeface="+mn-ea"/>
+                <a:cs typeface="+mn-cs"/>
+              </a:rPr>
+              <a:t>Messages from the same mobile node have same sender identifiers but different reference numbers. In a received message,</a:t>
+            </a:r>
+          </a:p>
+          <a:p>
+            <a:r>
+              <a:rPr lang="en-US" sz="1200" b="0" i="1" u="none" strike="noStrike" kern="1200" baseline="0" dirty="0">
+                <a:solidFill>
+                  <a:schemeClr val="tx1"/>
+                </a:solidFill>
+                <a:latin typeface="Arial" charset="0"/>
+                <a:ea typeface="+mn-ea"/>
+                <a:cs typeface="+mn-cs"/>
+              </a:rPr>
+              <a:t>x, y, </a:t>
+            </a:r>
+            <a:r>
+              <a:rPr lang="en-US" sz="1200" b="0" i="0" u="none" strike="noStrike" kern="1200" baseline="0" dirty="0">
+                <a:solidFill>
+                  <a:schemeClr val="tx1"/>
+                </a:solidFill>
+                <a:latin typeface="Arial" charset="0"/>
+                <a:ea typeface="+mn-ea"/>
+                <a:cs typeface="+mn-cs"/>
+              </a:rPr>
+              <a:t>and </a:t>
+            </a:r>
+            <a:r>
+              <a:rPr lang="en-US" sz="1200" b="0" i="1" u="none" strike="noStrike" kern="1200" baseline="0" dirty="0">
+                <a:solidFill>
+                  <a:schemeClr val="tx1"/>
+                </a:solidFill>
+                <a:latin typeface="Arial" charset="0"/>
+                <a:ea typeface="+mn-ea"/>
+                <a:cs typeface="+mn-cs"/>
+              </a:rPr>
+              <a:t>t </a:t>
+            </a:r>
+            <a:r>
+              <a:rPr lang="en-US" sz="1200" b="0" i="0" u="none" strike="noStrike" kern="1200" baseline="0" dirty="0">
+                <a:solidFill>
+                  <a:schemeClr val="tx1"/>
+                </a:solidFill>
+                <a:latin typeface="Arial" charset="0"/>
+                <a:ea typeface="+mn-ea"/>
+                <a:cs typeface="+mn-cs"/>
+              </a:rPr>
+              <a:t>together form the three dimensional </a:t>
+            </a:r>
+            <a:r>
+              <a:rPr lang="en-US" sz="1200" b="0" i="1" u="none" strike="noStrike" kern="1200" baseline="0" dirty="0" err="1">
+                <a:solidFill>
+                  <a:schemeClr val="tx1"/>
+                </a:solidFill>
+                <a:latin typeface="Arial" charset="0"/>
+                <a:ea typeface="+mn-ea"/>
+                <a:cs typeface="+mn-cs"/>
+              </a:rPr>
+              <a:t>spatio</a:t>
+            </a:r>
+            <a:r>
+              <a:rPr lang="en-US" sz="1200" b="0" i="1" u="none" strike="noStrike" kern="1200" baseline="0" dirty="0">
+                <a:solidFill>
+                  <a:schemeClr val="tx1"/>
+                </a:solidFill>
+                <a:latin typeface="Arial" charset="0"/>
+                <a:ea typeface="+mn-ea"/>
+                <a:cs typeface="+mn-cs"/>
+              </a:rPr>
+              <a:t>-temporal point </a:t>
+            </a:r>
+            <a:r>
+              <a:rPr lang="en-US" sz="1200" b="0" i="0" u="none" strike="noStrike" kern="1200" baseline="0" dirty="0">
+                <a:solidFill>
+                  <a:schemeClr val="tx1"/>
+                </a:solidFill>
+                <a:latin typeface="Arial" charset="0"/>
+                <a:ea typeface="+mn-ea"/>
+                <a:cs typeface="+mn-cs"/>
+              </a:rPr>
+              <a:t>of the message, denoted as </a:t>
+            </a:r>
+            <a:r>
+              <a:rPr lang="en-US" sz="1200" b="0" i="1" u="none" strike="noStrike" kern="1200" baseline="0" dirty="0">
+                <a:solidFill>
+                  <a:schemeClr val="tx1"/>
+                </a:solidFill>
+                <a:latin typeface="Arial" charset="0"/>
+                <a:ea typeface="+mn-ea"/>
+                <a:cs typeface="+mn-cs"/>
+              </a:rPr>
+              <a:t>P</a:t>
+            </a:r>
+            <a:r>
+              <a:rPr lang="en-US" sz="1200" b="0" i="0" u="none" strike="noStrike" kern="1200" baseline="0" dirty="0">
+                <a:solidFill>
+                  <a:schemeClr val="tx1"/>
+                </a:solidFill>
+                <a:latin typeface="Arial" charset="0"/>
+                <a:ea typeface="+mn-ea"/>
+                <a:cs typeface="+mn-cs"/>
+              </a:rPr>
+              <a:t>(</a:t>
+            </a:r>
+            <a:r>
+              <a:rPr lang="en-US" sz="1200" b="0" i="1" u="none" strike="noStrike" kern="1200" baseline="0" dirty="0" err="1">
+                <a:solidFill>
+                  <a:schemeClr val="tx1"/>
+                </a:solidFill>
+                <a:latin typeface="Arial" charset="0"/>
+                <a:ea typeface="+mn-ea"/>
+                <a:cs typeface="+mn-cs"/>
+              </a:rPr>
+              <a:t>ms</a:t>
+            </a:r>
+            <a:r>
+              <a:rPr lang="en-US" sz="1200" b="0" i="0" u="none" strike="noStrike" kern="1200" baseline="0" dirty="0">
+                <a:solidFill>
+                  <a:schemeClr val="tx1"/>
+                </a:solidFill>
+                <a:latin typeface="Arial" charset="0"/>
+                <a:ea typeface="+mn-ea"/>
+                <a:cs typeface="+mn-cs"/>
+              </a:rPr>
+              <a:t>). The coordinate (</a:t>
+            </a:r>
+            <a:r>
+              <a:rPr lang="en-US" sz="1200" b="0" i="1" u="none" strike="noStrike" kern="1200" baseline="0" dirty="0">
+                <a:solidFill>
+                  <a:schemeClr val="tx1"/>
+                </a:solidFill>
+                <a:latin typeface="Arial" charset="0"/>
+                <a:ea typeface="+mn-ea"/>
+                <a:cs typeface="+mn-cs"/>
+              </a:rPr>
+              <a:t>x, y</a:t>
+            </a:r>
+            <a:r>
+              <a:rPr lang="en-US" sz="1200" b="0" i="0" u="none" strike="noStrike" kern="1200" baseline="0" dirty="0">
+                <a:solidFill>
+                  <a:schemeClr val="tx1"/>
+                </a:solidFill>
+                <a:latin typeface="Arial" charset="0"/>
+                <a:ea typeface="+mn-ea"/>
+                <a:cs typeface="+mn-cs"/>
+              </a:rPr>
+              <a:t>)</a:t>
+            </a:r>
+          </a:p>
+          <a:p>
+            <a:r>
+              <a:rPr lang="en-US" sz="1200" b="0" i="0" u="none" strike="noStrike" kern="1200" baseline="0" dirty="0">
+                <a:solidFill>
+                  <a:schemeClr val="tx1"/>
+                </a:solidFill>
+                <a:latin typeface="Arial" charset="0"/>
+                <a:ea typeface="+mn-ea"/>
+                <a:cs typeface="+mn-cs"/>
+              </a:rPr>
+              <a:t>refers to the spatial position of the mobile node in the two dimensional space (i.e., </a:t>
+            </a:r>
+            <a:r>
+              <a:rPr lang="en-US" sz="1200" b="0" i="1" u="none" strike="noStrike" kern="1200" baseline="0" dirty="0">
+                <a:solidFill>
+                  <a:schemeClr val="tx1"/>
+                </a:solidFill>
+                <a:latin typeface="Arial" charset="0"/>
+                <a:ea typeface="+mn-ea"/>
+                <a:cs typeface="+mn-cs"/>
+              </a:rPr>
+              <a:t>x</a:t>
+            </a:r>
+            <a:r>
+              <a:rPr lang="en-US" sz="1200" b="0" i="0" u="none" strike="noStrike" kern="1200" baseline="0" dirty="0">
+                <a:solidFill>
+                  <a:schemeClr val="tx1"/>
+                </a:solidFill>
+                <a:latin typeface="Arial" charset="0"/>
+                <a:ea typeface="+mn-ea"/>
+                <a:cs typeface="+mn-cs"/>
+              </a:rPr>
+              <a:t>-axis and </a:t>
+            </a:r>
+            <a:r>
+              <a:rPr lang="en-US" sz="1200" b="0" i="1" u="none" strike="noStrike" kern="1200" baseline="0" dirty="0">
+                <a:solidFill>
+                  <a:schemeClr val="tx1"/>
+                </a:solidFill>
+                <a:latin typeface="Arial" charset="0"/>
+                <a:ea typeface="+mn-ea"/>
+                <a:cs typeface="+mn-cs"/>
+              </a:rPr>
+              <a:t>y</a:t>
+            </a:r>
+            <a:r>
+              <a:rPr lang="en-US" sz="1200" b="0" i="0" u="none" strike="noStrike" kern="1200" baseline="0" dirty="0">
+                <a:solidFill>
+                  <a:schemeClr val="tx1"/>
+                </a:solidFill>
+                <a:latin typeface="Arial" charset="0"/>
+                <a:ea typeface="+mn-ea"/>
+                <a:cs typeface="+mn-cs"/>
+              </a:rPr>
+              <a:t>-axis), and the timestamp </a:t>
+            </a:r>
+            <a:r>
+              <a:rPr lang="en-US" sz="1200" b="0" i="1" u="none" strike="noStrike" kern="1200" baseline="0" dirty="0">
+                <a:solidFill>
+                  <a:schemeClr val="tx1"/>
+                </a:solidFill>
+                <a:latin typeface="Arial" charset="0"/>
+                <a:ea typeface="+mn-ea"/>
+                <a:cs typeface="+mn-cs"/>
+              </a:rPr>
+              <a:t>t</a:t>
+            </a:r>
+          </a:p>
+          <a:p>
+            <a:r>
+              <a:rPr lang="en-US" sz="1200" b="0" i="0" u="none" strike="noStrike" kern="1200" baseline="0" dirty="0">
+                <a:solidFill>
+                  <a:schemeClr val="tx1"/>
+                </a:solidFill>
+                <a:latin typeface="Arial" charset="0"/>
+                <a:ea typeface="+mn-ea"/>
+                <a:cs typeface="+mn-cs"/>
+              </a:rPr>
+              <a:t>refers to the time point at which the mobile node was present at that position (temporal dimension: </a:t>
+            </a:r>
+            <a:r>
+              <a:rPr lang="en-US" sz="1200" b="0" i="1" u="none" strike="noStrike" kern="1200" baseline="0" dirty="0">
+                <a:solidFill>
+                  <a:schemeClr val="tx1"/>
+                </a:solidFill>
+                <a:latin typeface="Arial" charset="0"/>
+                <a:ea typeface="+mn-ea"/>
+                <a:cs typeface="+mn-cs"/>
+              </a:rPr>
+              <a:t>t</a:t>
+            </a:r>
+            <a:r>
+              <a:rPr lang="en-US" sz="1200" b="0" i="0" u="none" strike="noStrike" kern="1200" baseline="0" dirty="0">
+                <a:solidFill>
+                  <a:schemeClr val="tx1"/>
+                </a:solidFill>
+                <a:latin typeface="Arial" charset="0"/>
+                <a:ea typeface="+mn-ea"/>
+                <a:cs typeface="+mn-cs"/>
+              </a:rPr>
+              <a:t>-axis of the message).</a:t>
+            </a:r>
+          </a:p>
+          <a:p>
+            <a:r>
+              <a:rPr lang="de-DE" sz="1200" b="0" i="0" u="none" strike="noStrike" kern="1200" baseline="0" dirty="0">
+                <a:solidFill>
+                  <a:schemeClr val="tx1"/>
+                </a:solidFill>
+                <a:latin typeface="Arial" charset="0"/>
+                <a:ea typeface="+mn-ea"/>
+                <a:cs typeface="+mn-cs"/>
+              </a:rPr>
+              <a:t>The </a:t>
+            </a:r>
+            <a:r>
+              <a:rPr lang="de-DE" sz="1200" b="0" i="1" u="none" strike="noStrike" kern="1200" baseline="0" dirty="0" err="1">
+                <a:solidFill>
+                  <a:schemeClr val="tx1"/>
+                </a:solidFill>
+                <a:latin typeface="Arial" charset="0"/>
+                <a:ea typeface="+mn-ea"/>
+                <a:cs typeface="+mn-cs"/>
+              </a:rPr>
+              <a:t>dt</a:t>
+            </a:r>
+            <a:r>
+              <a:rPr lang="de-DE" sz="1200" b="0" i="1" u="none" strike="noStrike" kern="1200" baseline="0" dirty="0">
+                <a:solidFill>
+                  <a:schemeClr val="tx1"/>
+                </a:solidFill>
+                <a:latin typeface="Arial" charset="0"/>
+                <a:ea typeface="+mn-ea"/>
+                <a:cs typeface="+mn-cs"/>
+              </a:rPr>
+              <a:t> </a:t>
+            </a:r>
+            <a:r>
+              <a:rPr lang="de-DE" sz="1200" b="0" i="0" u="none" strike="noStrike" kern="1200" baseline="0" dirty="0" err="1">
+                <a:solidFill>
+                  <a:schemeClr val="tx1"/>
+                </a:solidFill>
+                <a:latin typeface="Arial" charset="0"/>
+                <a:ea typeface="+mn-ea"/>
+                <a:cs typeface="+mn-cs"/>
+              </a:rPr>
+              <a:t>value</a:t>
+            </a:r>
+            <a:r>
+              <a:rPr lang="de-DE" sz="1200" b="0" i="0" u="none" strike="noStrike" kern="1200" baseline="0" dirty="0">
+                <a:solidFill>
+                  <a:schemeClr val="tx1"/>
+                </a:solidFill>
+                <a:latin typeface="Arial" charset="0"/>
+                <a:ea typeface="+mn-ea"/>
+                <a:cs typeface="+mn-cs"/>
+              </a:rPr>
+              <a:t> </a:t>
+            </a:r>
+            <a:r>
+              <a:rPr lang="de-DE" sz="1200" b="0" i="0" u="none" strike="noStrike" kern="1200" baseline="0" dirty="0" err="1">
+                <a:solidFill>
+                  <a:schemeClr val="tx1"/>
+                </a:solidFill>
+                <a:latin typeface="Arial" charset="0"/>
+                <a:ea typeface="+mn-ea"/>
+                <a:cs typeface="+mn-cs"/>
+              </a:rPr>
+              <a:t>of</a:t>
+            </a:r>
+            <a:r>
+              <a:rPr lang="de-DE" sz="1200" b="0" i="0" u="none" strike="noStrike" kern="1200" baseline="0" dirty="0">
+                <a:solidFill>
+                  <a:schemeClr val="tx1"/>
+                </a:solidFill>
+                <a:latin typeface="Arial" charset="0"/>
+                <a:ea typeface="+mn-ea"/>
+                <a:cs typeface="+mn-cs"/>
+              </a:rPr>
+              <a:t> </a:t>
+            </a:r>
+            <a:r>
+              <a:rPr lang="en-US" sz="1200" b="0" i="0" u="none" strike="noStrike" kern="1200" baseline="0" dirty="0">
+                <a:solidFill>
+                  <a:schemeClr val="tx1"/>
+                </a:solidFill>
+                <a:latin typeface="Arial" charset="0"/>
+                <a:ea typeface="+mn-ea"/>
+                <a:cs typeface="+mn-cs"/>
+              </a:rPr>
+              <a:t>the message represents the temporal tolerance specified by the </a:t>
+            </a:r>
+            <a:r>
+              <a:rPr lang="de-DE" sz="1200" b="0" i="0" u="none" strike="noStrike" kern="1200" baseline="0" dirty="0" err="1">
+                <a:solidFill>
+                  <a:schemeClr val="tx1"/>
+                </a:solidFill>
+                <a:latin typeface="Arial" charset="0"/>
+                <a:ea typeface="+mn-ea"/>
+                <a:cs typeface="+mn-cs"/>
+              </a:rPr>
+              <a:t>user</a:t>
+            </a:r>
+            <a:r>
+              <a:rPr lang="de-DE" sz="1200" b="0" i="0" u="none" strike="noStrike" kern="1200" baseline="0" dirty="0">
+                <a:solidFill>
+                  <a:schemeClr val="tx1"/>
+                </a:solidFill>
+                <a:latin typeface="Arial" charset="0"/>
+                <a:ea typeface="+mn-ea"/>
+                <a:cs typeface="+mn-cs"/>
+              </a:rPr>
+              <a:t>. </a:t>
+            </a:r>
+            <a:r>
+              <a:rPr lang="en-US" sz="1200" b="0" i="0" u="none" strike="noStrike" kern="1200" baseline="0" dirty="0">
+                <a:solidFill>
+                  <a:schemeClr val="tx1"/>
+                </a:solidFill>
+                <a:latin typeface="Arial" charset="0"/>
+                <a:ea typeface="+mn-ea"/>
+                <a:cs typeface="+mn-cs"/>
+              </a:rPr>
+              <a:t>Similarly, </a:t>
+            </a:r>
+            <a:r>
+              <a:rPr lang="en-US" sz="1200" b="0" i="1" u="none" strike="noStrike" kern="1200" baseline="0" dirty="0">
+                <a:solidFill>
+                  <a:schemeClr val="tx1"/>
+                </a:solidFill>
+                <a:latin typeface="Arial" charset="0"/>
+                <a:ea typeface="+mn-ea"/>
+                <a:cs typeface="+mn-cs"/>
+              </a:rPr>
+              <a:t>dx </a:t>
+            </a:r>
+            <a:r>
+              <a:rPr lang="en-US" sz="1200" b="0" i="0" u="none" strike="noStrike" kern="1200" baseline="0" dirty="0">
+                <a:solidFill>
+                  <a:schemeClr val="tx1"/>
+                </a:solidFill>
+                <a:latin typeface="Arial" charset="0"/>
+                <a:ea typeface="+mn-ea"/>
+                <a:cs typeface="+mn-cs"/>
+              </a:rPr>
+              <a:t>and </a:t>
+            </a:r>
+            <a:r>
+              <a:rPr lang="en-US" sz="1200" b="0" i="1" u="none" strike="noStrike" kern="1200" baseline="0" dirty="0" err="1">
+                <a:solidFill>
+                  <a:schemeClr val="tx1"/>
+                </a:solidFill>
+                <a:latin typeface="Arial" charset="0"/>
+                <a:ea typeface="+mn-ea"/>
+                <a:cs typeface="+mn-cs"/>
+              </a:rPr>
+              <a:t>dy</a:t>
+            </a:r>
+            <a:r>
+              <a:rPr lang="en-US" sz="1200" b="0" i="1" u="none" strike="noStrike" kern="1200" baseline="0" dirty="0">
+                <a:solidFill>
+                  <a:schemeClr val="tx1"/>
+                </a:solidFill>
+                <a:latin typeface="Arial" charset="0"/>
+                <a:ea typeface="+mn-ea"/>
+                <a:cs typeface="+mn-cs"/>
+              </a:rPr>
+              <a:t> </a:t>
+            </a:r>
+            <a:r>
+              <a:rPr lang="en-US" sz="1200" b="0" i="0" u="none" strike="noStrike" kern="1200" baseline="0" dirty="0">
+                <a:solidFill>
+                  <a:schemeClr val="tx1"/>
+                </a:solidFill>
+                <a:latin typeface="Arial" charset="0"/>
+                <a:ea typeface="+mn-ea"/>
+                <a:cs typeface="+mn-cs"/>
+              </a:rPr>
+              <a:t>specify the tolerances with</a:t>
+            </a:r>
+          </a:p>
+          <a:p>
+            <a:r>
+              <a:rPr lang="de-DE" sz="1200" b="0" i="0" u="none" strike="noStrike" kern="1200" baseline="0" dirty="0">
+                <a:solidFill>
+                  <a:schemeClr val="tx1"/>
+                </a:solidFill>
+                <a:latin typeface="Arial" charset="0"/>
+                <a:ea typeface="+mn-ea"/>
+                <a:cs typeface="+mn-cs"/>
+              </a:rPr>
+              <a:t>3 </a:t>
+            </a:r>
+            <a:r>
+              <a:rPr lang="en-US" sz="1200" b="0" i="0" u="none" strike="noStrike" kern="1200" baseline="0" dirty="0">
+                <a:solidFill>
+                  <a:schemeClr val="tx1"/>
+                </a:solidFill>
+                <a:latin typeface="Arial" charset="0"/>
+                <a:ea typeface="+mn-ea"/>
+                <a:cs typeface="+mn-cs"/>
+              </a:rPr>
+              <a:t>respect to the spatial dimensions. The values of these three parameters are dependent on the requirements of the external</a:t>
+            </a:r>
+          </a:p>
+          <a:p>
+            <a:r>
+              <a:rPr lang="en-US" sz="1200" b="0" i="0" u="none" strike="noStrike" kern="1200" baseline="0" dirty="0">
+                <a:solidFill>
+                  <a:schemeClr val="tx1"/>
+                </a:solidFill>
+                <a:latin typeface="Arial" charset="0"/>
+                <a:ea typeface="+mn-ea"/>
+                <a:cs typeface="+mn-cs"/>
+              </a:rPr>
+              <a:t>LBS and users’ preferences with regard to quality of service. For instance, larger spatial tolerances may result in less accurate</a:t>
+            </a:r>
+          </a:p>
+          <a:p>
+            <a:r>
+              <a:rPr lang="en-US" sz="1200" b="0" i="0" u="none" strike="noStrike" kern="1200" baseline="0" dirty="0">
+                <a:solidFill>
+                  <a:schemeClr val="tx1"/>
+                </a:solidFill>
+                <a:latin typeface="Arial" charset="0"/>
+                <a:ea typeface="+mn-ea"/>
+                <a:cs typeface="+mn-cs"/>
+              </a:rPr>
+              <a:t>results to location-dependent service requests and larger temporal tolerances may result in higher latencies of the messages.</a:t>
+            </a:r>
+            <a:endParaRPr lang="de-DE" dirty="0"/>
+          </a:p>
+        </p:txBody>
+      </p:sp>
+      <p:sp>
+        <p:nvSpPr>
+          <p:cNvPr id="4" name="Foliennummernplatzhalter 3"/>
+          <p:cNvSpPr>
+            <a:spLocks noGrp="1"/>
+          </p:cNvSpPr>
+          <p:nvPr>
+            <p:ph type="sldNum" sz="quarter" idx="10"/>
+          </p:nvPr>
+        </p:nvSpPr>
+        <p:spPr/>
+        <p:txBody>
+          <a:bodyPr/>
+          <a:lstStyle/>
+          <a:p>
+            <a:pPr>
+              <a:defRPr/>
+            </a:pPr>
+            <a:fld id="{4351B0B5-D942-48DD-B88D-7AC11D76AF21}" type="slidenum">
+              <a:rPr lang="de-DE" smtClean="0"/>
+              <a:pPr>
+                <a:defRPr/>
+              </a:pPr>
+              <a:t>20</a:t>
+            </a:fld>
+            <a:endParaRPr lang="de-DE"/>
+          </a:p>
+        </p:txBody>
+      </p:sp>
+    </p:spTree>
+    <p:extLst>
+      <p:ext uri="{BB962C8B-B14F-4D97-AF65-F5344CB8AC3E}">
+        <p14:creationId xmlns:p14="http://schemas.microsoft.com/office/powerpoint/2010/main" val="539691595"/>
+      </p:ext>
+    </p:extLst>
+  </p:cSld>
+  <p:clrMapOvr>
+    <a:masterClrMapping/>
+  </p:clrMapOvr>
+</p:notes>
+</file>
+
+<file path=ppt/notesSlides/notesSlide9.xml><?xml version="1.0" encoding="utf-8"?>
+<p:notes xmlns:a="http://schemas.openxmlformats.org/drawingml/2006/main" xmlns:r="http://schemas.openxmlformats.org/officeDocument/2006/relationships" xmlns:p="http://schemas.openxmlformats.org/presentationml/2006/main">
+  <p:cSld>
+    <p:spTree>
+      <p:nvGrpSpPr>
+        <p:cNvPr id="1" name=""/>
+        <p:cNvGrpSpPr/>
+        <p:nvPr/>
+      </p:nvGrpSpPr>
+      <p:grpSpPr>
+        <a:xfrm>
+          <a:off x="0" y="0"/>
+          <a:ext cx="0" cy="0"/>
+          <a:chOff x="0" y="0"/>
+          <a:chExt cx="0" cy="0"/>
+        </a:xfrm>
+      </p:grpSpPr>
+      <p:sp>
+        <p:nvSpPr>
+          <p:cNvPr id="2" name="Folienbildplatzhalter 1"/>
+          <p:cNvSpPr>
+            <a:spLocks noGrp="1" noRot="1" noChangeAspect="1"/>
+          </p:cNvSpPr>
+          <p:nvPr>
+            <p:ph type="sldImg"/>
+          </p:nvPr>
+        </p:nvSpPr>
+        <p:spPr/>
+      </p:sp>
+      <p:sp>
+        <p:nvSpPr>
+          <p:cNvPr id="3" name="Notizenplatzhalter 2"/>
+          <p:cNvSpPr>
+            <a:spLocks noGrp="1"/>
+          </p:cNvSpPr>
+          <p:nvPr>
+            <p:ph type="body" idx="1"/>
+          </p:nvPr>
+        </p:nvSpPr>
+        <p:spPr/>
+        <p:txBody>
+          <a:bodyPr/>
+          <a:lstStyle/>
+          <a:p>
+            <a:r>
+              <a:rPr lang="en-US" sz="1200" b="0" i="0" u="none" strike="noStrike" kern="1200" baseline="0" dirty="0">
+                <a:solidFill>
+                  <a:schemeClr val="tx1"/>
+                </a:solidFill>
+                <a:latin typeface="Arial" charset="0"/>
+                <a:ea typeface="+mn-ea"/>
+                <a:cs typeface="+mn-cs"/>
+              </a:rPr>
+              <a:t>Transaction data is usually high-dimensional. For example, Amazon.com has several</a:t>
+            </a:r>
+          </a:p>
+          <a:p>
+            <a:r>
+              <a:rPr lang="en-US" sz="1200" b="0" i="0" u="none" strike="noStrike" kern="1200" baseline="0" dirty="0">
+                <a:solidFill>
+                  <a:schemeClr val="tx1"/>
+                </a:solidFill>
+                <a:latin typeface="Arial" charset="0"/>
+                <a:ea typeface="+mn-ea"/>
+                <a:cs typeface="+mn-cs"/>
+              </a:rPr>
+              <a:t>million catalog items. Each dimension could be a potential </a:t>
+            </a:r>
+            <a:r>
+              <a:rPr lang="en-US" sz="1200" b="0" i="1" u="none" strike="noStrike" kern="1200" baseline="0" dirty="0">
+                <a:solidFill>
+                  <a:schemeClr val="tx1"/>
+                </a:solidFill>
+                <a:latin typeface="Arial" charset="0"/>
+                <a:ea typeface="+mn-ea"/>
+                <a:cs typeface="+mn-cs"/>
+              </a:rPr>
+              <a:t>QID </a:t>
+            </a:r>
+            <a:r>
+              <a:rPr lang="en-US" sz="1200" b="0" i="0" u="none" strike="noStrike" kern="1200" baseline="0" dirty="0">
+                <a:solidFill>
+                  <a:schemeClr val="tx1"/>
+                </a:solidFill>
+                <a:latin typeface="Arial" charset="0"/>
+                <a:ea typeface="+mn-ea"/>
+                <a:cs typeface="+mn-cs"/>
+              </a:rPr>
+              <a:t>attribute used</a:t>
+            </a:r>
+          </a:p>
+          <a:p>
+            <a:r>
+              <a:rPr lang="en-US" sz="1200" b="0" i="0" u="none" strike="noStrike" kern="1200" baseline="0" dirty="0">
+                <a:solidFill>
+                  <a:schemeClr val="tx1"/>
+                </a:solidFill>
+                <a:latin typeface="Arial" charset="0"/>
+                <a:ea typeface="+mn-ea"/>
+                <a:cs typeface="+mn-cs"/>
+              </a:rPr>
+              <a:t>for record or attribute linkages; therefore, employing traditional privacy models, such</a:t>
+            </a:r>
+          </a:p>
+          <a:p>
+            <a:r>
+              <a:rPr lang="en-US" sz="1200" b="0" i="0" u="none" strike="noStrike" kern="1200" baseline="0" dirty="0">
+                <a:solidFill>
+                  <a:schemeClr val="tx1"/>
+                </a:solidFill>
+                <a:latin typeface="Arial" charset="0"/>
+                <a:ea typeface="+mn-ea"/>
+                <a:cs typeface="+mn-cs"/>
+              </a:rPr>
+              <a:t>as </a:t>
+            </a:r>
+            <a:r>
+              <a:rPr lang="en-US" sz="1200" b="0" i="1" u="none" strike="noStrike" kern="1200" baseline="0" dirty="0">
+                <a:solidFill>
+                  <a:schemeClr val="tx1"/>
+                </a:solidFill>
+                <a:latin typeface="Arial" charset="0"/>
+                <a:ea typeface="+mn-ea"/>
+                <a:cs typeface="+mn-cs"/>
+              </a:rPr>
+              <a:t>k</a:t>
+            </a:r>
+            <a:r>
+              <a:rPr lang="en-US" sz="1200" b="0" i="0" u="none" strike="noStrike" kern="1200" baseline="0" dirty="0">
+                <a:solidFill>
+                  <a:schemeClr val="tx1"/>
+                </a:solidFill>
+                <a:latin typeface="Arial" charset="0"/>
+                <a:ea typeface="+mn-ea"/>
+                <a:cs typeface="+mn-cs"/>
+              </a:rPr>
+              <a:t>-anonymity, would require including all dimensions into a single </a:t>
+            </a:r>
+            <a:r>
+              <a:rPr lang="en-US" sz="1200" b="0" i="1" u="none" strike="noStrike" kern="1200" baseline="0" dirty="0">
+                <a:solidFill>
+                  <a:schemeClr val="tx1"/>
+                </a:solidFill>
+                <a:latin typeface="Arial" charset="0"/>
+                <a:ea typeface="+mn-ea"/>
+                <a:cs typeface="+mn-cs"/>
+              </a:rPr>
+              <a:t>QID</a:t>
+            </a:r>
+            <a:r>
+              <a:rPr lang="en-US" sz="1200" b="0" i="0" u="none" strike="noStrike" kern="1200" baseline="0" dirty="0">
+                <a:solidFill>
+                  <a:schemeClr val="tx1"/>
+                </a:solidFill>
+                <a:latin typeface="Arial" charset="0"/>
+                <a:ea typeface="+mn-ea"/>
+                <a:cs typeface="+mn-cs"/>
+              </a:rPr>
+              <a:t>.</a:t>
+            </a:r>
+          </a:p>
+          <a:p>
+            <a:endParaRPr lang="en-US" sz="1200" b="0" i="0" u="none" strike="noStrike" kern="1200" baseline="0" dirty="0">
+              <a:solidFill>
+                <a:schemeClr val="tx1"/>
+              </a:solidFill>
+              <a:latin typeface="Arial" charset="0"/>
+              <a:ea typeface="+mn-ea"/>
+              <a:cs typeface="+mn-cs"/>
+            </a:endParaRPr>
+          </a:p>
+          <a:p>
+            <a:r>
+              <a:rPr lang="de-DE" sz="1200" b="0" i="0" u="none" strike="noStrike" kern="1200" baseline="0" dirty="0">
+                <a:solidFill>
+                  <a:schemeClr val="tx1"/>
+                </a:solidFill>
+                <a:latin typeface="Arial" charset="0"/>
+                <a:ea typeface="+mn-ea"/>
+                <a:cs typeface="+mn-cs"/>
+              </a:rPr>
+              <a:t>Due to the</a:t>
+            </a:r>
+          </a:p>
+          <a:p>
+            <a:r>
+              <a:rPr lang="en-US" sz="1200" b="0" i="0" u="none" strike="noStrike" kern="1200" baseline="0" dirty="0">
+                <a:solidFill>
+                  <a:schemeClr val="tx1"/>
+                </a:solidFill>
+                <a:latin typeface="Arial" charset="0"/>
+                <a:ea typeface="+mn-ea"/>
+                <a:cs typeface="+mn-cs"/>
+              </a:rPr>
+              <a:t>curse of high-dimensionality [Aggarwal 2005], it is very likely that lots of data has to</a:t>
+            </a:r>
+          </a:p>
+          <a:p>
+            <a:r>
+              <a:rPr lang="en-US" sz="1200" b="0" i="0" u="none" strike="noStrike" kern="1200" baseline="0" dirty="0">
+                <a:solidFill>
+                  <a:schemeClr val="tx1"/>
+                </a:solidFill>
+                <a:latin typeface="Arial" charset="0"/>
+                <a:ea typeface="+mn-ea"/>
+                <a:cs typeface="+mn-cs"/>
+              </a:rPr>
+              <a:t>be suppressed or generalized to the top-most values in order to satisfy </a:t>
+            </a:r>
+            <a:r>
+              <a:rPr lang="en-US" sz="1200" b="0" i="1" u="none" strike="noStrike" kern="1200" baseline="0" dirty="0">
+                <a:solidFill>
+                  <a:schemeClr val="tx1"/>
+                </a:solidFill>
+                <a:latin typeface="Arial" charset="0"/>
+                <a:ea typeface="+mn-ea"/>
+                <a:cs typeface="+mn-cs"/>
+              </a:rPr>
+              <a:t>k</a:t>
+            </a:r>
+            <a:r>
+              <a:rPr lang="en-US" sz="1200" b="0" i="0" u="none" strike="noStrike" kern="1200" baseline="0" dirty="0">
+                <a:solidFill>
+                  <a:schemeClr val="tx1"/>
+                </a:solidFill>
+                <a:latin typeface="Arial" charset="0"/>
+                <a:ea typeface="+mn-ea"/>
+                <a:cs typeface="+mn-cs"/>
+              </a:rPr>
+              <a:t>-anonymity,</a:t>
+            </a:r>
+          </a:p>
+          <a:p>
+            <a:r>
+              <a:rPr lang="en-US" sz="1200" b="0" i="0" u="none" strike="noStrike" kern="1200" baseline="0" dirty="0">
+                <a:solidFill>
+                  <a:schemeClr val="tx1"/>
+                </a:solidFill>
+                <a:latin typeface="Arial" charset="0"/>
+                <a:ea typeface="+mn-ea"/>
+                <a:cs typeface="+mn-cs"/>
+              </a:rPr>
+              <a:t>even if </a:t>
+            </a:r>
+            <a:r>
+              <a:rPr lang="en-US" sz="1200" b="0" i="1" u="none" strike="noStrike" kern="1200" baseline="0" dirty="0">
+                <a:solidFill>
+                  <a:schemeClr val="tx1"/>
+                </a:solidFill>
+                <a:latin typeface="Arial" charset="0"/>
+                <a:ea typeface="+mn-ea"/>
+                <a:cs typeface="+mn-cs"/>
+              </a:rPr>
+              <a:t>k </a:t>
+            </a:r>
+            <a:r>
+              <a:rPr lang="en-US" sz="1200" b="0" i="0" u="none" strike="noStrike" kern="1200" baseline="0" dirty="0">
+                <a:solidFill>
+                  <a:schemeClr val="tx1"/>
+                </a:solidFill>
+                <a:latin typeface="Arial" charset="0"/>
+                <a:ea typeface="+mn-ea"/>
+                <a:cs typeface="+mn-cs"/>
+              </a:rPr>
+              <a:t>is small. Obviously, such anonymous data is useless for data analysis.</a:t>
+            </a:r>
+          </a:p>
+          <a:p>
+            <a:endParaRPr lang="en-US" sz="1200" b="0" i="0" u="none" strike="noStrike" kern="1200" baseline="0" dirty="0">
+              <a:solidFill>
+                <a:schemeClr val="tx1"/>
+              </a:solidFill>
+              <a:latin typeface="Arial" charset="0"/>
+              <a:ea typeface="+mn-ea"/>
+              <a:cs typeface="+mn-cs"/>
+            </a:endParaRPr>
+          </a:p>
+          <a:p>
+            <a:r>
+              <a:rPr lang="en-US" sz="1200" b="0" i="0" u="none" strike="noStrike" kern="1200" baseline="0" dirty="0">
+                <a:solidFill>
+                  <a:schemeClr val="tx1"/>
+                </a:solidFill>
+                <a:latin typeface="Arial" charset="0"/>
+                <a:ea typeface="+mn-ea"/>
+                <a:cs typeface="+mn-cs"/>
+              </a:rPr>
               <a:t>In such cases, many attributes (</a:t>
             </a:r>
             <a:r>
@@ -5102,7 +5263,7 @@
               <a:t>information</a:t>
             </a:r>
             <a:r>
-              <a:rPr lang="de-DE" sz="1200" b="0" i="0" u="none" strike="noStrike" kern="1200" baseline="0">
+              <a:rPr lang="de-DE" sz="1200" b="0" i="0" u="none" strike="noStrike" kern="1200" baseline="0" dirty="0">
                 <a:solidFill>
                   <a:schemeClr val="tx1"/>
                 </a:solidFill>
@@ -8484,177 +8645,6 @@
           <a:chExt cx="0" cy="0"/>
         </a:xfrm>
       </p:grpSpPr>
-      <p:sp>
-        <p:nvSpPr>
-          <p:cNvPr id="2" name="Textplatzhalter 1">
-            <a:extLst>
-              <a:ext uri="{FF2B5EF4-FFF2-40B4-BE49-F238E27FC236}">
-                <a16:creationId xmlns:a16="http://schemas.microsoft.com/office/drawing/2014/main" id="{7C32DD69-3EF5-415C-990C-1E48C3A326C4}"/>
-              </a:ext>
-            </a:extLst>
-          </p:cNvPr>
-          <p:cNvSpPr>
-            <a:spLocks noGrp="1"/>
-          </p:cNvSpPr>
-          <p:nvPr>
-            <p:ph type="body" sz="quarter" idx="13"/>
-          </p:nvPr>
-        </p:nvSpPr>
-        <p:spPr/>
-        <p:txBody>
-          <a:bodyPr/>
-          <a:lstStyle/>
-          <a:p>
-            <a:r>
-              <a:rPr lang="en-US"/>
-              <a:t>Suppression refers to removing a certain attribute value</a:t>
-            </a:r>
-            <a:endParaRPr lang="en-US" i="1"/>
-          </a:p>
-          <a:p>
-            <a:r>
-              <a:rPr lang="en-US"/>
-              <a:t>Some algorthim work with maxsup</a:t>
-            </a:r>
-          </a:p>
-          <a:p>
-            <a:r>
-              <a:rPr lang="en-US"/>
-              <a:t>The idea of generalizing an attribute is a simple concept. A value is replaced by a less specific, more general value that is faithful to the original.</a:t>
-            </a:r>
-          </a:p>
-          <a:p>
-            <a:r>
-              <a:rPr lang="en-US"/>
-              <a:t>Generalization incluce suppression </a:t>
-            </a:r>
-          </a:p>
-          <a:p>
-            <a:r>
-              <a:rPr lang="en-US"/>
-              <a:t>There is no compination between optimal k-anonymity and dataquality</a:t>
-            </a:r>
-            <a:endParaRPr lang="de-DE" dirty="0"/>
-          </a:p>
-        </p:txBody>
-      </p:sp>
-      <p:sp>
-        <p:nvSpPr>
-          <p:cNvPr id="3" name="Datumsplatzhalter 2">
-            <a:extLst>
-              <a:ext uri="{FF2B5EF4-FFF2-40B4-BE49-F238E27FC236}">
-                <a16:creationId xmlns:a16="http://schemas.microsoft.com/office/drawing/2014/main" id="{3B376E2D-21B0-4BCB-B6B7-6911665926D4}"/>
-              </a:ext>
-            </a:extLst>
-          </p:cNvPr>
-          <p:cNvSpPr>
-            <a:spLocks noGrp="1"/>
-          </p:cNvSpPr>
-          <p:nvPr>
-            <p:ph type="dt" sz="half" idx="14"/>
-          </p:nvPr>
-        </p:nvSpPr>
-        <p:spPr/>
-        <p:txBody>
-          <a:bodyPr/>
-          <a:lstStyle/>
-          <a:p>
-            <a:r>
-              <a:rPr lang="de-DE"/>
-              <a:t>30.01.2018</a:t>
-            </a:r>
-            <a:endParaRPr lang="de-DE" dirty="0"/>
-          </a:p>
-        </p:txBody>
-      </p:sp>
-      <p:sp>
-        <p:nvSpPr>
-          <p:cNvPr id="4" name="Fußzeilenplatzhalter 3">
-            <a:extLst>
-              <a:ext uri="{FF2B5EF4-FFF2-40B4-BE49-F238E27FC236}">
-                <a16:creationId xmlns:a16="http://schemas.microsoft.com/office/drawing/2014/main" id="{7F4344EE-8113-4041-BDC8-BFC34AA277B9}"/>
-              </a:ext>
-            </a:extLst>
-          </p:cNvPr>
-          <p:cNvSpPr>
-            <a:spLocks noGrp="1"/>
-          </p:cNvSpPr>
-          <p:nvPr>
-            <p:ph type="ftr" sz="quarter" idx="15"/>
-          </p:nvPr>
-        </p:nvSpPr>
-        <p:spPr/>
-        <p:txBody>
-          <a:bodyPr/>
-          <a:lstStyle/>
-          <a:p>
-            <a:r>
-              <a:rPr lang="de-DE"/>
-              <a:t>Schallner Ludwig, Wiegnand Andreas</a:t>
-            </a:r>
-            <a:endParaRPr lang="de-DE" dirty="0"/>
-          </a:p>
-        </p:txBody>
-      </p:sp>
-      <p:sp>
-        <p:nvSpPr>
-          <p:cNvPr id="5" name="Foliennummernplatzhalter 4">
-            <a:extLst>
-              <a:ext uri="{FF2B5EF4-FFF2-40B4-BE49-F238E27FC236}">
-                <a16:creationId xmlns:a16="http://schemas.microsoft.com/office/drawing/2014/main" id="{AE20C96D-28EE-47F2-8898-160717279F6F}"/>
-              </a:ext>
-            </a:extLst>
-          </p:cNvPr>
-          <p:cNvSpPr>
-            <a:spLocks noGrp="1"/>
-          </p:cNvSpPr>
-          <p:nvPr>
-            <p:ph type="sldNum" sz="quarter" idx="16"/>
-          </p:nvPr>
-        </p:nvSpPr>
-        <p:spPr/>
-        <p:txBody>
-          <a:bodyPr/>
-          <a:lstStyle/>
-          <a:p>
-            <a:fld id="{50E76E58-F275-47A3-BB17-470016A267B6}" type="slidenum">
-              <a:rPr lang="de-DE" smtClean="0"/>
-              <a:pPr/>
-              <a:t>14</a:t>
-            </a:fld>
-            <a:endParaRPr lang="de-DE"/>
-          </a:p>
-        </p:txBody>
-      </p:sp>
-      <p:sp>
-        <p:nvSpPr>
-          <p:cNvPr id="6" name="Titel 5">
-            <a:extLst>
-              <a:ext uri="{FF2B5EF4-FFF2-40B4-BE49-F238E27FC236}">
-                <a16:creationId xmlns:a16="http://schemas.microsoft.com/office/drawing/2014/main" id="{F4C53128-9BE4-4961-B2C1-5007447E2543}"/>
-              </a:ext>
-            </a:extLst>
-          </p:cNvPr>
-          <p:cNvSpPr>
-            <a:spLocks noGrp="1"/>
-          </p:cNvSpPr>
-          <p:nvPr>
-            <p:ph type="title"/>
-          </p:nvPr>
-        </p:nvSpPr>
-        <p:spPr/>
-        <p:txBody>
-          <a:bodyPr/>
-          <a:lstStyle/>
-          <a:p>
-            <a:r>
-              <a:rPr lang="de-DE"/>
-              <a:t>K-Anonymity Generalization and Supression</a:t>
-            </a:r>
-            <a:endParaRPr lang="de-DE" dirty="0"/>
-          </a:p>
-        </p:txBody>
-      </p:sp>
       <p:pic>
         <p:nvPicPr>
           <p:cNvPr id="7" name="Grafik 6">
@@ -8685,6 +8675,226 @@
           </a:prstGeom>
         </p:spPr>
       </p:pic>
+      <p:sp>
+        <p:nvSpPr>
+          <p:cNvPr id="2" name="Textplatzhalter 1">
+            <a:extLst>
+              <a:ext uri="{FF2B5EF4-FFF2-40B4-BE49-F238E27FC236}">
+                <a16:creationId xmlns:a16="http://schemas.microsoft.com/office/drawing/2014/main" id="{7C32DD69-3EF5-415C-990C-1E48C3A326C4}"/>
+              </a:ext>
+            </a:extLst>
+          </p:cNvPr>
+          <p:cNvSpPr>
+            <a:spLocks noGrp="1"/>
+          </p:cNvSpPr>
+          <p:nvPr>
+            <p:ph type="body" sz="quarter" idx="13"/>
+          </p:nvPr>
+        </p:nvSpPr>
+        <p:spPr/>
+        <p:txBody>
+          <a:bodyPr/>
+          <a:lstStyle/>
+          <a:p>
+            <a:r>
+              <a:rPr lang="en-US" dirty="0"/>
+              <a:t>Suppression refers to removing a certain attribute value</a:t>
+            </a:r>
+            <a:endParaRPr lang="en-US" i="1" dirty="0"/>
+          </a:p>
+          <a:p>
+            <a:r>
+              <a:rPr lang="en-US" dirty="0"/>
+              <a:t>Some </a:t>
+            </a:r>
+            <a:r>
+              <a:rPr lang="en-US" dirty="0" err="1"/>
+              <a:t>algorthim</a:t>
+            </a:r>
+            <a:r>
+              <a:rPr lang="en-US" dirty="0"/>
+              <a:t> work with </a:t>
+            </a:r>
+            <a:r>
+              <a:rPr lang="en-US" dirty="0" err="1"/>
+              <a:t>maxsup</a:t>
+            </a:r>
+            <a:endParaRPr lang="en-US" dirty="0"/>
+          </a:p>
+          <a:p>
+            <a:r>
+              <a:rPr lang="en-US" dirty="0"/>
+              <a:t>Generalizing: a value is replaced by a less specific, more general value </a:t>
+            </a:r>
+          </a:p>
+          <a:p>
+            <a:r>
+              <a:rPr lang="en-US" dirty="0"/>
+              <a:t>Generalization include Suppression </a:t>
+            </a:r>
+          </a:p>
+          <a:p>
+            <a:r>
+              <a:rPr lang="en-US" dirty="0"/>
+              <a:t>There is no </a:t>
+            </a:r>
+            <a:r>
+              <a:rPr lang="en-US" dirty="0" err="1"/>
+              <a:t>compination</a:t>
+            </a:r>
+            <a:r>
+              <a:rPr lang="en-US" dirty="0"/>
+              <a:t> between optimal k-anonymity and </a:t>
+            </a:r>
+            <a:r>
+              <a:rPr lang="en-US" dirty="0" err="1"/>
+              <a:t>dataquality</a:t>
+            </a:r>
+            <a:endParaRPr lang="en-US" dirty="0"/>
+          </a:p>
+          <a:p>
+            <a:r>
+              <a:rPr lang="en-US" dirty="0"/>
+              <a:t>Problem: </a:t>
+            </a:r>
+            <a:r>
+              <a:rPr lang="en-US" dirty="0" err="1"/>
+              <a:t>Supression</a:t>
+            </a:r>
+            <a:r>
+              <a:rPr lang="en-US" dirty="0"/>
+              <a:t> can drastically</a:t>
+            </a:r>
+          </a:p>
+          <a:p>
+            <a:pPr marL="0" indent="0">
+              <a:buNone/>
+            </a:pPr>
+            <a:r>
+              <a:rPr lang="en-US" dirty="0"/>
+              <a:t>   reduce data quality</a:t>
+            </a:r>
+            <a:endParaRPr lang="de-DE" dirty="0"/>
+          </a:p>
+        </p:txBody>
+      </p:sp>
+      <p:sp>
+        <p:nvSpPr>
+          <p:cNvPr id="3" name="Datumsplatzhalter 2">
+            <a:extLst>
+              <a:ext uri="{FF2B5EF4-FFF2-40B4-BE49-F238E27FC236}">
+                <a16:creationId xmlns:a16="http://schemas.microsoft.com/office/drawing/2014/main" id="{3B376E2D-21B0-4BCB-B6B7-6911665926D4}"/>
+              </a:ext>
+            </a:extLst>
+          </p:cNvPr>
+          <p:cNvSpPr>
+            <a:spLocks noGrp="1"/>
+          </p:cNvSpPr>
+          <p:nvPr>
+            <p:ph type="dt" sz="half" idx="14"/>
+          </p:nvPr>
+        </p:nvSpPr>
+        <p:spPr/>
+        <p:txBody>
+          <a:bodyPr/>
+          <a:lstStyle/>
+          <a:p>
+            <a:r>
+              <a:rPr lang="de-DE"/>
+              <a:t>30.01.2018</a:t>
+            </a:r>
+            <a:endParaRPr lang="de-DE" dirty="0"/>
+          </a:p>
+        </p:txBody>
+      </p:sp>
+      <p:sp>
+        <p:nvSpPr>
+          <p:cNvPr id="4" name="Fußzeilenplatzhalter 3">
+            <a:extLst>
+              <a:ext uri="{FF2B5EF4-FFF2-40B4-BE49-F238E27FC236}">
+                <a16:creationId xmlns:a16="http://schemas.microsoft.com/office/drawing/2014/main" id="{7F4344EE-8113-4041-BDC8-BFC34AA277B9}"/>
+              </a:ext>
+            </a:extLst>
+          </p:cNvPr>
+          <p:cNvSpPr>
+            <a:spLocks noGrp="1"/>
+          </p:cNvSpPr>
+          <p:nvPr>
+            <p:ph type="ftr" sz="quarter" idx="15"/>
+          </p:nvPr>
+        </p:nvSpPr>
+        <p:spPr/>
+        <p:txBody>
+          <a:bodyPr/>
+          <a:lstStyle/>
+          <a:p>
+            <a:r>
+              <a:rPr lang="de-DE"/>
+              <a:t>Schallner Ludwig, Wiegnand Andreas</a:t>
+            </a:r>
+            <a:endParaRPr lang="de-DE" dirty="0"/>
+          </a:p>
+        </p:txBody>
+      </p:sp>
+      <p:sp>
+        <p:nvSpPr>
+          <p:cNvPr id="5" name="Foliennummernplatzhalter 4">
+            <a:extLst>
+              <a:ext uri="{FF2B5EF4-FFF2-40B4-BE49-F238E27FC236}">
+                <a16:creationId xmlns:a16="http://schemas.microsoft.com/office/drawing/2014/main" id="{AE20C96D-28EE-47F2-8898-160717279F6F}"/>
+              </a:ext>
+            </a:extLst>
+          </p:cNvPr>
+          <p:cNvSpPr>
+            <a:spLocks noGrp="1"/>
+          </p:cNvSpPr>
+          <p:nvPr>
+            <p:ph type="sldNum" sz="quarter" idx="16"/>
+          </p:nvPr>
+        </p:nvSpPr>
+        <p:spPr/>
+        <p:txBody>
+          <a:bodyPr/>
+          <a:lstStyle/>
+          <a:p>
+            <a:fld id="{50E76E58-F275-47A3-BB17-470016A267B6}" type="slidenum">
+              <a:rPr lang="de-DE" smtClean="0"/>
+              <a:pPr/>
+              <a:t>14</a:t>
+            </a:fld>
+            <a:endParaRPr lang="de-DE"/>
+          </a:p>
+        </p:txBody>
+      </p:sp>
+      <p:sp>
+        <p:nvSpPr>
+          <p:cNvPr id="6" name="Titel 5">
+            <a:extLst>
+              <a:ext uri="{FF2B5EF4-FFF2-40B4-BE49-F238E27FC236}">
+                <a16:creationId xmlns:a16="http://schemas.microsoft.com/office/drawing/2014/main" id="{F4C53128-9BE4-4961-B2C1-5007447E2543}"/>
+              </a:ext>
+            </a:extLst>
+          </p:cNvPr>
+          <p:cNvSpPr>
+            <a:spLocks noGrp="1"/>
+          </p:cNvSpPr>
+          <p:nvPr>
+            <p:ph type="title"/>
+          </p:nvPr>
+        </p:nvSpPr>
+        <p:spPr/>
+        <p:txBody>
+          <a:bodyPr/>
+          <a:lstStyle/>
+          <a:p>
+            <a:r>
+              <a:rPr lang="de-DE"/>
+              <a:t>K-Anonymity Generalization and Supression</a:t>
+            </a:r>
+            <a:endParaRPr lang="de-DE" dirty="0"/>
+          </a:p>
+        </p:txBody>
+      </p:sp>
       <p:sp>
         <p:nvSpPr>
           <p:cNvPr id="8" name="Textfeld 7">
@@ -8779,7 +8989,7 @@
           <p:nvPr/>
         </p:nvPicPr>
         <p:blipFill>
-          <a:blip r:embed="rId2"/>
+          <a:blip r:embed="rId3"/>
           <a:stretch>
             <a:fillRect/>
           </a:stretch>
@@ -8787,7 +8997,7 @@
         <p:spPr>
           <a:xfrm>
             <a:off x="373063" y="980728"/>
-            <a:ext cx="7870825" cy="4422654"/>
+            <a:ext cx="6766923" cy="3802366"/>
           </a:xfrm>
           <a:prstGeom prst="rect">
             <a:avLst/>
@@ -8925,8 +9135,8 @@
         </p:nvSpPr>
         <p:spPr>
           <a:xfrm>
-            <a:off x="659800" y="5422799"/>
-            <a:ext cx="11399217" cy="246221"/>
+            <a:off x="430213" y="4802511"/>
+            <a:ext cx="10248904" cy="246221"/>
           </a:xfrm>
           <a:prstGeom prst="rect">
             <a:avLst/>
@@ -8973,6 +9183,41 @@
               <a:t>16:670–682. DOI 10.1197/jamia.M3144.</a:t>
             </a:r>
             <a:endParaRPr lang="de-DE" sz="1000" dirty="0"/>
+          </a:p>
+        </p:txBody>
+      </p:sp>
+      <p:sp>
+        <p:nvSpPr>
+          <p:cNvPr id="2" name="Textfeld 1">
+            <a:extLst>
+              <a:ext uri="{FF2B5EF4-FFF2-40B4-BE49-F238E27FC236}">
+                <a16:creationId xmlns:a16="http://schemas.microsoft.com/office/drawing/2014/main" id="{E42CD5B6-2AC4-4E7D-B383-30C2611366DC}"/>
+              </a:ext>
+            </a:extLst>
+          </p:cNvPr>
+          <p:cNvSpPr txBox="1"/>
+          <p:nvPr/>
+        </p:nvSpPr>
+        <p:spPr>
+          <a:xfrm>
+            <a:off x="1668292" y="5394051"/>
+            <a:ext cx="4176464" cy="369332"/>
+          </a:xfrm>
+          <a:prstGeom prst="rect">
+            <a:avLst/>
+          </a:prstGeom>
+          <a:noFill/>
+        </p:spPr>
+        <p:txBody>
+          <a:bodyPr wrap="square" rtlCol="0">
+            <a:spAutoFit/>
+          </a:bodyPr>
+          <a:lstStyle/>
+          <a:p>
+            <a:r>
+              <a:rPr lang="de-DE" dirty="0"/>
+              <a:t>&lt;d1,g0,a4&gt;</a:t>
+            </a:r>
           </a:p>
         </p:txBody>
       </p:sp>
@@ -9475,51 +9720,23 @@
           <a:bodyPr/>
           <a:lstStyle/>
           <a:p>
-            <a:pPr marL="342900" indent="-342900">
-              <a:buFont typeface="+mj-lt"/>
-              <a:buAutoNum type="arabicPeriod"/>
-            </a:pPr>
             <a:r>
               <a:rPr lang="en-US" sz="1800" dirty="0"/>
               <a:t>For each generalization strategy, conduct a binary search to find all the k-anonymous nodes.</a:t>
             </a:r>
           </a:p>
           <a:p>
-            <a:pPr marL="342900" indent="-342900">
-              <a:buFont typeface="+mj-lt"/>
-              <a:buAutoNum type="arabicPeriod"/>
-            </a:pPr>
-            <a:r>
-              <a:rPr lang="en-US" sz="1800" dirty="0"/>
-              <a:t>For each generalization strategy with k-anonymous nodes, only the k-anonymous node with the lowest height within the strategy is retained. For example, in Figure 2 both nodes d0, g1, a1 and d0, g1, a2 are k-anonymous, but they are both part of the same generalization strategy and d0, g1, a1 is below d0, g1, a2 in the lattice. This means that d0, g1, a1 will have less information loss on all the three metrics we considered. The node d0, g1, a1 is called a </a:t>
-            </a:r>
-            <a:r>
-              <a:rPr lang="en-US" sz="1800" i="1" dirty="0"/>
-              <a:t>k</a:t>
-            </a:r>
-            <a:r>
-              <a:rPr lang="en-US" sz="1800" dirty="0"/>
-              <a:t>-</a:t>
-            </a:r>
-            <a:r>
-              <a:rPr lang="en-US" sz="1800" i="1" dirty="0"/>
-              <a:t>minimal node</a:t>
-            </a:r>
-            <a:r>
-              <a:rPr lang="en-US" sz="1800" dirty="0"/>
-              <a:t>. </a:t>
-            </a:r>
-          </a:p>
-          <a:p>
-            <a:pPr marL="342900" indent="-342900">
-              <a:buFont typeface="+mj-lt"/>
-              <a:buAutoNum type="arabicPeriod"/>
-            </a:pPr>
-            <a:r>
-              <a:rPr lang="en-US" sz="1800" dirty="0"/>
+            <a:r>
+              <a:rPr lang="en-US" sz="1600" dirty="0"/>
+              <a:t>For each generalization strategy with k-anonymous nodes, only the k-anonymous node with the lowest height within the strategy is retained. For example, in Figure 2 both nodes d0, g1, a1 and d0, g1, a2 are k-anonymous, but they are both part of the same generalization strategy and d0, g1, a1 is below d0, g1, a2 in the lattice. This means that d0, g1, a1 will have less information loss on all the three metrics we considered. The node d0, g1, a1 is called a k-minimal node. </a:t>
+            </a:r>
+          </a:p>
+          <a:p>
+            <a:r>
+              <a:rPr lang="en-US" sz="1600" dirty="0"/>
               <a:t>Now that we have the k-minimal nodes, these are compared n terms of their information loss and the node with the smallest information loss is selected as the globally optimal solution. Because of the monotonicity property, the k-minimal node with the smallest information loss must also have the smallest information loss among all k-anonymous nodes in the lattice.</a:t>
             </a:r>
-            <a:endParaRPr lang="de-DE" sz="1800" dirty="0"/>
+            <a:endParaRPr lang="de-DE" sz="1600" dirty="0"/>
           </a:p>
         </p:txBody>
       </p:sp>
@@ -9633,7 +9850,7 @@
           <a:lstStyle/>
           <a:p>
             <a:r>
-              <a:rPr lang="de-DE" b="1"/>
+              <a:rPr lang="de-DE"/>
               <a:t>The OLA Algorithm</a:t>
             </a:r>
             <a:endParaRPr lang="de-DE" dirty="0"/>
@@ -9672,10 +9889,10 @@
       </p:grpSpPr>
       <p:sp>
         <p:nvSpPr>
-          <p:cNvPr id="2" name="Titel 1">
-            <a:extLst>
-              <a:ext uri="{FF2B5EF4-FFF2-40B4-BE49-F238E27FC236}">
-                <a16:creationId xmlns:a16="http://schemas.microsoft.com/office/drawing/2014/main" id="{F630762F-ADDB-483B-8B3B-603DD9617461}"/>
+          <p:cNvPr id="5" name="Textplatzhalter 4">
+            <a:extLst>
+              <a:ext uri="{FF2B5EF4-FFF2-40B4-BE49-F238E27FC236}">
+                <a16:creationId xmlns:a16="http://schemas.microsoft.com/office/drawing/2014/main" id="{87651521-0381-4223-BDE6-C2A67D608413}"/>
               </a:ext>
             </a:extLst>
           </p:cNvPr>
@@ -9683,7 +9900,7 @@
             <a:spLocks noGrp="1"/>
           </p:cNvSpPr>
           <p:nvPr>
-            <p:ph type="title"/>
+            <p:ph type="body" sz="quarter" idx="13"/>
           </p:nvPr>
         </p:nvSpPr>
         <p:spPr/>
@@ -9692,26 +9909,98 @@
           <a:lstStyle/>
           <a:p>
             <a:r>
-              <a:rPr lang="de-DE" sz="2400" b="1" dirty="0"/>
-              <a:t>6. </a:t>
-            </a:r>
-            <a:r>
-              <a:rPr lang="de-DE" sz="2400" b="1" dirty="0" err="1"/>
-              <a:t>Datatyp</a:t>
-            </a:r>
-            <a:r>
-              <a:rPr lang="de-DE" sz="2400" b="1" dirty="0"/>
-              <a:t> - Moving </a:t>
-            </a:r>
-            <a:r>
-              <a:rPr lang="de-DE" sz="2400" b="1" dirty="0" err="1"/>
-              <a:t>Object</a:t>
-            </a:r>
-            <a:r>
-              <a:rPr lang="de-DE" sz="2400" b="1" dirty="0"/>
-              <a:t> Data</a:t>
-            </a:r>
-            <a:endParaRPr lang="de-DE" sz="2400" dirty="0"/>
+              <a:rPr lang="de-DE" dirty="0"/>
+              <a:t>Location-</a:t>
+            </a:r>
+            <a:r>
+              <a:rPr lang="de-DE" dirty="0" err="1"/>
+              <a:t>based</a:t>
+            </a:r>
+            <a:r>
+              <a:rPr lang="de-DE" dirty="0"/>
+              <a:t> </a:t>
+            </a:r>
+            <a:r>
+              <a:rPr lang="de-DE" dirty="0" err="1"/>
+              <a:t>services</a:t>
+            </a:r>
+            <a:r>
+              <a:rPr lang="de-DE" dirty="0"/>
+              <a:t> (LBS)</a:t>
+            </a:r>
+          </a:p>
+          <a:p>
+            <a:r>
+              <a:rPr lang="en-US" dirty="0"/>
+              <a:t>location k-anonymity demands that location information contained in a message sent from a mobile user to a LBS should be indistinguishable from at least k−1 other messages from different mobile nodes</a:t>
+            </a:r>
+          </a:p>
+          <a:p>
+            <a:r>
+              <a:rPr lang="de-DE" dirty="0"/>
+              <a:t>Location </a:t>
+            </a:r>
+            <a:r>
+              <a:rPr lang="de-DE" dirty="0" err="1"/>
+              <a:t>can</a:t>
+            </a:r>
+            <a:r>
+              <a:rPr lang="de-DE" dirty="0"/>
+              <a:t> </a:t>
+            </a:r>
+            <a:r>
+              <a:rPr lang="de-DE" dirty="0" err="1"/>
+              <a:t>be</a:t>
+            </a:r>
+            <a:r>
+              <a:rPr lang="de-DE" dirty="0"/>
+              <a:t> a quasi – </a:t>
+            </a:r>
+            <a:r>
+              <a:rPr lang="de-DE" dirty="0" err="1"/>
+              <a:t>Idendifier</a:t>
+            </a:r>
+            <a:r>
+              <a:rPr lang="de-DE" dirty="0"/>
+              <a:t> </a:t>
+            </a:r>
+          </a:p>
+          <a:p>
+            <a:r>
+              <a:rPr lang="de-DE" dirty="0" err="1"/>
+              <a:t>Spatial</a:t>
+            </a:r>
+            <a:r>
+              <a:rPr lang="de-DE" dirty="0"/>
+              <a:t> </a:t>
+            </a:r>
+            <a:r>
+              <a:rPr lang="de-DE" dirty="0" err="1"/>
+              <a:t>cloaking</a:t>
+            </a:r>
+            <a:r>
+              <a:rPr lang="de-DE" dirty="0"/>
+              <a:t> and Temporal </a:t>
+            </a:r>
+            <a:r>
+              <a:rPr lang="de-DE" dirty="0" err="1"/>
+              <a:t>cloaking</a:t>
+            </a:r>
+            <a:endParaRPr lang="de-DE" dirty="0"/>
+          </a:p>
+          <a:p>
+            <a:r>
+              <a:rPr lang="de-DE" dirty="0"/>
+              <a:t>Usability and </a:t>
+            </a:r>
+            <a:r>
+              <a:rPr lang="de-DE" dirty="0" err="1"/>
+              <a:t>anonymity</a:t>
+            </a:r>
+            <a:r>
+              <a:rPr lang="de-DE" dirty="0"/>
+              <a:t> </a:t>
+            </a:r>
           </a:p>
         </p:txBody>
       </p:sp>
@@ -9728,13 +10017,42 @@
             <a:spLocks noGrp="1"/>
           </p:cNvSpPr>
           <p:nvPr>
-            <p:ph type="dt" sz="half" idx="4294967295"/>
+            <p:ph type="dt" sz="half" idx="14"/>
+          </p:nvPr>
+        </p:nvSpPr>
+        <p:spPr/>
+        <p:txBody>
+          <a:bodyPr/>
+          <a:lstStyle/>
+          <a:p>
+            <a:r>
+              <a:rPr lang="de-DE"/>
+              <a:t>30.01.2017</a:t>
+            </a:r>
+            <a:endParaRPr lang="de-DE" dirty="0"/>
+          </a:p>
+        </p:txBody>
+      </p:sp>
+      <p:sp>
+        <p:nvSpPr>
+          <p:cNvPr id="4" name="Fußzeilenplatzhalter 3">
+            <a:extLst>
+              <a:ext uri="{FF2B5EF4-FFF2-40B4-BE49-F238E27FC236}">
+                <a16:creationId xmlns:a16="http://schemas.microsoft.com/office/drawing/2014/main" id="{7718522C-A894-49C9-A4F0-5E1DFA7741F2}"/>
+              </a:ext>
+            </a:extLst>
+          </p:cNvPr>
+          <p:cNvSpPr>
+            <a:spLocks noGrp="1"/>
+          </p:cNvSpPr>
+          <p:nvPr>
+            <p:ph type="ftr" sz="quarter" idx="15"/>
           </p:nvPr>
         </p:nvSpPr>
         <p:spPr>
           <a:xfrm>
-            <a:off x="1331913" y="6208713"/>
-            <a:ext cx="1296987" cy="476250"/>
+            <a:off x="2755900" y="6308725"/>
+            <a:ext cx="5487988" cy="288925"/>
           </a:xfrm>
         </p:spPr>
         <p:txBody>
@@ -9743,7 +10061,7 @@
           <a:p>
             <a:r>
               <a:rPr lang="de-DE"/>
-              <a:t>30.01.2017</a:t>
+              <a:t>Andreas Wiegand &amp; Ludwig Schallner</a:t>
             </a:r>
             <a:endParaRPr lang="de-DE" dirty="0"/>
           </a:p>
@@ -9751,10 +10069,10 @@
       </p:sp>
       <p:sp>
         <p:nvSpPr>
-          <p:cNvPr id="4" name="Fußzeilenplatzhalter 3">
-            <a:extLst>
-              <a:ext uri="{FF2B5EF4-FFF2-40B4-BE49-F238E27FC236}">
-                <a16:creationId xmlns:a16="http://schemas.microsoft.com/office/drawing/2014/main" id="{7718522C-A894-49C9-A4F0-5E1DFA7741F2}"/>
+          <p:cNvPr id="6" name="Foliennummernplatzhalter 5">
+            <a:extLst>
+              <a:ext uri="{FF2B5EF4-FFF2-40B4-BE49-F238E27FC236}">
+                <a16:creationId xmlns:a16="http://schemas.microsoft.com/office/drawing/2014/main" id="{8667CAC0-ED65-461E-B9D6-E014713A72F4}"/>
               </a:ext>
             </a:extLst>
           </p:cNvPr>
@@ -9762,131 +10080,15 @@
             <a:spLocks noGrp="1"/>
           </p:cNvSpPr>
           <p:nvPr>
-            <p:ph type="ftr" sz="quarter" idx="11"/>
-          </p:nvPr>
-        </p:nvSpPr>
-        <p:spPr/>
-        <p:txBody>
-          <a:bodyPr/>
-          <a:lstStyle/>
-          <a:p>
-            <a:r>
-              <a:rPr lang="de-DE"/>
-              <a:t>Andreas Wiegand &amp; Ludwig Schallner</a:t>
-            </a:r>
-            <a:endParaRPr lang="de-DE" dirty="0"/>
-          </a:p>
-        </p:txBody>
-      </p:sp>
-      <p:sp>
-        <p:nvSpPr>
-          <p:cNvPr id="5" name="Textplatzhalter 4">
-            <a:extLst>
-              <a:ext uri="{FF2B5EF4-FFF2-40B4-BE49-F238E27FC236}">
-                <a16:creationId xmlns:a16="http://schemas.microsoft.com/office/drawing/2014/main" id="{87651521-0381-4223-BDE6-C2A67D608413}"/>
-              </a:ext>
-            </a:extLst>
-          </p:cNvPr>
-          <p:cNvSpPr>
-            <a:spLocks noGrp="1"/>
-          </p:cNvSpPr>
-          <p:nvPr>
-            <p:ph type="body" sz="quarter" idx="13"/>
-          </p:nvPr>
-        </p:nvSpPr>
-        <p:spPr/>
-        <p:txBody>
-          <a:bodyPr/>
-          <a:lstStyle/>
-          <a:p>
-            <a:r>
-              <a:rPr lang="de-DE"/>
-              <a:t>Location-based services (LBS)</a:t>
-            </a:r>
-          </a:p>
-          <a:p>
-            <a:r>
-              <a:rPr lang="en-US"/>
-              <a:t>In the context of LBSs and mobile users, location </a:t>
-            </a:r>
-            <a:r>
-              <a:rPr lang="en-US" i="1"/>
-              <a:t>k</a:t>
-            </a:r>
-            <a:r>
-              <a:rPr lang="en-US"/>
-              <a:t>-anonymity demands that location information contained in a message sent from a mobile user to a LBS should be indistinguishable from at least </a:t>
-            </a:r>
-            <a:r>
-              <a:rPr lang="en-US" i="1"/>
-              <a:t>k−</a:t>
-            </a:r>
-            <a:r>
-              <a:rPr lang="en-US"/>
-              <a:t>1 other messages from different mobile nodes</a:t>
-            </a:r>
-          </a:p>
-          <a:p>
-            <a:r>
-              <a:rPr lang="de-DE" i="1"/>
-              <a:t>Location can be a quasi – Idendifier </a:t>
-            </a:r>
-            <a:endParaRPr lang="de-DE"/>
-          </a:p>
-          <a:p>
-            <a:r>
-              <a:rPr lang="en-US" i="1"/>
-              <a:t>Attacks Restricted Space Identification </a:t>
-            </a:r>
-            <a:r>
-              <a:rPr lang="en-US"/>
-              <a:t>and </a:t>
-            </a:r>
-            <a:r>
-              <a:rPr lang="en-US" i="1"/>
-              <a:t>Observation </a:t>
-            </a:r>
-            <a:r>
-              <a:rPr lang="de-DE" i="1"/>
-              <a:t>Identification</a:t>
-            </a:r>
-            <a:r>
-              <a:rPr lang="de-DE"/>
-              <a:t>.</a:t>
-            </a:r>
-          </a:p>
-          <a:p>
-            <a:r>
-              <a:rPr lang="de-DE" i="1"/>
-              <a:t>Spatial cloaking and temporal cloaking</a:t>
-            </a:r>
-          </a:p>
-          <a:p>
-            <a:r>
-              <a:rPr lang="de-DE" i="1"/>
-              <a:t>Usability and anonymity </a:t>
-            </a:r>
-            <a:endParaRPr lang="de-DE" i="1" dirty="0"/>
-          </a:p>
-        </p:txBody>
-      </p:sp>
-      <p:sp>
-        <p:nvSpPr>
-          <p:cNvPr id="6" name="Foliennummernplatzhalter 5">
-            <a:extLst>
-              <a:ext uri="{FF2B5EF4-FFF2-40B4-BE49-F238E27FC236}">
-                <a16:creationId xmlns:a16="http://schemas.microsoft.com/office/drawing/2014/main" id="{8667CAC0-ED65-461E-B9D6-E014713A72F4}"/>
-              </a:ext>
-            </a:extLst>
-          </p:cNvPr>
-          <p:cNvSpPr>
-            <a:spLocks noGrp="1"/>
-          </p:cNvSpPr>
-          <p:nvPr>
-            <p:ph type="sldNum" sz="quarter" idx="12"/>
-          </p:nvPr>
-        </p:nvSpPr>
-        <p:spPr/>
+            <p:ph type="sldNum" sz="quarter" idx="16"/>
+          </p:nvPr>
+        </p:nvSpPr>
+        <p:spPr>
+          <a:xfrm>
+            <a:off x="8415338" y="6408738"/>
+            <a:ext cx="477837" cy="333375"/>
+          </a:xfrm>
+        </p:spPr>
         <p:txBody>
           <a:bodyPr/>
           <a:lstStyle/>
@@ -9900,6 +10102,498 @@
           </a:p>
         </p:txBody>
       </p:sp>
+      <p:sp>
+        <p:nvSpPr>
+          <p:cNvPr id="2" name="Titel 1">
+            <a:extLst>
+              <a:ext uri="{FF2B5EF4-FFF2-40B4-BE49-F238E27FC236}">
+                <a16:creationId xmlns:a16="http://schemas.microsoft.com/office/drawing/2014/main" id="{F630762F-ADDB-483B-8B3B-603DD9617461}"/>
+              </a:ext>
+            </a:extLst>
+          </p:cNvPr>
+          <p:cNvSpPr>
+            <a:spLocks noGrp="1"/>
+          </p:cNvSpPr>
+          <p:nvPr>
+            <p:ph type="title"/>
+          </p:nvPr>
+        </p:nvSpPr>
+        <p:spPr/>
+        <p:txBody>
+          <a:bodyPr/>
+          <a:lstStyle/>
+          <a:p>
+            <a:r>
+              <a:rPr lang="de-DE"/>
+              <a:t>6. Datatyp - Moving Object Data</a:t>
+            </a:r>
+            <a:endParaRPr lang="de-DE" dirty="0"/>
+          </a:p>
+        </p:txBody>
+      </p:sp>
+      <p:sp>
+        <p:nvSpPr>
+          <p:cNvPr id="12" name="Rechteck 11">
+            <a:extLst>
+              <a:ext uri="{FF2B5EF4-FFF2-40B4-BE49-F238E27FC236}">
+                <a16:creationId xmlns:a16="http://schemas.microsoft.com/office/drawing/2014/main" id="{58532E4A-8D67-4A9C-B796-B742AD7C350A}"/>
+              </a:ext>
+            </a:extLst>
+          </p:cNvPr>
+          <p:cNvSpPr/>
+          <p:nvPr/>
+        </p:nvSpPr>
+        <p:spPr>
+          <a:xfrm>
+            <a:off x="5989960" y="4373898"/>
+            <a:ext cx="2664296" cy="1152128"/>
+          </a:xfrm>
+          <a:prstGeom prst="rect">
+            <a:avLst/>
+          </a:prstGeom>
+          <a:noFill/>
+          <a:ln w="28575"/>
+        </p:spPr>
+        <p:style>
+          <a:lnRef idx="2">
+            <a:schemeClr val="dk1">
+              <a:shade val="50000"/>
+            </a:schemeClr>
+          </a:lnRef>
+          <a:fillRef idx="1">
+            <a:schemeClr val="dk1"/>
+          </a:fillRef>
+          <a:effectRef idx="0">
+            <a:schemeClr val="dk1"/>
+          </a:effectRef>
+          <a:fontRef idx="minor">
+            <a:schemeClr val="lt1"/>
+          </a:fontRef>
+        </p:style>
+        <p:txBody>
+          <a:bodyPr rtlCol="0" anchor="ctr"/>
+          <a:lstStyle/>
+          <a:p>
+            <a:pPr algn="ctr"/>
+            <a:endParaRPr lang="de-DE"/>
+          </a:p>
+        </p:txBody>
+      </p:sp>
+      <p:sp>
+        <p:nvSpPr>
+          <p:cNvPr id="13" name="Textfeld 12">
+            <a:extLst>
+              <a:ext uri="{FF2B5EF4-FFF2-40B4-BE49-F238E27FC236}">
+                <a16:creationId xmlns:a16="http://schemas.microsoft.com/office/drawing/2014/main" id="{410370F7-4BB4-46BB-A135-A0A7EA322783}"/>
+              </a:ext>
+            </a:extLst>
+          </p:cNvPr>
+          <p:cNvSpPr txBox="1"/>
+          <p:nvPr/>
+        </p:nvSpPr>
+        <p:spPr>
+          <a:xfrm>
+            <a:off x="6386910" y="4900518"/>
+            <a:ext cx="648494" cy="369332"/>
+          </a:xfrm>
+          <a:prstGeom prst="rect">
+            <a:avLst/>
+          </a:prstGeom>
+          <a:solidFill>
+            <a:srgbClr val="FFC000"/>
+          </a:solidFill>
+        </p:spPr>
+        <p:txBody>
+          <a:bodyPr wrap="square" rtlCol="0">
+            <a:spAutoFit/>
+          </a:bodyPr>
+          <a:lstStyle/>
+          <a:p>
+            <a:r>
+              <a:rPr lang="de-DE" dirty="0"/>
+              <a:t>m1</a:t>
+            </a:r>
+          </a:p>
+        </p:txBody>
+      </p:sp>
+      <p:cxnSp>
+        <p:nvCxnSpPr>
+          <p:cNvPr id="18" name="Gerade Verbindung mit Pfeil 17">
+            <a:extLst>
+              <a:ext uri="{FF2B5EF4-FFF2-40B4-BE49-F238E27FC236}">
+                <a16:creationId xmlns:a16="http://schemas.microsoft.com/office/drawing/2014/main" id="{260E726F-D3E5-4B5D-A030-8562A544B5E4}"/>
+              </a:ext>
+            </a:extLst>
+          </p:cNvPr>
+          <p:cNvCxnSpPr/>
+          <p:nvPr/>
+        </p:nvCxnSpPr>
+        <p:spPr>
+          <a:xfrm>
+            <a:off x="1115616" y="5319294"/>
+            <a:ext cx="3456384" cy="0"/>
+          </a:xfrm>
+          <a:prstGeom prst="straightConnector1">
+            <a:avLst/>
+          </a:prstGeom>
+          <a:ln w="57150">
+            <a:tailEnd type="triangle"/>
+          </a:ln>
+        </p:spPr>
+        <p:style>
+          <a:lnRef idx="1">
+            <a:schemeClr val="accent1"/>
+          </a:lnRef>
+          <a:fillRef idx="0">
+            <a:schemeClr val="accent1"/>
+          </a:fillRef>
+          <a:effectRef idx="0">
+            <a:schemeClr val="accent1"/>
+          </a:effectRef>
+          <a:fontRef idx="minor">
+            <a:schemeClr val="tx1"/>
+          </a:fontRef>
+        </p:style>
+      </p:cxnSp>
+      <p:cxnSp>
+        <p:nvCxnSpPr>
+          <p:cNvPr id="20" name="Gerader Verbinder 19">
+            <a:extLst>
+              <a:ext uri="{FF2B5EF4-FFF2-40B4-BE49-F238E27FC236}">
+                <a16:creationId xmlns:a16="http://schemas.microsoft.com/office/drawing/2014/main" id="{7BBC03FF-D666-4C63-B2ED-0344D0C3843B}"/>
+              </a:ext>
+            </a:extLst>
+          </p:cNvPr>
+          <p:cNvCxnSpPr/>
+          <p:nvPr/>
+        </p:nvCxnSpPr>
+        <p:spPr>
+          <a:xfrm>
+            <a:off x="1475656" y="5085184"/>
+            <a:ext cx="0" cy="440842"/>
+          </a:xfrm>
+          <a:prstGeom prst="line">
+            <a:avLst/>
+          </a:prstGeom>
+        </p:spPr>
+        <p:style>
+          <a:lnRef idx="1">
+            <a:schemeClr val="accent1"/>
+          </a:lnRef>
+          <a:fillRef idx="0">
+            <a:schemeClr val="accent1"/>
+          </a:fillRef>
+          <a:effectRef idx="0">
+            <a:schemeClr val="accent1"/>
+          </a:effectRef>
+          <a:fontRef idx="minor">
+            <a:schemeClr val="tx1"/>
+          </a:fontRef>
+        </p:style>
+      </p:cxnSp>
+      <p:cxnSp>
+        <p:nvCxnSpPr>
+          <p:cNvPr id="21" name="Gerader Verbinder 20">
+            <a:extLst>
+              <a:ext uri="{FF2B5EF4-FFF2-40B4-BE49-F238E27FC236}">
+                <a16:creationId xmlns:a16="http://schemas.microsoft.com/office/drawing/2014/main" id="{830331D9-E7B4-4015-B9AB-02247E401E30}"/>
+              </a:ext>
+            </a:extLst>
+          </p:cNvPr>
+          <p:cNvCxnSpPr/>
+          <p:nvPr/>
+        </p:nvCxnSpPr>
+        <p:spPr>
+          <a:xfrm>
+            <a:off x="1979712" y="5085184"/>
+            <a:ext cx="0" cy="440842"/>
+          </a:xfrm>
+          <a:prstGeom prst="line">
+            <a:avLst/>
+          </a:prstGeom>
+        </p:spPr>
+        <p:style>
+          <a:lnRef idx="1">
+            <a:schemeClr val="accent1"/>
+          </a:lnRef>
+          <a:fillRef idx="0">
+            <a:schemeClr val="accent1"/>
+          </a:fillRef>
+          <a:effectRef idx="0">
+            <a:schemeClr val="accent1"/>
+          </a:effectRef>
+          <a:fontRef idx="minor">
+            <a:schemeClr val="tx1"/>
+          </a:fontRef>
+        </p:style>
+      </p:cxnSp>
+      <p:cxnSp>
+        <p:nvCxnSpPr>
+          <p:cNvPr id="22" name="Gerader Verbinder 21">
+            <a:extLst>
+              <a:ext uri="{FF2B5EF4-FFF2-40B4-BE49-F238E27FC236}">
+                <a16:creationId xmlns:a16="http://schemas.microsoft.com/office/drawing/2014/main" id="{AEDD594E-D5A4-4FC8-BF27-572A59E9D336}"/>
+              </a:ext>
+            </a:extLst>
+          </p:cNvPr>
+          <p:cNvCxnSpPr/>
+          <p:nvPr/>
+        </p:nvCxnSpPr>
+        <p:spPr>
+          <a:xfrm>
+            <a:off x="2483768" y="5085184"/>
+            <a:ext cx="0" cy="440842"/>
+          </a:xfrm>
+          <a:prstGeom prst="line">
+            <a:avLst/>
+          </a:prstGeom>
+        </p:spPr>
+        <p:style>
+          <a:lnRef idx="1">
+            <a:schemeClr val="accent1"/>
+          </a:lnRef>
+          <a:fillRef idx="0">
+            <a:schemeClr val="accent1"/>
+          </a:fillRef>
+          <a:effectRef idx="0">
+            <a:schemeClr val="accent1"/>
+          </a:effectRef>
+          <a:fontRef idx="minor">
+            <a:schemeClr val="tx1"/>
+          </a:fontRef>
+        </p:style>
+      </p:cxnSp>
+      <p:cxnSp>
+        <p:nvCxnSpPr>
+          <p:cNvPr id="23" name="Gerader Verbinder 22">
+            <a:extLst>
+              <a:ext uri="{FF2B5EF4-FFF2-40B4-BE49-F238E27FC236}">
+                <a16:creationId xmlns:a16="http://schemas.microsoft.com/office/drawing/2014/main" id="{3209FFE2-0545-4F13-9F67-A298C0499DB6}"/>
+              </a:ext>
+            </a:extLst>
+          </p:cNvPr>
+          <p:cNvCxnSpPr/>
+          <p:nvPr/>
+        </p:nvCxnSpPr>
+        <p:spPr>
+          <a:xfrm>
+            <a:off x="3059832" y="5098873"/>
+            <a:ext cx="0" cy="440842"/>
+          </a:xfrm>
+          <a:prstGeom prst="line">
+            <a:avLst/>
+          </a:prstGeom>
+        </p:spPr>
+        <p:style>
+          <a:lnRef idx="1">
+            <a:schemeClr val="accent1"/>
+          </a:lnRef>
+          <a:fillRef idx="0">
+            <a:schemeClr val="accent1"/>
+          </a:fillRef>
+          <a:effectRef idx="0">
+            <a:schemeClr val="accent1"/>
+          </a:effectRef>
+          <a:fontRef idx="minor">
+            <a:schemeClr val="tx1"/>
+          </a:fontRef>
+        </p:style>
+      </p:cxnSp>
+      <p:cxnSp>
+        <p:nvCxnSpPr>
+          <p:cNvPr id="24" name="Gerader Verbinder 23">
+            <a:extLst>
+              <a:ext uri="{FF2B5EF4-FFF2-40B4-BE49-F238E27FC236}">
+                <a16:creationId xmlns:a16="http://schemas.microsoft.com/office/drawing/2014/main" id="{0647803D-CEDB-4315-8587-94F737467D4C}"/>
+              </a:ext>
+            </a:extLst>
+          </p:cNvPr>
+          <p:cNvCxnSpPr/>
+          <p:nvPr/>
+        </p:nvCxnSpPr>
+        <p:spPr>
+          <a:xfrm>
+            <a:off x="3563888" y="5085184"/>
+            <a:ext cx="0" cy="440842"/>
+          </a:xfrm>
+          <a:prstGeom prst="line">
+            <a:avLst/>
+          </a:prstGeom>
+        </p:spPr>
+        <p:style>
+          <a:lnRef idx="1">
+            <a:schemeClr val="accent1"/>
+          </a:lnRef>
+          <a:fillRef idx="0">
+            <a:schemeClr val="accent1"/>
+          </a:fillRef>
+          <a:effectRef idx="0">
+            <a:schemeClr val="accent1"/>
+          </a:effectRef>
+          <a:fontRef idx="minor">
+            <a:schemeClr val="tx1"/>
+          </a:fontRef>
+        </p:style>
+      </p:cxnSp>
+      <p:cxnSp>
+        <p:nvCxnSpPr>
+          <p:cNvPr id="25" name="Gerader Verbinder 24">
+            <a:extLst>
+              <a:ext uri="{FF2B5EF4-FFF2-40B4-BE49-F238E27FC236}">
+                <a16:creationId xmlns:a16="http://schemas.microsoft.com/office/drawing/2014/main" id="{66FEDD8F-43B0-4751-A2BA-2A4509B1FEDF}"/>
+              </a:ext>
+            </a:extLst>
+          </p:cNvPr>
+          <p:cNvCxnSpPr/>
+          <p:nvPr/>
+        </p:nvCxnSpPr>
+        <p:spPr>
+          <a:xfrm>
+            <a:off x="4067944" y="5085184"/>
+            <a:ext cx="0" cy="440842"/>
+          </a:xfrm>
+          <a:prstGeom prst="line">
+            <a:avLst/>
+          </a:prstGeom>
+        </p:spPr>
+        <p:style>
+          <a:lnRef idx="1">
+            <a:schemeClr val="accent1"/>
+          </a:lnRef>
+          <a:fillRef idx="0">
+            <a:schemeClr val="accent1"/>
+          </a:fillRef>
+          <a:effectRef idx="0">
+            <a:schemeClr val="accent1"/>
+          </a:effectRef>
+          <a:fontRef idx="minor">
+            <a:schemeClr val="tx1"/>
+          </a:fontRef>
+        </p:style>
+      </p:cxnSp>
+      <p:sp>
+        <p:nvSpPr>
+          <p:cNvPr id="26" name="Textfeld 25">
+            <a:extLst>
+              <a:ext uri="{FF2B5EF4-FFF2-40B4-BE49-F238E27FC236}">
+                <a16:creationId xmlns:a16="http://schemas.microsoft.com/office/drawing/2014/main" id="{CFBDF430-981E-4BE5-B53B-FAA16E9B8A99}"/>
+              </a:ext>
+            </a:extLst>
+          </p:cNvPr>
+          <p:cNvSpPr txBox="1"/>
+          <p:nvPr/>
+        </p:nvSpPr>
+        <p:spPr>
+          <a:xfrm>
+            <a:off x="2195526" y="4868252"/>
+            <a:ext cx="648494" cy="369332"/>
+          </a:xfrm>
+          <a:prstGeom prst="rect">
+            <a:avLst/>
+          </a:prstGeom>
+          <a:solidFill>
+            <a:srgbClr val="FFC000"/>
+          </a:solidFill>
+        </p:spPr>
+        <p:txBody>
+          <a:bodyPr wrap="square" rtlCol="0">
+            <a:spAutoFit/>
+          </a:bodyPr>
+          <a:lstStyle/>
+          <a:p>
+            <a:r>
+              <a:rPr lang="de-DE" dirty="0"/>
+              <a:t>m1</a:t>
+            </a:r>
+          </a:p>
+        </p:txBody>
+      </p:sp>
+      <p:cxnSp>
+        <p:nvCxnSpPr>
+          <p:cNvPr id="27" name="Gerader Verbinder 26">
+            <a:extLst>
+              <a:ext uri="{FF2B5EF4-FFF2-40B4-BE49-F238E27FC236}">
+                <a16:creationId xmlns:a16="http://schemas.microsoft.com/office/drawing/2014/main" id="{CB816B91-2D8D-456D-AEF9-9C00DE21F3C0}"/>
+              </a:ext>
+            </a:extLst>
+          </p:cNvPr>
+          <p:cNvCxnSpPr>
+            <a:cxnSpLocks/>
+          </p:cNvCxnSpPr>
+          <p:nvPr/>
+        </p:nvCxnSpPr>
+        <p:spPr>
+          <a:xfrm>
+            <a:off x="1628056" y="4797152"/>
+            <a:ext cx="0" cy="881274"/>
+          </a:xfrm>
+          <a:prstGeom prst="line">
+            <a:avLst/>
+          </a:prstGeom>
+          <a:ln w="38100">
+            <a:solidFill>
+              <a:srgbClr val="FF0000"/>
+            </a:solidFill>
+          </a:ln>
+        </p:spPr>
+        <p:style>
+          <a:lnRef idx="1">
+            <a:schemeClr val="accent1"/>
+          </a:lnRef>
+          <a:fillRef idx="0">
+            <a:schemeClr val="accent1"/>
+          </a:fillRef>
+          <a:effectRef idx="0">
+            <a:schemeClr val="accent1"/>
+          </a:effectRef>
+          <a:fontRef idx="minor">
+            <a:schemeClr val="tx1"/>
+          </a:fontRef>
+        </p:style>
+      </p:cxnSp>
+      <p:cxnSp>
+        <p:nvCxnSpPr>
+          <p:cNvPr id="29" name="Gerader Verbinder 28">
+            <a:extLst>
+              <a:ext uri="{FF2B5EF4-FFF2-40B4-BE49-F238E27FC236}">
+                <a16:creationId xmlns:a16="http://schemas.microsoft.com/office/drawing/2014/main" id="{01B52F9A-E2D1-44E9-ADED-E9EB0A109C17}"/>
+              </a:ext>
+            </a:extLst>
+          </p:cNvPr>
+          <p:cNvCxnSpPr>
+            <a:cxnSpLocks/>
+          </p:cNvCxnSpPr>
+          <p:nvPr/>
+        </p:nvCxnSpPr>
+        <p:spPr>
+          <a:xfrm>
+            <a:off x="3707904" y="4829213"/>
+            <a:ext cx="0" cy="881274"/>
+          </a:xfrm>
+          <a:prstGeom prst="line">
+            <a:avLst/>
+          </a:prstGeom>
+          <a:ln w="38100">
+            <a:solidFill>
+              <a:srgbClr val="FF0000"/>
+            </a:solidFill>
+          </a:ln>
+        </p:spPr>
+        <p:style>
+          <a:lnRef idx="1">
+            <a:schemeClr val="accent1"/>
+          </a:lnRef>
+          <a:fillRef idx="0">
+            <a:schemeClr val="accent1"/>
+          </a:fillRef>
+          <a:effectRef idx="0">
+            <a:schemeClr val="accent1"/>
+          </a:effectRef>
+          <a:fontRef idx="minor">
+            <a:schemeClr val="tx1"/>
+          </a:fontRef>
+        </p:style>
+      </p:cxnSp>
     </p:spTree>
     <p:extLst>
       <p:ext uri="{BB962C8B-B14F-4D97-AF65-F5344CB8AC3E}">
@@ -10715,6 +11409,85 @@
             <a:r>
               <a:rPr lang="de-DE" dirty="0"/>
               <a:t> time</a:t>
+            </a:r>
+          </a:p>
+        </p:txBody>
+      </p:sp>
+      <p:sp>
+        <p:nvSpPr>
+          <p:cNvPr id="9" name="Textfeld 8">
+            <a:extLst>
+              <a:ext uri="{FF2B5EF4-FFF2-40B4-BE49-F238E27FC236}">
+                <a16:creationId xmlns:a16="http://schemas.microsoft.com/office/drawing/2014/main" id="{9881E812-91CB-4F52-9977-A6FFDF601A61}"/>
+              </a:ext>
+            </a:extLst>
+          </p:cNvPr>
+          <p:cNvSpPr txBox="1"/>
+          <p:nvPr/>
+        </p:nvSpPr>
+        <p:spPr>
+          <a:xfrm>
+            <a:off x="5313985" y="4400237"/>
+            <a:ext cx="2520280" cy="646331"/>
+          </a:xfrm>
+          <a:prstGeom prst="rect">
+            <a:avLst/>
+          </a:prstGeom>
+          <a:noFill/>
+        </p:spPr>
+        <p:txBody>
+          <a:bodyPr wrap="square" rtlCol="0">
+            <a:spAutoFit/>
+          </a:bodyPr>
+          <a:lstStyle/>
+          <a:p>
+            <a:r>
+              <a:rPr lang="de-DE" dirty="0" err="1">
+                <a:solidFill>
+                  <a:srgbClr val="FF0000"/>
+                </a:solidFill>
+              </a:rPr>
+              <a:t>Anonymity</a:t>
+            </a:r>
+            <a:r>
+              <a:rPr lang="de-DE" dirty="0">
+                <a:solidFill>
+                  <a:srgbClr val="FF0000"/>
+                </a:solidFill>
+              </a:rPr>
+              <a:t> </a:t>
+            </a:r>
+            <a:r>
+              <a:rPr lang="de-DE" dirty="0" err="1">
+                <a:solidFill>
+                  <a:srgbClr val="FF0000"/>
+                </a:solidFill>
+              </a:rPr>
+              <a:t>can</a:t>
+            </a:r>
+            <a:r>
+              <a:rPr lang="de-DE" dirty="0">
+                <a:solidFill>
+                  <a:srgbClr val="FF0000"/>
+                </a:solidFill>
+              </a:rPr>
+              <a:t> </a:t>
+            </a:r>
+            <a:r>
+              <a:rPr lang="de-DE" dirty="0" err="1">
+                <a:solidFill>
+                  <a:srgbClr val="FF0000"/>
+                </a:solidFill>
+              </a:rPr>
+              <a:t>cost</a:t>
+            </a:r>
+            <a:r>
+              <a:rPr lang="de-DE" dirty="0">
+                <a:solidFill>
+                  <a:srgbClr val="FF0000"/>
+                </a:solidFill>
+              </a:rPr>
+              <a:t> Utility </a:t>
             </a:r>
           </a:p>
         </p:txBody>
@@ -14656,18 +15429,18 @@
 
 <file path=customXml/item1.xml><?xml version="1.0" encoding="utf-8"?>
 <Control xmlns="http://schemas.microsoft.com/VisualStudio/2011/storyboarding/control">
-  <Id Name="dec3670c-0d6f-4455-9c2f-971d108358d4" Revision="1" Stencil="System.MyShapes" StencilVersion="1.0"/>
+  <Id Name="System.Storyboarding.Common.Button" Revision="1" Stencil="System.Storyboarding.Common" StencilVersion="0.1"/>
 </Control>
 </file>
 
 <file path=customXml/item2.xml><?xml version="1.0" encoding="utf-8"?>
 <Control xmlns="http://schemas.microsoft.com/VisualStudio/2011/storyboarding/control">
-  <Id Name="System.Storyboarding.Common.Button" Revision="1" Stencil="System.Storyboarding.Common" StencilVersion="0.1"/>
+  <Id Name="dec3670c-0d6f-4455-9c2f-971d108358d4" Revision="1" Stencil="System.MyShapes" StencilVersion="1.0"/>
 </Control>
 </file>
 
 <file path=customXml/itemProps1.xml><?xml version="1.0" encoding="utf-8"?>
-<ds:datastoreItem xmlns:ds="http://schemas.openxmlformats.org/officeDocument/2006/customXml" ds:itemID="{566C5A5A-5A83-4A95-95C1-260C6D486DE6}">
+<ds:datastoreItem xmlns:ds="http://schemas.openxmlformats.org/officeDocument/2006/customXml" ds:itemID="{206AFEA3-501E-4E71-91B3-BDBE1D839E11}">
   <ds:schemaRefs>
     <ds:schemaRef ds:uri="http://schemas.microsoft.com/VisualStudio/2011/storyboarding/control"/>
   </ds:schemaRefs>
@@ -14675,7 +15448,7 @@
 </file>
 
 <file path=customXml/itemProps2.xml><?xml version="1.0" encoding="utf-8"?>
-<ds:datastoreItem xmlns:ds="http://schemas.openxmlformats.org/officeDocument/2006/customXml" ds:itemID="{206AFEA3-501E-4E71-91B3-BDBE1D839E11}">
+<ds:datastoreItem xmlns:ds="http://schemas.openxmlformats.org/officeDocument/2006/customXml" ds:itemID="{566C5A5A-5A83-4A95-95C1-260C6D486DE6}">
   <ds:schemaRefs>
     <ds:schemaRef ds:uri="http://schemas.microsoft.com/VisualStudio/2011/storyboarding/control"/>
   </ds:schemaRefs>

--- a/presentation/sicherheits_final_anV3.pptx
+++ b/presentation/sicherheits_final_anV3.pptx
@@ -5,10 +5,10 @@
     <p:sldMasterId id="2147483678" r:id="rId3"/>
   </p:sldMasterIdLst>
   <p:notesMasterIdLst>
-    <p:notesMasterId r:id="rId27"/>
+    <p:notesMasterId r:id="rId28"/>
   </p:notesMasterIdLst>
   <p:handoutMasterIdLst>
-    <p:handoutMasterId r:id="rId28"/>
+    <p:handoutMasterId r:id="rId29"/>
   </p:handoutMasterIdLst>
   <p:sldIdLst>
     <p:sldId id="256" r:id="rId4"/>
@@ -31,9 +31,10 @@
     <p:sldId id="329" r:id="rId21"/>
     <p:sldId id="312" r:id="rId22"/>
     <p:sldId id="328" r:id="rId23"/>
-    <p:sldId id="311" r:id="rId24"/>
-    <p:sldId id="325" r:id="rId25"/>
-    <p:sldId id="330" r:id="rId26"/>
+    <p:sldId id="335" r:id="rId24"/>
+    <p:sldId id="311" r:id="rId25"/>
+    <p:sldId id="325" r:id="rId26"/>
+    <p:sldId id="330" r:id="rId27"/>
   </p:sldIdLst>
   <p:sldSz cx="9144000" cy="6858000" type="screen4x3"/>
   <p:notesSz cx="9942513" cy="6761163"/>
@@ -184,10 +185,6 @@
 </p:presentation>
 </file>
 
-<file path=ppt/revisionInfo.xml><?xml version="1.0" encoding="utf-8"?>
-<p1510:revInfo xmlns:a="http://schemas.openxmlformats.org/drawingml/2006/main" xmlns:r="http://schemas.openxmlformats.org/officeDocument/2006/relationships" xmlns:p1510="http://schemas.microsoft.com/office/powerpoint/2015/10/main"/>
-</file>
-
 <file path=ppt/handoutMasters/handoutMaster1.xml><?xml version="1.0" encoding="utf-8"?>
 <p:handoutMaster xmlns:a="http://schemas.openxmlformats.org/drawingml/2006/main" xmlns:r="http://schemas.openxmlformats.org/officeDocument/2006/relationships" xmlns:p="http://schemas.openxmlformats.org/presentationml/2006/main">
   <p:cSld>
@@ -298,7 +295,7 @@
             <a:fld id="{5BB45A7C-CD8D-4615-9E21-7904701129AE}" type="datetimeFigureOut">
               <a:rPr lang="de-DE"/>
               <a:pPr/>
-              <a:t>04.02.2018</a:t>
+              <a:t>05.02.2018</a:t>
             </a:fld>
             <a:endParaRPr lang="de-DE"/>
           </a:p>
@@ -1225,6 +1222,643 @@
 </p:notes>
 </file>
 
+<file path=ppt/notesSlides/notesSlide10.xml><?xml version="1.0" encoding="utf-8"?>
+<p:notes xmlns:a="http://schemas.openxmlformats.org/drawingml/2006/main" xmlns:r="http://schemas.openxmlformats.org/officeDocument/2006/relationships" xmlns:p="http://schemas.openxmlformats.org/presentationml/2006/main">
+  <p:cSld>
+    <p:spTree>
+      <p:nvGrpSpPr>
+        <p:cNvPr id="1" name=""/>
+        <p:cNvGrpSpPr/>
+        <p:nvPr/>
+      </p:nvGrpSpPr>
+      <p:grpSpPr>
+        <a:xfrm>
+          <a:off x="0" y="0"/>
+          <a:ext cx="0" cy="0"/>
+          <a:chOff x="0" y="0"/>
+          <a:chExt cx="0" cy="0"/>
+        </a:xfrm>
+      </p:grpSpPr>
+      <p:sp>
+        <p:nvSpPr>
+          <p:cNvPr id="2" name="Folienbildplatzhalter 1"/>
+          <p:cNvSpPr>
+            <a:spLocks noGrp="1" noRot="1" noChangeAspect="1"/>
+          </p:cNvSpPr>
+          <p:nvPr>
+            <p:ph type="sldImg"/>
+          </p:nvPr>
+        </p:nvSpPr>
+        <p:spPr/>
+      </p:sp>
+      <p:sp>
+        <p:nvSpPr>
+          <p:cNvPr id="3" name="Notizenplatzhalter 2"/>
+          <p:cNvSpPr>
+            <a:spLocks noGrp="1"/>
+          </p:cNvSpPr>
+          <p:nvPr>
+            <p:ph type="body" idx="1"/>
+          </p:nvPr>
+        </p:nvSpPr>
+        <p:spPr/>
+        <p:txBody>
+          <a:bodyPr/>
+          <a:lstStyle/>
+          <a:p>
+            <a:r>
+              <a:rPr lang="en-US" sz="1200" b="0" i="0" u="none" strike="noStrike" kern="1200" baseline="0" dirty="0">
+                <a:solidFill>
+                  <a:schemeClr val="tx1"/>
+                </a:solidFill>
+                <a:latin typeface="Arial" charset="0"/>
+                <a:ea typeface="+mn-ea"/>
+                <a:cs typeface="+mn-cs"/>
+              </a:rPr>
+              <a:t>Transaction data is usually high-dimensional. For example, Amazon.com has several</a:t>
+            </a:r>
+          </a:p>
+          <a:p>
+            <a:r>
+              <a:rPr lang="en-US" sz="1200" b="0" i="0" u="none" strike="noStrike" kern="1200" baseline="0" dirty="0">
+                <a:solidFill>
+                  <a:schemeClr val="tx1"/>
+                </a:solidFill>
+                <a:latin typeface="Arial" charset="0"/>
+                <a:ea typeface="+mn-ea"/>
+                <a:cs typeface="+mn-cs"/>
+              </a:rPr>
+              <a:t>million catalog items. Each dimension could be a potential </a:t>
+            </a:r>
+            <a:r>
+              <a:rPr lang="en-US" sz="1200" b="0" i="1" u="none" strike="noStrike" kern="1200" baseline="0" dirty="0">
+                <a:solidFill>
+                  <a:schemeClr val="tx1"/>
+                </a:solidFill>
+                <a:latin typeface="Arial" charset="0"/>
+                <a:ea typeface="+mn-ea"/>
+                <a:cs typeface="+mn-cs"/>
+              </a:rPr>
+              <a:t>QID </a:t>
+            </a:r>
+            <a:r>
+              <a:rPr lang="en-US" sz="1200" b="0" i="0" u="none" strike="noStrike" kern="1200" baseline="0" dirty="0">
+                <a:solidFill>
+                  <a:schemeClr val="tx1"/>
+                </a:solidFill>
+                <a:latin typeface="Arial" charset="0"/>
+                <a:ea typeface="+mn-ea"/>
+                <a:cs typeface="+mn-cs"/>
+              </a:rPr>
+              <a:t>attribute used</a:t>
+            </a:r>
+          </a:p>
+          <a:p>
+            <a:r>
+              <a:rPr lang="en-US" sz="1200" b="0" i="0" u="none" strike="noStrike" kern="1200" baseline="0" dirty="0">
+                <a:solidFill>
+                  <a:schemeClr val="tx1"/>
+                </a:solidFill>
+                <a:latin typeface="Arial" charset="0"/>
+                <a:ea typeface="+mn-ea"/>
+                <a:cs typeface="+mn-cs"/>
+              </a:rPr>
+              <a:t>for record or attribute linkages; therefore, employing traditional privacy models, such</a:t>
+            </a:r>
+          </a:p>
+          <a:p>
+            <a:r>
+              <a:rPr lang="en-US" sz="1200" b="0" i="0" u="none" strike="noStrike" kern="1200" baseline="0" dirty="0">
+                <a:solidFill>
+                  <a:schemeClr val="tx1"/>
+                </a:solidFill>
+                <a:latin typeface="Arial" charset="0"/>
+                <a:ea typeface="+mn-ea"/>
+                <a:cs typeface="+mn-cs"/>
+              </a:rPr>
+              <a:t>as </a:t>
+            </a:r>
+            <a:r>
+              <a:rPr lang="en-US" sz="1200" b="0" i="1" u="none" strike="noStrike" kern="1200" baseline="0" dirty="0">
+                <a:solidFill>
+                  <a:schemeClr val="tx1"/>
+                </a:solidFill>
+                <a:latin typeface="Arial" charset="0"/>
+                <a:ea typeface="+mn-ea"/>
+                <a:cs typeface="+mn-cs"/>
+              </a:rPr>
+              <a:t>k</a:t>
+            </a:r>
+            <a:r>
+              <a:rPr lang="en-US" sz="1200" b="0" i="0" u="none" strike="noStrike" kern="1200" baseline="0" dirty="0">
+                <a:solidFill>
+                  <a:schemeClr val="tx1"/>
+                </a:solidFill>
+                <a:latin typeface="Arial" charset="0"/>
+                <a:ea typeface="+mn-ea"/>
+                <a:cs typeface="+mn-cs"/>
+              </a:rPr>
+              <a:t>-anonymity, would require including all dimensions into a single </a:t>
+            </a:r>
+            <a:r>
+              <a:rPr lang="en-US" sz="1200" b="0" i="1" u="none" strike="noStrike" kern="1200" baseline="0" dirty="0">
+                <a:solidFill>
+                  <a:schemeClr val="tx1"/>
+                </a:solidFill>
+                <a:latin typeface="Arial" charset="0"/>
+                <a:ea typeface="+mn-ea"/>
+                <a:cs typeface="+mn-cs"/>
+              </a:rPr>
+              <a:t>QID</a:t>
+            </a:r>
+            <a:r>
+              <a:rPr lang="en-US" sz="1200" b="0" i="0" u="none" strike="noStrike" kern="1200" baseline="0" dirty="0">
+                <a:solidFill>
+                  <a:schemeClr val="tx1"/>
+                </a:solidFill>
+                <a:latin typeface="Arial" charset="0"/>
+                <a:ea typeface="+mn-ea"/>
+                <a:cs typeface="+mn-cs"/>
+              </a:rPr>
+              <a:t>.</a:t>
+            </a:r>
+          </a:p>
+          <a:p>
+            <a:endParaRPr lang="en-US" sz="1200" b="0" i="0" u="none" strike="noStrike" kern="1200" baseline="0" dirty="0">
+              <a:solidFill>
+                <a:schemeClr val="tx1"/>
+              </a:solidFill>
+              <a:latin typeface="Arial" charset="0"/>
+              <a:ea typeface="+mn-ea"/>
+              <a:cs typeface="+mn-cs"/>
+            </a:endParaRPr>
+          </a:p>
+          <a:p>
+            <a:r>
+              <a:rPr lang="de-DE" sz="1200" b="0" i="0" u="none" strike="noStrike" kern="1200" baseline="0" dirty="0">
+                <a:solidFill>
+                  <a:schemeClr val="tx1"/>
+                </a:solidFill>
+                <a:latin typeface="Arial" charset="0"/>
+                <a:ea typeface="+mn-ea"/>
+                <a:cs typeface="+mn-cs"/>
+              </a:rPr>
+              <a:t>Due </a:t>
+            </a:r>
+            <a:r>
+              <a:rPr lang="de-DE" sz="1200" b="0" i="0" u="none" strike="noStrike" kern="1200" baseline="0" dirty="0" err="1">
+                <a:solidFill>
+                  <a:schemeClr val="tx1"/>
+                </a:solidFill>
+                <a:latin typeface="Arial" charset="0"/>
+                <a:ea typeface="+mn-ea"/>
+                <a:cs typeface="+mn-cs"/>
+              </a:rPr>
+              <a:t>to</a:t>
+            </a:r>
+            <a:r>
+              <a:rPr lang="de-DE" sz="1200" b="0" i="0" u="none" strike="noStrike" kern="1200" baseline="0" dirty="0">
+                <a:solidFill>
+                  <a:schemeClr val="tx1"/>
+                </a:solidFill>
+                <a:latin typeface="Arial" charset="0"/>
+                <a:ea typeface="+mn-ea"/>
+                <a:cs typeface="+mn-cs"/>
+              </a:rPr>
+              <a:t> </a:t>
+            </a:r>
+            <a:r>
+              <a:rPr lang="de-DE" sz="1200" b="0" i="0" u="none" strike="noStrike" kern="1200" baseline="0" dirty="0" err="1">
+                <a:solidFill>
+                  <a:schemeClr val="tx1"/>
+                </a:solidFill>
+                <a:latin typeface="Arial" charset="0"/>
+                <a:ea typeface="+mn-ea"/>
+                <a:cs typeface="+mn-cs"/>
+              </a:rPr>
+              <a:t>the</a:t>
+            </a:r>
+            <a:r>
+              <a:rPr lang="de-DE" sz="1200" b="0" i="0" u="none" strike="noStrike" kern="1200" baseline="0" dirty="0">
+                <a:solidFill>
+                  <a:schemeClr val="tx1"/>
+                </a:solidFill>
+                <a:latin typeface="Arial" charset="0"/>
+                <a:ea typeface="+mn-ea"/>
+                <a:cs typeface="+mn-cs"/>
+              </a:rPr>
+              <a:t> </a:t>
+            </a:r>
+            <a:r>
+              <a:rPr lang="en-US" sz="1200" b="0" i="0" u="none" strike="noStrike" kern="1200" baseline="0" dirty="0">
+                <a:solidFill>
+                  <a:schemeClr val="tx1"/>
+                </a:solidFill>
+                <a:latin typeface="Arial" charset="0"/>
+                <a:ea typeface="+mn-ea"/>
+                <a:cs typeface="+mn-cs"/>
+              </a:rPr>
+              <a:t>curse of high-dimensionality it is very likely that lots of data has to</a:t>
+            </a:r>
+          </a:p>
+          <a:p>
+            <a:r>
+              <a:rPr lang="en-US" sz="1200" b="0" i="0" u="none" strike="noStrike" kern="1200" baseline="0" dirty="0">
+                <a:solidFill>
+                  <a:schemeClr val="tx1"/>
+                </a:solidFill>
+                <a:latin typeface="Arial" charset="0"/>
+                <a:ea typeface="+mn-ea"/>
+                <a:cs typeface="+mn-cs"/>
+              </a:rPr>
+              <a:t>be suppressed or generalized to the top-most values in order to satisfy </a:t>
+            </a:r>
+            <a:r>
+              <a:rPr lang="en-US" sz="1200" b="0" i="1" u="none" strike="noStrike" kern="1200" baseline="0" dirty="0">
+                <a:solidFill>
+                  <a:schemeClr val="tx1"/>
+                </a:solidFill>
+                <a:latin typeface="Arial" charset="0"/>
+                <a:ea typeface="+mn-ea"/>
+                <a:cs typeface="+mn-cs"/>
+              </a:rPr>
+              <a:t>k</a:t>
+            </a:r>
+            <a:r>
+              <a:rPr lang="en-US" sz="1200" b="0" i="0" u="none" strike="noStrike" kern="1200" baseline="0" dirty="0">
+                <a:solidFill>
+                  <a:schemeClr val="tx1"/>
+                </a:solidFill>
+                <a:latin typeface="Arial" charset="0"/>
+                <a:ea typeface="+mn-ea"/>
+                <a:cs typeface="+mn-cs"/>
+              </a:rPr>
+              <a:t>-anonymity,</a:t>
+            </a:r>
+          </a:p>
+          <a:p>
+            <a:r>
+              <a:rPr lang="en-US" sz="1200" b="0" i="0" u="none" strike="noStrike" kern="1200" baseline="0" dirty="0">
+                <a:solidFill>
+                  <a:schemeClr val="tx1"/>
+                </a:solidFill>
+                <a:latin typeface="Arial" charset="0"/>
+                <a:ea typeface="+mn-ea"/>
+                <a:cs typeface="+mn-cs"/>
+              </a:rPr>
+              <a:t>even if </a:t>
+            </a:r>
+            <a:r>
+              <a:rPr lang="en-US" sz="1200" b="0" i="1" u="none" strike="noStrike" kern="1200" baseline="0" dirty="0">
+                <a:solidFill>
+                  <a:schemeClr val="tx1"/>
+                </a:solidFill>
+                <a:latin typeface="Arial" charset="0"/>
+                <a:ea typeface="+mn-ea"/>
+                <a:cs typeface="+mn-cs"/>
+              </a:rPr>
+              <a:t>k </a:t>
+            </a:r>
+            <a:r>
+              <a:rPr lang="en-US" sz="1200" b="0" i="0" u="none" strike="noStrike" kern="1200" baseline="0" dirty="0">
+                <a:solidFill>
+                  <a:schemeClr val="tx1"/>
+                </a:solidFill>
+                <a:latin typeface="Arial" charset="0"/>
+                <a:ea typeface="+mn-ea"/>
+                <a:cs typeface="+mn-cs"/>
+              </a:rPr>
+              <a:t>is small. Obviously, such anonymous data is useless for data analysis.</a:t>
+            </a:r>
+          </a:p>
+          <a:p>
+            <a:endParaRPr lang="en-US" sz="1200" b="0" i="0" u="none" strike="noStrike" kern="1200" baseline="0" dirty="0">
+              <a:solidFill>
+                <a:schemeClr val="tx1"/>
+              </a:solidFill>
+              <a:latin typeface="Arial" charset="0"/>
+              <a:ea typeface="+mn-ea"/>
+              <a:cs typeface="+mn-cs"/>
+            </a:endParaRPr>
+          </a:p>
+          <a:p>
+            <a:r>
+              <a:rPr lang="en-US" sz="1200" b="0" i="0" u="none" strike="noStrike" kern="1200" baseline="0" dirty="0">
+                <a:solidFill>
+                  <a:schemeClr val="tx1"/>
+                </a:solidFill>
+                <a:latin typeface="Arial" charset="0"/>
+                <a:ea typeface="+mn-ea"/>
+                <a:cs typeface="+mn-cs"/>
+              </a:rPr>
+              <a:t>In such cases, many attributes (</a:t>
+            </a:r>
+            <a:r>
+              <a:rPr lang="en-US" sz="1200" b="0" i="0" u="none" strike="noStrike" kern="1200" baseline="0" dirty="0" err="1">
+                <a:solidFill>
+                  <a:schemeClr val="tx1"/>
+                </a:solidFill>
+                <a:latin typeface="Arial" charset="0"/>
+                <a:ea typeface="+mn-ea"/>
+                <a:cs typeface="+mn-cs"/>
+              </a:rPr>
+              <a:t>eg.</a:t>
+            </a:r>
+            <a:r>
+              <a:rPr lang="en-US" sz="1200" b="0" i="0" u="none" strike="noStrike" kern="1200" baseline="0" dirty="0">
+                <a:solidFill>
+                  <a:schemeClr val="tx1"/>
+                </a:solidFill>
+                <a:latin typeface="Arial" charset="0"/>
+                <a:ea typeface="+mn-ea"/>
+                <a:cs typeface="+mn-cs"/>
+              </a:rPr>
+              <a:t> salary) con-</a:t>
+            </a:r>
+          </a:p>
+          <a:p>
+            <a:r>
+              <a:rPr lang="en-US" sz="1200" b="0" i="0" u="none" strike="noStrike" kern="1200" baseline="0" dirty="0" err="1">
+                <a:solidFill>
+                  <a:schemeClr val="tx1"/>
+                </a:solidFill>
+                <a:latin typeface="Arial" charset="0"/>
+                <a:ea typeface="+mn-ea"/>
+                <a:cs typeface="+mn-cs"/>
+              </a:rPr>
+              <a:t>tinue</a:t>
+            </a:r>
+            <a:r>
+              <a:rPr lang="en-US" sz="1200" b="0" i="0" u="none" strike="noStrike" kern="1200" baseline="0" dirty="0">
+                <a:solidFill>
+                  <a:schemeClr val="tx1"/>
+                </a:solidFill>
+                <a:latin typeface="Arial" charset="0"/>
+                <a:ea typeface="+mn-ea"/>
+                <a:cs typeface="+mn-cs"/>
+              </a:rPr>
+              <a:t> to be sensitive, but also cannot be ruled out as</a:t>
+            </a:r>
+          </a:p>
+          <a:p>
+            <a:r>
+              <a:rPr lang="en-US" sz="1200" b="0" i="0" u="none" strike="noStrike" kern="1200" baseline="0" dirty="0">
+                <a:solidFill>
+                  <a:schemeClr val="tx1"/>
+                </a:solidFill>
+                <a:latin typeface="Arial" charset="0"/>
+                <a:ea typeface="+mn-ea"/>
+                <a:cs typeface="+mn-cs"/>
+              </a:rPr>
+              <a:t>quasi-</a:t>
+            </a:r>
+            <a:r>
+              <a:rPr lang="en-US" sz="1200" b="0" i="0" u="none" strike="noStrike" kern="1200" baseline="0" dirty="0" err="1">
+                <a:solidFill>
+                  <a:schemeClr val="tx1"/>
+                </a:solidFill>
+                <a:latin typeface="Arial" charset="0"/>
+                <a:ea typeface="+mn-ea"/>
+                <a:cs typeface="+mn-cs"/>
+              </a:rPr>
+              <a:t>identiers</a:t>
+            </a:r>
+            <a:r>
+              <a:rPr lang="en-US" sz="1200" b="0" i="0" u="none" strike="noStrike" kern="1200" baseline="0" dirty="0">
+                <a:solidFill>
+                  <a:schemeClr val="tx1"/>
+                </a:solidFill>
+                <a:latin typeface="Arial" charset="0"/>
+                <a:ea typeface="+mn-ea"/>
+                <a:cs typeface="+mn-cs"/>
+              </a:rPr>
+              <a:t>. Such situations are quite likely in real</a:t>
+            </a:r>
+          </a:p>
+          <a:p>
+            <a:r>
+              <a:rPr lang="en-US" sz="1200" b="0" i="0" u="none" strike="noStrike" kern="1200" baseline="0" dirty="0">
+                <a:solidFill>
+                  <a:schemeClr val="tx1"/>
+                </a:solidFill>
+                <a:latin typeface="Arial" charset="0"/>
+                <a:ea typeface="+mn-ea"/>
+                <a:cs typeface="+mn-cs"/>
+              </a:rPr>
+              <a:t>life, since an adversary may also have personal </a:t>
+            </a:r>
+            <a:r>
+              <a:rPr lang="en-US" sz="1200" b="0" i="0" u="none" strike="noStrike" kern="1200" baseline="0" dirty="0" err="1">
+                <a:solidFill>
+                  <a:schemeClr val="tx1"/>
+                </a:solidFill>
+                <a:latin typeface="Arial" charset="0"/>
+                <a:ea typeface="+mn-ea"/>
+                <a:cs typeface="+mn-cs"/>
+              </a:rPr>
+              <a:t>knowl</a:t>
+            </a:r>
+            <a:r>
+              <a:rPr lang="en-US" sz="1200" b="0" i="0" u="none" strike="noStrike" kern="1200" baseline="0" dirty="0">
+                <a:solidFill>
+                  <a:schemeClr val="tx1"/>
+                </a:solidFill>
+                <a:latin typeface="Arial" charset="0"/>
+                <a:ea typeface="+mn-ea"/>
+                <a:cs typeface="+mn-cs"/>
+              </a:rPr>
+              <a:t>-</a:t>
+            </a:r>
+          </a:p>
+          <a:p>
+            <a:r>
+              <a:rPr lang="en-US" sz="1200" b="0" i="0" u="none" strike="noStrike" kern="1200" baseline="0" dirty="0">
+                <a:solidFill>
+                  <a:schemeClr val="tx1"/>
+                </a:solidFill>
+                <a:latin typeface="Arial" charset="0"/>
+                <a:ea typeface="+mn-ea"/>
+                <a:cs typeface="+mn-cs"/>
+              </a:rPr>
+              <a:t>edge of the target of interest. It is in fact quite likely</a:t>
+            </a:r>
+          </a:p>
+          <a:p>
+            <a:r>
+              <a:rPr lang="en-US" sz="1200" b="0" i="0" u="none" strike="noStrike" kern="1200" baseline="0" dirty="0">
+                <a:solidFill>
+                  <a:schemeClr val="tx1"/>
+                </a:solidFill>
+                <a:latin typeface="Arial" charset="0"/>
+                <a:ea typeface="+mn-ea"/>
+                <a:cs typeface="+mn-cs"/>
+              </a:rPr>
+              <a:t>that an adversary who is acquainted with a target of</a:t>
+            </a:r>
+          </a:p>
+          <a:p>
+            <a:r>
+              <a:rPr lang="en-US" sz="1200" b="0" i="0" u="none" strike="noStrike" kern="1200" baseline="0" dirty="0">
+                <a:solidFill>
+                  <a:schemeClr val="tx1"/>
+                </a:solidFill>
+                <a:latin typeface="Arial" charset="0"/>
+                <a:ea typeface="+mn-ea"/>
+                <a:cs typeface="+mn-cs"/>
+              </a:rPr>
+              <a:t>interest knows much more than is available from public</a:t>
+            </a:r>
+          </a:p>
+          <a:p>
+            <a:r>
+              <a:rPr lang="de-DE" sz="1200" b="0" i="0" u="none" strike="noStrike" kern="1200" baseline="0" dirty="0" err="1">
+                <a:solidFill>
+                  <a:schemeClr val="tx1"/>
+                </a:solidFill>
+                <a:latin typeface="Arial" charset="0"/>
+                <a:ea typeface="+mn-ea"/>
+                <a:cs typeface="+mn-cs"/>
+              </a:rPr>
+              <a:t>information</a:t>
+            </a:r>
+            <a:r>
+              <a:rPr lang="de-DE" sz="1200" b="0" i="0" u="none" strike="noStrike" kern="1200" baseline="0" dirty="0">
+                <a:solidFill>
+                  <a:schemeClr val="tx1"/>
+                </a:solidFill>
+                <a:latin typeface="Arial" charset="0"/>
+                <a:ea typeface="+mn-ea"/>
+                <a:cs typeface="+mn-cs"/>
+              </a:rPr>
+              <a:t>.</a:t>
+            </a:r>
+            <a:endParaRPr lang="en-US" sz="1200" b="0" i="0" u="none" strike="noStrike" kern="1200" baseline="0" dirty="0">
+              <a:solidFill>
+                <a:schemeClr val="tx1"/>
+              </a:solidFill>
+              <a:latin typeface="Arial" charset="0"/>
+              <a:ea typeface="+mn-ea"/>
+              <a:cs typeface="+mn-cs"/>
+            </a:endParaRPr>
+          </a:p>
+          <a:p>
+            <a:endParaRPr lang="en-US" sz="1200" b="0" i="0" u="none" strike="noStrike" kern="1200" baseline="0" dirty="0">
+              <a:solidFill>
+                <a:schemeClr val="tx1"/>
+              </a:solidFill>
+              <a:latin typeface="Arial" charset="0"/>
+              <a:ea typeface="+mn-ea"/>
+              <a:cs typeface="+mn-cs"/>
+            </a:endParaRPr>
+          </a:p>
+          <a:p>
+            <a:r>
+              <a:rPr lang="en-US" sz="1200" b="0" i="0" u="none" strike="noStrike" kern="1200" baseline="0" dirty="0">
+                <a:solidFill>
+                  <a:schemeClr val="tx1"/>
+                </a:solidFill>
+                <a:latin typeface="Arial" charset="0"/>
+                <a:ea typeface="+mn-ea"/>
+                <a:cs typeface="+mn-cs"/>
+              </a:rPr>
+              <a:t>In any real-life privacy attack, it is unlikely that the attacker would know </a:t>
+            </a:r>
+            <a:r>
+              <a:rPr lang="en-US" sz="1200" b="0" i="1" u="none" strike="noStrike" kern="1200" baseline="0" dirty="0">
+                <a:solidFill>
+                  <a:schemeClr val="tx1"/>
+                </a:solidFill>
+                <a:latin typeface="Arial" charset="0"/>
+                <a:ea typeface="+mn-ea"/>
+                <a:cs typeface="+mn-cs"/>
+              </a:rPr>
+              <a:t>all</a:t>
+            </a:r>
+          </a:p>
+          <a:p>
+            <a:r>
+              <a:rPr lang="en-US" sz="1200" b="0" i="0" u="none" strike="noStrike" kern="1200" baseline="0" dirty="0">
+                <a:solidFill>
+                  <a:schemeClr val="tx1"/>
+                </a:solidFill>
+                <a:latin typeface="Arial" charset="0"/>
+                <a:ea typeface="+mn-ea"/>
+                <a:cs typeface="+mn-cs"/>
+              </a:rPr>
+              <a:t>quasi-identifying attributes of a target victim due to the effort it would take to gather</a:t>
+            </a:r>
+          </a:p>
+          <a:p>
+            <a:r>
+              <a:rPr lang="en-US" sz="1200" b="0" i="0" u="none" strike="noStrike" kern="1200" baseline="0" dirty="0">
+                <a:solidFill>
+                  <a:schemeClr val="tx1"/>
+                </a:solidFill>
+                <a:latin typeface="Arial" charset="0"/>
+                <a:ea typeface="+mn-ea"/>
+                <a:cs typeface="+mn-cs"/>
+              </a:rPr>
+              <a:t>every piece of background knowledge. Thus, it is reasonable to bound the attacker’s</a:t>
+            </a:r>
+          </a:p>
+          <a:p>
+            <a:r>
+              <a:rPr lang="en-US" sz="1200" b="0" i="0" u="none" strike="noStrike" kern="1200" baseline="0" dirty="0">
+                <a:solidFill>
+                  <a:schemeClr val="tx1"/>
+                </a:solidFill>
+                <a:latin typeface="Arial" charset="0"/>
+                <a:ea typeface="+mn-ea"/>
+                <a:cs typeface="+mn-cs"/>
+              </a:rPr>
+              <a:t>background knowledge in the privacy model.</a:t>
+            </a:r>
+            <a:endParaRPr lang="de-DE" dirty="0"/>
+          </a:p>
+        </p:txBody>
+      </p:sp>
+      <p:sp>
+        <p:nvSpPr>
+          <p:cNvPr id="4" name="Foliennummernplatzhalter 3"/>
+          <p:cNvSpPr>
+            <a:spLocks noGrp="1"/>
+          </p:cNvSpPr>
+          <p:nvPr>
+            <p:ph type="sldNum" sz="quarter" idx="10"/>
+          </p:nvPr>
+        </p:nvSpPr>
+        <p:spPr/>
+        <p:txBody>
+          <a:bodyPr/>
+          <a:lstStyle/>
+          <a:p>
+            <a:pPr>
+              <a:defRPr/>
+            </a:pPr>
+            <a:fld id="{4351B0B5-D942-48DD-B88D-7AC11D76AF21}" type="slidenum">
+              <a:rPr lang="de-DE" smtClean="0"/>
+              <a:pPr>
+                <a:defRPr/>
+              </a:pPr>
+              <a:t>22</a:t>
+            </a:fld>
+            <a:endParaRPr lang="de-DE" dirty="0"/>
+          </a:p>
+        </p:txBody>
+      </p:sp>
+    </p:spTree>
+    <p:extLst>
+      <p:ext uri="{BB962C8B-B14F-4D97-AF65-F5344CB8AC3E}">
+        <p14:creationId xmlns:p14="http://schemas.microsoft.com/office/powerpoint/2010/main" val="1656114160"/>
+      </p:ext>
+    </p:extLst>
+  </p:cSld>
+  <p:clrMapOvr>
+    <a:masterClrMapping/>
+  </p:clrMapOvr>
+</p:notes>
+</file>
+
 <file path=ppt/notesSlides/notesSlide2.xml><?xml version="1.0" encoding="utf-8"?>
 <p:notes xmlns:a="http://schemas.openxmlformats.org/drawingml/2006/main" xmlns:r="http://schemas.openxmlformats.org/officeDocument/2006/relationships" xmlns:p="http://schemas.openxmlformats.org/presentationml/2006/main">
   <p:cSld>
@@ -1313,7 +1947,7 @@
                 <a:ea typeface="+mn-ea"/>
                 <a:cs typeface="+mn-cs"/>
               </a:rPr>
-              <a:t>char</a:t>
+              <a:t>Char.</a:t>
             </a:r>
           </a:p>
           <a:p>
@@ -1327,26 +1961,27 @@
             </a:endParaRPr>
           </a:p>
           <a:p>
-            <a:pPr marL="0" marR="0" lvl="0" indent="0" algn="l" defTabSz="914400" rtl="0" eaLnBrk="1" fontAlgn="base" latinLnBrk="0" hangingPunct="1">
-              <a:lnSpc>
-                <a:spcPct val="100000"/>
-              </a:lnSpc>
-              <a:spcBef>
-                <a:spcPct val="30000"/>
-              </a:spcBef>
-              <a:spcAft>
-                <a:spcPct val="0"/>
-              </a:spcAft>
-              <a:buClrTx/>
-              <a:buSzTx/>
-              <a:buFontTx/>
-              <a:buNone/>
-              <a:tabLst/>
-              <a:defRPr/>
-            </a:pPr>
-            <a:r>
-              <a:rPr lang="en-US" dirty="0"/>
-              <a:t>The idea of generalizing an attribute is a simple concept. A value is replaced by a less specific, more general value that is faithful to the original.</a:t>
+            <a:r>
+              <a:rPr lang="en-US" sz="1200" b="0" i="0" u="none" strike="noStrike" kern="1200" baseline="0" dirty="0" err="1">
+                <a:solidFill>
+                  <a:schemeClr val="tx1"/>
+                </a:solidFill>
+                <a:latin typeface="Arial" charset="0"/>
+                <a:ea typeface="+mn-ea"/>
+                <a:cs typeface="+mn-cs"/>
+              </a:rPr>
+              <a:t>Supression</a:t>
+            </a:r>
+            <a:r>
+              <a:rPr lang="en-US" sz="1200" b="0" i="0" u="none" strike="noStrike" kern="1200" baseline="0" dirty="0">
+                <a:solidFill>
+                  <a:schemeClr val="tx1"/>
+                </a:solidFill>
+                <a:latin typeface="Arial" charset="0"/>
+                <a:ea typeface="+mn-ea"/>
+                <a:cs typeface="+mn-cs"/>
+              </a:rPr>
+              <a:t> means get rid of a value at all</a:t>
             </a:r>
           </a:p>
           <a:p>
@@ -1369,6 +2004,81 @@
                 <a:ea typeface="+mn-ea"/>
                 <a:cs typeface="+mn-cs"/>
               </a:rPr>
+              <a:t>MaxSup</a:t>
+            </a:r>
+            <a:r>
+              <a:rPr lang="en-US" sz="1200" b="0" i="0" u="none" strike="noStrike" kern="1200" baseline="0" dirty="0">
+                <a:solidFill>
+                  <a:schemeClr val="tx1"/>
+                </a:solidFill>
+                <a:latin typeface="Arial" charset="0"/>
+                <a:ea typeface="+mn-ea"/>
+                <a:cs typeface="+mn-cs"/>
+              </a:rPr>
+              <a:t> means that in the hole k-anonymized dataset only some </a:t>
+            </a:r>
+            <a:r>
+              <a:rPr lang="en-US" sz="1200" b="0" i="0" u="none" strike="noStrike" kern="1200" baseline="0" dirty="0" err="1">
+                <a:solidFill>
+                  <a:schemeClr val="tx1"/>
+                </a:solidFill>
+                <a:latin typeface="Arial" charset="0"/>
+                <a:ea typeface="+mn-ea"/>
+                <a:cs typeface="+mn-cs"/>
+              </a:rPr>
+              <a:t>procentig</a:t>
+            </a:r>
+            <a:r>
+              <a:rPr lang="en-US" sz="1200" b="0" i="0" u="none" strike="noStrike" kern="1200" baseline="0" dirty="0">
+                <a:solidFill>
+                  <a:schemeClr val="tx1"/>
+                </a:solidFill>
+                <a:latin typeface="Arial" charset="0"/>
+                <a:ea typeface="+mn-ea"/>
+                <a:cs typeface="+mn-cs"/>
+              </a:rPr>
+              <a:t> of attributes are allowed to </a:t>
+            </a:r>
+            <a:r>
+              <a:rPr lang="en-US" sz="1200" b="0" i="0" u="none" strike="noStrike" kern="1200" baseline="0" dirty="0" err="1">
+                <a:solidFill>
+                  <a:schemeClr val="tx1"/>
+                </a:solidFill>
+                <a:latin typeface="Arial" charset="0"/>
+                <a:ea typeface="+mn-ea"/>
+                <a:cs typeface="+mn-cs"/>
+              </a:rPr>
+              <a:t>supressed</a:t>
+            </a:r>
+            <a:endParaRPr lang="en-US" sz="1200" b="0" i="0" u="none" strike="noStrike" kern="1200" baseline="0" dirty="0">
+              <a:solidFill>
+                <a:schemeClr val="tx1"/>
+              </a:solidFill>
+              <a:latin typeface="Arial" charset="0"/>
+              <a:ea typeface="+mn-ea"/>
+              <a:cs typeface="+mn-cs"/>
+            </a:endParaRPr>
+          </a:p>
+          <a:p>
+            <a:endParaRPr lang="en-US" sz="1200" b="0" i="0" u="none" strike="noStrike" kern="1200" baseline="0" dirty="0">
+              <a:solidFill>
+                <a:schemeClr val="tx1"/>
+              </a:solidFill>
+              <a:latin typeface="Arial" charset="0"/>
+              <a:ea typeface="+mn-ea"/>
+              <a:cs typeface="+mn-cs"/>
+            </a:endParaRPr>
+          </a:p>
+          <a:p>
+            <a:r>
+              <a:rPr lang="en-US" sz="1200" b="0" i="0" u="none" strike="noStrike" kern="1200" baseline="0" dirty="0" err="1">
+                <a:solidFill>
+                  <a:schemeClr val="tx1"/>
+                </a:solidFill>
+                <a:latin typeface="Arial" charset="0"/>
+                <a:ea typeface="+mn-ea"/>
+                <a:cs typeface="+mn-cs"/>
+              </a:rPr>
               <a:t>Supression</a:t>
             </a:r>
             <a:r>
@@ -1380,10 +2090,8 @@
                 <a:ea typeface="+mn-ea"/>
                 <a:cs typeface="+mn-cs"/>
               </a:rPr>
-              <a:t> problem: Suppression can drastically reduce the quality of the data</a:t>
-            </a:r>
-          </a:p>
-          <a:p>
+              <a:t> problem: Suppression can drastically reduce the quality of the data  </a:t>
+            </a:r>
             <a:r>
               <a:rPr lang="de-DE" sz="1200" b="0" i="0" u="none" strike="noStrike" kern="1200" baseline="0" dirty="0" err="1">
                 <a:solidFill>
@@ -1551,7 +2259,82 @@
           <a:bodyPr/>
           <a:lstStyle/>
           <a:p>
-            <a:endParaRPr lang="de-DE" dirty="0"/>
+            <a:r>
+              <a:rPr lang="de-DE" dirty="0"/>
+              <a:t>Here a </a:t>
+            </a:r>
+            <a:r>
+              <a:rPr lang="de-DE" dirty="0" err="1"/>
+              <a:t>some</a:t>
+            </a:r>
+            <a:r>
+              <a:rPr lang="de-DE" dirty="0"/>
+              <a:t>  </a:t>
+            </a:r>
+            <a:r>
+              <a:rPr lang="de-DE" dirty="0" err="1"/>
+              <a:t>generalization</a:t>
+            </a:r>
+            <a:r>
+              <a:rPr lang="de-DE" dirty="0"/>
+              <a:t> </a:t>
+            </a:r>
+            <a:r>
+              <a:rPr lang="de-DE" dirty="0" err="1"/>
+              <a:t>examples</a:t>
+            </a:r>
+            <a:r>
+              <a:rPr lang="de-DE" dirty="0"/>
+              <a:t> </a:t>
+            </a:r>
+            <a:r>
+              <a:rPr lang="de-DE" dirty="0" err="1"/>
+              <a:t>we</a:t>
+            </a:r>
+            <a:r>
+              <a:rPr lang="de-DE" dirty="0"/>
+              <a:t> will </a:t>
+            </a:r>
+            <a:r>
+              <a:rPr lang="de-DE" dirty="0" err="1"/>
+              <a:t>need</a:t>
+            </a:r>
+            <a:r>
+              <a:rPr lang="de-DE" dirty="0"/>
+              <a:t> </a:t>
+            </a:r>
+            <a:r>
+              <a:rPr lang="de-DE" dirty="0" err="1"/>
+              <a:t>to</a:t>
+            </a:r>
+            <a:r>
+              <a:rPr lang="de-DE" dirty="0"/>
+              <a:t> unterstand </a:t>
+            </a:r>
+            <a:r>
+              <a:rPr lang="de-DE" dirty="0" err="1"/>
+              <a:t>the</a:t>
+            </a:r>
+            <a:r>
+              <a:rPr lang="de-DE" dirty="0"/>
+              <a:t> </a:t>
+            </a:r>
+            <a:r>
+              <a:rPr lang="de-DE" dirty="0" err="1"/>
+              <a:t>following</a:t>
+            </a:r>
+            <a:r>
+              <a:rPr lang="de-DE" dirty="0"/>
+              <a:t> </a:t>
+            </a:r>
+            <a:r>
+              <a:rPr lang="de-DE" dirty="0" err="1"/>
+              <a:t>algrothm</a:t>
+            </a:r>
+            <a:r>
+              <a:rPr lang="de-DE" dirty="0"/>
+              <a:t>.</a:t>
+            </a:r>
           </a:p>
         </p:txBody>
       </p:sp>
@@ -3646,18 +4429,18 @@
                 <a:ea typeface="+mn-ea"/>
                 <a:cs typeface="+mn-cs"/>
               </a:rPr>
-              <a:t>The cloaking algorithm is run by the location protection broker on a trusted server, which anonymizes messages from the mobile nodes by </a:t>
-            </a:r>
-            <a:r>
-              <a:rPr lang="en-US" sz="1200" b="0" i="0" u="none" strike="noStrike" kern="1200" baseline="0" dirty="0">
-                <a:solidFill>
-                  <a:schemeClr val="tx1"/>
-                </a:solidFill>
-                <a:latin typeface="Arial" charset="0"/>
-                <a:ea typeface="+mn-ea"/>
-                <a:cs typeface="+mn-cs"/>
-              </a:rPr>
-              <a:t>cloaking </a:t>
+              <a:t>SO no we are looking to another </a:t>
+            </a:r>
+            <a:r>
+              <a:rPr lang="en-US" sz="1200" b="0" i="1" u="none" strike="noStrike" kern="1200" baseline="0" dirty="0" err="1">
+                <a:solidFill>
+                  <a:schemeClr val="tx1"/>
+                </a:solidFill>
+                <a:latin typeface="Arial" charset="0"/>
+                <a:ea typeface="+mn-ea"/>
+                <a:cs typeface="+mn-cs"/>
+              </a:rPr>
+              <a:t>realworld</a:t>
             </a:r>
             <a:r>
               <a:rPr lang="en-US" sz="1200" b="0" i="1" u="none" strike="noStrike" kern="1200" baseline="0" dirty="0">
@@ -3668,10 +4451,19 @@
                 <a:ea typeface="+mn-ea"/>
                 <a:cs typeface="+mn-cs"/>
               </a:rPr>
-              <a:t>the location information contained in</a:t>
-            </a:r>
-          </a:p>
-          <a:p>
+              <a:t> example of k-</a:t>
+            </a:r>
+            <a:r>
+              <a:rPr lang="en-US" sz="1200" b="0" i="1" u="none" strike="noStrike" kern="1200" baseline="0" dirty="0" err="1">
+                <a:solidFill>
+                  <a:schemeClr val="tx1"/>
+                </a:solidFill>
+                <a:latin typeface="Arial" charset="0"/>
+                <a:ea typeface="+mn-ea"/>
+                <a:cs typeface="+mn-cs"/>
+              </a:rPr>
+              <a:t>anonmization</a:t>
+            </a:r>
             <a:r>
               <a:rPr lang="en-US" sz="1200" b="0" i="1" u="none" strike="noStrike" kern="1200" baseline="0" dirty="0">
                 <a:solidFill>
@@ -3681,7 +4473,7 @@
                 <a:ea typeface="+mn-ea"/>
                 <a:cs typeface="+mn-cs"/>
               </a:rPr>
-              <a:t>the messages to reduce or avoid privacy threats before forwarding them to the LBS provider(s).</a:t>
+              <a:t> and its problems: The cloaking algorithm </a:t>
             </a:r>
           </a:p>
           <a:p>
@@ -3696,16 +4488,66 @@
           </a:p>
           <a:p>
             <a:r>
+              <a:rPr lang="en-US" sz="1200" b="0" i="1" u="none" strike="noStrike" kern="1200" baseline="0" dirty="0">
+                <a:solidFill>
+                  <a:schemeClr val="tx1"/>
+                </a:solidFill>
+                <a:latin typeface="Arial" charset="0"/>
+                <a:ea typeface="+mn-ea"/>
+                <a:cs typeface="+mn-cs"/>
+              </a:rPr>
+              <a:t>The cloaking algorithm is run by the location protection broker on a trusted server, which anonymizes messages from the mobile nodes by </a:t>
+            </a:r>
+            <a:r>
+              <a:rPr lang="en-US" sz="1200" b="0" i="0" u="none" strike="noStrike" kern="1200" baseline="0" dirty="0">
+                <a:solidFill>
+                  <a:schemeClr val="tx1"/>
+                </a:solidFill>
+                <a:latin typeface="Arial" charset="0"/>
+                <a:ea typeface="+mn-ea"/>
+                <a:cs typeface="+mn-cs"/>
+              </a:rPr>
+              <a:t>cloaking </a:t>
+            </a:r>
+            <a:r>
+              <a:rPr lang="en-US" sz="1200" b="0" i="1" u="none" strike="noStrike" kern="1200" baseline="0" dirty="0">
+                <a:solidFill>
+                  <a:schemeClr val="tx1"/>
+                </a:solidFill>
+                <a:latin typeface="Arial" charset="0"/>
+                <a:ea typeface="+mn-ea"/>
+                <a:cs typeface="+mn-cs"/>
+              </a:rPr>
+              <a:t>the location information contained in</a:t>
+            </a:r>
+          </a:p>
+          <a:p>
+            <a:r>
+              <a:rPr lang="en-US" sz="1200" b="0" i="1" u="none" strike="noStrike" kern="1200" baseline="0" dirty="0">
+                <a:solidFill>
+                  <a:schemeClr val="tx1"/>
+                </a:solidFill>
+                <a:latin typeface="Arial" charset="0"/>
+                <a:ea typeface="+mn-ea"/>
+                <a:cs typeface="+mn-cs"/>
+              </a:rPr>
+              <a:t>the messages to reduce or avoid privacy threats before forwarding them to the LBS provider(s).</a:t>
+            </a:r>
+          </a:p>
+          <a:p>
+            <a:endParaRPr lang="en-US" sz="1200" b="0" i="1" u="none" strike="noStrike" kern="1200" baseline="0" dirty="0">
+              <a:solidFill>
+                <a:schemeClr val="tx1"/>
+              </a:solidFill>
+              <a:latin typeface="Arial" charset="0"/>
+              <a:ea typeface="+mn-ea"/>
+              <a:cs typeface="+mn-cs"/>
+            </a:endParaRPr>
+          </a:p>
+          <a:p>
+            <a:r>
               <a:rPr lang="en-US" dirty="0"/>
-              <a:t>Restricted Space Identiﬁcation. If A knows that space L exclusively belongs to subject S then A learns that S is in L and S has sent M. For example, when the owner of a suburban house sends a message from his garage or driveway, the coordinates can be </a:t>
-            </a:r>
-            <a:r>
-              <a:rPr lang="en-US" dirty="0" err="1"/>
-              <a:t>correlatedwith</a:t>
-            </a:r>
-            <a:r>
-              <a:rPr lang="en-US" dirty="0"/>
-              <a:t> a </a:t>
+              <a:t>Restricted Space Identiﬁcation. If A knows that space L exclusively belongs to subject S then A learns that S is in L and S has sent M. For example, when the owner of a suburban house sends a message from his garage or driveway, the coordinates can be correlated with a </a:t>
             </a:r>
             <a:r>
               <a:rPr lang="en-US" dirty="0" err="1"/>
@@ -4850,6 +5692,17 @@
           <a:lstStyle/>
           <a:p>
             <a:r>
+              <a:rPr lang="da-DK" sz="1200" b="0" i="1" u="none" strike="noStrike" kern="1200" baseline="0" dirty="0">
+                <a:solidFill>
+                  <a:schemeClr val="tx1"/>
+                </a:solidFill>
+                <a:latin typeface="Arial" charset="0"/>
+                <a:ea typeface="+mn-ea"/>
+                <a:cs typeface="+mn-cs"/>
+              </a:rPr>
+              <a:t>They simulated simple traffic on an computer. They loaded a map of a region Georgia of 160 km2. And they got around 100000 cars the produced messages during the simulation. Each </a:t>
+            </a:r>
+            <a:r>
               <a:rPr lang="en-US" sz="1200" b="0" i="0" u="none" strike="noStrike" kern="1200" baseline="0" dirty="0">
                 <a:solidFill>
                   <a:schemeClr val="tx1"/>
@@ -4858,10 +5711,19 @@
                 <a:ea typeface="+mn-ea"/>
                 <a:cs typeface="+mn-cs"/>
               </a:rPr>
-              <a:t>Transaction data is usually high-dimensional. For example, Amazon.com has several</a:t>
-            </a:r>
-          </a:p>
-          <a:p>
+              <a:t>Each message specifies an anonymity level (</a:t>
+            </a:r>
+            <a:r>
+              <a:rPr lang="en-US" sz="1200" b="0" i="1" u="none" strike="noStrike" kern="1200" baseline="0" dirty="0">
+                <a:solidFill>
+                  <a:schemeClr val="tx1"/>
+                </a:solidFill>
+                <a:latin typeface="Arial" charset="0"/>
+                <a:ea typeface="+mn-ea"/>
+                <a:cs typeface="+mn-cs"/>
+              </a:rPr>
+              <a:t>k </a:t>
+            </a:r>
             <a:r>
               <a:rPr lang="en-US" sz="1200" b="0" i="0" u="none" strike="noStrike" kern="1200" baseline="0" dirty="0">
                 <a:solidFill>
@@ -4871,103 +5733,121 @@
                 <a:ea typeface="+mn-ea"/>
                 <a:cs typeface="+mn-cs"/>
               </a:rPr>
-              <a:t>million catalog items. Each dimension could be a potential </a:t>
-            </a:r>
-            <a:r>
-              <a:rPr lang="en-US" sz="1200" b="0" i="1" u="none" strike="noStrike" kern="1200" baseline="0" dirty="0">
-                <a:solidFill>
-                  <a:schemeClr val="tx1"/>
-                </a:solidFill>
-                <a:latin typeface="Arial" charset="0"/>
-                <a:ea typeface="+mn-ea"/>
-                <a:cs typeface="+mn-cs"/>
-              </a:rPr>
-              <a:t>QID </a:t>
-            </a:r>
-            <a:r>
-              <a:rPr lang="en-US" sz="1200" b="0" i="0" u="none" strike="noStrike" kern="1200" baseline="0" dirty="0">
-                <a:solidFill>
-                  <a:schemeClr val="tx1"/>
-                </a:solidFill>
-                <a:latin typeface="Arial" charset="0"/>
-                <a:ea typeface="+mn-ea"/>
-                <a:cs typeface="+mn-cs"/>
-              </a:rPr>
-              <a:t>attribute used</a:t>
-            </a:r>
-          </a:p>
-          <a:p>
-            <a:r>
-              <a:rPr lang="en-US" sz="1200" b="0" i="0" u="none" strike="noStrike" kern="1200" baseline="0" dirty="0">
-                <a:solidFill>
-                  <a:schemeClr val="tx1"/>
-                </a:solidFill>
-                <a:latin typeface="Arial" charset="0"/>
-                <a:ea typeface="+mn-ea"/>
-                <a:cs typeface="+mn-cs"/>
-              </a:rPr>
-              <a:t>for record or attribute linkages; therefore, employing traditional privacy models, such</a:t>
-            </a:r>
-          </a:p>
-          <a:p>
-            <a:r>
-              <a:rPr lang="en-US" sz="1200" b="0" i="0" u="none" strike="noStrike" kern="1200" baseline="0" dirty="0">
-                <a:solidFill>
-                  <a:schemeClr val="tx1"/>
-                </a:solidFill>
-                <a:latin typeface="Arial" charset="0"/>
-                <a:ea typeface="+mn-ea"/>
-                <a:cs typeface="+mn-cs"/>
-              </a:rPr>
-              <a:t>as </a:t>
-            </a:r>
-            <a:r>
-              <a:rPr lang="en-US" sz="1200" b="0" i="1" u="none" strike="noStrike" kern="1200" baseline="0" dirty="0">
-                <a:solidFill>
-                  <a:schemeClr val="tx1"/>
-                </a:solidFill>
-                <a:latin typeface="Arial" charset="0"/>
-                <a:ea typeface="+mn-ea"/>
-                <a:cs typeface="+mn-cs"/>
-              </a:rPr>
-              <a:t>k</a:t>
-            </a:r>
-            <a:r>
-              <a:rPr lang="en-US" sz="1200" b="0" i="0" u="none" strike="noStrike" kern="1200" baseline="0" dirty="0">
-                <a:solidFill>
-                  <a:schemeClr val="tx1"/>
-                </a:solidFill>
-                <a:latin typeface="Arial" charset="0"/>
-                <a:ea typeface="+mn-ea"/>
-                <a:cs typeface="+mn-cs"/>
-              </a:rPr>
-              <a:t>-anonymity, would require including all dimensions into a single </a:t>
-            </a:r>
-            <a:r>
-              <a:rPr lang="en-US" sz="1200" b="0" i="1" u="none" strike="noStrike" kern="1200" baseline="0" dirty="0">
-                <a:solidFill>
-                  <a:schemeClr val="tx1"/>
-                </a:solidFill>
-                <a:latin typeface="Arial" charset="0"/>
-                <a:ea typeface="+mn-ea"/>
-                <a:cs typeface="+mn-cs"/>
-              </a:rPr>
-              <a:t>QID</a:t>
-            </a:r>
-            <a:r>
-              <a:rPr lang="en-US" sz="1200" b="0" i="0" u="none" strike="noStrike" kern="1200" baseline="0" dirty="0">
-                <a:solidFill>
-                  <a:schemeClr val="tx1"/>
-                </a:solidFill>
-                <a:latin typeface="Arial" charset="0"/>
-                <a:ea typeface="+mn-ea"/>
-                <a:cs typeface="+mn-cs"/>
-              </a:rPr>
-              <a:t>.</a:t>
-            </a:r>
-          </a:p>
-          <a:p>
-            <a:endParaRPr lang="en-US" sz="1200" b="0" i="0" u="none" strike="noStrike" kern="1200" baseline="0" dirty="0">
+              <a:t>value) from the </a:t>
+            </a:r>
+            <a:r>
+              <a:rPr lang="da-DK" sz="1200" b="0" i="0" u="none" strike="noStrike" kern="1200" baseline="0" dirty="0">
+                <a:solidFill>
+                  <a:schemeClr val="tx1"/>
+                </a:solidFill>
+                <a:latin typeface="Arial" charset="0"/>
+                <a:ea typeface="+mn-ea"/>
+                <a:cs typeface="+mn-cs"/>
+              </a:rPr>
+              <a:t>list </a:t>
+            </a:r>
+            <a:r>
+              <a:rPr lang="da-DK" sz="1200" b="0" i="1" u="none" strike="noStrike" kern="1200" baseline="0" dirty="0">
+                <a:solidFill>
+                  <a:schemeClr val="tx1"/>
+                </a:solidFill>
+                <a:latin typeface="Arial" charset="0"/>
+                <a:ea typeface="+mn-ea"/>
+                <a:cs typeface="+mn-cs"/>
+              </a:rPr>
+              <a:t>{</a:t>
+            </a:r>
+            <a:r>
+              <a:rPr lang="da-DK" sz="1200" b="0" i="0" u="none" strike="noStrike" kern="1200" baseline="0" dirty="0">
+                <a:solidFill>
+                  <a:schemeClr val="tx1"/>
+                </a:solidFill>
+                <a:latin typeface="Arial" charset="0"/>
+                <a:ea typeface="+mn-ea"/>
+                <a:cs typeface="+mn-cs"/>
+              </a:rPr>
+              <a:t>5</a:t>
+            </a:r>
+            <a:r>
+              <a:rPr lang="da-DK" sz="1200" b="0" i="1" u="none" strike="noStrike" kern="1200" baseline="0" dirty="0">
+                <a:solidFill>
+                  <a:schemeClr val="tx1"/>
+                </a:solidFill>
+                <a:latin typeface="Arial" charset="0"/>
+                <a:ea typeface="+mn-ea"/>
+                <a:cs typeface="+mn-cs"/>
+              </a:rPr>
+              <a:t>, </a:t>
+            </a:r>
+            <a:r>
+              <a:rPr lang="da-DK" sz="1200" b="0" i="0" u="none" strike="noStrike" kern="1200" baseline="0" dirty="0">
+                <a:solidFill>
+                  <a:schemeClr val="tx1"/>
+                </a:solidFill>
+                <a:latin typeface="Arial" charset="0"/>
+                <a:ea typeface="+mn-ea"/>
+                <a:cs typeface="+mn-cs"/>
+              </a:rPr>
+              <a:t>4</a:t>
+            </a:r>
+            <a:r>
+              <a:rPr lang="da-DK" sz="1200" b="0" i="1" u="none" strike="noStrike" kern="1200" baseline="0" dirty="0">
+                <a:solidFill>
+                  <a:schemeClr val="tx1"/>
+                </a:solidFill>
+                <a:latin typeface="Arial" charset="0"/>
+                <a:ea typeface="+mn-ea"/>
+                <a:cs typeface="+mn-cs"/>
+              </a:rPr>
+              <a:t>, </a:t>
+            </a:r>
+            <a:r>
+              <a:rPr lang="da-DK" sz="1200" b="0" i="0" u="none" strike="noStrike" kern="1200" baseline="0" dirty="0">
+                <a:solidFill>
+                  <a:schemeClr val="tx1"/>
+                </a:solidFill>
+                <a:latin typeface="Arial" charset="0"/>
+                <a:ea typeface="+mn-ea"/>
+                <a:cs typeface="+mn-cs"/>
+              </a:rPr>
+              <a:t>3</a:t>
+            </a:r>
+            <a:r>
+              <a:rPr lang="da-DK" sz="1200" b="0" i="1" u="none" strike="noStrike" kern="1200" baseline="0" dirty="0">
+                <a:solidFill>
+                  <a:schemeClr val="tx1"/>
+                </a:solidFill>
+                <a:latin typeface="Arial" charset="0"/>
+                <a:ea typeface="+mn-ea"/>
+                <a:cs typeface="+mn-cs"/>
+              </a:rPr>
+              <a:t>, </a:t>
+            </a:r>
+            <a:r>
+              <a:rPr lang="da-DK" sz="1200" b="0" i="0" u="none" strike="noStrike" kern="1200" baseline="0" dirty="0">
+                <a:solidFill>
+                  <a:schemeClr val="tx1"/>
+                </a:solidFill>
+                <a:latin typeface="Arial" charset="0"/>
+                <a:ea typeface="+mn-ea"/>
+                <a:cs typeface="+mn-cs"/>
+              </a:rPr>
+              <a:t>2</a:t>
+            </a:r>
+            <a:r>
+              <a:rPr lang="da-DK" sz="1200" b="0" i="1" u="none" strike="noStrike" kern="1200" baseline="0" dirty="0">
+                <a:solidFill>
+                  <a:schemeClr val="tx1"/>
+                </a:solidFill>
+                <a:latin typeface="Arial" charset="0"/>
+                <a:ea typeface="+mn-ea"/>
+                <a:cs typeface="+mn-cs"/>
+              </a:rPr>
+              <a:t>}.</a:t>
+            </a:r>
+          </a:p>
+          <a:p>
+            <a:endParaRPr lang="da-DK" sz="1200" b="0" i="1" u="none" strike="noStrike" kern="1200" baseline="0" dirty="0">
               <a:solidFill>
                 <a:schemeClr val="tx1"/>
               </a:solidFill>
@@ -4977,103 +5857,7 @@
             </a:endParaRPr>
           </a:p>
           <a:p>
-            <a:r>
-              <a:rPr lang="de-DE" sz="1200" b="0" i="0" u="none" strike="noStrike" kern="1200" baseline="0" dirty="0">
-                <a:solidFill>
-                  <a:schemeClr val="tx1"/>
-                </a:solidFill>
-                <a:latin typeface="Arial" charset="0"/>
-                <a:ea typeface="+mn-ea"/>
-                <a:cs typeface="+mn-cs"/>
-              </a:rPr>
-              <a:t>Due to the</a:t>
-            </a:r>
-          </a:p>
-          <a:p>
-            <a:r>
-              <a:rPr lang="en-US" sz="1200" b="0" i="0" u="none" strike="noStrike" kern="1200" baseline="0" dirty="0">
-                <a:solidFill>
-                  <a:schemeClr val="tx1"/>
-                </a:solidFill>
-                <a:latin typeface="Arial" charset="0"/>
-                <a:ea typeface="+mn-ea"/>
-                <a:cs typeface="+mn-cs"/>
-              </a:rPr>
-              <a:t>curse of high-dimensionality [Aggarwal 2005], it is very likely that lots of data has to</a:t>
-            </a:r>
-          </a:p>
-          <a:p>
-            <a:r>
-              <a:rPr lang="en-US" sz="1200" b="0" i="0" u="none" strike="noStrike" kern="1200" baseline="0" dirty="0">
-                <a:solidFill>
-                  <a:schemeClr val="tx1"/>
-                </a:solidFill>
-                <a:latin typeface="Arial" charset="0"/>
-                <a:ea typeface="+mn-ea"/>
-                <a:cs typeface="+mn-cs"/>
-              </a:rPr>
-              <a:t>be suppressed or generalized to the top-most values in order to satisfy </a:t>
-            </a:r>
-            <a:r>
-              <a:rPr lang="en-US" sz="1200" b="0" i="1" u="none" strike="noStrike" kern="1200" baseline="0" dirty="0">
-                <a:solidFill>
-                  <a:schemeClr val="tx1"/>
-                </a:solidFill>
-                <a:latin typeface="Arial" charset="0"/>
-                <a:ea typeface="+mn-ea"/>
-                <a:cs typeface="+mn-cs"/>
-              </a:rPr>
-              <a:t>k</a:t>
-            </a:r>
-            <a:r>
-              <a:rPr lang="en-US" sz="1200" b="0" i="0" u="none" strike="noStrike" kern="1200" baseline="0" dirty="0">
-                <a:solidFill>
-                  <a:schemeClr val="tx1"/>
-                </a:solidFill>
-                <a:latin typeface="Arial" charset="0"/>
-                <a:ea typeface="+mn-ea"/>
-                <a:cs typeface="+mn-cs"/>
-              </a:rPr>
-              <a:t>-anonymity,</a:t>
-            </a:r>
-          </a:p>
-          <a:p>
-            <a:r>
-              <a:rPr lang="en-US" sz="1200" b="0" i="0" u="none" strike="noStrike" kern="1200" baseline="0" dirty="0">
-                <a:solidFill>
-                  <a:schemeClr val="tx1"/>
-                </a:solidFill>
-                <a:latin typeface="Arial" charset="0"/>
-                <a:ea typeface="+mn-ea"/>
-                <a:cs typeface="+mn-cs"/>
-              </a:rPr>
-              <a:t>even if </a:t>
-            </a:r>
-            <a:r>
-              <a:rPr lang="en-US" sz="1200" b="0" i="1" u="none" strike="noStrike" kern="1200" baseline="0" dirty="0">
-                <a:solidFill>
-                  <a:schemeClr val="tx1"/>
-                </a:solidFill>
-                <a:latin typeface="Arial" charset="0"/>
-                <a:ea typeface="+mn-ea"/>
-                <a:cs typeface="+mn-cs"/>
-              </a:rPr>
-              <a:t>k </a:t>
-            </a:r>
-            <a:r>
-              <a:rPr lang="en-US" sz="1200" b="0" i="0" u="none" strike="noStrike" kern="1200" baseline="0" dirty="0">
-                <a:solidFill>
-                  <a:schemeClr val="tx1"/>
-                </a:solidFill>
-                <a:latin typeface="Arial" charset="0"/>
-                <a:ea typeface="+mn-ea"/>
-                <a:cs typeface="+mn-cs"/>
-              </a:rPr>
-              <a:t>is small. Obviously, such anonymous data is useless for data analysis.</a:t>
-            </a:r>
-          </a:p>
-          <a:p>
-            <a:endParaRPr lang="en-US" sz="1200" b="0" i="0" u="none" strike="noStrike" kern="1200" baseline="0" dirty="0">
+            <a:endParaRPr lang="da-DK" sz="1200" b="0" i="1" u="none" strike="noStrike" kern="1200" baseline="0" dirty="0">
               <a:solidFill>
                 <a:schemeClr val="tx1"/>
               </a:solidFill>
@@ -5083,197 +5867,7 @@
             </a:endParaRPr>
           </a:p>
           <a:p>
-            <a:r>
-              <a:rPr lang="en-US" sz="1200" b="0" i="0" u="none" strike="noStrike" kern="1200" baseline="0" dirty="0">
-                <a:solidFill>
-                  <a:schemeClr val="tx1"/>
-                </a:solidFill>
-                <a:latin typeface="Arial" charset="0"/>
-                <a:ea typeface="+mn-ea"/>
-                <a:cs typeface="+mn-cs"/>
-              </a:rPr>
-              <a:t>In such cases, many attributes (</a:t>
-            </a:r>
-            <a:r>
-              <a:rPr lang="en-US" sz="1200" b="0" i="0" u="none" strike="noStrike" kern="1200" baseline="0" dirty="0" err="1">
-                <a:solidFill>
-                  <a:schemeClr val="tx1"/>
-                </a:solidFill>
-                <a:latin typeface="Arial" charset="0"/>
-                <a:ea typeface="+mn-ea"/>
-                <a:cs typeface="+mn-cs"/>
-              </a:rPr>
-              <a:t>eg.</a:t>
-            </a:r>
-            <a:r>
-              <a:rPr lang="en-US" sz="1200" b="0" i="0" u="none" strike="noStrike" kern="1200" baseline="0" dirty="0">
-                <a:solidFill>
-                  <a:schemeClr val="tx1"/>
-                </a:solidFill>
-                <a:latin typeface="Arial" charset="0"/>
-                <a:ea typeface="+mn-ea"/>
-                <a:cs typeface="+mn-cs"/>
-              </a:rPr>
-              <a:t> salary) con-</a:t>
-            </a:r>
-          </a:p>
-          <a:p>
-            <a:r>
-              <a:rPr lang="en-US" sz="1200" b="0" i="0" u="none" strike="noStrike" kern="1200" baseline="0" dirty="0" err="1">
-                <a:solidFill>
-                  <a:schemeClr val="tx1"/>
-                </a:solidFill>
-                <a:latin typeface="Arial" charset="0"/>
-                <a:ea typeface="+mn-ea"/>
-                <a:cs typeface="+mn-cs"/>
-              </a:rPr>
-              <a:t>tinue</a:t>
-            </a:r>
-            <a:r>
-              <a:rPr lang="en-US" sz="1200" b="0" i="0" u="none" strike="noStrike" kern="1200" baseline="0" dirty="0">
-                <a:solidFill>
-                  <a:schemeClr val="tx1"/>
-                </a:solidFill>
-                <a:latin typeface="Arial" charset="0"/>
-                <a:ea typeface="+mn-ea"/>
-                <a:cs typeface="+mn-cs"/>
-              </a:rPr>
-              <a:t> to be sensitive, but also cannot be ruled out as</a:t>
-            </a:r>
-          </a:p>
-          <a:p>
-            <a:r>
-              <a:rPr lang="en-US" sz="1200" b="0" i="0" u="none" strike="noStrike" kern="1200" baseline="0" dirty="0">
-                <a:solidFill>
-                  <a:schemeClr val="tx1"/>
-                </a:solidFill>
-                <a:latin typeface="Arial" charset="0"/>
-                <a:ea typeface="+mn-ea"/>
-                <a:cs typeface="+mn-cs"/>
-              </a:rPr>
-              <a:t>quasi-</a:t>
-            </a:r>
-            <a:r>
-              <a:rPr lang="en-US" sz="1200" b="0" i="0" u="none" strike="noStrike" kern="1200" baseline="0" dirty="0" err="1">
-                <a:solidFill>
-                  <a:schemeClr val="tx1"/>
-                </a:solidFill>
-                <a:latin typeface="Arial" charset="0"/>
-                <a:ea typeface="+mn-ea"/>
-                <a:cs typeface="+mn-cs"/>
-              </a:rPr>
-              <a:t>identiers</a:t>
-            </a:r>
-            <a:r>
-              <a:rPr lang="en-US" sz="1200" b="0" i="0" u="none" strike="noStrike" kern="1200" baseline="0" dirty="0">
-                <a:solidFill>
-                  <a:schemeClr val="tx1"/>
-                </a:solidFill>
-                <a:latin typeface="Arial" charset="0"/>
-                <a:ea typeface="+mn-ea"/>
-                <a:cs typeface="+mn-cs"/>
-              </a:rPr>
-              <a:t>. Such situations are quite likely in real</a:t>
-            </a:r>
-          </a:p>
-          <a:p>
-            <a:r>
-              <a:rPr lang="en-US" sz="1200" b="0" i="0" u="none" strike="noStrike" kern="1200" baseline="0" dirty="0">
-                <a:solidFill>
-                  <a:schemeClr val="tx1"/>
-                </a:solidFill>
-                <a:latin typeface="Arial" charset="0"/>
-                <a:ea typeface="+mn-ea"/>
-                <a:cs typeface="+mn-cs"/>
-              </a:rPr>
-              <a:t>life, since an adversary may also have personal </a:t>
-            </a:r>
-            <a:r>
-              <a:rPr lang="en-US" sz="1200" b="0" i="0" u="none" strike="noStrike" kern="1200" baseline="0" dirty="0" err="1">
-                <a:solidFill>
-                  <a:schemeClr val="tx1"/>
-                </a:solidFill>
-                <a:latin typeface="Arial" charset="0"/>
-                <a:ea typeface="+mn-ea"/>
-                <a:cs typeface="+mn-cs"/>
-              </a:rPr>
-              <a:t>knowl</a:t>
-            </a:r>
-            <a:r>
-              <a:rPr lang="en-US" sz="1200" b="0" i="0" u="none" strike="noStrike" kern="1200" baseline="0" dirty="0">
-                <a:solidFill>
-                  <a:schemeClr val="tx1"/>
-                </a:solidFill>
-                <a:latin typeface="Arial" charset="0"/>
-                <a:ea typeface="+mn-ea"/>
-                <a:cs typeface="+mn-cs"/>
-              </a:rPr>
-              <a:t>-</a:t>
-            </a:r>
-          </a:p>
-          <a:p>
-            <a:r>
-              <a:rPr lang="en-US" sz="1200" b="0" i="0" u="none" strike="noStrike" kern="1200" baseline="0" dirty="0">
-                <a:solidFill>
-                  <a:schemeClr val="tx1"/>
-                </a:solidFill>
-                <a:latin typeface="Arial" charset="0"/>
-                <a:ea typeface="+mn-ea"/>
-                <a:cs typeface="+mn-cs"/>
-              </a:rPr>
-              <a:t>edge of the target of interest. It is in fact quite likely</a:t>
-            </a:r>
-          </a:p>
-          <a:p>
-            <a:r>
-              <a:rPr lang="en-US" sz="1200" b="0" i="0" u="none" strike="noStrike" kern="1200" baseline="0" dirty="0">
-                <a:solidFill>
-                  <a:schemeClr val="tx1"/>
-                </a:solidFill>
-                <a:latin typeface="Arial" charset="0"/>
-                <a:ea typeface="+mn-ea"/>
-                <a:cs typeface="+mn-cs"/>
-              </a:rPr>
-              <a:t>that an adversary who is acquainted with a target of</a:t>
-            </a:r>
-          </a:p>
-          <a:p>
-            <a:r>
-              <a:rPr lang="en-US" sz="1200" b="0" i="0" u="none" strike="noStrike" kern="1200" baseline="0" dirty="0">
-                <a:solidFill>
-                  <a:schemeClr val="tx1"/>
-                </a:solidFill>
-                <a:latin typeface="Arial" charset="0"/>
-                <a:ea typeface="+mn-ea"/>
-                <a:cs typeface="+mn-cs"/>
-              </a:rPr>
-              <a:t>interest knows much more than is available from public</a:t>
-            </a:r>
-          </a:p>
-          <a:p>
-            <a:r>
-              <a:rPr lang="de-DE" sz="1200" b="0" i="0" u="none" strike="noStrike" kern="1200" baseline="0" dirty="0" err="1">
-                <a:solidFill>
-                  <a:schemeClr val="tx1"/>
-                </a:solidFill>
-                <a:latin typeface="Arial" charset="0"/>
-                <a:ea typeface="+mn-ea"/>
-                <a:cs typeface="+mn-cs"/>
-              </a:rPr>
-              <a:t>information</a:t>
-            </a:r>
-            <a:r>
-              <a:rPr lang="de-DE" sz="1200" b="0" i="0" u="none" strike="noStrike" kern="1200" baseline="0" dirty="0">
-                <a:solidFill>
-                  <a:schemeClr val="tx1"/>
-                </a:solidFill>
-                <a:latin typeface="Arial" charset="0"/>
-                <a:ea typeface="+mn-ea"/>
-                <a:cs typeface="+mn-cs"/>
-              </a:rPr>
-              <a:t>.</a:t>
-            </a:r>
-            <a:endParaRPr lang="en-US" sz="1200" b="0" i="0" u="none" strike="noStrike" kern="1200" baseline="0" dirty="0">
+            <a:endParaRPr lang="da-DK" sz="1200" b="0" i="1" u="none" strike="noStrike" kern="1200" baseline="0" dirty="0">
               <a:solidFill>
                 <a:schemeClr val="tx1"/>
               </a:solidFill>
@@ -5283,76 +5877,16 @@
             </a:endParaRPr>
           </a:p>
           <a:p>
-            <a:endParaRPr lang="en-US" sz="1200" b="0" i="0" u="none" strike="noStrike" kern="1200" baseline="0" dirty="0">
-              <a:solidFill>
-                <a:schemeClr val="tx1"/>
-              </a:solidFill>
-              <a:latin typeface="Arial" charset="0"/>
-              <a:ea typeface="+mn-ea"/>
-              <a:cs typeface="+mn-cs"/>
-            </a:endParaRPr>
-          </a:p>
-          <a:p>
-            <a:r>
-              <a:rPr lang="en-US" sz="1200" b="0" i="0" u="none" strike="noStrike" kern="1200" baseline="0" dirty="0">
-                <a:solidFill>
-                  <a:schemeClr val="tx1"/>
-                </a:solidFill>
-                <a:latin typeface="Arial" charset="0"/>
-                <a:ea typeface="+mn-ea"/>
-                <a:cs typeface="+mn-cs"/>
-              </a:rPr>
-              <a:t>In any real-life privacy attack, it is unlikely that the attacker would know </a:t>
-            </a:r>
-            <a:r>
-              <a:rPr lang="en-US" sz="1200" b="0" i="1" u="none" strike="noStrike" kern="1200" baseline="0" dirty="0">
-                <a:solidFill>
-                  <a:schemeClr val="tx1"/>
-                </a:solidFill>
-                <a:latin typeface="Arial" charset="0"/>
-                <a:ea typeface="+mn-ea"/>
-                <a:cs typeface="+mn-cs"/>
-              </a:rPr>
-              <a:t>all</a:t>
-            </a:r>
-          </a:p>
-          <a:p>
-            <a:r>
-              <a:rPr lang="en-US" sz="1200" b="0" i="0" u="none" strike="noStrike" kern="1200" baseline="0" dirty="0">
-                <a:solidFill>
-                  <a:schemeClr val="tx1"/>
-                </a:solidFill>
-                <a:latin typeface="Arial" charset="0"/>
-                <a:ea typeface="+mn-ea"/>
-                <a:cs typeface="+mn-cs"/>
-              </a:rPr>
-              <a:t>quasi-identifying attributes of a target victim due to the effort it would take to gather</a:t>
-            </a:r>
-          </a:p>
-          <a:p>
-            <a:r>
-              <a:rPr lang="en-US" sz="1200" b="0" i="0" u="none" strike="noStrike" kern="1200" baseline="0" dirty="0">
-                <a:solidFill>
-                  <a:schemeClr val="tx1"/>
-                </a:solidFill>
-                <a:latin typeface="Arial" charset="0"/>
-                <a:ea typeface="+mn-ea"/>
-                <a:cs typeface="+mn-cs"/>
-              </a:rPr>
-              <a:t>every piece of background knowledge. Thus, it is reasonable to bound the attacker’s</a:t>
-            </a:r>
-          </a:p>
-          <a:p>
-            <a:r>
-              <a:rPr lang="en-US" sz="1200" b="0" i="0" u="none" strike="noStrike" kern="1200" baseline="0" dirty="0">
-                <a:solidFill>
-                  <a:schemeClr val="tx1"/>
-                </a:solidFill>
-                <a:latin typeface="Arial" charset="0"/>
-                <a:ea typeface="+mn-ea"/>
-                <a:cs typeface="+mn-cs"/>
-              </a:rPr>
-              <a:t>background knowledge in the privacy model.</a:t>
+            <a:r>
+              <a:rPr lang="da-DK" sz="1200" b="0" i="1" u="none" strike="noStrike" kern="1200" baseline="0" dirty="0">
+                <a:solidFill>
+                  <a:schemeClr val="tx1"/>
+                </a:solidFill>
+                <a:latin typeface="Arial" charset="0"/>
+                <a:ea typeface="+mn-ea"/>
+                <a:cs typeface="+mn-cs"/>
+              </a:rPr>
+              <a:t> </a:t>
             </a:r>
             <a:endParaRPr lang="de-DE" dirty="0"/>
           </a:p>
@@ -5383,14 +5917,14 @@
               </a:pPr>
               <a:t>21</a:t>
             </a:fld>
-            <a:endParaRPr lang="de-DE" dirty="0"/>
+            <a:endParaRPr lang="de-DE"/>
           </a:p>
         </p:txBody>
       </p:sp>
     </p:spTree>
     <p:extLst>
       <p:ext uri="{BB962C8B-B14F-4D97-AF65-F5344CB8AC3E}">
-        <p14:creationId xmlns:p14="http://schemas.microsoft.com/office/powerpoint/2010/main" val="1656114160"/>
+        <p14:creationId xmlns:p14="http://schemas.microsoft.com/office/powerpoint/2010/main" val="4141637321"/>
       </p:ext>
     </p:extLst>
   </p:cSld>
@@ -8698,6 +9232,18 @@
           <a:p>
             <a:r>
               <a:rPr lang="en-US" dirty="0"/>
+              <a:t>Generalizing: a value is replaced by a less specific, more general value </a:t>
+            </a:r>
+          </a:p>
+          <a:p>
+            <a:r>
+              <a:rPr lang="en-US" dirty="0"/>
+              <a:t>Generalization include Suppression</a:t>
+            </a:r>
+          </a:p>
+          <a:p>
+            <a:r>
+              <a:rPr lang="en-US" dirty="0"/>
               <a:t>Suppression refers to removing a certain attribute value</a:t>
             </a:r>
             <a:endParaRPr lang="en-US" i="1" dirty="0"/>
@@ -8708,8 +9254,8 @@
               <a:t>Some </a:t>
             </a:r>
             <a:r>
-              <a:rPr lang="en-US" dirty="0" err="1"/>
-              <a:t>algorthim</a:t>
+              <a:rPr lang="de-DE" dirty="0" err="1"/>
+              <a:t>Algorithm</a:t>
             </a:r>
             <a:r>
               <a:rPr lang="en-US" dirty="0"/>
@@ -8717,21 +9263,9 @@
             </a:r>
             <a:r>
               <a:rPr lang="en-US" dirty="0" err="1"/>
-              <a:t>maxsup</a:t>
+              <a:t>MaxSup</a:t>
             </a:r>
             <a:endParaRPr lang="en-US" dirty="0"/>
-          </a:p>
-          <a:p>
-            <a:r>
-              <a:rPr lang="en-US" dirty="0"/>
-              <a:t>Generalizing: a value is replaced by a less specific, more general value </a:t>
-            </a:r>
-          </a:p>
-          <a:p>
-            <a:r>
-              <a:rPr lang="en-US" dirty="0"/>
-              <a:t>Generalization include Suppression </a:t>
-            </a:r>
           </a:p>
           <a:p>
             <a:r>
@@ -8755,15 +9289,7 @@
           <a:p>
             <a:r>
               <a:rPr lang="en-US" dirty="0"/>
-              <a:t>Problem: </a:t>
-            </a:r>
-            <a:r>
-              <a:rPr lang="en-US" dirty="0" err="1"/>
-              <a:t>Supression</a:t>
-            </a:r>
-            <a:r>
-              <a:rPr lang="en-US" dirty="0"/>
-              <a:t> can drastically</a:t>
+              <a:t>Problem: Suppression can drastically</a:t>
             </a:r>
           </a:p>
           <a:p>
@@ -8888,8 +9414,28 @@
           <a:lstStyle/>
           <a:p>
             <a:r>
-              <a:rPr lang="de-DE"/>
-              <a:t>K-Anonymity Generalization and Supression</a:t>
+              <a:rPr lang="de-DE" dirty="0"/>
+              <a:t>K-</a:t>
+            </a:r>
+            <a:r>
+              <a:rPr lang="de-DE" dirty="0" err="1"/>
+              <a:t>Anonymity</a:t>
+            </a:r>
+            <a:r>
+              <a:rPr lang="de-DE" dirty="0"/>
+              <a:t> </a:t>
+            </a:r>
+            <a:r>
+              <a:rPr lang="de-DE" dirty="0" err="1"/>
+              <a:t>Generalization</a:t>
+            </a:r>
+            <a:r>
+              <a:rPr lang="de-DE" dirty="0"/>
+              <a:t> and </a:t>
+            </a:r>
+            <a:r>
+              <a:rPr lang="de-DE" dirty="0" err="1"/>
+              <a:t>Supression</a:t>
             </a:r>
             <a:endParaRPr lang="de-DE" dirty="0"/>
           </a:p>
@@ -9909,96 +10455,101 @@
           <a:lstStyle/>
           <a:p>
             <a:r>
-              <a:rPr lang="de-DE" dirty="0"/>
+              <a:rPr lang="en-US" sz="2000" dirty="0"/>
+              <a:t>The cloaking algorithm </a:t>
+            </a:r>
+          </a:p>
+          <a:p>
+            <a:r>
+              <a:rPr lang="de-DE" sz="2000" dirty="0"/>
               <a:t>Location-</a:t>
             </a:r>
             <a:r>
-              <a:rPr lang="de-DE" dirty="0" err="1"/>
+              <a:rPr lang="de-DE" sz="2000" dirty="0" err="1"/>
               <a:t>based</a:t>
             </a:r>
             <a:r>
-              <a:rPr lang="de-DE" dirty="0"/>
+              <a:rPr lang="de-DE" sz="2000" dirty="0"/>
               <a:t> </a:t>
             </a:r>
             <a:r>
-              <a:rPr lang="de-DE" dirty="0" err="1"/>
+              <a:rPr lang="de-DE" sz="2000" dirty="0" err="1"/>
               <a:t>services</a:t>
             </a:r>
             <a:r>
-              <a:rPr lang="de-DE" dirty="0"/>
+              <a:rPr lang="de-DE" sz="2000" dirty="0"/>
               <a:t> (LBS)</a:t>
             </a:r>
           </a:p>
           <a:p>
             <a:r>
-              <a:rPr lang="en-US" dirty="0"/>
+              <a:rPr lang="en-US" sz="2000" dirty="0"/>
+              <a:t>Restricted Space Identiﬁcation and Observation Identiﬁcation</a:t>
+            </a:r>
+            <a:endParaRPr lang="de-DE" sz="2000" dirty="0"/>
+          </a:p>
+          <a:p>
+            <a:r>
+              <a:rPr lang="en-US" sz="2000" dirty="0"/>
               <a:t>location k-anonymity demands that location information contained in a message sent from a mobile user to a LBS should be indistinguishable from at least k−1 other messages from different mobile nodes</a:t>
             </a:r>
           </a:p>
           <a:p>
             <a:r>
-              <a:rPr lang="de-DE" dirty="0"/>
+              <a:rPr lang="de-DE" sz="2000" dirty="0"/>
               <a:t>Location </a:t>
             </a:r>
             <a:r>
-              <a:rPr lang="de-DE" dirty="0" err="1"/>
+              <a:rPr lang="de-DE" sz="2000" dirty="0" err="1"/>
               <a:t>can</a:t>
             </a:r>
             <a:r>
-              <a:rPr lang="de-DE" dirty="0"/>
+              <a:rPr lang="de-DE" sz="2000" dirty="0"/>
               <a:t> </a:t>
             </a:r>
             <a:r>
-              <a:rPr lang="de-DE" dirty="0" err="1"/>
+              <a:rPr lang="de-DE" sz="2000" dirty="0" err="1"/>
               <a:t>be</a:t>
             </a:r>
             <a:r>
-              <a:rPr lang="de-DE" dirty="0"/>
-              <a:t> a quasi – </a:t>
-            </a:r>
-            <a:r>
-              <a:rPr lang="de-DE" dirty="0" err="1"/>
-              <a:t>Idendifier</a:t>
-            </a:r>
-            <a:r>
-              <a:rPr lang="de-DE" dirty="0"/>
+              <a:rPr lang="de-DE" sz="2000" dirty="0"/>
+              <a:t> a Quasi – Identifier </a:t>
+            </a:r>
+          </a:p>
+          <a:p>
+            <a:r>
+              <a:rPr lang="de-DE" sz="2000" dirty="0" err="1"/>
+              <a:t>Spatial</a:t>
+            </a:r>
+            <a:r>
+              <a:rPr lang="de-DE" sz="2000" dirty="0"/>
               <a:t> </a:t>
             </a:r>
-          </a:p>
-          <a:p>
-            <a:r>
-              <a:rPr lang="de-DE" dirty="0" err="1"/>
-              <a:t>Spatial</a:t>
-            </a:r>
-            <a:r>
-              <a:rPr lang="de-DE" dirty="0"/>
-              <a:t> </a:t>
-            </a:r>
-            <a:r>
-              <a:rPr lang="de-DE" dirty="0" err="1"/>
+            <a:r>
+              <a:rPr lang="de-DE" sz="2000" dirty="0" err="1"/>
               <a:t>cloaking</a:t>
             </a:r>
             <a:r>
-              <a:rPr lang="de-DE" dirty="0"/>
+              <a:rPr lang="de-DE" sz="2000" dirty="0"/>
               <a:t> and Temporal </a:t>
             </a:r>
             <a:r>
-              <a:rPr lang="de-DE" dirty="0" err="1"/>
+              <a:rPr lang="de-DE" sz="2000" dirty="0" err="1"/>
               <a:t>cloaking</a:t>
             </a:r>
-            <a:endParaRPr lang="de-DE" dirty="0"/>
-          </a:p>
-          <a:p>
-            <a:r>
-              <a:rPr lang="de-DE" dirty="0"/>
+            <a:endParaRPr lang="de-DE" sz="2000" dirty="0"/>
+          </a:p>
+          <a:p>
+            <a:r>
+              <a:rPr lang="de-DE" sz="2000" dirty="0"/>
               <a:t>Usability and </a:t>
             </a:r>
             <a:r>
-              <a:rPr lang="de-DE" dirty="0" err="1"/>
+              <a:rPr lang="de-DE" sz="2000" dirty="0" err="1"/>
               <a:t>anonymity</a:t>
             </a:r>
             <a:r>
-              <a:rPr lang="de-DE" dirty="0"/>
+              <a:rPr lang="de-DE" sz="2000" dirty="0"/>
               <a:t> </a:t>
             </a:r>
           </a:p>
@@ -11492,6 +12043,58 @@
           </a:p>
         </p:txBody>
       </p:sp>
+      <p:sp>
+        <p:nvSpPr>
+          <p:cNvPr id="10" name="Textfeld 9">
+            <a:extLst>
+              <a:ext uri="{FF2B5EF4-FFF2-40B4-BE49-F238E27FC236}">
+                <a16:creationId xmlns:a16="http://schemas.microsoft.com/office/drawing/2014/main" id="{558D193C-CAE4-4244-958C-5D69DD552FD7}"/>
+              </a:ext>
+            </a:extLst>
+          </p:cNvPr>
+          <p:cNvSpPr txBox="1"/>
+          <p:nvPr/>
+        </p:nvSpPr>
+        <p:spPr>
+          <a:xfrm>
+            <a:off x="611560" y="5733256"/>
+            <a:ext cx="3456384" cy="338554"/>
+          </a:xfrm>
+          <a:prstGeom prst="rect">
+            <a:avLst/>
+          </a:prstGeom>
+          <a:noFill/>
+        </p:spPr>
+        <p:txBody>
+          <a:bodyPr wrap="square" rtlCol="0">
+            <a:spAutoFit/>
+          </a:bodyPr>
+          <a:lstStyle/>
+          <a:p>
+            <a:r>
+              <a:rPr lang="en-US" sz="800" b="0" dirty="0"/>
+              <a:t>A Customizable </a:t>
+            </a:r>
+            <a:r>
+              <a:rPr lang="en-US" sz="800" b="0" i="1" dirty="0"/>
+              <a:t>k</a:t>
+            </a:r>
+            <a:r>
+              <a:rPr lang="en-US" sz="800" b="0" dirty="0"/>
+              <a:t>-Anonymity Model for Protecting Location Privacy – </a:t>
+            </a:r>
+            <a:r>
+              <a:rPr lang="en-US" sz="800" b="0" dirty="0" err="1"/>
+              <a:t>Bugra</a:t>
+            </a:r>
+            <a:r>
+              <a:rPr lang="en-US" sz="800" b="0" dirty="0"/>
+              <a:t> a. Ling</a:t>
+            </a:r>
+            <a:endParaRPr lang="de-DE" sz="800" dirty="0"/>
+          </a:p>
+        </p:txBody>
+      </p:sp>
     </p:spTree>
     <p:extLst>
       <p:ext uri="{BB962C8B-B14F-4D97-AF65-F5344CB8AC3E}">
@@ -11522,72 +12125,90 @@
           <a:chExt cx="0" cy="0"/>
         </a:xfrm>
       </p:grpSpPr>
-      <p:sp>
-        <p:nvSpPr>
-          <p:cNvPr id="2" name="Titel 1">
+      <p:pic>
+        <p:nvPicPr>
+          <p:cNvPr id="7" name="Grafik 6">
             <a:extLst>
               <a:ext uri="{FF2B5EF4-FFF2-40B4-BE49-F238E27FC236}">
-                <a16:creationId xmlns:a16="http://schemas.microsoft.com/office/drawing/2014/main" id="{DD780236-DFF8-4429-AD46-A0D4B640B608}"/>
+                <a16:creationId xmlns:a16="http://schemas.microsoft.com/office/drawing/2014/main" id="{9826C630-75C9-4634-86D6-BA0F4742BBE9}"/>
               </a:ext>
             </a:extLst>
           </p:cNvPr>
-          <p:cNvSpPr>
-            <a:spLocks noGrp="1"/>
-          </p:cNvSpPr>
-          <p:nvPr>
-            <p:ph type="title"/>
-          </p:nvPr>
-        </p:nvSpPr>
-        <p:spPr/>
-        <p:txBody>
-          <a:bodyPr/>
-          <a:lstStyle/>
-          <a:p>
-            <a:r>
-              <a:rPr lang="de-DE" sz="2400" b="1" dirty="0"/>
-              <a:t>6. </a:t>
-            </a:r>
-            <a:r>
-              <a:rPr lang="de-DE" sz="2400" b="1" dirty="0" err="1"/>
-              <a:t>Datatype</a:t>
-            </a:r>
-            <a:r>
-              <a:rPr lang="de-DE" sz="2400" b="1" dirty="0"/>
-              <a:t> - High-Dimensional Transaction Data</a:t>
-            </a:r>
-            <a:endParaRPr lang="de-DE" sz="2400" dirty="0"/>
-          </a:p>
-        </p:txBody>
-      </p:sp>
-      <p:sp>
-        <p:nvSpPr>
-          <p:cNvPr id="3" name="Datumsplatzhalter 2">
-            <a:extLst>
-              <a:ext uri="{FF2B5EF4-FFF2-40B4-BE49-F238E27FC236}">
-                <a16:creationId xmlns:a16="http://schemas.microsoft.com/office/drawing/2014/main" id="{69419E86-0E9E-4216-B427-413C6BA3C0D7}"/>
-              </a:ext>
-            </a:extLst>
-          </p:cNvPr>
-          <p:cNvSpPr>
-            <a:spLocks noGrp="1"/>
-          </p:cNvSpPr>
-          <p:nvPr>
-            <p:ph type="dt" sz="half" idx="4294967295"/>
-          </p:nvPr>
-        </p:nvSpPr>
+          <p:cNvPicPr>
+            <a:picLocks noChangeAspect="1"/>
+          </p:cNvPicPr>
+          <p:nvPr/>
+        </p:nvPicPr>
+        <p:blipFill>
+          <a:blip r:embed="rId3"/>
+          <a:stretch>
+            <a:fillRect/>
+          </a:stretch>
+        </p:blipFill>
         <p:spPr>
           <a:xfrm>
-            <a:off x="1331913" y="6208713"/>
-            <a:ext cx="1296987" cy="476250"/>
+            <a:off x="430213" y="1268760"/>
+            <a:ext cx="3516160" cy="2808312"/>
           </a:xfrm>
+          <a:prstGeom prst="rect">
+            <a:avLst/>
+          </a:prstGeom>
         </p:spPr>
+      </p:pic>
+      <p:pic>
+        <p:nvPicPr>
+          <p:cNvPr id="8" name="Grafik 7">
+            <a:extLst>
+              <a:ext uri="{FF2B5EF4-FFF2-40B4-BE49-F238E27FC236}">
+                <a16:creationId xmlns:a16="http://schemas.microsoft.com/office/drawing/2014/main" id="{7F6EF6CD-FDFC-46CC-8469-AF363E9A4B9C}"/>
+              </a:ext>
+            </a:extLst>
+          </p:cNvPr>
+          <p:cNvPicPr>
+            <a:picLocks noChangeAspect="1"/>
+          </p:cNvPicPr>
+          <p:nvPr/>
+        </p:nvPicPr>
+        <p:blipFill>
+          <a:blip r:embed="rId4"/>
+          <a:stretch>
+            <a:fillRect/>
+          </a:stretch>
+        </p:blipFill>
+        <p:spPr>
+          <a:xfrm>
+            <a:off x="4301331" y="1243608"/>
+            <a:ext cx="3799061" cy="2793183"/>
+          </a:xfrm>
+          <a:prstGeom prst="rect">
+            <a:avLst/>
+          </a:prstGeom>
+        </p:spPr>
+      </p:pic>
+      <p:sp>
+        <p:nvSpPr>
+          <p:cNvPr id="3" name="Datumsplatzhalter 2">
+            <a:extLst>
+              <a:ext uri="{FF2B5EF4-FFF2-40B4-BE49-F238E27FC236}">
+                <a16:creationId xmlns:a16="http://schemas.microsoft.com/office/drawing/2014/main" id="{AE43D9CA-6D18-407F-8866-086A77E3F973}"/>
+              </a:ext>
+            </a:extLst>
+          </p:cNvPr>
+          <p:cNvSpPr>
+            <a:spLocks noGrp="1"/>
+          </p:cNvSpPr>
+          <p:nvPr>
+            <p:ph type="dt" sz="half" idx="14"/>
+          </p:nvPr>
+        </p:nvSpPr>
+        <p:spPr/>
         <p:txBody>
           <a:bodyPr/>
           <a:lstStyle/>
           <a:p>
             <a:r>
               <a:rPr lang="de-DE"/>
-              <a:t>30.01.2017</a:t>
+              <a:t>30.01.2018</a:t>
             </a:r>
             <a:endParaRPr lang="de-DE" dirty="0"/>
           </a:p>
@@ -11598,7 +12219,7 @@
           <p:cNvPr id="4" name="Fußzeilenplatzhalter 3">
             <a:extLst>
               <a:ext uri="{FF2B5EF4-FFF2-40B4-BE49-F238E27FC236}">
-                <a16:creationId xmlns:a16="http://schemas.microsoft.com/office/drawing/2014/main" id="{212DC528-EE24-4AC3-9EED-1BF090D99EF2}"/>
+                <a16:creationId xmlns:a16="http://schemas.microsoft.com/office/drawing/2014/main" id="{5DC267CC-4176-4CDE-BCAD-0664D589884A}"/>
               </a:ext>
             </a:extLst>
           </p:cNvPr>
@@ -11606,7 +12227,7 @@
             <a:spLocks noGrp="1"/>
           </p:cNvSpPr>
           <p:nvPr>
-            <p:ph type="ftr" sz="quarter" idx="11"/>
+            <p:ph type="ftr" sz="quarter" idx="15"/>
           </p:nvPr>
         </p:nvSpPr>
         <p:spPr/>
@@ -11616,7 +12237,7 @@
           <a:p>
             <a:r>
               <a:rPr lang="de-DE"/>
-              <a:t>Andreas Wiegand &amp; Ludwig Schallner</a:t>
+              <a:t>Schallner Ludwig, Wiegnand Andreas</a:t>
             </a:r>
             <a:endParaRPr lang="de-DE" dirty="0"/>
           </a:p>
@@ -11624,10 +12245,10 @@
       </p:sp>
       <p:sp>
         <p:nvSpPr>
-          <p:cNvPr id="5" name="Textplatzhalter 4">
+          <p:cNvPr id="5" name="Foliennummernplatzhalter 4">
             <a:extLst>
               <a:ext uri="{FF2B5EF4-FFF2-40B4-BE49-F238E27FC236}">
-                <a16:creationId xmlns:a16="http://schemas.microsoft.com/office/drawing/2014/main" id="{064D59BE-0376-4E44-A0FE-7031A294F35F}"/>
+                <a16:creationId xmlns:a16="http://schemas.microsoft.com/office/drawing/2014/main" id="{534DA981-97DF-418D-8360-D2D89C2C4E87}"/>
               </a:ext>
             </a:extLst>
           </p:cNvPr>
@@ -11635,68 +12256,7 @@
             <a:spLocks noGrp="1"/>
           </p:cNvSpPr>
           <p:nvPr>
-            <p:ph type="body" sz="quarter" idx="13"/>
-          </p:nvPr>
-        </p:nvSpPr>
-        <p:spPr/>
-        <p:txBody>
-          <a:bodyPr/>
-          <a:lstStyle/>
-          <a:p>
-            <a:r>
-              <a:rPr lang="en-US"/>
-              <a:t>Transaction data is high-dimensional</a:t>
-            </a:r>
-          </a:p>
-          <a:p>
-            <a:r>
-              <a:rPr lang="en-US"/>
-              <a:t>Each dimension could be a potential </a:t>
-            </a:r>
-            <a:r>
-              <a:rPr lang="en-US" i="1"/>
-              <a:t>QID </a:t>
-            </a:r>
-            <a:r>
-              <a:rPr lang="en-US"/>
-              <a:t>attribute</a:t>
-            </a:r>
-          </a:p>
-          <a:p>
-            <a:r>
-              <a:rPr lang="de-DE"/>
-              <a:t>Curse of high-dimensionality</a:t>
-            </a:r>
-          </a:p>
-          <a:p>
-            <a:r>
-              <a:rPr lang="de-DE"/>
-              <a:t>Bound background knowledge of the attacker</a:t>
-            </a:r>
-          </a:p>
-          <a:p>
-            <a:pPr>
-              <a:buFontTx/>
-              <a:buChar char="-"/>
-            </a:pPr>
-            <a:endParaRPr lang="de-DE" dirty="0"/>
-          </a:p>
-        </p:txBody>
-      </p:sp>
-      <p:sp>
-        <p:nvSpPr>
-          <p:cNvPr id="6" name="Foliennummernplatzhalter 5">
-            <a:extLst>
-              <a:ext uri="{FF2B5EF4-FFF2-40B4-BE49-F238E27FC236}">
-                <a16:creationId xmlns:a16="http://schemas.microsoft.com/office/drawing/2014/main" id="{E25D3BF9-A70C-417F-A9C7-F883A5D091A9}"/>
-              </a:ext>
-            </a:extLst>
-          </p:cNvPr>
-          <p:cNvSpPr>
-            <a:spLocks noGrp="1"/>
-          </p:cNvSpPr>
-          <p:nvPr>
-            <p:ph type="sldNum" sz="quarter" idx="12"/>
+            <p:ph type="sldNum" sz="quarter" idx="16"/>
           </p:nvPr>
         </p:nvSpPr>
         <p:spPr/>
@@ -11709,55 +12269,111 @@
               <a:pPr/>
               <a:t>21</a:t>
             </a:fld>
+            <a:endParaRPr lang="de-DE"/>
+          </a:p>
+        </p:txBody>
+      </p:sp>
+      <p:sp>
+        <p:nvSpPr>
+          <p:cNvPr id="6" name="Titel 5">
+            <a:extLst>
+              <a:ext uri="{FF2B5EF4-FFF2-40B4-BE49-F238E27FC236}">
+                <a16:creationId xmlns:a16="http://schemas.microsoft.com/office/drawing/2014/main" id="{E287B4F3-A00F-4EAF-B676-963A8CB951EF}"/>
+              </a:ext>
+            </a:extLst>
+          </p:cNvPr>
+          <p:cNvSpPr>
+            <a:spLocks noGrp="1"/>
+          </p:cNvSpPr>
+          <p:nvPr>
+            <p:ph type="title"/>
+          </p:nvPr>
+        </p:nvSpPr>
+        <p:spPr/>
+        <p:txBody>
+          <a:bodyPr/>
+          <a:lstStyle/>
+          <a:p>
+            <a:r>
+              <a:rPr lang="de-DE" b="1" dirty="0"/>
+              <a:t>6. </a:t>
+            </a:r>
+            <a:r>
+              <a:rPr lang="de-DE" b="1" dirty="0" err="1"/>
+              <a:t>Datatyp</a:t>
+            </a:r>
+            <a:r>
+              <a:rPr lang="de-DE" b="1" dirty="0"/>
+              <a:t> - Moving </a:t>
+            </a:r>
+            <a:r>
+              <a:rPr lang="de-DE" b="1" dirty="0" err="1"/>
+              <a:t>Object</a:t>
+            </a:r>
+            <a:r>
+              <a:rPr lang="de-DE" b="1" dirty="0"/>
+              <a:t> Data</a:t>
+            </a:r>
             <a:endParaRPr lang="de-DE" dirty="0"/>
           </a:p>
         </p:txBody>
       </p:sp>
-      <p:pic>
-        <p:nvPicPr>
-          <p:cNvPr id="2050" name="Picture 2" descr="F:\PSI-MSem\5dbb589fabdcab96c9bb12877d5c15c4_preview_card.jpg"/>
-          <p:cNvPicPr>
-            <a:picLocks noChangeAspect="1" noChangeArrowheads="1"/>
-          </p:cNvPicPr>
+      <p:sp>
+        <p:nvSpPr>
+          <p:cNvPr id="11" name="Textfeld 10">
+            <a:extLst>
+              <a:ext uri="{FF2B5EF4-FFF2-40B4-BE49-F238E27FC236}">
+                <a16:creationId xmlns:a16="http://schemas.microsoft.com/office/drawing/2014/main" id="{424BBDCD-DC8C-4839-A14E-55AF77E5D746}"/>
+              </a:ext>
+            </a:extLst>
+          </p:cNvPr>
+          <p:cNvSpPr txBox="1"/>
           <p:nvPr/>
-        </p:nvPicPr>
-        <p:blipFill>
-          <a:blip r:embed="rId3">
-            <a:extLst>
-              <a:ext uri="{28A0092B-C50C-407E-A947-70E740481C1C}">
-                <a14:useLocalDpi xmlns:a14="http://schemas.microsoft.com/office/drawing/2010/main" val="0"/>
-              </a:ext>
-            </a:extLst>
-          </a:blip>
-          <a:srcRect/>
-          <a:stretch>
-            <a:fillRect/>
-          </a:stretch>
-        </p:blipFill>
-        <p:spPr bwMode="auto">
+        </p:nvSpPr>
+        <p:spPr>
           <a:xfrm>
-            <a:off x="4355976" y="3140968"/>
-            <a:ext cx="3610422" cy="2708198"/>
+            <a:off x="899592" y="4036791"/>
+            <a:ext cx="2880320" cy="400110"/>
           </a:xfrm>
           <a:prstGeom prst="rect">
             <a:avLst/>
           </a:prstGeom>
           <a:noFill/>
-          <a:extLst>
-            <a:ext uri="{909E8E84-426E-40DD-AFC4-6F175D3DCCD1}">
-              <a14:hiddenFill xmlns:a14="http://schemas.microsoft.com/office/drawing/2010/main">
-                <a:solidFill>
-                  <a:srgbClr val="FFFFFF"/>
-                </a:solidFill>
-              </a14:hiddenFill>
-            </a:ext>
-          </a:extLst>
         </p:spPr>
-      </p:pic>
+        <p:txBody>
+          <a:bodyPr wrap="square" rtlCol="0">
+            <a:spAutoFit/>
+          </a:bodyPr>
+          <a:lstStyle/>
+          <a:p>
+            <a:r>
+              <a:rPr lang="en-US" sz="1000" b="0" dirty="0"/>
+              <a:t>A Customizable </a:t>
+            </a:r>
+            <a:r>
+              <a:rPr lang="en-US" sz="1000" b="0" i="1" dirty="0"/>
+              <a:t>k</a:t>
+            </a:r>
+            <a:r>
+              <a:rPr lang="en-US" sz="1000" b="0" dirty="0"/>
+              <a:t>-Anonymity Model for Protecting Location Privacy – </a:t>
+            </a:r>
+            <a:r>
+              <a:rPr lang="en-US" sz="1000" b="0" dirty="0" err="1"/>
+              <a:t>Bugra</a:t>
+            </a:r>
+            <a:r>
+              <a:rPr lang="en-US" sz="1000" b="0" dirty="0"/>
+              <a:t> a. Ling</a:t>
+            </a:r>
+            <a:endParaRPr lang="de-DE" sz="1000" dirty="0"/>
+          </a:p>
+        </p:txBody>
+      </p:sp>
     </p:spTree>
     <p:extLst>
       <p:ext uri="{BB962C8B-B14F-4D97-AF65-F5344CB8AC3E}">
-        <p14:creationId xmlns:p14="http://schemas.microsoft.com/office/powerpoint/2010/main" val="673325542"/>
+        <p14:creationId xmlns:p14="http://schemas.microsoft.com/office/powerpoint/2010/main" val="4101966844"/>
       </p:ext>
     </p:extLst>
   </p:cSld>
@@ -11789,7 +12405,7 @@
           <p:cNvPr id="2" name="Titel 1">
             <a:extLst>
               <a:ext uri="{FF2B5EF4-FFF2-40B4-BE49-F238E27FC236}">
-                <a16:creationId xmlns:a16="http://schemas.microsoft.com/office/drawing/2014/main" id="{60CF76F7-DA21-4280-B132-DB1CBFFB0632}"/>
+                <a16:creationId xmlns:a16="http://schemas.microsoft.com/office/drawing/2014/main" id="{DD780236-DFF8-4429-AD46-A0D4B640B608}"/>
               </a:ext>
             </a:extLst>
           </p:cNvPr>
@@ -11806,9 +12422,18 @@
           <a:lstStyle/>
           <a:p>
             <a:r>
-              <a:rPr lang="de-DE" dirty="0"/>
-              <a:t>7. Summary</a:t>
-            </a:r>
+              <a:rPr lang="de-DE" sz="2400" b="1" dirty="0"/>
+              <a:t>6. </a:t>
+            </a:r>
+            <a:r>
+              <a:rPr lang="de-DE" sz="2400" b="1" dirty="0" err="1"/>
+              <a:t>Datatype</a:t>
+            </a:r>
+            <a:r>
+              <a:rPr lang="de-DE" sz="2400" b="1" dirty="0"/>
+              <a:t> - High-Dimensional Transaction Data</a:t>
+            </a:r>
+            <a:endParaRPr lang="de-DE" sz="2400" dirty="0"/>
           </a:p>
         </p:txBody>
       </p:sp>
@@ -11817,7 +12442,7 @@
           <p:cNvPr id="3" name="Datumsplatzhalter 2">
             <a:extLst>
               <a:ext uri="{FF2B5EF4-FFF2-40B4-BE49-F238E27FC236}">
-                <a16:creationId xmlns:a16="http://schemas.microsoft.com/office/drawing/2014/main" id="{3B50A201-5742-48F2-9C76-90EB7278DE8B}"/>
+                <a16:creationId xmlns:a16="http://schemas.microsoft.com/office/drawing/2014/main" id="{69419E86-0E9E-4216-B427-413C6BA3C0D7}"/>
               </a:ext>
             </a:extLst>
           </p:cNvPr>
@@ -11839,9 +12464,10 @@
           <a:lstStyle/>
           <a:p>
             <a:r>
-              <a:rPr lang="de-DE" dirty="0"/>
-              <a:t>30.01.2018</a:t>
-            </a:r>
+              <a:rPr lang="de-DE"/>
+              <a:t>30.01.2017</a:t>
+            </a:r>
+            <a:endParaRPr lang="de-DE" dirty="0"/>
           </a:p>
         </p:txBody>
       </p:sp>
@@ -11850,7 +12476,7 @@
           <p:cNvPr id="4" name="Fußzeilenplatzhalter 3">
             <a:extLst>
               <a:ext uri="{FF2B5EF4-FFF2-40B4-BE49-F238E27FC236}">
-                <a16:creationId xmlns:a16="http://schemas.microsoft.com/office/drawing/2014/main" id="{905609BE-6FD9-442B-89BF-1438B615F4CE}"/>
+                <a16:creationId xmlns:a16="http://schemas.microsoft.com/office/drawing/2014/main" id="{212DC528-EE24-4AC3-9EED-1BF090D99EF2}"/>
               </a:ext>
             </a:extLst>
           </p:cNvPr>
@@ -11858,7 +12484,7 @@
             <a:spLocks noGrp="1"/>
           </p:cNvSpPr>
           <p:nvPr>
-            <p:ph type="ftr" sz="quarter" idx="4294967295"/>
+            <p:ph type="ftr" sz="quarter" idx="11"/>
           </p:nvPr>
         </p:nvSpPr>
         <p:spPr/>
@@ -11867,9 +12493,10 @@
           <a:lstStyle/>
           <a:p>
             <a:r>
-              <a:rPr lang="de-DE" dirty="0"/>
+              <a:rPr lang="de-DE"/>
               <a:t>Andreas Wiegand &amp; Ludwig Schallner</a:t>
             </a:r>
+            <a:endParaRPr lang="de-DE" dirty="0"/>
           </a:p>
         </p:txBody>
       </p:sp>
@@ -11878,7 +12505,7 @@
           <p:cNvPr id="5" name="Textplatzhalter 4">
             <a:extLst>
               <a:ext uri="{FF2B5EF4-FFF2-40B4-BE49-F238E27FC236}">
-                <a16:creationId xmlns:a16="http://schemas.microsoft.com/office/drawing/2014/main" id="{BE3AB503-2D36-4EFD-97BC-4FB481D902EA}"/>
+                <a16:creationId xmlns:a16="http://schemas.microsoft.com/office/drawing/2014/main" id="{064D59BE-0376-4E44-A0FE-7031A294F35F}"/>
               </a:ext>
             </a:extLst>
           </p:cNvPr>
@@ -11895,113 +12522,43 @@
           <a:lstStyle/>
           <a:p>
             <a:r>
-              <a:rPr lang="en-US" dirty="0"/>
-              <a:t>There is no </a:t>
-            </a:r>
-            <a:r>
-              <a:rPr lang="en-US" dirty="0" err="1"/>
-              <a:t>compination</a:t>
-            </a:r>
-            <a:r>
-              <a:rPr lang="en-US" dirty="0"/>
-              <a:t> between optimal k-anonymity and </a:t>
-            </a:r>
-            <a:r>
-              <a:rPr lang="en-US" dirty="0" err="1"/>
-              <a:t>dataquality</a:t>
-            </a:r>
-            <a:endParaRPr lang="en-US" dirty="0"/>
-          </a:p>
-          <a:p>
-            <a:r>
-              <a:rPr lang="en-US" dirty="0"/>
-              <a:t>Attacks against anonymity</a:t>
-            </a:r>
-          </a:p>
-          <a:p>
-            <a:r>
-              <a:rPr lang="de-DE" i="1" dirty="0"/>
-              <a:t>Usability and </a:t>
-            </a:r>
-            <a:r>
-              <a:rPr lang="de-DE" i="1" dirty="0" err="1"/>
-              <a:t>anonymity</a:t>
-            </a:r>
-            <a:endParaRPr lang="de-DE" i="1" dirty="0"/>
-          </a:p>
-          <a:p>
-            <a:r>
-              <a:rPr lang="de-DE" i="1" dirty="0" err="1"/>
-              <a:t>Identifie</a:t>
-            </a:r>
-            <a:r>
-              <a:rPr lang="de-DE" i="1" dirty="0"/>
-              <a:t> Quasi </a:t>
-            </a:r>
-            <a:r>
-              <a:rPr lang="de-DE" i="1" dirty="0" err="1"/>
-              <a:t>identifiers</a:t>
-            </a:r>
-            <a:endParaRPr lang="de-DE" i="1" dirty="0"/>
-          </a:p>
-          <a:p>
-            <a:r>
-              <a:rPr lang="de-DE" dirty="0"/>
-              <a:t>NP – Hard</a:t>
-            </a:r>
-          </a:p>
-          <a:p>
-            <a:r>
-              <a:rPr lang="de-DE" dirty="0" err="1"/>
-              <a:t>Only</a:t>
-            </a:r>
-            <a:r>
-              <a:rPr lang="de-DE" dirty="0"/>
-              <a:t> </a:t>
-            </a:r>
-            <a:r>
-              <a:rPr lang="de-DE" dirty="0" err="1"/>
-              <a:t>heuristics</a:t>
-            </a:r>
-            <a:r>
-              <a:rPr lang="de-DE" dirty="0"/>
-              <a:t> </a:t>
-            </a:r>
-            <a:r>
-              <a:rPr lang="de-DE" dirty="0" err="1"/>
-              <a:t>no</a:t>
-            </a:r>
-            <a:r>
-              <a:rPr lang="de-DE" dirty="0"/>
-              <a:t> </a:t>
-            </a:r>
-            <a:r>
-              <a:rPr lang="de-DE" dirty="0" err="1"/>
-              <a:t>rules</a:t>
-            </a:r>
-            <a:r>
-              <a:rPr lang="de-DE" dirty="0"/>
-              <a:t> like mutual Information </a:t>
-            </a:r>
-          </a:p>
-          <a:p>
-            <a:pPr marL="0" indent="0">
-              <a:buNone/>
-            </a:pPr>
-            <a:endParaRPr lang="de-DE" i="1" dirty="0"/>
-          </a:p>
-          <a:p>
-            <a:pPr marL="0" indent="0">
-              <a:buNone/>
+              <a:rPr lang="en-US"/>
+              <a:t>Transaction data is high-dimensional</a:t>
+            </a:r>
+          </a:p>
+          <a:p>
+            <a:r>
+              <a:rPr lang="en-US"/>
+              <a:t>Each dimension could be a potential </a:t>
+            </a:r>
+            <a:r>
+              <a:rPr lang="en-US" i="1"/>
+              <a:t>QID </a:t>
+            </a:r>
+            <a:r>
+              <a:rPr lang="en-US"/>
+              <a:t>attribute</a:t>
+            </a:r>
+          </a:p>
+          <a:p>
+            <a:r>
+              <a:rPr lang="de-DE"/>
+              <a:t>Curse of high-dimensionality</a:t>
+            </a:r>
+          </a:p>
+          <a:p>
+            <a:r>
+              <a:rPr lang="de-DE"/>
+              <a:t>Bound background knowledge of the attacker</a:t>
+            </a:r>
+          </a:p>
+          <a:p>
+            <a:pPr>
+              <a:buFontTx/>
+              <a:buChar char="-"/>
             </a:pPr>
             <a:endParaRPr lang="de-DE" dirty="0"/>
           </a:p>
-          <a:p>
-            <a:pPr marL="0" indent="0">
-              <a:buNone/>
-            </a:pPr>
-            <a:endParaRPr lang="de-DE" dirty="0"/>
-          </a:p>
         </p:txBody>
       </p:sp>
       <p:sp>
@@ -12009,7 +12566,7 @@
           <p:cNvPr id="6" name="Foliennummernplatzhalter 5">
             <a:extLst>
               <a:ext uri="{FF2B5EF4-FFF2-40B4-BE49-F238E27FC236}">
-                <a16:creationId xmlns:a16="http://schemas.microsoft.com/office/drawing/2014/main" id="{9B878E9B-BDE0-4DC9-9BC7-6B1CE8112B95}"/>
+                <a16:creationId xmlns:a16="http://schemas.microsoft.com/office/drawing/2014/main" id="{E25D3BF9-A70C-417F-A9C7-F883A5D091A9}"/>
               </a:ext>
             </a:extLst>
           </p:cNvPr>
@@ -12017,7 +12574,7 @@
             <a:spLocks noGrp="1"/>
           </p:cNvSpPr>
           <p:nvPr>
-            <p:ph type="sldNum" sz="quarter" idx="4294967295"/>
+            <p:ph type="sldNum" sz="quarter" idx="12"/>
           </p:nvPr>
         </p:nvSpPr>
         <p:spPr/>
@@ -12034,10 +12591,51 @@
           </a:p>
         </p:txBody>
       </p:sp>
+      <p:pic>
+        <p:nvPicPr>
+          <p:cNvPr id="2050" name="Picture 2" descr="F:\PSI-MSem\5dbb589fabdcab96c9bb12877d5c15c4_preview_card.jpg"/>
+          <p:cNvPicPr>
+            <a:picLocks noChangeAspect="1" noChangeArrowheads="1"/>
+          </p:cNvPicPr>
+          <p:nvPr/>
+        </p:nvPicPr>
+        <p:blipFill>
+          <a:blip r:embed="rId3">
+            <a:extLst>
+              <a:ext uri="{28A0092B-C50C-407E-A947-70E740481C1C}">
+                <a14:useLocalDpi xmlns:a14="http://schemas.microsoft.com/office/drawing/2010/main" val="0"/>
+              </a:ext>
+            </a:extLst>
+          </a:blip>
+          <a:srcRect/>
+          <a:stretch>
+            <a:fillRect/>
+          </a:stretch>
+        </p:blipFill>
+        <p:spPr bwMode="auto">
+          <a:xfrm>
+            <a:off x="4355976" y="3140968"/>
+            <a:ext cx="3610422" cy="2708198"/>
+          </a:xfrm>
+          <a:prstGeom prst="rect">
+            <a:avLst/>
+          </a:prstGeom>
+          <a:noFill/>
+          <a:extLst>
+            <a:ext uri="{909E8E84-426E-40DD-AFC4-6F175D3DCCD1}">
+              <a14:hiddenFill xmlns:a14="http://schemas.microsoft.com/office/drawing/2010/main">
+                <a:solidFill>
+                  <a:srgbClr val="FFFFFF"/>
+                </a:solidFill>
+              </a14:hiddenFill>
+            </a:ext>
+          </a:extLst>
+        </p:spPr>
+      </p:pic>
     </p:spTree>
     <p:extLst>
       <p:ext uri="{BB962C8B-B14F-4D97-AF65-F5344CB8AC3E}">
-        <p14:creationId xmlns:p14="http://schemas.microsoft.com/office/powerpoint/2010/main" val="3866177470"/>
+        <p14:creationId xmlns:p14="http://schemas.microsoft.com/office/powerpoint/2010/main" val="673325542"/>
       </p:ext>
     </p:extLst>
   </p:cSld>
@@ -12066,10 +12664,10 @@
       </p:grpSpPr>
       <p:sp>
         <p:nvSpPr>
-          <p:cNvPr id="2" name="Textplatzhalter 1">
+          <p:cNvPr id="2" name="Titel 1">
             <a:extLst>
               <a:ext uri="{FF2B5EF4-FFF2-40B4-BE49-F238E27FC236}">
-                <a16:creationId xmlns:a16="http://schemas.microsoft.com/office/drawing/2014/main" id="{49BB8B8B-A570-48B5-98F3-A65233D7450A}"/>
+                <a16:creationId xmlns:a16="http://schemas.microsoft.com/office/drawing/2014/main" id="{60CF76F7-DA21-4280-B132-DB1CBFFB0632}"/>
               </a:ext>
             </a:extLst>
           </p:cNvPr>
@@ -12077,6 +12675,95 @@
             <a:spLocks noGrp="1"/>
           </p:cNvSpPr>
           <p:nvPr>
+            <p:ph type="title"/>
+          </p:nvPr>
+        </p:nvSpPr>
+        <p:spPr/>
+        <p:txBody>
+          <a:bodyPr/>
+          <a:lstStyle/>
+          <a:p>
+            <a:r>
+              <a:rPr lang="de-DE" dirty="0"/>
+              <a:t>7. Summary</a:t>
+            </a:r>
+          </a:p>
+        </p:txBody>
+      </p:sp>
+      <p:sp>
+        <p:nvSpPr>
+          <p:cNvPr id="3" name="Datumsplatzhalter 2">
+            <a:extLst>
+              <a:ext uri="{FF2B5EF4-FFF2-40B4-BE49-F238E27FC236}">
+                <a16:creationId xmlns:a16="http://schemas.microsoft.com/office/drawing/2014/main" id="{3B50A201-5742-48F2-9C76-90EB7278DE8B}"/>
+              </a:ext>
+            </a:extLst>
+          </p:cNvPr>
+          <p:cNvSpPr>
+            <a:spLocks noGrp="1"/>
+          </p:cNvSpPr>
+          <p:nvPr>
+            <p:ph type="dt" sz="half" idx="4294967295"/>
+          </p:nvPr>
+        </p:nvSpPr>
+        <p:spPr>
+          <a:xfrm>
+            <a:off x="1331913" y="6208713"/>
+            <a:ext cx="1296987" cy="476250"/>
+          </a:xfrm>
+        </p:spPr>
+        <p:txBody>
+          <a:bodyPr/>
+          <a:lstStyle/>
+          <a:p>
+            <a:r>
+              <a:rPr lang="de-DE" dirty="0"/>
+              <a:t>30.01.2018</a:t>
+            </a:r>
+          </a:p>
+        </p:txBody>
+      </p:sp>
+      <p:sp>
+        <p:nvSpPr>
+          <p:cNvPr id="4" name="Fußzeilenplatzhalter 3">
+            <a:extLst>
+              <a:ext uri="{FF2B5EF4-FFF2-40B4-BE49-F238E27FC236}">
+                <a16:creationId xmlns:a16="http://schemas.microsoft.com/office/drawing/2014/main" id="{905609BE-6FD9-442B-89BF-1438B615F4CE}"/>
+              </a:ext>
+            </a:extLst>
+          </p:cNvPr>
+          <p:cNvSpPr>
+            <a:spLocks noGrp="1"/>
+          </p:cNvSpPr>
+          <p:nvPr>
+            <p:ph type="ftr" sz="quarter" idx="4294967295"/>
+          </p:nvPr>
+        </p:nvSpPr>
+        <p:spPr/>
+        <p:txBody>
+          <a:bodyPr/>
+          <a:lstStyle/>
+          <a:p>
+            <a:r>
+              <a:rPr lang="de-DE" dirty="0"/>
+              <a:t>Andreas Wiegand &amp; Ludwig Schallner</a:t>
+            </a:r>
+          </a:p>
+        </p:txBody>
+      </p:sp>
+      <p:sp>
+        <p:nvSpPr>
+          <p:cNvPr id="5" name="Textplatzhalter 4">
+            <a:extLst>
+              <a:ext uri="{FF2B5EF4-FFF2-40B4-BE49-F238E27FC236}">
+                <a16:creationId xmlns:a16="http://schemas.microsoft.com/office/drawing/2014/main" id="{BE3AB503-2D36-4EFD-97BC-4FB481D902EA}"/>
+              </a:ext>
+            </a:extLst>
+          </p:cNvPr>
+          <p:cNvSpPr>
+            <a:spLocks noGrp="1"/>
+          </p:cNvSpPr>
+          <p:nvPr>
             <p:ph type="body" sz="quarter" idx="13"/>
           </p:nvPr>
         </p:nvSpPr>
@@ -12086,133 +12773,100 @@
           <a:lstStyle/>
           <a:p>
             <a:r>
-              <a:rPr lang="en-US" sz="1600" i="1" dirty="0"/>
-              <a:t>k</a:t>
-            </a:r>
-            <a:r>
-              <a:rPr lang="en-US" sz="1600" dirty="0"/>
-              <a:t>-ANONYMITY: A MODEL FOR PROTECTING PRIVACY - </a:t>
-            </a:r>
-            <a:r>
-              <a:rPr lang="de-DE" sz="1600" dirty="0"/>
-              <a:t>LATANYA SWEENEY</a:t>
-            </a:r>
-          </a:p>
-          <a:p>
-            <a:r>
-              <a:rPr lang="de-DE" sz="1600" dirty="0"/>
-              <a:t>ACHIEVING </a:t>
-            </a:r>
-            <a:r>
-              <a:rPr lang="de-DE" sz="1600" i="1" dirty="0"/>
-              <a:t>k</a:t>
-            </a:r>
-            <a:r>
-              <a:rPr lang="de-DE" sz="1600" dirty="0"/>
-              <a:t>-ANONYMITY PRIVACY PROTECTIONUSING GENERALIZATION AND SUPPRESSION- LATANYA SWEENEY</a:t>
-            </a:r>
-          </a:p>
-          <a:p>
-            <a:r>
-              <a:rPr lang="de-DE" sz="1600" dirty="0" err="1"/>
-              <a:t>Efficient</a:t>
-            </a:r>
-            <a:r>
-              <a:rPr lang="de-DE" sz="1600" dirty="0"/>
-              <a:t> Multidimensional Suppression </a:t>
-            </a:r>
-            <a:r>
-              <a:rPr lang="de-DE" sz="1600" dirty="0" err="1"/>
-              <a:t>for</a:t>
-            </a:r>
-            <a:r>
-              <a:rPr lang="de-DE" sz="1600" dirty="0"/>
-              <a:t> K-</a:t>
-            </a:r>
-            <a:r>
-              <a:rPr lang="de-DE" sz="1600" dirty="0" err="1"/>
-              <a:t>Anonymity</a:t>
-            </a:r>
-            <a:r>
-              <a:rPr lang="de-DE" sz="1600" dirty="0"/>
-              <a:t> – </a:t>
-            </a:r>
-            <a:r>
-              <a:rPr lang="de-DE" sz="1600" dirty="0" err="1"/>
-              <a:t>Kisilevich</a:t>
-            </a:r>
-            <a:endParaRPr lang="de-DE" sz="1600" dirty="0"/>
-          </a:p>
-          <a:p>
-            <a:r>
-              <a:rPr lang="en-US" sz="1600" dirty="0"/>
-              <a:t>A Globally Optimal k-Anonymity Method for the </a:t>
-            </a:r>
-            <a:r>
-              <a:rPr lang="de-DE" sz="1600" dirty="0"/>
-              <a:t>De-</a:t>
-            </a:r>
-            <a:r>
-              <a:rPr lang="de-DE" sz="1600" dirty="0" err="1"/>
-              <a:t>Identification</a:t>
-            </a:r>
-            <a:r>
-              <a:rPr lang="de-DE" sz="1600" dirty="0"/>
+              <a:rPr lang="en-US" dirty="0"/>
+              <a:t>There is no </a:t>
+            </a:r>
+            <a:r>
+              <a:rPr lang="en-US" dirty="0" err="1"/>
+              <a:t>compination</a:t>
+            </a:r>
+            <a:r>
+              <a:rPr lang="en-US" dirty="0"/>
+              <a:t> between optimal k-anonymity and </a:t>
+            </a:r>
+            <a:r>
+              <a:rPr lang="en-US" dirty="0" err="1"/>
+              <a:t>dataquality</a:t>
+            </a:r>
+            <a:endParaRPr lang="en-US" dirty="0"/>
+          </a:p>
+          <a:p>
+            <a:r>
+              <a:rPr lang="en-US" dirty="0"/>
+              <a:t>Attacks against anonymity</a:t>
+            </a:r>
+          </a:p>
+          <a:p>
+            <a:r>
+              <a:rPr lang="de-DE" i="1" dirty="0"/>
+              <a:t>Usability and </a:t>
+            </a:r>
+            <a:r>
+              <a:rPr lang="de-DE" i="1" dirty="0" err="1"/>
+              <a:t>anonymity</a:t>
+            </a:r>
+            <a:endParaRPr lang="de-DE" i="1" dirty="0"/>
+          </a:p>
+          <a:p>
+            <a:r>
+              <a:rPr lang="de-DE" i="1" dirty="0" err="1"/>
+              <a:t>Identifie</a:t>
+            </a:r>
+            <a:r>
+              <a:rPr lang="de-DE" i="1" dirty="0"/>
+              <a:t> Quasi </a:t>
+            </a:r>
+            <a:r>
+              <a:rPr lang="de-DE" i="1" dirty="0" err="1"/>
+              <a:t>identifiers</a:t>
+            </a:r>
+            <a:endParaRPr lang="de-DE" i="1" dirty="0"/>
+          </a:p>
+          <a:p>
+            <a:r>
+              <a:rPr lang="de-DE" dirty="0"/>
+              <a:t>NP – Hard</a:t>
+            </a:r>
+          </a:p>
+          <a:p>
+            <a:r>
+              <a:rPr lang="de-DE" dirty="0" err="1"/>
+              <a:t>Only</a:t>
+            </a:r>
+            <a:r>
+              <a:rPr lang="de-DE" dirty="0"/>
               <a:t> </a:t>
             </a:r>
             <a:r>
-              <a:rPr lang="de-DE" sz="1600" dirty="0" err="1"/>
-              <a:t>of</a:t>
-            </a:r>
-            <a:r>
-              <a:rPr lang="de-DE" sz="1600" dirty="0"/>
-              <a:t> Health Data - EL EMAM</a:t>
-            </a:r>
-          </a:p>
-          <a:p>
-            <a:r>
-              <a:rPr lang="en-US" sz="1600" dirty="0"/>
-              <a:t>On the Complexity of Optimal </a:t>
-            </a:r>
-            <a:r>
-              <a:rPr lang="en-US" sz="1600" dirty="0" err="1"/>
-              <a:t>Kanonymity</a:t>
-            </a:r>
-            <a:r>
-              <a:rPr lang="en-US" sz="1600" dirty="0"/>
-              <a:t> - </a:t>
-            </a:r>
-            <a:r>
-              <a:rPr lang="de-DE" sz="1600" dirty="0"/>
-              <a:t>Adam </a:t>
-            </a:r>
-            <a:r>
-              <a:rPr lang="de-DE" sz="1600" dirty="0" err="1"/>
-              <a:t>Meyerson</a:t>
-            </a:r>
-            <a:r>
-              <a:rPr lang="de-DE" sz="1600" dirty="0"/>
-              <a:t>/ Ryan Williams</a:t>
-            </a:r>
-          </a:p>
-          <a:p>
-            <a:r>
-              <a:rPr lang="en-US" sz="1600" dirty="0"/>
-              <a:t>On k-Anonymity and the Curse of Dimensionality - </a:t>
-            </a:r>
-            <a:r>
-              <a:rPr lang="de-DE" sz="1600" dirty="0" err="1"/>
-              <a:t>Charu</a:t>
-            </a:r>
-            <a:r>
-              <a:rPr lang="de-DE" sz="1600" dirty="0"/>
-              <a:t> C. </a:t>
-            </a:r>
-            <a:r>
-              <a:rPr lang="de-DE" sz="1600" dirty="0" err="1"/>
-              <a:t>Aggarwal</a:t>
-            </a:r>
-            <a:endParaRPr lang="de-DE" sz="1600" dirty="0"/>
+              <a:rPr lang="de-DE" dirty="0" err="1"/>
+              <a:t>heuristics</a:t>
+            </a:r>
+            <a:r>
+              <a:rPr lang="de-DE" dirty="0"/>
+              <a:t> </a:t>
+            </a:r>
+            <a:r>
+              <a:rPr lang="de-DE" dirty="0" err="1"/>
+              <a:t>no</a:t>
+            </a:r>
+            <a:r>
+              <a:rPr lang="de-DE" dirty="0"/>
+              <a:t> </a:t>
+            </a:r>
+            <a:r>
+              <a:rPr lang="de-DE" dirty="0" err="1"/>
+              <a:t>rules</a:t>
+            </a:r>
+            <a:r>
+              <a:rPr lang="de-DE" dirty="0"/>
+              <a:t> like mutual Information </a:t>
+            </a:r>
+          </a:p>
+          <a:p>
+            <a:pPr marL="0" indent="0">
+              <a:buNone/>
+            </a:pPr>
+            <a:endParaRPr lang="de-DE" i="1" dirty="0"/>
           </a:p>
           <a:p>
             <a:pPr marL="0" indent="0">
@@ -12220,14 +12874,20 @@
             </a:pPr>
             <a:endParaRPr lang="de-DE" dirty="0"/>
           </a:p>
-        </p:txBody>
-      </p:sp>
-      <p:sp>
-        <p:nvSpPr>
-          <p:cNvPr id="3" name="Datumsplatzhalter 2">
+          <a:p>
+            <a:pPr marL="0" indent="0">
+              <a:buNone/>
+            </a:pPr>
+            <a:endParaRPr lang="de-DE" dirty="0"/>
+          </a:p>
+        </p:txBody>
+      </p:sp>
+      <p:sp>
+        <p:nvSpPr>
+          <p:cNvPr id="6" name="Foliennummernplatzhalter 5">
             <a:extLst>
               <a:ext uri="{FF2B5EF4-FFF2-40B4-BE49-F238E27FC236}">
-                <a16:creationId xmlns:a16="http://schemas.microsoft.com/office/drawing/2014/main" id="{F0DB5EA5-51C9-4549-9895-5448C09EA1B3}"/>
+                <a16:creationId xmlns:a16="http://schemas.microsoft.com/office/drawing/2014/main" id="{9B878E9B-BDE0-4DC9-9BC7-6B1CE8112B95}"/>
               </a:ext>
             </a:extLst>
           </p:cNvPr>
@@ -12235,64 +12895,7 @@
             <a:spLocks noGrp="1"/>
           </p:cNvSpPr>
           <p:nvPr>
-            <p:ph type="dt" sz="half" idx="14"/>
-          </p:nvPr>
-        </p:nvSpPr>
-        <p:spPr/>
-        <p:txBody>
-          <a:bodyPr/>
-          <a:lstStyle/>
-          <a:p>
-            <a:r>
-              <a:rPr lang="de-DE" dirty="0"/>
-              <a:t>30.01.2018</a:t>
-            </a:r>
-          </a:p>
-        </p:txBody>
-      </p:sp>
-      <p:sp>
-        <p:nvSpPr>
-          <p:cNvPr id="4" name="Fußzeilenplatzhalter 3">
-            <a:extLst>
-              <a:ext uri="{FF2B5EF4-FFF2-40B4-BE49-F238E27FC236}">
-                <a16:creationId xmlns:a16="http://schemas.microsoft.com/office/drawing/2014/main" id="{C0C37ED7-1187-42D7-86ED-39A26DA047F1}"/>
-              </a:ext>
-            </a:extLst>
-          </p:cNvPr>
-          <p:cNvSpPr>
-            <a:spLocks noGrp="1"/>
-          </p:cNvSpPr>
-          <p:nvPr>
-            <p:ph type="ftr" sz="quarter" idx="15"/>
-          </p:nvPr>
-        </p:nvSpPr>
-        <p:spPr/>
-        <p:txBody>
-          <a:bodyPr/>
-          <a:lstStyle/>
-          <a:p>
-            <a:r>
-              <a:rPr lang="de-DE"/>
-              <a:t>Schallner Ludwig, Wiegnand Andreas</a:t>
-            </a:r>
-            <a:endParaRPr lang="de-DE" dirty="0"/>
-          </a:p>
-        </p:txBody>
-      </p:sp>
-      <p:sp>
-        <p:nvSpPr>
-          <p:cNvPr id="5" name="Foliennummernplatzhalter 4">
-            <a:extLst>
-              <a:ext uri="{FF2B5EF4-FFF2-40B4-BE49-F238E27FC236}">
-                <a16:creationId xmlns:a16="http://schemas.microsoft.com/office/drawing/2014/main" id="{16D6F16B-2528-4FEE-88E6-5ED93A994027}"/>
-              </a:ext>
-            </a:extLst>
-          </p:cNvPr>
-          <p:cNvSpPr>
-            <a:spLocks noGrp="1"/>
-          </p:cNvSpPr>
-          <p:nvPr>
-            <p:ph type="sldNum" sz="quarter" idx="16"/>
+            <p:ph type="sldNum" sz="quarter" idx="4294967295"/>
           </p:nvPr>
         </p:nvSpPr>
         <p:spPr/>
@@ -12304,6 +12907,281 @@
               <a:rPr lang="de-DE" smtClean="0"/>
               <a:pPr/>
               <a:t>23</a:t>
+            </a:fld>
+            <a:endParaRPr lang="de-DE" dirty="0"/>
+          </a:p>
+        </p:txBody>
+      </p:sp>
+    </p:spTree>
+    <p:extLst>
+      <p:ext uri="{BB962C8B-B14F-4D97-AF65-F5344CB8AC3E}">
+        <p14:creationId xmlns:p14="http://schemas.microsoft.com/office/powerpoint/2010/main" val="3866177470"/>
+      </p:ext>
+    </p:extLst>
+  </p:cSld>
+  <p:clrMapOvr>
+    <a:masterClrMapping/>
+  </p:clrMapOvr>
+</p:sld>
+</file>
+
+<file path=ppt/slides/slide24.xml><?xml version="1.0" encoding="utf-8"?>
+<p:sld xmlns:a="http://schemas.openxmlformats.org/drawingml/2006/main" xmlns:r="http://schemas.openxmlformats.org/officeDocument/2006/relationships" xmlns:p="http://schemas.openxmlformats.org/presentationml/2006/main">
+  <p:cSld>
+    <p:spTree>
+      <p:nvGrpSpPr>
+        <p:cNvPr id="1" name=""/>
+        <p:cNvGrpSpPr/>
+        <p:nvPr/>
+      </p:nvGrpSpPr>
+      <p:grpSpPr>
+        <a:xfrm>
+          <a:off x="0" y="0"/>
+          <a:ext cx="0" cy="0"/>
+          <a:chOff x="0" y="0"/>
+          <a:chExt cx="0" cy="0"/>
+        </a:xfrm>
+      </p:grpSpPr>
+      <p:sp>
+        <p:nvSpPr>
+          <p:cNvPr id="2" name="Textplatzhalter 1">
+            <a:extLst>
+              <a:ext uri="{FF2B5EF4-FFF2-40B4-BE49-F238E27FC236}">
+                <a16:creationId xmlns:a16="http://schemas.microsoft.com/office/drawing/2014/main" id="{49BB8B8B-A570-48B5-98F3-A65233D7450A}"/>
+              </a:ext>
+            </a:extLst>
+          </p:cNvPr>
+          <p:cNvSpPr>
+            <a:spLocks noGrp="1"/>
+          </p:cNvSpPr>
+          <p:nvPr>
+            <p:ph type="body" sz="quarter" idx="13"/>
+          </p:nvPr>
+        </p:nvSpPr>
+        <p:spPr/>
+        <p:txBody>
+          <a:bodyPr/>
+          <a:lstStyle/>
+          <a:p>
+            <a:r>
+              <a:rPr lang="en-US" sz="1600" i="1" dirty="0"/>
+              <a:t>k</a:t>
+            </a:r>
+            <a:r>
+              <a:rPr lang="en-US" sz="1600" dirty="0"/>
+              <a:t>-ANONYMITY: A MODEL FOR PROTECTING PRIVACY - </a:t>
+            </a:r>
+            <a:r>
+              <a:rPr lang="de-DE" sz="1600" dirty="0"/>
+              <a:t>LATANYA SWEENEY</a:t>
+            </a:r>
+          </a:p>
+          <a:p>
+            <a:r>
+              <a:rPr lang="de-DE" sz="1600" dirty="0"/>
+              <a:t>ACHIEVING </a:t>
+            </a:r>
+            <a:r>
+              <a:rPr lang="de-DE" sz="1600" i="1" dirty="0"/>
+              <a:t>k</a:t>
+            </a:r>
+            <a:r>
+              <a:rPr lang="de-DE" sz="1600" dirty="0"/>
+              <a:t>-ANONYMITY PRIVACY PROTECTIONUSING GENERALIZATION AND SUPPRESSION- LATANYA SWEENEY</a:t>
+            </a:r>
+          </a:p>
+          <a:p>
+            <a:r>
+              <a:rPr lang="de-DE" sz="1600" dirty="0" err="1"/>
+              <a:t>Efficient</a:t>
+            </a:r>
+            <a:r>
+              <a:rPr lang="de-DE" sz="1600" dirty="0"/>
+              <a:t> Multidimensional Suppression </a:t>
+            </a:r>
+            <a:r>
+              <a:rPr lang="de-DE" sz="1600" dirty="0" err="1"/>
+              <a:t>for</a:t>
+            </a:r>
+            <a:r>
+              <a:rPr lang="de-DE" sz="1600" dirty="0"/>
+              <a:t> K-</a:t>
+            </a:r>
+            <a:r>
+              <a:rPr lang="de-DE" sz="1600" dirty="0" err="1"/>
+              <a:t>Anonymity</a:t>
+            </a:r>
+            <a:r>
+              <a:rPr lang="de-DE" sz="1600" dirty="0"/>
+              <a:t> – </a:t>
+            </a:r>
+            <a:r>
+              <a:rPr lang="de-DE" sz="1600" dirty="0" err="1"/>
+              <a:t>Kisilevich</a:t>
+            </a:r>
+            <a:endParaRPr lang="de-DE" sz="1600" dirty="0"/>
+          </a:p>
+          <a:p>
+            <a:r>
+              <a:rPr lang="en-US" sz="1600" dirty="0"/>
+              <a:t>A Globally Optimal k-Anonymity Method for the </a:t>
+            </a:r>
+            <a:r>
+              <a:rPr lang="de-DE" sz="1600" dirty="0"/>
+              <a:t>De-</a:t>
+            </a:r>
+            <a:r>
+              <a:rPr lang="de-DE" sz="1600" dirty="0" err="1"/>
+              <a:t>Identification</a:t>
+            </a:r>
+            <a:r>
+              <a:rPr lang="de-DE" sz="1600" dirty="0"/>
+              <a:t> </a:t>
+            </a:r>
+            <a:r>
+              <a:rPr lang="de-DE" sz="1600" dirty="0" err="1"/>
+              <a:t>of</a:t>
+            </a:r>
+            <a:r>
+              <a:rPr lang="de-DE" sz="1600" dirty="0"/>
+              <a:t> Health Data - EL EMAM</a:t>
+            </a:r>
+          </a:p>
+          <a:p>
+            <a:r>
+              <a:rPr lang="en-US" sz="1600" dirty="0"/>
+              <a:t>On the Complexity of Optimal </a:t>
+            </a:r>
+            <a:r>
+              <a:rPr lang="en-US" sz="1600" dirty="0" err="1"/>
+              <a:t>Kanonymity</a:t>
+            </a:r>
+            <a:r>
+              <a:rPr lang="en-US" sz="1600" dirty="0"/>
+              <a:t> - </a:t>
+            </a:r>
+            <a:r>
+              <a:rPr lang="de-DE" sz="1600" dirty="0"/>
+              <a:t>Adam </a:t>
+            </a:r>
+            <a:r>
+              <a:rPr lang="de-DE" sz="1600" dirty="0" err="1"/>
+              <a:t>Meyerson</a:t>
+            </a:r>
+            <a:r>
+              <a:rPr lang="de-DE" sz="1600" dirty="0"/>
+              <a:t>/ Ryan Williams</a:t>
+            </a:r>
+          </a:p>
+          <a:p>
+            <a:r>
+              <a:rPr lang="en-US" sz="1600" dirty="0"/>
+              <a:t>On k-Anonymity and the Curse of Dimensionality - </a:t>
+            </a:r>
+            <a:r>
+              <a:rPr lang="de-DE" sz="1600" dirty="0" err="1"/>
+              <a:t>Charu</a:t>
+            </a:r>
+            <a:r>
+              <a:rPr lang="de-DE" sz="1600" dirty="0"/>
+              <a:t> C. </a:t>
+            </a:r>
+            <a:r>
+              <a:rPr lang="de-DE" sz="1600" dirty="0" err="1"/>
+              <a:t>Aggarwal</a:t>
+            </a:r>
+            <a:endParaRPr lang="de-DE" sz="1600" dirty="0"/>
+          </a:p>
+          <a:p>
+            <a:pPr marL="0" indent="0">
+              <a:buNone/>
+            </a:pPr>
+            <a:endParaRPr lang="de-DE" dirty="0"/>
+          </a:p>
+        </p:txBody>
+      </p:sp>
+      <p:sp>
+        <p:nvSpPr>
+          <p:cNvPr id="3" name="Datumsplatzhalter 2">
+            <a:extLst>
+              <a:ext uri="{FF2B5EF4-FFF2-40B4-BE49-F238E27FC236}">
+                <a16:creationId xmlns:a16="http://schemas.microsoft.com/office/drawing/2014/main" id="{F0DB5EA5-51C9-4549-9895-5448C09EA1B3}"/>
+              </a:ext>
+            </a:extLst>
+          </p:cNvPr>
+          <p:cNvSpPr>
+            <a:spLocks noGrp="1"/>
+          </p:cNvSpPr>
+          <p:nvPr>
+            <p:ph type="dt" sz="half" idx="14"/>
+          </p:nvPr>
+        </p:nvSpPr>
+        <p:spPr/>
+        <p:txBody>
+          <a:bodyPr/>
+          <a:lstStyle/>
+          <a:p>
+            <a:r>
+              <a:rPr lang="de-DE" dirty="0"/>
+              <a:t>30.01.2018</a:t>
+            </a:r>
+          </a:p>
+        </p:txBody>
+      </p:sp>
+      <p:sp>
+        <p:nvSpPr>
+          <p:cNvPr id="4" name="Fußzeilenplatzhalter 3">
+            <a:extLst>
+              <a:ext uri="{FF2B5EF4-FFF2-40B4-BE49-F238E27FC236}">
+                <a16:creationId xmlns:a16="http://schemas.microsoft.com/office/drawing/2014/main" id="{C0C37ED7-1187-42D7-86ED-39A26DA047F1}"/>
+              </a:ext>
+            </a:extLst>
+          </p:cNvPr>
+          <p:cNvSpPr>
+            <a:spLocks noGrp="1"/>
+          </p:cNvSpPr>
+          <p:nvPr>
+            <p:ph type="ftr" sz="quarter" idx="15"/>
+          </p:nvPr>
+        </p:nvSpPr>
+        <p:spPr/>
+        <p:txBody>
+          <a:bodyPr/>
+          <a:lstStyle/>
+          <a:p>
+            <a:r>
+              <a:rPr lang="de-DE"/>
+              <a:t>Schallner Ludwig, Wiegnand Andreas</a:t>
+            </a:r>
+            <a:endParaRPr lang="de-DE" dirty="0"/>
+          </a:p>
+        </p:txBody>
+      </p:sp>
+      <p:sp>
+        <p:nvSpPr>
+          <p:cNvPr id="5" name="Foliennummernplatzhalter 4">
+            <a:extLst>
+              <a:ext uri="{FF2B5EF4-FFF2-40B4-BE49-F238E27FC236}">
+                <a16:creationId xmlns:a16="http://schemas.microsoft.com/office/drawing/2014/main" id="{16D6F16B-2528-4FEE-88E6-5ED93A994027}"/>
+              </a:ext>
+            </a:extLst>
+          </p:cNvPr>
+          <p:cNvSpPr>
+            <a:spLocks noGrp="1"/>
+          </p:cNvSpPr>
+          <p:nvPr>
+            <p:ph type="sldNum" sz="quarter" idx="16"/>
+          </p:nvPr>
+        </p:nvSpPr>
+        <p:spPr/>
+        <p:txBody>
+          <a:bodyPr/>
+          <a:lstStyle/>
+          <a:p>
+            <a:fld id="{50E76E58-F275-47A3-BB17-470016A267B6}" type="slidenum">
+              <a:rPr lang="de-DE" smtClean="0"/>
+              <a:pPr/>
+              <a:t>24</a:t>
             </a:fld>
             <a:endParaRPr lang="de-DE"/>
           </a:p>
@@ -15429,18 +16307,18 @@
 
 <file path=customXml/item1.xml><?xml version="1.0" encoding="utf-8"?>
 <Control xmlns="http://schemas.microsoft.com/VisualStudio/2011/storyboarding/control">
-  <Id Name="System.Storyboarding.Common.Button" Revision="1" Stencil="System.Storyboarding.Common" StencilVersion="0.1"/>
+  <Id Name="dec3670c-0d6f-4455-9c2f-971d108358d4" Revision="1" Stencil="System.MyShapes" StencilVersion="1.0"/>
 </Control>
 </file>
 
 <file path=customXml/item2.xml><?xml version="1.0" encoding="utf-8"?>
 <Control xmlns="http://schemas.microsoft.com/VisualStudio/2011/storyboarding/control">
-  <Id Name="dec3670c-0d6f-4455-9c2f-971d108358d4" Revision="1" Stencil="System.MyShapes" StencilVersion="1.0"/>
+  <Id Name="System.Storyboarding.Common.Button" Revision="1" Stencil="System.Storyboarding.Common" StencilVersion="0.1"/>
 </Control>
 </file>
 
 <file path=customXml/itemProps1.xml><?xml version="1.0" encoding="utf-8"?>
-<ds:datastoreItem xmlns:ds="http://schemas.openxmlformats.org/officeDocument/2006/customXml" ds:itemID="{206AFEA3-501E-4E71-91B3-BDBE1D839E11}">
+<ds:datastoreItem xmlns:ds="http://schemas.openxmlformats.org/officeDocument/2006/customXml" ds:itemID="{566C5A5A-5A83-4A95-95C1-260C6D486DE6}">
   <ds:schemaRefs>
     <ds:schemaRef ds:uri="http://schemas.microsoft.com/VisualStudio/2011/storyboarding/control"/>
   </ds:schemaRefs>
@@ -15448,7 +16326,7 @@
 </file>
 
 <file path=customXml/itemProps2.xml><?xml version="1.0" encoding="utf-8"?>
-<ds:datastoreItem xmlns:ds="http://schemas.openxmlformats.org/officeDocument/2006/customXml" ds:itemID="{566C5A5A-5A83-4A95-95C1-260C6D486DE6}">
+<ds:datastoreItem xmlns:ds="http://schemas.openxmlformats.org/officeDocument/2006/customXml" ds:itemID="{206AFEA3-501E-4E71-91B3-BDBE1D839E11}">
   <ds:schemaRefs>
     <ds:schemaRef ds:uri="http://schemas.microsoft.com/VisualStudio/2011/storyboarding/control"/>
   </ds:schemaRefs>

--- a/presentation/sicherheits_final_anV3.pptx
+++ b/presentation/sicherheits_final_anV3.pptx
@@ -5,10 +5,10 @@
     <p:sldMasterId id="2147483678" r:id="rId3"/>
   </p:sldMasterIdLst>
   <p:notesMasterIdLst>
-    <p:notesMasterId r:id="rId28"/>
+    <p:notesMasterId r:id="rId27"/>
   </p:notesMasterIdLst>
   <p:handoutMasterIdLst>
-    <p:handoutMasterId r:id="rId29"/>
+    <p:handoutMasterId r:id="rId28"/>
   </p:handoutMasterIdLst>
   <p:sldIdLst>
     <p:sldId id="256" r:id="rId4"/>
@@ -22,19 +22,18 @@
     <p:sldId id="332" r:id="rId12"/>
     <p:sldId id="333" r:id="rId13"/>
     <p:sldId id="334" r:id="rId14"/>
-    <p:sldId id="331" r:id="rId15"/>
-    <p:sldId id="320" r:id="rId16"/>
-    <p:sldId id="321" r:id="rId17"/>
-    <p:sldId id="322" r:id="rId18"/>
+    <p:sldId id="320" r:id="rId15"/>
+    <p:sldId id="321" r:id="rId16"/>
+    <p:sldId id="322" r:id="rId17"/>
+    <p:sldId id="319" r:id="rId18"/>
     <p:sldId id="323" r:id="rId19"/>
-    <p:sldId id="319" r:id="rId20"/>
-    <p:sldId id="329" r:id="rId21"/>
-    <p:sldId id="312" r:id="rId22"/>
-    <p:sldId id="328" r:id="rId23"/>
-    <p:sldId id="335" r:id="rId24"/>
-    <p:sldId id="311" r:id="rId25"/>
-    <p:sldId id="325" r:id="rId26"/>
-    <p:sldId id="330" r:id="rId27"/>
+    <p:sldId id="329" r:id="rId20"/>
+    <p:sldId id="312" r:id="rId21"/>
+    <p:sldId id="328" r:id="rId22"/>
+    <p:sldId id="335" r:id="rId23"/>
+    <p:sldId id="311" r:id="rId24"/>
+    <p:sldId id="325" r:id="rId25"/>
+    <p:sldId id="330" r:id="rId26"/>
   </p:sldIdLst>
   <p:sldSz cx="9144000" cy="6858000" type="screen4x3"/>
   <p:notesSz cx="9942513" cy="6761163"/>
@@ -1097,7 +1096,7 @@
             </a:r>
             <a:r>
               <a:rPr lang="en-US" dirty="0"/>
-              <a:t> because they are all just heuristics approximations. We will later see example to understand the problem clearer.  -&gt; another barrier</a:t>
+              <a:t> because they are all just heuristics approximations. We will later see example to understand the problem clearer</a:t>
             </a:r>
           </a:p>
           <a:p>
@@ -1168,11 +1167,8 @@
             </a:r>
             <a:r>
               <a:rPr lang="en-US" dirty="0"/>
-              <a:t> problems but possible harder. Maybe we wont find an answer if this solution got an optimal k-anonymity version. –&gt; anther barrier</a:t>
-            </a:r>
-            <a:endParaRPr lang="de-DE" dirty="0"/>
-          </a:p>
-          <a:p>
+              <a:t> problems but possible harder. Maybe we wont find an answer if this solution an optimal solution.</a:t>
+            </a:r>
             <a:endParaRPr lang="de-DE" dirty="0"/>
           </a:p>
           <a:p>
@@ -1203,7 +1199,7 @@
               <a:pPr>
                 <a:defRPr/>
               </a:pPr>
-              <a:t>13</a:t>
+              <a:t>12</a:t>
             </a:fld>
             <a:endParaRPr lang="de-DE"/>
           </a:p>
@@ -1840,7 +1836,7 @@
               <a:pPr>
                 <a:defRPr/>
               </a:pPr>
-              <a:t>22</a:t>
+              <a:t>21</a:t>
             </a:fld>
             <a:endParaRPr lang="de-DE" dirty="0"/>
           </a:p>
@@ -2196,7 +2192,7 @@
               <a:pPr>
                 <a:defRPr/>
               </a:pPr>
-              <a:t>14</a:t>
+              <a:t>13</a:t>
             </a:fld>
             <a:endParaRPr lang="de-DE"/>
           </a:p>
@@ -2361,7 +2357,7 @@
               <a:pPr>
                 <a:defRPr/>
               </a:pPr>
-              <a:t>15</a:t>
+              <a:t>14</a:t>
             </a:fld>
             <a:endParaRPr lang="de-DE"/>
           </a:p>
@@ -2433,7 +2429,111 @@
                 <a:ea typeface="+mn-ea"/>
                 <a:cs typeface="+mn-cs"/>
               </a:rPr>
-              <a:t>The three information loss metrics that we have presented above (</a:t>
+              <a:t>Out of the highlighted nodes in the lattice, Samarati24 proposes that the node with the lowest lattice height should be selected as the optimal solution. In our example of Figure</a:t>
+            </a:r>
+          </a:p>
+          <a:p>
+            <a:r>
+              <a:rPr lang="en-US" sz="1200" b="0" i="0" u="none" strike="noStrike" kern="1200" baseline="0" dirty="0">
+                <a:solidFill>
+                  <a:schemeClr val="tx1"/>
+                </a:solidFill>
+                <a:latin typeface="Arial" charset="0"/>
+                <a:ea typeface="+mn-ea"/>
+                <a:cs typeface="+mn-cs"/>
+              </a:rPr>
+              <a:t>2, this would be node d0, g1, a1. The assumption being made is that this solution balances the extent of generalization with the extent of suppression</a:t>
+            </a:r>
+          </a:p>
+          <a:p>
+            <a:endParaRPr lang="en-US" sz="1200" b="0" i="0" u="none" strike="noStrike" kern="1200" baseline="0" dirty="0">
+              <a:solidFill>
+                <a:schemeClr val="tx1"/>
+              </a:solidFill>
+              <a:latin typeface="Arial" charset="0"/>
+              <a:ea typeface="+mn-ea"/>
+              <a:cs typeface="+mn-cs"/>
+            </a:endParaRPr>
+          </a:p>
+          <a:p>
+            <a:r>
+              <a:rPr lang="en-US" sz="1200" b="0" i="0" u="none" strike="noStrike" kern="1200" baseline="0" dirty="0">
+                <a:solidFill>
+                  <a:schemeClr val="tx1"/>
+                </a:solidFill>
+                <a:latin typeface="Arial" charset="0"/>
+                <a:ea typeface="+mn-ea"/>
+                <a:cs typeface="+mn-cs"/>
+              </a:rPr>
+              <a:t>The lattice height is not considered a good information loss metric because it does not account for the generalization hierarchy depths of the quasi-identifiers. For example, if we generalize “Male” to “Person” then this is given equal weight to generalizing age in years to age in five year intervals. In the former case there is no information left in the gender variable, whereas the five year age interval still conveys a considerable amount of information and there are three more possible generalizations left in the age hierarchy</a:t>
+            </a:r>
+          </a:p>
+          <a:p>
+            <a:endParaRPr lang="en-US" sz="1200" b="0" i="0" u="none" strike="noStrike" kern="1200" baseline="0" dirty="0">
+              <a:solidFill>
+                <a:schemeClr val="tx1"/>
+              </a:solidFill>
+              <a:latin typeface="Arial" charset="0"/>
+              <a:ea typeface="+mn-ea"/>
+              <a:cs typeface="+mn-cs"/>
+            </a:endParaRPr>
+          </a:p>
+          <a:p>
+            <a:r>
+              <a:rPr lang="en-US" sz="1200" b="0" i="0" u="none" strike="noStrike" kern="1200" baseline="0" dirty="0">
+                <a:solidFill>
+                  <a:schemeClr val="tx1"/>
+                </a:solidFill>
+                <a:latin typeface="Arial" charset="0"/>
+                <a:ea typeface="+mn-ea"/>
+                <a:cs typeface="+mn-cs"/>
+              </a:rPr>
+              <a:t>An information loss metric that takes into account the height of the generalization hierarchy is Precision or </a:t>
+            </a:r>
+            <a:r>
+              <a:rPr lang="en-US" sz="1200" b="0" i="1" u="none" strike="noStrike" kern="1200" baseline="0" dirty="0">
+                <a:solidFill>
+                  <a:schemeClr val="tx1"/>
+                </a:solidFill>
+                <a:latin typeface="Arial" charset="0"/>
+                <a:ea typeface="+mn-ea"/>
+                <a:cs typeface="+mn-cs"/>
+              </a:rPr>
+              <a:t>Prec</a:t>
+            </a:r>
+            <a:r>
+              <a:rPr lang="en-US" sz="1200" b="0" i="0" u="none" strike="noStrike" kern="1200" baseline="0" dirty="0">
+                <a:solidFill>
+                  <a:schemeClr val="tx1"/>
+                </a:solidFill>
+                <a:latin typeface="Arial" charset="0"/>
+                <a:ea typeface="+mn-ea"/>
+                <a:cs typeface="+mn-cs"/>
+              </a:rPr>
+              <a:t>. </a:t>
+            </a:r>
+          </a:p>
+          <a:p>
+            <a:endParaRPr lang="en-US" sz="1200" b="0" i="0" u="none" strike="noStrike" kern="1200" baseline="0" dirty="0">
+              <a:solidFill>
+                <a:schemeClr val="tx1"/>
+              </a:solidFill>
+              <a:latin typeface="Arial" charset="0"/>
+              <a:ea typeface="+mn-ea"/>
+              <a:cs typeface="+mn-cs"/>
+            </a:endParaRPr>
+          </a:p>
+          <a:p>
+            <a:r>
+              <a:rPr lang="en-US" sz="1200" b="0" i="0" u="none" strike="noStrike" kern="1200" baseline="0" dirty="0">
+                <a:solidFill>
+                  <a:schemeClr val="tx1"/>
+                </a:solidFill>
+                <a:latin typeface="Arial" charset="0"/>
+                <a:ea typeface="+mn-ea"/>
+                <a:cs typeface="+mn-cs"/>
+              </a:rPr>
+              <a:t>The </a:t>
             </a:r>
             <a:r>
               <a:rPr lang="en-US" sz="1200" b="0" i="1" u="none" strike="noStrike" kern="1200" baseline="0" dirty="0" err="1">
@@ -2447,6 +2547,17 @@
               <a:t>Prec</a:t>
             </a:r>
             <a:r>
+              <a:rPr lang="en-US" sz="1200" b="0" i="1" u="none" strike="noStrike" kern="1200" baseline="0" dirty="0">
+                <a:solidFill>
+                  <a:schemeClr val="tx1"/>
+                </a:solidFill>
+                <a:latin typeface="Arial" charset="0"/>
+                <a:ea typeface="+mn-ea"/>
+                <a:cs typeface="+mn-cs"/>
+              </a:rPr>
+              <a:t> </a:t>
+            </a:r>
+            <a:r>
               <a:rPr lang="en-US" sz="1200" b="0" i="0" u="none" strike="noStrike" kern="1200" baseline="0" dirty="0">
                 <a:solidFill>
                   <a:schemeClr val="tx1"/>
@@ -2455,18 +2566,18 @@
                 <a:ea typeface="+mn-ea"/>
                 <a:cs typeface="+mn-cs"/>
               </a:rPr>
-              <a:t>, </a:t>
-            </a:r>
-            <a:r>
-              <a:rPr lang="en-US" sz="1200" b="0" i="1" u="none" strike="noStrike" kern="1200" baseline="0" dirty="0">
-                <a:solidFill>
-                  <a:schemeClr val="tx1"/>
-                </a:solidFill>
-                <a:latin typeface="Arial" charset="0"/>
-                <a:ea typeface="+mn-ea"/>
-                <a:cs typeface="+mn-cs"/>
-              </a:rPr>
-              <a:t>DM</a:t>
+              <a:t>was introduced by Sweeney as an information loss metric that is suitable for hierarchical data. For every variable, the ratio </a:t>
+            </a:r>
+            <a:r>
+              <a:rPr lang="en-US" sz="1200" b="0" i="0" u="none" strike="noStrike" kern="1200" baseline="0" dirty="0" err="1">
+                <a:solidFill>
+                  <a:schemeClr val="tx1"/>
+                </a:solidFill>
+                <a:latin typeface="Arial" charset="0"/>
+                <a:ea typeface="+mn-ea"/>
+                <a:cs typeface="+mn-cs"/>
+              </a:rPr>
+              <a:t>ofthe</a:t>
             </a:r>
             <a:r>
               <a:rPr lang="en-US" sz="1200" b="0" i="0" u="none" strike="noStrike" kern="1200" baseline="0" dirty="0">
@@ -2477,46 +2588,7 @@
                 <a:ea typeface="+mn-ea"/>
                 <a:cs typeface="+mn-cs"/>
               </a:rPr>
-              <a:t>*, and non-uniform entropy) are monotonic</a:t>
-            </a:r>
-          </a:p>
-          <a:p>
-            <a:r>
-              <a:rPr lang="en-US" sz="1200" b="0" i="0" u="none" strike="noStrike" kern="1200" baseline="0" dirty="0">
-                <a:solidFill>
-                  <a:schemeClr val="tx1"/>
-                </a:solidFill>
-                <a:latin typeface="Arial" charset="0"/>
-                <a:ea typeface="+mn-ea"/>
-                <a:cs typeface="+mn-cs"/>
-              </a:rPr>
-              <a:t>within any given generalization strategy. This means that as we move up the lattice along any generalization strategy the</a:t>
-            </a:r>
-          </a:p>
-          <a:p>
-            <a:r>
-              <a:rPr lang="en-US" sz="1200" b="0" i="0" u="none" strike="noStrike" kern="1200" baseline="0" dirty="0">
-                <a:solidFill>
-                  <a:schemeClr val="tx1"/>
-                </a:solidFill>
-                <a:latin typeface="Arial" charset="0"/>
-                <a:ea typeface="+mn-ea"/>
-                <a:cs typeface="+mn-cs"/>
-              </a:rPr>
-              <a:t>information loss value will either remain the same or increase. This property is important because it means that if we have two</a:t>
-            </a:r>
-          </a:p>
-          <a:p>
-            <a:r>
-              <a:rPr lang="en-US" sz="1200" b="0" i="0" u="none" strike="noStrike" kern="1200" baseline="0" dirty="0">
-                <a:solidFill>
-                  <a:schemeClr val="tx1"/>
-                </a:solidFill>
-                <a:latin typeface="Arial" charset="0"/>
-                <a:ea typeface="+mn-ea"/>
-                <a:cs typeface="+mn-cs"/>
-              </a:rPr>
-              <a:t>k-anonymous nodes in the same generalization strategy, then the one lower in the strategy will always have a lower information </a:t>
+              <a:t> number of generalization steps applied to the total number of possible generalization steps (total height of the generalization hierarchy) gives the amount of information loss for that </a:t>
             </a:r>
             <a:r>
               <a:rPr lang="de-DE" sz="1200" b="0" i="0" u="none" strike="noStrike" kern="1200" baseline="0" dirty="0" err="1">
@@ -2527,7 +2599,7 @@
                 <a:ea typeface="+mn-ea"/>
                 <a:cs typeface="+mn-cs"/>
               </a:rPr>
-              <a:t>loss</a:t>
+              <a:t>particular</a:t>
             </a:r>
             <a:r>
               <a:rPr lang="de-DE" sz="1200" b="0" i="0" u="none" strike="noStrike" kern="1200" baseline="0" dirty="0">
@@ -2538,7 +2610,7 @@
                 <a:ea typeface="+mn-ea"/>
                 <a:cs typeface="+mn-cs"/>
               </a:rPr>
-              <a:t>.</a:t>
+              <a:t> variable.</a:t>
             </a:r>
           </a:p>
           <a:p>
@@ -2561,10 +2633,30 @@
                 <a:ea typeface="+mn-ea"/>
                 <a:cs typeface="+mn-cs"/>
               </a:rPr>
-              <a:t>The generalization hierarchies for the three quasi-identifiers in</a:t>
-            </a:r>
-          </a:p>
-          <a:p>
+              <a:t>For example, in Figure 1 if age is generalized from age in years to age in five year intervals, then the value is ¼. Overall </a:t>
+            </a:r>
+            <a:r>
+              <a:rPr lang="en-US" sz="1200" b="0" i="1" u="none" strike="noStrike" kern="1200" baseline="0" dirty="0" err="1">
+                <a:solidFill>
+                  <a:schemeClr val="tx1"/>
+                </a:solidFill>
+                <a:latin typeface="Arial" charset="0"/>
+                <a:ea typeface="+mn-ea"/>
+                <a:cs typeface="+mn-cs"/>
+              </a:rPr>
+              <a:t>Prec</a:t>
+            </a:r>
+            <a:r>
+              <a:rPr lang="en-US" sz="1200" b="0" i="1" u="none" strike="noStrike" kern="1200" baseline="0" dirty="0">
+                <a:solidFill>
+                  <a:schemeClr val="tx1"/>
+                </a:solidFill>
+                <a:latin typeface="Arial" charset="0"/>
+                <a:ea typeface="+mn-ea"/>
+                <a:cs typeface="+mn-cs"/>
+              </a:rPr>
+              <a:t> </a:t>
+            </a:r>
             <a:r>
               <a:rPr lang="en-US" sz="1200" b="0" i="0" u="none" strike="noStrike" kern="1200" baseline="0" dirty="0">
                 <a:solidFill>
@@ -2574,10 +2666,30 @@
                 <a:ea typeface="+mn-ea"/>
                 <a:cs typeface="+mn-cs"/>
               </a:rPr>
-              <a:t>Figure 1 can be represented as a lattice, as in panel (a) of Figure</a:t>
-            </a:r>
-          </a:p>
-          <a:p>
+              <a:t>information loss is the average of the </a:t>
+            </a:r>
+            <a:r>
+              <a:rPr lang="en-US" sz="1200" b="0" i="1" u="none" strike="noStrike" kern="1200" baseline="0" dirty="0" err="1">
+                <a:solidFill>
+                  <a:schemeClr val="tx1"/>
+                </a:solidFill>
+                <a:latin typeface="Arial" charset="0"/>
+                <a:ea typeface="+mn-ea"/>
+                <a:cs typeface="+mn-cs"/>
+              </a:rPr>
+              <a:t>Prec</a:t>
+            </a:r>
+            <a:r>
+              <a:rPr lang="en-US" sz="1200" b="0" i="1" u="none" strike="noStrike" kern="1200" baseline="0" dirty="0">
+                <a:solidFill>
+                  <a:schemeClr val="tx1"/>
+                </a:solidFill>
+                <a:latin typeface="Arial" charset="0"/>
+                <a:ea typeface="+mn-ea"/>
+                <a:cs typeface="+mn-cs"/>
+              </a:rPr>
+              <a:t> </a:t>
+            </a:r>
             <a:r>
               <a:rPr lang="en-US" sz="1200" b="0" i="0" u="none" strike="noStrike" kern="1200" baseline="0" dirty="0">
                 <a:solidFill>
@@ -2587,10 +2699,30 @@
                 <a:ea typeface="+mn-ea"/>
                 <a:cs typeface="+mn-cs"/>
               </a:rPr>
-              <a:t>2. The height of each row of nodes is shown on the left hand</a:t>
-            </a:r>
-          </a:p>
-          <a:p>
+              <a:t>values across all quasi-identifiers in the dataset. As a consequence, the more a variable is generalized, the higher the information loss. Moreover, variables with more generalization steps (i.e., more levels in their generalization hierarchy) tend to have less information loss than ones with shorter hierarchies. Using </a:t>
+            </a:r>
+            <a:r>
+              <a:rPr lang="en-US" sz="1200" b="0" i="1" u="none" strike="noStrike" kern="1200" baseline="0" dirty="0" err="1">
+                <a:solidFill>
+                  <a:schemeClr val="tx1"/>
+                </a:solidFill>
+                <a:latin typeface="Arial" charset="0"/>
+                <a:ea typeface="+mn-ea"/>
+                <a:cs typeface="+mn-cs"/>
+              </a:rPr>
+              <a:t>Prec</a:t>
+            </a:r>
+            <a:r>
+              <a:rPr lang="en-US" sz="1200" b="0" i="1" u="none" strike="noStrike" kern="1200" baseline="0" dirty="0">
+                <a:solidFill>
+                  <a:schemeClr val="tx1"/>
+                </a:solidFill>
+                <a:latin typeface="Arial" charset="0"/>
+                <a:ea typeface="+mn-ea"/>
+                <a:cs typeface="+mn-cs"/>
+              </a:rPr>
+              <a:t> </a:t>
+            </a:r>
             <a:r>
               <a:rPr lang="en-US" sz="1200" b="0" i="0" u="none" strike="noStrike" kern="1200" baseline="0" dirty="0">
                 <a:solidFill>
@@ -2600,10 +2732,30 @@
                 <a:ea typeface="+mn-ea"/>
                 <a:cs typeface="+mn-cs"/>
               </a:rPr>
-              <a:t>side, ranging from zero to 7 in this case. The arrows illustrate</a:t>
-            </a:r>
-          </a:p>
-          <a:p>
+              <a:t>as the information loss metric, the noded2, g0, a1 would be the optimal node rather than node d0, g1, a1 in Figure 2: the former has a </a:t>
+            </a:r>
+            <a:r>
+              <a:rPr lang="en-US" sz="1200" b="0" i="1" u="none" strike="noStrike" kern="1200" baseline="0" dirty="0" err="1">
+                <a:solidFill>
+                  <a:schemeClr val="tx1"/>
+                </a:solidFill>
+                <a:latin typeface="Arial" charset="0"/>
+                <a:ea typeface="+mn-ea"/>
+                <a:cs typeface="+mn-cs"/>
+              </a:rPr>
+              <a:t>Prec</a:t>
+            </a:r>
+            <a:r>
+              <a:rPr lang="en-US" sz="1200" b="0" i="1" u="none" strike="noStrike" kern="1200" baseline="0" dirty="0">
+                <a:solidFill>
+                  <a:schemeClr val="tx1"/>
+                </a:solidFill>
+                <a:latin typeface="Arial" charset="0"/>
+                <a:ea typeface="+mn-ea"/>
+                <a:cs typeface="+mn-cs"/>
+              </a:rPr>
+              <a:t> </a:t>
+            </a:r>
             <a:r>
               <a:rPr lang="en-US" sz="1200" b="0" i="0" u="none" strike="noStrike" kern="1200" baseline="0" dirty="0">
                 <a:solidFill>
@@ -2613,10 +2765,30 @@
                 <a:ea typeface="+mn-ea"/>
                 <a:cs typeface="+mn-cs"/>
               </a:rPr>
-              <a:t>the possible generalization paths that can be taken through the</a:t>
-            </a:r>
-          </a:p>
-          <a:p>
+              <a:t>of 0.417 and the latter a </a:t>
+            </a:r>
+            <a:r>
+              <a:rPr lang="en-US" sz="1200" b="0" i="1" u="none" strike="noStrike" kern="1200" baseline="0" dirty="0" err="1">
+                <a:solidFill>
+                  <a:schemeClr val="tx1"/>
+                </a:solidFill>
+                <a:latin typeface="Arial" charset="0"/>
+                <a:ea typeface="+mn-ea"/>
+                <a:cs typeface="+mn-cs"/>
+              </a:rPr>
+              <a:t>Prec</a:t>
+            </a:r>
+            <a:r>
+              <a:rPr lang="en-US" sz="1200" b="0" i="1" u="none" strike="noStrike" kern="1200" baseline="0" dirty="0">
+                <a:solidFill>
+                  <a:schemeClr val="tx1"/>
+                </a:solidFill>
+                <a:latin typeface="Arial" charset="0"/>
+                <a:ea typeface="+mn-ea"/>
+                <a:cs typeface="+mn-cs"/>
+              </a:rPr>
+              <a:t> </a:t>
+            </a:r>
             <a:r>
               <a:rPr lang="en-US" sz="1200" b="0" i="0" u="none" strike="noStrike" kern="1200" baseline="0" dirty="0">
                 <a:solidFill>
@@ -2626,8 +2798,39 @@
                 <a:ea typeface="+mn-ea"/>
                 <a:cs typeface="+mn-cs"/>
               </a:rPr>
-              <a:t>lattice. A series of connected paths from the bottom node to the</a:t>
-            </a:r>
+              <a:t>of </a:t>
+            </a:r>
+            <a:r>
+              <a:rPr lang="de-DE" sz="1200" b="0" i="0" u="none" strike="noStrike" kern="1200" baseline="0" dirty="0">
+                <a:solidFill>
+                  <a:schemeClr val="tx1"/>
+                </a:solidFill>
+                <a:latin typeface="Arial" charset="0"/>
+                <a:ea typeface="+mn-ea"/>
+                <a:cs typeface="+mn-cs"/>
+              </a:rPr>
+              <a:t>0.466.</a:t>
+            </a:r>
+          </a:p>
+          <a:p>
+            <a:endParaRPr lang="de-DE" sz="1200" b="0" i="0" u="none" strike="noStrike" kern="1200" baseline="0" dirty="0">
+              <a:solidFill>
+                <a:schemeClr val="tx1"/>
+              </a:solidFill>
+              <a:latin typeface="Arial" charset="0"/>
+              <a:ea typeface="+mn-ea"/>
+              <a:cs typeface="+mn-cs"/>
+            </a:endParaRPr>
+          </a:p>
+          <a:p>
+            <a:endParaRPr lang="de-DE" sz="1200" b="0" i="0" u="none" strike="noStrike" kern="1200" baseline="0" dirty="0">
+              <a:solidFill>
+                <a:schemeClr val="tx1"/>
+              </a:solidFill>
+              <a:latin typeface="Arial" charset="0"/>
+              <a:ea typeface="+mn-ea"/>
+              <a:cs typeface="+mn-cs"/>
+            </a:endParaRPr>
           </a:p>
           <a:p>
             <a:r>
@@ -2639,18 +2842,18 @@
                 <a:ea typeface="+mn-ea"/>
                 <a:cs typeface="+mn-cs"/>
               </a:rPr>
-              <a:t>top node is a </a:t>
-            </a:r>
-            <a:r>
-              <a:rPr lang="en-US" sz="1200" b="0" i="1" u="none" strike="noStrike" kern="1200" baseline="0" dirty="0">
-                <a:solidFill>
-                  <a:schemeClr val="tx1"/>
-                </a:solidFill>
-                <a:latin typeface="Arial" charset="0"/>
-                <a:ea typeface="+mn-ea"/>
-                <a:cs typeface="+mn-cs"/>
-              </a:rPr>
-              <a:t>generalization strategy</a:t>
+              <a:t>Another commonly used information loss metric is the </a:t>
+            </a:r>
+            <a:r>
+              <a:rPr lang="en-US" sz="1200" b="0" i="0" u="none" strike="noStrike" kern="1200" baseline="0" dirty="0" err="1">
+                <a:solidFill>
+                  <a:schemeClr val="tx1"/>
+                </a:solidFill>
+                <a:latin typeface="Arial" charset="0"/>
+                <a:ea typeface="+mn-ea"/>
+                <a:cs typeface="+mn-cs"/>
+              </a:rPr>
+              <a:t>Discernability</a:t>
             </a:r>
             <a:r>
               <a:rPr lang="en-US" sz="1200" b="0" i="0" u="none" strike="noStrike" kern="1200" baseline="0" dirty="0">
@@ -2661,62 +2864,19 @@
                 <a:ea typeface="+mn-ea"/>
                 <a:cs typeface="+mn-cs"/>
               </a:rPr>
-              <a:t>. Panel (b) of Figure 2 shows two</a:t>
-            </a:r>
-          </a:p>
-          <a:p>
-            <a:r>
-              <a:rPr lang="en-US" sz="1200" b="0" i="0" u="none" strike="noStrike" kern="1200" baseline="0" dirty="0">
-                <a:solidFill>
-                  <a:schemeClr val="tx1"/>
-                </a:solidFill>
-                <a:latin typeface="Arial" charset="0"/>
-                <a:ea typeface="+mn-ea"/>
-                <a:cs typeface="+mn-cs"/>
-              </a:rPr>
-              <a:t>generalization strategies which pass through the node d0, g1,</a:t>
-            </a:r>
-          </a:p>
-          <a:p>
-            <a:r>
-              <a:rPr lang="en-US" sz="1200" b="0" i="0" u="none" strike="noStrike" kern="1200" baseline="0" dirty="0">
-                <a:solidFill>
-                  <a:schemeClr val="tx1"/>
-                </a:solidFill>
-                <a:latin typeface="Arial" charset="0"/>
-                <a:ea typeface="+mn-ea"/>
-                <a:cs typeface="+mn-cs"/>
-              </a:rPr>
-              <a:t>a2. Each node in the lattice represents a possible instance of the</a:t>
-            </a:r>
-          </a:p>
-          <a:p>
-            <a:r>
-              <a:rPr lang="en-US" sz="1200" b="0" i="0" u="none" strike="noStrike" kern="1200" baseline="0" dirty="0">
-                <a:solidFill>
-                  <a:schemeClr val="tx1"/>
-                </a:solidFill>
-                <a:latin typeface="Arial" charset="0"/>
-                <a:ea typeface="+mn-ea"/>
-                <a:cs typeface="+mn-cs"/>
-              </a:rPr>
-              <a:t>dataset. One of these nodes is the globally optimal solution and</a:t>
-            </a:r>
-          </a:p>
-          <a:p>
-            <a:r>
-              <a:rPr lang="en-US" sz="1200" b="0" i="0" u="none" strike="noStrike" kern="1200" baseline="0" dirty="0">
-                <a:solidFill>
-                  <a:schemeClr val="tx1"/>
-                </a:solidFill>
-                <a:latin typeface="Arial" charset="0"/>
-                <a:ea typeface="+mn-ea"/>
-                <a:cs typeface="+mn-cs"/>
-              </a:rPr>
-              <a:t>the objective of a k-anonymity algorithm is to find it efficiently.</a:t>
-            </a:r>
-          </a:p>
-          <a:p>
+              <a:t> Metric or DM.2The </a:t>
+            </a:r>
+            <a:r>
+              <a:rPr lang="en-US" sz="1200" b="0" i="0" u="none" strike="noStrike" kern="1200" baseline="0" dirty="0" err="1">
+                <a:solidFill>
+                  <a:schemeClr val="tx1"/>
+                </a:solidFill>
+                <a:latin typeface="Arial" charset="0"/>
+                <a:ea typeface="+mn-ea"/>
+                <a:cs typeface="+mn-cs"/>
+              </a:rPr>
+              <a:t>discernability</a:t>
+            </a:r>
             <a:endParaRPr lang="en-US" sz="1200" b="0" i="0" u="none" strike="noStrike" kern="1200" baseline="0" dirty="0">
               <a:solidFill>
                 <a:schemeClr val="tx1"/>
@@ -2736,7 +2896,65 @@
                 <a:ea typeface="+mn-ea"/>
                 <a:cs typeface="+mn-cs"/>
               </a:rPr>
-              <a:t>All equivalence classes in the dataset that are smaller than </a:t>
+              <a:t>metric assigns a penalty to every record that is proportional to the number of records that are indistinguishable from it.</a:t>
+            </a:r>
+          </a:p>
+          <a:p>
+            <a:r>
+              <a:rPr lang="en-US" sz="1200" b="0" i="0" u="none" strike="noStrike" kern="1200" baseline="0" dirty="0">
+                <a:solidFill>
+                  <a:schemeClr val="tx1"/>
+                </a:solidFill>
+                <a:latin typeface="Arial" charset="0"/>
+                <a:ea typeface="+mn-ea"/>
+                <a:cs typeface="+mn-cs"/>
+              </a:rPr>
+              <a:t>Following the same reasoning, DM assigns a penalty equal to the whole dataset for every suppressed record (since suppressed records are indistinguishable from all other </a:t>
+            </a:r>
+            <a:r>
+              <a:rPr lang="de-DE" sz="1200" b="0" i="0" u="none" strike="noStrike" kern="1200" baseline="0" dirty="0" err="1">
+                <a:solidFill>
+                  <a:schemeClr val="tx1"/>
+                </a:solidFill>
+                <a:latin typeface="Arial" charset="0"/>
+                <a:ea typeface="+mn-ea"/>
+                <a:cs typeface="+mn-cs"/>
+              </a:rPr>
+              <a:t>records</a:t>
+            </a:r>
+            <a:r>
+              <a:rPr lang="de-DE" sz="1200" b="0" i="0" u="none" strike="noStrike" kern="1200" baseline="0" dirty="0">
+                <a:solidFill>
+                  <a:schemeClr val="tx1"/>
+                </a:solidFill>
+                <a:latin typeface="Arial" charset="0"/>
+                <a:ea typeface="+mn-ea"/>
+                <a:cs typeface="+mn-cs"/>
+              </a:rPr>
+              <a:t>).</a:t>
+            </a:r>
+          </a:p>
+          <a:p>
+            <a:endParaRPr lang="de-DE" sz="1200" b="0" i="0" u="none" strike="noStrike" kern="1200" baseline="0" dirty="0">
+              <a:solidFill>
+                <a:schemeClr val="tx1"/>
+              </a:solidFill>
+              <a:latin typeface="Arial" charset="0"/>
+              <a:ea typeface="+mn-ea"/>
+              <a:cs typeface="+mn-cs"/>
+            </a:endParaRPr>
+          </a:p>
+          <a:p>
+            <a:r>
+              <a:rPr lang="en-US" sz="1200" b="0" i="0" u="none" strike="noStrike" kern="1200" baseline="0" dirty="0">
+                <a:solidFill>
+                  <a:schemeClr val="tx1"/>
+                </a:solidFill>
+                <a:latin typeface="Arial" charset="0"/>
+                <a:ea typeface="+mn-ea"/>
+                <a:cs typeface="+mn-cs"/>
+              </a:rPr>
+              <a:t>The </a:t>
             </a:r>
             <a:r>
               <a:rPr lang="en-US" sz="1200" b="0" i="1" u="none" strike="noStrike" kern="1200" baseline="0" dirty="0">
@@ -2747,7 +2965,7 @@
                 <a:ea typeface="+mn-ea"/>
                 <a:cs typeface="+mn-cs"/>
               </a:rPr>
-              <a:t>k </a:t>
+              <a:t>DM</a:t>
             </a:r>
             <a:r>
               <a:rPr lang="en-US" sz="1200" b="0" i="0" u="none" strike="noStrike" kern="1200" baseline="0" dirty="0">
@@ -2758,10 +2976,30 @@
                 <a:ea typeface="+mn-ea"/>
                 <a:cs typeface="+mn-cs"/>
               </a:rPr>
-              <a:t>are</a:t>
-            </a:r>
-          </a:p>
-          <a:p>
+              <a:t>* information loss also solves a weakness with the </a:t>
+            </a:r>
+            <a:r>
+              <a:rPr lang="en-US" sz="1200" b="0" i="1" u="none" strike="noStrike" kern="1200" baseline="0" dirty="0" err="1">
+                <a:solidFill>
+                  <a:schemeClr val="tx1"/>
+                </a:solidFill>
+                <a:latin typeface="Arial" charset="0"/>
+                <a:ea typeface="+mn-ea"/>
+                <a:cs typeface="+mn-cs"/>
+              </a:rPr>
+              <a:t>Prec</a:t>
+            </a:r>
+            <a:r>
+              <a:rPr lang="en-US" sz="1200" b="0" i="1" u="none" strike="noStrike" kern="1200" baseline="0" dirty="0">
+                <a:solidFill>
+                  <a:schemeClr val="tx1"/>
+                </a:solidFill>
+                <a:latin typeface="Arial" charset="0"/>
+                <a:ea typeface="+mn-ea"/>
+                <a:cs typeface="+mn-cs"/>
+              </a:rPr>
+              <a:t> </a:t>
+            </a:r>
             <a:r>
               <a:rPr lang="en-US" sz="1200" b="0" i="0" u="none" strike="noStrike" kern="1200" baseline="0" dirty="0">
                 <a:solidFill>
@@ -2771,10 +3009,30 @@
                 <a:ea typeface="+mn-ea"/>
                 <a:cs typeface="+mn-cs"/>
               </a:rPr>
-              <a:t>suppressed.26 In Figure 2, 70% of the records were suppressed in</a:t>
-            </a:r>
-          </a:p>
-          <a:p>
+              <a:t>metric in that </a:t>
+            </a:r>
+            <a:r>
+              <a:rPr lang="en-US" sz="1200" b="0" i="1" u="none" strike="noStrike" kern="1200" baseline="0" dirty="0" err="1">
+                <a:solidFill>
+                  <a:schemeClr val="tx1"/>
+                </a:solidFill>
+                <a:latin typeface="Arial" charset="0"/>
+                <a:ea typeface="+mn-ea"/>
+                <a:cs typeface="+mn-cs"/>
+              </a:rPr>
+              <a:t>Prec</a:t>
+            </a:r>
+            <a:r>
+              <a:rPr lang="en-US" sz="1200" b="0" i="1" u="none" strike="noStrike" kern="1200" baseline="0" dirty="0">
+                <a:solidFill>
+                  <a:schemeClr val="tx1"/>
+                </a:solidFill>
+                <a:latin typeface="Arial" charset="0"/>
+                <a:ea typeface="+mn-ea"/>
+                <a:cs typeface="+mn-cs"/>
+              </a:rPr>
+              <a:t> </a:t>
+            </a:r>
             <a:r>
               <a:rPr lang="en-US" sz="1200" b="0" i="0" u="none" strike="noStrike" kern="1200" baseline="0" dirty="0">
                 <a:solidFill>
@@ -2784,7 +3042,7 @@
                 <a:ea typeface="+mn-ea"/>
                 <a:cs typeface="+mn-cs"/>
               </a:rPr>
-              <a:t>the dataset represented by node d0, g0, a0 because these</a:t>
+              <a:t>does not take into account the size</a:t>
             </a:r>
           </a:p>
           <a:p>
@@ -2797,7 +3055,7 @@
                 <a:ea typeface="+mn-ea"/>
                 <a:cs typeface="+mn-cs"/>
               </a:rPr>
-              <a:t>records were in small equivalence classes. As more generalization</a:t>
+              <a:t>of the equivalence classes. If we generalize gender to “Person” in Table a of Figure 3 to obtain Table c in Figure</a:t>
             </a:r>
           </a:p>
           <a:p>
@@ -2810,10 +3068,30 @@
                 <a:ea typeface="+mn-ea"/>
                 <a:cs typeface="+mn-cs"/>
               </a:rPr>
-              <a:t>is applied, the extent of suppression goes down. For example,</a:t>
-            </a:r>
-          </a:p>
-          <a:p>
+              <a:t>3, then the </a:t>
+            </a:r>
+            <a:r>
+              <a:rPr lang="en-US" sz="1200" b="0" i="1" u="none" strike="noStrike" kern="1200" baseline="0" dirty="0" err="1">
+                <a:solidFill>
+                  <a:schemeClr val="tx1"/>
+                </a:solidFill>
+                <a:latin typeface="Arial" charset="0"/>
+                <a:ea typeface="+mn-ea"/>
+                <a:cs typeface="+mn-cs"/>
+              </a:rPr>
+              <a:t>Prec</a:t>
+            </a:r>
+            <a:r>
+              <a:rPr lang="en-US" sz="1200" b="0" i="1" u="none" strike="noStrike" kern="1200" baseline="0" dirty="0">
+                <a:solidFill>
+                  <a:schemeClr val="tx1"/>
+                </a:solidFill>
+                <a:latin typeface="Arial" charset="0"/>
+                <a:ea typeface="+mn-ea"/>
+                <a:cs typeface="+mn-cs"/>
+              </a:rPr>
+              <a:t> </a:t>
+            </a:r>
             <a:r>
               <a:rPr lang="en-US" sz="1200" b="0" i="0" u="none" strike="noStrike" kern="1200" baseline="0" dirty="0">
                 <a:solidFill>
@@ -2823,10 +3101,19 @@
                 <a:ea typeface="+mn-ea"/>
                 <a:cs typeface="+mn-cs"/>
               </a:rPr>
-              <a:t>node d0, g0, a1, with age generalized to 5-year intervals, has</a:t>
-            </a:r>
-          </a:p>
-          <a:p>
+              <a:t>for Table (c) would be 0.33 and </a:t>
+            </a:r>
+            <a:r>
+              <a:rPr lang="en-US" sz="1200" b="0" i="1" u="none" strike="noStrike" kern="1200" baseline="0" dirty="0">
+                <a:solidFill>
+                  <a:schemeClr val="tx1"/>
+                </a:solidFill>
+                <a:latin typeface="Arial" charset="0"/>
+                <a:ea typeface="+mn-ea"/>
+                <a:cs typeface="+mn-cs"/>
+              </a:rPr>
+              <a:t>DM</a:t>
+            </a:r>
             <a:r>
               <a:rPr lang="en-US" sz="1200" b="0" i="0" u="none" strike="noStrike" kern="1200" baseline="0" dirty="0">
                 <a:solidFill>
@@ -2836,7 +3123,562 @@
                 <a:ea typeface="+mn-ea"/>
                 <a:cs typeface="+mn-cs"/>
               </a:rPr>
-              <a:t>only 30% of the records suppressed.</a:t>
+              <a:t>* would be 16. However, Table b in Figure 3 has a </a:t>
+            </a:r>
+            <a:r>
+              <a:rPr lang="en-US" sz="1200" b="0" i="1" u="none" strike="noStrike" kern="1200" baseline="0" dirty="0" err="1">
+                <a:solidFill>
+                  <a:schemeClr val="tx1"/>
+                </a:solidFill>
+                <a:latin typeface="Arial" charset="0"/>
+                <a:ea typeface="+mn-ea"/>
+                <a:cs typeface="+mn-cs"/>
+              </a:rPr>
+              <a:t>Prec</a:t>
+            </a:r>
+            <a:r>
+              <a:rPr lang="en-US" sz="1200" b="0" i="1" u="none" strike="noStrike" kern="1200" baseline="0" dirty="0">
+                <a:solidFill>
+                  <a:schemeClr val="tx1"/>
+                </a:solidFill>
+                <a:latin typeface="Arial" charset="0"/>
+                <a:ea typeface="+mn-ea"/>
+                <a:cs typeface="+mn-cs"/>
+              </a:rPr>
+              <a:t> </a:t>
+            </a:r>
+            <a:r>
+              <a:rPr lang="en-US" sz="1200" b="0" i="0" u="none" strike="noStrike" kern="1200" baseline="0" dirty="0">
+                <a:solidFill>
+                  <a:schemeClr val="tx1"/>
+                </a:solidFill>
+                <a:latin typeface="Arial" charset="0"/>
+                <a:ea typeface="+mn-ea"/>
+                <a:cs typeface="+mn-cs"/>
+              </a:rPr>
+              <a:t>of 0.0833 and a </a:t>
+            </a:r>
+            <a:r>
+              <a:rPr lang="en-US" sz="1200" b="0" i="1" u="none" strike="noStrike" kern="1200" baseline="0" dirty="0">
+                <a:solidFill>
+                  <a:schemeClr val="tx1"/>
+                </a:solidFill>
+                <a:latin typeface="Arial" charset="0"/>
+                <a:ea typeface="+mn-ea"/>
+                <a:cs typeface="+mn-cs"/>
+              </a:rPr>
+              <a:t>DM</a:t>
+            </a:r>
+            <a:r>
+              <a:rPr lang="en-US" sz="1200" b="0" i="0" u="none" strike="noStrike" kern="1200" baseline="0" dirty="0">
+                <a:solidFill>
+                  <a:schemeClr val="tx1"/>
+                </a:solidFill>
+                <a:latin typeface="Arial" charset="0"/>
+                <a:ea typeface="+mn-ea"/>
+                <a:cs typeface="+mn-cs"/>
+              </a:rPr>
+              <a:t>* of 28. As can be seen in this case, the</a:t>
+            </a:r>
+          </a:p>
+          <a:p>
+            <a:r>
+              <a:rPr lang="en-US" sz="1200" b="0" i="0" u="none" strike="noStrike" kern="1200" baseline="0" dirty="0">
+                <a:solidFill>
+                  <a:schemeClr val="tx1"/>
+                </a:solidFill>
+                <a:latin typeface="Arial" charset="0"/>
+                <a:ea typeface="+mn-ea"/>
+                <a:cs typeface="+mn-cs"/>
+              </a:rPr>
+              <a:t>higher </a:t>
+            </a:r>
+            <a:r>
+              <a:rPr lang="en-US" sz="1200" b="0" i="1" u="none" strike="noStrike" kern="1200" baseline="0" dirty="0" err="1">
+                <a:solidFill>
+                  <a:schemeClr val="tx1"/>
+                </a:solidFill>
+                <a:latin typeface="Arial" charset="0"/>
+                <a:ea typeface="+mn-ea"/>
+                <a:cs typeface="+mn-cs"/>
+              </a:rPr>
+              <a:t>Prec</a:t>
+            </a:r>
+            <a:r>
+              <a:rPr lang="en-US" sz="1200" b="0" i="1" u="none" strike="noStrike" kern="1200" baseline="0" dirty="0">
+                <a:solidFill>
+                  <a:schemeClr val="tx1"/>
+                </a:solidFill>
+                <a:latin typeface="Arial" charset="0"/>
+                <a:ea typeface="+mn-ea"/>
+                <a:cs typeface="+mn-cs"/>
+              </a:rPr>
+              <a:t> </a:t>
+            </a:r>
+            <a:r>
+              <a:rPr lang="en-US" sz="1200" b="0" i="0" u="none" strike="noStrike" kern="1200" baseline="0" dirty="0">
+                <a:solidFill>
+                  <a:schemeClr val="tx1"/>
+                </a:solidFill>
+                <a:latin typeface="Arial" charset="0"/>
+                <a:ea typeface="+mn-ea"/>
+                <a:cs typeface="+mn-cs"/>
+              </a:rPr>
+              <a:t>value had a lower </a:t>
+            </a:r>
+            <a:r>
+              <a:rPr lang="en-US" sz="1200" b="0" i="1" u="none" strike="noStrike" kern="1200" baseline="0" dirty="0">
+                <a:solidFill>
+                  <a:schemeClr val="tx1"/>
+                </a:solidFill>
+                <a:latin typeface="Arial" charset="0"/>
+                <a:ea typeface="+mn-ea"/>
+                <a:cs typeface="+mn-cs"/>
+              </a:rPr>
+              <a:t>DM</a:t>
+            </a:r>
+            <a:r>
+              <a:rPr lang="en-US" sz="1200" b="0" i="0" u="none" strike="noStrike" kern="1200" baseline="0" dirty="0">
+                <a:solidFill>
+                  <a:schemeClr val="tx1"/>
+                </a:solidFill>
+                <a:latin typeface="Arial" charset="0"/>
+                <a:ea typeface="+mn-ea"/>
+                <a:cs typeface="+mn-cs"/>
+              </a:rPr>
+              <a:t>* value. The reason is that there are more equivalence classes in (b) than in (c),</a:t>
+            </a:r>
+          </a:p>
+          <a:p>
+            <a:r>
+              <a:rPr lang="en-US" sz="1200" b="0" i="0" u="none" strike="noStrike" kern="1200" baseline="0" dirty="0">
+                <a:solidFill>
+                  <a:schemeClr val="tx1"/>
+                </a:solidFill>
+                <a:latin typeface="Arial" charset="0"/>
+                <a:ea typeface="+mn-ea"/>
+                <a:cs typeface="+mn-cs"/>
+              </a:rPr>
+              <a:t>and one of the equivalence classes is larger; the </a:t>
+            </a:r>
+            <a:r>
+              <a:rPr lang="en-US" sz="1200" b="0" i="1" u="none" strike="noStrike" kern="1200" baseline="0" dirty="0" err="1">
+                <a:solidFill>
+                  <a:schemeClr val="tx1"/>
+                </a:solidFill>
+                <a:latin typeface="Arial" charset="0"/>
+                <a:ea typeface="+mn-ea"/>
+                <a:cs typeface="+mn-cs"/>
+              </a:rPr>
+              <a:t>Prec</a:t>
+            </a:r>
+            <a:r>
+              <a:rPr lang="en-US" sz="1200" b="0" i="1" u="none" strike="noStrike" kern="1200" baseline="0" dirty="0">
+                <a:solidFill>
+                  <a:schemeClr val="tx1"/>
+                </a:solidFill>
+                <a:latin typeface="Arial" charset="0"/>
+                <a:ea typeface="+mn-ea"/>
+                <a:cs typeface="+mn-cs"/>
+              </a:rPr>
+              <a:t> </a:t>
+            </a:r>
+            <a:r>
+              <a:rPr lang="en-US" sz="1200" b="0" i="0" u="none" strike="noStrike" kern="1200" baseline="0" dirty="0">
+                <a:solidFill>
+                  <a:schemeClr val="tx1"/>
+                </a:solidFill>
+                <a:latin typeface="Arial" charset="0"/>
+                <a:ea typeface="+mn-ea"/>
+                <a:cs typeface="+mn-cs"/>
+              </a:rPr>
+              <a:t>metric does not consider the structure of the data itself.</a:t>
+            </a:r>
+          </a:p>
+          <a:p>
+            <a:endParaRPr lang="en-US" sz="1200" b="0" i="0" u="none" strike="noStrike" kern="1200" baseline="0" dirty="0">
+              <a:solidFill>
+                <a:schemeClr val="tx1"/>
+              </a:solidFill>
+              <a:latin typeface="Arial" charset="0"/>
+              <a:ea typeface="+mn-ea"/>
+              <a:cs typeface="+mn-cs"/>
+            </a:endParaRPr>
+          </a:p>
+          <a:p>
+            <a:endParaRPr lang="en-US" sz="1200" b="0" i="0" u="none" strike="noStrike" kern="1200" baseline="0" dirty="0">
+              <a:solidFill>
+                <a:schemeClr val="tx1"/>
+              </a:solidFill>
+              <a:latin typeface="Arial" charset="0"/>
+              <a:ea typeface="+mn-ea"/>
+              <a:cs typeface="+mn-cs"/>
+            </a:endParaRPr>
+          </a:p>
+          <a:p>
+            <a:endParaRPr lang="en-US" sz="1200" b="0" i="0" u="none" strike="noStrike" kern="1200" baseline="0" dirty="0">
+              <a:solidFill>
+                <a:schemeClr val="tx1"/>
+              </a:solidFill>
+              <a:latin typeface="Arial" charset="0"/>
+              <a:ea typeface="+mn-ea"/>
+              <a:cs typeface="+mn-cs"/>
+            </a:endParaRPr>
+          </a:p>
+          <a:p>
+            <a:endParaRPr lang="en-US" sz="1200" b="0" i="0" u="none" strike="noStrike" kern="1200" baseline="0" dirty="0">
+              <a:solidFill>
+                <a:schemeClr val="tx1"/>
+              </a:solidFill>
+              <a:latin typeface="Arial" charset="0"/>
+              <a:ea typeface="+mn-ea"/>
+              <a:cs typeface="+mn-cs"/>
+            </a:endParaRPr>
+          </a:p>
+          <a:p>
+            <a:endParaRPr lang="en-US" sz="1200" b="0" i="0" u="none" strike="noStrike" kern="1200" baseline="0" dirty="0">
+              <a:solidFill>
+                <a:schemeClr val="tx1"/>
+              </a:solidFill>
+              <a:latin typeface="Arial" charset="0"/>
+              <a:ea typeface="+mn-ea"/>
+              <a:cs typeface="+mn-cs"/>
+            </a:endParaRPr>
+          </a:p>
+          <a:p>
+            <a:r>
+              <a:rPr lang="en-US" sz="1200" b="0" i="0" u="none" strike="noStrike" kern="1200" baseline="0" dirty="0">
+                <a:solidFill>
+                  <a:schemeClr val="tx1"/>
+                </a:solidFill>
+                <a:latin typeface="Arial" charset="0"/>
+                <a:ea typeface="+mn-ea"/>
+                <a:cs typeface="+mn-cs"/>
+              </a:rPr>
+              <a:t>the number of generalization steps applied to the total number</a:t>
+            </a:r>
+          </a:p>
+          <a:p>
+            <a:r>
+              <a:rPr lang="en-US" sz="1200" b="0" i="0" u="none" strike="noStrike" kern="1200" baseline="0" dirty="0">
+                <a:solidFill>
+                  <a:schemeClr val="tx1"/>
+                </a:solidFill>
+                <a:latin typeface="Arial" charset="0"/>
+                <a:ea typeface="+mn-ea"/>
+                <a:cs typeface="+mn-cs"/>
+              </a:rPr>
+              <a:t>of possible generalization steps (total height of the generalization</a:t>
+            </a:r>
+          </a:p>
+          <a:p>
+            <a:r>
+              <a:rPr lang="en-US" sz="1200" b="0" i="0" u="none" strike="noStrike" kern="1200" baseline="0" dirty="0">
+                <a:solidFill>
+                  <a:schemeClr val="tx1"/>
+                </a:solidFill>
+                <a:latin typeface="Arial" charset="0"/>
+                <a:ea typeface="+mn-ea"/>
+                <a:cs typeface="+mn-cs"/>
+              </a:rPr>
+              <a:t>hierarchy) gives the amount of information loss for that</a:t>
+            </a:r>
+          </a:p>
+          <a:p>
+            <a:r>
+              <a:rPr lang="en-US" sz="1200" b="0" i="0" u="none" strike="noStrike" kern="1200" baseline="0" dirty="0">
+                <a:solidFill>
+                  <a:schemeClr val="tx1"/>
+                </a:solidFill>
+                <a:latin typeface="Arial" charset="0"/>
+                <a:ea typeface="+mn-ea"/>
+                <a:cs typeface="+mn-cs"/>
+              </a:rPr>
+              <a:t>particular variable. For example, in Figure 1 if age is generalized</a:t>
+            </a:r>
+          </a:p>
+          <a:p>
+            <a:r>
+              <a:rPr lang="en-US" sz="1200" b="0" i="0" u="none" strike="noStrike" kern="1200" baseline="0" dirty="0">
+                <a:solidFill>
+                  <a:schemeClr val="tx1"/>
+                </a:solidFill>
+                <a:latin typeface="Arial" charset="0"/>
+                <a:ea typeface="+mn-ea"/>
+                <a:cs typeface="+mn-cs"/>
+              </a:rPr>
+              <a:t>from age in years to age in five year intervals, then the</a:t>
+            </a:r>
+          </a:p>
+          <a:p>
+            <a:r>
+              <a:rPr lang="en-US" sz="1200" b="0" i="0" u="none" strike="noStrike" kern="1200" baseline="0" dirty="0">
+                <a:solidFill>
+                  <a:schemeClr val="tx1"/>
+                </a:solidFill>
+                <a:latin typeface="Arial" charset="0"/>
+                <a:ea typeface="+mn-ea"/>
+                <a:cs typeface="+mn-cs"/>
+              </a:rPr>
+              <a:t>value is ¼. Overall </a:t>
+            </a:r>
+            <a:r>
+              <a:rPr lang="en-US" sz="1200" b="0" i="1" u="none" strike="noStrike" kern="1200" baseline="0" dirty="0" err="1">
+                <a:solidFill>
+                  <a:schemeClr val="tx1"/>
+                </a:solidFill>
+                <a:latin typeface="Arial" charset="0"/>
+                <a:ea typeface="+mn-ea"/>
+                <a:cs typeface="+mn-cs"/>
+              </a:rPr>
+              <a:t>Prec</a:t>
+            </a:r>
+            <a:r>
+              <a:rPr lang="en-US" sz="1200" b="0" i="1" u="none" strike="noStrike" kern="1200" baseline="0" dirty="0">
+                <a:solidFill>
+                  <a:schemeClr val="tx1"/>
+                </a:solidFill>
+                <a:latin typeface="Arial" charset="0"/>
+                <a:ea typeface="+mn-ea"/>
+                <a:cs typeface="+mn-cs"/>
+              </a:rPr>
+              <a:t> </a:t>
+            </a:r>
+            <a:r>
+              <a:rPr lang="en-US" sz="1200" b="0" i="0" u="none" strike="noStrike" kern="1200" baseline="0" dirty="0">
+                <a:solidFill>
+                  <a:schemeClr val="tx1"/>
+                </a:solidFill>
+                <a:latin typeface="Arial" charset="0"/>
+                <a:ea typeface="+mn-ea"/>
+                <a:cs typeface="+mn-cs"/>
+              </a:rPr>
+              <a:t>information loss is the average of the</a:t>
+            </a:r>
+          </a:p>
+          <a:p>
+            <a:r>
+              <a:rPr lang="en-US" sz="1200" b="0" i="1" u="none" strike="noStrike" kern="1200" baseline="0" dirty="0" err="1">
+                <a:solidFill>
+                  <a:schemeClr val="tx1"/>
+                </a:solidFill>
+                <a:latin typeface="Arial" charset="0"/>
+                <a:ea typeface="+mn-ea"/>
+                <a:cs typeface="+mn-cs"/>
+              </a:rPr>
+              <a:t>Prec</a:t>
+            </a:r>
+            <a:r>
+              <a:rPr lang="en-US" sz="1200" b="0" i="1" u="none" strike="noStrike" kern="1200" baseline="0" dirty="0">
+                <a:solidFill>
+                  <a:schemeClr val="tx1"/>
+                </a:solidFill>
+                <a:latin typeface="Arial" charset="0"/>
+                <a:ea typeface="+mn-ea"/>
+                <a:cs typeface="+mn-cs"/>
+              </a:rPr>
+              <a:t> </a:t>
+            </a:r>
+            <a:r>
+              <a:rPr lang="en-US" sz="1200" b="0" i="0" u="none" strike="noStrike" kern="1200" baseline="0" dirty="0">
+                <a:solidFill>
+                  <a:schemeClr val="tx1"/>
+                </a:solidFill>
+                <a:latin typeface="Arial" charset="0"/>
+                <a:ea typeface="+mn-ea"/>
+                <a:cs typeface="+mn-cs"/>
+              </a:rPr>
+              <a:t>values across all quasi-identifiers in the dataset.</a:t>
+            </a:r>
+            <a:r>
+              <a:rPr lang="de-DE" sz="1200" b="0" i="0" u="none" strike="noStrike" kern="1200" baseline="0" dirty="0">
+                <a:solidFill>
+                  <a:schemeClr val="tx1"/>
+                </a:solidFill>
+                <a:latin typeface="Arial" charset="0"/>
+                <a:ea typeface="+mn-ea"/>
+                <a:cs typeface="+mn-cs"/>
+              </a:rPr>
+              <a:t> As a</a:t>
+            </a:r>
+          </a:p>
+          <a:p>
+            <a:r>
+              <a:rPr lang="en-US" sz="1200" b="0" i="0" u="none" strike="noStrike" kern="1200" baseline="0" dirty="0">
+                <a:solidFill>
+                  <a:schemeClr val="tx1"/>
+                </a:solidFill>
+                <a:latin typeface="Arial" charset="0"/>
+                <a:ea typeface="+mn-ea"/>
+                <a:cs typeface="+mn-cs"/>
+              </a:rPr>
+              <a:t>consequence, the more a variable is generalized, the higher the</a:t>
+            </a:r>
+          </a:p>
+          <a:p>
+            <a:r>
+              <a:rPr lang="de-DE" sz="1200" b="0" i="0" u="none" strike="noStrike" kern="1200" baseline="0" dirty="0" err="1">
+                <a:solidFill>
+                  <a:schemeClr val="tx1"/>
+                </a:solidFill>
+                <a:latin typeface="Arial" charset="0"/>
+                <a:ea typeface="+mn-ea"/>
+                <a:cs typeface="+mn-cs"/>
+              </a:rPr>
+              <a:t>information</a:t>
+            </a:r>
+            <a:r>
+              <a:rPr lang="de-DE" sz="1200" b="0" i="0" u="none" strike="noStrike" kern="1200" baseline="0" dirty="0">
+                <a:solidFill>
+                  <a:schemeClr val="tx1"/>
+                </a:solidFill>
+                <a:latin typeface="Arial" charset="0"/>
+                <a:ea typeface="+mn-ea"/>
+                <a:cs typeface="+mn-cs"/>
+              </a:rPr>
+              <a:t> </a:t>
+            </a:r>
+            <a:r>
+              <a:rPr lang="de-DE" sz="1200" b="0" i="0" u="none" strike="noStrike" kern="1200" baseline="0" dirty="0" err="1">
+                <a:solidFill>
+                  <a:schemeClr val="tx1"/>
+                </a:solidFill>
+                <a:latin typeface="Arial" charset="0"/>
+                <a:ea typeface="+mn-ea"/>
+                <a:cs typeface="+mn-cs"/>
+              </a:rPr>
+              <a:t>loss</a:t>
+            </a:r>
+            <a:r>
+              <a:rPr lang="de-DE" sz="1200" b="0" i="0" u="none" strike="noStrike" kern="1200" baseline="0" dirty="0">
+                <a:solidFill>
+                  <a:schemeClr val="tx1"/>
+                </a:solidFill>
+                <a:latin typeface="Arial" charset="0"/>
+                <a:ea typeface="+mn-ea"/>
+                <a:cs typeface="+mn-cs"/>
+              </a:rPr>
+              <a:t>.</a:t>
+            </a:r>
+          </a:p>
+          <a:p>
+            <a:endParaRPr lang="de-DE" sz="1200" b="0" i="0" u="none" strike="noStrike" kern="1200" baseline="0" dirty="0">
+              <a:solidFill>
+                <a:schemeClr val="tx1"/>
+              </a:solidFill>
+              <a:latin typeface="Arial" charset="0"/>
+              <a:ea typeface="+mn-ea"/>
+              <a:cs typeface="+mn-cs"/>
+            </a:endParaRPr>
+          </a:p>
+          <a:p>
+            <a:r>
+              <a:rPr lang="de-DE" sz="1200" b="0" i="0" u="none" strike="noStrike" kern="1200" baseline="0" dirty="0">
+                <a:solidFill>
+                  <a:schemeClr val="tx1"/>
+                </a:solidFill>
+                <a:latin typeface="Arial" charset="0"/>
+                <a:ea typeface="+mn-ea"/>
+                <a:cs typeface="+mn-cs"/>
+              </a:rPr>
+              <a:t>The </a:t>
+            </a:r>
+            <a:r>
+              <a:rPr lang="de-DE" sz="1200" b="0" i="0" u="none" strike="noStrike" kern="1200" baseline="0" dirty="0" err="1">
+                <a:solidFill>
+                  <a:schemeClr val="tx1"/>
+                </a:solidFill>
+                <a:latin typeface="Arial" charset="0"/>
+                <a:ea typeface="+mn-ea"/>
+                <a:cs typeface="+mn-cs"/>
+              </a:rPr>
+              <a:t>discernability</a:t>
+            </a:r>
+            <a:endParaRPr lang="de-DE" sz="1200" b="0" i="0" u="none" strike="noStrike" kern="1200" baseline="0" dirty="0">
+              <a:solidFill>
+                <a:schemeClr val="tx1"/>
+              </a:solidFill>
+              <a:latin typeface="Arial" charset="0"/>
+              <a:ea typeface="+mn-ea"/>
+              <a:cs typeface="+mn-cs"/>
+            </a:endParaRPr>
+          </a:p>
+          <a:p>
+            <a:r>
+              <a:rPr lang="en-US" sz="1200" b="0" i="0" u="none" strike="noStrike" kern="1200" baseline="0" dirty="0">
+                <a:solidFill>
+                  <a:schemeClr val="tx1"/>
+                </a:solidFill>
+                <a:latin typeface="Arial" charset="0"/>
+                <a:ea typeface="+mn-ea"/>
+                <a:cs typeface="+mn-cs"/>
+              </a:rPr>
+              <a:t>metric assigns a penalty to every record that is proportional</a:t>
+            </a:r>
+          </a:p>
+          <a:p>
+            <a:r>
+              <a:rPr lang="en-US" sz="1200" b="0" i="0" u="none" strike="noStrike" kern="1200" baseline="0" dirty="0">
+                <a:solidFill>
+                  <a:schemeClr val="tx1"/>
+                </a:solidFill>
+                <a:latin typeface="Arial" charset="0"/>
+                <a:ea typeface="+mn-ea"/>
+                <a:cs typeface="+mn-cs"/>
+              </a:rPr>
+              <a:t>to the number of records that are indistinguishable from it.</a:t>
+            </a:r>
+          </a:p>
+          <a:p>
+            <a:r>
+              <a:rPr lang="en-US" sz="1200" b="0" i="0" u="none" strike="noStrike" kern="1200" baseline="0" dirty="0">
+                <a:solidFill>
+                  <a:schemeClr val="tx1"/>
+                </a:solidFill>
+                <a:latin typeface="Arial" charset="0"/>
+                <a:ea typeface="+mn-ea"/>
+                <a:cs typeface="+mn-cs"/>
+              </a:rPr>
+              <a:t>Following the same reasoning, DM assigns a penalty equal</a:t>
+            </a:r>
+          </a:p>
+          <a:p>
+            <a:r>
+              <a:rPr lang="en-US" sz="1200" b="0" i="0" u="none" strike="noStrike" kern="1200" baseline="0" dirty="0">
+                <a:solidFill>
+                  <a:schemeClr val="tx1"/>
+                </a:solidFill>
+                <a:latin typeface="Arial" charset="0"/>
+                <a:ea typeface="+mn-ea"/>
+                <a:cs typeface="+mn-cs"/>
+              </a:rPr>
+              <a:t>to the whole dataset for every suppressed record (since</a:t>
+            </a:r>
+          </a:p>
+          <a:p>
+            <a:r>
+              <a:rPr lang="en-US" sz="1200" b="0" i="0" u="none" strike="noStrike" kern="1200" baseline="0" dirty="0">
+                <a:solidFill>
+                  <a:schemeClr val="tx1"/>
+                </a:solidFill>
+                <a:latin typeface="Arial" charset="0"/>
+                <a:ea typeface="+mn-ea"/>
+                <a:cs typeface="+mn-cs"/>
+              </a:rPr>
+              <a:t>suppressed records are indistinguishable from all other</a:t>
+            </a:r>
+          </a:p>
+          <a:p>
+            <a:r>
+              <a:rPr lang="en-US" sz="1200" b="0" i="0" u="none" strike="noStrike" kern="1200" baseline="0" dirty="0">
+                <a:solidFill>
+                  <a:schemeClr val="tx1"/>
+                </a:solidFill>
+                <a:latin typeface="Arial" charset="0"/>
+                <a:ea typeface="+mn-ea"/>
+                <a:cs typeface="+mn-cs"/>
+              </a:rPr>
+              <a:t>records). The formula for DM metric appears in online</a:t>
             </a:r>
             <a:endParaRPr lang="de-DE" dirty="0"/>
           </a:p>
@@ -2865,7 +3707,7 @@
               <a:pPr>
                 <a:defRPr/>
               </a:pPr>
-              <a:t>16</a:t>
+              <a:t>15</a:t>
             </a:fld>
             <a:endParaRPr lang="de-DE"/>
           </a:p>
@@ -2874,7 +3716,7 @@
     </p:spTree>
     <p:extLst>
       <p:ext uri="{BB962C8B-B14F-4D97-AF65-F5344CB8AC3E}">
-        <p14:creationId xmlns:p14="http://schemas.microsoft.com/office/powerpoint/2010/main" val="3798197572"/>
+        <p14:creationId xmlns:p14="http://schemas.microsoft.com/office/powerpoint/2010/main" val="3708521623"/>
       </p:ext>
     </p:extLst>
   </p:cSld>
@@ -2937,7 +3779,7 @@
                 <a:ea typeface="+mn-ea"/>
                 <a:cs typeface="+mn-cs"/>
               </a:rPr>
-              <a:t>Out of the highlighted nodes in the lattice, Samarati24 proposes that the node with the lowest lattice height should be selected as the optimal solution. In our example of Figure</a:t>
+              <a:t>The generalization hierarchies for the three quasi-identifiers can be represented as a lattice. The height of each row of nodes is shown on the left hand</a:t>
             </a:r>
           </a:p>
           <a:p>
@@ -2950,7 +3792,42 @@
                 <a:ea typeface="+mn-ea"/>
                 <a:cs typeface="+mn-cs"/>
               </a:rPr>
-              <a:t>2, this would be node d0, g1, a1. The assumption being made is that this solution balances the extent of generalization with the extent of suppression</a:t>
+              <a:t>side, ranging from zero to 7 in this case. The arrows illustrate the possible generalization paths that can be taken through the</a:t>
+            </a:r>
+          </a:p>
+          <a:p>
+            <a:r>
+              <a:rPr lang="en-US" sz="1200" b="0" i="0" u="none" strike="noStrike" kern="1200" baseline="0" dirty="0">
+                <a:solidFill>
+                  <a:schemeClr val="tx1"/>
+                </a:solidFill>
+                <a:latin typeface="Arial" charset="0"/>
+                <a:ea typeface="+mn-ea"/>
+                <a:cs typeface="+mn-cs"/>
+              </a:rPr>
+              <a:t>lattice. A series of connected paths from the bottom node to the top node is a </a:t>
+            </a:r>
+            <a:r>
+              <a:rPr lang="en-US" sz="1200" b="0" i="1" u="none" strike="noStrike" kern="1200" baseline="0" dirty="0">
+                <a:solidFill>
+                  <a:schemeClr val="tx1"/>
+                </a:solidFill>
+                <a:latin typeface="Arial" charset="0"/>
+                <a:ea typeface="+mn-ea"/>
+                <a:cs typeface="+mn-cs"/>
+              </a:rPr>
+              <a:t>generalization strategy</a:t>
+            </a:r>
+            <a:r>
+              <a:rPr lang="en-US" sz="1200" b="0" i="0" u="none" strike="noStrike" kern="1200" baseline="0" dirty="0">
+                <a:solidFill>
+                  <a:schemeClr val="tx1"/>
+                </a:solidFill>
+                <a:latin typeface="Arial" charset="0"/>
+                <a:ea typeface="+mn-ea"/>
+                <a:cs typeface="+mn-cs"/>
+              </a:rPr>
+              <a:t>. </a:t>
             </a:r>
           </a:p>
           <a:p>
@@ -2973,10 +3850,19 @@
                 <a:ea typeface="+mn-ea"/>
                 <a:cs typeface="+mn-cs"/>
               </a:rPr>
-              <a:t>The lattice height is not considered a good information loss metric because it does not account for the generalization hierarchy depths of the quasi-identifiers. For example, if we generalize “Male” to “Person” then this is given equal weight</a:t>
-            </a:r>
-          </a:p>
-          <a:p>
+              <a:t>The grey </a:t>
+            </a:r>
+            <a:r>
+              <a:rPr lang="en-US" sz="1200" b="0" i="0" u="none" strike="noStrike" kern="1200" baseline="0" dirty="0" err="1">
+                <a:solidFill>
+                  <a:schemeClr val="tx1"/>
+                </a:solidFill>
+                <a:latin typeface="Arial" charset="0"/>
+                <a:ea typeface="+mn-ea"/>
+                <a:cs typeface="+mn-cs"/>
+              </a:rPr>
+              <a:t>shaderd</a:t>
+            </a:r>
             <a:r>
               <a:rPr lang="en-US" sz="1200" b="0" i="0" u="none" strike="noStrike" kern="1200" baseline="0" dirty="0">
                 <a:solidFill>
@@ -2986,7 +3872,7 @@
                 <a:ea typeface="+mn-ea"/>
                 <a:cs typeface="+mn-cs"/>
               </a:rPr>
-              <a:t>to generalizing age in years to age in five year intervals. In the former case there is no information left in the gender variable, whereas the five year age interval still conveys a considerable amount of information and there are three more possible generalizations left in the age hierarchy</a:t>
+              <a:t> nodes are k-anonym.</a:t>
             </a:r>
           </a:p>
           <a:p>
@@ -3009,29 +3895,7 @@
                 <a:ea typeface="+mn-ea"/>
                 <a:cs typeface="+mn-cs"/>
               </a:rPr>
-              <a:t>An information loss metric that takes into account the height of the generalization hierarchy is Precision or </a:t>
-            </a:r>
-            <a:r>
-              <a:rPr lang="en-US" sz="1200" b="0" i="1" u="none" strike="noStrike" kern="1200" baseline="0" dirty="0">
-                <a:solidFill>
-                  <a:schemeClr val="tx1"/>
-                </a:solidFill>
-                <a:latin typeface="Arial" charset="0"/>
-                <a:ea typeface="+mn-ea"/>
-                <a:cs typeface="+mn-cs"/>
-              </a:rPr>
-              <a:t>Prec</a:t>
-            </a:r>
-            <a:r>
-              <a:rPr lang="en-US" sz="1200" b="0" i="0" u="none" strike="noStrike" kern="1200" baseline="0" dirty="0">
-                <a:solidFill>
-                  <a:schemeClr val="tx1"/>
-                </a:solidFill>
-                <a:latin typeface="Arial" charset="0"/>
-                <a:ea typeface="+mn-ea"/>
-                <a:cs typeface="+mn-cs"/>
-              </a:rPr>
-              <a:t>. </a:t>
+              <a:t>One of these nodes is the globally optimal solution and the objective of a k-anonymity algorithm is to find it efficiently.</a:t>
             </a:r>
           </a:p>
           <a:p>
@@ -3044,1204 +3908,6 @@
               <a:cs typeface="+mn-cs"/>
             </a:endParaRPr>
           </a:p>
-          <a:p>
-            <a:r>
-              <a:rPr lang="en-US" sz="1200" b="0" i="0" u="none" strike="noStrike" kern="1200" baseline="0" dirty="0">
-                <a:solidFill>
-                  <a:schemeClr val="tx1"/>
-                </a:solidFill>
-                <a:latin typeface="Arial" charset="0"/>
-                <a:ea typeface="+mn-ea"/>
-                <a:cs typeface="+mn-cs"/>
-              </a:rPr>
-              <a:t>The </a:t>
-            </a:r>
-            <a:r>
-              <a:rPr lang="en-US" sz="1200" b="0" i="1" u="none" strike="noStrike" kern="1200" baseline="0" dirty="0" err="1">
-                <a:solidFill>
-                  <a:schemeClr val="tx1"/>
-                </a:solidFill>
-                <a:latin typeface="Arial" charset="0"/>
-                <a:ea typeface="+mn-ea"/>
-                <a:cs typeface="+mn-cs"/>
-              </a:rPr>
-              <a:t>Prec</a:t>
-            </a:r>
-            <a:r>
-              <a:rPr lang="en-US" sz="1200" b="0" i="1" u="none" strike="noStrike" kern="1200" baseline="0" dirty="0">
-                <a:solidFill>
-                  <a:schemeClr val="tx1"/>
-                </a:solidFill>
-                <a:latin typeface="Arial" charset="0"/>
-                <a:ea typeface="+mn-ea"/>
-                <a:cs typeface="+mn-cs"/>
-              </a:rPr>
-              <a:t> </a:t>
-            </a:r>
-            <a:r>
-              <a:rPr lang="en-US" sz="1200" b="0" i="0" u="none" strike="noStrike" kern="1200" baseline="0" dirty="0">
-                <a:solidFill>
-                  <a:schemeClr val="tx1"/>
-                </a:solidFill>
-                <a:latin typeface="Arial" charset="0"/>
-                <a:ea typeface="+mn-ea"/>
-                <a:cs typeface="+mn-cs"/>
-              </a:rPr>
-              <a:t>was introduced by Sweeney as an information loss metric that is suitable for hierarchical data. For every variable, the ratio </a:t>
-            </a:r>
-            <a:r>
-              <a:rPr lang="en-US" sz="1200" b="0" i="0" u="none" strike="noStrike" kern="1200" baseline="0" dirty="0" err="1">
-                <a:solidFill>
-                  <a:schemeClr val="tx1"/>
-                </a:solidFill>
-                <a:latin typeface="Arial" charset="0"/>
-                <a:ea typeface="+mn-ea"/>
-                <a:cs typeface="+mn-cs"/>
-              </a:rPr>
-              <a:t>ofthe</a:t>
-            </a:r>
-            <a:r>
-              <a:rPr lang="en-US" sz="1200" b="0" i="0" u="none" strike="noStrike" kern="1200" baseline="0" dirty="0">
-                <a:solidFill>
-                  <a:schemeClr val="tx1"/>
-                </a:solidFill>
-                <a:latin typeface="Arial" charset="0"/>
-                <a:ea typeface="+mn-ea"/>
-                <a:cs typeface="+mn-cs"/>
-              </a:rPr>
-              <a:t> number of generalization steps applied to the total number</a:t>
-            </a:r>
-          </a:p>
-          <a:p>
-            <a:r>
-              <a:rPr lang="en-US" sz="1200" b="0" i="0" u="none" strike="noStrike" kern="1200" baseline="0" dirty="0">
-                <a:solidFill>
-                  <a:schemeClr val="tx1"/>
-                </a:solidFill>
-                <a:latin typeface="Arial" charset="0"/>
-                <a:ea typeface="+mn-ea"/>
-                <a:cs typeface="+mn-cs"/>
-              </a:rPr>
-              <a:t>of possible generalization steps (total height of the generalization hierarchy) gives the amount of information loss for that </a:t>
-            </a:r>
-            <a:r>
-              <a:rPr lang="de-DE" sz="1200" b="0" i="0" u="none" strike="noStrike" kern="1200" baseline="0" dirty="0" err="1">
-                <a:solidFill>
-                  <a:schemeClr val="tx1"/>
-                </a:solidFill>
-                <a:latin typeface="Arial" charset="0"/>
-                <a:ea typeface="+mn-ea"/>
-                <a:cs typeface="+mn-cs"/>
-              </a:rPr>
-              <a:t>particular</a:t>
-            </a:r>
-            <a:r>
-              <a:rPr lang="de-DE" sz="1200" b="0" i="0" u="none" strike="noStrike" kern="1200" baseline="0" dirty="0">
-                <a:solidFill>
-                  <a:schemeClr val="tx1"/>
-                </a:solidFill>
-                <a:latin typeface="Arial" charset="0"/>
-                <a:ea typeface="+mn-ea"/>
-                <a:cs typeface="+mn-cs"/>
-              </a:rPr>
-              <a:t> variable.</a:t>
-            </a:r>
-          </a:p>
-          <a:p>
-            <a:endParaRPr lang="de-DE" sz="1200" b="0" i="0" u="none" strike="noStrike" kern="1200" baseline="0" dirty="0">
-              <a:solidFill>
-                <a:schemeClr val="tx1"/>
-              </a:solidFill>
-              <a:latin typeface="Arial" charset="0"/>
-              <a:ea typeface="+mn-ea"/>
-              <a:cs typeface="+mn-cs"/>
-            </a:endParaRPr>
-          </a:p>
-          <a:p>
-            <a:r>
-              <a:rPr lang="en-US" sz="1200" b="0" i="0" u="none" strike="noStrike" kern="1200" baseline="0" dirty="0">
-                <a:solidFill>
-                  <a:schemeClr val="tx1"/>
-                </a:solidFill>
-                <a:latin typeface="Arial" charset="0"/>
-                <a:ea typeface="+mn-ea"/>
-                <a:cs typeface="+mn-cs"/>
-              </a:rPr>
-              <a:t>For example, in Figure 1 if age is generalized from age in years to age in five year intervals, then the value is ¼. Overall </a:t>
-            </a:r>
-            <a:r>
-              <a:rPr lang="en-US" sz="1200" b="0" i="1" u="none" strike="noStrike" kern="1200" baseline="0" dirty="0" err="1">
-                <a:solidFill>
-                  <a:schemeClr val="tx1"/>
-                </a:solidFill>
-                <a:latin typeface="Arial" charset="0"/>
-                <a:ea typeface="+mn-ea"/>
-                <a:cs typeface="+mn-cs"/>
-              </a:rPr>
-              <a:t>Prec</a:t>
-            </a:r>
-            <a:r>
-              <a:rPr lang="en-US" sz="1200" b="0" i="1" u="none" strike="noStrike" kern="1200" baseline="0" dirty="0">
-                <a:solidFill>
-                  <a:schemeClr val="tx1"/>
-                </a:solidFill>
-                <a:latin typeface="Arial" charset="0"/>
-                <a:ea typeface="+mn-ea"/>
-                <a:cs typeface="+mn-cs"/>
-              </a:rPr>
-              <a:t> </a:t>
-            </a:r>
-            <a:r>
-              <a:rPr lang="en-US" sz="1200" b="0" i="0" u="none" strike="noStrike" kern="1200" baseline="0" dirty="0">
-                <a:solidFill>
-                  <a:schemeClr val="tx1"/>
-                </a:solidFill>
-                <a:latin typeface="Arial" charset="0"/>
-                <a:ea typeface="+mn-ea"/>
-                <a:cs typeface="+mn-cs"/>
-              </a:rPr>
-              <a:t>information loss is the average of the </a:t>
-            </a:r>
-            <a:r>
-              <a:rPr lang="en-US" sz="1200" b="0" i="1" u="none" strike="noStrike" kern="1200" baseline="0" dirty="0" err="1">
-                <a:solidFill>
-                  <a:schemeClr val="tx1"/>
-                </a:solidFill>
-                <a:latin typeface="Arial" charset="0"/>
-                <a:ea typeface="+mn-ea"/>
-                <a:cs typeface="+mn-cs"/>
-              </a:rPr>
-              <a:t>Prec</a:t>
-            </a:r>
-            <a:r>
-              <a:rPr lang="en-US" sz="1200" b="0" i="1" u="none" strike="noStrike" kern="1200" baseline="0" dirty="0">
-                <a:solidFill>
-                  <a:schemeClr val="tx1"/>
-                </a:solidFill>
-                <a:latin typeface="Arial" charset="0"/>
-                <a:ea typeface="+mn-ea"/>
-                <a:cs typeface="+mn-cs"/>
-              </a:rPr>
-              <a:t> </a:t>
-            </a:r>
-            <a:r>
-              <a:rPr lang="en-US" sz="1200" b="0" i="0" u="none" strike="noStrike" kern="1200" baseline="0" dirty="0">
-                <a:solidFill>
-                  <a:schemeClr val="tx1"/>
-                </a:solidFill>
-                <a:latin typeface="Arial" charset="0"/>
-                <a:ea typeface="+mn-ea"/>
-                <a:cs typeface="+mn-cs"/>
-              </a:rPr>
-              <a:t>values across all quasi-identifiers in the dataset. As a</a:t>
-            </a:r>
-          </a:p>
-          <a:p>
-            <a:r>
-              <a:rPr lang="en-US" sz="1200" b="0" i="0" u="none" strike="noStrike" kern="1200" baseline="0" dirty="0">
-                <a:solidFill>
-                  <a:schemeClr val="tx1"/>
-                </a:solidFill>
-                <a:latin typeface="Arial" charset="0"/>
-                <a:ea typeface="+mn-ea"/>
-                <a:cs typeface="+mn-cs"/>
-              </a:rPr>
-              <a:t>consequence, the more a variable is generalized, the higher the information loss. Moreover, variables with more generalization steps (i.e., more levels in their generalization hierarchy) tend to have less information loss than ones with shorter hierarchies. Using </a:t>
-            </a:r>
-            <a:r>
-              <a:rPr lang="en-US" sz="1200" b="0" i="1" u="none" strike="noStrike" kern="1200" baseline="0" dirty="0" err="1">
-                <a:solidFill>
-                  <a:schemeClr val="tx1"/>
-                </a:solidFill>
-                <a:latin typeface="Arial" charset="0"/>
-                <a:ea typeface="+mn-ea"/>
-                <a:cs typeface="+mn-cs"/>
-              </a:rPr>
-              <a:t>Prec</a:t>
-            </a:r>
-            <a:r>
-              <a:rPr lang="en-US" sz="1200" b="0" i="1" u="none" strike="noStrike" kern="1200" baseline="0" dirty="0">
-                <a:solidFill>
-                  <a:schemeClr val="tx1"/>
-                </a:solidFill>
-                <a:latin typeface="Arial" charset="0"/>
-                <a:ea typeface="+mn-ea"/>
-                <a:cs typeface="+mn-cs"/>
-              </a:rPr>
-              <a:t> </a:t>
-            </a:r>
-            <a:r>
-              <a:rPr lang="en-US" sz="1200" b="0" i="0" u="none" strike="noStrike" kern="1200" baseline="0" dirty="0">
-                <a:solidFill>
-                  <a:schemeClr val="tx1"/>
-                </a:solidFill>
-                <a:latin typeface="Arial" charset="0"/>
-                <a:ea typeface="+mn-ea"/>
-                <a:cs typeface="+mn-cs"/>
-              </a:rPr>
-              <a:t>as the information loss metric, the noded2, g0, a1 would be the optimal node rather than node d0, g1, a1 in</a:t>
-            </a:r>
-          </a:p>
-          <a:p>
-            <a:r>
-              <a:rPr lang="en-US" sz="1200" b="0" i="0" u="none" strike="noStrike" kern="1200" baseline="0" dirty="0">
-                <a:solidFill>
-                  <a:schemeClr val="tx1"/>
-                </a:solidFill>
-                <a:latin typeface="Arial" charset="0"/>
-                <a:ea typeface="+mn-ea"/>
-                <a:cs typeface="+mn-cs"/>
-              </a:rPr>
-              <a:t>Figure 2: the former has a </a:t>
-            </a:r>
-            <a:r>
-              <a:rPr lang="en-US" sz="1200" b="0" i="1" u="none" strike="noStrike" kern="1200" baseline="0" dirty="0" err="1">
-                <a:solidFill>
-                  <a:schemeClr val="tx1"/>
-                </a:solidFill>
-                <a:latin typeface="Arial" charset="0"/>
-                <a:ea typeface="+mn-ea"/>
-                <a:cs typeface="+mn-cs"/>
-              </a:rPr>
-              <a:t>Prec</a:t>
-            </a:r>
-            <a:r>
-              <a:rPr lang="en-US" sz="1200" b="0" i="1" u="none" strike="noStrike" kern="1200" baseline="0" dirty="0">
-                <a:solidFill>
-                  <a:schemeClr val="tx1"/>
-                </a:solidFill>
-                <a:latin typeface="Arial" charset="0"/>
-                <a:ea typeface="+mn-ea"/>
-                <a:cs typeface="+mn-cs"/>
-              </a:rPr>
-              <a:t> </a:t>
-            </a:r>
-            <a:r>
-              <a:rPr lang="en-US" sz="1200" b="0" i="0" u="none" strike="noStrike" kern="1200" baseline="0" dirty="0">
-                <a:solidFill>
-                  <a:schemeClr val="tx1"/>
-                </a:solidFill>
-                <a:latin typeface="Arial" charset="0"/>
-                <a:ea typeface="+mn-ea"/>
-                <a:cs typeface="+mn-cs"/>
-              </a:rPr>
-              <a:t>of 0.417 and the latter a </a:t>
-            </a:r>
-            <a:r>
-              <a:rPr lang="en-US" sz="1200" b="0" i="1" u="none" strike="noStrike" kern="1200" baseline="0" dirty="0" err="1">
-                <a:solidFill>
-                  <a:schemeClr val="tx1"/>
-                </a:solidFill>
-                <a:latin typeface="Arial" charset="0"/>
-                <a:ea typeface="+mn-ea"/>
-                <a:cs typeface="+mn-cs"/>
-              </a:rPr>
-              <a:t>Prec</a:t>
-            </a:r>
-            <a:r>
-              <a:rPr lang="en-US" sz="1200" b="0" i="1" u="none" strike="noStrike" kern="1200" baseline="0" dirty="0">
-                <a:solidFill>
-                  <a:schemeClr val="tx1"/>
-                </a:solidFill>
-                <a:latin typeface="Arial" charset="0"/>
-                <a:ea typeface="+mn-ea"/>
-                <a:cs typeface="+mn-cs"/>
-              </a:rPr>
-              <a:t> </a:t>
-            </a:r>
-            <a:r>
-              <a:rPr lang="en-US" sz="1200" b="0" i="0" u="none" strike="noStrike" kern="1200" baseline="0" dirty="0">
-                <a:solidFill>
-                  <a:schemeClr val="tx1"/>
-                </a:solidFill>
-                <a:latin typeface="Arial" charset="0"/>
-                <a:ea typeface="+mn-ea"/>
-                <a:cs typeface="+mn-cs"/>
-              </a:rPr>
-              <a:t>of </a:t>
-            </a:r>
-            <a:r>
-              <a:rPr lang="de-DE" sz="1200" b="0" i="0" u="none" strike="noStrike" kern="1200" baseline="0" dirty="0">
-                <a:solidFill>
-                  <a:schemeClr val="tx1"/>
-                </a:solidFill>
-                <a:latin typeface="Arial" charset="0"/>
-                <a:ea typeface="+mn-ea"/>
-                <a:cs typeface="+mn-cs"/>
-              </a:rPr>
-              <a:t>0.466.</a:t>
-            </a:r>
-          </a:p>
-          <a:p>
-            <a:endParaRPr lang="de-DE" sz="1200" b="0" i="0" u="none" strike="noStrike" kern="1200" baseline="0" dirty="0">
-              <a:solidFill>
-                <a:schemeClr val="tx1"/>
-              </a:solidFill>
-              <a:latin typeface="Arial" charset="0"/>
-              <a:ea typeface="+mn-ea"/>
-              <a:cs typeface="+mn-cs"/>
-            </a:endParaRPr>
-          </a:p>
-          <a:p>
-            <a:endParaRPr lang="de-DE" sz="1200" b="0" i="0" u="none" strike="noStrike" kern="1200" baseline="0" dirty="0">
-              <a:solidFill>
-                <a:schemeClr val="tx1"/>
-              </a:solidFill>
-              <a:latin typeface="Arial" charset="0"/>
-              <a:ea typeface="+mn-ea"/>
-              <a:cs typeface="+mn-cs"/>
-            </a:endParaRPr>
-          </a:p>
-          <a:p>
-            <a:r>
-              <a:rPr lang="en-US" sz="1200" b="0" i="0" u="none" strike="noStrike" kern="1200" baseline="0" dirty="0">
-                <a:solidFill>
-                  <a:schemeClr val="tx1"/>
-                </a:solidFill>
-                <a:latin typeface="Arial" charset="0"/>
-                <a:ea typeface="+mn-ea"/>
-                <a:cs typeface="+mn-cs"/>
-              </a:rPr>
-              <a:t>Another commonly used information loss metric is the </a:t>
-            </a:r>
-            <a:r>
-              <a:rPr lang="en-US" sz="1200" b="0" i="0" u="none" strike="noStrike" kern="1200" baseline="0" dirty="0" err="1">
-                <a:solidFill>
-                  <a:schemeClr val="tx1"/>
-                </a:solidFill>
-                <a:latin typeface="Arial" charset="0"/>
-                <a:ea typeface="+mn-ea"/>
-                <a:cs typeface="+mn-cs"/>
-              </a:rPr>
-              <a:t>Discernability</a:t>
-            </a:r>
-            <a:r>
-              <a:rPr lang="en-US" sz="1200" b="0" i="0" u="none" strike="noStrike" kern="1200" baseline="0" dirty="0">
-                <a:solidFill>
-                  <a:schemeClr val="tx1"/>
-                </a:solidFill>
-                <a:latin typeface="Arial" charset="0"/>
-                <a:ea typeface="+mn-ea"/>
-                <a:cs typeface="+mn-cs"/>
-              </a:rPr>
-              <a:t> Metric or DM.2The </a:t>
-            </a:r>
-            <a:r>
-              <a:rPr lang="en-US" sz="1200" b="0" i="0" u="none" strike="noStrike" kern="1200" baseline="0" dirty="0" err="1">
-                <a:solidFill>
-                  <a:schemeClr val="tx1"/>
-                </a:solidFill>
-                <a:latin typeface="Arial" charset="0"/>
-                <a:ea typeface="+mn-ea"/>
-                <a:cs typeface="+mn-cs"/>
-              </a:rPr>
-              <a:t>discernability</a:t>
-            </a:r>
-            <a:endParaRPr lang="en-US" sz="1200" b="0" i="0" u="none" strike="noStrike" kern="1200" baseline="0" dirty="0">
-              <a:solidFill>
-                <a:schemeClr val="tx1"/>
-              </a:solidFill>
-              <a:latin typeface="Arial" charset="0"/>
-              <a:ea typeface="+mn-ea"/>
-              <a:cs typeface="+mn-cs"/>
-            </a:endParaRPr>
-          </a:p>
-          <a:p>
-            <a:r>
-              <a:rPr lang="en-US" sz="1200" b="0" i="0" u="none" strike="noStrike" kern="1200" baseline="0" dirty="0">
-                <a:solidFill>
-                  <a:schemeClr val="tx1"/>
-                </a:solidFill>
-                <a:latin typeface="Arial" charset="0"/>
-                <a:ea typeface="+mn-ea"/>
-                <a:cs typeface="+mn-cs"/>
-              </a:rPr>
-              <a:t>metric assigns a penalty to every record that is proportional to the number of records that are indistinguishable from it.</a:t>
-            </a:r>
-          </a:p>
-          <a:p>
-            <a:r>
-              <a:rPr lang="en-US" sz="1200" b="0" i="0" u="none" strike="noStrike" kern="1200" baseline="0" dirty="0">
-                <a:solidFill>
-                  <a:schemeClr val="tx1"/>
-                </a:solidFill>
-                <a:latin typeface="Arial" charset="0"/>
-                <a:ea typeface="+mn-ea"/>
-                <a:cs typeface="+mn-cs"/>
-              </a:rPr>
-              <a:t>Following the same reasoning, DM assigns a penalty equal to the whole dataset for every suppressed record (since suppressed records are indistinguishable from all other </a:t>
-            </a:r>
-            <a:r>
-              <a:rPr lang="de-DE" sz="1200" b="0" i="0" u="none" strike="noStrike" kern="1200" baseline="0" dirty="0" err="1">
-                <a:solidFill>
-                  <a:schemeClr val="tx1"/>
-                </a:solidFill>
-                <a:latin typeface="Arial" charset="0"/>
-                <a:ea typeface="+mn-ea"/>
-                <a:cs typeface="+mn-cs"/>
-              </a:rPr>
-              <a:t>records</a:t>
-            </a:r>
-            <a:r>
-              <a:rPr lang="de-DE" sz="1200" b="0" i="0" u="none" strike="noStrike" kern="1200" baseline="0" dirty="0">
-                <a:solidFill>
-                  <a:schemeClr val="tx1"/>
-                </a:solidFill>
-                <a:latin typeface="Arial" charset="0"/>
-                <a:ea typeface="+mn-ea"/>
-                <a:cs typeface="+mn-cs"/>
-              </a:rPr>
-              <a:t>).</a:t>
-            </a:r>
-          </a:p>
-          <a:p>
-            <a:endParaRPr lang="de-DE" sz="1200" b="0" i="0" u="none" strike="noStrike" kern="1200" baseline="0" dirty="0">
-              <a:solidFill>
-                <a:schemeClr val="tx1"/>
-              </a:solidFill>
-              <a:latin typeface="Arial" charset="0"/>
-              <a:ea typeface="+mn-ea"/>
-              <a:cs typeface="+mn-cs"/>
-            </a:endParaRPr>
-          </a:p>
-          <a:p>
-            <a:r>
-              <a:rPr lang="en-US" sz="1200" b="0" i="0" u="none" strike="noStrike" kern="1200" baseline="0" dirty="0">
-                <a:solidFill>
-                  <a:schemeClr val="tx1"/>
-                </a:solidFill>
-                <a:latin typeface="Arial" charset="0"/>
-                <a:ea typeface="+mn-ea"/>
-                <a:cs typeface="+mn-cs"/>
-              </a:rPr>
-              <a:t>The </a:t>
-            </a:r>
-            <a:r>
-              <a:rPr lang="en-US" sz="1200" b="0" i="1" u="none" strike="noStrike" kern="1200" baseline="0" dirty="0">
-                <a:solidFill>
-                  <a:schemeClr val="tx1"/>
-                </a:solidFill>
-                <a:latin typeface="Arial" charset="0"/>
-                <a:ea typeface="+mn-ea"/>
-                <a:cs typeface="+mn-cs"/>
-              </a:rPr>
-              <a:t>DM</a:t>
-            </a:r>
-            <a:r>
-              <a:rPr lang="en-US" sz="1200" b="0" i="0" u="none" strike="noStrike" kern="1200" baseline="0" dirty="0">
-                <a:solidFill>
-                  <a:schemeClr val="tx1"/>
-                </a:solidFill>
-                <a:latin typeface="Arial" charset="0"/>
-                <a:ea typeface="+mn-ea"/>
-                <a:cs typeface="+mn-cs"/>
-              </a:rPr>
-              <a:t>* information loss also solves a weakness with the </a:t>
-            </a:r>
-            <a:r>
-              <a:rPr lang="en-US" sz="1200" b="0" i="1" u="none" strike="noStrike" kern="1200" baseline="0" dirty="0" err="1">
-                <a:solidFill>
-                  <a:schemeClr val="tx1"/>
-                </a:solidFill>
-                <a:latin typeface="Arial" charset="0"/>
-                <a:ea typeface="+mn-ea"/>
-                <a:cs typeface="+mn-cs"/>
-              </a:rPr>
-              <a:t>Prec</a:t>
-            </a:r>
-            <a:r>
-              <a:rPr lang="en-US" sz="1200" b="0" i="1" u="none" strike="noStrike" kern="1200" baseline="0" dirty="0">
-                <a:solidFill>
-                  <a:schemeClr val="tx1"/>
-                </a:solidFill>
-                <a:latin typeface="Arial" charset="0"/>
-                <a:ea typeface="+mn-ea"/>
-                <a:cs typeface="+mn-cs"/>
-              </a:rPr>
-              <a:t> </a:t>
-            </a:r>
-            <a:r>
-              <a:rPr lang="en-US" sz="1200" b="0" i="0" u="none" strike="noStrike" kern="1200" baseline="0" dirty="0">
-                <a:solidFill>
-                  <a:schemeClr val="tx1"/>
-                </a:solidFill>
-                <a:latin typeface="Arial" charset="0"/>
-                <a:ea typeface="+mn-ea"/>
-                <a:cs typeface="+mn-cs"/>
-              </a:rPr>
-              <a:t>metric in that </a:t>
-            </a:r>
-            <a:r>
-              <a:rPr lang="en-US" sz="1200" b="0" i="1" u="none" strike="noStrike" kern="1200" baseline="0" dirty="0" err="1">
-                <a:solidFill>
-                  <a:schemeClr val="tx1"/>
-                </a:solidFill>
-                <a:latin typeface="Arial" charset="0"/>
-                <a:ea typeface="+mn-ea"/>
-                <a:cs typeface="+mn-cs"/>
-              </a:rPr>
-              <a:t>Prec</a:t>
-            </a:r>
-            <a:r>
-              <a:rPr lang="en-US" sz="1200" b="0" i="1" u="none" strike="noStrike" kern="1200" baseline="0" dirty="0">
-                <a:solidFill>
-                  <a:schemeClr val="tx1"/>
-                </a:solidFill>
-                <a:latin typeface="Arial" charset="0"/>
-                <a:ea typeface="+mn-ea"/>
-                <a:cs typeface="+mn-cs"/>
-              </a:rPr>
-              <a:t> </a:t>
-            </a:r>
-            <a:r>
-              <a:rPr lang="en-US" sz="1200" b="0" i="0" u="none" strike="noStrike" kern="1200" baseline="0" dirty="0">
-                <a:solidFill>
-                  <a:schemeClr val="tx1"/>
-                </a:solidFill>
-                <a:latin typeface="Arial" charset="0"/>
-                <a:ea typeface="+mn-ea"/>
-                <a:cs typeface="+mn-cs"/>
-              </a:rPr>
-              <a:t>does not take into account the size</a:t>
-            </a:r>
-          </a:p>
-          <a:p>
-            <a:r>
-              <a:rPr lang="en-US" sz="1200" b="0" i="0" u="none" strike="noStrike" kern="1200" baseline="0" dirty="0">
-                <a:solidFill>
-                  <a:schemeClr val="tx1"/>
-                </a:solidFill>
-                <a:latin typeface="Arial" charset="0"/>
-                <a:ea typeface="+mn-ea"/>
-                <a:cs typeface="+mn-cs"/>
-              </a:rPr>
-              <a:t>of the equivalence classes. If we generalize gender to “Person” in Table a of Figure 3 to obtain Table c in Figure</a:t>
-            </a:r>
-          </a:p>
-          <a:p>
-            <a:r>
-              <a:rPr lang="en-US" sz="1200" b="0" i="0" u="none" strike="noStrike" kern="1200" baseline="0" dirty="0">
-                <a:solidFill>
-                  <a:schemeClr val="tx1"/>
-                </a:solidFill>
-                <a:latin typeface="Arial" charset="0"/>
-                <a:ea typeface="+mn-ea"/>
-                <a:cs typeface="+mn-cs"/>
-              </a:rPr>
-              <a:t>3, then the </a:t>
-            </a:r>
-            <a:r>
-              <a:rPr lang="en-US" sz="1200" b="0" i="1" u="none" strike="noStrike" kern="1200" baseline="0" dirty="0" err="1">
-                <a:solidFill>
-                  <a:schemeClr val="tx1"/>
-                </a:solidFill>
-                <a:latin typeface="Arial" charset="0"/>
-                <a:ea typeface="+mn-ea"/>
-                <a:cs typeface="+mn-cs"/>
-              </a:rPr>
-              <a:t>Prec</a:t>
-            </a:r>
-            <a:r>
-              <a:rPr lang="en-US" sz="1200" b="0" i="1" u="none" strike="noStrike" kern="1200" baseline="0" dirty="0">
-                <a:solidFill>
-                  <a:schemeClr val="tx1"/>
-                </a:solidFill>
-                <a:latin typeface="Arial" charset="0"/>
-                <a:ea typeface="+mn-ea"/>
-                <a:cs typeface="+mn-cs"/>
-              </a:rPr>
-              <a:t> </a:t>
-            </a:r>
-            <a:r>
-              <a:rPr lang="en-US" sz="1200" b="0" i="0" u="none" strike="noStrike" kern="1200" baseline="0" dirty="0">
-                <a:solidFill>
-                  <a:schemeClr val="tx1"/>
-                </a:solidFill>
-                <a:latin typeface="Arial" charset="0"/>
-                <a:ea typeface="+mn-ea"/>
-                <a:cs typeface="+mn-cs"/>
-              </a:rPr>
-              <a:t>for Table (c) would be 0.33 and </a:t>
-            </a:r>
-            <a:r>
-              <a:rPr lang="en-US" sz="1200" b="0" i="1" u="none" strike="noStrike" kern="1200" baseline="0" dirty="0">
-                <a:solidFill>
-                  <a:schemeClr val="tx1"/>
-                </a:solidFill>
-                <a:latin typeface="Arial" charset="0"/>
-                <a:ea typeface="+mn-ea"/>
-                <a:cs typeface="+mn-cs"/>
-              </a:rPr>
-              <a:t>DM</a:t>
-            </a:r>
-            <a:r>
-              <a:rPr lang="en-US" sz="1200" b="0" i="0" u="none" strike="noStrike" kern="1200" baseline="0" dirty="0">
-                <a:solidFill>
-                  <a:schemeClr val="tx1"/>
-                </a:solidFill>
-                <a:latin typeface="Arial" charset="0"/>
-                <a:ea typeface="+mn-ea"/>
-                <a:cs typeface="+mn-cs"/>
-              </a:rPr>
-              <a:t>* would be 16. However, Table b in Figure 3 has a </a:t>
-            </a:r>
-            <a:r>
-              <a:rPr lang="en-US" sz="1200" b="0" i="1" u="none" strike="noStrike" kern="1200" baseline="0" dirty="0" err="1">
-                <a:solidFill>
-                  <a:schemeClr val="tx1"/>
-                </a:solidFill>
-                <a:latin typeface="Arial" charset="0"/>
-                <a:ea typeface="+mn-ea"/>
-                <a:cs typeface="+mn-cs"/>
-              </a:rPr>
-              <a:t>Prec</a:t>
-            </a:r>
-            <a:r>
-              <a:rPr lang="en-US" sz="1200" b="0" i="1" u="none" strike="noStrike" kern="1200" baseline="0" dirty="0">
-                <a:solidFill>
-                  <a:schemeClr val="tx1"/>
-                </a:solidFill>
-                <a:latin typeface="Arial" charset="0"/>
-                <a:ea typeface="+mn-ea"/>
-                <a:cs typeface="+mn-cs"/>
-              </a:rPr>
-              <a:t> </a:t>
-            </a:r>
-            <a:r>
-              <a:rPr lang="en-US" sz="1200" b="0" i="0" u="none" strike="noStrike" kern="1200" baseline="0" dirty="0">
-                <a:solidFill>
-                  <a:schemeClr val="tx1"/>
-                </a:solidFill>
-                <a:latin typeface="Arial" charset="0"/>
-                <a:ea typeface="+mn-ea"/>
-                <a:cs typeface="+mn-cs"/>
-              </a:rPr>
-              <a:t>of 0.0833 and a </a:t>
-            </a:r>
-            <a:r>
-              <a:rPr lang="en-US" sz="1200" b="0" i="1" u="none" strike="noStrike" kern="1200" baseline="0" dirty="0">
-                <a:solidFill>
-                  <a:schemeClr val="tx1"/>
-                </a:solidFill>
-                <a:latin typeface="Arial" charset="0"/>
-                <a:ea typeface="+mn-ea"/>
-                <a:cs typeface="+mn-cs"/>
-              </a:rPr>
-              <a:t>DM</a:t>
-            </a:r>
-            <a:r>
-              <a:rPr lang="en-US" sz="1200" b="0" i="0" u="none" strike="noStrike" kern="1200" baseline="0" dirty="0">
-                <a:solidFill>
-                  <a:schemeClr val="tx1"/>
-                </a:solidFill>
-                <a:latin typeface="Arial" charset="0"/>
-                <a:ea typeface="+mn-ea"/>
-                <a:cs typeface="+mn-cs"/>
-              </a:rPr>
-              <a:t>* of 28. As can be seen in this case, the</a:t>
-            </a:r>
-          </a:p>
-          <a:p>
-            <a:r>
-              <a:rPr lang="en-US" sz="1200" b="0" i="0" u="none" strike="noStrike" kern="1200" baseline="0" dirty="0">
-                <a:solidFill>
-                  <a:schemeClr val="tx1"/>
-                </a:solidFill>
-                <a:latin typeface="Arial" charset="0"/>
-                <a:ea typeface="+mn-ea"/>
-                <a:cs typeface="+mn-cs"/>
-              </a:rPr>
-              <a:t>higher </a:t>
-            </a:r>
-            <a:r>
-              <a:rPr lang="en-US" sz="1200" b="0" i="1" u="none" strike="noStrike" kern="1200" baseline="0" dirty="0" err="1">
-                <a:solidFill>
-                  <a:schemeClr val="tx1"/>
-                </a:solidFill>
-                <a:latin typeface="Arial" charset="0"/>
-                <a:ea typeface="+mn-ea"/>
-                <a:cs typeface="+mn-cs"/>
-              </a:rPr>
-              <a:t>Prec</a:t>
-            </a:r>
-            <a:r>
-              <a:rPr lang="en-US" sz="1200" b="0" i="1" u="none" strike="noStrike" kern="1200" baseline="0" dirty="0">
-                <a:solidFill>
-                  <a:schemeClr val="tx1"/>
-                </a:solidFill>
-                <a:latin typeface="Arial" charset="0"/>
-                <a:ea typeface="+mn-ea"/>
-                <a:cs typeface="+mn-cs"/>
-              </a:rPr>
-              <a:t> </a:t>
-            </a:r>
-            <a:r>
-              <a:rPr lang="en-US" sz="1200" b="0" i="0" u="none" strike="noStrike" kern="1200" baseline="0" dirty="0">
-                <a:solidFill>
-                  <a:schemeClr val="tx1"/>
-                </a:solidFill>
-                <a:latin typeface="Arial" charset="0"/>
-                <a:ea typeface="+mn-ea"/>
-                <a:cs typeface="+mn-cs"/>
-              </a:rPr>
-              <a:t>value had a lower </a:t>
-            </a:r>
-            <a:r>
-              <a:rPr lang="en-US" sz="1200" b="0" i="1" u="none" strike="noStrike" kern="1200" baseline="0" dirty="0">
-                <a:solidFill>
-                  <a:schemeClr val="tx1"/>
-                </a:solidFill>
-                <a:latin typeface="Arial" charset="0"/>
-                <a:ea typeface="+mn-ea"/>
-                <a:cs typeface="+mn-cs"/>
-              </a:rPr>
-              <a:t>DM</a:t>
-            </a:r>
-            <a:r>
-              <a:rPr lang="en-US" sz="1200" b="0" i="0" u="none" strike="noStrike" kern="1200" baseline="0" dirty="0">
-                <a:solidFill>
-                  <a:schemeClr val="tx1"/>
-                </a:solidFill>
-                <a:latin typeface="Arial" charset="0"/>
-                <a:ea typeface="+mn-ea"/>
-                <a:cs typeface="+mn-cs"/>
-              </a:rPr>
-              <a:t>* value. The reason is that there are more equivalence classes in (b) than in (c),</a:t>
-            </a:r>
-          </a:p>
-          <a:p>
-            <a:r>
-              <a:rPr lang="en-US" sz="1200" b="0" i="0" u="none" strike="noStrike" kern="1200" baseline="0" dirty="0">
-                <a:solidFill>
-                  <a:schemeClr val="tx1"/>
-                </a:solidFill>
-                <a:latin typeface="Arial" charset="0"/>
-                <a:ea typeface="+mn-ea"/>
-                <a:cs typeface="+mn-cs"/>
-              </a:rPr>
-              <a:t>and one of the equivalence classes is larger; the </a:t>
-            </a:r>
-            <a:r>
-              <a:rPr lang="en-US" sz="1200" b="0" i="1" u="none" strike="noStrike" kern="1200" baseline="0" dirty="0" err="1">
-                <a:solidFill>
-                  <a:schemeClr val="tx1"/>
-                </a:solidFill>
-                <a:latin typeface="Arial" charset="0"/>
-                <a:ea typeface="+mn-ea"/>
-                <a:cs typeface="+mn-cs"/>
-              </a:rPr>
-              <a:t>Prec</a:t>
-            </a:r>
-            <a:r>
-              <a:rPr lang="en-US" sz="1200" b="0" i="1" u="none" strike="noStrike" kern="1200" baseline="0" dirty="0">
-                <a:solidFill>
-                  <a:schemeClr val="tx1"/>
-                </a:solidFill>
-                <a:latin typeface="Arial" charset="0"/>
-                <a:ea typeface="+mn-ea"/>
-                <a:cs typeface="+mn-cs"/>
-              </a:rPr>
-              <a:t> </a:t>
-            </a:r>
-            <a:r>
-              <a:rPr lang="en-US" sz="1200" b="0" i="0" u="none" strike="noStrike" kern="1200" baseline="0" dirty="0">
-                <a:solidFill>
-                  <a:schemeClr val="tx1"/>
-                </a:solidFill>
-                <a:latin typeface="Arial" charset="0"/>
-                <a:ea typeface="+mn-ea"/>
-                <a:cs typeface="+mn-cs"/>
-              </a:rPr>
-              <a:t>metric does not consider the structure of the data itself.</a:t>
-            </a:r>
-          </a:p>
-          <a:p>
-            <a:endParaRPr lang="en-US" sz="1200" b="0" i="0" u="none" strike="noStrike" kern="1200" baseline="0" dirty="0">
-              <a:solidFill>
-                <a:schemeClr val="tx1"/>
-              </a:solidFill>
-              <a:latin typeface="Arial" charset="0"/>
-              <a:ea typeface="+mn-ea"/>
-              <a:cs typeface="+mn-cs"/>
-            </a:endParaRPr>
-          </a:p>
-          <a:p>
-            <a:endParaRPr lang="en-US" sz="1200" b="0" i="0" u="none" strike="noStrike" kern="1200" baseline="0" dirty="0">
-              <a:solidFill>
-                <a:schemeClr val="tx1"/>
-              </a:solidFill>
-              <a:latin typeface="Arial" charset="0"/>
-              <a:ea typeface="+mn-ea"/>
-              <a:cs typeface="+mn-cs"/>
-            </a:endParaRPr>
-          </a:p>
-          <a:p>
-            <a:endParaRPr lang="en-US" sz="1200" b="0" i="0" u="none" strike="noStrike" kern="1200" baseline="0" dirty="0">
-              <a:solidFill>
-                <a:schemeClr val="tx1"/>
-              </a:solidFill>
-              <a:latin typeface="Arial" charset="0"/>
-              <a:ea typeface="+mn-ea"/>
-              <a:cs typeface="+mn-cs"/>
-            </a:endParaRPr>
-          </a:p>
-          <a:p>
-            <a:endParaRPr lang="en-US" sz="1200" b="0" i="0" u="none" strike="noStrike" kern="1200" baseline="0" dirty="0">
-              <a:solidFill>
-                <a:schemeClr val="tx1"/>
-              </a:solidFill>
-              <a:latin typeface="Arial" charset="0"/>
-              <a:ea typeface="+mn-ea"/>
-              <a:cs typeface="+mn-cs"/>
-            </a:endParaRPr>
-          </a:p>
-          <a:p>
-            <a:endParaRPr lang="en-US" sz="1200" b="0" i="0" u="none" strike="noStrike" kern="1200" baseline="0" dirty="0">
-              <a:solidFill>
-                <a:schemeClr val="tx1"/>
-              </a:solidFill>
-              <a:latin typeface="Arial" charset="0"/>
-              <a:ea typeface="+mn-ea"/>
-              <a:cs typeface="+mn-cs"/>
-            </a:endParaRPr>
-          </a:p>
-          <a:p>
-            <a:r>
-              <a:rPr lang="en-US" sz="1200" b="0" i="0" u="none" strike="noStrike" kern="1200" baseline="0" dirty="0">
-                <a:solidFill>
-                  <a:schemeClr val="tx1"/>
-                </a:solidFill>
-                <a:latin typeface="Arial" charset="0"/>
-                <a:ea typeface="+mn-ea"/>
-                <a:cs typeface="+mn-cs"/>
-              </a:rPr>
-              <a:t>the number of generalization steps applied to the total number</a:t>
-            </a:r>
-          </a:p>
-          <a:p>
-            <a:r>
-              <a:rPr lang="en-US" sz="1200" b="0" i="0" u="none" strike="noStrike" kern="1200" baseline="0" dirty="0">
-                <a:solidFill>
-                  <a:schemeClr val="tx1"/>
-                </a:solidFill>
-                <a:latin typeface="Arial" charset="0"/>
-                <a:ea typeface="+mn-ea"/>
-                <a:cs typeface="+mn-cs"/>
-              </a:rPr>
-              <a:t>of possible generalization steps (total height of the generalization</a:t>
-            </a:r>
-          </a:p>
-          <a:p>
-            <a:r>
-              <a:rPr lang="en-US" sz="1200" b="0" i="0" u="none" strike="noStrike" kern="1200" baseline="0" dirty="0">
-                <a:solidFill>
-                  <a:schemeClr val="tx1"/>
-                </a:solidFill>
-                <a:latin typeface="Arial" charset="0"/>
-                <a:ea typeface="+mn-ea"/>
-                <a:cs typeface="+mn-cs"/>
-              </a:rPr>
-              <a:t>hierarchy) gives the amount of information loss for that</a:t>
-            </a:r>
-          </a:p>
-          <a:p>
-            <a:r>
-              <a:rPr lang="en-US" sz="1200" b="0" i="0" u="none" strike="noStrike" kern="1200" baseline="0" dirty="0">
-                <a:solidFill>
-                  <a:schemeClr val="tx1"/>
-                </a:solidFill>
-                <a:latin typeface="Arial" charset="0"/>
-                <a:ea typeface="+mn-ea"/>
-                <a:cs typeface="+mn-cs"/>
-              </a:rPr>
-              <a:t>particular variable. For example, in Figure 1 if age is generalized</a:t>
-            </a:r>
-          </a:p>
-          <a:p>
-            <a:r>
-              <a:rPr lang="en-US" sz="1200" b="0" i="0" u="none" strike="noStrike" kern="1200" baseline="0" dirty="0">
-                <a:solidFill>
-                  <a:schemeClr val="tx1"/>
-                </a:solidFill>
-                <a:latin typeface="Arial" charset="0"/>
-                <a:ea typeface="+mn-ea"/>
-                <a:cs typeface="+mn-cs"/>
-              </a:rPr>
-              <a:t>from age in years to age in five year intervals, then the</a:t>
-            </a:r>
-          </a:p>
-          <a:p>
-            <a:r>
-              <a:rPr lang="en-US" sz="1200" b="0" i="0" u="none" strike="noStrike" kern="1200" baseline="0" dirty="0">
-                <a:solidFill>
-                  <a:schemeClr val="tx1"/>
-                </a:solidFill>
-                <a:latin typeface="Arial" charset="0"/>
-                <a:ea typeface="+mn-ea"/>
-                <a:cs typeface="+mn-cs"/>
-              </a:rPr>
-              <a:t>value is ¼. Overall </a:t>
-            </a:r>
-            <a:r>
-              <a:rPr lang="en-US" sz="1200" b="0" i="1" u="none" strike="noStrike" kern="1200" baseline="0" dirty="0" err="1">
-                <a:solidFill>
-                  <a:schemeClr val="tx1"/>
-                </a:solidFill>
-                <a:latin typeface="Arial" charset="0"/>
-                <a:ea typeface="+mn-ea"/>
-                <a:cs typeface="+mn-cs"/>
-              </a:rPr>
-              <a:t>Prec</a:t>
-            </a:r>
-            <a:r>
-              <a:rPr lang="en-US" sz="1200" b="0" i="1" u="none" strike="noStrike" kern="1200" baseline="0" dirty="0">
-                <a:solidFill>
-                  <a:schemeClr val="tx1"/>
-                </a:solidFill>
-                <a:latin typeface="Arial" charset="0"/>
-                <a:ea typeface="+mn-ea"/>
-                <a:cs typeface="+mn-cs"/>
-              </a:rPr>
-              <a:t> </a:t>
-            </a:r>
-            <a:r>
-              <a:rPr lang="en-US" sz="1200" b="0" i="0" u="none" strike="noStrike" kern="1200" baseline="0" dirty="0">
-                <a:solidFill>
-                  <a:schemeClr val="tx1"/>
-                </a:solidFill>
-                <a:latin typeface="Arial" charset="0"/>
-                <a:ea typeface="+mn-ea"/>
-                <a:cs typeface="+mn-cs"/>
-              </a:rPr>
-              <a:t>information loss is the average of the</a:t>
-            </a:r>
-          </a:p>
-          <a:p>
-            <a:r>
-              <a:rPr lang="en-US" sz="1200" b="0" i="1" u="none" strike="noStrike" kern="1200" baseline="0" dirty="0" err="1">
-                <a:solidFill>
-                  <a:schemeClr val="tx1"/>
-                </a:solidFill>
-                <a:latin typeface="Arial" charset="0"/>
-                <a:ea typeface="+mn-ea"/>
-                <a:cs typeface="+mn-cs"/>
-              </a:rPr>
-              <a:t>Prec</a:t>
-            </a:r>
-            <a:r>
-              <a:rPr lang="en-US" sz="1200" b="0" i="1" u="none" strike="noStrike" kern="1200" baseline="0" dirty="0">
-                <a:solidFill>
-                  <a:schemeClr val="tx1"/>
-                </a:solidFill>
-                <a:latin typeface="Arial" charset="0"/>
-                <a:ea typeface="+mn-ea"/>
-                <a:cs typeface="+mn-cs"/>
-              </a:rPr>
-              <a:t> </a:t>
-            </a:r>
-            <a:r>
-              <a:rPr lang="en-US" sz="1200" b="0" i="0" u="none" strike="noStrike" kern="1200" baseline="0" dirty="0">
-                <a:solidFill>
-                  <a:schemeClr val="tx1"/>
-                </a:solidFill>
-                <a:latin typeface="Arial" charset="0"/>
-                <a:ea typeface="+mn-ea"/>
-                <a:cs typeface="+mn-cs"/>
-              </a:rPr>
-              <a:t>values across all quasi-identifiers in the dataset.</a:t>
-            </a:r>
-            <a:r>
-              <a:rPr lang="de-DE" sz="1200" b="0" i="0" u="none" strike="noStrike" kern="1200" baseline="0" dirty="0">
-                <a:solidFill>
-                  <a:schemeClr val="tx1"/>
-                </a:solidFill>
-                <a:latin typeface="Arial" charset="0"/>
-                <a:ea typeface="+mn-ea"/>
-                <a:cs typeface="+mn-cs"/>
-              </a:rPr>
-              <a:t> As a</a:t>
-            </a:r>
-          </a:p>
-          <a:p>
-            <a:r>
-              <a:rPr lang="en-US" sz="1200" b="0" i="0" u="none" strike="noStrike" kern="1200" baseline="0" dirty="0">
-                <a:solidFill>
-                  <a:schemeClr val="tx1"/>
-                </a:solidFill>
-                <a:latin typeface="Arial" charset="0"/>
-                <a:ea typeface="+mn-ea"/>
-                <a:cs typeface="+mn-cs"/>
-              </a:rPr>
-              <a:t>consequence, the more a variable is generalized, the higher the</a:t>
-            </a:r>
-          </a:p>
-          <a:p>
-            <a:r>
-              <a:rPr lang="de-DE" sz="1200" b="0" i="0" u="none" strike="noStrike" kern="1200" baseline="0" dirty="0" err="1">
-                <a:solidFill>
-                  <a:schemeClr val="tx1"/>
-                </a:solidFill>
-                <a:latin typeface="Arial" charset="0"/>
-                <a:ea typeface="+mn-ea"/>
-                <a:cs typeface="+mn-cs"/>
-              </a:rPr>
-              <a:t>information</a:t>
-            </a:r>
-            <a:r>
-              <a:rPr lang="de-DE" sz="1200" b="0" i="0" u="none" strike="noStrike" kern="1200" baseline="0" dirty="0">
-                <a:solidFill>
-                  <a:schemeClr val="tx1"/>
-                </a:solidFill>
-                <a:latin typeface="Arial" charset="0"/>
-                <a:ea typeface="+mn-ea"/>
-                <a:cs typeface="+mn-cs"/>
-              </a:rPr>
-              <a:t> </a:t>
-            </a:r>
-            <a:r>
-              <a:rPr lang="de-DE" sz="1200" b="0" i="0" u="none" strike="noStrike" kern="1200" baseline="0" dirty="0" err="1">
-                <a:solidFill>
-                  <a:schemeClr val="tx1"/>
-                </a:solidFill>
-                <a:latin typeface="Arial" charset="0"/>
-                <a:ea typeface="+mn-ea"/>
-                <a:cs typeface="+mn-cs"/>
-              </a:rPr>
-              <a:t>loss</a:t>
-            </a:r>
-            <a:r>
-              <a:rPr lang="de-DE" sz="1200" b="0" i="0" u="none" strike="noStrike" kern="1200" baseline="0" dirty="0">
-                <a:solidFill>
-                  <a:schemeClr val="tx1"/>
-                </a:solidFill>
-                <a:latin typeface="Arial" charset="0"/>
-                <a:ea typeface="+mn-ea"/>
-                <a:cs typeface="+mn-cs"/>
-              </a:rPr>
-              <a:t>.</a:t>
-            </a:r>
-          </a:p>
-          <a:p>
-            <a:endParaRPr lang="de-DE" sz="1200" b="0" i="0" u="none" strike="noStrike" kern="1200" baseline="0" dirty="0">
-              <a:solidFill>
-                <a:schemeClr val="tx1"/>
-              </a:solidFill>
-              <a:latin typeface="Arial" charset="0"/>
-              <a:ea typeface="+mn-ea"/>
-              <a:cs typeface="+mn-cs"/>
-            </a:endParaRPr>
-          </a:p>
-          <a:p>
-            <a:r>
-              <a:rPr lang="de-DE" sz="1200" b="0" i="0" u="none" strike="noStrike" kern="1200" baseline="0" dirty="0">
-                <a:solidFill>
-                  <a:schemeClr val="tx1"/>
-                </a:solidFill>
-                <a:latin typeface="Arial" charset="0"/>
-                <a:ea typeface="+mn-ea"/>
-                <a:cs typeface="+mn-cs"/>
-              </a:rPr>
-              <a:t>The </a:t>
-            </a:r>
-            <a:r>
-              <a:rPr lang="de-DE" sz="1200" b="0" i="0" u="none" strike="noStrike" kern="1200" baseline="0" dirty="0" err="1">
-                <a:solidFill>
-                  <a:schemeClr val="tx1"/>
-                </a:solidFill>
-                <a:latin typeface="Arial" charset="0"/>
-                <a:ea typeface="+mn-ea"/>
-                <a:cs typeface="+mn-cs"/>
-              </a:rPr>
-              <a:t>discernability</a:t>
-            </a:r>
-            <a:endParaRPr lang="de-DE" sz="1200" b="0" i="0" u="none" strike="noStrike" kern="1200" baseline="0" dirty="0">
-              <a:solidFill>
-                <a:schemeClr val="tx1"/>
-              </a:solidFill>
-              <a:latin typeface="Arial" charset="0"/>
-              <a:ea typeface="+mn-ea"/>
-              <a:cs typeface="+mn-cs"/>
-            </a:endParaRPr>
-          </a:p>
-          <a:p>
-            <a:r>
-              <a:rPr lang="en-US" sz="1200" b="0" i="0" u="none" strike="noStrike" kern="1200" baseline="0" dirty="0">
-                <a:solidFill>
-                  <a:schemeClr val="tx1"/>
-                </a:solidFill>
-                <a:latin typeface="Arial" charset="0"/>
-                <a:ea typeface="+mn-ea"/>
-                <a:cs typeface="+mn-cs"/>
-              </a:rPr>
-              <a:t>metric assigns a penalty to every record that is proportional</a:t>
-            </a:r>
-          </a:p>
-          <a:p>
-            <a:r>
-              <a:rPr lang="en-US" sz="1200" b="0" i="0" u="none" strike="noStrike" kern="1200" baseline="0" dirty="0">
-                <a:solidFill>
-                  <a:schemeClr val="tx1"/>
-                </a:solidFill>
-                <a:latin typeface="Arial" charset="0"/>
-                <a:ea typeface="+mn-ea"/>
-                <a:cs typeface="+mn-cs"/>
-              </a:rPr>
-              <a:t>to the number of records that are indistinguishable from it.</a:t>
-            </a:r>
-          </a:p>
-          <a:p>
-            <a:r>
-              <a:rPr lang="en-US" sz="1200" b="0" i="0" u="none" strike="noStrike" kern="1200" baseline="0" dirty="0">
-                <a:solidFill>
-                  <a:schemeClr val="tx1"/>
-                </a:solidFill>
-                <a:latin typeface="Arial" charset="0"/>
-                <a:ea typeface="+mn-ea"/>
-                <a:cs typeface="+mn-cs"/>
-              </a:rPr>
-              <a:t>Following the same reasoning, DM assigns a penalty equal</a:t>
-            </a:r>
-          </a:p>
-          <a:p>
-            <a:r>
-              <a:rPr lang="en-US" sz="1200" b="0" i="0" u="none" strike="noStrike" kern="1200" baseline="0" dirty="0">
-                <a:solidFill>
-                  <a:schemeClr val="tx1"/>
-                </a:solidFill>
-                <a:latin typeface="Arial" charset="0"/>
-                <a:ea typeface="+mn-ea"/>
-                <a:cs typeface="+mn-cs"/>
-              </a:rPr>
-              <a:t>to the whole dataset for every suppressed record (since</a:t>
-            </a:r>
-          </a:p>
-          <a:p>
-            <a:r>
-              <a:rPr lang="en-US" sz="1200" b="0" i="0" u="none" strike="noStrike" kern="1200" baseline="0" dirty="0">
-                <a:solidFill>
-                  <a:schemeClr val="tx1"/>
-                </a:solidFill>
-                <a:latin typeface="Arial" charset="0"/>
-                <a:ea typeface="+mn-ea"/>
-                <a:cs typeface="+mn-cs"/>
-              </a:rPr>
-              <a:t>suppressed records are indistinguishable from all other</a:t>
-            </a:r>
-          </a:p>
-          <a:p>
-            <a:r>
-              <a:rPr lang="en-US" sz="1200" b="0" i="0" u="none" strike="noStrike" kern="1200" baseline="0" dirty="0">
-                <a:solidFill>
-                  <a:schemeClr val="tx1"/>
-                </a:solidFill>
-                <a:latin typeface="Arial" charset="0"/>
-                <a:ea typeface="+mn-ea"/>
-                <a:cs typeface="+mn-cs"/>
-              </a:rPr>
-              <a:t>records). The formula for DM metric appears in online</a:t>
-            </a:r>
-            <a:endParaRPr lang="de-DE" dirty="0"/>
-          </a:p>
         </p:txBody>
       </p:sp>
       <p:sp>
@@ -4267,7 +3933,7 @@
               <a:pPr>
                 <a:defRPr/>
               </a:pPr>
-              <a:t>17</a:t>
+              <a:t>16</a:t>
             </a:fld>
             <a:endParaRPr lang="de-DE"/>
           </a:p>
@@ -4276,7 +3942,7 @@
     </p:spTree>
     <p:extLst>
       <p:ext uri="{BB962C8B-B14F-4D97-AF65-F5344CB8AC3E}">
-        <p14:creationId xmlns:p14="http://schemas.microsoft.com/office/powerpoint/2010/main" val="3708521623"/>
+        <p14:creationId xmlns:p14="http://schemas.microsoft.com/office/powerpoint/2010/main" val="3798197572"/>
       </p:ext>
     </p:extLst>
   </p:cSld>
@@ -4330,6 +3996,122 @@
           <a:bodyPr/>
           <a:lstStyle/>
           <a:p>
+            <a:pPr marL="0" marR="0" lvl="0" indent="0" algn="l" defTabSz="914400" rtl="0" eaLnBrk="1" fontAlgn="base" latinLnBrk="0" hangingPunct="1">
+              <a:lnSpc>
+                <a:spcPct val="100000"/>
+              </a:lnSpc>
+              <a:spcBef>
+                <a:spcPct val="30000"/>
+              </a:spcBef>
+              <a:spcAft>
+                <a:spcPct val="0"/>
+              </a:spcAft>
+              <a:buClrTx/>
+              <a:buSzTx/>
+              <a:buFontTx/>
+              <a:buNone/>
+              <a:tabLst/>
+              <a:defRPr/>
+            </a:pPr>
+            <a:r>
+              <a:rPr lang="en-US" sz="1200" dirty="0"/>
+              <a:t>For example, in Figure 2 both nodes d0, g1, a1 and d0, g1, a2 are k-anonymous, but they are both part of the same generalization strategy and d0, g1, a1 is below d0, g1, a2 in the lattice. This means that d0, g1, a1 will have less information loss on all the three metrics we considered. The node d0, g1, a1 is called a k-minimal node. </a:t>
+            </a:r>
+          </a:p>
+          <a:p>
+            <a:pPr marL="0" marR="0" lvl="0" indent="0" algn="l" defTabSz="914400" rtl="0" eaLnBrk="1" fontAlgn="base" latinLnBrk="0" hangingPunct="1">
+              <a:lnSpc>
+                <a:spcPct val="100000"/>
+              </a:lnSpc>
+              <a:spcBef>
+                <a:spcPct val="30000"/>
+              </a:spcBef>
+              <a:spcAft>
+                <a:spcPct val="0"/>
+              </a:spcAft>
+              <a:buClrTx/>
+              <a:buSzTx/>
+              <a:buFontTx/>
+              <a:buNone/>
+              <a:tabLst/>
+              <a:defRPr/>
+            </a:pPr>
+            <a:endParaRPr lang="en-US" sz="1200" dirty="0"/>
+          </a:p>
+          <a:p>
+            <a:pPr marL="0" marR="0" lvl="0" indent="0" algn="l" defTabSz="914400" rtl="0" eaLnBrk="1" fontAlgn="base" latinLnBrk="0" hangingPunct="1">
+              <a:lnSpc>
+                <a:spcPct val="100000"/>
+              </a:lnSpc>
+              <a:spcBef>
+                <a:spcPct val="30000"/>
+              </a:spcBef>
+              <a:spcAft>
+                <a:spcPct val="0"/>
+              </a:spcAft>
+              <a:buClrTx/>
+              <a:buSzTx/>
+              <a:buFontTx/>
+              <a:buNone/>
+              <a:tabLst/>
+              <a:defRPr/>
+            </a:pPr>
+            <a:endParaRPr lang="en-US" sz="1200" dirty="0"/>
+          </a:p>
+          <a:p>
+            <a:pPr marL="171450" indent="-171450">
+              <a:buFontTx/>
+              <a:buChar char="-"/>
+            </a:pPr>
+            <a:r>
+              <a:rPr lang="en-US" dirty="0"/>
+              <a:t>Suppression can drastically  reduce data quality</a:t>
+            </a:r>
+          </a:p>
+          <a:p>
+            <a:pPr marL="171450" indent="-171450">
+              <a:buFontTx/>
+              <a:buChar char="-"/>
+            </a:pPr>
+            <a:r>
+              <a:rPr lang="en-US" dirty="0"/>
+              <a:t>Different metrics give you different information loss</a:t>
+            </a:r>
+          </a:p>
+          <a:p>
+            <a:pPr marL="0" indent="0">
+              <a:buFontTx/>
+              <a:buNone/>
+            </a:pPr>
+            <a:r>
+              <a:rPr lang="en-US" dirty="0"/>
+              <a:t>-   NP - Hard</a:t>
+            </a:r>
+          </a:p>
+          <a:p>
+            <a:endParaRPr lang="de-DE" dirty="0"/>
+          </a:p>
+          <a:p>
+            <a:pPr marL="0" marR="0" lvl="0" indent="0" algn="l" defTabSz="914400" rtl="0" eaLnBrk="1" fontAlgn="base" latinLnBrk="0" hangingPunct="1">
+              <a:lnSpc>
+                <a:spcPct val="100000"/>
+              </a:lnSpc>
+              <a:spcBef>
+                <a:spcPct val="30000"/>
+              </a:spcBef>
+              <a:spcAft>
+                <a:spcPct val="0"/>
+              </a:spcAft>
+              <a:buClrTx/>
+              <a:buSzTx/>
+              <a:buFontTx/>
+              <a:buNone/>
+              <a:tabLst/>
+              <a:defRPr/>
+            </a:pPr>
+            <a:endParaRPr lang="en-US" sz="1200" dirty="0"/>
+          </a:p>
+          <a:p>
             <a:endParaRPr lang="de-DE" dirty="0"/>
           </a:p>
         </p:txBody>
@@ -4357,7 +4139,7 @@
               <a:pPr>
                 <a:defRPr/>
               </a:pPr>
-              <a:t>18</a:t>
+              <a:t>17</a:t>
             </a:fld>
             <a:endParaRPr lang="de-DE"/>
           </a:p>
@@ -4761,7 +4543,7 @@
               <a:pPr>
                 <a:defRPr/>
               </a:pPr>
-              <a:t>19</a:t>
+              <a:t>18</a:t>
             </a:fld>
             <a:endParaRPr lang="de-DE"/>
           </a:p>
@@ -5628,7 +5410,7 @@
               <a:pPr>
                 <a:defRPr/>
               </a:pPr>
-              <a:t>20</a:t>
+              <a:t>19</a:t>
             </a:fld>
             <a:endParaRPr lang="de-DE"/>
           </a:p>
@@ -5915,7 +5697,7 @@
               <a:pPr>
                 <a:defRPr/>
               </a:pPr>
-              <a:t>21</a:t>
+              <a:t>20</a:t>
             </a:fld>
             <a:endParaRPr lang="de-DE"/>
           </a:p>
@@ -8572,7 +8354,7 @@
           <p:cNvPr id="2" name="Textplatzhalter 1">
             <a:extLst>
               <a:ext uri="{FF2B5EF4-FFF2-40B4-BE49-F238E27FC236}">
-                <a16:creationId xmlns:a16="http://schemas.microsoft.com/office/drawing/2014/main" id="{D71D1614-3ADC-4DE3-8C51-A7417C1EDD56}"/>
+                <a16:creationId xmlns:a16="http://schemas.microsoft.com/office/drawing/2014/main" id="{B7F551F4-610E-488D-AB7B-CE0A61388660}"/>
               </a:ext>
             </a:extLst>
           </p:cNvPr>
@@ -8588,60 +8370,107 @@
           <a:bodyPr/>
           <a:lstStyle/>
           <a:p>
-            <a:r>
-              <a:rPr lang="en-US" dirty="0"/>
-              <a:t>Calculate information loss/distortion:</a:t>
-            </a:r>
-          </a:p>
-          <a:p>
-            <a:pPr lvl="1"/>
-            <a:r>
-              <a:rPr lang="en-US" dirty="0"/>
-              <a:t>Modification rate:</a:t>
-            </a:r>
-          </a:p>
-          <a:p>
-            <a:pPr lvl="2"/>
-            <a:r>
-              <a:rPr lang="en-US" dirty="0"/>
-              <a:t>The fraction of cells being modified</a:t>
-            </a:r>
-          </a:p>
-          <a:p>
-            <a:pPr lvl="2"/>
-            <a:r>
-              <a:rPr lang="en-US" dirty="0"/>
-              <a:t>Does not consider hierarchical structures</a:t>
-            </a:r>
-          </a:p>
-          <a:p>
-            <a:pPr lvl="1"/>
-            <a:r>
-              <a:rPr lang="en-US" dirty="0"/>
-              <a:t>Weighted hierarchical Distance</a:t>
-            </a:r>
-          </a:p>
-          <a:p>
-            <a:pPr lvl="2"/>
-            <a:r>
-              <a:rPr lang="en-US" dirty="0"/>
-              <a:t>Uniformed Weight: wj,j-1 = 1 (where 2&lt;= j&lt;=h)</a:t>
-            </a:r>
-          </a:p>
-          <a:p>
-            <a:pPr lvl="2"/>
-            <a:r>
-              <a:rPr lang="en-US" dirty="0"/>
-              <a:t>Or height weight </a:t>
-            </a:r>
-          </a:p>
-          <a:p>
-            <a:pPr lvl="2"/>
             <a:endParaRPr lang="en-US" dirty="0"/>
           </a:p>
           <a:p>
-            <a:pPr lvl="1"/>
-            <a:endParaRPr lang="en-US" dirty="0"/>
+            <a:r>
+              <a:rPr lang="de-DE" dirty="0"/>
+              <a:t>Goal </a:t>
+            </a:r>
+            <a:r>
+              <a:rPr lang="de-DE" dirty="0" err="1"/>
+              <a:t>of</a:t>
+            </a:r>
+            <a:r>
+              <a:rPr lang="de-DE" dirty="0"/>
+              <a:t> k-</a:t>
+            </a:r>
+            <a:r>
+              <a:rPr lang="de-DE" dirty="0" err="1"/>
+              <a:t>anonmity</a:t>
+            </a:r>
+            <a:r>
+              <a:rPr lang="de-DE" dirty="0"/>
+              <a:t> </a:t>
+            </a:r>
+            <a:r>
+              <a:rPr lang="de-DE" dirty="0" err="1"/>
+              <a:t>algorithm</a:t>
+            </a:r>
+            <a:r>
+              <a:rPr lang="de-DE" dirty="0"/>
+              <a:t> </a:t>
+            </a:r>
+            <a:r>
+              <a:rPr lang="de-DE" dirty="0" err="1"/>
+              <a:t>is</a:t>
+            </a:r>
+            <a:r>
+              <a:rPr lang="de-DE" dirty="0"/>
+              <a:t> </a:t>
+            </a:r>
+            <a:r>
+              <a:rPr lang="de-DE" dirty="0" err="1"/>
+              <a:t>to</a:t>
+            </a:r>
+            <a:r>
+              <a:rPr lang="de-DE" dirty="0"/>
+              <a:t> find a optimal </a:t>
+            </a:r>
+            <a:r>
+              <a:rPr lang="de-DE" dirty="0" err="1"/>
+              <a:t>solution</a:t>
+            </a:r>
+            <a:endParaRPr lang="de-DE" dirty="0"/>
+          </a:p>
+          <a:p>
+            <a:r>
+              <a:rPr lang="de-DE" dirty="0"/>
+              <a:t>Minimal Information </a:t>
+            </a:r>
+            <a:r>
+              <a:rPr lang="de-DE" dirty="0" err="1"/>
+              <a:t>loss</a:t>
+            </a:r>
+            <a:endParaRPr lang="de-DE" dirty="0"/>
+          </a:p>
+          <a:p>
+            <a:r>
+              <a:rPr lang="de-DE" dirty="0"/>
+              <a:t>Datamining</a:t>
+            </a:r>
+          </a:p>
+          <a:p>
+            <a:r>
+              <a:rPr lang="de-DE" dirty="0" err="1"/>
+              <a:t>Heuristic</a:t>
+            </a:r>
+            <a:r>
+              <a:rPr lang="de-DE" dirty="0"/>
+              <a:t> /</a:t>
+            </a:r>
+            <a:r>
+              <a:rPr lang="de-DE" dirty="0" err="1"/>
+              <a:t>Approximations</a:t>
+            </a:r>
+            <a:r>
+              <a:rPr lang="de-DE" dirty="0"/>
+              <a:t>/ Loss </a:t>
+            </a:r>
+            <a:r>
+              <a:rPr lang="de-DE" dirty="0" err="1"/>
+              <a:t>Metrics</a:t>
+            </a:r>
+            <a:endParaRPr lang="de-DE" dirty="0"/>
+          </a:p>
+          <a:p>
+            <a:r>
+              <a:rPr lang="de-DE" dirty="0"/>
+              <a:t>NP-Hard</a:t>
+            </a:r>
+          </a:p>
+          <a:p>
+            <a:endParaRPr lang="de-DE" dirty="0"/>
           </a:p>
         </p:txBody>
       </p:sp>
@@ -8650,7 +8479,7 @@
           <p:cNvPr id="3" name="Datumsplatzhalter 2">
             <a:extLst>
               <a:ext uri="{FF2B5EF4-FFF2-40B4-BE49-F238E27FC236}">
-                <a16:creationId xmlns:a16="http://schemas.microsoft.com/office/drawing/2014/main" id="{43E853D6-46C1-4523-ACD1-ED97431F8107}"/>
+                <a16:creationId xmlns:a16="http://schemas.microsoft.com/office/drawing/2014/main" id="{49D056D6-2543-4934-B1CF-0CC279797548}"/>
               </a:ext>
             </a:extLst>
           </p:cNvPr>
@@ -8679,7 +8508,7 @@
           <p:cNvPr id="4" name="Fußzeilenplatzhalter 3">
             <a:extLst>
               <a:ext uri="{FF2B5EF4-FFF2-40B4-BE49-F238E27FC236}">
-                <a16:creationId xmlns:a16="http://schemas.microsoft.com/office/drawing/2014/main" id="{1C730658-4EC4-4585-854A-66ACA12C51FC}"/>
+                <a16:creationId xmlns:a16="http://schemas.microsoft.com/office/drawing/2014/main" id="{ABEE3C34-C2C7-4728-B360-111405533D4C}"/>
               </a:ext>
             </a:extLst>
           </p:cNvPr>
@@ -8708,7 +8537,7 @@
           <p:cNvPr id="5" name="Foliennummernplatzhalter 4">
             <a:extLst>
               <a:ext uri="{FF2B5EF4-FFF2-40B4-BE49-F238E27FC236}">
-                <a16:creationId xmlns:a16="http://schemas.microsoft.com/office/drawing/2014/main" id="{0FAB273A-C162-4643-B876-9030E30E092F}"/>
+                <a16:creationId xmlns:a16="http://schemas.microsoft.com/office/drawing/2014/main" id="{6EB8AD93-9E3D-4E56-97AA-90997DA25138}"/>
               </a:ext>
             </a:extLst>
           </p:cNvPr>
@@ -8738,7 +8567,7 @@
           <p:cNvPr id="6" name="Titel 5">
             <a:extLst>
               <a:ext uri="{FF2B5EF4-FFF2-40B4-BE49-F238E27FC236}">
-                <a16:creationId xmlns:a16="http://schemas.microsoft.com/office/drawing/2014/main" id="{0E078E46-7095-4E2A-B4DE-B56C7B703DA6}"/>
+                <a16:creationId xmlns:a16="http://schemas.microsoft.com/office/drawing/2014/main" id="{4BFCF9A1-69B3-4D2C-8818-7711643B9733}"/>
               </a:ext>
             </a:extLst>
           </p:cNvPr>
@@ -8755,9 +8584,14 @@
           <a:lstStyle/>
           <a:p>
             <a:r>
-              <a:rPr lang="en-US" dirty="0"/>
-              <a:t>Quality of k-anonymization</a:t>
-            </a:r>
+              <a:rPr lang="de-DE" dirty="0"/>
+              <a:t>Optimal K-</a:t>
+            </a:r>
+            <a:r>
+              <a:rPr lang="de-DE" dirty="0" err="1"/>
+              <a:t>Anonymity</a:t>
+            </a:r>
+            <a:endParaRPr lang="de-DE" dirty="0"/>
           </a:p>
         </p:txBody>
       </p:sp>
@@ -8766,21 +8600,17 @@
           <p:cNvPr id="8" name="Grafik 7">
             <a:extLst>
               <a:ext uri="{FF2B5EF4-FFF2-40B4-BE49-F238E27FC236}">
-                <a16:creationId xmlns:a16="http://schemas.microsoft.com/office/drawing/2014/main" id="{41925E0A-3354-4A62-925F-B526D0B4E84A}"/>
+                <a16:creationId xmlns:a16="http://schemas.microsoft.com/office/drawing/2014/main" id="{F8F3F7CA-32E0-4C54-8871-FD67CAB0A2A8}"/>
               </a:ext>
             </a:extLst>
           </p:cNvPr>
           <p:cNvPicPr>
             <a:picLocks noChangeAspect="1"/>
           </p:cNvPicPr>
-          <p:nvPr>
-            <p:custDataLst>
-              <p:tags r:id="rId1"/>
-            </p:custDataLst>
-          </p:nvPr>
+          <p:nvPr/>
         </p:nvPicPr>
         <p:blipFill>
-          <a:blip r:embed="rId3" cstate="print">
+          <a:blip r:embed="rId3">
             <a:extLst>
               <a:ext uri="{28A0092B-C50C-407E-A947-70E740481C1C}">
                 <a14:useLocalDpi xmlns:a14="http://schemas.microsoft.com/office/drawing/2010/main" val="0"/>
@@ -8793,8 +8623,44 @@
         </p:blipFill>
         <p:spPr>
           <a:xfrm>
-            <a:off x="1420662" y="3429000"/>
-            <a:ext cx="2985143" cy="495238"/>
+            <a:off x="430213" y="3941346"/>
+            <a:ext cx="3887369" cy="1843724"/>
+          </a:xfrm>
+          <a:prstGeom prst="rect">
+            <a:avLst/>
+          </a:prstGeom>
+        </p:spPr>
+      </p:pic>
+      <p:pic>
+        <p:nvPicPr>
+          <p:cNvPr id="9" name="Grafik 8">
+            <a:extLst>
+              <a:ext uri="{FF2B5EF4-FFF2-40B4-BE49-F238E27FC236}">
+                <a16:creationId xmlns:a16="http://schemas.microsoft.com/office/drawing/2014/main" id="{0435FEEA-0B13-44FB-A367-342EC84D6421}"/>
+              </a:ext>
+            </a:extLst>
+          </p:cNvPr>
+          <p:cNvPicPr>
+            <a:picLocks noChangeAspect="1"/>
+          </p:cNvPicPr>
+          <p:nvPr/>
+        </p:nvPicPr>
+        <p:blipFill>
+          <a:blip r:embed="rId4">
+            <a:extLst>
+              <a:ext uri="{28A0092B-C50C-407E-A947-70E740481C1C}">
+                <a14:useLocalDpi xmlns:a14="http://schemas.microsoft.com/office/drawing/2010/main" val="0"/>
+              </a:ext>
+            </a:extLst>
+          </a:blip>
+          <a:stretch>
+            <a:fillRect/>
+          </a:stretch>
+        </p:blipFill>
+        <p:spPr>
+          <a:xfrm>
+            <a:off x="5004048" y="3570859"/>
+            <a:ext cx="2066032" cy="2556971"/>
           </a:xfrm>
           <a:prstGeom prst="rect">
             <a:avLst/>
@@ -8804,7 +8670,7 @@
     </p:spTree>
     <p:extLst>
       <p:ext uri="{BB962C8B-B14F-4D97-AF65-F5344CB8AC3E}">
-        <p14:creationId xmlns:p14="http://schemas.microsoft.com/office/powerpoint/2010/main" val="1042052436"/>
+        <p14:creationId xmlns:p14="http://schemas.microsoft.com/office/powerpoint/2010/main" val="1624472290"/>
       </p:ext>
     </p:extLst>
   </p:cSld>
@@ -8831,12 +8697,42 @@
           <a:chExt cx="0" cy="0"/>
         </a:xfrm>
       </p:grpSpPr>
+      <p:pic>
+        <p:nvPicPr>
+          <p:cNvPr id="7" name="Grafik 6">
+            <a:extLst>
+              <a:ext uri="{FF2B5EF4-FFF2-40B4-BE49-F238E27FC236}">
+                <a16:creationId xmlns:a16="http://schemas.microsoft.com/office/drawing/2014/main" id="{CEFAB84D-C3D4-4914-AD65-3F5CDC7E38B9}"/>
+              </a:ext>
+            </a:extLst>
+          </p:cNvPr>
+          <p:cNvPicPr>
+            <a:picLocks noChangeAspect="1"/>
+          </p:cNvPicPr>
+          <p:nvPr/>
+        </p:nvPicPr>
+        <p:blipFill>
+          <a:blip r:embed="rId3"/>
+          <a:stretch>
+            <a:fillRect/>
+          </a:stretch>
+        </p:blipFill>
+        <p:spPr>
+          <a:xfrm>
+            <a:off x="5023032" y="3976432"/>
+            <a:ext cx="2990850" cy="1762125"/>
+          </a:xfrm>
+          <a:prstGeom prst="rect">
+            <a:avLst/>
+          </a:prstGeom>
+        </p:spPr>
+      </p:pic>
       <p:sp>
         <p:nvSpPr>
           <p:cNvPr id="2" name="Textplatzhalter 1">
             <a:extLst>
               <a:ext uri="{FF2B5EF4-FFF2-40B4-BE49-F238E27FC236}">
-                <a16:creationId xmlns:a16="http://schemas.microsoft.com/office/drawing/2014/main" id="{B7F551F4-610E-488D-AB7B-CE0A61388660}"/>
+                <a16:creationId xmlns:a16="http://schemas.microsoft.com/office/drawing/2014/main" id="{7C32DD69-3EF5-415C-990C-1E48C3A326C4}"/>
               </a:ext>
             </a:extLst>
           </p:cNvPr>
@@ -8852,108 +8748,59 @@
           <a:bodyPr/>
           <a:lstStyle/>
           <a:p>
+            <a:r>
+              <a:rPr lang="en-US" dirty="0"/>
+              <a:t>Generalizing: a value is replaced by a less specific, more general value </a:t>
+            </a:r>
+          </a:p>
+          <a:p>
+            <a:r>
+              <a:rPr lang="en-US" dirty="0"/>
+              <a:t>Suppression refers to removing a certain attribute value</a:t>
+            </a:r>
+            <a:endParaRPr lang="en-US" i="1" dirty="0"/>
+          </a:p>
+          <a:p>
+            <a:r>
+              <a:rPr lang="en-US" dirty="0"/>
+              <a:t>Some </a:t>
+            </a:r>
+            <a:r>
+              <a:rPr lang="de-DE" dirty="0" err="1"/>
+              <a:t>algorithms</a:t>
+            </a:r>
+            <a:r>
+              <a:rPr lang="en-US" dirty="0"/>
+              <a:t> work with </a:t>
+            </a:r>
+            <a:r>
+              <a:rPr lang="en-US" dirty="0" err="1"/>
+              <a:t>MaxSup</a:t>
+            </a:r>
             <a:endParaRPr lang="en-US" dirty="0"/>
           </a:p>
           <a:p>
             <a:r>
-              <a:rPr lang="de-DE" dirty="0"/>
-              <a:t>Goal </a:t>
-            </a:r>
-            <a:r>
-              <a:rPr lang="de-DE" dirty="0" err="1"/>
-              <a:t>of</a:t>
-            </a:r>
-            <a:r>
-              <a:rPr lang="de-DE" dirty="0"/>
-              <a:t> k-</a:t>
-            </a:r>
-            <a:r>
-              <a:rPr lang="de-DE" dirty="0" err="1"/>
-              <a:t>anonmity</a:t>
-            </a:r>
-            <a:r>
-              <a:rPr lang="de-DE" dirty="0"/>
-              <a:t> </a:t>
-            </a:r>
-            <a:r>
-              <a:rPr lang="de-DE" dirty="0" err="1"/>
-              <a:t>algorithm</a:t>
-            </a:r>
-            <a:r>
-              <a:rPr lang="de-DE" dirty="0"/>
-              <a:t> </a:t>
-            </a:r>
-            <a:r>
-              <a:rPr lang="de-DE" dirty="0" err="1"/>
-              <a:t>is</a:t>
-            </a:r>
-            <a:r>
-              <a:rPr lang="de-DE" dirty="0"/>
-              <a:t> </a:t>
-            </a:r>
-            <a:r>
-              <a:rPr lang="de-DE" dirty="0" err="1"/>
-              <a:t>to</a:t>
-            </a:r>
-            <a:r>
-              <a:rPr lang="de-DE" dirty="0"/>
-              <a:t> find a optimal </a:t>
-            </a:r>
-            <a:r>
-              <a:rPr lang="de-DE" dirty="0" err="1"/>
-              <a:t>solution</a:t>
+              <a:rPr lang="en-US" dirty="0"/>
+              <a:t>Generalization include Suppression</a:t>
+            </a:r>
+          </a:p>
+          <a:p>
+            <a:r>
+              <a:rPr lang="en-US" dirty="0"/>
+              <a:t>Problem: Suppression can drastically</a:t>
+            </a:r>
+          </a:p>
+          <a:p>
+            <a:pPr marL="0" indent="0">
+              <a:buNone/>
+            </a:pPr>
+            <a:r>
+              <a:rPr lang="en-US" dirty="0"/>
+              <a:t>   reduce data quality</a:t>
             </a:r>
             <a:endParaRPr lang="de-DE" dirty="0"/>
           </a:p>
-          <a:p>
-            <a:r>
-              <a:rPr lang="de-DE" dirty="0"/>
-              <a:t>Minimal Information </a:t>
-            </a:r>
-            <a:r>
-              <a:rPr lang="de-DE" dirty="0" err="1"/>
-              <a:t>loss</a:t>
-            </a:r>
-            <a:endParaRPr lang="de-DE" dirty="0"/>
-          </a:p>
-          <a:p>
-            <a:r>
-              <a:rPr lang="de-DE" dirty="0"/>
-              <a:t>Datamining</a:t>
-            </a:r>
-          </a:p>
-          <a:p>
-            <a:r>
-              <a:rPr lang="de-DE" dirty="0" err="1"/>
-              <a:t>Heuristic</a:t>
-            </a:r>
-            <a:r>
-              <a:rPr lang="de-DE" dirty="0"/>
-              <a:t> /</a:t>
-            </a:r>
-            <a:r>
-              <a:rPr lang="de-DE" dirty="0" err="1"/>
-              <a:t>Approximations</a:t>
-            </a:r>
-            <a:r>
-              <a:rPr lang="de-DE" dirty="0"/>
-              <a:t>/ Loss </a:t>
-            </a:r>
-            <a:r>
-              <a:rPr lang="de-DE" dirty="0" err="1"/>
-              <a:t>Metrics</a:t>
-            </a:r>
-            <a:endParaRPr lang="de-DE" dirty="0"/>
-          </a:p>
-          <a:p>
-            <a:r>
-              <a:rPr lang="de-DE" dirty="0"/>
-              <a:t>NP-Hard</a:t>
-            </a:r>
-          </a:p>
-          <a:p>
-            <a:endParaRPr lang="de-DE" dirty="0"/>
-          </a:p>
         </p:txBody>
       </p:sp>
       <p:sp>
@@ -8961,7 +8808,7 @@
           <p:cNvPr id="3" name="Datumsplatzhalter 2">
             <a:extLst>
               <a:ext uri="{FF2B5EF4-FFF2-40B4-BE49-F238E27FC236}">
-                <a16:creationId xmlns:a16="http://schemas.microsoft.com/office/drawing/2014/main" id="{49D056D6-2543-4934-B1CF-0CC279797548}"/>
+                <a16:creationId xmlns:a16="http://schemas.microsoft.com/office/drawing/2014/main" id="{3B376E2D-21B0-4BCB-B6B7-6911665926D4}"/>
               </a:ext>
             </a:extLst>
           </p:cNvPr>
@@ -8990,7 +8837,7 @@
           <p:cNvPr id="4" name="Fußzeilenplatzhalter 3">
             <a:extLst>
               <a:ext uri="{FF2B5EF4-FFF2-40B4-BE49-F238E27FC236}">
-                <a16:creationId xmlns:a16="http://schemas.microsoft.com/office/drawing/2014/main" id="{ABEE3C34-C2C7-4728-B360-111405533D4C}"/>
+                <a16:creationId xmlns:a16="http://schemas.microsoft.com/office/drawing/2014/main" id="{7F4344EE-8113-4041-BDC8-BFC34AA277B9}"/>
               </a:ext>
             </a:extLst>
           </p:cNvPr>
@@ -9019,7 +8866,7 @@
           <p:cNvPr id="5" name="Foliennummernplatzhalter 4">
             <a:extLst>
               <a:ext uri="{FF2B5EF4-FFF2-40B4-BE49-F238E27FC236}">
-                <a16:creationId xmlns:a16="http://schemas.microsoft.com/office/drawing/2014/main" id="{6EB8AD93-9E3D-4E56-97AA-90997DA25138}"/>
+                <a16:creationId xmlns:a16="http://schemas.microsoft.com/office/drawing/2014/main" id="{AE20C96D-28EE-47F2-8898-160717279F6F}"/>
               </a:ext>
             </a:extLst>
           </p:cNvPr>
@@ -9049,7 +8896,7 @@
           <p:cNvPr id="6" name="Titel 5">
             <a:extLst>
               <a:ext uri="{FF2B5EF4-FFF2-40B4-BE49-F238E27FC236}">
-                <a16:creationId xmlns:a16="http://schemas.microsoft.com/office/drawing/2014/main" id="{4BFCF9A1-69B3-4D2C-8818-7711643B9733}"/>
+                <a16:creationId xmlns:a16="http://schemas.microsoft.com/office/drawing/2014/main" id="{F4C53128-9BE4-4961-B2C1-5007447E2543}"/>
               </a:ext>
             </a:extLst>
           </p:cNvPr>
@@ -9067,92 +8914,85 @@
           <a:p>
             <a:r>
               <a:rPr lang="de-DE" dirty="0"/>
-              <a:t>Optimal K-</a:t>
+              <a:t>K-</a:t>
             </a:r>
             <a:r>
               <a:rPr lang="de-DE" dirty="0" err="1"/>
               <a:t>Anonymity</a:t>
             </a:r>
+            <a:r>
+              <a:rPr lang="de-DE" dirty="0"/>
+              <a:t> </a:t>
+            </a:r>
+            <a:r>
+              <a:rPr lang="de-DE" dirty="0" err="1"/>
+              <a:t>Generalization</a:t>
+            </a:r>
+            <a:r>
+              <a:rPr lang="de-DE" dirty="0"/>
+              <a:t> and </a:t>
+            </a:r>
+            <a:r>
+              <a:rPr lang="de-DE" dirty="0" err="1"/>
+              <a:t>Supression</a:t>
+            </a:r>
             <a:endParaRPr lang="de-DE" dirty="0"/>
           </a:p>
         </p:txBody>
       </p:sp>
-      <p:pic>
-        <p:nvPicPr>
-          <p:cNvPr id="8" name="Grafik 7">
-            <a:extLst>
-              <a:ext uri="{FF2B5EF4-FFF2-40B4-BE49-F238E27FC236}">
-                <a16:creationId xmlns:a16="http://schemas.microsoft.com/office/drawing/2014/main" id="{F8F3F7CA-32E0-4C54-8871-FD67CAB0A2A8}"/>
-              </a:ext>
-            </a:extLst>
-          </p:cNvPr>
-          <p:cNvPicPr>
-            <a:picLocks noChangeAspect="1"/>
-          </p:cNvPicPr>
+      <p:sp>
+        <p:nvSpPr>
+          <p:cNvPr id="8" name="Textfeld 7">
+            <a:extLst>
+              <a:ext uri="{FF2B5EF4-FFF2-40B4-BE49-F238E27FC236}">
+                <a16:creationId xmlns:a16="http://schemas.microsoft.com/office/drawing/2014/main" id="{0D4C9887-50AB-4686-94FF-DCFD85A27939}"/>
+              </a:ext>
+            </a:extLst>
+          </p:cNvPr>
+          <p:cNvSpPr txBox="1"/>
           <p:nvPr/>
-        </p:nvPicPr>
-        <p:blipFill>
-          <a:blip r:embed="rId3">
-            <a:extLst>
-              <a:ext uri="{28A0092B-C50C-407E-A947-70E740481C1C}">
-                <a14:useLocalDpi xmlns:a14="http://schemas.microsoft.com/office/drawing/2010/main" val="0"/>
-              </a:ext>
-            </a:extLst>
-          </a:blip>
-          <a:stretch>
-            <a:fillRect/>
-          </a:stretch>
-        </p:blipFill>
+        </p:nvSpPr>
         <p:spPr>
           <a:xfrm>
-            <a:off x="430213" y="3941346"/>
-            <a:ext cx="3887369" cy="1843724"/>
+            <a:off x="2935077" y="5826779"/>
+            <a:ext cx="7128792" cy="369332"/>
           </a:xfrm>
           <a:prstGeom prst="rect">
             <a:avLst/>
           </a:prstGeom>
+          <a:noFill/>
         </p:spPr>
-      </p:pic>
-      <p:pic>
-        <p:nvPicPr>
-          <p:cNvPr id="9" name="Grafik 8">
-            <a:extLst>
-              <a:ext uri="{FF2B5EF4-FFF2-40B4-BE49-F238E27FC236}">
-                <a16:creationId xmlns:a16="http://schemas.microsoft.com/office/drawing/2014/main" id="{0435FEEA-0B13-44FB-A367-342EC84D6421}"/>
-              </a:ext>
-            </a:extLst>
-          </p:cNvPr>
-          <p:cNvPicPr>
-            <a:picLocks noChangeAspect="1"/>
-          </p:cNvPicPr>
-          <p:nvPr/>
-        </p:nvPicPr>
-        <p:blipFill>
-          <a:blip r:embed="rId4">
-            <a:extLst>
-              <a:ext uri="{28A0092B-C50C-407E-A947-70E740481C1C}">
-                <a14:useLocalDpi xmlns:a14="http://schemas.microsoft.com/office/drawing/2010/main" val="0"/>
-              </a:ext>
-            </a:extLst>
-          </a:blip>
-          <a:stretch>
-            <a:fillRect/>
-          </a:stretch>
-        </p:blipFill>
-        <p:spPr>
-          <a:xfrm>
-            <a:off x="5004048" y="3570859"/>
-            <a:ext cx="2066032" cy="2556971"/>
-          </a:xfrm>
-          <a:prstGeom prst="rect">
-            <a:avLst/>
-          </a:prstGeom>
-        </p:spPr>
-      </p:pic>
+        <p:txBody>
+          <a:bodyPr wrap="square" rtlCol="0">
+            <a:spAutoFit/>
+          </a:bodyPr>
+          <a:lstStyle/>
+          <a:p>
+            <a:r>
+              <a:rPr lang="de-DE" sz="900" b="0" dirty="0"/>
+              <a:t>Source: ACHIEVING </a:t>
+            </a:r>
+            <a:r>
+              <a:rPr lang="de-DE" sz="900" b="0" i="1" dirty="0"/>
+              <a:t>k</a:t>
+            </a:r>
+            <a:r>
+              <a:rPr lang="de-DE" sz="900" b="0" dirty="0"/>
+              <a:t>-ANONYMITY PRIVACY PROTECTION</a:t>
+            </a:r>
+          </a:p>
+          <a:p>
+            <a:r>
+              <a:rPr lang="de-DE" sz="900" b="0" dirty="0"/>
+              <a:t>USING GENERALIZATION AND SUPPRESSION: Sweeney 2002</a:t>
+            </a:r>
+          </a:p>
+        </p:txBody>
+      </p:sp>
     </p:spTree>
     <p:extLst>
       <p:ext uri="{BB962C8B-B14F-4D97-AF65-F5344CB8AC3E}">
-        <p14:creationId xmlns:p14="http://schemas.microsoft.com/office/powerpoint/2010/main" val="1624472290"/>
+        <p14:creationId xmlns:p14="http://schemas.microsoft.com/office/powerpoint/2010/main" val="1303133818"/>
       </p:ext>
     </p:extLst>
   </p:cSld>
@@ -9184,7 +9024,7 @@
           <p:cNvPr id="7" name="Grafik 6">
             <a:extLst>
               <a:ext uri="{FF2B5EF4-FFF2-40B4-BE49-F238E27FC236}">
-                <a16:creationId xmlns:a16="http://schemas.microsoft.com/office/drawing/2014/main" id="{CEFAB84D-C3D4-4914-AD65-3F5CDC7E38B9}"/>
+                <a16:creationId xmlns:a16="http://schemas.microsoft.com/office/drawing/2014/main" id="{A8156BB6-EC70-48A0-9B51-DFE5080A303E}"/>
               </a:ext>
             </a:extLst>
           </p:cNvPr>
@@ -9201,8 +9041,8 @@
         </p:blipFill>
         <p:spPr>
           <a:xfrm>
-            <a:off x="5023032" y="3976432"/>
-            <a:ext cx="2990850" cy="1762125"/>
+            <a:off x="373063" y="980728"/>
+            <a:ext cx="6766923" cy="3802366"/>
           </a:xfrm>
           <a:prstGeom prst="rect">
             <a:avLst/>
@@ -9211,105 +9051,10 @@
       </p:pic>
       <p:sp>
         <p:nvSpPr>
-          <p:cNvPr id="2" name="Textplatzhalter 1">
-            <a:extLst>
-              <a:ext uri="{FF2B5EF4-FFF2-40B4-BE49-F238E27FC236}">
-                <a16:creationId xmlns:a16="http://schemas.microsoft.com/office/drawing/2014/main" id="{7C32DD69-3EF5-415C-990C-1E48C3A326C4}"/>
-              </a:ext>
-            </a:extLst>
-          </p:cNvPr>
-          <p:cNvSpPr>
-            <a:spLocks noGrp="1"/>
-          </p:cNvSpPr>
-          <p:nvPr>
-            <p:ph type="body" sz="quarter" idx="13"/>
-          </p:nvPr>
-        </p:nvSpPr>
-        <p:spPr/>
-        <p:txBody>
-          <a:bodyPr/>
-          <a:lstStyle/>
-          <a:p>
-            <a:r>
-              <a:rPr lang="en-US" dirty="0"/>
-              <a:t>Generalizing: a value is replaced by a less specific, more general value </a:t>
-            </a:r>
-          </a:p>
-          <a:p>
-            <a:r>
-              <a:rPr lang="en-US" dirty="0"/>
-              <a:t>Generalization include Suppression</a:t>
-            </a:r>
-          </a:p>
-          <a:p>
-            <a:r>
-              <a:rPr lang="en-US" dirty="0"/>
-              <a:t>Suppression refers to removing a certain attribute value</a:t>
-            </a:r>
-            <a:endParaRPr lang="en-US" i="1" dirty="0"/>
-          </a:p>
-          <a:p>
-            <a:r>
-              <a:rPr lang="en-US" dirty="0"/>
-              <a:t>Some </a:t>
-            </a:r>
-            <a:r>
-              <a:rPr lang="de-DE" dirty="0" err="1"/>
-              <a:t>Algorithm</a:t>
-            </a:r>
-            <a:r>
-              <a:rPr lang="en-US" dirty="0"/>
-              <a:t> work with </a:t>
-            </a:r>
-            <a:r>
-              <a:rPr lang="en-US" dirty="0" err="1"/>
-              <a:t>MaxSup</a:t>
-            </a:r>
-            <a:endParaRPr lang="en-US" dirty="0"/>
-          </a:p>
-          <a:p>
-            <a:r>
-              <a:rPr lang="en-US" dirty="0"/>
-              <a:t>There is no </a:t>
-            </a:r>
-            <a:r>
-              <a:rPr lang="en-US" dirty="0" err="1"/>
-              <a:t>compination</a:t>
-            </a:r>
-            <a:r>
-              <a:rPr lang="en-US" dirty="0"/>
-              <a:t> between optimal k-anonymity and </a:t>
-            </a:r>
-            <a:r>
-              <a:rPr lang="en-US" dirty="0" err="1"/>
-              <a:t>dataquality</a:t>
-            </a:r>
-            <a:endParaRPr lang="en-US" dirty="0"/>
-          </a:p>
-          <a:p>
-            <a:r>
-              <a:rPr lang="en-US" dirty="0"/>
-              <a:t>Problem: Suppression can drastically</a:t>
-            </a:r>
-          </a:p>
-          <a:p>
-            <a:pPr marL="0" indent="0">
-              <a:buNone/>
-            </a:pPr>
-            <a:r>
-              <a:rPr lang="en-US" dirty="0"/>
-              <a:t>   reduce data quality</a:t>
-            </a:r>
-            <a:endParaRPr lang="de-DE" dirty="0"/>
-          </a:p>
-        </p:txBody>
-      </p:sp>
-      <p:sp>
-        <p:nvSpPr>
           <p:cNvPr id="3" name="Datumsplatzhalter 2">
             <a:extLst>
               <a:ext uri="{FF2B5EF4-FFF2-40B4-BE49-F238E27FC236}">
-                <a16:creationId xmlns:a16="http://schemas.microsoft.com/office/drawing/2014/main" id="{3B376E2D-21B0-4BCB-B6B7-6911665926D4}"/>
+                <a16:creationId xmlns:a16="http://schemas.microsoft.com/office/drawing/2014/main" id="{E43159F1-4B2B-4D8A-85F3-BE6869DA49B7}"/>
               </a:ext>
             </a:extLst>
           </p:cNvPr>
@@ -9338,7 +9083,7 @@
           <p:cNvPr id="4" name="Fußzeilenplatzhalter 3">
             <a:extLst>
               <a:ext uri="{FF2B5EF4-FFF2-40B4-BE49-F238E27FC236}">
-                <a16:creationId xmlns:a16="http://schemas.microsoft.com/office/drawing/2014/main" id="{7F4344EE-8113-4041-BDC8-BFC34AA277B9}"/>
+                <a16:creationId xmlns:a16="http://schemas.microsoft.com/office/drawing/2014/main" id="{B03DDF20-3961-43D3-A811-B75326A33DE3}"/>
               </a:ext>
             </a:extLst>
           </p:cNvPr>
@@ -9367,7 +9112,7 @@
           <p:cNvPr id="5" name="Foliennummernplatzhalter 4">
             <a:extLst>
               <a:ext uri="{FF2B5EF4-FFF2-40B4-BE49-F238E27FC236}">
-                <a16:creationId xmlns:a16="http://schemas.microsoft.com/office/drawing/2014/main" id="{AE20C96D-28EE-47F2-8898-160717279F6F}"/>
+                <a16:creationId xmlns:a16="http://schemas.microsoft.com/office/drawing/2014/main" id="{87F80F08-6213-4E62-BB1A-D9FADB986BAD}"/>
               </a:ext>
             </a:extLst>
           </p:cNvPr>
@@ -9397,7 +9142,7 @@
           <p:cNvPr id="6" name="Titel 5">
             <a:extLst>
               <a:ext uri="{FF2B5EF4-FFF2-40B4-BE49-F238E27FC236}">
-                <a16:creationId xmlns:a16="http://schemas.microsoft.com/office/drawing/2014/main" id="{F4C53128-9BE4-4961-B2C1-5007447E2543}"/>
+                <a16:creationId xmlns:a16="http://schemas.microsoft.com/office/drawing/2014/main" id="{BD79206F-6FDA-472B-A9F3-982A455FAE6A}"/>
               </a:ext>
             </a:extLst>
           </p:cNvPr>
@@ -9414,28 +9159,8 @@
           <a:lstStyle/>
           <a:p>
             <a:r>
-              <a:rPr lang="de-DE" dirty="0"/>
-              <a:t>K-</a:t>
-            </a:r>
-            <a:r>
-              <a:rPr lang="de-DE" dirty="0" err="1"/>
-              <a:t>Anonymity</a:t>
-            </a:r>
-            <a:r>
-              <a:rPr lang="de-DE" dirty="0"/>
-              <a:t> </a:t>
-            </a:r>
-            <a:r>
-              <a:rPr lang="de-DE" dirty="0" err="1"/>
-              <a:t>Generalization</a:t>
-            </a:r>
-            <a:r>
-              <a:rPr lang="de-DE" dirty="0"/>
-              <a:t> and </a:t>
-            </a:r>
-            <a:r>
-              <a:rPr lang="de-DE" dirty="0" err="1"/>
-              <a:t>Supression</a:t>
+              <a:rPr lang="de-DE"/>
+              <a:t>K-Anonymity - Generalizations lattice</a:t>
             </a:r>
             <a:endParaRPr lang="de-DE" dirty="0"/>
           </a:p>
@@ -9446,7 +9171,7 @@
           <p:cNvPr id="8" name="Textfeld 7">
             <a:extLst>
               <a:ext uri="{FF2B5EF4-FFF2-40B4-BE49-F238E27FC236}">
-                <a16:creationId xmlns:a16="http://schemas.microsoft.com/office/drawing/2014/main" id="{0D4C9887-50AB-4686-94FF-DCFD85A27939}"/>
+                <a16:creationId xmlns:a16="http://schemas.microsoft.com/office/drawing/2014/main" id="{7D761876-F2DC-4D42-B3C9-6CAD0DBAA104}"/>
               </a:ext>
             </a:extLst>
           </p:cNvPr>
@@ -9455,8 +9180,8 @@
         </p:nvSpPr>
         <p:spPr>
           <a:xfrm>
-            <a:off x="2935077" y="5826779"/>
-            <a:ext cx="7128792" cy="369332"/>
+            <a:off x="430213" y="4802511"/>
+            <a:ext cx="10248904" cy="246221"/>
           </a:xfrm>
           <a:prstGeom prst="rect">
             <a:avLst/>
@@ -9469,23 +9194,74 @@
           </a:bodyPr>
           <a:lstStyle/>
           <a:p>
-            <a:r>
-              <a:rPr lang="de-DE" sz="900" b="0" dirty="0"/>
-              <a:t>Source: ACHIEVING </a:t>
-            </a:r>
-            <a:r>
-              <a:rPr lang="de-DE" sz="900" b="0" i="1" dirty="0"/>
-              <a:t>k</a:t>
-            </a:r>
-            <a:r>
-              <a:rPr lang="de-DE" sz="900" b="0" dirty="0"/>
-              <a:t>-ANONYMITY PRIVACY PROTECTION</a:t>
-            </a:r>
-          </a:p>
-          <a:p>
-            <a:r>
-              <a:rPr lang="de-DE" sz="900" b="0" dirty="0"/>
-              <a:t>USING GENERALIZATION AND SUPPRESSION: Sweeney 2002</a:t>
+            <a:pPr algn="l"/>
+            <a:r>
+              <a:rPr lang="de-DE" sz="1000" dirty="0"/>
+              <a:t>Source: </a:t>
+            </a:r>
+            <a:r>
+              <a:rPr lang="en-US" sz="1000" b="0" dirty="0"/>
+              <a:t>A Globally Optimal k-Anonymity Method for the </a:t>
+            </a:r>
+            <a:r>
+              <a:rPr lang="de-DE" sz="1000" b="0" dirty="0"/>
+              <a:t>De-</a:t>
+            </a:r>
+            <a:r>
+              <a:rPr lang="de-DE" sz="1000" b="0" dirty="0" err="1"/>
+              <a:t>Identification</a:t>
+            </a:r>
+            <a:r>
+              <a:rPr lang="de-DE" sz="1000" b="0" dirty="0"/>
+              <a:t> </a:t>
+            </a:r>
+            <a:r>
+              <a:rPr lang="de-DE" sz="1000" b="0" dirty="0" err="1"/>
+              <a:t>of</a:t>
+            </a:r>
+            <a:r>
+              <a:rPr lang="de-DE" sz="1000" b="0" dirty="0"/>
+              <a:t> Health Data:</a:t>
+            </a:r>
+            <a:r>
+              <a:rPr lang="pl-PL" sz="1000" b="0" dirty="0"/>
+              <a:t>16:670–682. DOI 10.1197/jamia.M3144.</a:t>
+            </a:r>
+            <a:endParaRPr lang="de-DE" sz="1000" dirty="0"/>
+          </a:p>
+        </p:txBody>
+      </p:sp>
+      <p:sp>
+        <p:nvSpPr>
+          <p:cNvPr id="2" name="Textfeld 1">
+            <a:extLst>
+              <a:ext uri="{FF2B5EF4-FFF2-40B4-BE49-F238E27FC236}">
+                <a16:creationId xmlns:a16="http://schemas.microsoft.com/office/drawing/2014/main" id="{E42CD5B6-2AC4-4E7D-B383-30C2611366DC}"/>
+              </a:ext>
+            </a:extLst>
+          </p:cNvPr>
+          <p:cNvSpPr txBox="1"/>
+          <p:nvPr/>
+        </p:nvSpPr>
+        <p:spPr>
+          <a:xfrm>
+            <a:off x="1668292" y="5394051"/>
+            <a:ext cx="4176464" cy="369332"/>
+          </a:xfrm>
+          <a:prstGeom prst="rect">
+            <a:avLst/>
+          </a:prstGeom>
+          <a:noFill/>
+        </p:spPr>
+        <p:txBody>
+          <a:bodyPr wrap="square" rtlCol="0">
+            <a:spAutoFit/>
+          </a:bodyPr>
+          <a:lstStyle/>
+          <a:p>
+            <a:r>
+              <a:rPr lang="de-DE" dirty="0"/>
+              <a:t>&lt;d1,g0,a4&gt;</a:t>
             </a:r>
           </a:p>
         </p:txBody>
@@ -9493,7 +9269,7 @@
     </p:spTree>
     <p:extLst>
       <p:ext uri="{BB962C8B-B14F-4D97-AF65-F5344CB8AC3E}">
-        <p14:creationId xmlns:p14="http://schemas.microsoft.com/office/powerpoint/2010/main" val="1303133818"/>
+        <p14:creationId xmlns:p14="http://schemas.microsoft.com/office/powerpoint/2010/main" val="1502828464"/>
       </p:ext>
     </p:extLst>
   </p:cSld>
@@ -9520,12 +9296,222 @@
           <a:chExt cx="0" cy="0"/>
         </a:xfrm>
       </p:grpSpPr>
+      <p:sp>
+        <p:nvSpPr>
+          <p:cNvPr id="2" name="Textplatzhalter 1">
+            <a:extLst>
+              <a:ext uri="{FF2B5EF4-FFF2-40B4-BE49-F238E27FC236}">
+                <a16:creationId xmlns:a16="http://schemas.microsoft.com/office/drawing/2014/main" id="{E3D17F9A-0A39-4F75-854E-40B22C4A2CA6}"/>
+              </a:ext>
+            </a:extLst>
+          </p:cNvPr>
+          <p:cNvSpPr>
+            <a:spLocks noGrp="1"/>
+          </p:cNvSpPr>
+          <p:nvPr>
+            <p:ph type="body" sz="quarter" idx="13"/>
+          </p:nvPr>
+        </p:nvSpPr>
+        <p:spPr/>
+        <p:txBody>
+          <a:bodyPr/>
+          <a:lstStyle/>
+          <a:p>
+            <a:r>
+              <a:rPr lang="en-US" dirty="0"/>
+              <a:t>Lowest lattice height</a:t>
+            </a:r>
+          </a:p>
+          <a:p>
+            <a:r>
+              <a:rPr lang="en-US" dirty="0" err="1"/>
+              <a:t>Prec</a:t>
+            </a:r>
+            <a:r>
+              <a:rPr lang="en-US" dirty="0"/>
+              <a:t>: takes lattice height into account</a:t>
+            </a:r>
+          </a:p>
+          <a:p>
+            <a:r>
+              <a:rPr lang="de-DE" dirty="0" err="1"/>
+              <a:t>Discernability</a:t>
+            </a:r>
+            <a:r>
+              <a:rPr lang="de-DE" dirty="0"/>
+              <a:t> </a:t>
+            </a:r>
+            <a:r>
+              <a:rPr lang="de-DE" dirty="0" err="1"/>
+              <a:t>Metric</a:t>
+            </a:r>
+            <a:r>
+              <a:rPr lang="de-DE" dirty="0"/>
+              <a:t>(DM).</a:t>
+            </a:r>
+          </a:p>
+          <a:p>
+            <a:r>
+              <a:rPr lang="de-DE" dirty="0"/>
+              <a:t>Different </a:t>
+            </a:r>
+            <a:r>
+              <a:rPr lang="de-DE" dirty="0" err="1"/>
+              <a:t>Metrics</a:t>
+            </a:r>
+            <a:r>
+              <a:rPr lang="de-DE" dirty="0"/>
+              <a:t> – Different Information </a:t>
+            </a:r>
+            <a:r>
+              <a:rPr lang="de-DE" dirty="0" err="1"/>
+              <a:t>loss</a:t>
+            </a:r>
+            <a:endParaRPr lang="de-DE" dirty="0"/>
+          </a:p>
+          <a:p>
+            <a:pPr marL="0" indent="0">
+              <a:buNone/>
+            </a:pPr>
+            <a:endParaRPr lang="en-US" dirty="0"/>
+          </a:p>
+          <a:p>
+            <a:pPr marL="0" indent="0">
+              <a:buNone/>
+            </a:pPr>
+            <a:endParaRPr lang="de-DE" dirty="0"/>
+          </a:p>
+          <a:p>
+            <a:pPr marL="0" indent="0">
+              <a:buNone/>
+            </a:pPr>
+            <a:endParaRPr lang="de-DE" dirty="0"/>
+          </a:p>
+        </p:txBody>
+      </p:sp>
+      <p:sp>
+        <p:nvSpPr>
+          <p:cNvPr id="3" name="Datumsplatzhalter 2">
+            <a:extLst>
+              <a:ext uri="{FF2B5EF4-FFF2-40B4-BE49-F238E27FC236}">
+                <a16:creationId xmlns:a16="http://schemas.microsoft.com/office/drawing/2014/main" id="{A68384B8-66CF-4BD3-A5AB-E87867EF3C2B}"/>
+              </a:ext>
+            </a:extLst>
+          </p:cNvPr>
+          <p:cNvSpPr>
+            <a:spLocks noGrp="1"/>
+          </p:cNvSpPr>
+          <p:nvPr>
+            <p:ph type="dt" sz="half" idx="14"/>
+          </p:nvPr>
+        </p:nvSpPr>
+        <p:spPr/>
+        <p:txBody>
+          <a:bodyPr/>
+          <a:lstStyle/>
+          <a:p>
+            <a:r>
+              <a:rPr lang="de-DE"/>
+              <a:t>30.01.2018</a:t>
+            </a:r>
+            <a:endParaRPr lang="de-DE" dirty="0"/>
+          </a:p>
+        </p:txBody>
+      </p:sp>
+      <p:sp>
+        <p:nvSpPr>
+          <p:cNvPr id="4" name="Fußzeilenplatzhalter 3">
+            <a:extLst>
+              <a:ext uri="{FF2B5EF4-FFF2-40B4-BE49-F238E27FC236}">
+                <a16:creationId xmlns:a16="http://schemas.microsoft.com/office/drawing/2014/main" id="{7E2CE6D8-D5D6-4A15-A2C8-3CA027F30E15}"/>
+              </a:ext>
+            </a:extLst>
+          </p:cNvPr>
+          <p:cNvSpPr>
+            <a:spLocks noGrp="1"/>
+          </p:cNvSpPr>
+          <p:nvPr>
+            <p:ph type="ftr" sz="quarter" idx="15"/>
+          </p:nvPr>
+        </p:nvSpPr>
+        <p:spPr/>
+        <p:txBody>
+          <a:bodyPr/>
+          <a:lstStyle/>
+          <a:p>
+            <a:r>
+              <a:rPr lang="de-DE"/>
+              <a:t>Schallner Ludwig, Wiegnand Andreas</a:t>
+            </a:r>
+            <a:endParaRPr lang="de-DE" dirty="0"/>
+          </a:p>
+        </p:txBody>
+      </p:sp>
+      <p:sp>
+        <p:nvSpPr>
+          <p:cNvPr id="5" name="Foliennummernplatzhalter 4">
+            <a:extLst>
+              <a:ext uri="{FF2B5EF4-FFF2-40B4-BE49-F238E27FC236}">
+                <a16:creationId xmlns:a16="http://schemas.microsoft.com/office/drawing/2014/main" id="{7A8DDBC5-B170-46EA-8A07-9B5F1BA12FA5}"/>
+              </a:ext>
+            </a:extLst>
+          </p:cNvPr>
+          <p:cNvSpPr>
+            <a:spLocks noGrp="1"/>
+          </p:cNvSpPr>
+          <p:nvPr>
+            <p:ph type="sldNum" sz="quarter" idx="16"/>
+          </p:nvPr>
+        </p:nvSpPr>
+        <p:spPr/>
+        <p:txBody>
+          <a:bodyPr/>
+          <a:lstStyle/>
+          <a:p>
+            <a:fld id="{50E76E58-F275-47A3-BB17-470016A267B6}" type="slidenum">
+              <a:rPr lang="de-DE" smtClean="0"/>
+              <a:pPr/>
+              <a:t>15</a:t>
+            </a:fld>
+            <a:endParaRPr lang="de-DE"/>
+          </a:p>
+        </p:txBody>
+      </p:sp>
+      <p:sp>
+        <p:nvSpPr>
+          <p:cNvPr id="6" name="Titel 5">
+            <a:extLst>
+              <a:ext uri="{FF2B5EF4-FFF2-40B4-BE49-F238E27FC236}">
+                <a16:creationId xmlns:a16="http://schemas.microsoft.com/office/drawing/2014/main" id="{978BDDAC-E0CA-49BD-8B75-08F55695DBC8}"/>
+              </a:ext>
+            </a:extLst>
+          </p:cNvPr>
+          <p:cNvSpPr>
+            <a:spLocks noGrp="1"/>
+          </p:cNvSpPr>
+          <p:nvPr>
+            <p:ph type="title"/>
+          </p:nvPr>
+        </p:nvSpPr>
+        <p:spPr/>
+        <p:txBody>
+          <a:bodyPr/>
+          <a:lstStyle/>
+          <a:p>
+            <a:r>
+              <a:rPr lang="de-DE"/>
+              <a:t>K-Anonymity - Information Loss Metric</a:t>
+            </a:r>
+            <a:endParaRPr lang="de-DE" dirty="0"/>
+          </a:p>
+        </p:txBody>
+      </p:sp>
       <p:pic>
         <p:nvPicPr>
           <p:cNvPr id="7" name="Grafik 6">
             <a:extLst>
               <a:ext uri="{FF2B5EF4-FFF2-40B4-BE49-F238E27FC236}">
-                <a16:creationId xmlns:a16="http://schemas.microsoft.com/office/drawing/2014/main" id="{A8156BB6-EC70-48A0-9B51-DFE5080A303E}"/>
+                <a16:creationId xmlns:a16="http://schemas.microsoft.com/office/drawing/2014/main" id="{652409B3-E46E-4825-A8DE-064BAEAEA685}"/>
               </a:ext>
             </a:extLst>
           </p:cNvPr>
@@ -9542,8 +9528,8 @@
         </p:blipFill>
         <p:spPr>
           <a:xfrm>
-            <a:off x="373063" y="980728"/>
-            <a:ext cx="6766923" cy="3802366"/>
+            <a:off x="668360" y="2848323"/>
+            <a:ext cx="7065494" cy="2577168"/>
           </a:xfrm>
           <a:prstGeom prst="rect">
             <a:avLst/>
@@ -9552,127 +9538,10 @@
       </p:pic>
       <p:sp>
         <p:nvSpPr>
-          <p:cNvPr id="3" name="Datumsplatzhalter 2">
-            <a:extLst>
-              <a:ext uri="{FF2B5EF4-FFF2-40B4-BE49-F238E27FC236}">
-                <a16:creationId xmlns:a16="http://schemas.microsoft.com/office/drawing/2014/main" id="{E43159F1-4B2B-4D8A-85F3-BE6869DA49B7}"/>
-              </a:ext>
-            </a:extLst>
-          </p:cNvPr>
-          <p:cNvSpPr>
-            <a:spLocks noGrp="1"/>
-          </p:cNvSpPr>
-          <p:nvPr>
-            <p:ph type="dt" sz="half" idx="14"/>
-          </p:nvPr>
-        </p:nvSpPr>
-        <p:spPr/>
-        <p:txBody>
-          <a:bodyPr/>
-          <a:lstStyle/>
-          <a:p>
-            <a:r>
-              <a:rPr lang="de-DE"/>
-              <a:t>30.01.2018</a:t>
-            </a:r>
-            <a:endParaRPr lang="de-DE" dirty="0"/>
-          </a:p>
-        </p:txBody>
-      </p:sp>
-      <p:sp>
-        <p:nvSpPr>
-          <p:cNvPr id="4" name="Fußzeilenplatzhalter 3">
-            <a:extLst>
-              <a:ext uri="{FF2B5EF4-FFF2-40B4-BE49-F238E27FC236}">
-                <a16:creationId xmlns:a16="http://schemas.microsoft.com/office/drawing/2014/main" id="{B03DDF20-3961-43D3-A811-B75326A33DE3}"/>
-              </a:ext>
-            </a:extLst>
-          </p:cNvPr>
-          <p:cNvSpPr>
-            <a:spLocks noGrp="1"/>
-          </p:cNvSpPr>
-          <p:nvPr>
-            <p:ph type="ftr" sz="quarter" idx="15"/>
-          </p:nvPr>
-        </p:nvSpPr>
-        <p:spPr/>
-        <p:txBody>
-          <a:bodyPr/>
-          <a:lstStyle/>
-          <a:p>
-            <a:r>
-              <a:rPr lang="de-DE"/>
-              <a:t>Schallner Ludwig, Wiegnand Andreas</a:t>
-            </a:r>
-            <a:endParaRPr lang="de-DE" dirty="0"/>
-          </a:p>
-        </p:txBody>
-      </p:sp>
-      <p:sp>
-        <p:nvSpPr>
-          <p:cNvPr id="5" name="Foliennummernplatzhalter 4">
-            <a:extLst>
-              <a:ext uri="{FF2B5EF4-FFF2-40B4-BE49-F238E27FC236}">
-                <a16:creationId xmlns:a16="http://schemas.microsoft.com/office/drawing/2014/main" id="{87F80F08-6213-4E62-BB1A-D9FADB986BAD}"/>
-              </a:ext>
-            </a:extLst>
-          </p:cNvPr>
-          <p:cNvSpPr>
-            <a:spLocks noGrp="1"/>
-          </p:cNvSpPr>
-          <p:nvPr>
-            <p:ph type="sldNum" sz="quarter" idx="16"/>
-          </p:nvPr>
-        </p:nvSpPr>
-        <p:spPr/>
-        <p:txBody>
-          <a:bodyPr/>
-          <a:lstStyle/>
-          <a:p>
-            <a:fld id="{50E76E58-F275-47A3-BB17-470016A267B6}" type="slidenum">
-              <a:rPr lang="de-DE" smtClean="0"/>
-              <a:pPr/>
-              <a:t>15</a:t>
-            </a:fld>
-            <a:endParaRPr lang="de-DE"/>
-          </a:p>
-        </p:txBody>
-      </p:sp>
-      <p:sp>
-        <p:nvSpPr>
-          <p:cNvPr id="6" name="Titel 5">
-            <a:extLst>
-              <a:ext uri="{FF2B5EF4-FFF2-40B4-BE49-F238E27FC236}">
-                <a16:creationId xmlns:a16="http://schemas.microsoft.com/office/drawing/2014/main" id="{BD79206F-6FDA-472B-A9F3-982A455FAE6A}"/>
-              </a:ext>
-            </a:extLst>
-          </p:cNvPr>
-          <p:cNvSpPr>
-            <a:spLocks noGrp="1"/>
-          </p:cNvSpPr>
-          <p:nvPr>
-            <p:ph type="title"/>
-          </p:nvPr>
-        </p:nvSpPr>
-        <p:spPr/>
-        <p:txBody>
-          <a:bodyPr/>
-          <a:lstStyle/>
-          <a:p>
-            <a:r>
-              <a:rPr lang="de-DE"/>
-              <a:t>K-Anonymity - Generalizations lattice</a:t>
-            </a:r>
-            <a:endParaRPr lang="de-DE" dirty="0"/>
-          </a:p>
-        </p:txBody>
-      </p:sp>
-      <p:sp>
-        <p:nvSpPr>
           <p:cNvPr id="8" name="Textfeld 7">
             <a:extLst>
               <a:ext uri="{FF2B5EF4-FFF2-40B4-BE49-F238E27FC236}">
-                <a16:creationId xmlns:a16="http://schemas.microsoft.com/office/drawing/2014/main" id="{7D761876-F2DC-4D42-B3C9-6CAD0DBAA104}"/>
+                <a16:creationId xmlns:a16="http://schemas.microsoft.com/office/drawing/2014/main" id="{1C378987-F385-49DB-A546-BCC508685BD5}"/>
               </a:ext>
             </a:extLst>
           </p:cNvPr>
@@ -9681,7 +9550,7 @@
         </p:nvSpPr>
         <p:spPr>
           <a:xfrm>
-            <a:off x="430213" y="4802511"/>
+            <a:off x="665345" y="5334123"/>
             <a:ext cx="10248904" cy="246221"/>
           </a:xfrm>
           <a:prstGeom prst="rect">
@@ -9732,45 +9601,10 @@
           </a:p>
         </p:txBody>
       </p:sp>
-      <p:sp>
-        <p:nvSpPr>
-          <p:cNvPr id="2" name="Textfeld 1">
-            <a:extLst>
-              <a:ext uri="{FF2B5EF4-FFF2-40B4-BE49-F238E27FC236}">
-                <a16:creationId xmlns:a16="http://schemas.microsoft.com/office/drawing/2014/main" id="{E42CD5B6-2AC4-4E7D-B383-30C2611366DC}"/>
-              </a:ext>
-            </a:extLst>
-          </p:cNvPr>
-          <p:cNvSpPr txBox="1"/>
-          <p:nvPr/>
-        </p:nvSpPr>
-        <p:spPr>
-          <a:xfrm>
-            <a:off x="1668292" y="5394051"/>
-            <a:ext cx="4176464" cy="369332"/>
-          </a:xfrm>
-          <a:prstGeom prst="rect">
-            <a:avLst/>
-          </a:prstGeom>
-          <a:noFill/>
-        </p:spPr>
-        <p:txBody>
-          <a:bodyPr wrap="square" rtlCol="0">
-            <a:spAutoFit/>
-          </a:bodyPr>
-          <a:lstStyle/>
-          <a:p>
-            <a:r>
-              <a:rPr lang="de-DE" dirty="0"/>
-              <a:t>&lt;d1,g0,a4&gt;</a:t>
-            </a:r>
-          </a:p>
-        </p:txBody>
-      </p:sp>
     </p:spTree>
     <p:extLst>
       <p:ext uri="{BB962C8B-B14F-4D97-AF65-F5344CB8AC3E}">
-        <p14:creationId xmlns:p14="http://schemas.microsoft.com/office/powerpoint/2010/main" val="1502828464"/>
+        <p14:creationId xmlns:p14="http://schemas.microsoft.com/office/powerpoint/2010/main" val="3541022022"/>
       </p:ext>
     </p:extLst>
   </p:cSld>
@@ -9941,6 +9775,71 @@
               <a:t>K-Anonymity - Generalizations lattice con‘t</a:t>
             </a:r>
             <a:endParaRPr lang="de-DE" dirty="0"/>
+          </a:p>
+        </p:txBody>
+      </p:sp>
+      <p:sp>
+        <p:nvSpPr>
+          <p:cNvPr id="8" name="Textfeld 7">
+            <a:extLst>
+              <a:ext uri="{FF2B5EF4-FFF2-40B4-BE49-F238E27FC236}">
+                <a16:creationId xmlns:a16="http://schemas.microsoft.com/office/drawing/2014/main" id="{41AD45E4-475E-42E0-A5D1-579C76C35F48}"/>
+              </a:ext>
+            </a:extLst>
+          </p:cNvPr>
+          <p:cNvSpPr txBox="1"/>
+          <p:nvPr/>
+        </p:nvSpPr>
+        <p:spPr>
+          <a:xfrm>
+            <a:off x="1115616" y="5893022"/>
+            <a:ext cx="10248904" cy="246221"/>
+          </a:xfrm>
+          <a:prstGeom prst="rect">
+            <a:avLst/>
+          </a:prstGeom>
+          <a:noFill/>
+        </p:spPr>
+        <p:txBody>
+          <a:bodyPr wrap="square" rtlCol="0">
+            <a:spAutoFit/>
+          </a:bodyPr>
+          <a:lstStyle/>
+          <a:p>
+            <a:pPr algn="l"/>
+            <a:r>
+              <a:rPr lang="de-DE" sz="1000" dirty="0"/>
+              <a:t>Source: </a:t>
+            </a:r>
+            <a:r>
+              <a:rPr lang="en-US" sz="1000" b="0" dirty="0"/>
+              <a:t>A Globally Optimal k-Anonymity Method for the </a:t>
+            </a:r>
+            <a:r>
+              <a:rPr lang="de-DE" sz="1000" b="0" dirty="0"/>
+              <a:t>De-</a:t>
+            </a:r>
+            <a:r>
+              <a:rPr lang="de-DE" sz="1000" b="0" dirty="0" err="1"/>
+              <a:t>Identification</a:t>
+            </a:r>
+            <a:r>
+              <a:rPr lang="de-DE" sz="1000" b="0" dirty="0"/>
+              <a:t> </a:t>
+            </a:r>
+            <a:r>
+              <a:rPr lang="de-DE" sz="1000" b="0" dirty="0" err="1"/>
+              <a:t>of</a:t>
+            </a:r>
+            <a:r>
+              <a:rPr lang="de-DE" sz="1000" b="0" dirty="0"/>
+              <a:t> Health Data:</a:t>
+            </a:r>
+            <a:r>
+              <a:rPr lang="pl-PL" sz="1000" b="0" dirty="0"/>
+              <a:t>16:670–682. DOI 10.1197/jamia.M3144.</a:t>
+            </a:r>
+            <a:endParaRPr lang="de-DE" sz="1000" dirty="0"/>
           </a:p>
         </p:txBody>
       </p:sp>
@@ -9979,7 +9878,7 @@
           <p:cNvPr id="2" name="Textplatzhalter 1">
             <a:extLst>
               <a:ext uri="{FF2B5EF4-FFF2-40B4-BE49-F238E27FC236}">
-                <a16:creationId xmlns:a16="http://schemas.microsoft.com/office/drawing/2014/main" id="{E3D17F9A-0A39-4F75-854E-40B22C4A2CA6}"/>
+                <a16:creationId xmlns:a16="http://schemas.microsoft.com/office/drawing/2014/main" id="{9E03DEC0-5061-441C-8DF0-3B237B07CBC7}"/>
               </a:ext>
             </a:extLst>
           </p:cNvPr>
@@ -9996,75 +9895,22 @@
           <a:lstStyle/>
           <a:p>
             <a:r>
-              <a:rPr lang="en-US" dirty="0"/>
-              <a:t>Lowest lattice height</a:t>
-            </a:r>
-          </a:p>
-          <a:p>
-            <a:r>
-              <a:rPr lang="en-US" dirty="0"/>
-              <a:t>example</a:t>
-            </a:r>
-          </a:p>
-          <a:p>
-            <a:r>
-              <a:rPr lang="en-US" dirty="0" err="1"/>
-              <a:t>Prec</a:t>
-            </a:r>
-            <a:r>
-              <a:rPr lang="en-US" dirty="0"/>
-              <a:t>: takes lattice height into account</a:t>
-            </a:r>
-          </a:p>
-          <a:p>
-            <a:r>
-              <a:rPr lang="en-US" dirty="0"/>
-              <a:t>example</a:t>
-            </a:r>
-          </a:p>
-          <a:p>
-            <a:r>
-              <a:rPr lang="de-DE" dirty="0" err="1"/>
-              <a:t>Discernability</a:t>
-            </a:r>
-            <a:r>
-              <a:rPr lang="de-DE" dirty="0"/>
-              <a:t> </a:t>
-            </a:r>
-            <a:r>
-              <a:rPr lang="de-DE" dirty="0" err="1"/>
-              <a:t>Metric</a:t>
-            </a:r>
-            <a:r>
-              <a:rPr lang="de-DE" dirty="0"/>
-              <a:t> </a:t>
-            </a:r>
-            <a:r>
-              <a:rPr lang="de-DE" dirty="0" err="1"/>
-              <a:t>or</a:t>
-            </a:r>
-            <a:r>
-              <a:rPr lang="de-DE" dirty="0"/>
-              <a:t> DM.</a:t>
-            </a:r>
-          </a:p>
-          <a:p>
-            <a:pPr marL="0" indent="0">
-              <a:buNone/>
-            </a:pPr>
-            <a:endParaRPr lang="en-US" dirty="0"/>
-          </a:p>
-          <a:p>
-            <a:pPr marL="0" indent="0">
-              <a:buNone/>
-            </a:pPr>
-            <a:endParaRPr lang="de-DE" dirty="0"/>
-          </a:p>
-          <a:p>
-            <a:pPr marL="0" indent="0">
-              <a:buNone/>
-            </a:pPr>
-            <a:endParaRPr lang="de-DE" dirty="0"/>
+              <a:rPr lang="en-US" sz="1800" dirty="0"/>
+              <a:t>For each generalization strategy, conduct a binary search to find all the k-anonymous nodes.</a:t>
+            </a:r>
+          </a:p>
+          <a:p>
+            <a:r>
+              <a:rPr lang="en-US" sz="1600" dirty="0"/>
+              <a:t>For each generalization strategy with k-anonymous nodes, only the k-anonymous node with the lowest height within the strategy is retained. </a:t>
+            </a:r>
+          </a:p>
+          <a:p>
+            <a:r>
+              <a:rPr lang="en-US" sz="1600" dirty="0"/>
+              <a:t>Now that we have the k-minimal nodes, these are compared n terms of their information loss and the node with the smallest information loss is selected as the globally optimal solution. </a:t>
+            </a:r>
+            <a:endParaRPr lang="de-DE" sz="1600" dirty="0"/>
           </a:p>
         </p:txBody>
       </p:sp>
@@ -10073,7 +9919,7 @@
           <p:cNvPr id="3" name="Datumsplatzhalter 2">
             <a:extLst>
               <a:ext uri="{FF2B5EF4-FFF2-40B4-BE49-F238E27FC236}">
-                <a16:creationId xmlns:a16="http://schemas.microsoft.com/office/drawing/2014/main" id="{A68384B8-66CF-4BD3-A5AB-E87867EF3C2B}"/>
+                <a16:creationId xmlns:a16="http://schemas.microsoft.com/office/drawing/2014/main" id="{20F69655-C41F-4F52-850B-8FF301499162}"/>
               </a:ext>
             </a:extLst>
           </p:cNvPr>
@@ -10102,7 +9948,7 @@
           <p:cNvPr id="4" name="Fußzeilenplatzhalter 3">
             <a:extLst>
               <a:ext uri="{FF2B5EF4-FFF2-40B4-BE49-F238E27FC236}">
-                <a16:creationId xmlns:a16="http://schemas.microsoft.com/office/drawing/2014/main" id="{7E2CE6D8-D5D6-4A15-A2C8-3CA027F30E15}"/>
+                <a16:creationId xmlns:a16="http://schemas.microsoft.com/office/drawing/2014/main" id="{E318F325-191B-4FA6-BB68-C4AE2C79A1B0}"/>
               </a:ext>
             </a:extLst>
           </p:cNvPr>
@@ -10131,7 +9977,7 @@
           <p:cNvPr id="5" name="Foliennummernplatzhalter 4">
             <a:extLst>
               <a:ext uri="{FF2B5EF4-FFF2-40B4-BE49-F238E27FC236}">
-                <a16:creationId xmlns:a16="http://schemas.microsoft.com/office/drawing/2014/main" id="{7A8DDBC5-B170-46EA-8A07-9B5F1BA12FA5}"/>
+                <a16:creationId xmlns:a16="http://schemas.microsoft.com/office/drawing/2014/main" id="{52F8785A-79E1-4080-B4F8-22842F4A41C1}"/>
               </a:ext>
             </a:extLst>
           </p:cNvPr>
@@ -10161,7 +10007,7 @@
           <p:cNvPr id="6" name="Titel 5">
             <a:extLst>
               <a:ext uri="{FF2B5EF4-FFF2-40B4-BE49-F238E27FC236}">
-                <a16:creationId xmlns:a16="http://schemas.microsoft.com/office/drawing/2014/main" id="{978BDDAC-E0CA-49BD-8B75-08F55695DBC8}"/>
+                <a16:creationId xmlns:a16="http://schemas.microsoft.com/office/drawing/2014/main" id="{5BF2ED19-DF37-4BFA-8093-53DD74C853D2}"/>
               </a:ext>
             </a:extLst>
           </p:cNvPr>
@@ -10179,7 +10025,7 @@
           <a:p>
             <a:r>
               <a:rPr lang="de-DE"/>
-              <a:t>K-Anonymity - Information Loss Metric</a:t>
+              <a:t>The OLA Algorithm</a:t>
             </a:r>
             <a:endParaRPr lang="de-DE" dirty="0"/>
           </a:p>
@@ -10190,7 +10036,7 @@
           <p:cNvPr id="7" name="Grafik 6">
             <a:extLst>
               <a:ext uri="{FF2B5EF4-FFF2-40B4-BE49-F238E27FC236}">
-                <a16:creationId xmlns:a16="http://schemas.microsoft.com/office/drawing/2014/main" id="{652409B3-E46E-4825-A8DE-064BAEAEA685}"/>
+                <a16:creationId xmlns:a16="http://schemas.microsoft.com/office/drawing/2014/main" id="{421009AC-7661-4DD2-8EAB-6C820BA58830}"/>
               </a:ext>
             </a:extLst>
           </p:cNvPr>
@@ -10207,8 +10053,8 @@
         </p:blipFill>
         <p:spPr>
           <a:xfrm>
-            <a:off x="1980406" y="3601566"/>
-            <a:ext cx="5768656" cy="2104141"/>
+            <a:off x="4150121" y="2858636"/>
+            <a:ext cx="4504135" cy="3217239"/>
           </a:xfrm>
           <a:prstGeom prst="rect">
             <a:avLst/>
@@ -10218,7 +10064,7 @@
     </p:spTree>
     <p:extLst>
       <p:ext uri="{BB962C8B-B14F-4D97-AF65-F5344CB8AC3E}">
-        <p14:creationId xmlns:p14="http://schemas.microsoft.com/office/powerpoint/2010/main" val="3541022022"/>
+        <p14:creationId xmlns:p14="http://schemas.microsoft.com/office/powerpoint/2010/main" val="323886793"/>
       </p:ext>
     </p:extLst>
   </p:cSld>
@@ -10247,194 +10093,6 @@
       </p:grpSpPr>
       <p:sp>
         <p:nvSpPr>
-          <p:cNvPr id="2" name="Textplatzhalter 1">
-            <a:extLst>
-              <a:ext uri="{FF2B5EF4-FFF2-40B4-BE49-F238E27FC236}">
-                <a16:creationId xmlns:a16="http://schemas.microsoft.com/office/drawing/2014/main" id="{9E03DEC0-5061-441C-8DF0-3B237B07CBC7}"/>
-              </a:ext>
-            </a:extLst>
-          </p:cNvPr>
-          <p:cNvSpPr>
-            <a:spLocks noGrp="1"/>
-          </p:cNvSpPr>
-          <p:nvPr>
-            <p:ph type="body" sz="quarter" idx="13"/>
-          </p:nvPr>
-        </p:nvSpPr>
-        <p:spPr/>
-        <p:txBody>
-          <a:bodyPr/>
-          <a:lstStyle/>
-          <a:p>
-            <a:r>
-              <a:rPr lang="en-US" sz="1800" dirty="0"/>
-              <a:t>For each generalization strategy, conduct a binary search to find all the k-anonymous nodes.</a:t>
-            </a:r>
-          </a:p>
-          <a:p>
-            <a:r>
-              <a:rPr lang="en-US" sz="1600" dirty="0"/>
-              <a:t>For each generalization strategy with k-anonymous nodes, only the k-anonymous node with the lowest height within the strategy is retained. For example, in Figure 2 both nodes d0, g1, a1 and d0, g1, a2 are k-anonymous, but they are both part of the same generalization strategy and d0, g1, a1 is below d0, g1, a2 in the lattice. This means that d0, g1, a1 will have less information loss on all the three metrics we considered. The node d0, g1, a1 is called a k-minimal node. </a:t>
-            </a:r>
-          </a:p>
-          <a:p>
-            <a:r>
-              <a:rPr lang="en-US" sz="1600" dirty="0"/>
-              <a:t>Now that we have the k-minimal nodes, these are compared n terms of their information loss and the node with the smallest information loss is selected as the globally optimal solution. Because of the monotonicity property, the k-minimal node with the smallest information loss must also have the smallest information loss among all k-anonymous nodes in the lattice.</a:t>
-            </a:r>
-            <a:endParaRPr lang="de-DE" sz="1600" dirty="0"/>
-          </a:p>
-        </p:txBody>
-      </p:sp>
-      <p:sp>
-        <p:nvSpPr>
-          <p:cNvPr id="3" name="Datumsplatzhalter 2">
-            <a:extLst>
-              <a:ext uri="{FF2B5EF4-FFF2-40B4-BE49-F238E27FC236}">
-                <a16:creationId xmlns:a16="http://schemas.microsoft.com/office/drawing/2014/main" id="{20F69655-C41F-4F52-850B-8FF301499162}"/>
-              </a:ext>
-            </a:extLst>
-          </p:cNvPr>
-          <p:cNvSpPr>
-            <a:spLocks noGrp="1"/>
-          </p:cNvSpPr>
-          <p:nvPr>
-            <p:ph type="dt" sz="half" idx="14"/>
-          </p:nvPr>
-        </p:nvSpPr>
-        <p:spPr/>
-        <p:txBody>
-          <a:bodyPr/>
-          <a:lstStyle/>
-          <a:p>
-            <a:r>
-              <a:rPr lang="de-DE"/>
-              <a:t>30.01.2018</a:t>
-            </a:r>
-            <a:endParaRPr lang="de-DE" dirty="0"/>
-          </a:p>
-        </p:txBody>
-      </p:sp>
-      <p:sp>
-        <p:nvSpPr>
-          <p:cNvPr id="4" name="Fußzeilenplatzhalter 3">
-            <a:extLst>
-              <a:ext uri="{FF2B5EF4-FFF2-40B4-BE49-F238E27FC236}">
-                <a16:creationId xmlns:a16="http://schemas.microsoft.com/office/drawing/2014/main" id="{E318F325-191B-4FA6-BB68-C4AE2C79A1B0}"/>
-              </a:ext>
-            </a:extLst>
-          </p:cNvPr>
-          <p:cNvSpPr>
-            <a:spLocks noGrp="1"/>
-          </p:cNvSpPr>
-          <p:nvPr>
-            <p:ph type="ftr" sz="quarter" idx="15"/>
-          </p:nvPr>
-        </p:nvSpPr>
-        <p:spPr/>
-        <p:txBody>
-          <a:bodyPr/>
-          <a:lstStyle/>
-          <a:p>
-            <a:r>
-              <a:rPr lang="de-DE"/>
-              <a:t>Schallner Ludwig, Wiegnand Andreas</a:t>
-            </a:r>
-            <a:endParaRPr lang="de-DE" dirty="0"/>
-          </a:p>
-        </p:txBody>
-      </p:sp>
-      <p:sp>
-        <p:nvSpPr>
-          <p:cNvPr id="5" name="Foliennummernplatzhalter 4">
-            <a:extLst>
-              <a:ext uri="{FF2B5EF4-FFF2-40B4-BE49-F238E27FC236}">
-                <a16:creationId xmlns:a16="http://schemas.microsoft.com/office/drawing/2014/main" id="{52F8785A-79E1-4080-B4F8-22842F4A41C1}"/>
-              </a:ext>
-            </a:extLst>
-          </p:cNvPr>
-          <p:cNvSpPr>
-            <a:spLocks noGrp="1"/>
-          </p:cNvSpPr>
-          <p:nvPr>
-            <p:ph type="sldNum" sz="quarter" idx="16"/>
-          </p:nvPr>
-        </p:nvSpPr>
-        <p:spPr/>
-        <p:txBody>
-          <a:bodyPr/>
-          <a:lstStyle/>
-          <a:p>
-            <a:fld id="{50E76E58-F275-47A3-BB17-470016A267B6}" type="slidenum">
-              <a:rPr lang="de-DE" smtClean="0"/>
-              <a:pPr/>
-              <a:t>18</a:t>
-            </a:fld>
-            <a:endParaRPr lang="de-DE"/>
-          </a:p>
-        </p:txBody>
-      </p:sp>
-      <p:sp>
-        <p:nvSpPr>
-          <p:cNvPr id="6" name="Titel 5">
-            <a:extLst>
-              <a:ext uri="{FF2B5EF4-FFF2-40B4-BE49-F238E27FC236}">
-                <a16:creationId xmlns:a16="http://schemas.microsoft.com/office/drawing/2014/main" id="{5BF2ED19-DF37-4BFA-8093-53DD74C853D2}"/>
-              </a:ext>
-            </a:extLst>
-          </p:cNvPr>
-          <p:cNvSpPr>
-            <a:spLocks noGrp="1"/>
-          </p:cNvSpPr>
-          <p:nvPr>
-            <p:ph type="title"/>
-          </p:nvPr>
-        </p:nvSpPr>
-        <p:spPr/>
-        <p:txBody>
-          <a:bodyPr/>
-          <a:lstStyle/>
-          <a:p>
-            <a:r>
-              <a:rPr lang="de-DE"/>
-              <a:t>The OLA Algorithm</a:t>
-            </a:r>
-            <a:endParaRPr lang="de-DE" dirty="0"/>
-          </a:p>
-        </p:txBody>
-      </p:sp>
-    </p:spTree>
-    <p:extLst>
-      <p:ext uri="{BB962C8B-B14F-4D97-AF65-F5344CB8AC3E}">
-        <p14:creationId xmlns:p14="http://schemas.microsoft.com/office/powerpoint/2010/main" val="323886793"/>
-      </p:ext>
-    </p:extLst>
-  </p:cSld>
-  <p:clrMapOvr>
-    <a:masterClrMapping/>
-  </p:clrMapOvr>
-</p:sld>
-</file>
-
-<file path=ppt/slides/slide19.xml><?xml version="1.0" encoding="utf-8"?>
-<p:sld xmlns:a="http://schemas.openxmlformats.org/drawingml/2006/main" xmlns:r="http://schemas.openxmlformats.org/officeDocument/2006/relationships" xmlns:p="http://schemas.openxmlformats.org/presentationml/2006/main">
-  <p:cSld>
-    <p:spTree>
-      <p:nvGrpSpPr>
-        <p:cNvPr id="1" name=""/>
-        <p:cNvGrpSpPr/>
-        <p:nvPr/>
-      </p:nvGrpSpPr>
-      <p:grpSpPr>
-        <a:xfrm>
-          <a:off x="0" y="0"/>
-          <a:ext cx="0" cy="0"/>
-          <a:chOff x="0" y="0"/>
-          <a:chExt cx="0" cy="0"/>
-        </a:xfrm>
-      </p:grpSpPr>
-      <p:sp>
-        <p:nvSpPr>
           <p:cNvPr id="5" name="Textplatzhalter 4">
             <a:extLst>
               <a:ext uri="{FF2B5EF4-FFF2-40B4-BE49-F238E27FC236}">
@@ -10647,7 +10305,7 @@
             <a:fld id="{50E76E58-F275-47A3-BB17-470016A267B6}" type="slidenum">
               <a:rPr lang="de-DE" smtClean="0"/>
               <a:pPr/>
-              <a:t>19</a:t>
+              <a:t>18</a:t>
             </a:fld>
             <a:endParaRPr lang="de-DE" dirty="0"/>
           </a:p>
@@ -11158,6 +10816,697 @@
 </p:sld>
 </file>
 
+<file path=ppt/slides/slide19.xml><?xml version="1.0" encoding="utf-8"?>
+<p:sld xmlns:a="http://schemas.openxmlformats.org/drawingml/2006/main" xmlns:r="http://schemas.openxmlformats.org/officeDocument/2006/relationships" xmlns:p="http://schemas.openxmlformats.org/presentationml/2006/main">
+  <p:cSld>
+    <p:spTree>
+      <p:nvGrpSpPr>
+        <p:cNvPr id="1" name=""/>
+        <p:cNvGrpSpPr/>
+        <p:nvPr/>
+      </p:nvGrpSpPr>
+      <p:grpSpPr>
+        <a:xfrm>
+          <a:off x="0" y="0"/>
+          <a:ext cx="0" cy="0"/>
+          <a:chOff x="0" y="0"/>
+          <a:chExt cx="0" cy="0"/>
+        </a:xfrm>
+      </p:grpSpPr>
+      <p:pic>
+        <p:nvPicPr>
+          <p:cNvPr id="7" name="Grafik 6">
+            <a:extLst>
+              <a:ext uri="{FF2B5EF4-FFF2-40B4-BE49-F238E27FC236}">
+                <a16:creationId xmlns:a16="http://schemas.microsoft.com/office/drawing/2014/main" id="{BF68ED47-9503-4321-A9F3-FE450D7996DE}"/>
+              </a:ext>
+            </a:extLst>
+          </p:cNvPr>
+          <p:cNvPicPr>
+            <a:picLocks noChangeAspect="1"/>
+          </p:cNvPicPr>
+          <p:nvPr/>
+        </p:nvPicPr>
+        <p:blipFill>
+          <a:blip r:embed="rId3"/>
+          <a:stretch>
+            <a:fillRect/>
+          </a:stretch>
+        </p:blipFill>
+        <p:spPr>
+          <a:xfrm>
+            <a:off x="495376" y="1328217"/>
+            <a:ext cx="3932607" cy="4519793"/>
+          </a:xfrm>
+          <a:prstGeom prst="rect">
+            <a:avLst/>
+          </a:prstGeom>
+        </p:spPr>
+      </p:pic>
+      <p:sp>
+        <p:nvSpPr>
+          <p:cNvPr id="3" name="Datumsplatzhalter 2">
+            <a:extLst>
+              <a:ext uri="{FF2B5EF4-FFF2-40B4-BE49-F238E27FC236}">
+                <a16:creationId xmlns:a16="http://schemas.microsoft.com/office/drawing/2014/main" id="{272CF7DA-8265-4E05-841B-FF2EA359C993}"/>
+              </a:ext>
+            </a:extLst>
+          </p:cNvPr>
+          <p:cNvSpPr>
+            <a:spLocks noGrp="1"/>
+          </p:cNvSpPr>
+          <p:nvPr>
+            <p:ph type="dt" sz="half" idx="14"/>
+          </p:nvPr>
+        </p:nvSpPr>
+        <p:spPr/>
+        <p:txBody>
+          <a:bodyPr/>
+          <a:lstStyle/>
+          <a:p>
+            <a:r>
+              <a:rPr lang="de-DE"/>
+              <a:t>30.01.2018</a:t>
+            </a:r>
+            <a:endParaRPr lang="de-DE" dirty="0"/>
+          </a:p>
+        </p:txBody>
+      </p:sp>
+      <p:sp>
+        <p:nvSpPr>
+          <p:cNvPr id="4" name="Fußzeilenplatzhalter 3">
+            <a:extLst>
+              <a:ext uri="{FF2B5EF4-FFF2-40B4-BE49-F238E27FC236}">
+                <a16:creationId xmlns:a16="http://schemas.microsoft.com/office/drawing/2014/main" id="{47EDFEC1-C111-4891-A480-1C0060DB9C3F}"/>
+              </a:ext>
+            </a:extLst>
+          </p:cNvPr>
+          <p:cNvSpPr>
+            <a:spLocks noGrp="1"/>
+          </p:cNvSpPr>
+          <p:nvPr>
+            <p:ph type="ftr" sz="quarter" idx="15"/>
+          </p:nvPr>
+        </p:nvSpPr>
+        <p:spPr/>
+        <p:txBody>
+          <a:bodyPr/>
+          <a:lstStyle/>
+          <a:p>
+            <a:r>
+              <a:rPr lang="de-DE"/>
+              <a:t>Schallner Ludwig, Wiegnand Andreas</a:t>
+            </a:r>
+            <a:endParaRPr lang="de-DE" dirty="0"/>
+          </a:p>
+        </p:txBody>
+      </p:sp>
+      <p:sp>
+        <p:nvSpPr>
+          <p:cNvPr id="5" name="Foliennummernplatzhalter 4">
+            <a:extLst>
+              <a:ext uri="{FF2B5EF4-FFF2-40B4-BE49-F238E27FC236}">
+                <a16:creationId xmlns:a16="http://schemas.microsoft.com/office/drawing/2014/main" id="{451D70D8-D243-4560-ACB7-252048CA3C46}"/>
+              </a:ext>
+            </a:extLst>
+          </p:cNvPr>
+          <p:cNvSpPr>
+            <a:spLocks noGrp="1"/>
+          </p:cNvSpPr>
+          <p:nvPr>
+            <p:ph type="sldNum" sz="quarter" idx="16"/>
+          </p:nvPr>
+        </p:nvSpPr>
+        <p:spPr/>
+        <p:txBody>
+          <a:bodyPr/>
+          <a:lstStyle/>
+          <a:p>
+            <a:fld id="{50E76E58-F275-47A3-BB17-470016A267B6}" type="slidenum">
+              <a:rPr lang="de-DE" smtClean="0"/>
+              <a:pPr/>
+              <a:t>19</a:t>
+            </a:fld>
+            <a:endParaRPr lang="de-DE"/>
+          </a:p>
+        </p:txBody>
+      </p:sp>
+      <p:sp>
+        <p:nvSpPr>
+          <p:cNvPr id="6" name="Titel 5">
+            <a:extLst>
+              <a:ext uri="{FF2B5EF4-FFF2-40B4-BE49-F238E27FC236}">
+                <a16:creationId xmlns:a16="http://schemas.microsoft.com/office/drawing/2014/main" id="{5550845C-1A0F-47BE-8F4B-098913D51A85}"/>
+              </a:ext>
+            </a:extLst>
+          </p:cNvPr>
+          <p:cNvSpPr>
+            <a:spLocks noGrp="1"/>
+          </p:cNvSpPr>
+          <p:nvPr>
+            <p:ph type="title"/>
+          </p:nvPr>
+        </p:nvSpPr>
+        <p:spPr/>
+        <p:txBody>
+          <a:bodyPr/>
+          <a:lstStyle/>
+          <a:p>
+            <a:r>
+              <a:rPr lang="de-DE" b="1" dirty="0"/>
+              <a:t>6. </a:t>
+            </a:r>
+            <a:r>
+              <a:rPr lang="de-DE" b="1" dirty="0" err="1"/>
+              <a:t>Datatyp</a:t>
+            </a:r>
+            <a:r>
+              <a:rPr lang="de-DE" b="1" dirty="0"/>
+              <a:t> - Moving </a:t>
+            </a:r>
+            <a:r>
+              <a:rPr lang="de-DE" b="1" dirty="0" err="1"/>
+              <a:t>Object</a:t>
+            </a:r>
+            <a:r>
+              <a:rPr lang="de-DE" b="1" dirty="0"/>
+              <a:t> Data</a:t>
+            </a:r>
+            <a:endParaRPr lang="de-DE" dirty="0"/>
+          </a:p>
+        </p:txBody>
+      </p:sp>
+      <p:sp>
+        <p:nvSpPr>
+          <p:cNvPr id="2" name="Rechteck 1">
+            <a:extLst>
+              <a:ext uri="{FF2B5EF4-FFF2-40B4-BE49-F238E27FC236}">
+                <a16:creationId xmlns:a16="http://schemas.microsoft.com/office/drawing/2014/main" id="{B6512827-72D2-478B-9678-D39E14A3E8B0}"/>
+              </a:ext>
+            </a:extLst>
+          </p:cNvPr>
+          <p:cNvSpPr/>
+          <p:nvPr/>
+        </p:nvSpPr>
+        <p:spPr>
+          <a:xfrm>
+            <a:off x="4255075" y="1548393"/>
+            <a:ext cx="4638100" cy="369332"/>
+          </a:xfrm>
+          <a:prstGeom prst="rect">
+            <a:avLst/>
+          </a:prstGeom>
+        </p:spPr>
+        <p:txBody>
+          <a:bodyPr wrap="square">
+            <a:spAutoFit/>
+          </a:bodyPr>
+          <a:lstStyle/>
+          <a:p>
+            <a:r>
+              <a:rPr lang="de-DE" b="0" i="1" dirty="0" err="1">
+                <a:solidFill>
+                  <a:srgbClr val="231F20"/>
+                </a:solidFill>
+                <a:latin typeface="CMMI10"/>
+              </a:rPr>
+              <a:t>m</a:t>
+            </a:r>
+            <a:r>
+              <a:rPr lang="de-DE" sz="800" b="0" i="1" dirty="0" err="1">
+                <a:solidFill>
+                  <a:srgbClr val="231F20"/>
+                </a:solidFill>
+                <a:latin typeface="CMMI7"/>
+              </a:rPr>
+              <a:t>s</a:t>
+            </a:r>
+            <a:r>
+              <a:rPr lang="de-DE" sz="800" b="0" i="1" dirty="0">
+                <a:solidFill>
+                  <a:srgbClr val="231F20"/>
+                </a:solidFill>
+                <a:latin typeface="CMMI7"/>
+              </a:rPr>
+              <a:t> </a:t>
+            </a:r>
+            <a:r>
+              <a:rPr lang="de-DE" b="0" i="1" dirty="0">
+                <a:solidFill>
+                  <a:srgbClr val="231F20"/>
+                </a:solidFill>
+                <a:latin typeface="CMSY10"/>
+              </a:rPr>
+              <a:t>∈ </a:t>
+            </a:r>
+            <a:r>
+              <a:rPr lang="de-DE" b="0" i="1" dirty="0">
+                <a:solidFill>
+                  <a:srgbClr val="231F20"/>
+                </a:solidFill>
+                <a:latin typeface="CMMI10"/>
+              </a:rPr>
+              <a:t>S </a:t>
+            </a:r>
+            <a:r>
+              <a:rPr lang="de-DE" b="0" dirty="0">
+                <a:solidFill>
+                  <a:srgbClr val="231F20"/>
+                </a:solidFill>
+                <a:latin typeface="CMR10"/>
+              </a:rPr>
+              <a:t>: </a:t>
+            </a:r>
+            <a:r>
+              <a:rPr lang="de-DE" b="0" i="1" dirty="0" err="1">
+                <a:solidFill>
+                  <a:srgbClr val="231F20"/>
+                </a:solidFill>
+                <a:latin typeface="CMMI10"/>
+              </a:rPr>
+              <a:t>u</a:t>
+            </a:r>
+            <a:r>
+              <a:rPr lang="de-DE" sz="800" b="0" i="1" dirty="0" err="1">
+                <a:solidFill>
+                  <a:srgbClr val="231F20"/>
+                </a:solidFill>
+                <a:latin typeface="CMMI7"/>
+              </a:rPr>
+              <a:t>id</a:t>
+            </a:r>
+            <a:r>
+              <a:rPr lang="de-DE" b="0" i="1" dirty="0">
+                <a:solidFill>
+                  <a:srgbClr val="231F20"/>
+                </a:solidFill>
+                <a:latin typeface="CMMI10"/>
+              </a:rPr>
+              <a:t>, </a:t>
+            </a:r>
+            <a:r>
+              <a:rPr lang="de-DE" b="0" i="1" dirty="0" err="1">
+                <a:solidFill>
+                  <a:srgbClr val="231F20"/>
+                </a:solidFill>
+                <a:latin typeface="CMMI10"/>
+              </a:rPr>
+              <a:t>r</a:t>
+            </a:r>
+            <a:r>
+              <a:rPr lang="de-DE" sz="800" b="0" i="1" dirty="0" err="1">
+                <a:solidFill>
+                  <a:srgbClr val="231F20"/>
+                </a:solidFill>
+                <a:latin typeface="CMMI7"/>
+              </a:rPr>
+              <a:t>no</a:t>
+            </a:r>
+            <a:r>
+              <a:rPr lang="de-DE" b="0" i="1" dirty="0">
+                <a:solidFill>
+                  <a:srgbClr val="231F20"/>
+                </a:solidFill>
+                <a:latin typeface="CMMI10"/>
+              </a:rPr>
+              <a:t>, </a:t>
+            </a:r>
+            <a:r>
+              <a:rPr lang="de-DE" b="0" i="1" dirty="0">
+                <a:solidFill>
+                  <a:srgbClr val="231F20"/>
+                </a:solidFill>
+                <a:latin typeface="CMSY10"/>
+              </a:rPr>
+              <a:t>{</a:t>
+            </a:r>
+            <a:r>
+              <a:rPr lang="de-DE" b="0" i="1" dirty="0">
+                <a:solidFill>
+                  <a:srgbClr val="231F20"/>
+                </a:solidFill>
+                <a:latin typeface="CMMI10"/>
+              </a:rPr>
+              <a:t>t, x, y</a:t>
+            </a:r>
+            <a:r>
+              <a:rPr lang="de-DE" b="0" i="1" dirty="0">
+                <a:solidFill>
+                  <a:srgbClr val="231F20"/>
+                </a:solidFill>
+                <a:latin typeface="CMSY10"/>
+              </a:rPr>
+              <a:t>}</a:t>
+            </a:r>
+            <a:r>
+              <a:rPr lang="de-DE" b="0" i="1" dirty="0">
+                <a:solidFill>
+                  <a:srgbClr val="231F20"/>
+                </a:solidFill>
+                <a:latin typeface="CMMI10"/>
+              </a:rPr>
+              <a:t>, k, </a:t>
+            </a:r>
+            <a:r>
+              <a:rPr lang="de-DE" b="0" i="1" dirty="0">
+                <a:solidFill>
+                  <a:srgbClr val="231F20"/>
+                </a:solidFill>
+                <a:latin typeface="CMSY10"/>
+              </a:rPr>
+              <a:t>{</a:t>
+            </a:r>
+            <a:r>
+              <a:rPr lang="de-DE" b="0" i="1" dirty="0" err="1">
+                <a:solidFill>
+                  <a:srgbClr val="231F20"/>
+                </a:solidFill>
+                <a:latin typeface="CMMI10"/>
+              </a:rPr>
+              <a:t>d</a:t>
+            </a:r>
+            <a:r>
+              <a:rPr lang="de-DE" sz="800" b="0" i="1" dirty="0" err="1">
+                <a:solidFill>
+                  <a:srgbClr val="231F20"/>
+                </a:solidFill>
+                <a:latin typeface="CMMI7"/>
+              </a:rPr>
+              <a:t>t</a:t>
+            </a:r>
+            <a:r>
+              <a:rPr lang="de-DE" b="0" i="1" dirty="0">
+                <a:solidFill>
+                  <a:srgbClr val="231F20"/>
+                </a:solidFill>
+                <a:latin typeface="CMMI10"/>
+              </a:rPr>
+              <a:t>, d</a:t>
+            </a:r>
+            <a:r>
+              <a:rPr lang="de-DE" sz="800" b="0" i="1" dirty="0">
+                <a:solidFill>
+                  <a:srgbClr val="231F20"/>
+                </a:solidFill>
+                <a:latin typeface="CMMI7"/>
+              </a:rPr>
+              <a:t>x</a:t>
+            </a:r>
+            <a:r>
+              <a:rPr lang="de-DE" b="0" i="1" dirty="0">
+                <a:solidFill>
+                  <a:srgbClr val="231F20"/>
+                </a:solidFill>
+                <a:latin typeface="CMMI10"/>
+              </a:rPr>
+              <a:t>, </a:t>
+            </a:r>
+            <a:r>
+              <a:rPr lang="de-DE" b="0" i="1" dirty="0" err="1">
+                <a:solidFill>
+                  <a:srgbClr val="231F20"/>
+                </a:solidFill>
+                <a:latin typeface="CMMI10"/>
+              </a:rPr>
+              <a:t>d</a:t>
+            </a:r>
+            <a:r>
+              <a:rPr lang="de-DE" sz="800" b="0" i="1" dirty="0" err="1">
+                <a:solidFill>
+                  <a:srgbClr val="231F20"/>
+                </a:solidFill>
+                <a:latin typeface="CMMI7"/>
+              </a:rPr>
+              <a:t>y</a:t>
+            </a:r>
+            <a:r>
+              <a:rPr lang="de-DE" b="0" i="1" dirty="0">
+                <a:solidFill>
+                  <a:srgbClr val="231F20"/>
+                </a:solidFill>
+                <a:latin typeface="CMSY10"/>
+              </a:rPr>
+              <a:t>}</a:t>
+            </a:r>
+            <a:r>
+              <a:rPr lang="de-DE" b="0" i="1" dirty="0">
+                <a:solidFill>
+                  <a:srgbClr val="231F20"/>
+                </a:solidFill>
+                <a:latin typeface="CMMI10"/>
+              </a:rPr>
+              <a:t>, C</a:t>
+            </a:r>
+            <a:endParaRPr lang="de-DE" dirty="0"/>
+          </a:p>
+        </p:txBody>
+      </p:sp>
+      <p:sp>
+        <p:nvSpPr>
+          <p:cNvPr id="8" name="Textfeld 7">
+            <a:extLst>
+              <a:ext uri="{FF2B5EF4-FFF2-40B4-BE49-F238E27FC236}">
+                <a16:creationId xmlns:a16="http://schemas.microsoft.com/office/drawing/2014/main" id="{5F8E9856-BD4D-4CC5-9F42-FF46237E8680}"/>
+              </a:ext>
+            </a:extLst>
+          </p:cNvPr>
+          <p:cNvSpPr txBox="1"/>
+          <p:nvPr/>
+        </p:nvSpPr>
+        <p:spPr>
+          <a:xfrm>
+            <a:off x="4860032" y="2132856"/>
+            <a:ext cx="3555306" cy="1477328"/>
+          </a:xfrm>
+          <a:prstGeom prst="rect">
+            <a:avLst/>
+          </a:prstGeom>
+          <a:noFill/>
+        </p:spPr>
+        <p:txBody>
+          <a:bodyPr wrap="square" rtlCol="0">
+            <a:spAutoFit/>
+          </a:bodyPr>
+          <a:lstStyle/>
+          <a:p>
+            <a:r>
+              <a:rPr lang="de-DE" dirty="0" err="1"/>
+              <a:t>success</a:t>
+            </a:r>
+            <a:r>
+              <a:rPr lang="de-DE" dirty="0"/>
+              <a:t> rate</a:t>
+            </a:r>
+          </a:p>
+          <a:p>
+            <a:r>
+              <a:rPr lang="de-DE" dirty="0"/>
+              <a:t>Relative </a:t>
+            </a:r>
+            <a:r>
+              <a:rPr lang="de-DE" dirty="0" err="1"/>
+              <a:t>anonymity</a:t>
+            </a:r>
+            <a:r>
+              <a:rPr lang="de-DE" dirty="0"/>
+              <a:t> </a:t>
+            </a:r>
+            <a:r>
+              <a:rPr lang="de-DE" dirty="0" err="1"/>
+              <a:t>level</a:t>
+            </a:r>
+            <a:endParaRPr lang="de-DE" dirty="0"/>
+          </a:p>
+          <a:p>
+            <a:r>
+              <a:rPr lang="de-DE" dirty="0"/>
+              <a:t>Relative </a:t>
+            </a:r>
+            <a:r>
+              <a:rPr lang="de-DE" dirty="0" err="1"/>
+              <a:t>spatial</a:t>
+            </a:r>
+            <a:r>
+              <a:rPr lang="de-DE" dirty="0"/>
+              <a:t> </a:t>
+            </a:r>
+            <a:r>
+              <a:rPr lang="de-DE" dirty="0" err="1"/>
+              <a:t>resolution</a:t>
+            </a:r>
+            <a:endParaRPr lang="de-DE" dirty="0"/>
+          </a:p>
+          <a:p>
+            <a:r>
+              <a:rPr lang="de-DE" dirty="0"/>
+              <a:t>Relative temporal </a:t>
+            </a:r>
+            <a:r>
+              <a:rPr lang="de-DE" dirty="0" err="1"/>
+              <a:t>resolution</a:t>
+            </a:r>
+            <a:endParaRPr lang="de-DE" dirty="0"/>
+          </a:p>
+          <a:p>
+            <a:r>
+              <a:rPr lang="de-DE" dirty="0"/>
+              <a:t>Message </a:t>
+            </a:r>
+            <a:r>
+              <a:rPr lang="de-DE" dirty="0" err="1"/>
+              <a:t>processing</a:t>
+            </a:r>
+            <a:r>
+              <a:rPr lang="de-DE" dirty="0"/>
+              <a:t> time</a:t>
+            </a:r>
+          </a:p>
+        </p:txBody>
+      </p:sp>
+      <p:sp>
+        <p:nvSpPr>
+          <p:cNvPr id="9" name="Textfeld 8">
+            <a:extLst>
+              <a:ext uri="{FF2B5EF4-FFF2-40B4-BE49-F238E27FC236}">
+                <a16:creationId xmlns:a16="http://schemas.microsoft.com/office/drawing/2014/main" id="{9881E812-91CB-4F52-9977-A6FFDF601A61}"/>
+              </a:ext>
+            </a:extLst>
+          </p:cNvPr>
+          <p:cNvSpPr txBox="1"/>
+          <p:nvPr/>
+        </p:nvSpPr>
+        <p:spPr>
+          <a:xfrm>
+            <a:off x="5313985" y="4400237"/>
+            <a:ext cx="2520280" cy="646331"/>
+          </a:xfrm>
+          <a:prstGeom prst="rect">
+            <a:avLst/>
+          </a:prstGeom>
+          <a:noFill/>
+        </p:spPr>
+        <p:txBody>
+          <a:bodyPr wrap="square" rtlCol="0">
+            <a:spAutoFit/>
+          </a:bodyPr>
+          <a:lstStyle/>
+          <a:p>
+            <a:r>
+              <a:rPr lang="de-DE" dirty="0" err="1">
+                <a:solidFill>
+                  <a:srgbClr val="FF0000"/>
+                </a:solidFill>
+              </a:rPr>
+              <a:t>Anonymity</a:t>
+            </a:r>
+            <a:r>
+              <a:rPr lang="de-DE" dirty="0">
+                <a:solidFill>
+                  <a:srgbClr val="FF0000"/>
+                </a:solidFill>
+              </a:rPr>
+              <a:t> </a:t>
+            </a:r>
+            <a:r>
+              <a:rPr lang="de-DE" dirty="0" err="1">
+                <a:solidFill>
+                  <a:srgbClr val="FF0000"/>
+                </a:solidFill>
+              </a:rPr>
+              <a:t>can</a:t>
+            </a:r>
+            <a:r>
+              <a:rPr lang="de-DE" dirty="0">
+                <a:solidFill>
+                  <a:srgbClr val="FF0000"/>
+                </a:solidFill>
+              </a:rPr>
+              <a:t> </a:t>
+            </a:r>
+            <a:r>
+              <a:rPr lang="de-DE" dirty="0" err="1">
+                <a:solidFill>
+                  <a:srgbClr val="FF0000"/>
+                </a:solidFill>
+              </a:rPr>
+              <a:t>cost</a:t>
+            </a:r>
+            <a:r>
+              <a:rPr lang="de-DE" dirty="0">
+                <a:solidFill>
+                  <a:srgbClr val="FF0000"/>
+                </a:solidFill>
+              </a:rPr>
+              <a:t> Utility </a:t>
+            </a:r>
+          </a:p>
+        </p:txBody>
+      </p:sp>
+      <p:sp>
+        <p:nvSpPr>
+          <p:cNvPr id="10" name="Textfeld 9">
+            <a:extLst>
+              <a:ext uri="{FF2B5EF4-FFF2-40B4-BE49-F238E27FC236}">
+                <a16:creationId xmlns:a16="http://schemas.microsoft.com/office/drawing/2014/main" id="{558D193C-CAE4-4244-958C-5D69DD552FD7}"/>
+              </a:ext>
+            </a:extLst>
+          </p:cNvPr>
+          <p:cNvSpPr txBox="1"/>
+          <p:nvPr/>
+        </p:nvSpPr>
+        <p:spPr>
+          <a:xfrm>
+            <a:off x="611560" y="5733256"/>
+            <a:ext cx="3456384" cy="338554"/>
+          </a:xfrm>
+          <a:prstGeom prst="rect">
+            <a:avLst/>
+          </a:prstGeom>
+          <a:noFill/>
+        </p:spPr>
+        <p:txBody>
+          <a:bodyPr wrap="square" rtlCol="0">
+            <a:spAutoFit/>
+          </a:bodyPr>
+          <a:lstStyle/>
+          <a:p>
+            <a:r>
+              <a:rPr lang="en-US" sz="800" b="0" dirty="0"/>
+              <a:t>A Customizable </a:t>
+            </a:r>
+            <a:r>
+              <a:rPr lang="en-US" sz="800" b="0" i="1" dirty="0"/>
+              <a:t>k</a:t>
+            </a:r>
+            <a:r>
+              <a:rPr lang="en-US" sz="800" b="0" dirty="0"/>
+              <a:t>-Anonymity Model for Protecting Location Privacy – </a:t>
+            </a:r>
+            <a:r>
+              <a:rPr lang="en-US" sz="800" b="0" dirty="0" err="1"/>
+              <a:t>Bugra</a:t>
+            </a:r>
+            <a:r>
+              <a:rPr lang="en-US" sz="800" b="0" dirty="0"/>
+              <a:t> a. Ling</a:t>
+            </a:r>
+            <a:endParaRPr lang="de-DE" sz="800" dirty="0"/>
+          </a:p>
+        </p:txBody>
+      </p:sp>
+    </p:spTree>
+    <p:extLst>
+      <p:ext uri="{BB962C8B-B14F-4D97-AF65-F5344CB8AC3E}">
+        <p14:creationId xmlns:p14="http://schemas.microsoft.com/office/powerpoint/2010/main" val="830300591"/>
+      </p:ext>
+    </p:extLst>
+  </p:cSld>
+  <p:clrMapOvr>
+    <a:masterClrMapping/>
+  </p:clrMapOvr>
+</p:sld>
+</file>
+
 <file path=ppt/slides/slide2.xml><?xml version="1.0" encoding="utf-8"?>
 <p:sld xmlns:a="http://schemas.openxmlformats.org/drawingml/2006/main" xmlns:r="http://schemas.openxmlformats.org/officeDocument/2006/relationships" xmlns:p="http://schemas.openxmlformats.org/presentationml/2006/main">
   <p:cSld>
@@ -11439,7 +11788,7 @@
           <p:cNvPr id="7" name="Grafik 6">
             <a:extLst>
               <a:ext uri="{FF2B5EF4-FFF2-40B4-BE49-F238E27FC236}">
-                <a16:creationId xmlns:a16="http://schemas.microsoft.com/office/drawing/2014/main" id="{BF68ED47-9503-4321-A9F3-FE450D7996DE}"/>
+                <a16:creationId xmlns:a16="http://schemas.microsoft.com/office/drawing/2014/main" id="{9826C630-75C9-4634-86D6-BA0F4742BBE9}"/>
               </a:ext>
             </a:extLst>
           </p:cNvPr>
@@ -11456,20 +11805,50 @@
         </p:blipFill>
         <p:spPr>
           <a:xfrm>
-            <a:off x="495376" y="1328217"/>
-            <a:ext cx="3932607" cy="4519793"/>
+            <a:off x="430213" y="1268760"/>
+            <a:ext cx="3516160" cy="2808312"/>
           </a:xfrm>
           <a:prstGeom prst="rect">
             <a:avLst/>
           </a:prstGeom>
         </p:spPr>
       </p:pic>
+      <p:pic>
+        <p:nvPicPr>
+          <p:cNvPr id="8" name="Grafik 7">
+            <a:extLst>
+              <a:ext uri="{FF2B5EF4-FFF2-40B4-BE49-F238E27FC236}">
+                <a16:creationId xmlns:a16="http://schemas.microsoft.com/office/drawing/2014/main" id="{7F6EF6CD-FDFC-46CC-8469-AF363E9A4B9C}"/>
+              </a:ext>
+            </a:extLst>
+          </p:cNvPr>
+          <p:cNvPicPr>
+            <a:picLocks noChangeAspect="1"/>
+          </p:cNvPicPr>
+          <p:nvPr/>
+        </p:nvPicPr>
+        <p:blipFill>
+          <a:blip r:embed="rId4"/>
+          <a:stretch>
+            <a:fillRect/>
+          </a:stretch>
+        </p:blipFill>
+        <p:spPr>
+          <a:xfrm>
+            <a:off x="4301331" y="1243608"/>
+            <a:ext cx="3799061" cy="2793183"/>
+          </a:xfrm>
+          <a:prstGeom prst="rect">
+            <a:avLst/>
+          </a:prstGeom>
+        </p:spPr>
+      </p:pic>
       <p:sp>
         <p:nvSpPr>
           <p:cNvPr id="3" name="Datumsplatzhalter 2">
             <a:extLst>
               <a:ext uri="{FF2B5EF4-FFF2-40B4-BE49-F238E27FC236}">
-                <a16:creationId xmlns:a16="http://schemas.microsoft.com/office/drawing/2014/main" id="{272CF7DA-8265-4E05-841B-FF2EA359C993}"/>
+                <a16:creationId xmlns:a16="http://schemas.microsoft.com/office/drawing/2014/main" id="{AE43D9CA-6D18-407F-8866-086A77E3F973}"/>
               </a:ext>
             </a:extLst>
           </p:cNvPr>
@@ -11498,7 +11877,7 @@
           <p:cNvPr id="4" name="Fußzeilenplatzhalter 3">
             <a:extLst>
               <a:ext uri="{FF2B5EF4-FFF2-40B4-BE49-F238E27FC236}">
-                <a16:creationId xmlns:a16="http://schemas.microsoft.com/office/drawing/2014/main" id="{47EDFEC1-C111-4891-A480-1C0060DB9C3F}"/>
+                <a16:creationId xmlns:a16="http://schemas.microsoft.com/office/drawing/2014/main" id="{5DC267CC-4176-4CDE-BCAD-0664D589884A}"/>
               </a:ext>
             </a:extLst>
           </p:cNvPr>
@@ -11527,7 +11906,7 @@
           <p:cNvPr id="5" name="Foliennummernplatzhalter 4">
             <a:extLst>
               <a:ext uri="{FF2B5EF4-FFF2-40B4-BE49-F238E27FC236}">
-                <a16:creationId xmlns:a16="http://schemas.microsoft.com/office/drawing/2014/main" id="{451D70D8-D243-4560-ACB7-252048CA3C46}"/>
+                <a16:creationId xmlns:a16="http://schemas.microsoft.com/office/drawing/2014/main" id="{534DA981-97DF-418D-8360-D2D89C2C4E87}"/>
               </a:ext>
             </a:extLst>
           </p:cNvPr>
@@ -11557,7 +11936,7 @@
           <p:cNvPr id="6" name="Titel 5">
             <a:extLst>
               <a:ext uri="{FF2B5EF4-FFF2-40B4-BE49-F238E27FC236}">
-                <a16:creationId xmlns:a16="http://schemas.microsoft.com/office/drawing/2014/main" id="{5550845C-1A0F-47BE-8F4B-098913D51A85}"/>
+                <a16:creationId xmlns:a16="http://schemas.microsoft.com/office/drawing/2014/main" id="{E287B4F3-A00F-4EAF-B676-963A8CB951EF}"/>
               </a:ext>
             </a:extLst>
           </p:cNvPr>
@@ -11599,285 +11978,20 @@
       </p:sp>
       <p:sp>
         <p:nvSpPr>
-          <p:cNvPr id="2" name="Rechteck 1">
-            <a:extLst>
-              <a:ext uri="{FF2B5EF4-FFF2-40B4-BE49-F238E27FC236}">
-                <a16:creationId xmlns:a16="http://schemas.microsoft.com/office/drawing/2014/main" id="{B6512827-72D2-478B-9678-D39E14A3E8B0}"/>
-              </a:ext>
-            </a:extLst>
-          </p:cNvPr>
-          <p:cNvSpPr/>
+          <p:cNvPr id="11" name="Textfeld 10">
+            <a:extLst>
+              <a:ext uri="{FF2B5EF4-FFF2-40B4-BE49-F238E27FC236}">
+                <a16:creationId xmlns:a16="http://schemas.microsoft.com/office/drawing/2014/main" id="{424BBDCD-DC8C-4839-A14E-55AF77E5D746}"/>
+              </a:ext>
+            </a:extLst>
+          </p:cNvPr>
+          <p:cNvSpPr txBox="1"/>
           <p:nvPr/>
         </p:nvSpPr>
         <p:spPr>
           <a:xfrm>
-            <a:off x="4255075" y="1548393"/>
-            <a:ext cx="4638100" cy="369332"/>
-          </a:xfrm>
-          <a:prstGeom prst="rect">
-            <a:avLst/>
-          </a:prstGeom>
-        </p:spPr>
-        <p:txBody>
-          <a:bodyPr wrap="square">
-            <a:spAutoFit/>
-          </a:bodyPr>
-          <a:lstStyle/>
-          <a:p>
-            <a:r>
-              <a:rPr lang="de-DE" b="0" i="1" dirty="0" err="1">
-                <a:solidFill>
-                  <a:srgbClr val="231F20"/>
-                </a:solidFill>
-                <a:latin typeface="CMMI10"/>
-              </a:rPr>
-              <a:t>m</a:t>
-            </a:r>
-            <a:r>
-              <a:rPr lang="de-DE" sz="800" b="0" i="1" dirty="0" err="1">
-                <a:solidFill>
-                  <a:srgbClr val="231F20"/>
-                </a:solidFill>
-                <a:latin typeface="CMMI7"/>
-              </a:rPr>
-              <a:t>s</a:t>
-            </a:r>
-            <a:r>
-              <a:rPr lang="de-DE" sz="800" b="0" i="1" dirty="0">
-                <a:solidFill>
-                  <a:srgbClr val="231F20"/>
-                </a:solidFill>
-                <a:latin typeface="CMMI7"/>
-              </a:rPr>
-              <a:t> </a:t>
-            </a:r>
-            <a:r>
-              <a:rPr lang="de-DE" b="0" i="1" dirty="0">
-                <a:solidFill>
-                  <a:srgbClr val="231F20"/>
-                </a:solidFill>
-                <a:latin typeface="CMSY10"/>
-              </a:rPr>
-              <a:t>∈ </a:t>
-            </a:r>
-            <a:r>
-              <a:rPr lang="de-DE" b="0" i="1" dirty="0">
-                <a:solidFill>
-                  <a:srgbClr val="231F20"/>
-                </a:solidFill>
-                <a:latin typeface="CMMI10"/>
-              </a:rPr>
-              <a:t>S </a:t>
-            </a:r>
-            <a:r>
-              <a:rPr lang="de-DE" b="0" dirty="0">
-                <a:solidFill>
-                  <a:srgbClr val="231F20"/>
-                </a:solidFill>
-                <a:latin typeface="CMR10"/>
-              </a:rPr>
-              <a:t>: </a:t>
-            </a:r>
-            <a:r>
-              <a:rPr lang="de-DE" b="0" i="1" dirty="0" err="1">
-                <a:solidFill>
-                  <a:srgbClr val="231F20"/>
-                </a:solidFill>
-                <a:latin typeface="CMMI10"/>
-              </a:rPr>
-              <a:t>u</a:t>
-            </a:r>
-            <a:r>
-              <a:rPr lang="de-DE" sz="800" b="0" i="1" dirty="0" err="1">
-                <a:solidFill>
-                  <a:srgbClr val="231F20"/>
-                </a:solidFill>
-                <a:latin typeface="CMMI7"/>
-              </a:rPr>
-              <a:t>id</a:t>
-            </a:r>
-            <a:r>
-              <a:rPr lang="de-DE" b="0" i="1" dirty="0">
-                <a:solidFill>
-                  <a:srgbClr val="231F20"/>
-                </a:solidFill>
-                <a:latin typeface="CMMI10"/>
-              </a:rPr>
-              <a:t>, </a:t>
-            </a:r>
-            <a:r>
-              <a:rPr lang="de-DE" b="0" i="1" dirty="0" err="1">
-                <a:solidFill>
-                  <a:srgbClr val="231F20"/>
-                </a:solidFill>
-                <a:latin typeface="CMMI10"/>
-              </a:rPr>
-              <a:t>r</a:t>
-            </a:r>
-            <a:r>
-              <a:rPr lang="de-DE" sz="800" b="0" i="1" dirty="0" err="1">
-                <a:solidFill>
-                  <a:srgbClr val="231F20"/>
-                </a:solidFill>
-                <a:latin typeface="CMMI7"/>
-              </a:rPr>
-              <a:t>no</a:t>
-            </a:r>
-            <a:r>
-              <a:rPr lang="de-DE" b="0" i="1" dirty="0">
-                <a:solidFill>
-                  <a:srgbClr val="231F20"/>
-                </a:solidFill>
-                <a:latin typeface="CMMI10"/>
-              </a:rPr>
-              <a:t>, </a:t>
-            </a:r>
-            <a:r>
-              <a:rPr lang="de-DE" b="0" i="1" dirty="0">
-                <a:solidFill>
-                  <a:srgbClr val="231F20"/>
-                </a:solidFill>
-                <a:latin typeface="CMSY10"/>
-              </a:rPr>
-              <a:t>{</a:t>
-            </a:r>
-            <a:r>
-              <a:rPr lang="de-DE" b="0" i="1" dirty="0">
-                <a:solidFill>
-                  <a:srgbClr val="231F20"/>
-                </a:solidFill>
-                <a:latin typeface="CMMI10"/>
-              </a:rPr>
-              <a:t>t, x, y</a:t>
-            </a:r>
-            <a:r>
-              <a:rPr lang="de-DE" b="0" i="1" dirty="0">
-                <a:solidFill>
-                  <a:srgbClr val="231F20"/>
-                </a:solidFill>
-                <a:latin typeface="CMSY10"/>
-              </a:rPr>
-              <a:t>}</a:t>
-            </a:r>
-            <a:r>
-              <a:rPr lang="de-DE" b="0" i="1" dirty="0">
-                <a:solidFill>
-                  <a:srgbClr val="231F20"/>
-                </a:solidFill>
-                <a:latin typeface="CMMI10"/>
-              </a:rPr>
-              <a:t>, k, </a:t>
-            </a:r>
-            <a:r>
-              <a:rPr lang="de-DE" b="0" i="1" dirty="0">
-                <a:solidFill>
-                  <a:srgbClr val="231F20"/>
-                </a:solidFill>
-                <a:latin typeface="CMSY10"/>
-              </a:rPr>
-              <a:t>{</a:t>
-            </a:r>
-            <a:r>
-              <a:rPr lang="de-DE" b="0" i="1" dirty="0" err="1">
-                <a:solidFill>
-                  <a:srgbClr val="231F20"/>
-                </a:solidFill>
-                <a:latin typeface="CMMI10"/>
-              </a:rPr>
-              <a:t>d</a:t>
-            </a:r>
-            <a:r>
-              <a:rPr lang="de-DE" sz="800" b="0" i="1" dirty="0" err="1">
-                <a:solidFill>
-                  <a:srgbClr val="231F20"/>
-                </a:solidFill>
-                <a:latin typeface="CMMI7"/>
-              </a:rPr>
-              <a:t>t</a:t>
-            </a:r>
-            <a:r>
-              <a:rPr lang="de-DE" b="0" i="1" dirty="0">
-                <a:solidFill>
-                  <a:srgbClr val="231F20"/>
-                </a:solidFill>
-                <a:latin typeface="CMMI10"/>
-              </a:rPr>
-              <a:t>, d</a:t>
-            </a:r>
-            <a:r>
-              <a:rPr lang="de-DE" sz="800" b="0" i="1" dirty="0">
-                <a:solidFill>
-                  <a:srgbClr val="231F20"/>
-                </a:solidFill>
-                <a:latin typeface="CMMI7"/>
-              </a:rPr>
-              <a:t>x</a:t>
-            </a:r>
-            <a:r>
-              <a:rPr lang="de-DE" b="0" i="1" dirty="0">
-                <a:solidFill>
-                  <a:srgbClr val="231F20"/>
-                </a:solidFill>
-                <a:latin typeface="CMMI10"/>
-              </a:rPr>
-              <a:t>, </a:t>
-            </a:r>
-            <a:r>
-              <a:rPr lang="de-DE" b="0" i="1" dirty="0" err="1">
-                <a:solidFill>
-                  <a:srgbClr val="231F20"/>
-                </a:solidFill>
-                <a:latin typeface="CMMI10"/>
-              </a:rPr>
-              <a:t>d</a:t>
-            </a:r>
-            <a:r>
-              <a:rPr lang="de-DE" sz="800" b="0" i="1" dirty="0" err="1">
-                <a:solidFill>
-                  <a:srgbClr val="231F20"/>
-                </a:solidFill>
-                <a:latin typeface="CMMI7"/>
-              </a:rPr>
-              <a:t>y</a:t>
-            </a:r>
-            <a:r>
-              <a:rPr lang="de-DE" b="0" i="1" dirty="0">
-                <a:solidFill>
-                  <a:srgbClr val="231F20"/>
-                </a:solidFill>
-                <a:latin typeface="CMSY10"/>
-              </a:rPr>
-              <a:t>}</a:t>
-            </a:r>
-            <a:r>
-              <a:rPr lang="de-DE" b="0" i="1" dirty="0">
-                <a:solidFill>
-                  <a:srgbClr val="231F20"/>
-                </a:solidFill>
-                <a:latin typeface="CMMI10"/>
-              </a:rPr>
-              <a:t>, C</a:t>
-            </a:r>
-            <a:endParaRPr lang="de-DE" dirty="0"/>
-          </a:p>
-        </p:txBody>
-      </p:sp>
-      <p:sp>
-        <p:nvSpPr>
-          <p:cNvPr id="8" name="Textfeld 7">
-            <a:extLst>
-              <a:ext uri="{FF2B5EF4-FFF2-40B4-BE49-F238E27FC236}">
-                <a16:creationId xmlns:a16="http://schemas.microsoft.com/office/drawing/2014/main" id="{5F8E9856-BD4D-4CC5-9F42-FF46237E8680}"/>
-              </a:ext>
-            </a:extLst>
-          </p:cNvPr>
-          <p:cNvSpPr txBox="1"/>
-          <p:nvPr/>
-        </p:nvSpPr>
-        <p:spPr>
-          <a:xfrm>
-            <a:off x="4860032" y="2132856"/>
-            <a:ext cx="3555306" cy="1477328"/>
+            <a:off x="899592" y="4036791"/>
+            <a:ext cx="2880320" cy="400110"/>
           </a:xfrm>
           <a:prstGeom prst="rect">
             <a:avLst/>
@@ -11891,76 +12005,26 @@
           <a:lstStyle/>
           <a:p>
             <a:r>
-              <a:rPr lang="de-DE" dirty="0" err="1"/>
-              <a:t>success</a:t>
-            </a:r>
-            <a:r>
-              <a:rPr lang="de-DE" dirty="0"/>
-              <a:t> rate</a:t>
-            </a:r>
-          </a:p>
-          <a:p>
-            <a:r>
-              <a:rPr lang="de-DE" dirty="0"/>
-              <a:t>Relative </a:t>
-            </a:r>
-            <a:r>
-              <a:rPr lang="de-DE" dirty="0" err="1"/>
-              <a:t>anonymity</a:t>
-            </a:r>
-            <a:r>
-              <a:rPr lang="de-DE" dirty="0"/>
-              <a:t> </a:t>
-            </a:r>
-            <a:r>
-              <a:rPr lang="de-DE" dirty="0" err="1"/>
-              <a:t>level</a:t>
-            </a:r>
-            <a:endParaRPr lang="de-DE" dirty="0"/>
-          </a:p>
-          <a:p>
-            <a:r>
-              <a:rPr lang="de-DE" dirty="0"/>
-              <a:t>Relative </a:t>
-            </a:r>
-            <a:r>
-              <a:rPr lang="de-DE" dirty="0" err="1"/>
-              <a:t>spatial</a:t>
-            </a:r>
-            <a:r>
-              <a:rPr lang="de-DE" dirty="0"/>
-              <a:t> </a:t>
-            </a:r>
-            <a:r>
-              <a:rPr lang="de-DE" dirty="0" err="1"/>
-              <a:t>resolution</a:t>
-            </a:r>
-            <a:endParaRPr lang="de-DE" dirty="0"/>
-          </a:p>
-          <a:p>
-            <a:r>
-              <a:rPr lang="de-DE" dirty="0"/>
-              <a:t>Relative temporal </a:t>
-            </a:r>
-            <a:r>
-              <a:rPr lang="de-DE" dirty="0" err="1"/>
-              <a:t>resolution</a:t>
-            </a:r>
-            <a:endParaRPr lang="de-DE" dirty="0"/>
-          </a:p>
-          <a:p>
-            <a:r>
-              <a:rPr lang="de-DE" dirty="0"/>
-              <a:t>Message </a:t>
-            </a:r>
-            <a:r>
-              <a:rPr lang="de-DE" dirty="0" err="1"/>
-              <a:t>processing</a:t>
-            </a:r>
-            <a:r>
-              <a:rPr lang="de-DE" dirty="0"/>
-              <a:t> time</a:t>
-            </a:r>
+              <a:rPr lang="en-US" sz="1000" b="0" dirty="0"/>
+              <a:t>A Customizable </a:t>
+            </a:r>
+            <a:r>
+              <a:rPr lang="en-US" sz="1000" b="0" i="1" dirty="0"/>
+              <a:t>k</a:t>
+            </a:r>
+            <a:r>
+              <a:rPr lang="en-US" sz="1000" b="0" dirty="0"/>
+              <a:t>-Anonymity Model for Protecting Location Privacy – </a:t>
+            </a:r>
+            <a:r>
+              <a:rPr lang="en-US" sz="1000" b="0" dirty="0" err="1"/>
+              <a:t>Bugra</a:t>
+            </a:r>
+            <a:r>
+              <a:rPr lang="en-US" sz="1000" b="0" dirty="0"/>
+              <a:t> a. Ling</a:t>
+            </a:r>
+            <a:endParaRPr lang="de-DE" sz="1000" dirty="0"/>
           </a:p>
         </p:txBody>
       </p:sp>
@@ -11969,7 +12033,7 @@
           <p:cNvPr id="9" name="Textfeld 8">
             <a:extLst>
               <a:ext uri="{FF2B5EF4-FFF2-40B4-BE49-F238E27FC236}">
-                <a16:creationId xmlns:a16="http://schemas.microsoft.com/office/drawing/2014/main" id="{9881E812-91CB-4F52-9977-A6FFDF601A61}"/>
+                <a16:creationId xmlns:a16="http://schemas.microsoft.com/office/drawing/2014/main" id="{FAD62C39-C15A-4990-9D49-79EA5474DF8B}"/>
               </a:ext>
             </a:extLst>
           </p:cNvPr>
@@ -11978,8 +12042,8 @@
         </p:nvSpPr>
         <p:spPr>
           <a:xfrm>
-            <a:off x="5313985" y="4400237"/>
-            <a:ext cx="2520280" cy="646331"/>
+            <a:off x="4760701" y="4077072"/>
+            <a:ext cx="2880320" cy="400110"/>
           </a:xfrm>
           <a:prstGeom prst="rect">
             <a:avLst/>
@@ -11993,112 +12057,33 @@
           <a:lstStyle/>
           <a:p>
             <a:r>
-              <a:rPr lang="de-DE" dirty="0" err="1">
-                <a:solidFill>
-                  <a:srgbClr val="FF0000"/>
-                </a:solidFill>
-              </a:rPr>
-              <a:t>Anonymity</a:t>
-            </a:r>
-            <a:r>
-              <a:rPr lang="de-DE" dirty="0">
-                <a:solidFill>
-                  <a:srgbClr val="FF0000"/>
-                </a:solidFill>
-              </a:rPr>
-              <a:t> </a:t>
-            </a:r>
-            <a:r>
-              <a:rPr lang="de-DE" dirty="0" err="1">
-                <a:solidFill>
-                  <a:srgbClr val="FF0000"/>
-                </a:solidFill>
-              </a:rPr>
-              <a:t>can</a:t>
-            </a:r>
-            <a:r>
-              <a:rPr lang="de-DE" dirty="0">
-                <a:solidFill>
-                  <a:srgbClr val="FF0000"/>
-                </a:solidFill>
-              </a:rPr>
-              <a:t> </a:t>
-            </a:r>
-            <a:r>
-              <a:rPr lang="de-DE" dirty="0" err="1">
-                <a:solidFill>
-                  <a:srgbClr val="FF0000"/>
-                </a:solidFill>
-              </a:rPr>
-              <a:t>cost</a:t>
-            </a:r>
-            <a:r>
-              <a:rPr lang="de-DE" dirty="0">
-                <a:solidFill>
-                  <a:srgbClr val="FF0000"/>
-                </a:solidFill>
-              </a:rPr>
-              <a:t> Utility </a:t>
-            </a:r>
-          </a:p>
-        </p:txBody>
-      </p:sp>
-      <p:sp>
-        <p:nvSpPr>
-          <p:cNvPr id="10" name="Textfeld 9">
-            <a:extLst>
-              <a:ext uri="{FF2B5EF4-FFF2-40B4-BE49-F238E27FC236}">
-                <a16:creationId xmlns:a16="http://schemas.microsoft.com/office/drawing/2014/main" id="{558D193C-CAE4-4244-958C-5D69DD552FD7}"/>
-              </a:ext>
-            </a:extLst>
-          </p:cNvPr>
-          <p:cNvSpPr txBox="1"/>
-          <p:nvPr/>
-        </p:nvSpPr>
-        <p:spPr>
-          <a:xfrm>
-            <a:off x="611560" y="5733256"/>
-            <a:ext cx="3456384" cy="338554"/>
-          </a:xfrm>
-          <a:prstGeom prst="rect">
-            <a:avLst/>
-          </a:prstGeom>
-          <a:noFill/>
-        </p:spPr>
-        <p:txBody>
-          <a:bodyPr wrap="square" rtlCol="0">
-            <a:spAutoFit/>
-          </a:bodyPr>
-          <a:lstStyle/>
-          <a:p>
-            <a:r>
-              <a:rPr lang="en-US" sz="800" b="0" dirty="0"/>
+              <a:rPr lang="en-US" sz="1000" b="0" dirty="0"/>
               <a:t>A Customizable </a:t>
             </a:r>
             <a:r>
-              <a:rPr lang="en-US" sz="800" b="0" i="1" dirty="0"/>
+              <a:rPr lang="en-US" sz="1000" b="0" i="1" dirty="0"/>
               <a:t>k</a:t>
             </a:r>
             <a:r>
-              <a:rPr lang="en-US" sz="800" b="0" dirty="0"/>
+              <a:rPr lang="en-US" sz="1000" b="0" dirty="0"/>
               <a:t>-Anonymity Model for Protecting Location Privacy – </a:t>
             </a:r>
             <a:r>
-              <a:rPr lang="en-US" sz="800" b="0" dirty="0" err="1"/>
+              <a:rPr lang="en-US" sz="1000" b="0" dirty="0" err="1"/>
               <a:t>Bugra</a:t>
             </a:r>
             <a:r>
-              <a:rPr lang="en-US" sz="800" b="0" dirty="0"/>
+              <a:rPr lang="en-US" sz="1000" b="0" dirty="0"/>
               <a:t> a. Ling</a:t>
             </a:r>
-            <a:endParaRPr lang="de-DE" sz="800" dirty="0"/>
+            <a:endParaRPr lang="de-DE" sz="1000" dirty="0"/>
           </a:p>
         </p:txBody>
       </p:sp>
     </p:spTree>
     <p:extLst>
       <p:ext uri="{BB962C8B-B14F-4D97-AF65-F5344CB8AC3E}">
-        <p14:creationId xmlns:p14="http://schemas.microsoft.com/office/powerpoint/2010/main" val="830300591"/>
+        <p14:creationId xmlns:p14="http://schemas.microsoft.com/office/powerpoint/2010/main" val="4101966844"/>
       </p:ext>
     </p:extLst>
   </p:cSld>
@@ -12125,141 +12110,140 @@
           <a:chExt cx="0" cy="0"/>
         </a:xfrm>
       </p:grpSpPr>
-      <p:pic>
-        <p:nvPicPr>
-          <p:cNvPr id="7" name="Grafik 6">
-            <a:extLst>
-              <a:ext uri="{FF2B5EF4-FFF2-40B4-BE49-F238E27FC236}">
-                <a16:creationId xmlns:a16="http://schemas.microsoft.com/office/drawing/2014/main" id="{9826C630-75C9-4634-86D6-BA0F4742BBE9}"/>
-              </a:ext>
-            </a:extLst>
-          </p:cNvPr>
-          <p:cNvPicPr>
-            <a:picLocks noChangeAspect="1"/>
-          </p:cNvPicPr>
-          <p:nvPr/>
-        </p:nvPicPr>
-        <p:blipFill>
-          <a:blip r:embed="rId3"/>
-          <a:stretch>
-            <a:fillRect/>
-          </a:stretch>
-        </p:blipFill>
+      <p:sp>
+        <p:nvSpPr>
+          <p:cNvPr id="5" name="Textplatzhalter 4">
+            <a:extLst>
+              <a:ext uri="{FF2B5EF4-FFF2-40B4-BE49-F238E27FC236}">
+                <a16:creationId xmlns:a16="http://schemas.microsoft.com/office/drawing/2014/main" id="{064D59BE-0376-4E44-A0FE-7031A294F35F}"/>
+              </a:ext>
+            </a:extLst>
+          </p:cNvPr>
+          <p:cNvSpPr>
+            <a:spLocks noGrp="1"/>
+          </p:cNvSpPr>
+          <p:nvPr>
+            <p:ph type="body" sz="quarter" idx="13"/>
+          </p:nvPr>
+        </p:nvSpPr>
+        <p:spPr/>
+        <p:txBody>
+          <a:bodyPr/>
+          <a:lstStyle/>
+          <a:p>
+            <a:r>
+              <a:rPr lang="en-US"/>
+              <a:t>Transaction data is high-dimensional</a:t>
+            </a:r>
+          </a:p>
+          <a:p>
+            <a:r>
+              <a:rPr lang="en-US"/>
+              <a:t>Each dimension could be a potential QID attribute</a:t>
+            </a:r>
+          </a:p>
+          <a:p>
+            <a:r>
+              <a:rPr lang="de-DE"/>
+              <a:t>Curse of high-dimensionality</a:t>
+            </a:r>
+          </a:p>
+          <a:p>
+            <a:r>
+              <a:rPr lang="de-DE"/>
+              <a:t>Bound background knowledge of the attacker</a:t>
+            </a:r>
+          </a:p>
+          <a:p>
+            <a:endParaRPr lang="de-DE" dirty="0"/>
+          </a:p>
+        </p:txBody>
+      </p:sp>
+      <p:sp>
+        <p:nvSpPr>
+          <p:cNvPr id="3" name="Datumsplatzhalter 2">
+            <a:extLst>
+              <a:ext uri="{FF2B5EF4-FFF2-40B4-BE49-F238E27FC236}">
+                <a16:creationId xmlns:a16="http://schemas.microsoft.com/office/drawing/2014/main" id="{69419E86-0E9E-4216-B427-413C6BA3C0D7}"/>
+              </a:ext>
+            </a:extLst>
+          </p:cNvPr>
+          <p:cNvSpPr>
+            <a:spLocks noGrp="1"/>
+          </p:cNvSpPr>
+          <p:nvPr>
+            <p:ph type="dt" sz="half" idx="14"/>
+          </p:nvPr>
+        </p:nvSpPr>
+        <p:spPr/>
+        <p:txBody>
+          <a:bodyPr/>
+          <a:lstStyle/>
+          <a:p>
+            <a:r>
+              <a:rPr lang="de-DE"/>
+              <a:t>30.01.2017</a:t>
+            </a:r>
+            <a:endParaRPr lang="de-DE" dirty="0"/>
+          </a:p>
+        </p:txBody>
+      </p:sp>
+      <p:sp>
+        <p:nvSpPr>
+          <p:cNvPr id="4" name="Fußzeilenplatzhalter 3">
+            <a:extLst>
+              <a:ext uri="{FF2B5EF4-FFF2-40B4-BE49-F238E27FC236}">
+                <a16:creationId xmlns:a16="http://schemas.microsoft.com/office/drawing/2014/main" id="{212DC528-EE24-4AC3-9EED-1BF090D99EF2}"/>
+              </a:ext>
+            </a:extLst>
+          </p:cNvPr>
+          <p:cNvSpPr>
+            <a:spLocks noGrp="1"/>
+          </p:cNvSpPr>
+          <p:nvPr>
+            <p:ph type="ftr" sz="quarter" idx="15"/>
+          </p:nvPr>
+        </p:nvSpPr>
         <p:spPr>
           <a:xfrm>
-            <a:off x="430213" y="1268760"/>
-            <a:ext cx="3516160" cy="2808312"/>
+            <a:off x="2755900" y="6308725"/>
+            <a:ext cx="5487988" cy="288925"/>
           </a:xfrm>
-          <a:prstGeom prst="rect">
-            <a:avLst/>
-          </a:prstGeom>
         </p:spPr>
-      </p:pic>
-      <p:pic>
-        <p:nvPicPr>
-          <p:cNvPr id="8" name="Grafik 7">
-            <a:extLst>
-              <a:ext uri="{FF2B5EF4-FFF2-40B4-BE49-F238E27FC236}">
-                <a16:creationId xmlns:a16="http://schemas.microsoft.com/office/drawing/2014/main" id="{7F6EF6CD-FDFC-46CC-8469-AF363E9A4B9C}"/>
-              </a:ext>
-            </a:extLst>
-          </p:cNvPr>
-          <p:cNvPicPr>
-            <a:picLocks noChangeAspect="1"/>
-          </p:cNvPicPr>
-          <p:nvPr/>
-        </p:nvPicPr>
-        <p:blipFill>
-          <a:blip r:embed="rId4"/>
-          <a:stretch>
-            <a:fillRect/>
-          </a:stretch>
-        </p:blipFill>
+        <p:txBody>
+          <a:bodyPr/>
+          <a:lstStyle/>
+          <a:p>
+            <a:r>
+              <a:rPr lang="de-DE"/>
+              <a:t>Andreas Wiegand &amp; Ludwig Schallner</a:t>
+            </a:r>
+            <a:endParaRPr lang="de-DE" dirty="0"/>
+          </a:p>
+        </p:txBody>
+      </p:sp>
+      <p:sp>
+        <p:nvSpPr>
+          <p:cNvPr id="6" name="Foliennummernplatzhalter 5">
+            <a:extLst>
+              <a:ext uri="{FF2B5EF4-FFF2-40B4-BE49-F238E27FC236}">
+                <a16:creationId xmlns:a16="http://schemas.microsoft.com/office/drawing/2014/main" id="{E25D3BF9-A70C-417F-A9C7-F883A5D091A9}"/>
+              </a:ext>
+            </a:extLst>
+          </p:cNvPr>
+          <p:cNvSpPr>
+            <a:spLocks noGrp="1"/>
+          </p:cNvSpPr>
+          <p:nvPr>
+            <p:ph type="sldNum" sz="quarter" idx="16"/>
+          </p:nvPr>
+        </p:nvSpPr>
         <p:spPr>
           <a:xfrm>
-            <a:off x="4301331" y="1243608"/>
-            <a:ext cx="3799061" cy="2793183"/>
+            <a:off x="8415338" y="6408738"/>
+            <a:ext cx="477837" cy="333375"/>
           </a:xfrm>
-          <a:prstGeom prst="rect">
-            <a:avLst/>
-          </a:prstGeom>
         </p:spPr>
-      </p:pic>
-      <p:sp>
-        <p:nvSpPr>
-          <p:cNvPr id="3" name="Datumsplatzhalter 2">
-            <a:extLst>
-              <a:ext uri="{FF2B5EF4-FFF2-40B4-BE49-F238E27FC236}">
-                <a16:creationId xmlns:a16="http://schemas.microsoft.com/office/drawing/2014/main" id="{AE43D9CA-6D18-407F-8866-086A77E3F973}"/>
-              </a:ext>
-            </a:extLst>
-          </p:cNvPr>
-          <p:cNvSpPr>
-            <a:spLocks noGrp="1"/>
-          </p:cNvSpPr>
-          <p:nvPr>
-            <p:ph type="dt" sz="half" idx="14"/>
-          </p:nvPr>
-        </p:nvSpPr>
-        <p:spPr/>
-        <p:txBody>
-          <a:bodyPr/>
-          <a:lstStyle/>
-          <a:p>
-            <a:r>
-              <a:rPr lang="de-DE"/>
-              <a:t>30.01.2018</a:t>
-            </a:r>
-            <a:endParaRPr lang="de-DE" dirty="0"/>
-          </a:p>
-        </p:txBody>
-      </p:sp>
-      <p:sp>
-        <p:nvSpPr>
-          <p:cNvPr id="4" name="Fußzeilenplatzhalter 3">
-            <a:extLst>
-              <a:ext uri="{FF2B5EF4-FFF2-40B4-BE49-F238E27FC236}">
-                <a16:creationId xmlns:a16="http://schemas.microsoft.com/office/drawing/2014/main" id="{5DC267CC-4176-4CDE-BCAD-0664D589884A}"/>
-              </a:ext>
-            </a:extLst>
-          </p:cNvPr>
-          <p:cNvSpPr>
-            <a:spLocks noGrp="1"/>
-          </p:cNvSpPr>
-          <p:nvPr>
-            <p:ph type="ftr" sz="quarter" idx="15"/>
-          </p:nvPr>
-        </p:nvSpPr>
-        <p:spPr/>
-        <p:txBody>
-          <a:bodyPr/>
-          <a:lstStyle/>
-          <a:p>
-            <a:r>
-              <a:rPr lang="de-DE"/>
-              <a:t>Schallner Ludwig, Wiegnand Andreas</a:t>
-            </a:r>
-            <a:endParaRPr lang="de-DE" dirty="0"/>
-          </a:p>
-        </p:txBody>
-      </p:sp>
-      <p:sp>
-        <p:nvSpPr>
-          <p:cNvPr id="5" name="Foliennummernplatzhalter 4">
-            <a:extLst>
-              <a:ext uri="{FF2B5EF4-FFF2-40B4-BE49-F238E27FC236}">
-                <a16:creationId xmlns:a16="http://schemas.microsoft.com/office/drawing/2014/main" id="{534DA981-97DF-418D-8360-D2D89C2C4E87}"/>
-              </a:ext>
-            </a:extLst>
-          </p:cNvPr>
-          <p:cNvSpPr>
-            <a:spLocks noGrp="1"/>
-          </p:cNvSpPr>
-          <p:nvPr>
-            <p:ph type="sldNum" sz="quarter" idx="16"/>
-          </p:nvPr>
-        </p:nvSpPr>
-        <p:spPr/>
         <p:txBody>
           <a:bodyPr/>
           <a:lstStyle/>
@@ -12269,16 +12253,16 @@
               <a:pPr/>
               <a:t>21</a:t>
             </a:fld>
-            <a:endParaRPr lang="de-DE"/>
-          </a:p>
-        </p:txBody>
-      </p:sp>
-      <p:sp>
-        <p:nvSpPr>
-          <p:cNvPr id="6" name="Titel 5">
-            <a:extLst>
-              <a:ext uri="{FF2B5EF4-FFF2-40B4-BE49-F238E27FC236}">
-                <a16:creationId xmlns:a16="http://schemas.microsoft.com/office/drawing/2014/main" id="{E287B4F3-A00F-4EAF-B676-963A8CB951EF}"/>
+            <a:endParaRPr lang="de-DE" dirty="0"/>
+          </a:p>
+        </p:txBody>
+      </p:sp>
+      <p:sp>
+        <p:nvSpPr>
+          <p:cNvPr id="2" name="Titel 1">
+            <a:extLst>
+              <a:ext uri="{FF2B5EF4-FFF2-40B4-BE49-F238E27FC236}">
+                <a16:creationId xmlns:a16="http://schemas.microsoft.com/office/drawing/2014/main" id="{DD780236-DFF8-4429-AD46-A0D4B640B608}"/>
               </a:ext>
             </a:extLst>
           </p:cNvPr>
@@ -12295,85 +12279,58 @@
           <a:lstStyle/>
           <a:p>
             <a:r>
-              <a:rPr lang="de-DE" b="1" dirty="0"/>
-              <a:t>6. </a:t>
-            </a:r>
-            <a:r>
-              <a:rPr lang="de-DE" b="1" dirty="0" err="1"/>
-              <a:t>Datatyp</a:t>
-            </a:r>
-            <a:r>
-              <a:rPr lang="de-DE" b="1" dirty="0"/>
-              <a:t> - Moving </a:t>
-            </a:r>
-            <a:r>
-              <a:rPr lang="de-DE" b="1" dirty="0" err="1"/>
-              <a:t>Object</a:t>
-            </a:r>
-            <a:r>
-              <a:rPr lang="de-DE" b="1" dirty="0"/>
-              <a:t> Data</a:t>
+              <a:rPr lang="de-DE"/>
+              <a:t>6. Datatype - High-Dimensional Transaction Data</a:t>
             </a:r>
             <a:endParaRPr lang="de-DE" dirty="0"/>
           </a:p>
         </p:txBody>
       </p:sp>
-      <p:sp>
-        <p:nvSpPr>
-          <p:cNvPr id="11" name="Textfeld 10">
-            <a:extLst>
-              <a:ext uri="{FF2B5EF4-FFF2-40B4-BE49-F238E27FC236}">
-                <a16:creationId xmlns:a16="http://schemas.microsoft.com/office/drawing/2014/main" id="{424BBDCD-DC8C-4839-A14E-55AF77E5D746}"/>
-              </a:ext>
-            </a:extLst>
-          </p:cNvPr>
-          <p:cNvSpPr txBox="1"/>
+      <p:pic>
+        <p:nvPicPr>
+          <p:cNvPr id="2050" name="Picture 2" descr="F:\PSI-MSem\5dbb589fabdcab96c9bb12877d5c15c4_preview_card.jpg"/>
+          <p:cNvPicPr>
+            <a:picLocks noChangeAspect="1" noChangeArrowheads="1"/>
+          </p:cNvPicPr>
           <p:nvPr/>
-        </p:nvSpPr>
-        <p:spPr>
+        </p:nvPicPr>
+        <p:blipFill>
+          <a:blip r:embed="rId3">
+            <a:extLst>
+              <a:ext uri="{28A0092B-C50C-407E-A947-70E740481C1C}">
+                <a14:useLocalDpi xmlns:a14="http://schemas.microsoft.com/office/drawing/2010/main" val="0"/>
+              </a:ext>
+            </a:extLst>
+          </a:blip>
+          <a:srcRect/>
+          <a:stretch>
+            <a:fillRect/>
+          </a:stretch>
+        </p:blipFill>
+        <p:spPr bwMode="auto">
           <a:xfrm>
-            <a:off x="899592" y="4036791"/>
-            <a:ext cx="2880320" cy="400110"/>
+            <a:off x="4355976" y="3140968"/>
+            <a:ext cx="3610422" cy="2708198"/>
           </a:xfrm>
           <a:prstGeom prst="rect">
             <a:avLst/>
           </a:prstGeom>
           <a:noFill/>
+          <a:extLst>
+            <a:ext uri="{909E8E84-426E-40DD-AFC4-6F175D3DCCD1}">
+              <a14:hiddenFill xmlns:a14="http://schemas.microsoft.com/office/drawing/2010/main">
+                <a:solidFill>
+                  <a:srgbClr val="FFFFFF"/>
+                </a:solidFill>
+              </a14:hiddenFill>
+            </a:ext>
+          </a:extLst>
         </p:spPr>
-        <p:txBody>
-          <a:bodyPr wrap="square" rtlCol="0">
-            <a:spAutoFit/>
-          </a:bodyPr>
-          <a:lstStyle/>
-          <a:p>
-            <a:r>
-              <a:rPr lang="en-US" sz="1000" b="0" dirty="0"/>
-              <a:t>A Customizable </a:t>
-            </a:r>
-            <a:r>
-              <a:rPr lang="en-US" sz="1000" b="0" i="1" dirty="0"/>
-              <a:t>k</a:t>
-            </a:r>
-            <a:r>
-              <a:rPr lang="en-US" sz="1000" b="0" dirty="0"/>
-              <a:t>-Anonymity Model for Protecting Location Privacy – </a:t>
-            </a:r>
-            <a:r>
-              <a:rPr lang="en-US" sz="1000" b="0" dirty="0" err="1"/>
-              <a:t>Bugra</a:t>
-            </a:r>
-            <a:r>
-              <a:rPr lang="en-US" sz="1000" b="0" dirty="0"/>
-              <a:t> a. Ling</a:t>
-            </a:r>
-            <a:endParaRPr lang="de-DE" sz="1000" dirty="0"/>
-          </a:p>
-        </p:txBody>
-      </p:sp>
+      </p:pic>
     </p:spTree>
     <p:extLst>
       <p:ext uri="{BB962C8B-B14F-4D97-AF65-F5344CB8AC3E}">
-        <p14:creationId xmlns:p14="http://schemas.microsoft.com/office/powerpoint/2010/main" val="4101966844"/>
+        <p14:creationId xmlns:p14="http://schemas.microsoft.com/office/powerpoint/2010/main" val="673325542"/>
       </p:ext>
     </p:extLst>
   </p:cSld>
@@ -12402,10 +12359,10 @@
       </p:grpSpPr>
       <p:sp>
         <p:nvSpPr>
-          <p:cNvPr id="2" name="Titel 1">
-            <a:extLst>
-              <a:ext uri="{FF2B5EF4-FFF2-40B4-BE49-F238E27FC236}">
-                <a16:creationId xmlns:a16="http://schemas.microsoft.com/office/drawing/2014/main" id="{DD780236-DFF8-4429-AD46-A0D4B640B608}"/>
+          <p:cNvPr id="5" name="Textplatzhalter 4">
+            <a:extLst>
+              <a:ext uri="{FF2B5EF4-FFF2-40B4-BE49-F238E27FC236}">
+                <a16:creationId xmlns:a16="http://schemas.microsoft.com/office/drawing/2014/main" id="{BE3AB503-2D36-4EFD-97BC-4FB481D902EA}"/>
               </a:ext>
             </a:extLst>
           </p:cNvPr>
@@ -12413,7 +12370,7 @@
             <a:spLocks noGrp="1"/>
           </p:cNvSpPr>
           <p:nvPr>
-            <p:ph type="title"/>
+            <p:ph type="body" sz="quarter" idx="13"/>
           </p:nvPr>
         </p:nvSpPr>
         <p:spPr/>
@@ -12422,18 +12379,45 @@
           <a:lstStyle/>
           <a:p>
             <a:r>
-              <a:rPr lang="de-DE" sz="2400" b="1" dirty="0"/>
-              <a:t>6. </a:t>
-            </a:r>
-            <a:r>
-              <a:rPr lang="de-DE" sz="2400" b="1" dirty="0" err="1"/>
-              <a:t>Datatype</a:t>
-            </a:r>
-            <a:r>
-              <a:rPr lang="de-DE" sz="2400" b="1" dirty="0"/>
-              <a:t> - High-Dimensional Transaction Data</a:t>
-            </a:r>
-            <a:endParaRPr lang="de-DE" sz="2400" dirty="0"/>
+              <a:rPr lang="en-US"/>
+              <a:t>Attacks against anonymity</a:t>
+            </a:r>
+          </a:p>
+          <a:p>
+            <a:r>
+              <a:rPr lang="en-US"/>
+              <a:t>There is no combination between optimal k-anonymity and data quality</a:t>
+            </a:r>
+          </a:p>
+          <a:p>
+            <a:r>
+              <a:rPr lang="de-DE"/>
+              <a:t>Usability and anonymity</a:t>
+            </a:r>
+          </a:p>
+          <a:p>
+            <a:r>
+              <a:rPr lang="de-DE"/>
+              <a:t>NP – Hard</a:t>
+            </a:r>
+          </a:p>
+          <a:p>
+            <a:r>
+              <a:rPr lang="de-DE"/>
+              <a:t>Hard to predict – Quasi Idendifiers </a:t>
+            </a:r>
+          </a:p>
+          <a:p>
+            <a:endParaRPr lang="de-DE"/>
+          </a:p>
+          <a:p>
+            <a:endParaRPr lang="de-DE"/>
+          </a:p>
+          <a:p>
+            <a:endParaRPr lang="de-DE"/>
+          </a:p>
+          <a:p>
+            <a:endParaRPr lang="de-DE" dirty="0"/>
           </a:p>
         </p:txBody>
       </p:sp>
@@ -12442,7 +12426,7 @@
           <p:cNvPr id="3" name="Datumsplatzhalter 2">
             <a:extLst>
               <a:ext uri="{FF2B5EF4-FFF2-40B4-BE49-F238E27FC236}">
-                <a16:creationId xmlns:a16="http://schemas.microsoft.com/office/drawing/2014/main" id="{69419E86-0E9E-4216-B427-413C6BA3C0D7}"/>
+                <a16:creationId xmlns:a16="http://schemas.microsoft.com/office/drawing/2014/main" id="{3B50A201-5742-48F2-9C76-90EB7278DE8B}"/>
               </a:ext>
             </a:extLst>
           </p:cNvPr>
@@ -12450,22 +12434,17 @@
             <a:spLocks noGrp="1"/>
           </p:cNvSpPr>
           <p:nvPr>
-            <p:ph type="dt" sz="half" idx="4294967295"/>
-          </p:nvPr>
-        </p:nvSpPr>
-        <p:spPr>
-          <a:xfrm>
-            <a:off x="1331913" y="6208713"/>
-            <a:ext cx="1296987" cy="476250"/>
-          </a:xfrm>
-        </p:spPr>
+            <p:ph type="dt" sz="half" idx="14"/>
+          </p:nvPr>
+        </p:nvSpPr>
+        <p:spPr/>
         <p:txBody>
           <a:bodyPr/>
           <a:lstStyle/>
           <a:p>
             <a:r>
               <a:rPr lang="de-DE"/>
-              <a:t>30.01.2017</a:t>
+              <a:t>30.01.2018</a:t>
             </a:r>
             <a:endParaRPr lang="de-DE" dirty="0"/>
           </a:p>
@@ -12476,7 +12455,7 @@
           <p:cNvPr id="4" name="Fußzeilenplatzhalter 3">
             <a:extLst>
               <a:ext uri="{FF2B5EF4-FFF2-40B4-BE49-F238E27FC236}">
-                <a16:creationId xmlns:a16="http://schemas.microsoft.com/office/drawing/2014/main" id="{212DC528-EE24-4AC3-9EED-1BF090D99EF2}"/>
+                <a16:creationId xmlns:a16="http://schemas.microsoft.com/office/drawing/2014/main" id="{905609BE-6FD9-442B-89BF-1438B615F4CE}"/>
               </a:ext>
             </a:extLst>
           </p:cNvPr>
@@ -12484,7 +12463,7 @@
             <a:spLocks noGrp="1"/>
           </p:cNvSpPr>
           <p:nvPr>
-            <p:ph type="ftr" sz="quarter" idx="11"/>
+            <p:ph type="ftr" sz="quarter" idx="15"/>
           </p:nvPr>
         </p:nvSpPr>
         <p:spPr/>
@@ -12502,10 +12481,10 @@
       </p:sp>
       <p:sp>
         <p:nvSpPr>
-          <p:cNvPr id="5" name="Textplatzhalter 4">
-            <a:extLst>
-              <a:ext uri="{FF2B5EF4-FFF2-40B4-BE49-F238E27FC236}">
-                <a16:creationId xmlns:a16="http://schemas.microsoft.com/office/drawing/2014/main" id="{064D59BE-0376-4E44-A0FE-7031A294F35F}"/>
+          <p:cNvPr id="6" name="Foliennummernplatzhalter 5">
+            <a:extLst>
+              <a:ext uri="{FF2B5EF4-FFF2-40B4-BE49-F238E27FC236}">
+                <a16:creationId xmlns:a16="http://schemas.microsoft.com/office/drawing/2014/main" id="{9B878E9B-BDE0-4DC9-9BC7-6B1CE8112B95}"/>
               </a:ext>
             </a:extLst>
           </p:cNvPr>
@@ -12513,68 +12492,7 @@
             <a:spLocks noGrp="1"/>
           </p:cNvSpPr>
           <p:nvPr>
-            <p:ph type="body" sz="quarter" idx="13"/>
-          </p:nvPr>
-        </p:nvSpPr>
-        <p:spPr/>
-        <p:txBody>
-          <a:bodyPr/>
-          <a:lstStyle/>
-          <a:p>
-            <a:r>
-              <a:rPr lang="en-US"/>
-              <a:t>Transaction data is high-dimensional</a:t>
-            </a:r>
-          </a:p>
-          <a:p>
-            <a:r>
-              <a:rPr lang="en-US"/>
-              <a:t>Each dimension could be a potential </a:t>
-            </a:r>
-            <a:r>
-              <a:rPr lang="en-US" i="1"/>
-              <a:t>QID </a:t>
-            </a:r>
-            <a:r>
-              <a:rPr lang="en-US"/>
-              <a:t>attribute</a:t>
-            </a:r>
-          </a:p>
-          <a:p>
-            <a:r>
-              <a:rPr lang="de-DE"/>
-              <a:t>Curse of high-dimensionality</a:t>
-            </a:r>
-          </a:p>
-          <a:p>
-            <a:r>
-              <a:rPr lang="de-DE"/>
-              <a:t>Bound background knowledge of the attacker</a:t>
-            </a:r>
-          </a:p>
-          <a:p>
-            <a:pPr>
-              <a:buFontTx/>
-              <a:buChar char="-"/>
-            </a:pPr>
-            <a:endParaRPr lang="de-DE" dirty="0"/>
-          </a:p>
-        </p:txBody>
-      </p:sp>
-      <p:sp>
-        <p:nvSpPr>
-          <p:cNvPr id="6" name="Foliennummernplatzhalter 5">
-            <a:extLst>
-              <a:ext uri="{FF2B5EF4-FFF2-40B4-BE49-F238E27FC236}">
-                <a16:creationId xmlns:a16="http://schemas.microsoft.com/office/drawing/2014/main" id="{E25D3BF9-A70C-417F-A9C7-F883A5D091A9}"/>
-              </a:ext>
-            </a:extLst>
-          </p:cNvPr>
-          <p:cNvSpPr>
-            <a:spLocks noGrp="1"/>
-          </p:cNvSpPr>
-          <p:nvPr>
-            <p:ph type="sldNum" sz="quarter" idx="12"/>
+            <p:ph type="sldNum" sz="quarter" idx="16"/>
           </p:nvPr>
         </p:nvSpPr>
         <p:spPr/>
@@ -12591,51 +12509,39 @@
           </a:p>
         </p:txBody>
       </p:sp>
-      <p:pic>
-        <p:nvPicPr>
-          <p:cNvPr id="2050" name="Picture 2" descr="F:\PSI-MSem\5dbb589fabdcab96c9bb12877d5c15c4_preview_card.jpg"/>
-          <p:cNvPicPr>
-            <a:picLocks noChangeAspect="1" noChangeArrowheads="1"/>
-          </p:cNvPicPr>
-          <p:nvPr/>
-        </p:nvPicPr>
-        <p:blipFill>
-          <a:blip r:embed="rId3">
-            <a:extLst>
-              <a:ext uri="{28A0092B-C50C-407E-A947-70E740481C1C}">
-                <a14:useLocalDpi xmlns:a14="http://schemas.microsoft.com/office/drawing/2010/main" val="0"/>
-              </a:ext>
-            </a:extLst>
-          </a:blip>
-          <a:srcRect/>
-          <a:stretch>
-            <a:fillRect/>
-          </a:stretch>
-        </p:blipFill>
-        <p:spPr bwMode="auto">
-          <a:xfrm>
-            <a:off x="4355976" y="3140968"/>
-            <a:ext cx="3610422" cy="2708198"/>
-          </a:xfrm>
-          <a:prstGeom prst="rect">
-            <a:avLst/>
-          </a:prstGeom>
-          <a:noFill/>
-          <a:extLst>
-            <a:ext uri="{909E8E84-426E-40DD-AFC4-6F175D3DCCD1}">
-              <a14:hiddenFill xmlns:a14="http://schemas.microsoft.com/office/drawing/2010/main">
-                <a:solidFill>
-                  <a:srgbClr val="FFFFFF"/>
-                </a:solidFill>
-              </a14:hiddenFill>
-            </a:ext>
-          </a:extLst>
-        </p:spPr>
-      </p:pic>
+      <p:sp>
+        <p:nvSpPr>
+          <p:cNvPr id="2" name="Titel 1">
+            <a:extLst>
+              <a:ext uri="{FF2B5EF4-FFF2-40B4-BE49-F238E27FC236}">
+                <a16:creationId xmlns:a16="http://schemas.microsoft.com/office/drawing/2014/main" id="{60CF76F7-DA21-4280-B132-DB1CBFFB0632}"/>
+              </a:ext>
+            </a:extLst>
+          </p:cNvPr>
+          <p:cNvSpPr>
+            <a:spLocks noGrp="1"/>
+          </p:cNvSpPr>
+          <p:nvPr>
+            <p:ph type="title"/>
+          </p:nvPr>
+        </p:nvSpPr>
+        <p:spPr/>
+        <p:txBody>
+          <a:bodyPr/>
+          <a:lstStyle/>
+          <a:p>
+            <a:r>
+              <a:rPr lang="de-DE"/>
+              <a:t>7. Summary</a:t>
+            </a:r>
+            <a:endParaRPr lang="de-DE" dirty="0"/>
+          </a:p>
+        </p:txBody>
+      </p:sp>
     </p:spTree>
     <p:extLst>
       <p:ext uri="{BB962C8B-B14F-4D97-AF65-F5344CB8AC3E}">
-        <p14:creationId xmlns:p14="http://schemas.microsoft.com/office/powerpoint/2010/main" val="673325542"/>
+        <p14:creationId xmlns:p14="http://schemas.microsoft.com/office/powerpoint/2010/main" val="3866177470"/>
       </p:ext>
     </p:extLst>
   </p:cSld>
@@ -12664,10 +12570,10 @@
       </p:grpSpPr>
       <p:sp>
         <p:nvSpPr>
-          <p:cNvPr id="2" name="Titel 1">
-            <a:extLst>
-              <a:ext uri="{FF2B5EF4-FFF2-40B4-BE49-F238E27FC236}">
-                <a16:creationId xmlns:a16="http://schemas.microsoft.com/office/drawing/2014/main" id="{60CF76F7-DA21-4280-B132-DB1CBFFB0632}"/>
+          <p:cNvPr id="2" name="Textplatzhalter 1">
+            <a:extLst>
+              <a:ext uri="{FF2B5EF4-FFF2-40B4-BE49-F238E27FC236}">
+                <a16:creationId xmlns:a16="http://schemas.microsoft.com/office/drawing/2014/main" id="{49BB8B8B-A570-48B5-98F3-A65233D7450A}"/>
               </a:ext>
             </a:extLst>
           </p:cNvPr>
@@ -12675,7 +12581,7 @@
             <a:spLocks noGrp="1"/>
           </p:cNvSpPr>
           <p:nvPr>
-            <p:ph type="title"/>
+            <p:ph type="body" sz="quarter" idx="13"/>
           </p:nvPr>
         </p:nvSpPr>
         <p:spPr/>
@@ -12684,189 +12590,133 @@
           <a:lstStyle/>
           <a:p>
             <a:r>
-              <a:rPr lang="de-DE" dirty="0"/>
-              <a:t>7. Summary</a:t>
-            </a:r>
-          </a:p>
-        </p:txBody>
-      </p:sp>
-      <p:sp>
-        <p:nvSpPr>
-          <p:cNvPr id="3" name="Datumsplatzhalter 2">
-            <a:extLst>
-              <a:ext uri="{FF2B5EF4-FFF2-40B4-BE49-F238E27FC236}">
-                <a16:creationId xmlns:a16="http://schemas.microsoft.com/office/drawing/2014/main" id="{3B50A201-5742-48F2-9C76-90EB7278DE8B}"/>
-              </a:ext>
-            </a:extLst>
-          </p:cNvPr>
-          <p:cNvSpPr>
-            <a:spLocks noGrp="1"/>
-          </p:cNvSpPr>
-          <p:nvPr>
-            <p:ph type="dt" sz="half" idx="4294967295"/>
-          </p:nvPr>
-        </p:nvSpPr>
-        <p:spPr>
-          <a:xfrm>
-            <a:off x="1331913" y="6208713"/>
-            <a:ext cx="1296987" cy="476250"/>
-          </a:xfrm>
-        </p:spPr>
-        <p:txBody>
-          <a:bodyPr/>
-          <a:lstStyle/>
-          <a:p>
-            <a:r>
-              <a:rPr lang="de-DE" dirty="0"/>
-              <a:t>30.01.2018</a:t>
-            </a:r>
-          </a:p>
-        </p:txBody>
-      </p:sp>
-      <p:sp>
-        <p:nvSpPr>
-          <p:cNvPr id="4" name="Fußzeilenplatzhalter 3">
-            <a:extLst>
-              <a:ext uri="{FF2B5EF4-FFF2-40B4-BE49-F238E27FC236}">
-                <a16:creationId xmlns:a16="http://schemas.microsoft.com/office/drawing/2014/main" id="{905609BE-6FD9-442B-89BF-1438B615F4CE}"/>
-              </a:ext>
-            </a:extLst>
-          </p:cNvPr>
-          <p:cNvSpPr>
-            <a:spLocks noGrp="1"/>
-          </p:cNvSpPr>
-          <p:nvPr>
-            <p:ph type="ftr" sz="quarter" idx="4294967295"/>
-          </p:nvPr>
-        </p:nvSpPr>
-        <p:spPr/>
-        <p:txBody>
-          <a:bodyPr/>
-          <a:lstStyle/>
-          <a:p>
-            <a:r>
-              <a:rPr lang="de-DE" dirty="0"/>
-              <a:t>Andreas Wiegand &amp; Ludwig Schallner</a:t>
-            </a:r>
-          </a:p>
-        </p:txBody>
-      </p:sp>
-      <p:sp>
-        <p:nvSpPr>
-          <p:cNvPr id="5" name="Textplatzhalter 4">
-            <a:extLst>
-              <a:ext uri="{FF2B5EF4-FFF2-40B4-BE49-F238E27FC236}">
-                <a16:creationId xmlns:a16="http://schemas.microsoft.com/office/drawing/2014/main" id="{BE3AB503-2D36-4EFD-97BC-4FB481D902EA}"/>
-              </a:ext>
-            </a:extLst>
-          </p:cNvPr>
-          <p:cNvSpPr>
-            <a:spLocks noGrp="1"/>
-          </p:cNvSpPr>
-          <p:nvPr>
-            <p:ph type="body" sz="quarter" idx="13"/>
-          </p:nvPr>
-        </p:nvSpPr>
-        <p:spPr/>
-        <p:txBody>
-          <a:bodyPr/>
-          <a:lstStyle/>
-          <a:p>
-            <a:r>
-              <a:rPr lang="en-US" dirty="0"/>
-              <a:t>There is no </a:t>
-            </a:r>
-            <a:r>
-              <a:rPr lang="en-US" dirty="0" err="1"/>
-              <a:t>compination</a:t>
-            </a:r>
-            <a:r>
-              <a:rPr lang="en-US" dirty="0"/>
-              <a:t> between optimal k-anonymity and </a:t>
-            </a:r>
-            <a:r>
-              <a:rPr lang="en-US" dirty="0" err="1"/>
-              <a:t>dataquality</a:t>
-            </a:r>
-            <a:endParaRPr lang="en-US" dirty="0"/>
-          </a:p>
-          <a:p>
-            <a:r>
-              <a:rPr lang="en-US" dirty="0"/>
-              <a:t>Attacks against anonymity</a:t>
-            </a:r>
-          </a:p>
-          <a:p>
-            <a:r>
-              <a:rPr lang="de-DE" i="1" dirty="0"/>
-              <a:t>Usability and </a:t>
-            </a:r>
-            <a:r>
-              <a:rPr lang="de-DE" i="1" dirty="0" err="1"/>
-              <a:t>anonymity</a:t>
-            </a:r>
-            <a:endParaRPr lang="de-DE" i="1" dirty="0"/>
-          </a:p>
-          <a:p>
-            <a:r>
-              <a:rPr lang="de-DE" i="1" dirty="0" err="1"/>
-              <a:t>Identifie</a:t>
-            </a:r>
-            <a:r>
-              <a:rPr lang="de-DE" i="1" dirty="0"/>
-              <a:t> Quasi </a:t>
-            </a:r>
-            <a:r>
-              <a:rPr lang="de-DE" i="1" dirty="0" err="1"/>
-              <a:t>identifiers</a:t>
-            </a:r>
-            <a:endParaRPr lang="de-DE" i="1" dirty="0"/>
-          </a:p>
-          <a:p>
-            <a:r>
-              <a:rPr lang="de-DE" dirty="0"/>
-              <a:t>NP – Hard</a:t>
-            </a:r>
-          </a:p>
-          <a:p>
-            <a:r>
-              <a:rPr lang="de-DE" dirty="0" err="1"/>
-              <a:t>Only</a:t>
-            </a:r>
-            <a:r>
-              <a:rPr lang="de-DE" dirty="0"/>
+              <a:rPr lang="en-US" sz="1600" i="1" dirty="0"/>
+              <a:t>k</a:t>
+            </a:r>
+            <a:r>
+              <a:rPr lang="en-US" sz="1600" dirty="0"/>
+              <a:t>-ANONYMITY: A MODEL FOR PROTECTING PRIVACY - </a:t>
+            </a:r>
+            <a:r>
+              <a:rPr lang="de-DE" sz="1600" dirty="0"/>
+              <a:t>LATANYA SWEENEY</a:t>
+            </a:r>
+          </a:p>
+          <a:p>
+            <a:r>
+              <a:rPr lang="de-DE" sz="1600" dirty="0"/>
+              <a:t>ACHIEVING </a:t>
+            </a:r>
+            <a:r>
+              <a:rPr lang="de-DE" sz="1600" i="1" dirty="0"/>
+              <a:t>k</a:t>
+            </a:r>
+            <a:r>
+              <a:rPr lang="de-DE" sz="1600" dirty="0"/>
+              <a:t>-ANONYMITY PRIVACY PROTECTIONUSING GENERALIZATION AND SUPPRESSION- LATANYA SWEENEY</a:t>
+            </a:r>
+          </a:p>
+          <a:p>
+            <a:r>
+              <a:rPr lang="de-DE" sz="1600" dirty="0" err="1"/>
+              <a:t>Efficient</a:t>
+            </a:r>
+            <a:r>
+              <a:rPr lang="de-DE" sz="1600" dirty="0"/>
+              <a:t> Multidimensional Suppression </a:t>
+            </a:r>
+            <a:r>
+              <a:rPr lang="de-DE" sz="1600" dirty="0" err="1"/>
+              <a:t>for</a:t>
+            </a:r>
+            <a:r>
+              <a:rPr lang="de-DE" sz="1600" dirty="0"/>
+              <a:t> K-</a:t>
+            </a:r>
+            <a:r>
+              <a:rPr lang="de-DE" sz="1600" dirty="0" err="1"/>
+              <a:t>Anonymity</a:t>
+            </a:r>
+            <a:r>
+              <a:rPr lang="de-DE" sz="1600" dirty="0"/>
+              <a:t> – </a:t>
+            </a:r>
+            <a:r>
+              <a:rPr lang="de-DE" sz="1600" dirty="0" err="1"/>
+              <a:t>Kisilevich</a:t>
+            </a:r>
+            <a:endParaRPr lang="de-DE" sz="1600" dirty="0"/>
+          </a:p>
+          <a:p>
+            <a:r>
+              <a:rPr lang="en-US" sz="1600" dirty="0"/>
+              <a:t>A Globally Optimal k-Anonymity Method for the </a:t>
+            </a:r>
+            <a:r>
+              <a:rPr lang="de-DE" sz="1600" dirty="0"/>
+              <a:t>De-</a:t>
+            </a:r>
+            <a:r>
+              <a:rPr lang="de-DE" sz="1600" dirty="0" err="1"/>
+              <a:t>Identification</a:t>
+            </a:r>
+            <a:r>
+              <a:rPr lang="de-DE" sz="1600" dirty="0"/>
               <a:t> </a:t>
             </a:r>
             <a:r>
-              <a:rPr lang="de-DE" dirty="0" err="1"/>
-              <a:t>heuristics</a:t>
-            </a:r>
-            <a:r>
-              <a:rPr lang="de-DE" dirty="0"/>
-              <a:t> </a:t>
-            </a:r>
-            <a:r>
-              <a:rPr lang="de-DE" dirty="0" err="1"/>
-              <a:t>no</a:t>
-            </a:r>
-            <a:r>
-              <a:rPr lang="de-DE" dirty="0"/>
-              <a:t> </a:t>
-            </a:r>
-            <a:r>
-              <a:rPr lang="de-DE" dirty="0" err="1"/>
-              <a:t>rules</a:t>
-            </a:r>
-            <a:r>
-              <a:rPr lang="de-DE" dirty="0"/>
-              <a:t> like mutual Information </a:t>
-            </a:r>
-          </a:p>
-          <a:p>
-            <a:pPr marL="0" indent="0">
-              <a:buNone/>
-            </a:pPr>
-            <a:endParaRPr lang="de-DE" i="1" dirty="0"/>
+              <a:rPr lang="de-DE" sz="1600" dirty="0" err="1"/>
+              <a:t>of</a:t>
+            </a:r>
+            <a:r>
+              <a:rPr lang="de-DE" sz="1600" dirty="0"/>
+              <a:t> Health Data - EL EMAM</a:t>
+            </a:r>
+          </a:p>
+          <a:p>
+            <a:r>
+              <a:rPr lang="en-US" sz="1600" dirty="0"/>
+              <a:t>On the Complexity of Optimal </a:t>
+            </a:r>
+            <a:r>
+              <a:rPr lang="en-US" sz="1600" dirty="0" err="1"/>
+              <a:t>Kanonymity</a:t>
+            </a:r>
+            <a:r>
+              <a:rPr lang="en-US" sz="1600" dirty="0"/>
+              <a:t> - </a:t>
+            </a:r>
+            <a:r>
+              <a:rPr lang="de-DE" sz="1600" dirty="0"/>
+              <a:t>Adam </a:t>
+            </a:r>
+            <a:r>
+              <a:rPr lang="de-DE" sz="1600" dirty="0" err="1"/>
+              <a:t>Meyerson</a:t>
+            </a:r>
+            <a:r>
+              <a:rPr lang="de-DE" sz="1600" dirty="0"/>
+              <a:t>/ Ryan Williams</a:t>
+            </a:r>
+          </a:p>
+          <a:p>
+            <a:r>
+              <a:rPr lang="en-US" sz="1600" dirty="0"/>
+              <a:t>On k-Anonymity and the Curse of Dimensionality - </a:t>
+            </a:r>
+            <a:r>
+              <a:rPr lang="de-DE" sz="1600" dirty="0" err="1"/>
+              <a:t>Charu</a:t>
+            </a:r>
+            <a:r>
+              <a:rPr lang="de-DE" sz="1600" dirty="0"/>
+              <a:t> C. </a:t>
+            </a:r>
+            <a:r>
+              <a:rPr lang="de-DE" sz="1600" dirty="0" err="1"/>
+              <a:t>Aggarwal</a:t>
+            </a:r>
+            <a:endParaRPr lang="de-DE" sz="1600" dirty="0"/>
           </a:p>
           <a:p>
             <a:pPr marL="0" indent="0">
@@ -12874,20 +12724,71 @@
             </a:pPr>
             <a:endParaRPr lang="de-DE" dirty="0"/>
           </a:p>
-          <a:p>
-            <a:pPr marL="0" indent="0">
-              <a:buNone/>
-            </a:pPr>
+        </p:txBody>
+      </p:sp>
+      <p:sp>
+        <p:nvSpPr>
+          <p:cNvPr id="3" name="Datumsplatzhalter 2">
+            <a:extLst>
+              <a:ext uri="{FF2B5EF4-FFF2-40B4-BE49-F238E27FC236}">
+                <a16:creationId xmlns:a16="http://schemas.microsoft.com/office/drawing/2014/main" id="{F0DB5EA5-51C9-4549-9895-5448C09EA1B3}"/>
+              </a:ext>
+            </a:extLst>
+          </p:cNvPr>
+          <p:cNvSpPr>
+            <a:spLocks noGrp="1"/>
+          </p:cNvSpPr>
+          <p:nvPr>
+            <p:ph type="dt" sz="half" idx="14"/>
+          </p:nvPr>
+        </p:nvSpPr>
+        <p:spPr/>
+        <p:txBody>
+          <a:bodyPr/>
+          <a:lstStyle/>
+          <a:p>
+            <a:r>
+              <a:rPr lang="de-DE" dirty="0"/>
+              <a:t>30.01.2018</a:t>
+            </a:r>
+          </a:p>
+        </p:txBody>
+      </p:sp>
+      <p:sp>
+        <p:nvSpPr>
+          <p:cNvPr id="4" name="Fußzeilenplatzhalter 3">
+            <a:extLst>
+              <a:ext uri="{FF2B5EF4-FFF2-40B4-BE49-F238E27FC236}">
+                <a16:creationId xmlns:a16="http://schemas.microsoft.com/office/drawing/2014/main" id="{C0C37ED7-1187-42D7-86ED-39A26DA047F1}"/>
+              </a:ext>
+            </a:extLst>
+          </p:cNvPr>
+          <p:cNvSpPr>
+            <a:spLocks noGrp="1"/>
+          </p:cNvSpPr>
+          <p:nvPr>
+            <p:ph type="ftr" sz="quarter" idx="15"/>
+          </p:nvPr>
+        </p:nvSpPr>
+        <p:spPr/>
+        <p:txBody>
+          <a:bodyPr/>
+          <a:lstStyle/>
+          <a:p>
+            <a:r>
+              <a:rPr lang="de-DE"/>
+              <a:t>Schallner Ludwig, Wiegnand Andreas</a:t>
+            </a:r>
             <a:endParaRPr lang="de-DE" dirty="0"/>
           </a:p>
         </p:txBody>
       </p:sp>
       <p:sp>
         <p:nvSpPr>
-          <p:cNvPr id="6" name="Foliennummernplatzhalter 5">
-            <a:extLst>
-              <a:ext uri="{FF2B5EF4-FFF2-40B4-BE49-F238E27FC236}">
-                <a16:creationId xmlns:a16="http://schemas.microsoft.com/office/drawing/2014/main" id="{9B878E9B-BDE0-4DC9-9BC7-6B1CE8112B95}"/>
+          <p:cNvPr id="5" name="Foliennummernplatzhalter 4">
+            <a:extLst>
+              <a:ext uri="{FF2B5EF4-FFF2-40B4-BE49-F238E27FC236}">
+                <a16:creationId xmlns:a16="http://schemas.microsoft.com/office/drawing/2014/main" id="{16D6F16B-2528-4FEE-88E6-5ED93A994027}"/>
               </a:ext>
             </a:extLst>
           </p:cNvPr>
@@ -12895,7 +12796,7 @@
             <a:spLocks noGrp="1"/>
           </p:cNvSpPr>
           <p:nvPr>
-            <p:ph type="sldNum" sz="quarter" idx="4294967295"/>
+            <p:ph type="sldNum" sz="quarter" idx="16"/>
           </p:nvPr>
         </p:nvSpPr>
         <p:spPr/>
@@ -12907,281 +12808,6 @@
               <a:rPr lang="de-DE" smtClean="0"/>
               <a:pPr/>
               <a:t>23</a:t>
-            </a:fld>
-            <a:endParaRPr lang="de-DE" dirty="0"/>
-          </a:p>
-        </p:txBody>
-      </p:sp>
-    </p:spTree>
-    <p:extLst>
-      <p:ext uri="{BB962C8B-B14F-4D97-AF65-F5344CB8AC3E}">
-        <p14:creationId xmlns:p14="http://schemas.microsoft.com/office/powerpoint/2010/main" val="3866177470"/>
-      </p:ext>
-    </p:extLst>
-  </p:cSld>
-  <p:clrMapOvr>
-    <a:masterClrMapping/>
-  </p:clrMapOvr>
-</p:sld>
-</file>
-
-<file path=ppt/slides/slide24.xml><?xml version="1.0" encoding="utf-8"?>
-<p:sld xmlns:a="http://schemas.openxmlformats.org/drawingml/2006/main" xmlns:r="http://schemas.openxmlformats.org/officeDocument/2006/relationships" xmlns:p="http://schemas.openxmlformats.org/presentationml/2006/main">
-  <p:cSld>
-    <p:spTree>
-      <p:nvGrpSpPr>
-        <p:cNvPr id="1" name=""/>
-        <p:cNvGrpSpPr/>
-        <p:nvPr/>
-      </p:nvGrpSpPr>
-      <p:grpSpPr>
-        <a:xfrm>
-          <a:off x="0" y="0"/>
-          <a:ext cx="0" cy="0"/>
-          <a:chOff x="0" y="0"/>
-          <a:chExt cx="0" cy="0"/>
-        </a:xfrm>
-      </p:grpSpPr>
-      <p:sp>
-        <p:nvSpPr>
-          <p:cNvPr id="2" name="Textplatzhalter 1">
-            <a:extLst>
-              <a:ext uri="{FF2B5EF4-FFF2-40B4-BE49-F238E27FC236}">
-                <a16:creationId xmlns:a16="http://schemas.microsoft.com/office/drawing/2014/main" id="{49BB8B8B-A570-48B5-98F3-A65233D7450A}"/>
-              </a:ext>
-            </a:extLst>
-          </p:cNvPr>
-          <p:cNvSpPr>
-            <a:spLocks noGrp="1"/>
-          </p:cNvSpPr>
-          <p:nvPr>
-            <p:ph type="body" sz="quarter" idx="13"/>
-          </p:nvPr>
-        </p:nvSpPr>
-        <p:spPr/>
-        <p:txBody>
-          <a:bodyPr/>
-          <a:lstStyle/>
-          <a:p>
-            <a:r>
-              <a:rPr lang="en-US" sz="1600" i="1" dirty="0"/>
-              <a:t>k</a:t>
-            </a:r>
-            <a:r>
-              <a:rPr lang="en-US" sz="1600" dirty="0"/>
-              <a:t>-ANONYMITY: A MODEL FOR PROTECTING PRIVACY - </a:t>
-            </a:r>
-            <a:r>
-              <a:rPr lang="de-DE" sz="1600" dirty="0"/>
-              <a:t>LATANYA SWEENEY</a:t>
-            </a:r>
-          </a:p>
-          <a:p>
-            <a:r>
-              <a:rPr lang="de-DE" sz="1600" dirty="0"/>
-              <a:t>ACHIEVING </a:t>
-            </a:r>
-            <a:r>
-              <a:rPr lang="de-DE" sz="1600" i="1" dirty="0"/>
-              <a:t>k</a:t>
-            </a:r>
-            <a:r>
-              <a:rPr lang="de-DE" sz="1600" dirty="0"/>
-              <a:t>-ANONYMITY PRIVACY PROTECTIONUSING GENERALIZATION AND SUPPRESSION- LATANYA SWEENEY</a:t>
-            </a:r>
-          </a:p>
-          <a:p>
-            <a:r>
-              <a:rPr lang="de-DE" sz="1600" dirty="0" err="1"/>
-              <a:t>Efficient</a:t>
-            </a:r>
-            <a:r>
-              <a:rPr lang="de-DE" sz="1600" dirty="0"/>
-              <a:t> Multidimensional Suppression </a:t>
-            </a:r>
-            <a:r>
-              <a:rPr lang="de-DE" sz="1600" dirty="0" err="1"/>
-              <a:t>for</a:t>
-            </a:r>
-            <a:r>
-              <a:rPr lang="de-DE" sz="1600" dirty="0"/>
-              <a:t> K-</a:t>
-            </a:r>
-            <a:r>
-              <a:rPr lang="de-DE" sz="1600" dirty="0" err="1"/>
-              <a:t>Anonymity</a:t>
-            </a:r>
-            <a:r>
-              <a:rPr lang="de-DE" sz="1600" dirty="0"/>
-              <a:t> – </a:t>
-            </a:r>
-            <a:r>
-              <a:rPr lang="de-DE" sz="1600" dirty="0" err="1"/>
-              <a:t>Kisilevich</a:t>
-            </a:r>
-            <a:endParaRPr lang="de-DE" sz="1600" dirty="0"/>
-          </a:p>
-          <a:p>
-            <a:r>
-              <a:rPr lang="en-US" sz="1600" dirty="0"/>
-              <a:t>A Globally Optimal k-Anonymity Method for the </a:t>
-            </a:r>
-            <a:r>
-              <a:rPr lang="de-DE" sz="1600" dirty="0"/>
-              <a:t>De-</a:t>
-            </a:r>
-            <a:r>
-              <a:rPr lang="de-DE" sz="1600" dirty="0" err="1"/>
-              <a:t>Identification</a:t>
-            </a:r>
-            <a:r>
-              <a:rPr lang="de-DE" sz="1600" dirty="0"/>
-              <a:t> </a:t>
-            </a:r>
-            <a:r>
-              <a:rPr lang="de-DE" sz="1600" dirty="0" err="1"/>
-              <a:t>of</a:t>
-            </a:r>
-            <a:r>
-              <a:rPr lang="de-DE" sz="1600" dirty="0"/>
-              <a:t> Health Data - EL EMAM</a:t>
-            </a:r>
-          </a:p>
-          <a:p>
-            <a:r>
-              <a:rPr lang="en-US" sz="1600" dirty="0"/>
-              <a:t>On the Complexity of Optimal </a:t>
-            </a:r>
-            <a:r>
-              <a:rPr lang="en-US" sz="1600" dirty="0" err="1"/>
-              <a:t>Kanonymity</a:t>
-            </a:r>
-            <a:r>
-              <a:rPr lang="en-US" sz="1600" dirty="0"/>
-              <a:t> - </a:t>
-            </a:r>
-            <a:r>
-              <a:rPr lang="de-DE" sz="1600" dirty="0"/>
-              <a:t>Adam </a:t>
-            </a:r>
-            <a:r>
-              <a:rPr lang="de-DE" sz="1600" dirty="0" err="1"/>
-              <a:t>Meyerson</a:t>
-            </a:r>
-            <a:r>
-              <a:rPr lang="de-DE" sz="1600" dirty="0"/>
-              <a:t>/ Ryan Williams</a:t>
-            </a:r>
-          </a:p>
-          <a:p>
-            <a:r>
-              <a:rPr lang="en-US" sz="1600" dirty="0"/>
-              <a:t>On k-Anonymity and the Curse of Dimensionality - </a:t>
-            </a:r>
-            <a:r>
-              <a:rPr lang="de-DE" sz="1600" dirty="0" err="1"/>
-              <a:t>Charu</a:t>
-            </a:r>
-            <a:r>
-              <a:rPr lang="de-DE" sz="1600" dirty="0"/>
-              <a:t> C. </a:t>
-            </a:r>
-            <a:r>
-              <a:rPr lang="de-DE" sz="1600" dirty="0" err="1"/>
-              <a:t>Aggarwal</a:t>
-            </a:r>
-            <a:endParaRPr lang="de-DE" sz="1600" dirty="0"/>
-          </a:p>
-          <a:p>
-            <a:pPr marL="0" indent="0">
-              <a:buNone/>
-            </a:pPr>
-            <a:endParaRPr lang="de-DE" dirty="0"/>
-          </a:p>
-        </p:txBody>
-      </p:sp>
-      <p:sp>
-        <p:nvSpPr>
-          <p:cNvPr id="3" name="Datumsplatzhalter 2">
-            <a:extLst>
-              <a:ext uri="{FF2B5EF4-FFF2-40B4-BE49-F238E27FC236}">
-                <a16:creationId xmlns:a16="http://schemas.microsoft.com/office/drawing/2014/main" id="{F0DB5EA5-51C9-4549-9895-5448C09EA1B3}"/>
-              </a:ext>
-            </a:extLst>
-          </p:cNvPr>
-          <p:cNvSpPr>
-            <a:spLocks noGrp="1"/>
-          </p:cNvSpPr>
-          <p:nvPr>
-            <p:ph type="dt" sz="half" idx="14"/>
-          </p:nvPr>
-        </p:nvSpPr>
-        <p:spPr/>
-        <p:txBody>
-          <a:bodyPr/>
-          <a:lstStyle/>
-          <a:p>
-            <a:r>
-              <a:rPr lang="de-DE" dirty="0"/>
-              <a:t>30.01.2018</a:t>
-            </a:r>
-          </a:p>
-        </p:txBody>
-      </p:sp>
-      <p:sp>
-        <p:nvSpPr>
-          <p:cNvPr id="4" name="Fußzeilenplatzhalter 3">
-            <a:extLst>
-              <a:ext uri="{FF2B5EF4-FFF2-40B4-BE49-F238E27FC236}">
-                <a16:creationId xmlns:a16="http://schemas.microsoft.com/office/drawing/2014/main" id="{C0C37ED7-1187-42D7-86ED-39A26DA047F1}"/>
-              </a:ext>
-            </a:extLst>
-          </p:cNvPr>
-          <p:cNvSpPr>
-            <a:spLocks noGrp="1"/>
-          </p:cNvSpPr>
-          <p:nvPr>
-            <p:ph type="ftr" sz="quarter" idx="15"/>
-          </p:nvPr>
-        </p:nvSpPr>
-        <p:spPr/>
-        <p:txBody>
-          <a:bodyPr/>
-          <a:lstStyle/>
-          <a:p>
-            <a:r>
-              <a:rPr lang="de-DE"/>
-              <a:t>Schallner Ludwig, Wiegnand Andreas</a:t>
-            </a:r>
-            <a:endParaRPr lang="de-DE" dirty="0"/>
-          </a:p>
-        </p:txBody>
-      </p:sp>
-      <p:sp>
-        <p:nvSpPr>
-          <p:cNvPr id="5" name="Foliennummernplatzhalter 4">
-            <a:extLst>
-              <a:ext uri="{FF2B5EF4-FFF2-40B4-BE49-F238E27FC236}">
-                <a16:creationId xmlns:a16="http://schemas.microsoft.com/office/drawing/2014/main" id="{16D6F16B-2528-4FEE-88E6-5ED93A994027}"/>
-              </a:ext>
-            </a:extLst>
-          </p:cNvPr>
-          <p:cNvSpPr>
-            <a:spLocks noGrp="1"/>
-          </p:cNvSpPr>
-          <p:nvPr>
-            <p:ph type="sldNum" sz="quarter" idx="16"/>
-          </p:nvPr>
-        </p:nvSpPr>
-        <p:spPr/>
-        <p:txBody>
-          <a:bodyPr/>
-          <a:lstStyle/>
-          <a:p>
-            <a:fld id="{50E76E58-F275-47A3-BB17-470016A267B6}" type="slidenum">
-              <a:rPr lang="de-DE" smtClean="0"/>
-              <a:pPr/>
-              <a:t>24</a:t>
             </a:fld>
             <a:endParaRPr lang="de-DE"/>
           </a:p>
@@ -15205,25 +14831,6 @@
     <a:masterClrMapping/>
   </p:clrMapOvr>
 </p:sld>
-</file>
-
-<file path=ppt/tags/tag1.xml><?xml version="1.0" encoding="utf-8"?>
-<p:tagLst xmlns:a="http://schemas.openxmlformats.org/drawingml/2006/main" xmlns:r="http://schemas.openxmlformats.org/officeDocument/2006/relationships" xmlns:p="http://schemas.openxmlformats.org/presentationml/2006/main">
-  <p:tag name="OUTPUTDPI" val="1200"/>
-  <p:tag name="ORIGINALHEIGHT" val="243,7195"/>
-  <p:tag name="ORIGINALWIDTH" val="1469,066"/>
-  <p:tag name="LATEXADDIN" val="\documentclass{article}&#10;\usepackage{amsmath}&#10;\pagestyle{empty}&#10;\begin{document}&#10;&#10;$ WHD (p, q) = \frac{\sum_{j=q+1}^{p} \omega_{j,j-1}}{\sum_{j=2}^{h} \omega_{j,j-1}} $&#10;&#10;&#10;\end{document}"/>
-  <p:tag name="IGUANATEXSIZE" val="20"/>
-  <p:tag name="IGUANATEXCURSOR" val="167"/>
-  <p:tag name="TRANSPARENCY" val="Wahr"/>
-  <p:tag name="FILENAME" val=""/>
-  <p:tag name="LATEXENGINEID" val="0"/>
-  <p:tag name="TEMPFOLDER" val="c:\temp\"/>
-  <p:tag name="LATEXFORMHEIGHT" val="312"/>
-  <p:tag name="LATEXFORMWIDTH" val="384"/>
-  <p:tag name="LATEXFORMWRAP" val="Wahr"/>
-  <p:tag name="BITMAPVECTOR" val="0"/>
-</p:tagLst>
 </file>
 
 <file path=ppt/theme/theme1.xml><?xml version="1.0" encoding="utf-8"?>
@@ -16307,18 +15914,18 @@
 
 <file path=customXml/item1.xml><?xml version="1.0" encoding="utf-8"?>
 <Control xmlns="http://schemas.microsoft.com/VisualStudio/2011/storyboarding/control">
-  <Id Name="dec3670c-0d6f-4455-9c2f-971d108358d4" Revision="1" Stencil="System.MyShapes" StencilVersion="1.0"/>
+  <Id Name="System.Storyboarding.Common.Button" Revision="1" Stencil="System.Storyboarding.Common" StencilVersion="0.1"/>
 </Control>
 </file>
 
 <file path=customXml/item2.xml><?xml version="1.0" encoding="utf-8"?>
 <Control xmlns="http://schemas.microsoft.com/VisualStudio/2011/storyboarding/control">
-  <Id Name="System.Storyboarding.Common.Button" Revision="1" Stencil="System.Storyboarding.Common" StencilVersion="0.1"/>
+  <Id Name="dec3670c-0d6f-4455-9c2f-971d108358d4" Revision="1" Stencil="System.MyShapes" StencilVersion="1.0"/>
 </Control>
 </file>
 
 <file path=customXml/itemProps1.xml><?xml version="1.0" encoding="utf-8"?>
-<ds:datastoreItem xmlns:ds="http://schemas.openxmlformats.org/officeDocument/2006/customXml" ds:itemID="{566C5A5A-5A83-4A95-95C1-260C6D486DE6}">
+<ds:datastoreItem xmlns:ds="http://schemas.openxmlformats.org/officeDocument/2006/customXml" ds:itemID="{206AFEA3-501E-4E71-91B3-BDBE1D839E11}">
   <ds:schemaRefs>
     <ds:schemaRef ds:uri="http://schemas.microsoft.com/VisualStudio/2011/storyboarding/control"/>
   </ds:schemaRefs>
@@ -16326,7 +15933,7 @@
 </file>
 
 <file path=customXml/itemProps2.xml><?xml version="1.0" encoding="utf-8"?>
-<ds:datastoreItem xmlns:ds="http://schemas.openxmlformats.org/officeDocument/2006/customXml" ds:itemID="{206AFEA3-501E-4E71-91B3-BDBE1D839E11}">
+<ds:datastoreItem xmlns:ds="http://schemas.openxmlformats.org/officeDocument/2006/customXml" ds:itemID="{566C5A5A-5A83-4A95-95C1-260C6D486DE6}">
   <ds:schemaRefs>
     <ds:schemaRef ds:uri="http://schemas.microsoft.com/VisualStudio/2011/storyboarding/control"/>
   </ds:schemaRefs>

--- a/presentation/sicherheits_final_anV3.pptx
+++ b/presentation/sicherheits_final_anV3.pptx
@@ -294,7 +294,7 @@
             <a:fld id="{5BB45A7C-CD8D-4615-9E21-7904701129AE}" type="datetimeFigureOut">
               <a:rPr lang="de-DE"/>
               <a:pPr/>
-              <a:t>05.02.2018</a:t>
+              <a:t>06.02.2018</a:t>
             </a:fld>
             <a:endParaRPr lang="de-DE"/>
           </a:p>
@@ -1021,7 +1021,7 @@
             </a:r>
             <a:r>
               <a:rPr lang="en-US" dirty="0"/>
-              <a:t> . Example</a:t>
+              <a:t> . Data Crime</a:t>
             </a:r>
           </a:p>
           <a:p>
@@ -1151,7 +1151,7 @@
             </a:r>
             <a:r>
               <a:rPr lang="en-US" dirty="0"/>
-              <a:t>this problem has been proven to be NP-hard. So these means we </a:t>
+              <a:t>this optimal k-anonymity problem has been proven to be NP-hard. So these means we </a:t>
             </a:r>
             <a:r>
               <a:rPr lang="en-US" dirty="0" err="1"/>
@@ -1271,10 +1271,19 @@
                 <a:ea typeface="+mn-ea"/>
                 <a:cs typeface="+mn-cs"/>
               </a:rPr>
-              <a:t>Transaction data is usually high-dimensional. For example, Amazon.com has several</a:t>
-            </a:r>
-          </a:p>
-          <a:p>
+              <a:t>Transaction data is usually high-dimensional. For example, Amazon.com has several million catalog items. Each dimension could be a potential </a:t>
+            </a:r>
+            <a:r>
+              <a:rPr lang="en-US" sz="1200" b="0" i="1" u="none" strike="noStrike" kern="1200" baseline="0" dirty="0">
+                <a:solidFill>
+                  <a:schemeClr val="tx1"/>
+                </a:solidFill>
+                <a:latin typeface="Arial" charset="0"/>
+                <a:ea typeface="+mn-ea"/>
+                <a:cs typeface="+mn-cs"/>
+              </a:rPr>
+              <a:t>QID </a:t>
+            </a:r>
             <a:r>
               <a:rPr lang="en-US" sz="1200" b="0" i="0" u="none" strike="noStrike" kern="1200" baseline="0" dirty="0">
                 <a:solidFill>
@@ -1284,19 +1293,10 @@
                 <a:ea typeface="+mn-ea"/>
                 <a:cs typeface="+mn-cs"/>
               </a:rPr>
-              <a:t>million catalog items. Each dimension could be a potential </a:t>
-            </a:r>
-            <a:r>
-              <a:rPr lang="en-US" sz="1200" b="0" i="1" u="none" strike="noStrike" kern="1200" baseline="0" dirty="0">
-                <a:solidFill>
-                  <a:schemeClr val="tx1"/>
-                </a:solidFill>
-                <a:latin typeface="Arial" charset="0"/>
-                <a:ea typeface="+mn-ea"/>
-                <a:cs typeface="+mn-cs"/>
-              </a:rPr>
-              <a:t>QID </a:t>
-            </a:r>
+              <a:t>attribute used</a:t>
+            </a:r>
+          </a:p>
+          <a:p>
             <a:r>
               <a:rPr lang="en-US" sz="1200" b="0" i="0" u="none" strike="noStrike" kern="1200" baseline="0" dirty="0">
                 <a:solidFill>
@@ -1306,33 +1306,7 @@
                 <a:ea typeface="+mn-ea"/>
                 <a:cs typeface="+mn-cs"/>
               </a:rPr>
-              <a:t>attribute used</a:t>
-            </a:r>
-          </a:p>
-          <a:p>
-            <a:r>
-              <a:rPr lang="en-US" sz="1200" b="0" i="0" u="none" strike="noStrike" kern="1200" baseline="0" dirty="0">
-                <a:solidFill>
-                  <a:schemeClr val="tx1"/>
-                </a:solidFill>
-                <a:latin typeface="Arial" charset="0"/>
-                <a:ea typeface="+mn-ea"/>
-                <a:cs typeface="+mn-cs"/>
-              </a:rPr>
-              <a:t>for record or attribute linkages; therefore, employing traditional privacy models, such</a:t>
-            </a:r>
-          </a:p>
-          <a:p>
-            <a:r>
-              <a:rPr lang="en-US" sz="1200" b="0" i="0" u="none" strike="noStrike" kern="1200" baseline="0" dirty="0">
-                <a:solidFill>
-                  <a:schemeClr val="tx1"/>
-                </a:solidFill>
-                <a:latin typeface="Arial" charset="0"/>
-                <a:ea typeface="+mn-ea"/>
-                <a:cs typeface="+mn-cs"/>
-              </a:rPr>
-              <a:t>as </a:t>
+              <a:t>for record or attribute linkages; therefore, employing traditional privacy models, such as </a:t>
             </a:r>
             <a:r>
               <a:rPr lang="en-US" sz="1200" b="0" i="1" u="none" strike="noStrike" kern="1200" baseline="0" dirty="0">
@@ -1399,51 +1373,7 @@
                 <a:ea typeface="+mn-ea"/>
                 <a:cs typeface="+mn-cs"/>
               </a:rPr>
-              <a:t>Due </a:t>
-            </a:r>
-            <a:r>
-              <a:rPr lang="de-DE" sz="1200" b="0" i="0" u="none" strike="noStrike" kern="1200" baseline="0" dirty="0" err="1">
-                <a:solidFill>
-                  <a:schemeClr val="tx1"/>
-                </a:solidFill>
-                <a:latin typeface="Arial" charset="0"/>
-                <a:ea typeface="+mn-ea"/>
-                <a:cs typeface="+mn-cs"/>
-              </a:rPr>
-              <a:t>to</a:t>
-            </a:r>
-            <a:r>
-              <a:rPr lang="de-DE" sz="1200" b="0" i="0" u="none" strike="noStrike" kern="1200" baseline="0" dirty="0">
-                <a:solidFill>
-                  <a:schemeClr val="tx1"/>
-                </a:solidFill>
-                <a:latin typeface="Arial" charset="0"/>
-                <a:ea typeface="+mn-ea"/>
-                <a:cs typeface="+mn-cs"/>
-              </a:rPr>
-              <a:t> </a:t>
-            </a:r>
-            <a:r>
-              <a:rPr lang="de-DE" sz="1200" b="0" i="0" u="none" strike="noStrike" kern="1200" baseline="0" dirty="0" err="1">
-                <a:solidFill>
-                  <a:schemeClr val="tx1"/>
-                </a:solidFill>
-                <a:latin typeface="Arial" charset="0"/>
-                <a:ea typeface="+mn-ea"/>
-                <a:cs typeface="+mn-cs"/>
-              </a:rPr>
-              <a:t>the</a:t>
-            </a:r>
-            <a:r>
-              <a:rPr lang="de-DE" sz="1200" b="0" i="0" u="none" strike="noStrike" kern="1200" baseline="0" dirty="0">
-                <a:solidFill>
-                  <a:schemeClr val="tx1"/>
-                </a:solidFill>
-                <a:latin typeface="Arial" charset="0"/>
-                <a:ea typeface="+mn-ea"/>
-                <a:cs typeface="+mn-cs"/>
-              </a:rPr>
-              <a:t> </a:t>
+              <a:t>Due to the </a:t>
             </a:r>
             <a:r>
               <a:rPr lang="en-US" sz="1200" b="0" i="0" u="none" strike="noStrike" kern="1200" baseline="0" dirty="0">
@@ -1454,20 +1384,7 @@
                 <a:ea typeface="+mn-ea"/>
                 <a:cs typeface="+mn-cs"/>
               </a:rPr>
-              <a:t>curse of high-dimensionality it is very likely that lots of data has to</a:t>
-            </a:r>
-          </a:p>
-          <a:p>
-            <a:r>
-              <a:rPr lang="en-US" sz="1200" b="0" i="0" u="none" strike="noStrike" kern="1200" baseline="0" dirty="0">
-                <a:solidFill>
-                  <a:schemeClr val="tx1"/>
-                </a:solidFill>
-                <a:latin typeface="Arial" charset="0"/>
-                <a:ea typeface="+mn-ea"/>
-                <a:cs typeface="+mn-cs"/>
-              </a:rPr>
-              <a:t>be suppressed or generalized to the top-most values in order to satisfy </a:t>
+              <a:t>curse of high-dimensionality it is very likely that lots of data has to be suppressed or generalized to the top-most values in order to satisfy </a:t>
             </a:r>
             <a:r>
               <a:rPr lang="en-US" sz="1200" b="0" i="1" u="none" strike="noStrike" kern="1200" baseline="0" dirty="0">
@@ -1569,10 +1486,21 @@
                 <a:ea typeface="+mn-ea"/>
                 <a:cs typeface="+mn-cs"/>
               </a:rPr>
-              <a:t> salary) con-</a:t>
-            </a:r>
-          </a:p>
-          <a:p>
+              <a:t> salary) continue to be sensitive, but also cannot be ruled out as</a:t>
+            </a:r>
+          </a:p>
+          <a:p>
+            <a:r>
+              <a:rPr lang="en-US" sz="1200" b="0" i="0" u="none" strike="noStrike" kern="1200" baseline="0" dirty="0">
+                <a:solidFill>
+                  <a:schemeClr val="tx1"/>
+                </a:solidFill>
+                <a:latin typeface="Arial" charset="0"/>
+                <a:ea typeface="+mn-ea"/>
+                <a:cs typeface="+mn-cs"/>
+              </a:rPr>
+              <a:t>quasi-</a:t>
+            </a:r>
             <a:r>
               <a:rPr lang="en-US" sz="1200" b="0" i="0" u="none" strike="noStrike" kern="1200" baseline="0" dirty="0" err="1">
                 <a:solidFill>
@@ -1582,7 +1510,7 @@
                 <a:ea typeface="+mn-ea"/>
                 <a:cs typeface="+mn-cs"/>
               </a:rPr>
-              <a:t>tinue</a:t>
+              <a:t>identiers</a:t>
             </a:r>
             <a:r>
               <a:rPr lang="en-US" sz="1200" b="0" i="0" u="none" strike="noStrike" kern="1200" baseline="0" dirty="0">
@@ -1593,10 +1521,19 @@
                 <a:ea typeface="+mn-ea"/>
                 <a:cs typeface="+mn-cs"/>
               </a:rPr>
-              <a:t> to be sensitive, but also cannot be ruled out as</a:t>
-            </a:r>
-          </a:p>
-          <a:p>
+              <a:t>. Such situations are quite likely in </a:t>
+            </a:r>
+            <a:r>
+              <a:rPr lang="en-US" sz="1200" b="0" i="0" u="none" strike="noStrike" kern="1200" baseline="0" dirty="0" err="1">
+                <a:solidFill>
+                  <a:schemeClr val="tx1"/>
+                </a:solidFill>
+                <a:latin typeface="Arial" charset="0"/>
+                <a:ea typeface="+mn-ea"/>
+                <a:cs typeface="+mn-cs"/>
+              </a:rPr>
+              <a:t>reallife</a:t>
+            </a:r>
             <a:r>
               <a:rPr lang="en-US" sz="1200" b="0" i="0" u="none" strike="noStrike" kern="1200" baseline="0" dirty="0">
                 <a:solidFill>
@@ -1606,7 +1543,7 @@
                 <a:ea typeface="+mn-ea"/>
                 <a:cs typeface="+mn-cs"/>
               </a:rPr>
-              <a:t>quasi-</a:t>
+              <a:t>, since an adversary may also have personal </a:t>
             </a:r>
             <a:r>
               <a:rPr lang="en-US" sz="1200" b="0" i="0" u="none" strike="noStrike" kern="1200" baseline="0" dirty="0" err="1">
@@ -1617,7 +1554,7 @@
                 <a:ea typeface="+mn-ea"/>
                 <a:cs typeface="+mn-cs"/>
               </a:rPr>
-              <a:t>identiers</a:t>
+              <a:t>knowl-dge</a:t>
             </a:r>
             <a:r>
               <a:rPr lang="en-US" sz="1200" b="0" i="0" u="none" strike="noStrike" kern="1200" baseline="0" dirty="0">
@@ -1628,7 +1565,7 @@
                 <a:ea typeface="+mn-ea"/>
                 <a:cs typeface="+mn-cs"/>
               </a:rPr>
-              <a:t>. Such situations are quite likely in real</a:t>
+              <a:t> of the target of interest. It is in fact quite likely</a:t>
             </a:r>
           </a:p>
           <a:p>
@@ -1641,71 +1578,8 @@
                 <a:ea typeface="+mn-ea"/>
                 <a:cs typeface="+mn-cs"/>
               </a:rPr>
-              <a:t>life, since an adversary may also have personal </a:t>
-            </a:r>
-            <a:r>
-              <a:rPr lang="en-US" sz="1200" b="0" i="0" u="none" strike="noStrike" kern="1200" baseline="0" dirty="0" err="1">
-                <a:solidFill>
-                  <a:schemeClr val="tx1"/>
-                </a:solidFill>
-                <a:latin typeface="Arial" charset="0"/>
-                <a:ea typeface="+mn-ea"/>
-                <a:cs typeface="+mn-cs"/>
-              </a:rPr>
-              <a:t>knowl</a:t>
-            </a:r>
-            <a:r>
-              <a:rPr lang="en-US" sz="1200" b="0" i="0" u="none" strike="noStrike" kern="1200" baseline="0" dirty="0">
-                <a:solidFill>
-                  <a:schemeClr val="tx1"/>
-                </a:solidFill>
-                <a:latin typeface="Arial" charset="0"/>
-                <a:ea typeface="+mn-ea"/>
-                <a:cs typeface="+mn-cs"/>
-              </a:rPr>
-              <a:t>-</a:t>
-            </a:r>
-          </a:p>
-          <a:p>
-            <a:r>
-              <a:rPr lang="en-US" sz="1200" b="0" i="0" u="none" strike="noStrike" kern="1200" baseline="0" dirty="0">
-                <a:solidFill>
-                  <a:schemeClr val="tx1"/>
-                </a:solidFill>
-                <a:latin typeface="Arial" charset="0"/>
-                <a:ea typeface="+mn-ea"/>
-                <a:cs typeface="+mn-cs"/>
-              </a:rPr>
-              <a:t>edge of the target of interest. It is in fact quite likely</a:t>
-            </a:r>
-          </a:p>
-          <a:p>
-            <a:r>
-              <a:rPr lang="en-US" sz="1200" b="0" i="0" u="none" strike="noStrike" kern="1200" baseline="0" dirty="0">
-                <a:solidFill>
-                  <a:schemeClr val="tx1"/>
-                </a:solidFill>
-                <a:latin typeface="Arial" charset="0"/>
-                <a:ea typeface="+mn-ea"/>
-                <a:cs typeface="+mn-cs"/>
-              </a:rPr>
-              <a:t>that an adversary who is acquainted with a target of</a:t>
-            </a:r>
-          </a:p>
-          <a:p>
-            <a:r>
-              <a:rPr lang="en-US" sz="1200" b="0" i="0" u="none" strike="noStrike" kern="1200" baseline="0" dirty="0">
-                <a:solidFill>
-                  <a:schemeClr val="tx1"/>
-                </a:solidFill>
-                <a:latin typeface="Arial" charset="0"/>
-                <a:ea typeface="+mn-ea"/>
-                <a:cs typeface="+mn-cs"/>
-              </a:rPr>
-              <a:t>interest knows much more than is available from public</a:t>
-            </a:r>
-          </a:p>
-          <a:p>
+              <a:t>that an adversary who is acquainted with a target of interest knows much more than is available from public</a:t>
+            </a:r>
             <a:r>
               <a:rPr lang="de-DE" sz="1200" b="0" i="0" u="none" strike="noStrike" kern="1200" baseline="0" dirty="0" err="1">
                 <a:solidFill>
@@ -1760,7 +1634,7 @@
               <a:t>In any real-life privacy attack, it is unlikely that the attacker would know </a:t>
             </a:r>
             <a:r>
-              <a:rPr lang="en-US" sz="1200" b="0" i="1" u="none" strike="noStrike" kern="1200" baseline="0" dirty="0">
+              <a:rPr lang="en-US" sz="1200" b="0" i="1" u="none" strike="noStrike" kern="1200" baseline="0" dirty="0" err="1">
                 <a:solidFill>
                   <a:schemeClr val="tx1"/>
                 </a:solidFill>
@@ -1770,8 +1644,17 @@
               </a:rPr>
               <a:t>all</a:t>
             </a:r>
-          </a:p>
-          <a:p>
+            <a:r>
+              <a:rPr lang="en-US" sz="1200" b="0" i="0" u="none" strike="noStrike" kern="1200" baseline="0" dirty="0" err="1">
+                <a:solidFill>
+                  <a:schemeClr val="tx1"/>
+                </a:solidFill>
+                <a:latin typeface="Arial" charset="0"/>
+                <a:ea typeface="+mn-ea"/>
+                <a:cs typeface="+mn-cs"/>
+              </a:rPr>
+              <a:t>quasi</a:t>
+            </a:r>
             <a:r>
               <a:rPr lang="en-US" sz="1200" b="0" i="0" u="none" strike="noStrike" kern="1200" baseline="0" dirty="0">
                 <a:solidFill>
@@ -1781,7 +1664,7 @@
                 <a:ea typeface="+mn-ea"/>
                 <a:cs typeface="+mn-cs"/>
               </a:rPr>
-              <a:t>quasi-identifying attributes of a target victim due to the effort it would take to gather</a:t>
+              <a:t>-identifying attributes of a target victim due to the effort it would take to gather</a:t>
             </a:r>
           </a:p>
           <a:p>
@@ -1794,10 +1677,19 @@
                 <a:ea typeface="+mn-ea"/>
                 <a:cs typeface="+mn-cs"/>
               </a:rPr>
-              <a:t>every piece of background knowledge. Thus, it is reasonable to bound the attacker’s</a:t>
-            </a:r>
-          </a:p>
-          <a:p>
+              <a:t>every piece of background knowledge. Thus, it is reasonable to bound the </a:t>
+            </a:r>
+            <a:r>
+              <a:rPr lang="en-US" sz="1200" b="0" i="0" u="none" strike="noStrike" kern="1200" baseline="0" dirty="0" err="1">
+                <a:solidFill>
+                  <a:schemeClr val="tx1"/>
+                </a:solidFill>
+                <a:latin typeface="Arial" charset="0"/>
+                <a:ea typeface="+mn-ea"/>
+                <a:cs typeface="+mn-cs"/>
+              </a:rPr>
+              <a:t>attacker’sbackground</a:t>
+            </a:r>
             <a:r>
               <a:rPr lang="en-US" sz="1200" b="0" i="0" u="none" strike="noStrike" kern="1200" baseline="0" dirty="0">
                 <a:solidFill>
@@ -1807,7 +1699,7 @@
                 <a:ea typeface="+mn-ea"/>
                 <a:cs typeface="+mn-cs"/>
               </a:rPr>
-              <a:t>background knowledge in the privacy model.</a:t>
+              <a:t> knowledge in the privacy model.</a:t>
             </a:r>
             <a:endParaRPr lang="de-DE" dirty="0"/>
           </a:p>
@@ -1930,20 +1822,7 @@
                 <a:ea typeface="+mn-ea"/>
                 <a:cs typeface="+mn-cs"/>
               </a:rPr>
-              <a:t> 02138 can be transform to 0213* by deleting the rightmost </a:t>
-            </a:r>
-          </a:p>
-          <a:p>
-            <a:r>
-              <a:rPr lang="en-US" sz="1200" b="0" i="0" u="none" strike="noStrike" kern="1200" baseline="0" dirty="0">
-                <a:solidFill>
-                  <a:schemeClr val="tx1"/>
-                </a:solidFill>
-                <a:latin typeface="Arial" charset="0"/>
-                <a:ea typeface="+mn-ea"/>
-                <a:cs typeface="+mn-cs"/>
-              </a:rPr>
-              <a:t>Char.</a:t>
+              <a:t> 02138 can be transform to 0213* by deleting the rightmost Char.</a:t>
             </a:r>
           </a:p>
           <a:p>
@@ -1992,17 +1871,6 @@
           </a:p>
           <a:p>
             <a:r>
-              <a:rPr lang="en-US" sz="1200" b="0" i="0" u="none" strike="noStrike" kern="1200" baseline="0" dirty="0" err="1">
-                <a:solidFill>
-                  <a:schemeClr val="tx1"/>
-                </a:solidFill>
-                <a:latin typeface="Arial" charset="0"/>
-                <a:ea typeface="+mn-ea"/>
-                <a:cs typeface="+mn-cs"/>
-              </a:rPr>
-              <a:t>MaxSup</a:t>
-            </a:r>
-            <a:r>
               <a:rPr lang="en-US" sz="1200" b="0" i="0" u="none" strike="noStrike" kern="1200" baseline="0" dirty="0">
                 <a:solidFill>
                   <a:schemeClr val="tx1"/>
@@ -2011,7 +1879,7 @@
                 <a:ea typeface="+mn-ea"/>
                 <a:cs typeface="+mn-cs"/>
               </a:rPr>
-              <a:t> means that in the hole k-anonymized dataset only some </a:t>
+              <a:t>MaxSup means that in the hole k-anonymized dataset only some </a:t>
             </a:r>
             <a:r>
               <a:rPr lang="en-US" sz="1200" b="0" i="0" u="none" strike="noStrike" kern="1200" baseline="0" dirty="0" err="1">
@@ -2297,23 +2165,7 @@
             </a:r>
             <a:r>
               <a:rPr lang="de-DE" dirty="0"/>
-              <a:t> </a:t>
-            </a:r>
-            <a:r>
-              <a:rPr lang="de-DE" dirty="0" err="1"/>
-              <a:t>to</a:t>
-            </a:r>
-            <a:r>
-              <a:rPr lang="de-DE" dirty="0"/>
-              <a:t> unterstand </a:t>
-            </a:r>
-            <a:r>
-              <a:rPr lang="de-DE" dirty="0" err="1"/>
-              <a:t>the</a:t>
-            </a:r>
-            <a:r>
-              <a:rPr lang="de-DE" dirty="0"/>
-              <a:t> </a:t>
+              <a:t> to unterstand the </a:t>
             </a:r>
             <a:r>
               <a:rPr lang="de-DE" dirty="0" err="1"/>
@@ -2429,10 +2281,19 @@
                 <a:ea typeface="+mn-ea"/>
                 <a:cs typeface="+mn-cs"/>
               </a:rPr>
-              <a:t>Out of the highlighted nodes in the lattice, Samarati24 proposes that the node with the lowest lattice height should be selected as the optimal solution. In our example of Figure</a:t>
-            </a:r>
-          </a:p>
-          <a:p>
+              <a:t>One possibility to measure the amount of information that we lost by </a:t>
+            </a:r>
+            <a:r>
+              <a:rPr lang="en-US" sz="1200" b="0" i="0" u="none" strike="noStrike" kern="1200" baseline="0" dirty="0" err="1">
+                <a:solidFill>
+                  <a:schemeClr val="tx1"/>
+                </a:solidFill>
+                <a:latin typeface="Arial" charset="0"/>
+                <a:ea typeface="+mn-ea"/>
+                <a:cs typeface="+mn-cs"/>
+              </a:rPr>
+              <a:t>generealization</a:t>
+            </a:r>
             <a:r>
               <a:rPr lang="en-US" sz="1200" b="0" i="0" u="none" strike="noStrike" kern="1200" baseline="0" dirty="0">
                 <a:solidFill>
@@ -2442,7 +2303,29 @@
                 <a:ea typeface="+mn-ea"/>
                 <a:cs typeface="+mn-cs"/>
               </a:rPr>
-              <a:t>2, this would be node d0, g1, a1. The assumption being made is that this solution balances the extent of generalization with the extent of suppression</a:t>
+              <a:t> is to look at the level of generalization we </a:t>
+            </a:r>
+            <a:r>
+              <a:rPr lang="en-US" sz="1200" b="0" i="0" u="none" strike="noStrike" kern="1200" baseline="0" dirty="0" err="1">
+                <a:solidFill>
+                  <a:schemeClr val="tx1"/>
+                </a:solidFill>
+                <a:latin typeface="Arial" charset="0"/>
+                <a:ea typeface="+mn-ea"/>
+                <a:cs typeface="+mn-cs"/>
+              </a:rPr>
+              <a:t>emplayed</a:t>
+            </a:r>
+            <a:r>
+              <a:rPr lang="en-US" sz="1200" b="0" i="0" u="none" strike="noStrike" kern="1200" baseline="0" dirty="0">
+                <a:solidFill>
+                  <a:schemeClr val="tx1"/>
+                </a:solidFill>
+                <a:latin typeface="Arial" charset="0"/>
+                <a:ea typeface="+mn-ea"/>
+                <a:cs typeface="+mn-cs"/>
+              </a:rPr>
+              <a:t> on the attributes.</a:t>
             </a:r>
           </a:p>
           <a:p>
@@ -2465,7 +2348,7 @@
                 <a:ea typeface="+mn-ea"/>
                 <a:cs typeface="+mn-cs"/>
               </a:rPr>
-              <a:t>The lattice height is not considered a good information loss metric because it does not account for the generalization hierarchy depths of the quasi-identifiers. For example, if we generalize “Male” to “Person” then this is given equal weight to generalizing age in years to age in five year intervals. In the former case there is no information left in the gender variable, whereas the five year age interval still conveys a considerable amount of information and there are three more possible generalizations left in the age hierarchy</a:t>
+              <a:t>Like in the example we got an information loss of 5 because d1 and a4.</a:t>
             </a:r>
           </a:p>
           <a:p>
@@ -2479,6 +2362,23 @@
             </a:endParaRPr>
           </a:p>
           <a:p>
+            <a:pPr marL="0" marR="0" lvl="0" indent="0" algn="l" defTabSz="914400" rtl="0" eaLnBrk="1" fontAlgn="base" latinLnBrk="0" hangingPunct="1">
+              <a:lnSpc>
+                <a:spcPct val="100000"/>
+              </a:lnSpc>
+              <a:spcBef>
+                <a:spcPct val="30000"/>
+              </a:spcBef>
+              <a:spcAft>
+                <a:spcPct val="0"/>
+              </a:spcAft>
+              <a:buClrTx/>
+              <a:buSzTx/>
+              <a:buFontTx/>
+              <a:buNone/>
+              <a:tabLst/>
+              <a:defRPr/>
+            </a:pPr>
             <a:r>
               <a:rPr lang="en-US" sz="1200" b="0" i="0" u="none" strike="noStrike" kern="1200" baseline="0" dirty="0">
                 <a:solidFill>
@@ -2533,84 +2433,7 @@
                 <a:ea typeface="+mn-ea"/>
                 <a:cs typeface="+mn-cs"/>
               </a:rPr>
-              <a:t>The </a:t>
-            </a:r>
-            <a:r>
-              <a:rPr lang="en-US" sz="1200" b="0" i="1" u="none" strike="noStrike" kern="1200" baseline="0" dirty="0" err="1">
-                <a:solidFill>
-                  <a:schemeClr val="tx1"/>
-                </a:solidFill>
-                <a:latin typeface="Arial" charset="0"/>
-                <a:ea typeface="+mn-ea"/>
-                <a:cs typeface="+mn-cs"/>
-              </a:rPr>
-              <a:t>Prec</a:t>
-            </a:r>
-            <a:r>
-              <a:rPr lang="en-US" sz="1200" b="0" i="1" u="none" strike="noStrike" kern="1200" baseline="0" dirty="0">
-                <a:solidFill>
-                  <a:schemeClr val="tx1"/>
-                </a:solidFill>
-                <a:latin typeface="Arial" charset="0"/>
-                <a:ea typeface="+mn-ea"/>
-                <a:cs typeface="+mn-cs"/>
-              </a:rPr>
-              <a:t> </a:t>
-            </a:r>
-            <a:r>
-              <a:rPr lang="en-US" sz="1200" b="0" i="0" u="none" strike="noStrike" kern="1200" baseline="0" dirty="0">
-                <a:solidFill>
-                  <a:schemeClr val="tx1"/>
-                </a:solidFill>
-                <a:latin typeface="Arial" charset="0"/>
-                <a:ea typeface="+mn-ea"/>
-                <a:cs typeface="+mn-cs"/>
-              </a:rPr>
-              <a:t>was introduced by Sweeney as an information loss metric that is suitable for hierarchical data. For every variable, the ratio </a:t>
-            </a:r>
-            <a:r>
-              <a:rPr lang="en-US" sz="1200" b="0" i="0" u="none" strike="noStrike" kern="1200" baseline="0" dirty="0" err="1">
-                <a:solidFill>
-                  <a:schemeClr val="tx1"/>
-                </a:solidFill>
-                <a:latin typeface="Arial" charset="0"/>
-                <a:ea typeface="+mn-ea"/>
-                <a:cs typeface="+mn-cs"/>
-              </a:rPr>
-              <a:t>ofthe</a:t>
-            </a:r>
-            <a:r>
-              <a:rPr lang="en-US" sz="1200" b="0" i="0" u="none" strike="noStrike" kern="1200" baseline="0" dirty="0">
-                <a:solidFill>
-                  <a:schemeClr val="tx1"/>
-                </a:solidFill>
-                <a:latin typeface="Arial" charset="0"/>
-                <a:ea typeface="+mn-ea"/>
-                <a:cs typeface="+mn-cs"/>
-              </a:rPr>
-              <a:t> number of generalization steps applied to the total number of possible generalization steps (total height of the generalization hierarchy) gives the amount of information loss for that </a:t>
-            </a:r>
-            <a:r>
-              <a:rPr lang="de-DE" sz="1200" b="0" i="0" u="none" strike="noStrike" kern="1200" baseline="0" dirty="0" err="1">
-                <a:solidFill>
-                  <a:schemeClr val="tx1"/>
-                </a:solidFill>
-                <a:latin typeface="Arial" charset="0"/>
-                <a:ea typeface="+mn-ea"/>
-                <a:cs typeface="+mn-cs"/>
-              </a:rPr>
-              <a:t>particular</a:t>
-            </a:r>
-            <a:r>
-              <a:rPr lang="de-DE" sz="1200" b="0" i="0" u="none" strike="noStrike" kern="1200" baseline="0" dirty="0">
-                <a:solidFill>
-                  <a:schemeClr val="tx1"/>
-                </a:solidFill>
-                <a:latin typeface="Arial" charset="0"/>
-                <a:ea typeface="+mn-ea"/>
-                <a:cs typeface="+mn-cs"/>
-              </a:rPr>
-              <a:t> variable.</a:t>
+              <a:t>The lattice height is not considered a good information loss metric because it does not account for the generalization hierarchy depths of the quasi-identifiers. For example, if we generalize “Male” to “Person” then this is given equal weight to generalizing age in years to age in five year intervals. In the former case there is no information left in the gender variable, whereas the five year age interval still conveys a considerable amount of information and there are three more possible generalizations left in the age hierarchy</a:t>
             </a:r>
           </a:p>
           <a:p>
@@ -2627,7 +2450,7 @@
             <a:r>
               <a:rPr lang="en-US" sz="1200" b="0" i="0" u="none" strike="noStrike" kern="1200" baseline="0" dirty="0">
                 <a:solidFill>
-                  <a:schemeClr val="tx1"/>
+                  <a:srgbClr val="FF0000"/>
                 </a:solidFill>
                 <a:latin typeface="Arial" charset="0"/>
                 <a:ea typeface="+mn-ea"/>
@@ -2636,31 +2459,20 @@
               <a:t>For example, in Figure 1 if age is generalized from age in years to age in five year intervals, then the value is ¼. Overall </a:t>
             </a:r>
             <a:r>
-              <a:rPr lang="en-US" sz="1200" b="0" i="1" u="none" strike="noStrike" kern="1200" baseline="0" dirty="0" err="1">
-                <a:solidFill>
-                  <a:schemeClr val="tx1"/>
-                </a:solidFill>
-                <a:latin typeface="Arial" charset="0"/>
-                <a:ea typeface="+mn-ea"/>
-                <a:cs typeface="+mn-cs"/>
-              </a:rPr>
-              <a:t>Prec</a:t>
-            </a:r>
-            <a:r>
               <a:rPr lang="en-US" sz="1200" b="0" i="1" u="none" strike="noStrike" kern="1200" baseline="0" dirty="0">
                 <a:solidFill>
-                  <a:schemeClr val="tx1"/>
-                </a:solidFill>
-                <a:latin typeface="Arial" charset="0"/>
-                <a:ea typeface="+mn-ea"/>
-                <a:cs typeface="+mn-cs"/>
-              </a:rPr>
-              <a:t> </a:t>
+                  <a:srgbClr val="FF0000"/>
+                </a:solidFill>
+                <a:latin typeface="Arial" charset="0"/>
+                <a:ea typeface="+mn-ea"/>
+                <a:cs typeface="+mn-cs"/>
+              </a:rPr>
+              <a:t>Prec </a:t>
             </a:r>
             <a:r>
               <a:rPr lang="en-US" sz="1200" b="0" i="0" u="none" strike="noStrike" kern="1200" baseline="0" dirty="0">
                 <a:solidFill>
-                  <a:schemeClr val="tx1"/>
+                  <a:srgbClr val="FF0000"/>
                 </a:solidFill>
                 <a:latin typeface="Arial" charset="0"/>
                 <a:ea typeface="+mn-ea"/>
@@ -2669,31 +2481,20 @@
               <a:t>information loss is the average of the </a:t>
             </a:r>
             <a:r>
-              <a:rPr lang="en-US" sz="1200" b="0" i="1" u="none" strike="noStrike" kern="1200" baseline="0" dirty="0" err="1">
-                <a:solidFill>
-                  <a:schemeClr val="tx1"/>
-                </a:solidFill>
-                <a:latin typeface="Arial" charset="0"/>
-                <a:ea typeface="+mn-ea"/>
-                <a:cs typeface="+mn-cs"/>
-              </a:rPr>
-              <a:t>Prec</a:t>
-            </a:r>
-            <a:r>
               <a:rPr lang="en-US" sz="1200" b="0" i="1" u="none" strike="noStrike" kern="1200" baseline="0" dirty="0">
                 <a:solidFill>
-                  <a:schemeClr val="tx1"/>
-                </a:solidFill>
-                <a:latin typeface="Arial" charset="0"/>
-                <a:ea typeface="+mn-ea"/>
-                <a:cs typeface="+mn-cs"/>
-              </a:rPr>
-              <a:t> </a:t>
+                  <a:srgbClr val="FF0000"/>
+                </a:solidFill>
+                <a:latin typeface="Arial" charset="0"/>
+                <a:ea typeface="+mn-ea"/>
+                <a:cs typeface="+mn-cs"/>
+              </a:rPr>
+              <a:t>Prec </a:t>
             </a:r>
             <a:r>
               <a:rPr lang="en-US" sz="1200" b="0" i="0" u="none" strike="noStrike" kern="1200" baseline="0" dirty="0">
                 <a:solidFill>
-                  <a:schemeClr val="tx1"/>
+                  <a:srgbClr val="FF0000"/>
                 </a:solidFill>
                 <a:latin typeface="Arial" charset="0"/>
                 <a:ea typeface="+mn-ea"/>
@@ -2702,31 +2503,20 @@
               <a:t>values across all quasi-identifiers in the dataset. As a consequence, the more a variable is generalized, the higher the information loss. Moreover, variables with more generalization steps (i.e., more levels in their generalization hierarchy) tend to have less information loss than ones with shorter hierarchies. Using </a:t>
             </a:r>
             <a:r>
-              <a:rPr lang="en-US" sz="1200" b="0" i="1" u="none" strike="noStrike" kern="1200" baseline="0" dirty="0" err="1">
-                <a:solidFill>
-                  <a:schemeClr val="tx1"/>
-                </a:solidFill>
-                <a:latin typeface="Arial" charset="0"/>
-                <a:ea typeface="+mn-ea"/>
-                <a:cs typeface="+mn-cs"/>
-              </a:rPr>
-              <a:t>Prec</a:t>
-            </a:r>
-            <a:r>
               <a:rPr lang="en-US" sz="1200" b="0" i="1" u="none" strike="noStrike" kern="1200" baseline="0" dirty="0">
                 <a:solidFill>
-                  <a:schemeClr val="tx1"/>
-                </a:solidFill>
-                <a:latin typeface="Arial" charset="0"/>
-                <a:ea typeface="+mn-ea"/>
-                <a:cs typeface="+mn-cs"/>
-              </a:rPr>
-              <a:t> </a:t>
+                  <a:srgbClr val="FF0000"/>
+                </a:solidFill>
+                <a:latin typeface="Arial" charset="0"/>
+                <a:ea typeface="+mn-ea"/>
+                <a:cs typeface="+mn-cs"/>
+              </a:rPr>
+              <a:t>Prec </a:t>
             </a:r>
             <a:r>
               <a:rPr lang="en-US" sz="1200" b="0" i="0" u="none" strike="noStrike" kern="1200" baseline="0" dirty="0">
                 <a:solidFill>
-                  <a:schemeClr val="tx1"/>
+                  <a:srgbClr val="FF0000"/>
                 </a:solidFill>
                 <a:latin typeface="Arial" charset="0"/>
                 <a:ea typeface="+mn-ea"/>
@@ -2735,31 +2525,20 @@
               <a:t>as the information loss metric, the noded2, g0, a1 would be the optimal node rather than node d0, g1, a1 in Figure 2: the former has a </a:t>
             </a:r>
             <a:r>
-              <a:rPr lang="en-US" sz="1200" b="0" i="1" u="none" strike="noStrike" kern="1200" baseline="0" dirty="0" err="1">
-                <a:solidFill>
-                  <a:schemeClr val="tx1"/>
-                </a:solidFill>
-                <a:latin typeface="Arial" charset="0"/>
-                <a:ea typeface="+mn-ea"/>
-                <a:cs typeface="+mn-cs"/>
-              </a:rPr>
-              <a:t>Prec</a:t>
-            </a:r>
-            <a:r>
               <a:rPr lang="en-US" sz="1200" b="0" i="1" u="none" strike="noStrike" kern="1200" baseline="0" dirty="0">
                 <a:solidFill>
-                  <a:schemeClr val="tx1"/>
-                </a:solidFill>
-                <a:latin typeface="Arial" charset="0"/>
-                <a:ea typeface="+mn-ea"/>
-                <a:cs typeface="+mn-cs"/>
-              </a:rPr>
-              <a:t> </a:t>
+                  <a:srgbClr val="FF0000"/>
+                </a:solidFill>
+                <a:latin typeface="Arial" charset="0"/>
+                <a:ea typeface="+mn-ea"/>
+                <a:cs typeface="+mn-cs"/>
+              </a:rPr>
+              <a:t>Prec </a:t>
             </a:r>
             <a:r>
               <a:rPr lang="en-US" sz="1200" b="0" i="0" u="none" strike="noStrike" kern="1200" baseline="0" dirty="0">
                 <a:solidFill>
-                  <a:schemeClr val="tx1"/>
+                  <a:srgbClr val="FF0000"/>
                 </a:solidFill>
                 <a:latin typeface="Arial" charset="0"/>
                 <a:ea typeface="+mn-ea"/>
@@ -2768,31 +2547,20 @@
               <a:t>of 0.417 and the latter a </a:t>
             </a:r>
             <a:r>
-              <a:rPr lang="en-US" sz="1200" b="0" i="1" u="none" strike="noStrike" kern="1200" baseline="0" dirty="0" err="1">
-                <a:solidFill>
-                  <a:schemeClr val="tx1"/>
-                </a:solidFill>
-                <a:latin typeface="Arial" charset="0"/>
-                <a:ea typeface="+mn-ea"/>
-                <a:cs typeface="+mn-cs"/>
-              </a:rPr>
-              <a:t>Prec</a:t>
-            </a:r>
-            <a:r>
               <a:rPr lang="en-US" sz="1200" b="0" i="1" u="none" strike="noStrike" kern="1200" baseline="0" dirty="0">
                 <a:solidFill>
-                  <a:schemeClr val="tx1"/>
-                </a:solidFill>
-                <a:latin typeface="Arial" charset="0"/>
-                <a:ea typeface="+mn-ea"/>
-                <a:cs typeface="+mn-cs"/>
-              </a:rPr>
-              <a:t> </a:t>
+                  <a:srgbClr val="FF0000"/>
+                </a:solidFill>
+                <a:latin typeface="Arial" charset="0"/>
+                <a:ea typeface="+mn-ea"/>
+                <a:cs typeface="+mn-cs"/>
+              </a:rPr>
+              <a:t>Prec </a:t>
             </a:r>
             <a:r>
               <a:rPr lang="en-US" sz="1200" b="0" i="0" u="none" strike="noStrike" kern="1200" baseline="0" dirty="0">
                 <a:solidFill>
-                  <a:schemeClr val="tx1"/>
+                  <a:srgbClr val="FF0000"/>
                 </a:solidFill>
                 <a:latin typeface="Arial" charset="0"/>
                 <a:ea typeface="+mn-ea"/>
@@ -2803,7 +2571,7 @@
             <a:r>
               <a:rPr lang="de-DE" sz="1200" b="0" i="0" u="none" strike="noStrike" kern="1200" baseline="0" dirty="0">
                 <a:solidFill>
-                  <a:schemeClr val="tx1"/>
+                  <a:srgbClr val="FF0000"/>
                 </a:solidFill>
                 <a:latin typeface="Arial" charset="0"/>
                 <a:ea typeface="+mn-ea"/>
@@ -2912,17 +2680,6 @@
               <a:t>Following the same reasoning, DM assigns a penalty equal to the whole dataset for every suppressed record (since suppressed records are indistinguishable from all other </a:t>
             </a:r>
             <a:r>
-              <a:rPr lang="de-DE" sz="1200" b="0" i="0" u="none" strike="noStrike" kern="1200" baseline="0" dirty="0" err="1">
-                <a:solidFill>
-                  <a:schemeClr val="tx1"/>
-                </a:solidFill>
-                <a:latin typeface="Arial" charset="0"/>
-                <a:ea typeface="+mn-ea"/>
-                <a:cs typeface="+mn-cs"/>
-              </a:rPr>
-              <a:t>records</a:t>
-            </a:r>
-            <a:r>
               <a:rPr lang="de-DE" sz="1200" b="0" i="0" u="none" strike="noStrike" kern="1200" baseline="0" dirty="0">
                 <a:solidFill>
                   <a:schemeClr val="tx1"/>
@@ -2931,7 +2688,7 @@
                 <a:ea typeface="+mn-ea"/>
                 <a:cs typeface="+mn-cs"/>
               </a:rPr>
-              <a:t>).</a:t>
+              <a:t>records).</a:t>
             </a:r>
           </a:p>
           <a:p>
@@ -2946,6 +2703,39 @@
           </a:p>
           <a:p>
             <a:r>
+              <a:rPr lang="de-DE" sz="1200" b="0" i="0" u="none" strike="noStrike" kern="1200" baseline="0" dirty="0">
+                <a:solidFill>
+                  <a:schemeClr val="tx1"/>
+                </a:solidFill>
+                <a:latin typeface="Arial" charset="0"/>
+                <a:ea typeface="+mn-ea"/>
+                <a:cs typeface="+mn-cs"/>
+              </a:rPr>
+              <a:t>The </a:t>
+            </a:r>
+            <a:r>
+              <a:rPr lang="de-DE" sz="1200" b="0" i="0" u="none" strike="noStrike" kern="1200" baseline="0" dirty="0" err="1">
+                <a:solidFill>
+                  <a:schemeClr val="tx1"/>
+                </a:solidFill>
+                <a:latin typeface="Arial" charset="0"/>
+                <a:ea typeface="+mn-ea"/>
+                <a:cs typeface="+mn-cs"/>
+              </a:rPr>
+              <a:t>discernability</a:t>
+            </a:r>
+            <a:r>
+              <a:rPr lang="de-DE" sz="1200" b="0" i="0" u="none" strike="noStrike" kern="1200" baseline="0" dirty="0">
+                <a:solidFill>
+                  <a:schemeClr val="tx1"/>
+                </a:solidFill>
+                <a:latin typeface="Arial" charset="0"/>
+                <a:ea typeface="+mn-ea"/>
+                <a:cs typeface="+mn-cs"/>
+              </a:rPr>
+              <a:t> </a:t>
+            </a:r>
+            <a:r>
               <a:rPr lang="en-US" sz="1200" b="0" i="0" u="none" strike="noStrike" kern="1200" baseline="0" dirty="0">
                 <a:solidFill>
                   <a:schemeClr val="tx1"/>
@@ -2954,19 +2744,10 @@
                 <a:ea typeface="+mn-ea"/>
                 <a:cs typeface="+mn-cs"/>
               </a:rPr>
-              <a:t>The </a:t>
-            </a:r>
-            <a:r>
-              <a:rPr lang="en-US" sz="1200" b="0" i="1" u="none" strike="noStrike" kern="1200" baseline="0" dirty="0">
-                <a:solidFill>
-                  <a:schemeClr val="tx1"/>
-                </a:solidFill>
-                <a:latin typeface="Arial" charset="0"/>
-                <a:ea typeface="+mn-ea"/>
-                <a:cs typeface="+mn-cs"/>
-              </a:rPr>
-              <a:t>DM</a:t>
-            </a:r>
+              <a:t>metric assigns a penalty to every record that is proportional</a:t>
+            </a:r>
+          </a:p>
+          <a:p>
             <a:r>
               <a:rPr lang="en-US" sz="1200" b="0" i="0" u="none" strike="noStrike" kern="1200" baseline="0" dirty="0">
                 <a:solidFill>
@@ -2976,709 +2757,7 @@
                 <a:ea typeface="+mn-ea"/>
                 <a:cs typeface="+mn-cs"/>
               </a:rPr>
-              <a:t>* information loss also solves a weakness with the </a:t>
-            </a:r>
-            <a:r>
-              <a:rPr lang="en-US" sz="1200" b="0" i="1" u="none" strike="noStrike" kern="1200" baseline="0" dirty="0" err="1">
-                <a:solidFill>
-                  <a:schemeClr val="tx1"/>
-                </a:solidFill>
-                <a:latin typeface="Arial" charset="0"/>
-                <a:ea typeface="+mn-ea"/>
-                <a:cs typeface="+mn-cs"/>
-              </a:rPr>
-              <a:t>Prec</a:t>
-            </a:r>
-            <a:r>
-              <a:rPr lang="en-US" sz="1200" b="0" i="1" u="none" strike="noStrike" kern="1200" baseline="0" dirty="0">
-                <a:solidFill>
-                  <a:schemeClr val="tx1"/>
-                </a:solidFill>
-                <a:latin typeface="Arial" charset="0"/>
-                <a:ea typeface="+mn-ea"/>
-                <a:cs typeface="+mn-cs"/>
-              </a:rPr>
-              <a:t> </a:t>
-            </a:r>
-            <a:r>
-              <a:rPr lang="en-US" sz="1200" b="0" i="0" u="none" strike="noStrike" kern="1200" baseline="0" dirty="0">
-                <a:solidFill>
-                  <a:schemeClr val="tx1"/>
-                </a:solidFill>
-                <a:latin typeface="Arial" charset="0"/>
-                <a:ea typeface="+mn-ea"/>
-                <a:cs typeface="+mn-cs"/>
-              </a:rPr>
-              <a:t>metric in that </a:t>
-            </a:r>
-            <a:r>
-              <a:rPr lang="en-US" sz="1200" b="0" i="1" u="none" strike="noStrike" kern="1200" baseline="0" dirty="0" err="1">
-                <a:solidFill>
-                  <a:schemeClr val="tx1"/>
-                </a:solidFill>
-                <a:latin typeface="Arial" charset="0"/>
-                <a:ea typeface="+mn-ea"/>
-                <a:cs typeface="+mn-cs"/>
-              </a:rPr>
-              <a:t>Prec</a:t>
-            </a:r>
-            <a:r>
-              <a:rPr lang="en-US" sz="1200" b="0" i="1" u="none" strike="noStrike" kern="1200" baseline="0" dirty="0">
-                <a:solidFill>
-                  <a:schemeClr val="tx1"/>
-                </a:solidFill>
-                <a:latin typeface="Arial" charset="0"/>
-                <a:ea typeface="+mn-ea"/>
-                <a:cs typeface="+mn-cs"/>
-              </a:rPr>
-              <a:t> </a:t>
-            </a:r>
-            <a:r>
-              <a:rPr lang="en-US" sz="1200" b="0" i="0" u="none" strike="noStrike" kern="1200" baseline="0" dirty="0">
-                <a:solidFill>
-                  <a:schemeClr val="tx1"/>
-                </a:solidFill>
-                <a:latin typeface="Arial" charset="0"/>
-                <a:ea typeface="+mn-ea"/>
-                <a:cs typeface="+mn-cs"/>
-              </a:rPr>
-              <a:t>does not take into account the size</a:t>
-            </a:r>
-          </a:p>
-          <a:p>
-            <a:r>
-              <a:rPr lang="en-US" sz="1200" b="0" i="0" u="none" strike="noStrike" kern="1200" baseline="0" dirty="0">
-                <a:solidFill>
-                  <a:schemeClr val="tx1"/>
-                </a:solidFill>
-                <a:latin typeface="Arial" charset="0"/>
-                <a:ea typeface="+mn-ea"/>
-                <a:cs typeface="+mn-cs"/>
-              </a:rPr>
-              <a:t>of the equivalence classes. If we generalize gender to “Person” in Table a of Figure 3 to obtain Table c in Figure</a:t>
-            </a:r>
-          </a:p>
-          <a:p>
-            <a:r>
-              <a:rPr lang="en-US" sz="1200" b="0" i="0" u="none" strike="noStrike" kern="1200" baseline="0" dirty="0">
-                <a:solidFill>
-                  <a:schemeClr val="tx1"/>
-                </a:solidFill>
-                <a:latin typeface="Arial" charset="0"/>
-                <a:ea typeface="+mn-ea"/>
-                <a:cs typeface="+mn-cs"/>
-              </a:rPr>
-              <a:t>3, then the </a:t>
-            </a:r>
-            <a:r>
-              <a:rPr lang="en-US" sz="1200" b="0" i="1" u="none" strike="noStrike" kern="1200" baseline="0" dirty="0" err="1">
-                <a:solidFill>
-                  <a:schemeClr val="tx1"/>
-                </a:solidFill>
-                <a:latin typeface="Arial" charset="0"/>
-                <a:ea typeface="+mn-ea"/>
-                <a:cs typeface="+mn-cs"/>
-              </a:rPr>
-              <a:t>Prec</a:t>
-            </a:r>
-            <a:r>
-              <a:rPr lang="en-US" sz="1200" b="0" i="1" u="none" strike="noStrike" kern="1200" baseline="0" dirty="0">
-                <a:solidFill>
-                  <a:schemeClr val="tx1"/>
-                </a:solidFill>
-                <a:latin typeface="Arial" charset="0"/>
-                <a:ea typeface="+mn-ea"/>
-                <a:cs typeface="+mn-cs"/>
-              </a:rPr>
-              <a:t> </a:t>
-            </a:r>
-            <a:r>
-              <a:rPr lang="en-US" sz="1200" b="0" i="0" u="none" strike="noStrike" kern="1200" baseline="0" dirty="0">
-                <a:solidFill>
-                  <a:schemeClr val="tx1"/>
-                </a:solidFill>
-                <a:latin typeface="Arial" charset="0"/>
-                <a:ea typeface="+mn-ea"/>
-                <a:cs typeface="+mn-cs"/>
-              </a:rPr>
-              <a:t>for Table (c) would be 0.33 and </a:t>
-            </a:r>
-            <a:r>
-              <a:rPr lang="en-US" sz="1200" b="0" i="1" u="none" strike="noStrike" kern="1200" baseline="0" dirty="0">
-                <a:solidFill>
-                  <a:schemeClr val="tx1"/>
-                </a:solidFill>
-                <a:latin typeface="Arial" charset="0"/>
-                <a:ea typeface="+mn-ea"/>
-                <a:cs typeface="+mn-cs"/>
-              </a:rPr>
-              <a:t>DM</a:t>
-            </a:r>
-            <a:r>
-              <a:rPr lang="en-US" sz="1200" b="0" i="0" u="none" strike="noStrike" kern="1200" baseline="0" dirty="0">
-                <a:solidFill>
-                  <a:schemeClr val="tx1"/>
-                </a:solidFill>
-                <a:latin typeface="Arial" charset="0"/>
-                <a:ea typeface="+mn-ea"/>
-                <a:cs typeface="+mn-cs"/>
-              </a:rPr>
-              <a:t>* would be 16. However, Table b in Figure 3 has a </a:t>
-            </a:r>
-            <a:r>
-              <a:rPr lang="en-US" sz="1200" b="0" i="1" u="none" strike="noStrike" kern="1200" baseline="0" dirty="0" err="1">
-                <a:solidFill>
-                  <a:schemeClr val="tx1"/>
-                </a:solidFill>
-                <a:latin typeface="Arial" charset="0"/>
-                <a:ea typeface="+mn-ea"/>
-                <a:cs typeface="+mn-cs"/>
-              </a:rPr>
-              <a:t>Prec</a:t>
-            </a:r>
-            <a:r>
-              <a:rPr lang="en-US" sz="1200" b="0" i="1" u="none" strike="noStrike" kern="1200" baseline="0" dirty="0">
-                <a:solidFill>
-                  <a:schemeClr val="tx1"/>
-                </a:solidFill>
-                <a:latin typeface="Arial" charset="0"/>
-                <a:ea typeface="+mn-ea"/>
-                <a:cs typeface="+mn-cs"/>
-              </a:rPr>
-              <a:t> </a:t>
-            </a:r>
-            <a:r>
-              <a:rPr lang="en-US" sz="1200" b="0" i="0" u="none" strike="noStrike" kern="1200" baseline="0" dirty="0">
-                <a:solidFill>
-                  <a:schemeClr val="tx1"/>
-                </a:solidFill>
-                <a:latin typeface="Arial" charset="0"/>
-                <a:ea typeface="+mn-ea"/>
-                <a:cs typeface="+mn-cs"/>
-              </a:rPr>
-              <a:t>of 0.0833 and a </a:t>
-            </a:r>
-            <a:r>
-              <a:rPr lang="en-US" sz="1200" b="0" i="1" u="none" strike="noStrike" kern="1200" baseline="0" dirty="0">
-                <a:solidFill>
-                  <a:schemeClr val="tx1"/>
-                </a:solidFill>
-                <a:latin typeface="Arial" charset="0"/>
-                <a:ea typeface="+mn-ea"/>
-                <a:cs typeface="+mn-cs"/>
-              </a:rPr>
-              <a:t>DM</a:t>
-            </a:r>
-            <a:r>
-              <a:rPr lang="en-US" sz="1200" b="0" i="0" u="none" strike="noStrike" kern="1200" baseline="0" dirty="0">
-                <a:solidFill>
-                  <a:schemeClr val="tx1"/>
-                </a:solidFill>
-                <a:latin typeface="Arial" charset="0"/>
-                <a:ea typeface="+mn-ea"/>
-                <a:cs typeface="+mn-cs"/>
-              </a:rPr>
-              <a:t>* of 28. As can be seen in this case, the</a:t>
-            </a:r>
-          </a:p>
-          <a:p>
-            <a:r>
-              <a:rPr lang="en-US" sz="1200" b="0" i="0" u="none" strike="noStrike" kern="1200" baseline="0" dirty="0">
-                <a:solidFill>
-                  <a:schemeClr val="tx1"/>
-                </a:solidFill>
-                <a:latin typeface="Arial" charset="0"/>
-                <a:ea typeface="+mn-ea"/>
-                <a:cs typeface="+mn-cs"/>
-              </a:rPr>
-              <a:t>higher </a:t>
-            </a:r>
-            <a:r>
-              <a:rPr lang="en-US" sz="1200" b="0" i="1" u="none" strike="noStrike" kern="1200" baseline="0" dirty="0" err="1">
-                <a:solidFill>
-                  <a:schemeClr val="tx1"/>
-                </a:solidFill>
-                <a:latin typeface="Arial" charset="0"/>
-                <a:ea typeface="+mn-ea"/>
-                <a:cs typeface="+mn-cs"/>
-              </a:rPr>
-              <a:t>Prec</a:t>
-            </a:r>
-            <a:r>
-              <a:rPr lang="en-US" sz="1200" b="0" i="1" u="none" strike="noStrike" kern="1200" baseline="0" dirty="0">
-                <a:solidFill>
-                  <a:schemeClr val="tx1"/>
-                </a:solidFill>
-                <a:latin typeface="Arial" charset="0"/>
-                <a:ea typeface="+mn-ea"/>
-                <a:cs typeface="+mn-cs"/>
-              </a:rPr>
-              <a:t> </a:t>
-            </a:r>
-            <a:r>
-              <a:rPr lang="en-US" sz="1200" b="0" i="0" u="none" strike="noStrike" kern="1200" baseline="0" dirty="0">
-                <a:solidFill>
-                  <a:schemeClr val="tx1"/>
-                </a:solidFill>
-                <a:latin typeface="Arial" charset="0"/>
-                <a:ea typeface="+mn-ea"/>
-                <a:cs typeface="+mn-cs"/>
-              </a:rPr>
-              <a:t>value had a lower </a:t>
-            </a:r>
-            <a:r>
-              <a:rPr lang="en-US" sz="1200" b="0" i="1" u="none" strike="noStrike" kern="1200" baseline="0" dirty="0">
-                <a:solidFill>
-                  <a:schemeClr val="tx1"/>
-                </a:solidFill>
-                <a:latin typeface="Arial" charset="0"/>
-                <a:ea typeface="+mn-ea"/>
-                <a:cs typeface="+mn-cs"/>
-              </a:rPr>
-              <a:t>DM</a:t>
-            </a:r>
-            <a:r>
-              <a:rPr lang="en-US" sz="1200" b="0" i="0" u="none" strike="noStrike" kern="1200" baseline="0" dirty="0">
-                <a:solidFill>
-                  <a:schemeClr val="tx1"/>
-                </a:solidFill>
-                <a:latin typeface="Arial" charset="0"/>
-                <a:ea typeface="+mn-ea"/>
-                <a:cs typeface="+mn-cs"/>
-              </a:rPr>
-              <a:t>* value. The reason is that there are more equivalence classes in (b) than in (c),</a:t>
-            </a:r>
-          </a:p>
-          <a:p>
-            <a:r>
-              <a:rPr lang="en-US" sz="1200" b="0" i="0" u="none" strike="noStrike" kern="1200" baseline="0" dirty="0">
-                <a:solidFill>
-                  <a:schemeClr val="tx1"/>
-                </a:solidFill>
-                <a:latin typeface="Arial" charset="0"/>
-                <a:ea typeface="+mn-ea"/>
-                <a:cs typeface="+mn-cs"/>
-              </a:rPr>
-              <a:t>and one of the equivalence classes is larger; the </a:t>
-            </a:r>
-            <a:r>
-              <a:rPr lang="en-US" sz="1200" b="0" i="1" u="none" strike="noStrike" kern="1200" baseline="0" dirty="0" err="1">
-                <a:solidFill>
-                  <a:schemeClr val="tx1"/>
-                </a:solidFill>
-                <a:latin typeface="Arial" charset="0"/>
-                <a:ea typeface="+mn-ea"/>
-                <a:cs typeface="+mn-cs"/>
-              </a:rPr>
-              <a:t>Prec</a:t>
-            </a:r>
-            <a:r>
-              <a:rPr lang="en-US" sz="1200" b="0" i="1" u="none" strike="noStrike" kern="1200" baseline="0" dirty="0">
-                <a:solidFill>
-                  <a:schemeClr val="tx1"/>
-                </a:solidFill>
-                <a:latin typeface="Arial" charset="0"/>
-                <a:ea typeface="+mn-ea"/>
-                <a:cs typeface="+mn-cs"/>
-              </a:rPr>
-              <a:t> </a:t>
-            </a:r>
-            <a:r>
-              <a:rPr lang="en-US" sz="1200" b="0" i="0" u="none" strike="noStrike" kern="1200" baseline="0" dirty="0">
-                <a:solidFill>
-                  <a:schemeClr val="tx1"/>
-                </a:solidFill>
-                <a:latin typeface="Arial" charset="0"/>
-                <a:ea typeface="+mn-ea"/>
-                <a:cs typeface="+mn-cs"/>
-              </a:rPr>
-              <a:t>metric does not consider the structure of the data itself.</a:t>
-            </a:r>
-          </a:p>
-          <a:p>
-            <a:endParaRPr lang="en-US" sz="1200" b="0" i="0" u="none" strike="noStrike" kern="1200" baseline="0" dirty="0">
-              <a:solidFill>
-                <a:schemeClr val="tx1"/>
-              </a:solidFill>
-              <a:latin typeface="Arial" charset="0"/>
-              <a:ea typeface="+mn-ea"/>
-              <a:cs typeface="+mn-cs"/>
-            </a:endParaRPr>
-          </a:p>
-          <a:p>
-            <a:endParaRPr lang="en-US" sz="1200" b="0" i="0" u="none" strike="noStrike" kern="1200" baseline="0" dirty="0">
-              <a:solidFill>
-                <a:schemeClr val="tx1"/>
-              </a:solidFill>
-              <a:latin typeface="Arial" charset="0"/>
-              <a:ea typeface="+mn-ea"/>
-              <a:cs typeface="+mn-cs"/>
-            </a:endParaRPr>
-          </a:p>
-          <a:p>
-            <a:endParaRPr lang="en-US" sz="1200" b="0" i="0" u="none" strike="noStrike" kern="1200" baseline="0" dirty="0">
-              <a:solidFill>
-                <a:schemeClr val="tx1"/>
-              </a:solidFill>
-              <a:latin typeface="Arial" charset="0"/>
-              <a:ea typeface="+mn-ea"/>
-              <a:cs typeface="+mn-cs"/>
-            </a:endParaRPr>
-          </a:p>
-          <a:p>
-            <a:endParaRPr lang="en-US" sz="1200" b="0" i="0" u="none" strike="noStrike" kern="1200" baseline="0" dirty="0">
-              <a:solidFill>
-                <a:schemeClr val="tx1"/>
-              </a:solidFill>
-              <a:latin typeface="Arial" charset="0"/>
-              <a:ea typeface="+mn-ea"/>
-              <a:cs typeface="+mn-cs"/>
-            </a:endParaRPr>
-          </a:p>
-          <a:p>
-            <a:endParaRPr lang="en-US" sz="1200" b="0" i="0" u="none" strike="noStrike" kern="1200" baseline="0" dirty="0">
-              <a:solidFill>
-                <a:schemeClr val="tx1"/>
-              </a:solidFill>
-              <a:latin typeface="Arial" charset="0"/>
-              <a:ea typeface="+mn-ea"/>
-              <a:cs typeface="+mn-cs"/>
-            </a:endParaRPr>
-          </a:p>
-          <a:p>
-            <a:r>
-              <a:rPr lang="en-US" sz="1200" b="0" i="0" u="none" strike="noStrike" kern="1200" baseline="0" dirty="0">
-                <a:solidFill>
-                  <a:schemeClr val="tx1"/>
-                </a:solidFill>
-                <a:latin typeface="Arial" charset="0"/>
-                <a:ea typeface="+mn-ea"/>
-                <a:cs typeface="+mn-cs"/>
-              </a:rPr>
-              <a:t>the number of generalization steps applied to the total number</a:t>
-            </a:r>
-          </a:p>
-          <a:p>
-            <a:r>
-              <a:rPr lang="en-US" sz="1200" b="0" i="0" u="none" strike="noStrike" kern="1200" baseline="0" dirty="0">
-                <a:solidFill>
-                  <a:schemeClr val="tx1"/>
-                </a:solidFill>
-                <a:latin typeface="Arial" charset="0"/>
-                <a:ea typeface="+mn-ea"/>
-                <a:cs typeface="+mn-cs"/>
-              </a:rPr>
-              <a:t>of possible generalization steps (total height of the generalization</a:t>
-            </a:r>
-          </a:p>
-          <a:p>
-            <a:r>
-              <a:rPr lang="en-US" sz="1200" b="0" i="0" u="none" strike="noStrike" kern="1200" baseline="0" dirty="0">
-                <a:solidFill>
-                  <a:schemeClr val="tx1"/>
-                </a:solidFill>
-                <a:latin typeface="Arial" charset="0"/>
-                <a:ea typeface="+mn-ea"/>
-                <a:cs typeface="+mn-cs"/>
-              </a:rPr>
-              <a:t>hierarchy) gives the amount of information loss for that</a:t>
-            </a:r>
-          </a:p>
-          <a:p>
-            <a:r>
-              <a:rPr lang="en-US" sz="1200" b="0" i="0" u="none" strike="noStrike" kern="1200" baseline="0" dirty="0">
-                <a:solidFill>
-                  <a:schemeClr val="tx1"/>
-                </a:solidFill>
-                <a:latin typeface="Arial" charset="0"/>
-                <a:ea typeface="+mn-ea"/>
-                <a:cs typeface="+mn-cs"/>
-              </a:rPr>
-              <a:t>particular variable. For example, in Figure 1 if age is generalized</a:t>
-            </a:r>
-          </a:p>
-          <a:p>
-            <a:r>
-              <a:rPr lang="en-US" sz="1200" b="0" i="0" u="none" strike="noStrike" kern="1200" baseline="0" dirty="0">
-                <a:solidFill>
-                  <a:schemeClr val="tx1"/>
-                </a:solidFill>
-                <a:latin typeface="Arial" charset="0"/>
-                <a:ea typeface="+mn-ea"/>
-                <a:cs typeface="+mn-cs"/>
-              </a:rPr>
-              <a:t>from age in years to age in five year intervals, then the</a:t>
-            </a:r>
-          </a:p>
-          <a:p>
-            <a:r>
-              <a:rPr lang="en-US" sz="1200" b="0" i="0" u="none" strike="noStrike" kern="1200" baseline="0" dirty="0">
-                <a:solidFill>
-                  <a:schemeClr val="tx1"/>
-                </a:solidFill>
-                <a:latin typeface="Arial" charset="0"/>
-                <a:ea typeface="+mn-ea"/>
-                <a:cs typeface="+mn-cs"/>
-              </a:rPr>
-              <a:t>value is ¼. Overall </a:t>
-            </a:r>
-            <a:r>
-              <a:rPr lang="en-US" sz="1200" b="0" i="1" u="none" strike="noStrike" kern="1200" baseline="0" dirty="0" err="1">
-                <a:solidFill>
-                  <a:schemeClr val="tx1"/>
-                </a:solidFill>
-                <a:latin typeface="Arial" charset="0"/>
-                <a:ea typeface="+mn-ea"/>
-                <a:cs typeface="+mn-cs"/>
-              </a:rPr>
-              <a:t>Prec</a:t>
-            </a:r>
-            <a:r>
-              <a:rPr lang="en-US" sz="1200" b="0" i="1" u="none" strike="noStrike" kern="1200" baseline="0" dirty="0">
-                <a:solidFill>
-                  <a:schemeClr val="tx1"/>
-                </a:solidFill>
-                <a:latin typeface="Arial" charset="0"/>
-                <a:ea typeface="+mn-ea"/>
-                <a:cs typeface="+mn-cs"/>
-              </a:rPr>
-              <a:t> </a:t>
-            </a:r>
-            <a:r>
-              <a:rPr lang="en-US" sz="1200" b="0" i="0" u="none" strike="noStrike" kern="1200" baseline="0" dirty="0">
-                <a:solidFill>
-                  <a:schemeClr val="tx1"/>
-                </a:solidFill>
-                <a:latin typeface="Arial" charset="0"/>
-                <a:ea typeface="+mn-ea"/>
-                <a:cs typeface="+mn-cs"/>
-              </a:rPr>
-              <a:t>information loss is the average of the</a:t>
-            </a:r>
-          </a:p>
-          <a:p>
-            <a:r>
-              <a:rPr lang="en-US" sz="1200" b="0" i="1" u="none" strike="noStrike" kern="1200" baseline="0" dirty="0" err="1">
-                <a:solidFill>
-                  <a:schemeClr val="tx1"/>
-                </a:solidFill>
-                <a:latin typeface="Arial" charset="0"/>
-                <a:ea typeface="+mn-ea"/>
-                <a:cs typeface="+mn-cs"/>
-              </a:rPr>
-              <a:t>Prec</a:t>
-            </a:r>
-            <a:r>
-              <a:rPr lang="en-US" sz="1200" b="0" i="1" u="none" strike="noStrike" kern="1200" baseline="0" dirty="0">
-                <a:solidFill>
-                  <a:schemeClr val="tx1"/>
-                </a:solidFill>
-                <a:latin typeface="Arial" charset="0"/>
-                <a:ea typeface="+mn-ea"/>
-                <a:cs typeface="+mn-cs"/>
-              </a:rPr>
-              <a:t> </a:t>
-            </a:r>
-            <a:r>
-              <a:rPr lang="en-US" sz="1200" b="0" i="0" u="none" strike="noStrike" kern="1200" baseline="0" dirty="0">
-                <a:solidFill>
-                  <a:schemeClr val="tx1"/>
-                </a:solidFill>
-                <a:latin typeface="Arial" charset="0"/>
-                <a:ea typeface="+mn-ea"/>
-                <a:cs typeface="+mn-cs"/>
-              </a:rPr>
-              <a:t>values across all quasi-identifiers in the dataset.</a:t>
-            </a:r>
-            <a:r>
-              <a:rPr lang="de-DE" sz="1200" b="0" i="0" u="none" strike="noStrike" kern="1200" baseline="0" dirty="0">
-                <a:solidFill>
-                  <a:schemeClr val="tx1"/>
-                </a:solidFill>
-                <a:latin typeface="Arial" charset="0"/>
-                <a:ea typeface="+mn-ea"/>
-                <a:cs typeface="+mn-cs"/>
-              </a:rPr>
-              <a:t> As a</a:t>
-            </a:r>
-          </a:p>
-          <a:p>
-            <a:r>
-              <a:rPr lang="en-US" sz="1200" b="0" i="0" u="none" strike="noStrike" kern="1200" baseline="0" dirty="0">
-                <a:solidFill>
-                  <a:schemeClr val="tx1"/>
-                </a:solidFill>
-                <a:latin typeface="Arial" charset="0"/>
-                <a:ea typeface="+mn-ea"/>
-                <a:cs typeface="+mn-cs"/>
-              </a:rPr>
-              <a:t>consequence, the more a variable is generalized, the higher the</a:t>
-            </a:r>
-          </a:p>
-          <a:p>
-            <a:r>
-              <a:rPr lang="de-DE" sz="1200" b="0" i="0" u="none" strike="noStrike" kern="1200" baseline="0" dirty="0" err="1">
-                <a:solidFill>
-                  <a:schemeClr val="tx1"/>
-                </a:solidFill>
-                <a:latin typeface="Arial" charset="0"/>
-                <a:ea typeface="+mn-ea"/>
-                <a:cs typeface="+mn-cs"/>
-              </a:rPr>
-              <a:t>information</a:t>
-            </a:r>
-            <a:r>
-              <a:rPr lang="de-DE" sz="1200" b="0" i="0" u="none" strike="noStrike" kern="1200" baseline="0" dirty="0">
-                <a:solidFill>
-                  <a:schemeClr val="tx1"/>
-                </a:solidFill>
-                <a:latin typeface="Arial" charset="0"/>
-                <a:ea typeface="+mn-ea"/>
-                <a:cs typeface="+mn-cs"/>
-              </a:rPr>
-              <a:t> </a:t>
-            </a:r>
-            <a:r>
-              <a:rPr lang="de-DE" sz="1200" b="0" i="0" u="none" strike="noStrike" kern="1200" baseline="0" dirty="0" err="1">
-                <a:solidFill>
-                  <a:schemeClr val="tx1"/>
-                </a:solidFill>
-                <a:latin typeface="Arial" charset="0"/>
-                <a:ea typeface="+mn-ea"/>
-                <a:cs typeface="+mn-cs"/>
-              </a:rPr>
-              <a:t>loss</a:t>
-            </a:r>
-            <a:r>
-              <a:rPr lang="de-DE" sz="1200" b="0" i="0" u="none" strike="noStrike" kern="1200" baseline="0" dirty="0">
-                <a:solidFill>
-                  <a:schemeClr val="tx1"/>
-                </a:solidFill>
-                <a:latin typeface="Arial" charset="0"/>
-                <a:ea typeface="+mn-ea"/>
-                <a:cs typeface="+mn-cs"/>
-              </a:rPr>
-              <a:t>.</a:t>
-            </a:r>
-          </a:p>
-          <a:p>
-            <a:endParaRPr lang="de-DE" sz="1200" b="0" i="0" u="none" strike="noStrike" kern="1200" baseline="0" dirty="0">
-              <a:solidFill>
-                <a:schemeClr val="tx1"/>
-              </a:solidFill>
-              <a:latin typeface="Arial" charset="0"/>
-              <a:ea typeface="+mn-ea"/>
-              <a:cs typeface="+mn-cs"/>
-            </a:endParaRPr>
-          </a:p>
-          <a:p>
-            <a:r>
-              <a:rPr lang="de-DE" sz="1200" b="0" i="0" u="none" strike="noStrike" kern="1200" baseline="0" dirty="0">
-                <a:solidFill>
-                  <a:schemeClr val="tx1"/>
-                </a:solidFill>
-                <a:latin typeface="Arial" charset="0"/>
-                <a:ea typeface="+mn-ea"/>
-                <a:cs typeface="+mn-cs"/>
-              </a:rPr>
-              <a:t>The </a:t>
-            </a:r>
-            <a:r>
-              <a:rPr lang="de-DE" sz="1200" b="0" i="0" u="none" strike="noStrike" kern="1200" baseline="0" dirty="0" err="1">
-                <a:solidFill>
-                  <a:schemeClr val="tx1"/>
-                </a:solidFill>
-                <a:latin typeface="Arial" charset="0"/>
-                <a:ea typeface="+mn-ea"/>
-                <a:cs typeface="+mn-cs"/>
-              </a:rPr>
-              <a:t>discernability</a:t>
-            </a:r>
-            <a:endParaRPr lang="de-DE" sz="1200" b="0" i="0" u="none" strike="noStrike" kern="1200" baseline="0" dirty="0">
-              <a:solidFill>
-                <a:schemeClr val="tx1"/>
-              </a:solidFill>
-              <a:latin typeface="Arial" charset="0"/>
-              <a:ea typeface="+mn-ea"/>
-              <a:cs typeface="+mn-cs"/>
-            </a:endParaRPr>
-          </a:p>
-          <a:p>
-            <a:r>
-              <a:rPr lang="en-US" sz="1200" b="0" i="0" u="none" strike="noStrike" kern="1200" baseline="0" dirty="0">
-                <a:solidFill>
-                  <a:schemeClr val="tx1"/>
-                </a:solidFill>
-                <a:latin typeface="Arial" charset="0"/>
-                <a:ea typeface="+mn-ea"/>
-                <a:cs typeface="+mn-cs"/>
-              </a:rPr>
-              <a:t>metric assigns a penalty to every record that is proportional</a:t>
-            </a:r>
-          </a:p>
-          <a:p>
-            <a:r>
-              <a:rPr lang="en-US" sz="1200" b="0" i="0" u="none" strike="noStrike" kern="1200" baseline="0" dirty="0">
-                <a:solidFill>
-                  <a:schemeClr val="tx1"/>
-                </a:solidFill>
-                <a:latin typeface="Arial" charset="0"/>
-                <a:ea typeface="+mn-ea"/>
-                <a:cs typeface="+mn-cs"/>
-              </a:rPr>
-              <a:t>to the number of records that are indistinguishable from it.</a:t>
-            </a:r>
-          </a:p>
-          <a:p>
-            <a:r>
-              <a:rPr lang="en-US" sz="1200" b="0" i="0" u="none" strike="noStrike" kern="1200" baseline="0" dirty="0">
-                <a:solidFill>
-                  <a:schemeClr val="tx1"/>
-                </a:solidFill>
-                <a:latin typeface="Arial" charset="0"/>
-                <a:ea typeface="+mn-ea"/>
-                <a:cs typeface="+mn-cs"/>
-              </a:rPr>
-              <a:t>Following the same reasoning, DM assigns a penalty equal</a:t>
-            </a:r>
-          </a:p>
-          <a:p>
-            <a:r>
-              <a:rPr lang="en-US" sz="1200" b="0" i="0" u="none" strike="noStrike" kern="1200" baseline="0" dirty="0">
-                <a:solidFill>
-                  <a:schemeClr val="tx1"/>
-                </a:solidFill>
-                <a:latin typeface="Arial" charset="0"/>
-                <a:ea typeface="+mn-ea"/>
-                <a:cs typeface="+mn-cs"/>
-              </a:rPr>
-              <a:t>to the whole dataset for every suppressed record (since</a:t>
-            </a:r>
-          </a:p>
-          <a:p>
-            <a:r>
-              <a:rPr lang="en-US" sz="1200" b="0" i="0" u="none" strike="noStrike" kern="1200" baseline="0" dirty="0">
-                <a:solidFill>
-                  <a:schemeClr val="tx1"/>
-                </a:solidFill>
-                <a:latin typeface="Arial" charset="0"/>
-                <a:ea typeface="+mn-ea"/>
-                <a:cs typeface="+mn-cs"/>
-              </a:rPr>
-              <a:t>suppressed records are indistinguishable from all other</a:t>
-            </a:r>
-          </a:p>
-          <a:p>
-            <a:r>
-              <a:rPr lang="en-US" sz="1200" b="0" i="0" u="none" strike="noStrike" kern="1200" baseline="0" dirty="0">
-                <a:solidFill>
-                  <a:schemeClr val="tx1"/>
-                </a:solidFill>
-                <a:latin typeface="Arial" charset="0"/>
-                <a:ea typeface="+mn-ea"/>
-                <a:cs typeface="+mn-cs"/>
-              </a:rPr>
-              <a:t>records). The formula for DM metric appears in online</a:t>
+              <a:t>to the number of records that are indistinguishable from it. </a:t>
             </a:r>
             <a:endParaRPr lang="de-DE" dirty="0"/>
           </a:p>
@@ -4056,6 +3135,14 @@
               <a:tabLst/>
               <a:defRPr/>
             </a:pPr>
+            <a:r>
+              <a:rPr lang="en-US" sz="1200" dirty="0"/>
+              <a:t>-   Finding Optimal k-anonymity is </a:t>
+            </a:r>
+            <a:r>
+              <a:rPr lang="en-US" dirty="0"/>
+              <a:t>  NP – Hard Problem</a:t>
+            </a:r>
             <a:endParaRPr lang="en-US" sz="1200" dirty="0"/>
           </a:p>
           <a:p>
@@ -4076,16 +3163,6 @@
             <a:r>
               <a:rPr lang="en-US" dirty="0"/>
               <a:t>Different metrics give you different information loss</a:t>
-            </a:r>
-          </a:p>
-          <a:p>
-            <a:pPr marL="0" indent="0">
-              <a:buFontTx/>
-              <a:buNone/>
-            </a:pPr>
-            <a:r>
-              <a:rPr lang="en-US" dirty="0"/>
-              <a:t>-   NP - Hard</a:t>
             </a:r>
           </a:p>
           <a:p>
@@ -4492,29 +3569,7 @@
                 <a:ea typeface="+mn-ea"/>
                 <a:cs typeface="+mn-cs"/>
               </a:rPr>
-              <a:t>temporal </a:t>
-            </a:r>
-            <a:r>
-              <a:rPr lang="de-DE" sz="1200" b="0" i="0" u="none" strike="noStrike" kern="1200" baseline="0" dirty="0" err="1">
-                <a:solidFill>
-                  <a:schemeClr val="tx1"/>
-                </a:solidFill>
-                <a:latin typeface="Arial" charset="0"/>
-                <a:ea typeface="+mn-ea"/>
-                <a:cs typeface="+mn-cs"/>
-              </a:rPr>
-              <a:t>cloaking</a:t>
-            </a:r>
-            <a:r>
-              <a:rPr lang="de-DE" sz="1200" b="0" i="0" u="none" strike="noStrike" kern="1200" baseline="0" dirty="0">
-                <a:solidFill>
-                  <a:schemeClr val="tx1"/>
-                </a:solidFill>
-                <a:latin typeface="Arial" charset="0"/>
-                <a:ea typeface="+mn-ea"/>
-                <a:cs typeface="+mn-cs"/>
-              </a:rPr>
-              <a:t>.</a:t>
+              <a:t>temporal cloaking.</a:t>
             </a:r>
             <a:endParaRPr lang="de-DE" dirty="0"/>
           </a:p>
@@ -4615,7 +3670,7 @@
                 <a:ea typeface="+mn-ea"/>
                 <a:cs typeface="+mn-cs"/>
               </a:rPr>
-              <a:t>A main technical challenge for developing an efficient cloaking</a:t>
+              <a:t>A main technical challenge for developing an efficient cloaking algorithm is to find a set of messages and to assign the</a:t>
             </a:r>
           </a:p>
           <a:p>
@@ -4628,10 +3683,19 @@
                 <a:ea typeface="+mn-ea"/>
                 <a:cs typeface="+mn-cs"/>
               </a:rPr>
-              <a:t>algorithm is to find a set of messages and to assign the</a:t>
-            </a:r>
-          </a:p>
-          <a:p>
+              <a:t>smallest possible </a:t>
+            </a:r>
+            <a:r>
+              <a:rPr lang="en-US" sz="1200" b="0" i="0" u="none" strike="noStrike" kern="1200" baseline="0" dirty="0" err="1">
+                <a:solidFill>
+                  <a:schemeClr val="tx1"/>
+                </a:solidFill>
+                <a:latin typeface="Arial" charset="0"/>
+                <a:ea typeface="+mn-ea"/>
+                <a:cs typeface="+mn-cs"/>
+              </a:rPr>
+              <a:t>spatio</a:t>
+            </a:r>
             <a:r>
               <a:rPr lang="en-US" sz="1200" b="0" i="0" u="none" strike="noStrike" kern="1200" baseline="0" dirty="0">
                 <a:solidFill>
@@ -4641,42 +3705,7 @@
                 <a:ea typeface="+mn-ea"/>
                 <a:cs typeface="+mn-cs"/>
               </a:rPr>
-              <a:t>smallest possible </a:t>
-            </a:r>
-            <a:r>
-              <a:rPr lang="en-US" sz="1200" b="0" i="0" u="none" strike="noStrike" kern="1200" baseline="0" dirty="0" err="1">
-                <a:solidFill>
-                  <a:schemeClr val="tx1"/>
-                </a:solidFill>
-                <a:latin typeface="Arial" charset="0"/>
-                <a:ea typeface="+mn-ea"/>
-                <a:cs typeface="+mn-cs"/>
-              </a:rPr>
-              <a:t>spatio</a:t>
-            </a:r>
-            <a:r>
-              <a:rPr lang="en-US" sz="1200" b="0" i="0" u="none" strike="noStrike" kern="1200" baseline="0" dirty="0">
-                <a:solidFill>
-                  <a:schemeClr val="tx1"/>
-                </a:solidFill>
-                <a:latin typeface="Arial" charset="0"/>
-                <a:ea typeface="+mn-ea"/>
-                <a:cs typeface="+mn-cs"/>
-              </a:rPr>
-              <a:t>-temporal cloaking box to these messages,</a:t>
-            </a:r>
-          </a:p>
-          <a:p>
-            <a:r>
-              <a:rPr lang="en-US" sz="1200" b="0" i="0" u="none" strike="noStrike" kern="1200" baseline="0" dirty="0">
-                <a:solidFill>
-                  <a:schemeClr val="tx1"/>
-                </a:solidFill>
-                <a:latin typeface="Arial" charset="0"/>
-                <a:ea typeface="+mn-ea"/>
-                <a:cs typeface="+mn-cs"/>
-              </a:rPr>
-              <a:t>such that the </a:t>
+              <a:t>-temporal cloaking box to these messages, such that the </a:t>
             </a:r>
             <a:r>
               <a:rPr lang="en-US" sz="1200" b="0" i="1" u="none" strike="noStrike" kern="1200" baseline="0" dirty="0">
@@ -4745,10 +3774,8 @@
                 <a:ea typeface="+mn-ea"/>
                 <a:cs typeface="+mn-cs"/>
               </a:rPr>
-              <a:t>deadline</a:t>
-            </a:r>
-          </a:p>
-          <a:p>
+              <a:t>deadline </a:t>
+            </a:r>
             <a:r>
               <a:rPr lang="en-US" sz="1200" b="0" i="0" u="none" strike="noStrike" kern="1200" baseline="0" dirty="0">
                 <a:solidFill>
@@ -5210,29 +4237,7 @@
                 <a:ea typeface="+mn-ea"/>
                 <a:cs typeface="+mn-cs"/>
               </a:rPr>
-              <a:t> </a:t>
-            </a:r>
-            <a:r>
-              <a:rPr lang="de-DE" sz="1200" b="0" i="0" u="none" strike="noStrike" kern="1200" baseline="0" dirty="0" err="1">
-                <a:solidFill>
-                  <a:schemeClr val="tx1"/>
-                </a:solidFill>
-                <a:latin typeface="Arial" charset="0"/>
-                <a:ea typeface="+mn-ea"/>
-                <a:cs typeface="+mn-cs"/>
-              </a:rPr>
-              <a:t>of</a:t>
-            </a:r>
-            <a:r>
-              <a:rPr lang="de-DE" sz="1200" b="0" i="0" u="none" strike="noStrike" kern="1200" baseline="0" dirty="0">
-                <a:solidFill>
-                  <a:schemeClr val="tx1"/>
-                </a:solidFill>
-                <a:latin typeface="Arial" charset="0"/>
-                <a:ea typeface="+mn-ea"/>
-                <a:cs typeface="+mn-cs"/>
-              </a:rPr>
-              <a:t> </a:t>
+              <a:t> of </a:t>
             </a:r>
             <a:r>
               <a:rPr lang="en-US" sz="1200" b="0" i="0" u="none" strike="noStrike" kern="1200" baseline="0" dirty="0">
@@ -5482,7 +4487,7 @@
                 <a:ea typeface="+mn-ea"/>
                 <a:cs typeface="+mn-cs"/>
               </a:rPr>
-              <a:t>They simulated simple traffic on an computer. They loaded a map of a region Georgia of 160 km2. And they got around 100000 cars the produced messages during the simulation. Each </a:t>
+              <a:t>They simulated simple traffic scneario on an computer. They loaded a map of a region Georgia of 160 km2. And they got around 100000 cars the produced messages during the simulation. Each </a:t>
             </a:r>
             <a:r>
               <a:rPr lang="en-US" sz="1200" b="0" i="0" u="none" strike="noStrike" kern="1200" baseline="0" dirty="0">
@@ -8375,64 +7380,22 @@
           <a:p>
             <a:r>
               <a:rPr lang="de-DE" dirty="0"/>
-              <a:t>Goal </a:t>
+              <a:t>Goal of K-</a:t>
             </a:r>
             <a:r>
               <a:rPr lang="de-DE" dirty="0" err="1"/>
-              <a:t>of</a:t>
+              <a:t>Anonymity</a:t>
             </a:r>
             <a:r>
               <a:rPr lang="de-DE" dirty="0"/>
-              <a:t> k-</a:t>
-            </a:r>
-            <a:r>
-              <a:rPr lang="de-DE" dirty="0" err="1"/>
-              <a:t>anonmity</a:t>
-            </a:r>
+              <a:t> algorithm is to find a optimal solution</a:t>
+            </a:r>
+          </a:p>
+          <a:p>
             <a:r>
               <a:rPr lang="de-DE" dirty="0"/>
-              <a:t> </a:t>
-            </a:r>
-            <a:r>
-              <a:rPr lang="de-DE" dirty="0" err="1"/>
-              <a:t>algorithm</a:t>
-            </a:r>
-            <a:r>
-              <a:rPr lang="de-DE" dirty="0"/>
-              <a:t> </a:t>
-            </a:r>
-            <a:r>
-              <a:rPr lang="de-DE" dirty="0" err="1"/>
-              <a:t>is</a:t>
-            </a:r>
-            <a:r>
-              <a:rPr lang="de-DE" dirty="0"/>
-              <a:t> </a:t>
-            </a:r>
-            <a:r>
-              <a:rPr lang="de-DE" dirty="0" err="1"/>
-              <a:t>to</a:t>
-            </a:r>
-            <a:r>
-              <a:rPr lang="de-DE" dirty="0"/>
-              <a:t> find a optimal </a:t>
-            </a:r>
-            <a:r>
-              <a:rPr lang="de-DE" dirty="0" err="1"/>
-              <a:t>solution</a:t>
-            </a:r>
-            <a:endParaRPr lang="de-DE" dirty="0"/>
-          </a:p>
-          <a:p>
-            <a:r>
-              <a:rPr lang="de-DE" dirty="0"/>
-              <a:t>Minimal Information </a:t>
-            </a:r>
-            <a:r>
-              <a:rPr lang="de-DE" dirty="0" err="1"/>
-              <a:t>loss</a:t>
-            </a:r>
-            <a:endParaRPr lang="de-DE" dirty="0"/>
+              <a:t>Minimal Information loss</a:t>
+            </a:r>
           </a:p>
           <a:p>
             <a:r>
@@ -8442,26 +7405,9 @@
           </a:p>
           <a:p>
             <a:r>
-              <a:rPr lang="de-DE" dirty="0" err="1"/>
-              <a:t>Heuristic</a:t>
-            </a:r>
-            <a:r>
               <a:rPr lang="de-DE" dirty="0"/>
-              <a:t> /</a:t>
-            </a:r>
-            <a:r>
-              <a:rPr lang="de-DE" dirty="0" err="1"/>
-              <a:t>Approximations</a:t>
-            </a:r>
-            <a:r>
-              <a:rPr lang="de-DE" dirty="0"/>
-              <a:t>/ Loss </a:t>
-            </a:r>
-            <a:r>
-              <a:rPr lang="de-DE" dirty="0" err="1"/>
-              <a:t>Metrics</a:t>
-            </a:r>
-            <a:endParaRPr lang="de-DE" dirty="0"/>
+              <a:t>Heuristic /Approximation/ Loss Metrics</a:t>
+            </a:r>
           </a:p>
           <a:p>
             <a:r>
@@ -8766,18 +7712,13 @@
               <a:t>Some </a:t>
             </a:r>
             <a:r>
-              <a:rPr lang="de-DE" dirty="0" err="1"/>
+              <a:rPr lang="de-DE" dirty="0"/>
               <a:t>algorithms</a:t>
             </a:r>
             <a:r>
               <a:rPr lang="en-US" dirty="0"/>
-              <a:t> work with </a:t>
-            </a:r>
-            <a:r>
-              <a:rPr lang="en-US" dirty="0" err="1"/>
-              <a:t>MaxSup</a:t>
-            </a:r>
-            <a:endParaRPr lang="en-US" dirty="0"/>
+              <a:t> works with MaxSup</a:t>
+            </a:r>
           </a:p>
           <a:p>
             <a:r>
@@ -9213,15 +8154,7 @@
             </a:r>
             <a:r>
               <a:rPr lang="de-DE" sz="1000" b="0" dirty="0"/>
-              <a:t> </a:t>
-            </a:r>
-            <a:r>
-              <a:rPr lang="de-DE" sz="1000" b="0" dirty="0" err="1"/>
-              <a:t>of</a:t>
-            </a:r>
-            <a:r>
-              <a:rPr lang="de-DE" sz="1000" b="0" dirty="0"/>
-              <a:t> Health Data:</a:t>
+              <a:t> of Health Data:</a:t>
             </a:r>
             <a:r>
               <a:rPr lang="pl-PL" sz="1000" b="0" dirty="0"/>
@@ -9324,50 +8257,25 @@
           </a:p>
           <a:p>
             <a:r>
-              <a:rPr lang="en-US" dirty="0" err="1"/>
-              <a:t>Prec</a:t>
-            </a:r>
+              <a:rPr lang="de-DE" dirty="0"/>
+              <a:t>&lt;d1,g0,a4&gt;</a:t>
+            </a:r>
+            <a:endParaRPr lang="en-US" dirty="0"/>
+          </a:p>
+          <a:p>
             <a:r>
               <a:rPr lang="en-US" dirty="0"/>
-              <a:t>: takes lattice height into account</a:t>
-            </a:r>
-          </a:p>
-          <a:p>
-            <a:r>
-              <a:rPr lang="de-DE" dirty="0" err="1"/>
-              <a:t>Discernability</a:t>
-            </a:r>
+              <a:t>Prec: takes lattice height into account</a:t>
+            </a:r>
+          </a:p>
+          <a:p>
+            <a:endParaRPr lang="en-US" dirty="0"/>
+          </a:p>
+          <a:p>
             <a:r>
               <a:rPr lang="de-DE" dirty="0"/>
-              <a:t> </a:t>
-            </a:r>
-            <a:r>
-              <a:rPr lang="de-DE" dirty="0" err="1"/>
-              <a:t>Metric</a:t>
-            </a:r>
-            <a:r>
-              <a:rPr lang="de-DE" dirty="0"/>
-              <a:t>(DM).</a:t>
-            </a:r>
-          </a:p>
-          <a:p>
-            <a:r>
-              <a:rPr lang="de-DE" dirty="0"/>
-              <a:t>Different </a:t>
-            </a:r>
-            <a:r>
-              <a:rPr lang="de-DE" dirty="0" err="1"/>
-              <a:t>Metrics</a:t>
-            </a:r>
-            <a:r>
-              <a:rPr lang="de-DE" dirty="0"/>
-              <a:t> – Different Information </a:t>
-            </a:r>
-            <a:r>
-              <a:rPr lang="de-DE" dirty="0" err="1"/>
-              <a:t>loss</a:t>
-            </a:r>
-            <a:endParaRPr lang="de-DE" dirty="0"/>
+              <a:t>Discernability Metric(DM): penalty to each record for being indistinguishable from other records</a:t>
+            </a:r>
           </a:p>
           <a:p>
             <a:pPr marL="0" indent="0">
@@ -9499,10 +8407,17 @@
           <a:lstStyle/>
           <a:p>
             <a:r>
-              <a:rPr lang="de-DE"/>
-              <a:t>K-Anonymity - Information Loss Metric</a:t>
-            </a:r>
-            <a:endParaRPr lang="de-DE" dirty="0"/>
+              <a:rPr lang="de-DE" dirty="0"/>
+              <a:t>K-</a:t>
+            </a:r>
+            <a:r>
+              <a:rPr lang="de-DE" dirty="0" err="1"/>
+              <a:t>Anonymity</a:t>
+            </a:r>
+            <a:r>
+              <a:rPr lang="de-DE" dirty="0"/>
+              <a:t> - Information Loss Metric</a:t>
+            </a:r>
           </a:p>
         </p:txBody>
       </p:sp>
@@ -9528,8 +8443,8 @@
         </p:blipFill>
         <p:spPr>
           <a:xfrm>
-            <a:off x="668360" y="2848323"/>
-            <a:ext cx="7065494" cy="2577168"/>
+            <a:off x="2367434" y="4121471"/>
+            <a:ext cx="4012258" cy="1463487"/>
           </a:xfrm>
           <a:prstGeom prst="rect">
             <a:avLst/>
@@ -9550,7 +8465,7 @@
         </p:nvSpPr>
         <p:spPr>
           <a:xfrm>
-            <a:off x="665345" y="5334123"/>
+            <a:off x="1043608" y="5552838"/>
             <a:ext cx="10248904" cy="246221"/>
           </a:xfrm>
           <a:prstGeom prst="rect">
@@ -9583,15 +8498,7 @@
             </a:r>
             <a:r>
               <a:rPr lang="de-DE" sz="1000" b="0" dirty="0"/>
-              <a:t> </a:t>
-            </a:r>
-            <a:r>
-              <a:rPr lang="de-DE" sz="1000" b="0" dirty="0" err="1"/>
-              <a:t>of</a:t>
-            </a:r>
-            <a:r>
-              <a:rPr lang="de-DE" sz="1000" b="0" dirty="0"/>
-              <a:t> Health Data:</a:t>
+              <a:t> of Health Data:</a:t>
             </a:r>
             <a:r>
               <a:rPr lang="pl-PL" sz="1000" b="0" dirty="0"/>
@@ -9601,6 +8508,36 @@
           </a:p>
         </p:txBody>
       </p:sp>
+      <p:pic>
+        <p:nvPicPr>
+          <p:cNvPr id="10" name="Grafik 9">
+            <a:extLst>
+              <a:ext uri="{FF2B5EF4-FFF2-40B4-BE49-F238E27FC236}">
+                <a16:creationId xmlns:a16="http://schemas.microsoft.com/office/drawing/2014/main" id="{52A7AF78-EA1B-4EBB-8FD2-6F76273A53BD}"/>
+              </a:ext>
+            </a:extLst>
+          </p:cNvPr>
+          <p:cNvPicPr>
+            <a:picLocks noChangeAspect="1"/>
+          </p:cNvPicPr>
+          <p:nvPr/>
+        </p:nvPicPr>
+        <p:blipFill>
+          <a:blip r:embed="rId4"/>
+          <a:stretch>
+            <a:fillRect/>
+          </a:stretch>
+        </p:blipFill>
+        <p:spPr>
+          <a:xfrm>
+            <a:off x="827585" y="2213768"/>
+            <a:ext cx="4104456" cy="578719"/>
+          </a:xfrm>
+          <a:prstGeom prst="rect">
+            <a:avLst/>
+          </a:prstGeom>
+        </p:spPr>
+      </p:pic>
     </p:spTree>
     <p:extLst>
       <p:ext uri="{BB962C8B-B14F-4D97-AF65-F5344CB8AC3E}">
@@ -9825,15 +8762,7 @@
             </a:r>
             <a:r>
               <a:rPr lang="de-DE" sz="1000" b="0" dirty="0"/>
-              <a:t> </a:t>
-            </a:r>
-            <a:r>
-              <a:rPr lang="de-DE" sz="1000" b="0" dirty="0" err="1"/>
-              <a:t>of</a:t>
-            </a:r>
-            <a:r>
-              <a:rPr lang="de-DE" sz="1000" b="0" dirty="0"/>
-              <a:t> Health Data:</a:t>
+              <a:t> of Health Data:</a:t>
             </a:r>
             <a:r>
               <a:rPr lang="pl-PL" sz="1000" b="0" dirty="0"/>
@@ -9895,7 +8824,7 @@
           <a:lstStyle/>
           <a:p>
             <a:r>
-              <a:rPr lang="en-US" sz="1800" dirty="0"/>
+              <a:rPr lang="en-US" sz="1600" dirty="0"/>
               <a:t>For each generalization strategy, conduct a binary search to find all the k-anonymous nodes.</a:t>
             </a:r>
           </a:p>
@@ -10024,8 +8953,12 @@
           <a:lstStyle/>
           <a:p>
             <a:r>
-              <a:rPr lang="de-DE"/>
-              <a:t>The OLA Algorithm</a:t>
+              <a:rPr lang="de-DE" dirty="0"/>
+              <a:t>The OLA </a:t>
+            </a:r>
+            <a:r>
+              <a:rPr lang="de-DE" dirty="0" err="1"/>
+              <a:t>Algorithm</a:t>
             </a:r>
             <a:endParaRPr lang="de-DE" dirty="0"/>
           </a:p>
@@ -10033,10 +8966,10 @@
       </p:sp>
       <p:pic>
         <p:nvPicPr>
-          <p:cNvPr id="7" name="Grafik 6">
-            <a:extLst>
-              <a:ext uri="{FF2B5EF4-FFF2-40B4-BE49-F238E27FC236}">
-                <a16:creationId xmlns:a16="http://schemas.microsoft.com/office/drawing/2014/main" id="{421009AC-7661-4DD2-8EAB-6C820BA58830}"/>
+          <p:cNvPr id="8" name="Grafik 7">
+            <a:extLst>
+              <a:ext uri="{FF2B5EF4-FFF2-40B4-BE49-F238E27FC236}">
+                <a16:creationId xmlns:a16="http://schemas.microsoft.com/office/drawing/2014/main" id="{A0B81BB4-164E-460D-9EF7-D3B90638CAE1}"/>
               </a:ext>
             </a:extLst>
           </p:cNvPr>
@@ -10053,14 +8986,71 @@
         </p:blipFill>
         <p:spPr>
           <a:xfrm>
-            <a:off x="4150121" y="2858636"/>
-            <a:ext cx="4504135" cy="3217239"/>
+            <a:off x="2755900" y="2874248"/>
+            <a:ext cx="4392488" cy="3123426"/>
           </a:xfrm>
           <a:prstGeom prst="rect">
             <a:avLst/>
           </a:prstGeom>
         </p:spPr>
       </p:pic>
+      <p:sp>
+        <p:nvSpPr>
+          <p:cNvPr id="9" name="Textfeld 8">
+            <a:extLst>
+              <a:ext uri="{FF2B5EF4-FFF2-40B4-BE49-F238E27FC236}">
+                <a16:creationId xmlns:a16="http://schemas.microsoft.com/office/drawing/2014/main" id="{32B8B97E-8883-4D1E-9CFB-F75F58FCB2D3}"/>
+              </a:ext>
+            </a:extLst>
+          </p:cNvPr>
+          <p:cNvSpPr txBox="1"/>
+          <p:nvPr/>
+        </p:nvSpPr>
+        <p:spPr>
+          <a:xfrm>
+            <a:off x="2483768" y="6006377"/>
+            <a:ext cx="10248904" cy="215444"/>
+          </a:xfrm>
+          <a:prstGeom prst="rect">
+            <a:avLst/>
+          </a:prstGeom>
+          <a:noFill/>
+        </p:spPr>
+        <p:txBody>
+          <a:bodyPr wrap="square" rtlCol="0">
+            <a:spAutoFit/>
+          </a:bodyPr>
+          <a:lstStyle/>
+          <a:p>
+            <a:pPr algn="l"/>
+            <a:r>
+              <a:rPr lang="de-DE" sz="800" dirty="0"/>
+              <a:t>Source: </a:t>
+            </a:r>
+            <a:r>
+              <a:rPr lang="en-US" sz="800" b="0" dirty="0"/>
+              <a:t>A Globally Optimal k-Anonymity Method for the </a:t>
+            </a:r>
+            <a:r>
+              <a:rPr lang="de-DE" sz="800" b="0" dirty="0"/>
+              <a:t>De-</a:t>
+            </a:r>
+            <a:r>
+              <a:rPr lang="de-DE" sz="800" b="0" dirty="0" err="1"/>
+              <a:t>Identification</a:t>
+            </a:r>
+            <a:r>
+              <a:rPr lang="de-DE" sz="800" b="0" dirty="0"/>
+              <a:t> of Health Data:</a:t>
+            </a:r>
+            <a:r>
+              <a:rPr lang="pl-PL" sz="800" b="0" dirty="0"/>
+              <a:t>16:670–682. DOI 10.1197/jamia.M3144.</a:t>
+            </a:r>
+            <a:endParaRPr lang="de-DE" sz="800" dirty="0"/>
+          </a:p>
+        </p:txBody>
+      </p:sp>
     </p:spTree>
     <p:extLst>
       <p:ext uri="{BB962C8B-B14F-4D97-AF65-F5344CB8AC3E}">
@@ -10128,15 +9118,7 @@
             </a:r>
             <a:r>
               <a:rPr lang="de-DE" sz="2000" dirty="0"/>
-              <a:t> </a:t>
-            </a:r>
-            <a:r>
-              <a:rPr lang="de-DE" sz="2000" dirty="0" err="1"/>
-              <a:t>services</a:t>
-            </a:r>
-            <a:r>
-              <a:rPr lang="de-DE" sz="2000" dirty="0"/>
-              <a:t> (LBS)</a:t>
+              <a:t> services (LBS)</a:t>
             </a:r>
           </a:p>
           <a:p>
@@ -10155,60 +9137,19 @@
           <a:p>
             <a:r>
               <a:rPr lang="de-DE" sz="2000" dirty="0"/>
-              <a:t>Location </a:t>
-            </a:r>
-            <a:r>
-              <a:rPr lang="de-DE" sz="2000" dirty="0" err="1"/>
-              <a:t>can</a:t>
-            </a:r>
+              <a:t>Location can be a Quasi – Identifier </a:t>
+            </a:r>
+          </a:p>
+          <a:p>
             <a:r>
               <a:rPr lang="de-DE" sz="2000" dirty="0"/>
-              <a:t> </a:t>
-            </a:r>
-            <a:r>
-              <a:rPr lang="de-DE" sz="2000" dirty="0" err="1"/>
-              <a:t>be</a:t>
-            </a:r>
+              <a:t>Spatial cloaking and Temporal cloaking</a:t>
+            </a:r>
+          </a:p>
+          <a:p>
             <a:r>
               <a:rPr lang="de-DE" sz="2000" dirty="0"/>
-              <a:t> a Quasi – Identifier </a:t>
-            </a:r>
-          </a:p>
-          <a:p>
-            <a:r>
-              <a:rPr lang="de-DE" sz="2000" dirty="0" err="1"/>
-              <a:t>Spatial</a:t>
-            </a:r>
-            <a:r>
-              <a:rPr lang="de-DE" sz="2000" dirty="0"/>
-              <a:t> </a:t>
-            </a:r>
-            <a:r>
-              <a:rPr lang="de-DE" sz="2000" dirty="0" err="1"/>
-              <a:t>cloaking</a:t>
-            </a:r>
-            <a:r>
-              <a:rPr lang="de-DE" sz="2000" dirty="0"/>
-              <a:t> and Temporal </a:t>
-            </a:r>
-            <a:r>
-              <a:rPr lang="de-DE" sz="2000" dirty="0" err="1"/>
-              <a:t>cloaking</a:t>
-            </a:r>
-            <a:endParaRPr lang="de-DE" sz="2000" dirty="0"/>
-          </a:p>
-          <a:p>
-            <a:r>
-              <a:rPr lang="de-DE" sz="2000" dirty="0"/>
-              <a:t>Usability and </a:t>
-            </a:r>
-            <a:r>
-              <a:rPr lang="de-DE" sz="2000" dirty="0" err="1"/>
-              <a:t>anonymity</a:t>
-            </a:r>
-            <a:r>
-              <a:rPr lang="de-DE" sz="2000" dirty="0"/>
-              <a:t> </a:t>
+              <a:t>Usability and anonymity </a:t>
             </a:r>
           </a:p>
         </p:txBody>
@@ -10855,7 +9796,7 @@
         </p:blipFill>
         <p:spPr>
           <a:xfrm>
-            <a:off x="495376" y="1328217"/>
+            <a:off x="611560" y="1213554"/>
             <a:ext cx="3932607" cy="4519793"/>
           </a:xfrm>
           <a:prstGeom prst="rect">
@@ -11010,7 +9951,7 @@
         </p:nvSpPr>
         <p:spPr>
           <a:xfrm>
-            <a:off x="4255075" y="1548393"/>
+            <a:off x="4373563" y="1447552"/>
             <a:ext cx="4638100" cy="369332"/>
           </a:xfrm>
           <a:prstGeom prst="rect">
@@ -11258,108 +10199,6 @@
               <a:t>, C</a:t>
             </a:r>
             <a:endParaRPr lang="de-DE" dirty="0"/>
-          </a:p>
-        </p:txBody>
-      </p:sp>
-      <p:sp>
-        <p:nvSpPr>
-          <p:cNvPr id="8" name="Textfeld 7">
-            <a:extLst>
-              <a:ext uri="{FF2B5EF4-FFF2-40B4-BE49-F238E27FC236}">
-                <a16:creationId xmlns:a16="http://schemas.microsoft.com/office/drawing/2014/main" id="{5F8E9856-BD4D-4CC5-9F42-FF46237E8680}"/>
-              </a:ext>
-            </a:extLst>
-          </p:cNvPr>
-          <p:cNvSpPr txBox="1"/>
-          <p:nvPr/>
-        </p:nvSpPr>
-        <p:spPr>
-          <a:xfrm>
-            <a:off x="4860032" y="2132856"/>
-            <a:ext cx="3555306" cy="1477328"/>
-          </a:xfrm>
-          <a:prstGeom prst="rect">
-            <a:avLst/>
-          </a:prstGeom>
-          <a:noFill/>
-        </p:spPr>
-        <p:txBody>
-          <a:bodyPr wrap="square" rtlCol="0">
-            <a:spAutoFit/>
-          </a:bodyPr>
-          <a:lstStyle/>
-          <a:p>
-            <a:r>
-              <a:rPr lang="de-DE" dirty="0" err="1"/>
-              <a:t>success</a:t>
-            </a:r>
-            <a:r>
-              <a:rPr lang="de-DE" dirty="0"/>
-              <a:t> rate</a:t>
-            </a:r>
-          </a:p>
-          <a:p>
-            <a:r>
-              <a:rPr lang="de-DE" dirty="0"/>
-              <a:t>Relative </a:t>
-            </a:r>
-            <a:r>
-              <a:rPr lang="de-DE" dirty="0" err="1"/>
-              <a:t>anonymity</a:t>
-            </a:r>
-            <a:r>
-              <a:rPr lang="de-DE" dirty="0"/>
-              <a:t> </a:t>
-            </a:r>
-            <a:r>
-              <a:rPr lang="de-DE" dirty="0" err="1"/>
-              <a:t>level</a:t>
-            </a:r>
-            <a:endParaRPr lang="de-DE" dirty="0"/>
-          </a:p>
-          <a:p>
-            <a:r>
-              <a:rPr lang="de-DE" dirty="0"/>
-              <a:t>Relative </a:t>
-            </a:r>
-            <a:r>
-              <a:rPr lang="de-DE" dirty="0" err="1"/>
-              <a:t>spatial</a:t>
-            </a:r>
-            <a:r>
-              <a:rPr lang="de-DE" dirty="0"/>
-              <a:t> </a:t>
-            </a:r>
-            <a:r>
-              <a:rPr lang="de-DE" dirty="0" err="1"/>
-              <a:t>resolution</a:t>
-            </a:r>
-            <a:endParaRPr lang="de-DE" dirty="0"/>
-          </a:p>
-          <a:p>
-            <a:r>
-              <a:rPr lang="de-DE" dirty="0"/>
-              <a:t>Relative temporal </a:t>
-            </a:r>
-            <a:r>
-              <a:rPr lang="de-DE" dirty="0" err="1"/>
-              <a:t>resolution</a:t>
-            </a:r>
-            <a:endParaRPr lang="de-DE" dirty="0"/>
-          </a:p>
-          <a:p>
-            <a:r>
-              <a:rPr lang="de-DE" dirty="0"/>
-              <a:t>Message </a:t>
-            </a:r>
-            <a:r>
-              <a:rPr lang="de-DE" dirty="0" err="1"/>
-              <a:t>processing</a:t>
-            </a:r>
-            <a:r>
-              <a:rPr lang="de-DE" dirty="0"/>
-              <a:t> time</a:t>
-            </a:r>
           </a:p>
         </p:txBody>
       </p:sp>
@@ -11392,36 +10231,12 @@
           <a:lstStyle/>
           <a:p>
             <a:r>
-              <a:rPr lang="de-DE" dirty="0" err="1">
+              <a:rPr lang="de-DE" dirty="0">
                 <a:solidFill>
                   <a:srgbClr val="FF0000"/>
                 </a:solidFill>
               </a:rPr>
-              <a:t>Anonymity</a:t>
-            </a:r>
-            <a:r>
-              <a:rPr lang="de-DE" dirty="0">
-                <a:solidFill>
-                  <a:srgbClr val="FF0000"/>
-                </a:solidFill>
-              </a:rPr>
-              <a:t> </a:t>
-            </a:r>
-            <a:r>
-              <a:rPr lang="de-DE" dirty="0" err="1">
-                <a:solidFill>
-                  <a:srgbClr val="FF0000"/>
-                </a:solidFill>
-              </a:rPr>
-              <a:t>can</a:t>
-            </a:r>
-            <a:r>
-              <a:rPr lang="de-DE" dirty="0">
-                <a:solidFill>
-                  <a:srgbClr val="FF0000"/>
-                </a:solidFill>
-              </a:rPr>
-              <a:t> </a:t>
+              <a:t>Anonymity can </a:t>
             </a:r>
             <a:r>
               <a:rPr lang="de-DE" dirty="0" err="1">
@@ -11609,7 +10424,7 @@
         </p:nvSpPr>
         <p:spPr>
           <a:xfrm>
-            <a:off x="1980406" y="1342286"/>
+            <a:off x="573088" y="1344287"/>
             <a:ext cx="8570912" cy="5526600"/>
           </a:xfrm>
         </p:spPr>
@@ -11623,90 +10438,84 @@
             <a:endParaRPr lang="de-DE" dirty="0"/>
           </a:p>
           <a:p>
-            <a:pPr marL="0" indent="0">
-              <a:buNone/>
+            <a:pPr marL="457200" indent="-457200">
+              <a:buFont typeface="+mj-lt"/>
+              <a:buAutoNum type="arabicPeriod"/>
             </a:pPr>
             <a:r>
-              <a:rPr lang="de-DE" dirty="0"/>
-              <a:t>1. Basics</a:t>
-            </a:r>
-          </a:p>
-          <a:p>
-            <a:pPr marL="0" indent="0">
-              <a:buNone/>
+              <a:rPr lang="de-DE" sz="2800" dirty="0"/>
+              <a:t>Basics</a:t>
+            </a:r>
+          </a:p>
+          <a:p>
+            <a:pPr marL="457200" indent="-457200">
+              <a:buFont typeface="+mj-lt"/>
+              <a:buAutoNum type="arabicPeriod"/>
             </a:pPr>
             <a:r>
-              <a:rPr lang="de-DE" dirty="0"/>
-              <a:t>2. k-anonymity</a:t>
-            </a:r>
-          </a:p>
-          <a:p>
-            <a:pPr marL="0" indent="0">
-              <a:buNone/>
+              <a:rPr lang="de-DE" sz="2800" dirty="0"/>
+              <a:t>k-</a:t>
+            </a:r>
+            <a:r>
+              <a:rPr lang="de-DE" sz="2800" dirty="0" err="1"/>
+              <a:t>anonymity</a:t>
+            </a:r>
+            <a:endParaRPr lang="de-DE" sz="2800" dirty="0"/>
+          </a:p>
+          <a:p>
+            <a:pPr marL="457200" indent="-457200">
+              <a:buFont typeface="+mj-lt"/>
+              <a:buAutoNum type="arabicPeriod"/>
             </a:pPr>
             <a:r>
-              <a:rPr lang="de-DE" dirty="0"/>
-              <a:t>3. OLA</a:t>
-            </a:r>
-          </a:p>
-          <a:p>
-            <a:pPr marL="0" indent="0">
-              <a:buNone/>
+              <a:rPr lang="de-DE" sz="2800" dirty="0"/>
+              <a:t>The OLA - Algorithm</a:t>
+            </a:r>
+          </a:p>
+          <a:p>
+            <a:pPr marL="457200" indent="-457200">
+              <a:buFont typeface="+mj-lt"/>
+              <a:buAutoNum type="arabicPeriod"/>
             </a:pPr>
             <a:r>
-              <a:rPr lang="de-DE" dirty="0"/>
-              <a:t>4. 2. Algorithmus</a:t>
-            </a:r>
-          </a:p>
-          <a:p>
-            <a:pPr marL="0" indent="0">
-              <a:buNone/>
+              <a:rPr lang="de-DE" sz="2800" dirty="0" err="1"/>
+              <a:t>Datatyp</a:t>
+            </a:r>
+            <a:r>
+              <a:rPr lang="de-DE" sz="2800" dirty="0"/>
+              <a:t> - Moving </a:t>
+            </a:r>
+            <a:r>
+              <a:rPr lang="de-DE" sz="2800" dirty="0" err="1"/>
+              <a:t>Object</a:t>
+            </a:r>
+            <a:r>
+              <a:rPr lang="de-DE" sz="2800" dirty="0"/>
+              <a:t> Data</a:t>
+            </a:r>
+          </a:p>
+          <a:p>
+            <a:pPr marL="457200" indent="-457200">
+              <a:buFont typeface="+mj-lt"/>
+              <a:buAutoNum type="arabicPeriod"/>
             </a:pPr>
             <a:r>
-              <a:rPr lang="de-DE" dirty="0"/>
-              <a:t>5. </a:t>
-            </a:r>
-            <a:r>
-              <a:rPr lang="de-DE" dirty="0" err="1"/>
-              <a:t>Datatyp</a:t>
-            </a:r>
-            <a:r>
-              <a:rPr lang="de-DE" dirty="0"/>
-              <a:t> - Moving </a:t>
-            </a:r>
-            <a:r>
-              <a:rPr lang="de-DE" dirty="0" err="1"/>
-              <a:t>Object</a:t>
-            </a:r>
-            <a:r>
-              <a:rPr lang="de-DE" dirty="0"/>
-              <a:t> Data</a:t>
-            </a:r>
-          </a:p>
-          <a:p>
-            <a:pPr marL="0" indent="0">
-              <a:buNone/>
+              <a:rPr lang="de-DE" sz="2800" dirty="0" err="1"/>
+              <a:t>Datatype</a:t>
+            </a:r>
+            <a:r>
+              <a:rPr lang="de-DE" sz="2800" dirty="0"/>
+              <a:t> - High-Dimensional Transaction Data</a:t>
+            </a:r>
+          </a:p>
+          <a:p>
+            <a:pPr marL="457200" indent="-457200">
+              <a:buFont typeface="+mj-lt"/>
+              <a:buAutoNum type="arabicPeriod"/>
             </a:pPr>
             <a:r>
-              <a:rPr lang="de-DE" dirty="0"/>
-              <a:t>6. </a:t>
-            </a:r>
-            <a:r>
-              <a:rPr lang="de-DE" dirty="0" err="1"/>
-              <a:t>Datatype</a:t>
-            </a:r>
-            <a:r>
-              <a:rPr lang="de-DE" dirty="0"/>
-              <a:t> - High-Dimensional Transaction Data</a:t>
-            </a:r>
-          </a:p>
-          <a:p>
-            <a:pPr marL="0" indent="0">
-              <a:buNone/>
-            </a:pPr>
-            <a:r>
-              <a:rPr lang="de-DE" dirty="0"/>
-              <a:t>7. Summary</a:t>
+              <a:rPr lang="de-DE" sz="2800" dirty="0"/>
+              <a:t>Summary</a:t>
             </a:r>
           </a:p>
           <a:p>
@@ -12080,6 +10889,61 @@
           </a:p>
         </p:txBody>
       </p:sp>
+      <p:sp>
+        <p:nvSpPr>
+          <p:cNvPr id="10" name="Textfeld 9">
+            <a:extLst>
+              <a:ext uri="{FF2B5EF4-FFF2-40B4-BE49-F238E27FC236}">
+                <a16:creationId xmlns:a16="http://schemas.microsoft.com/office/drawing/2014/main" id="{106DBB63-9FAA-4C9D-B2DF-F5C1B6F448BE}"/>
+              </a:ext>
+            </a:extLst>
+          </p:cNvPr>
+          <p:cNvSpPr txBox="1"/>
+          <p:nvPr/>
+        </p:nvSpPr>
+        <p:spPr>
+          <a:xfrm>
+            <a:off x="2979614" y="4829452"/>
+            <a:ext cx="2520280" cy="646331"/>
+          </a:xfrm>
+          <a:prstGeom prst="rect">
+            <a:avLst/>
+          </a:prstGeom>
+          <a:noFill/>
+        </p:spPr>
+        <p:txBody>
+          <a:bodyPr wrap="square" rtlCol="0">
+            <a:spAutoFit/>
+          </a:bodyPr>
+          <a:lstStyle/>
+          <a:p>
+            <a:r>
+              <a:rPr lang="de-DE" dirty="0">
+                <a:solidFill>
+                  <a:srgbClr val="FF0000"/>
+                </a:solidFill>
+              </a:rPr>
+              <a:t>Anonymity can </a:t>
+            </a:r>
+            <a:r>
+              <a:rPr lang="de-DE" dirty="0" err="1">
+                <a:solidFill>
+                  <a:srgbClr val="FF0000"/>
+                </a:solidFill>
+              </a:rPr>
+              <a:t>cost</a:t>
+            </a:r>
+            <a:r>
+              <a:rPr lang="de-DE" dirty="0">
+                <a:solidFill>
+                  <a:srgbClr val="FF0000"/>
+                </a:solidFill>
+              </a:rPr>
+              <a:t> Utility </a:t>
+            </a:r>
+          </a:p>
+        </p:txBody>
+      </p:sp>
     </p:spTree>
     <p:extLst>
       <p:ext uri="{BB962C8B-B14F-4D97-AF65-F5344CB8AC3E}">
@@ -12132,25 +10996,30 @@
           <a:lstStyle/>
           <a:p>
             <a:r>
-              <a:rPr lang="en-US"/>
+              <a:rPr lang="en-US" dirty="0"/>
               <a:t>Transaction data is high-dimensional</a:t>
             </a:r>
           </a:p>
           <a:p>
             <a:r>
-              <a:rPr lang="en-US"/>
+              <a:rPr lang="en-US" dirty="0"/>
               <a:t>Each dimension could be a potential QID attribute</a:t>
             </a:r>
           </a:p>
           <a:p>
             <a:r>
-              <a:rPr lang="de-DE"/>
-              <a:t>Curse of high-dimensionality</a:t>
-            </a:r>
-          </a:p>
-          <a:p>
-            <a:r>
-              <a:rPr lang="de-DE"/>
+              <a:rPr lang="de-DE" dirty="0"/>
+              <a:t>Curse of high-</a:t>
+            </a:r>
+            <a:r>
+              <a:rPr lang="de-DE" dirty="0" err="1"/>
+              <a:t>dimensionality</a:t>
+            </a:r>
+            <a:endParaRPr lang="de-DE" dirty="0"/>
+          </a:p>
+          <a:p>
+            <a:r>
+              <a:rPr lang="de-DE" dirty="0"/>
               <a:t>Bound background knowledge of the attacker</a:t>
             </a:r>
           </a:p>
@@ -12379,42 +11248,55 @@
           <a:lstStyle/>
           <a:p>
             <a:r>
-              <a:rPr lang="en-US"/>
+              <a:rPr lang="en-US" dirty="0"/>
               <a:t>Attacks against anonymity</a:t>
             </a:r>
           </a:p>
           <a:p>
             <a:r>
-              <a:rPr lang="en-US"/>
+              <a:rPr lang="en-US" dirty="0"/>
               <a:t>There is no combination between optimal k-anonymity and data quality</a:t>
             </a:r>
           </a:p>
           <a:p>
             <a:r>
-              <a:rPr lang="de-DE"/>
+              <a:rPr lang="de-DE" dirty="0"/>
               <a:t>Usability and anonymity</a:t>
             </a:r>
           </a:p>
           <a:p>
             <a:r>
-              <a:rPr lang="de-DE"/>
+              <a:rPr lang="de-DE" dirty="0"/>
               <a:t>NP – Hard</a:t>
             </a:r>
           </a:p>
           <a:p>
             <a:r>
-              <a:rPr lang="de-DE"/>
-              <a:t>Hard to predict – Quasi Idendifiers </a:t>
-            </a:r>
-          </a:p>
-          <a:p>
-            <a:endParaRPr lang="de-DE"/>
-          </a:p>
-          <a:p>
-            <a:endParaRPr lang="de-DE"/>
-          </a:p>
-          <a:p>
-            <a:endParaRPr lang="de-DE"/>
+              <a:rPr lang="de-DE" dirty="0"/>
+              <a:t>Hard to </a:t>
+            </a:r>
+            <a:r>
+              <a:rPr lang="de-DE" dirty="0" err="1"/>
+              <a:t>predict</a:t>
+            </a:r>
+            <a:r>
+              <a:rPr lang="de-DE" dirty="0"/>
+              <a:t> – Quasi-</a:t>
+            </a:r>
+            <a:r>
+              <a:rPr lang="de-DE" dirty="0" err="1"/>
+              <a:t>identifier</a:t>
+            </a:r>
+            <a:endParaRPr lang="de-DE" dirty="0"/>
+          </a:p>
+          <a:p>
+            <a:endParaRPr lang="de-DE" dirty="0"/>
+          </a:p>
+          <a:p>
+            <a:endParaRPr lang="de-DE" dirty="0"/>
+          </a:p>
+          <a:p>
+            <a:endParaRPr lang="de-DE" dirty="0"/>
           </a:p>
           <a:p>
             <a:endParaRPr lang="de-DE" dirty="0"/>
@@ -12623,15 +11505,7 @@
             </a:r>
             <a:r>
               <a:rPr lang="de-DE" sz="1600" dirty="0"/>
-              <a:t> Multidimensional Suppression </a:t>
-            </a:r>
-            <a:r>
-              <a:rPr lang="de-DE" sz="1600" dirty="0" err="1"/>
-              <a:t>for</a:t>
-            </a:r>
-            <a:r>
-              <a:rPr lang="de-DE" sz="1600" dirty="0"/>
-              <a:t> K-</a:t>
+              <a:t> Multidimensional Suppression for K-</a:t>
             </a:r>
             <a:r>
               <a:rPr lang="de-DE" sz="1600" dirty="0" err="1"/>
@@ -12662,29 +11536,13 @@
             </a:r>
             <a:r>
               <a:rPr lang="de-DE" sz="1600" dirty="0"/>
-              <a:t> </a:t>
-            </a:r>
-            <a:r>
-              <a:rPr lang="de-DE" sz="1600" dirty="0" err="1"/>
-              <a:t>of</a:t>
-            </a:r>
-            <a:r>
-              <a:rPr lang="de-DE" sz="1600" dirty="0"/>
-              <a:t> Health Data - EL EMAM</a:t>
+              <a:t> of Health Data - EL EMAM</a:t>
             </a:r>
           </a:p>
           <a:p>
             <a:r>
               <a:rPr lang="en-US" sz="1600" dirty="0"/>
-              <a:t>On the Complexity of Optimal </a:t>
-            </a:r>
-            <a:r>
-              <a:rPr lang="en-US" sz="1600" dirty="0" err="1"/>
-              <a:t>Kanonymity</a:t>
-            </a:r>
-            <a:r>
-              <a:rPr lang="en-US" sz="1600" dirty="0"/>
-              <a:t> - </a:t>
+              <a:t>On the Complexity of Optimal K- anonymity - </a:t>
             </a:r>
             <a:r>
               <a:rPr lang="de-DE" sz="1600" dirty="0"/>
@@ -15914,18 +14772,18 @@
 
 <file path=customXml/item1.xml><?xml version="1.0" encoding="utf-8"?>
 <Control xmlns="http://schemas.microsoft.com/VisualStudio/2011/storyboarding/control">
-  <Id Name="System.Storyboarding.Common.Button" Revision="1" Stencil="System.Storyboarding.Common" StencilVersion="0.1"/>
+  <Id Name="dec3670c-0d6f-4455-9c2f-971d108358d4" Revision="1" Stencil="System.MyShapes" StencilVersion="1.0"/>
 </Control>
 </file>
 
 <file path=customXml/item2.xml><?xml version="1.0" encoding="utf-8"?>
 <Control xmlns="http://schemas.microsoft.com/VisualStudio/2011/storyboarding/control">
-  <Id Name="dec3670c-0d6f-4455-9c2f-971d108358d4" Revision="1" Stencil="System.MyShapes" StencilVersion="1.0"/>
+  <Id Name="System.Storyboarding.Common.Button" Revision="1" Stencil="System.Storyboarding.Common" StencilVersion="0.1"/>
 </Control>
 </file>
 
 <file path=customXml/itemProps1.xml><?xml version="1.0" encoding="utf-8"?>
-<ds:datastoreItem xmlns:ds="http://schemas.openxmlformats.org/officeDocument/2006/customXml" ds:itemID="{206AFEA3-501E-4E71-91B3-BDBE1D839E11}">
+<ds:datastoreItem xmlns:ds="http://schemas.openxmlformats.org/officeDocument/2006/customXml" ds:itemID="{566C5A5A-5A83-4A95-95C1-260C6D486DE6}">
   <ds:schemaRefs>
     <ds:schemaRef ds:uri="http://schemas.microsoft.com/VisualStudio/2011/storyboarding/control"/>
   </ds:schemaRefs>
@@ -15933,7 +14791,7 @@
 </file>
 
 <file path=customXml/itemProps2.xml><?xml version="1.0" encoding="utf-8"?>
-<ds:datastoreItem xmlns:ds="http://schemas.openxmlformats.org/officeDocument/2006/customXml" ds:itemID="{566C5A5A-5A83-4A95-95C1-260C6D486DE6}">
+<ds:datastoreItem xmlns:ds="http://schemas.openxmlformats.org/officeDocument/2006/customXml" ds:itemID="{206AFEA3-501E-4E71-91B3-BDBE1D839E11}">
   <ds:schemaRefs>
     <ds:schemaRef ds:uri="http://schemas.microsoft.com/VisualStudio/2011/storyboarding/control"/>
   </ds:schemaRefs>

--- a/presentation/sicherheits_final_anV3.pptx
+++ b/presentation/sicherheits_final_anV3.pptx
@@ -1167,7 +1167,7 @@
             </a:r>
             <a:r>
               <a:rPr lang="en-US" dirty="0"/>
-              <a:t> problems but possible harder. Maybe we wont find an answer if this solution an optimal solution.</a:t>
+              <a:t> problems but possible harder. Maybe we wont find an answer if this solution an  has an optimal solution.</a:t>
             </a:r>
             <a:endParaRPr lang="de-DE" dirty="0"/>
           </a:p>
@@ -2435,8 +2435,6 @@
               </a:rPr>
               <a:t>The lattice height is not considered a good information loss metric because it does not account for the generalization hierarchy depths of the quasi-identifiers. For example, if we generalize “Male” to “Person” then this is given equal weight to generalizing age in years to age in five year intervals. In the former case there is no information left in the gender variable, whereas the five year age interval still conveys a considerable amount of information and there are three more possible generalizations left in the age hierarchy</a:t>
             </a:r>
-          </a:p>
-          <a:p>
             <a:endParaRPr lang="de-DE" sz="1200" b="0" i="0" u="none" strike="noStrike" kern="1200" baseline="0" dirty="0">
               <a:solidFill>
                 <a:schemeClr val="tx1"/>
@@ -2447,140 +2445,6 @@
             </a:endParaRPr>
           </a:p>
           <a:p>
-            <a:r>
-              <a:rPr lang="en-US" sz="1200" b="0" i="0" u="none" strike="noStrike" kern="1200" baseline="0" dirty="0">
-                <a:solidFill>
-                  <a:srgbClr val="FF0000"/>
-                </a:solidFill>
-                <a:latin typeface="Arial" charset="0"/>
-                <a:ea typeface="+mn-ea"/>
-                <a:cs typeface="+mn-cs"/>
-              </a:rPr>
-              <a:t>For example, in Figure 1 if age is generalized from age in years to age in five year intervals, then the value is ¼. Overall </a:t>
-            </a:r>
-            <a:r>
-              <a:rPr lang="en-US" sz="1200" b="0" i="1" u="none" strike="noStrike" kern="1200" baseline="0" dirty="0">
-                <a:solidFill>
-                  <a:srgbClr val="FF0000"/>
-                </a:solidFill>
-                <a:latin typeface="Arial" charset="0"/>
-                <a:ea typeface="+mn-ea"/>
-                <a:cs typeface="+mn-cs"/>
-              </a:rPr>
-              <a:t>Prec </a:t>
-            </a:r>
-            <a:r>
-              <a:rPr lang="en-US" sz="1200" b="0" i="0" u="none" strike="noStrike" kern="1200" baseline="0" dirty="0">
-                <a:solidFill>
-                  <a:srgbClr val="FF0000"/>
-                </a:solidFill>
-                <a:latin typeface="Arial" charset="0"/>
-                <a:ea typeface="+mn-ea"/>
-                <a:cs typeface="+mn-cs"/>
-              </a:rPr>
-              <a:t>information loss is the average of the </a:t>
-            </a:r>
-            <a:r>
-              <a:rPr lang="en-US" sz="1200" b="0" i="1" u="none" strike="noStrike" kern="1200" baseline="0" dirty="0">
-                <a:solidFill>
-                  <a:srgbClr val="FF0000"/>
-                </a:solidFill>
-                <a:latin typeface="Arial" charset="0"/>
-                <a:ea typeface="+mn-ea"/>
-                <a:cs typeface="+mn-cs"/>
-              </a:rPr>
-              <a:t>Prec </a:t>
-            </a:r>
-            <a:r>
-              <a:rPr lang="en-US" sz="1200" b="0" i="0" u="none" strike="noStrike" kern="1200" baseline="0" dirty="0">
-                <a:solidFill>
-                  <a:srgbClr val="FF0000"/>
-                </a:solidFill>
-                <a:latin typeface="Arial" charset="0"/>
-                <a:ea typeface="+mn-ea"/>
-                <a:cs typeface="+mn-cs"/>
-              </a:rPr>
-              <a:t>values across all quasi-identifiers in the dataset. As a consequence, the more a variable is generalized, the higher the information loss. Moreover, variables with more generalization steps (i.e., more levels in their generalization hierarchy) tend to have less information loss than ones with shorter hierarchies. Using </a:t>
-            </a:r>
-            <a:r>
-              <a:rPr lang="en-US" sz="1200" b="0" i="1" u="none" strike="noStrike" kern="1200" baseline="0" dirty="0">
-                <a:solidFill>
-                  <a:srgbClr val="FF0000"/>
-                </a:solidFill>
-                <a:latin typeface="Arial" charset="0"/>
-                <a:ea typeface="+mn-ea"/>
-                <a:cs typeface="+mn-cs"/>
-              </a:rPr>
-              <a:t>Prec </a:t>
-            </a:r>
-            <a:r>
-              <a:rPr lang="en-US" sz="1200" b="0" i="0" u="none" strike="noStrike" kern="1200" baseline="0" dirty="0">
-                <a:solidFill>
-                  <a:srgbClr val="FF0000"/>
-                </a:solidFill>
-                <a:latin typeface="Arial" charset="0"/>
-                <a:ea typeface="+mn-ea"/>
-                <a:cs typeface="+mn-cs"/>
-              </a:rPr>
-              <a:t>as the information loss metric, the noded2, g0, a1 would be the optimal node rather than node d0, g1, a1 in Figure 2: the former has a </a:t>
-            </a:r>
-            <a:r>
-              <a:rPr lang="en-US" sz="1200" b="0" i="1" u="none" strike="noStrike" kern="1200" baseline="0" dirty="0">
-                <a:solidFill>
-                  <a:srgbClr val="FF0000"/>
-                </a:solidFill>
-                <a:latin typeface="Arial" charset="0"/>
-                <a:ea typeface="+mn-ea"/>
-                <a:cs typeface="+mn-cs"/>
-              </a:rPr>
-              <a:t>Prec </a:t>
-            </a:r>
-            <a:r>
-              <a:rPr lang="en-US" sz="1200" b="0" i="0" u="none" strike="noStrike" kern="1200" baseline="0" dirty="0">
-                <a:solidFill>
-                  <a:srgbClr val="FF0000"/>
-                </a:solidFill>
-                <a:latin typeface="Arial" charset="0"/>
-                <a:ea typeface="+mn-ea"/>
-                <a:cs typeface="+mn-cs"/>
-              </a:rPr>
-              <a:t>of 0.417 and the latter a </a:t>
-            </a:r>
-            <a:r>
-              <a:rPr lang="en-US" sz="1200" b="0" i="1" u="none" strike="noStrike" kern="1200" baseline="0" dirty="0">
-                <a:solidFill>
-                  <a:srgbClr val="FF0000"/>
-                </a:solidFill>
-                <a:latin typeface="Arial" charset="0"/>
-                <a:ea typeface="+mn-ea"/>
-                <a:cs typeface="+mn-cs"/>
-              </a:rPr>
-              <a:t>Prec </a:t>
-            </a:r>
-            <a:r>
-              <a:rPr lang="en-US" sz="1200" b="0" i="0" u="none" strike="noStrike" kern="1200" baseline="0" dirty="0">
-                <a:solidFill>
-                  <a:srgbClr val="FF0000"/>
-                </a:solidFill>
-                <a:latin typeface="Arial" charset="0"/>
-                <a:ea typeface="+mn-ea"/>
-                <a:cs typeface="+mn-cs"/>
-              </a:rPr>
-              <a:t>of </a:t>
-            </a:r>
-            <a:r>
-              <a:rPr lang="de-DE" sz="1200" b="0" i="0" u="none" strike="noStrike" kern="1200" baseline="0" dirty="0">
-                <a:solidFill>
-                  <a:srgbClr val="FF0000"/>
-                </a:solidFill>
-                <a:latin typeface="Arial" charset="0"/>
-                <a:ea typeface="+mn-ea"/>
-                <a:cs typeface="+mn-cs"/>
-              </a:rPr>
-              <a:t>0.466.</a:t>
-            </a:r>
-          </a:p>
-          <a:p>
             <a:endParaRPr lang="de-DE" sz="1200" b="0" i="0" u="none" strike="noStrike" kern="1200" baseline="0" dirty="0">
               <a:solidFill>
                 <a:schemeClr val="tx1"/>
@@ -2632,27 +2496,8 @@
                 <a:ea typeface="+mn-ea"/>
                 <a:cs typeface="+mn-cs"/>
               </a:rPr>
-              <a:t> Metric or DM.2The </a:t>
-            </a:r>
-            <a:r>
-              <a:rPr lang="en-US" sz="1200" b="0" i="0" u="none" strike="noStrike" kern="1200" baseline="0" dirty="0" err="1">
-                <a:solidFill>
-                  <a:schemeClr val="tx1"/>
-                </a:solidFill>
-                <a:latin typeface="Arial" charset="0"/>
-                <a:ea typeface="+mn-ea"/>
-                <a:cs typeface="+mn-cs"/>
-              </a:rPr>
-              <a:t>discernability</a:t>
-            </a:r>
-            <a:endParaRPr lang="en-US" sz="1200" b="0" i="0" u="none" strike="noStrike" kern="1200" baseline="0" dirty="0">
-              <a:solidFill>
-                <a:schemeClr val="tx1"/>
-              </a:solidFill>
-              <a:latin typeface="Arial" charset="0"/>
-              <a:ea typeface="+mn-ea"/>
-              <a:cs typeface="+mn-cs"/>
-            </a:endParaRPr>
+              <a:t> Metric or DM. The Metric</a:t>
+            </a:r>
           </a:p>
           <a:p>
             <a:r>
@@ -3843,553 +3688,6 @@
               <a:cs typeface="+mn-cs"/>
             </a:endParaRPr>
           </a:p>
-          <a:p>
-            <a:r>
-              <a:rPr lang="en-US" sz="1200" b="0" i="0" u="none" strike="noStrike" kern="1200" baseline="0" dirty="0">
-                <a:solidFill>
-                  <a:schemeClr val="tx1"/>
-                </a:solidFill>
-                <a:latin typeface="Arial" charset="0"/>
-                <a:ea typeface="+mn-ea"/>
-                <a:cs typeface="+mn-cs"/>
-              </a:rPr>
-              <a:t>Messages are uniquely identifiable by the sender’s identifier, message reference number pairs, (</a:t>
-            </a:r>
-            <a:r>
-              <a:rPr lang="en-US" sz="1200" b="0" i="1" u="none" strike="noStrike" kern="1200" baseline="0" dirty="0" err="1">
-                <a:solidFill>
-                  <a:schemeClr val="tx1"/>
-                </a:solidFill>
-                <a:latin typeface="Arial" charset="0"/>
-                <a:ea typeface="+mn-ea"/>
-                <a:cs typeface="+mn-cs"/>
-              </a:rPr>
-              <a:t>uid</a:t>
-            </a:r>
-            <a:r>
-              <a:rPr lang="en-US" sz="1200" b="0" i="1" u="none" strike="noStrike" kern="1200" baseline="0" dirty="0">
-                <a:solidFill>
-                  <a:schemeClr val="tx1"/>
-                </a:solidFill>
-                <a:latin typeface="Arial" charset="0"/>
-                <a:ea typeface="+mn-ea"/>
-                <a:cs typeface="+mn-cs"/>
-              </a:rPr>
-              <a:t>, </a:t>
-            </a:r>
-            <a:r>
-              <a:rPr lang="en-US" sz="1200" b="0" i="1" u="none" strike="noStrike" kern="1200" baseline="0" dirty="0" err="1">
-                <a:solidFill>
-                  <a:schemeClr val="tx1"/>
-                </a:solidFill>
-                <a:latin typeface="Arial" charset="0"/>
-                <a:ea typeface="+mn-ea"/>
-                <a:cs typeface="+mn-cs"/>
-              </a:rPr>
-              <a:t>rno</a:t>
-            </a:r>
-            <a:r>
-              <a:rPr lang="en-US" sz="1200" b="0" i="0" u="none" strike="noStrike" kern="1200" baseline="0" dirty="0">
-                <a:solidFill>
-                  <a:schemeClr val="tx1"/>
-                </a:solidFill>
-                <a:latin typeface="Arial" charset="0"/>
-                <a:ea typeface="+mn-ea"/>
-                <a:cs typeface="+mn-cs"/>
-              </a:rPr>
-              <a:t>), within the set </a:t>
-            </a:r>
-            <a:r>
-              <a:rPr lang="en-US" sz="1200" b="0" i="1" u="none" strike="noStrike" kern="1200" baseline="0" dirty="0">
-                <a:solidFill>
-                  <a:schemeClr val="tx1"/>
-                </a:solidFill>
-                <a:latin typeface="Arial" charset="0"/>
-                <a:ea typeface="+mn-ea"/>
-                <a:cs typeface="+mn-cs"/>
-              </a:rPr>
-              <a:t>S</a:t>
-            </a:r>
-            <a:r>
-              <a:rPr lang="en-US" sz="1200" b="0" i="0" u="none" strike="noStrike" kern="1200" baseline="0" dirty="0">
-                <a:solidFill>
-                  <a:schemeClr val="tx1"/>
-                </a:solidFill>
-                <a:latin typeface="Arial" charset="0"/>
-                <a:ea typeface="+mn-ea"/>
-                <a:cs typeface="+mn-cs"/>
-              </a:rPr>
-              <a:t>.</a:t>
-            </a:r>
-          </a:p>
-          <a:p>
-            <a:r>
-              <a:rPr lang="en-US" sz="1200" b="0" i="0" u="none" strike="noStrike" kern="1200" baseline="0" dirty="0">
-                <a:solidFill>
-                  <a:schemeClr val="tx1"/>
-                </a:solidFill>
-                <a:latin typeface="Arial" charset="0"/>
-                <a:ea typeface="+mn-ea"/>
-                <a:cs typeface="+mn-cs"/>
-              </a:rPr>
-              <a:t>Messages from the same mobile node have same sender identifiers but different reference numbers. In a received message,</a:t>
-            </a:r>
-          </a:p>
-          <a:p>
-            <a:r>
-              <a:rPr lang="en-US" sz="1200" b="0" i="1" u="none" strike="noStrike" kern="1200" baseline="0" dirty="0">
-                <a:solidFill>
-                  <a:schemeClr val="tx1"/>
-                </a:solidFill>
-                <a:latin typeface="Arial" charset="0"/>
-                <a:ea typeface="+mn-ea"/>
-                <a:cs typeface="+mn-cs"/>
-              </a:rPr>
-              <a:t>x, y, </a:t>
-            </a:r>
-            <a:r>
-              <a:rPr lang="en-US" sz="1200" b="0" i="0" u="none" strike="noStrike" kern="1200" baseline="0" dirty="0">
-                <a:solidFill>
-                  <a:schemeClr val="tx1"/>
-                </a:solidFill>
-                <a:latin typeface="Arial" charset="0"/>
-                <a:ea typeface="+mn-ea"/>
-                <a:cs typeface="+mn-cs"/>
-              </a:rPr>
-              <a:t>and </a:t>
-            </a:r>
-            <a:r>
-              <a:rPr lang="en-US" sz="1200" b="0" i="1" u="none" strike="noStrike" kern="1200" baseline="0" dirty="0">
-                <a:solidFill>
-                  <a:schemeClr val="tx1"/>
-                </a:solidFill>
-                <a:latin typeface="Arial" charset="0"/>
-                <a:ea typeface="+mn-ea"/>
-                <a:cs typeface="+mn-cs"/>
-              </a:rPr>
-              <a:t>t </a:t>
-            </a:r>
-            <a:r>
-              <a:rPr lang="en-US" sz="1200" b="0" i="0" u="none" strike="noStrike" kern="1200" baseline="0" dirty="0">
-                <a:solidFill>
-                  <a:schemeClr val="tx1"/>
-                </a:solidFill>
-                <a:latin typeface="Arial" charset="0"/>
-                <a:ea typeface="+mn-ea"/>
-                <a:cs typeface="+mn-cs"/>
-              </a:rPr>
-              <a:t>together form the three dimensional </a:t>
-            </a:r>
-            <a:r>
-              <a:rPr lang="en-US" sz="1200" b="0" i="1" u="none" strike="noStrike" kern="1200" baseline="0" dirty="0" err="1">
-                <a:solidFill>
-                  <a:schemeClr val="tx1"/>
-                </a:solidFill>
-                <a:latin typeface="Arial" charset="0"/>
-                <a:ea typeface="+mn-ea"/>
-                <a:cs typeface="+mn-cs"/>
-              </a:rPr>
-              <a:t>spatio</a:t>
-            </a:r>
-            <a:r>
-              <a:rPr lang="en-US" sz="1200" b="0" i="1" u="none" strike="noStrike" kern="1200" baseline="0" dirty="0">
-                <a:solidFill>
-                  <a:schemeClr val="tx1"/>
-                </a:solidFill>
-                <a:latin typeface="Arial" charset="0"/>
-                <a:ea typeface="+mn-ea"/>
-                <a:cs typeface="+mn-cs"/>
-              </a:rPr>
-              <a:t>-temporal point </a:t>
-            </a:r>
-            <a:r>
-              <a:rPr lang="en-US" sz="1200" b="0" i="0" u="none" strike="noStrike" kern="1200" baseline="0" dirty="0">
-                <a:solidFill>
-                  <a:schemeClr val="tx1"/>
-                </a:solidFill>
-                <a:latin typeface="Arial" charset="0"/>
-                <a:ea typeface="+mn-ea"/>
-                <a:cs typeface="+mn-cs"/>
-              </a:rPr>
-              <a:t>of the message, denoted as </a:t>
-            </a:r>
-            <a:r>
-              <a:rPr lang="en-US" sz="1200" b="0" i="1" u="none" strike="noStrike" kern="1200" baseline="0" dirty="0">
-                <a:solidFill>
-                  <a:schemeClr val="tx1"/>
-                </a:solidFill>
-                <a:latin typeface="Arial" charset="0"/>
-                <a:ea typeface="+mn-ea"/>
-                <a:cs typeface="+mn-cs"/>
-              </a:rPr>
-              <a:t>P</a:t>
-            </a:r>
-            <a:r>
-              <a:rPr lang="en-US" sz="1200" b="0" i="0" u="none" strike="noStrike" kern="1200" baseline="0" dirty="0">
-                <a:solidFill>
-                  <a:schemeClr val="tx1"/>
-                </a:solidFill>
-                <a:latin typeface="Arial" charset="0"/>
-                <a:ea typeface="+mn-ea"/>
-                <a:cs typeface="+mn-cs"/>
-              </a:rPr>
-              <a:t>(</a:t>
-            </a:r>
-            <a:r>
-              <a:rPr lang="en-US" sz="1200" b="0" i="1" u="none" strike="noStrike" kern="1200" baseline="0" dirty="0" err="1">
-                <a:solidFill>
-                  <a:schemeClr val="tx1"/>
-                </a:solidFill>
-                <a:latin typeface="Arial" charset="0"/>
-                <a:ea typeface="+mn-ea"/>
-                <a:cs typeface="+mn-cs"/>
-              </a:rPr>
-              <a:t>ms</a:t>
-            </a:r>
-            <a:r>
-              <a:rPr lang="en-US" sz="1200" b="0" i="0" u="none" strike="noStrike" kern="1200" baseline="0" dirty="0">
-                <a:solidFill>
-                  <a:schemeClr val="tx1"/>
-                </a:solidFill>
-                <a:latin typeface="Arial" charset="0"/>
-                <a:ea typeface="+mn-ea"/>
-                <a:cs typeface="+mn-cs"/>
-              </a:rPr>
-              <a:t>). The coordinate (</a:t>
-            </a:r>
-            <a:r>
-              <a:rPr lang="en-US" sz="1200" b="0" i="1" u="none" strike="noStrike" kern="1200" baseline="0" dirty="0">
-                <a:solidFill>
-                  <a:schemeClr val="tx1"/>
-                </a:solidFill>
-                <a:latin typeface="Arial" charset="0"/>
-                <a:ea typeface="+mn-ea"/>
-                <a:cs typeface="+mn-cs"/>
-              </a:rPr>
-              <a:t>x, y</a:t>
-            </a:r>
-            <a:r>
-              <a:rPr lang="en-US" sz="1200" b="0" i="0" u="none" strike="noStrike" kern="1200" baseline="0" dirty="0">
-                <a:solidFill>
-                  <a:schemeClr val="tx1"/>
-                </a:solidFill>
-                <a:latin typeface="Arial" charset="0"/>
-                <a:ea typeface="+mn-ea"/>
-                <a:cs typeface="+mn-cs"/>
-              </a:rPr>
-              <a:t>)</a:t>
-            </a:r>
-          </a:p>
-          <a:p>
-            <a:r>
-              <a:rPr lang="en-US" sz="1200" b="0" i="0" u="none" strike="noStrike" kern="1200" baseline="0" dirty="0">
-                <a:solidFill>
-                  <a:schemeClr val="tx1"/>
-                </a:solidFill>
-                <a:latin typeface="Arial" charset="0"/>
-                <a:ea typeface="+mn-ea"/>
-                <a:cs typeface="+mn-cs"/>
-              </a:rPr>
-              <a:t>refers to the spatial position of the mobile node in the two dimensional space (i.e., </a:t>
-            </a:r>
-            <a:r>
-              <a:rPr lang="en-US" sz="1200" b="0" i="1" u="none" strike="noStrike" kern="1200" baseline="0" dirty="0">
-                <a:solidFill>
-                  <a:schemeClr val="tx1"/>
-                </a:solidFill>
-                <a:latin typeface="Arial" charset="0"/>
-                <a:ea typeface="+mn-ea"/>
-                <a:cs typeface="+mn-cs"/>
-              </a:rPr>
-              <a:t>x</a:t>
-            </a:r>
-            <a:r>
-              <a:rPr lang="en-US" sz="1200" b="0" i="0" u="none" strike="noStrike" kern="1200" baseline="0" dirty="0">
-                <a:solidFill>
-                  <a:schemeClr val="tx1"/>
-                </a:solidFill>
-                <a:latin typeface="Arial" charset="0"/>
-                <a:ea typeface="+mn-ea"/>
-                <a:cs typeface="+mn-cs"/>
-              </a:rPr>
-              <a:t>-axis and </a:t>
-            </a:r>
-            <a:r>
-              <a:rPr lang="en-US" sz="1200" b="0" i="1" u="none" strike="noStrike" kern="1200" baseline="0" dirty="0">
-                <a:solidFill>
-                  <a:schemeClr val="tx1"/>
-                </a:solidFill>
-                <a:latin typeface="Arial" charset="0"/>
-                <a:ea typeface="+mn-ea"/>
-                <a:cs typeface="+mn-cs"/>
-              </a:rPr>
-              <a:t>y</a:t>
-            </a:r>
-            <a:r>
-              <a:rPr lang="en-US" sz="1200" b="0" i="0" u="none" strike="noStrike" kern="1200" baseline="0" dirty="0">
-                <a:solidFill>
-                  <a:schemeClr val="tx1"/>
-                </a:solidFill>
-                <a:latin typeface="Arial" charset="0"/>
-                <a:ea typeface="+mn-ea"/>
-                <a:cs typeface="+mn-cs"/>
-              </a:rPr>
-              <a:t>-axis), and the timestamp </a:t>
-            </a:r>
-            <a:r>
-              <a:rPr lang="en-US" sz="1200" b="0" i="1" u="none" strike="noStrike" kern="1200" baseline="0" dirty="0">
-                <a:solidFill>
-                  <a:schemeClr val="tx1"/>
-                </a:solidFill>
-                <a:latin typeface="Arial" charset="0"/>
-                <a:ea typeface="+mn-ea"/>
-                <a:cs typeface="+mn-cs"/>
-              </a:rPr>
-              <a:t>t</a:t>
-            </a:r>
-          </a:p>
-          <a:p>
-            <a:r>
-              <a:rPr lang="en-US" sz="1200" b="0" i="0" u="none" strike="noStrike" kern="1200" baseline="0" dirty="0">
-                <a:solidFill>
-                  <a:schemeClr val="tx1"/>
-                </a:solidFill>
-                <a:latin typeface="Arial" charset="0"/>
-                <a:ea typeface="+mn-ea"/>
-                <a:cs typeface="+mn-cs"/>
-              </a:rPr>
-              <a:t>refers to the time point at which the mobile node was present at that position (temporal dimension: </a:t>
-            </a:r>
-            <a:r>
-              <a:rPr lang="en-US" sz="1200" b="0" i="1" u="none" strike="noStrike" kern="1200" baseline="0" dirty="0">
-                <a:solidFill>
-                  <a:schemeClr val="tx1"/>
-                </a:solidFill>
-                <a:latin typeface="Arial" charset="0"/>
-                <a:ea typeface="+mn-ea"/>
-                <a:cs typeface="+mn-cs"/>
-              </a:rPr>
-              <a:t>t</a:t>
-            </a:r>
-            <a:r>
-              <a:rPr lang="en-US" sz="1200" b="0" i="0" u="none" strike="noStrike" kern="1200" baseline="0" dirty="0">
-                <a:solidFill>
-                  <a:schemeClr val="tx1"/>
-                </a:solidFill>
-                <a:latin typeface="Arial" charset="0"/>
-                <a:ea typeface="+mn-ea"/>
-                <a:cs typeface="+mn-cs"/>
-              </a:rPr>
-              <a:t>-axis of the message).</a:t>
-            </a:r>
-          </a:p>
-          <a:p>
-            <a:r>
-              <a:rPr lang="de-DE" sz="1200" b="0" i="0" u="none" strike="noStrike" kern="1200" baseline="0" dirty="0">
-                <a:solidFill>
-                  <a:schemeClr val="tx1"/>
-                </a:solidFill>
-                <a:latin typeface="Arial" charset="0"/>
-                <a:ea typeface="+mn-ea"/>
-                <a:cs typeface="+mn-cs"/>
-              </a:rPr>
-              <a:t>The </a:t>
-            </a:r>
-            <a:r>
-              <a:rPr lang="de-DE" sz="1200" b="0" i="1" u="none" strike="noStrike" kern="1200" baseline="0" dirty="0" err="1">
-                <a:solidFill>
-                  <a:schemeClr val="tx1"/>
-                </a:solidFill>
-                <a:latin typeface="Arial" charset="0"/>
-                <a:ea typeface="+mn-ea"/>
-                <a:cs typeface="+mn-cs"/>
-              </a:rPr>
-              <a:t>dt</a:t>
-            </a:r>
-            <a:r>
-              <a:rPr lang="de-DE" sz="1200" b="0" i="1" u="none" strike="noStrike" kern="1200" baseline="0" dirty="0">
-                <a:solidFill>
-                  <a:schemeClr val="tx1"/>
-                </a:solidFill>
-                <a:latin typeface="Arial" charset="0"/>
-                <a:ea typeface="+mn-ea"/>
-                <a:cs typeface="+mn-cs"/>
-              </a:rPr>
-              <a:t> </a:t>
-            </a:r>
-            <a:r>
-              <a:rPr lang="de-DE" sz="1200" b="0" i="0" u="none" strike="noStrike" kern="1200" baseline="0" dirty="0" err="1">
-                <a:solidFill>
-                  <a:schemeClr val="tx1"/>
-                </a:solidFill>
-                <a:latin typeface="Arial" charset="0"/>
-                <a:ea typeface="+mn-ea"/>
-                <a:cs typeface="+mn-cs"/>
-              </a:rPr>
-              <a:t>value</a:t>
-            </a:r>
-            <a:r>
-              <a:rPr lang="de-DE" sz="1200" b="0" i="0" u="none" strike="noStrike" kern="1200" baseline="0" dirty="0">
-                <a:solidFill>
-                  <a:schemeClr val="tx1"/>
-                </a:solidFill>
-                <a:latin typeface="Arial" charset="0"/>
-                <a:ea typeface="+mn-ea"/>
-                <a:cs typeface="+mn-cs"/>
-              </a:rPr>
-              <a:t> of </a:t>
-            </a:r>
-            <a:r>
-              <a:rPr lang="en-US" sz="1200" b="0" i="0" u="none" strike="noStrike" kern="1200" baseline="0" dirty="0">
-                <a:solidFill>
-                  <a:schemeClr val="tx1"/>
-                </a:solidFill>
-                <a:latin typeface="Arial" charset="0"/>
-                <a:ea typeface="+mn-ea"/>
-                <a:cs typeface="+mn-cs"/>
-              </a:rPr>
-              <a:t>the message represents the temporal tolerance specified by the </a:t>
-            </a:r>
-            <a:r>
-              <a:rPr lang="de-DE" sz="1200" b="0" i="0" u="none" strike="noStrike" kern="1200" baseline="0" dirty="0" err="1">
-                <a:solidFill>
-                  <a:schemeClr val="tx1"/>
-                </a:solidFill>
-                <a:latin typeface="Arial" charset="0"/>
-                <a:ea typeface="+mn-ea"/>
-                <a:cs typeface="+mn-cs"/>
-              </a:rPr>
-              <a:t>user</a:t>
-            </a:r>
-            <a:r>
-              <a:rPr lang="de-DE" sz="1200" b="0" i="0" u="none" strike="noStrike" kern="1200" baseline="0" dirty="0">
-                <a:solidFill>
-                  <a:schemeClr val="tx1"/>
-                </a:solidFill>
-                <a:latin typeface="Arial" charset="0"/>
-                <a:ea typeface="+mn-ea"/>
-                <a:cs typeface="+mn-cs"/>
-              </a:rPr>
-              <a:t>. </a:t>
-            </a:r>
-            <a:r>
-              <a:rPr lang="en-US" sz="1200" b="0" i="0" u="none" strike="noStrike" kern="1200" baseline="0" dirty="0">
-                <a:solidFill>
-                  <a:schemeClr val="tx1"/>
-                </a:solidFill>
-                <a:latin typeface="Arial" charset="0"/>
-                <a:ea typeface="+mn-ea"/>
-                <a:cs typeface="+mn-cs"/>
-              </a:rPr>
-              <a:t>Similarly, </a:t>
-            </a:r>
-            <a:r>
-              <a:rPr lang="en-US" sz="1200" b="0" i="1" u="none" strike="noStrike" kern="1200" baseline="0" dirty="0">
-                <a:solidFill>
-                  <a:schemeClr val="tx1"/>
-                </a:solidFill>
-                <a:latin typeface="Arial" charset="0"/>
-                <a:ea typeface="+mn-ea"/>
-                <a:cs typeface="+mn-cs"/>
-              </a:rPr>
-              <a:t>dx </a:t>
-            </a:r>
-            <a:r>
-              <a:rPr lang="en-US" sz="1200" b="0" i="0" u="none" strike="noStrike" kern="1200" baseline="0" dirty="0">
-                <a:solidFill>
-                  <a:schemeClr val="tx1"/>
-                </a:solidFill>
-                <a:latin typeface="Arial" charset="0"/>
-                <a:ea typeface="+mn-ea"/>
-                <a:cs typeface="+mn-cs"/>
-              </a:rPr>
-              <a:t>and </a:t>
-            </a:r>
-            <a:r>
-              <a:rPr lang="en-US" sz="1200" b="0" i="1" u="none" strike="noStrike" kern="1200" baseline="0" dirty="0" err="1">
-                <a:solidFill>
-                  <a:schemeClr val="tx1"/>
-                </a:solidFill>
-                <a:latin typeface="Arial" charset="0"/>
-                <a:ea typeface="+mn-ea"/>
-                <a:cs typeface="+mn-cs"/>
-              </a:rPr>
-              <a:t>dy</a:t>
-            </a:r>
-            <a:r>
-              <a:rPr lang="en-US" sz="1200" b="0" i="1" u="none" strike="noStrike" kern="1200" baseline="0" dirty="0">
-                <a:solidFill>
-                  <a:schemeClr val="tx1"/>
-                </a:solidFill>
-                <a:latin typeface="Arial" charset="0"/>
-                <a:ea typeface="+mn-ea"/>
-                <a:cs typeface="+mn-cs"/>
-              </a:rPr>
-              <a:t> </a:t>
-            </a:r>
-            <a:r>
-              <a:rPr lang="en-US" sz="1200" b="0" i="0" u="none" strike="noStrike" kern="1200" baseline="0" dirty="0">
-                <a:solidFill>
-                  <a:schemeClr val="tx1"/>
-                </a:solidFill>
-                <a:latin typeface="Arial" charset="0"/>
-                <a:ea typeface="+mn-ea"/>
-                <a:cs typeface="+mn-cs"/>
-              </a:rPr>
-              <a:t>specify the tolerances with</a:t>
-            </a:r>
-          </a:p>
-          <a:p>
-            <a:r>
-              <a:rPr lang="de-DE" sz="1200" b="0" i="0" u="none" strike="noStrike" kern="1200" baseline="0" dirty="0">
-                <a:solidFill>
-                  <a:schemeClr val="tx1"/>
-                </a:solidFill>
-                <a:latin typeface="Arial" charset="0"/>
-                <a:ea typeface="+mn-ea"/>
-                <a:cs typeface="+mn-cs"/>
-              </a:rPr>
-              <a:t>3 </a:t>
-            </a:r>
-            <a:r>
-              <a:rPr lang="en-US" sz="1200" b="0" i="0" u="none" strike="noStrike" kern="1200" baseline="0" dirty="0">
-                <a:solidFill>
-                  <a:schemeClr val="tx1"/>
-                </a:solidFill>
-                <a:latin typeface="Arial" charset="0"/>
-                <a:ea typeface="+mn-ea"/>
-                <a:cs typeface="+mn-cs"/>
-              </a:rPr>
-              <a:t>respect to the spatial dimensions. The values of these three parameters are dependent on the requirements of the external</a:t>
-            </a:r>
-          </a:p>
-          <a:p>
-            <a:r>
-              <a:rPr lang="en-US" sz="1200" b="0" i="0" u="none" strike="noStrike" kern="1200" baseline="0" dirty="0">
-                <a:solidFill>
-                  <a:schemeClr val="tx1"/>
-                </a:solidFill>
-                <a:latin typeface="Arial" charset="0"/>
-                <a:ea typeface="+mn-ea"/>
-                <a:cs typeface="+mn-cs"/>
-              </a:rPr>
-              <a:t>LBS and users’ preferences with regard to quality of service. For instance, larger spatial tolerances may result in less accurate</a:t>
-            </a:r>
-          </a:p>
-          <a:p>
-            <a:r>
-              <a:rPr lang="en-US" sz="1200" b="0" i="0" u="none" strike="noStrike" kern="1200" baseline="0" dirty="0">
-                <a:solidFill>
-                  <a:schemeClr val="tx1"/>
-                </a:solidFill>
-                <a:latin typeface="Arial" charset="0"/>
-                <a:ea typeface="+mn-ea"/>
-                <a:cs typeface="+mn-cs"/>
-              </a:rPr>
-              <a:t>results to location-dependent service requests and larger temporal tolerances may result in higher latencies of the messages.</a:t>
-            </a:r>
-            <a:endParaRPr lang="de-DE" dirty="0"/>
-          </a:p>
         </p:txBody>
       </p:sp>
       <p:sp>
@@ -4644,14 +3942,17 @@
             </a:endParaRPr>
           </a:p>
           <a:p>
-            <a:endParaRPr lang="da-DK" sz="1200" b="0" i="1" u="none" strike="noStrike" kern="1200" baseline="0" dirty="0">
-              <a:solidFill>
-                <a:schemeClr val="tx1"/>
-              </a:solidFill>
-              <a:latin typeface="Arial" charset="0"/>
-              <a:ea typeface="+mn-ea"/>
-              <a:cs typeface="+mn-cs"/>
-            </a:endParaRPr>
+            <a:r>
+              <a:rPr lang="da-DK" sz="1200" b="0" i="1" u="none" strike="noStrike" kern="1200" baseline="0" dirty="0">
+                <a:solidFill>
+                  <a:schemeClr val="tx1"/>
+                </a:solidFill>
+                <a:latin typeface="Arial" charset="0"/>
+                <a:ea typeface="+mn-ea"/>
+                <a:cs typeface="+mn-cs"/>
+              </a:rPr>
+              <a:t>The wider bars show the actueal success rate provited by the clickcloack algortihm.</a:t>
+            </a:r>
           </a:p>
           <a:p>
             <a:endParaRPr lang="da-DK" sz="1200" b="0" i="1" u="none" strike="noStrike" kern="1200" baseline="0" dirty="0">
@@ -14772,18 +14073,18 @@
 
 <file path=customXml/item1.xml><?xml version="1.0" encoding="utf-8"?>
 <Control xmlns="http://schemas.microsoft.com/VisualStudio/2011/storyboarding/control">
-  <Id Name="dec3670c-0d6f-4455-9c2f-971d108358d4" Revision="1" Stencil="System.MyShapes" StencilVersion="1.0"/>
+  <Id Name="System.Storyboarding.Common.Button" Revision="1" Stencil="System.Storyboarding.Common" StencilVersion="0.1"/>
 </Control>
 </file>
 
 <file path=customXml/item2.xml><?xml version="1.0" encoding="utf-8"?>
 <Control xmlns="http://schemas.microsoft.com/VisualStudio/2011/storyboarding/control">
-  <Id Name="System.Storyboarding.Common.Button" Revision="1" Stencil="System.Storyboarding.Common" StencilVersion="0.1"/>
+  <Id Name="dec3670c-0d6f-4455-9c2f-971d108358d4" Revision="1" Stencil="System.MyShapes" StencilVersion="1.0"/>
 </Control>
 </file>
 
 <file path=customXml/itemProps1.xml><?xml version="1.0" encoding="utf-8"?>
-<ds:datastoreItem xmlns:ds="http://schemas.openxmlformats.org/officeDocument/2006/customXml" ds:itemID="{566C5A5A-5A83-4A95-95C1-260C6D486DE6}">
+<ds:datastoreItem xmlns:ds="http://schemas.openxmlformats.org/officeDocument/2006/customXml" ds:itemID="{206AFEA3-501E-4E71-91B3-BDBE1D839E11}">
   <ds:schemaRefs>
     <ds:schemaRef ds:uri="http://schemas.microsoft.com/VisualStudio/2011/storyboarding/control"/>
   </ds:schemaRefs>
@@ -14791,7 +14092,7 @@
 </file>
 
 <file path=customXml/itemProps2.xml><?xml version="1.0" encoding="utf-8"?>
-<ds:datastoreItem xmlns:ds="http://schemas.openxmlformats.org/officeDocument/2006/customXml" ds:itemID="{206AFEA3-501E-4E71-91B3-BDBE1D839E11}">
+<ds:datastoreItem xmlns:ds="http://schemas.openxmlformats.org/officeDocument/2006/customXml" ds:itemID="{566C5A5A-5A83-4A95-95C1-260C6D486DE6}">
   <ds:schemaRefs>
     <ds:schemaRef ds:uri="http://schemas.microsoft.com/VisualStudio/2011/storyboarding/control"/>
   </ds:schemaRefs>

--- a/presentation/sicherheits_final_anV3.pptx
+++ b/presentation/sicherheits_final_anV3.pptx
@@ -182,6 +182,10 @@
     </p:ext>
   </p:extLst>
 </p:presentation>
+</file>
+
+<file path=ppt/revisionInfo.xml><?xml version="1.0" encoding="utf-8"?>
+<p1510:revInfo xmlns:a="http://schemas.openxmlformats.org/drawingml/2006/main" xmlns:r="http://schemas.openxmlformats.org/officeDocument/2006/relationships" xmlns:p1510="http://schemas.microsoft.com/office/powerpoint/2015/10/main"/>
 </file>
 
 <file path=ppt/handoutMasters/handoutMaster1.xml><?xml version="1.0" encoding="utf-8"?>
@@ -6136,6 +6140,50 @@
           </a:p>
         </p:txBody>
       </p:sp>
+      <p:sp>
+        <p:nvSpPr>
+          <p:cNvPr id="11" name="Textfeld 10">
+            <a:extLst>
+              <a:ext uri="{FF2B5EF4-FFF2-40B4-BE49-F238E27FC236}">
+                <a16:creationId xmlns:a16="http://schemas.microsoft.com/office/drawing/2014/main" id="{23A537DC-9281-44FB-A391-14D33C10B7D6}"/>
+              </a:ext>
+            </a:extLst>
+          </p:cNvPr>
+          <p:cNvSpPr txBox="1"/>
+          <p:nvPr/>
+        </p:nvSpPr>
+        <p:spPr>
+          <a:xfrm>
+            <a:off x="1187624" y="4910223"/>
+            <a:ext cx="5885836" cy="523220"/>
+          </a:xfrm>
+          <a:prstGeom prst="rect">
+            <a:avLst/>
+          </a:prstGeom>
+          <a:noFill/>
+        </p:spPr>
+        <p:txBody>
+          <a:bodyPr wrap="square" rtlCol="0">
+            <a:spAutoFit/>
+          </a:bodyPr>
+          <a:lstStyle/>
+          <a:p>
+            <a:pPr algn="l"/>
+            <a:r>
+              <a:rPr lang="en-US" sz="1000" dirty="0"/>
+              <a:t>Source: </a:t>
+            </a:r>
+            <a:r>
+              <a:rPr lang="en-US" sz="1000" b="0" dirty="0"/>
+              <a:t>k-ANONYMITY: A MODEL FOR PROTECTING PRIVACY</a:t>
+            </a:r>
+            <a:endParaRPr lang="de-DE" sz="1000" b="0" dirty="0"/>
+          </a:p>
+          <a:p>
+            <a:endParaRPr lang="en-US" dirty="0"/>
+          </a:p>
+        </p:txBody>
+      </p:sp>
     </p:spTree>
     <p:extLst>
       <p:ext uri="{BB962C8B-B14F-4D97-AF65-F5344CB8AC3E}">
@@ -6622,6 +6670,50 @@
               <a:rPr lang="en-US" sz="2000" b="0" dirty="0"/>
               <a:t>Fix: table 2 is based on table 1</a:t>
             </a:r>
+          </a:p>
+        </p:txBody>
+      </p:sp>
+      <p:sp>
+        <p:nvSpPr>
+          <p:cNvPr id="19" name="Textfeld 18">
+            <a:extLst>
+              <a:ext uri="{FF2B5EF4-FFF2-40B4-BE49-F238E27FC236}">
+                <a16:creationId xmlns:a16="http://schemas.microsoft.com/office/drawing/2014/main" id="{02BEA6A7-4CFE-45F3-9425-EB59733CB9DB}"/>
+              </a:ext>
+            </a:extLst>
+          </p:cNvPr>
+          <p:cNvSpPr txBox="1"/>
+          <p:nvPr/>
+        </p:nvSpPr>
+        <p:spPr>
+          <a:xfrm>
+            <a:off x="4509401" y="6012821"/>
+            <a:ext cx="5885836" cy="523220"/>
+          </a:xfrm>
+          <a:prstGeom prst="rect">
+            <a:avLst/>
+          </a:prstGeom>
+          <a:noFill/>
+        </p:spPr>
+        <p:txBody>
+          <a:bodyPr wrap="square" rtlCol="0">
+            <a:spAutoFit/>
+          </a:bodyPr>
+          <a:lstStyle/>
+          <a:p>
+            <a:pPr algn="l"/>
+            <a:r>
+              <a:rPr lang="en-US" sz="1000" dirty="0"/>
+              <a:t>Source: </a:t>
+            </a:r>
+            <a:r>
+              <a:rPr lang="en-US" sz="1000" b="0" dirty="0"/>
+              <a:t>k-ANONYMITY: A MODEL FOR PROTECTING PRIVACY</a:t>
+            </a:r>
+            <a:endParaRPr lang="de-DE" sz="1000" b="0" dirty="0"/>
+          </a:p>
+          <a:p>
+            <a:endParaRPr lang="en-US" dirty="0"/>
           </a:p>
         </p:txBody>
       </p:sp>
@@ -8258,10 +8350,9 @@
               <a:t>The OLA </a:t>
             </a:r>
             <a:r>
-              <a:rPr lang="de-DE" dirty="0" err="1"/>
+              <a:rPr lang="en-US" dirty="0"/>
               <a:t>Algorithm</a:t>
             </a:r>
-            <a:endParaRPr lang="de-DE" dirty="0"/>
           </a:p>
         </p:txBody>
       </p:sp>
@@ -9769,6 +9860,33 @@
               <a:buAutoNum type="arabicPeriod"/>
             </a:pPr>
             <a:r>
+              <a:rPr lang="de-DE" sz="2800" dirty="0" err="1"/>
+              <a:t>Attacks</a:t>
+            </a:r>
+            <a:r>
+              <a:rPr lang="de-DE" sz="2800" dirty="0"/>
+              <a:t> </a:t>
+            </a:r>
+            <a:r>
+              <a:rPr lang="de-DE" sz="2800" dirty="0" err="1"/>
+              <a:t>as</a:t>
+            </a:r>
+            <a:r>
+              <a:rPr lang="de-DE" sz="2800" dirty="0"/>
+              <a:t> </a:t>
+            </a:r>
+            <a:r>
+              <a:rPr lang="de-DE" sz="2800" dirty="0" err="1"/>
+              <a:t>Barriers</a:t>
+            </a:r>
+            <a:endParaRPr lang="de-DE" sz="2800" dirty="0"/>
+          </a:p>
+          <a:p>
+            <a:pPr marL="457200" indent="-457200">
+              <a:buFont typeface="+mj-lt"/>
+              <a:buAutoNum type="arabicPeriod"/>
+            </a:pPr>
+            <a:r>
               <a:rPr lang="de-DE" sz="2800" dirty="0"/>
               <a:t>The OLA - Algorithm</a:t>
             </a:r>
@@ -10801,6 +10919,13 @@
           </a:p>
           <a:p>
             <a:r>
+              <a:rPr lang="en-US" sz="1600" dirty="0"/>
+              <a:t>t-Closeness: Privacy Beyond k-Anonymity and l-Diversity</a:t>
+            </a:r>
+            <a:endParaRPr lang="de-DE" sz="1600" dirty="0"/>
+          </a:p>
+          <a:p>
+            <a:r>
               <a:rPr lang="de-DE" sz="1600" dirty="0" err="1"/>
               <a:t>Efficient</a:t>
             </a:r>
@@ -11776,6 +11901,50 @@
           </a:p>
         </p:txBody>
       </p:sp>
+      <p:sp>
+        <p:nvSpPr>
+          <p:cNvPr id="11" name="Textfeld 10">
+            <a:extLst>
+              <a:ext uri="{FF2B5EF4-FFF2-40B4-BE49-F238E27FC236}">
+                <a16:creationId xmlns:a16="http://schemas.microsoft.com/office/drawing/2014/main" id="{67DE86B0-DB76-4D10-B85C-DF55B03A1CF6}"/>
+              </a:ext>
+            </a:extLst>
+          </p:cNvPr>
+          <p:cNvSpPr txBox="1"/>
+          <p:nvPr/>
+        </p:nvSpPr>
+        <p:spPr>
+          <a:xfrm>
+            <a:off x="1347854" y="5983981"/>
+            <a:ext cx="3980393" cy="523220"/>
+          </a:xfrm>
+          <a:prstGeom prst="rect">
+            <a:avLst/>
+          </a:prstGeom>
+          <a:noFill/>
+        </p:spPr>
+        <p:txBody>
+          <a:bodyPr wrap="square" rtlCol="0">
+            <a:spAutoFit/>
+          </a:bodyPr>
+          <a:lstStyle/>
+          <a:p>
+            <a:pPr algn="l"/>
+            <a:r>
+              <a:rPr lang="en-US" sz="1000" dirty="0"/>
+              <a:t>Source: </a:t>
+            </a:r>
+            <a:r>
+              <a:rPr lang="en-US" sz="1000" b="0" dirty="0"/>
+              <a:t>t-Closeness: Privacy Beyond k-Anonymity and l-Diversity</a:t>
+            </a:r>
+            <a:endParaRPr lang="de-DE" sz="1000" b="0" dirty="0"/>
+          </a:p>
+          <a:p>
+            <a:endParaRPr lang="en-US" dirty="0"/>
+          </a:p>
+        </p:txBody>
+      </p:sp>
     </p:spTree>
     <p:extLst>
       <p:ext uri="{BB962C8B-B14F-4D97-AF65-F5344CB8AC3E}">
@@ -11829,14 +11998,21 @@
           <a:p>
             <a:r>
               <a:rPr lang="en-US" dirty="0"/>
-              <a:t>Adversary has access to table</a:t>
+              <a:t>Adversary has access to table and knows</a:t>
             </a:r>
           </a:p>
           <a:p>
             <a:pPr lvl="1"/>
             <a:r>
               <a:rPr lang="en-US" dirty="0"/>
-              <a:t>And knows that the table is generalized + knows the domain of the attributes</a:t>
+              <a:t>that the table is generalized</a:t>
+            </a:r>
+          </a:p>
+          <a:p>
+            <a:pPr lvl="1"/>
+            <a:r>
+              <a:rPr lang="en-US" dirty="0"/>
+              <a:t>the domain of the attributes</a:t>
             </a:r>
           </a:p>
           <a:p>
@@ -11869,15 +12045,7 @@
             <a:pPr lvl="1"/>
             <a:r>
               <a:rPr lang="en-US" dirty="0"/>
-              <a:t>Adversary knows </a:t>
-            </a:r>
-            <a:r>
-              <a:rPr lang="en-US" dirty="0" err="1"/>
-              <a:t>e.g</a:t>
-            </a:r>
-            <a:r>
-              <a:rPr lang="en-US" dirty="0"/>
-              <a:t> P(t[condition] = cancer| t[Age]&gt;=40)</a:t>
+              <a:t>Adversary knows e.g. P(t[condition] = cancer| t[Age]&gt;=40)</a:t>
             </a:r>
           </a:p>
           <a:p>
@@ -12271,6 +12439,50 @@
           </a:prstGeom>
         </p:spPr>
       </p:pic>
+      <p:sp>
+        <p:nvSpPr>
+          <p:cNvPr id="9" name="Textfeld 8">
+            <a:extLst>
+              <a:ext uri="{FF2B5EF4-FFF2-40B4-BE49-F238E27FC236}">
+                <a16:creationId xmlns:a16="http://schemas.microsoft.com/office/drawing/2014/main" id="{7066DF1C-BF32-4CAF-A359-B1BEC8E64FB5}"/>
+              </a:ext>
+            </a:extLst>
+          </p:cNvPr>
+          <p:cNvSpPr txBox="1"/>
+          <p:nvPr/>
+        </p:nvSpPr>
+        <p:spPr>
+          <a:xfrm>
+            <a:off x="873318" y="4954878"/>
+            <a:ext cx="5885836" cy="523220"/>
+          </a:xfrm>
+          <a:prstGeom prst="rect">
+            <a:avLst/>
+          </a:prstGeom>
+          <a:noFill/>
+        </p:spPr>
+        <p:txBody>
+          <a:bodyPr wrap="square" rtlCol="0">
+            <a:spAutoFit/>
+          </a:bodyPr>
+          <a:lstStyle/>
+          <a:p>
+            <a:pPr algn="l"/>
+            <a:r>
+              <a:rPr lang="en-US" sz="1000" dirty="0"/>
+              <a:t>Source: </a:t>
+            </a:r>
+            <a:r>
+              <a:rPr lang="en-US" sz="1000" b="0" dirty="0"/>
+              <a:t>t-Closeness: Privacy Beyond k-Anonymity and l-Diversity</a:t>
+            </a:r>
+            <a:endParaRPr lang="de-DE" sz="1000" b="0" dirty="0"/>
+          </a:p>
+          <a:p>
+            <a:endParaRPr lang="en-US" dirty="0"/>
+          </a:p>
+        </p:txBody>
+      </p:sp>
     </p:spTree>
     <p:extLst>
       <p:ext uri="{BB962C8B-B14F-4D97-AF65-F5344CB8AC3E}">
@@ -12324,13 +12536,8 @@
           <a:p>
             <a:r>
               <a:rPr lang="en-US" dirty="0"/>
-              <a:t>This attack is based on background </a:t>
-            </a:r>
-            <a:r>
-              <a:rPr lang="en-US" dirty="0" err="1"/>
-              <a:t>knowlegde</a:t>
-            </a:r>
-            <a:endParaRPr lang="en-US" dirty="0"/>
+              <a:t>This attack is based on background knowledge</a:t>
+            </a:r>
           </a:p>
           <a:p>
             <a:pPr lvl="1"/>
@@ -12544,6 +12751,50 @@
           </a:prstGeom>
         </p:spPr>
       </p:pic>
+      <p:sp>
+        <p:nvSpPr>
+          <p:cNvPr id="7" name="Textfeld 6">
+            <a:extLst>
+              <a:ext uri="{FF2B5EF4-FFF2-40B4-BE49-F238E27FC236}">
+                <a16:creationId xmlns:a16="http://schemas.microsoft.com/office/drawing/2014/main" id="{46CE9768-F2A9-4A64-92D6-80552AF1E3D7}"/>
+              </a:ext>
+            </a:extLst>
+          </p:cNvPr>
+          <p:cNvSpPr txBox="1"/>
+          <p:nvPr/>
+        </p:nvSpPr>
+        <p:spPr>
+          <a:xfrm>
+            <a:off x="873318" y="4954878"/>
+            <a:ext cx="5885836" cy="523220"/>
+          </a:xfrm>
+          <a:prstGeom prst="rect">
+            <a:avLst/>
+          </a:prstGeom>
+          <a:noFill/>
+        </p:spPr>
+        <p:txBody>
+          <a:bodyPr wrap="square" rtlCol="0">
+            <a:spAutoFit/>
+          </a:bodyPr>
+          <a:lstStyle/>
+          <a:p>
+            <a:pPr algn="l"/>
+            <a:r>
+              <a:rPr lang="en-US" sz="1000" dirty="0"/>
+              <a:t>Source: </a:t>
+            </a:r>
+            <a:r>
+              <a:rPr lang="en-US" sz="1000" b="0" dirty="0"/>
+              <a:t>t-Closeness: Privacy Beyond k-Anonymity and l-Diversity</a:t>
+            </a:r>
+            <a:endParaRPr lang="de-DE" sz="1000" b="0" dirty="0"/>
+          </a:p>
+          <a:p>
+            <a:endParaRPr lang="en-US" dirty="0"/>
+          </a:p>
+        </p:txBody>
+      </p:sp>
     </p:spTree>
     <p:extLst>
       <p:ext uri="{BB962C8B-B14F-4D97-AF65-F5344CB8AC3E}">
@@ -12976,6 +13227,50 @@
               <a:rPr lang="en-US" b="0" dirty="0"/>
               <a:t>Generation of ZIP</a:t>
             </a:r>
+          </a:p>
+        </p:txBody>
+      </p:sp>
+      <p:sp>
+        <p:nvSpPr>
+          <p:cNvPr id="12" name="Textfeld 11">
+            <a:extLst>
+              <a:ext uri="{FF2B5EF4-FFF2-40B4-BE49-F238E27FC236}">
+                <a16:creationId xmlns:a16="http://schemas.microsoft.com/office/drawing/2014/main" id="{EA2A541D-B33E-488E-BCB1-46CCB422A580}"/>
+              </a:ext>
+            </a:extLst>
+          </p:cNvPr>
+          <p:cNvSpPr txBox="1"/>
+          <p:nvPr/>
+        </p:nvSpPr>
+        <p:spPr>
+          <a:xfrm>
+            <a:off x="1998663" y="5924792"/>
+            <a:ext cx="5885836" cy="523220"/>
+          </a:xfrm>
+          <a:prstGeom prst="rect">
+            <a:avLst/>
+          </a:prstGeom>
+          <a:noFill/>
+        </p:spPr>
+        <p:txBody>
+          <a:bodyPr wrap="square" rtlCol="0">
+            <a:spAutoFit/>
+          </a:bodyPr>
+          <a:lstStyle/>
+          <a:p>
+            <a:pPr algn="l"/>
+            <a:r>
+              <a:rPr lang="en-US" sz="1000" dirty="0"/>
+              <a:t>Source: </a:t>
+            </a:r>
+            <a:r>
+              <a:rPr lang="en-US" sz="1000" b="0" dirty="0"/>
+              <a:t>k-ANONYMITY: A MODEL FOR PROTECTING PRIVACY</a:t>
+            </a:r>
+            <a:endParaRPr lang="de-DE" sz="1000" b="0" dirty="0"/>
+          </a:p>
+          <a:p>
+            <a:endParaRPr lang="en-US" dirty="0"/>
           </a:p>
         </p:txBody>
       </p:sp>
@@ -14073,18 +14368,18 @@
 
 <file path=customXml/item1.xml><?xml version="1.0" encoding="utf-8"?>
 <Control xmlns="http://schemas.microsoft.com/VisualStudio/2011/storyboarding/control">
-  <Id Name="System.Storyboarding.Common.Button" Revision="1" Stencil="System.Storyboarding.Common" StencilVersion="0.1"/>
+  <Id Name="dec3670c-0d6f-4455-9c2f-971d108358d4" Revision="1" Stencil="System.MyShapes" StencilVersion="1.0"/>
 </Control>
 </file>
 
 <file path=customXml/item2.xml><?xml version="1.0" encoding="utf-8"?>
 <Control xmlns="http://schemas.microsoft.com/VisualStudio/2011/storyboarding/control">
-  <Id Name="dec3670c-0d6f-4455-9c2f-971d108358d4" Revision="1" Stencil="System.MyShapes" StencilVersion="1.0"/>
+  <Id Name="System.Storyboarding.Common.Button" Revision="1" Stencil="System.Storyboarding.Common" StencilVersion="0.1"/>
 </Control>
 </file>
 
 <file path=customXml/itemProps1.xml><?xml version="1.0" encoding="utf-8"?>
-<ds:datastoreItem xmlns:ds="http://schemas.openxmlformats.org/officeDocument/2006/customXml" ds:itemID="{206AFEA3-501E-4E71-91B3-BDBE1D839E11}">
+<ds:datastoreItem xmlns:ds="http://schemas.openxmlformats.org/officeDocument/2006/customXml" ds:itemID="{566C5A5A-5A83-4A95-95C1-260C6D486DE6}">
   <ds:schemaRefs>
     <ds:schemaRef ds:uri="http://schemas.microsoft.com/VisualStudio/2011/storyboarding/control"/>
   </ds:schemaRefs>
@@ -14092,7 +14387,7 @@
 </file>
 
 <file path=customXml/itemProps2.xml><?xml version="1.0" encoding="utf-8"?>
-<ds:datastoreItem xmlns:ds="http://schemas.openxmlformats.org/officeDocument/2006/customXml" ds:itemID="{566C5A5A-5A83-4A95-95C1-260C6D486DE6}">
+<ds:datastoreItem xmlns:ds="http://schemas.openxmlformats.org/officeDocument/2006/customXml" ds:itemID="{206AFEA3-501E-4E71-91B3-BDBE1D839E11}">
   <ds:schemaRefs>
     <ds:schemaRef ds:uri="http://schemas.microsoft.com/VisualStudio/2011/storyboarding/control"/>
   </ds:schemaRefs>

--- a/presentation/sicherheits_final_anV3.pptx
+++ b/presentation/sicherheits_final_anV3.pptx
@@ -5,35 +5,41 @@
     <p:sldMasterId id="2147483678" r:id="rId3"/>
   </p:sldMasterIdLst>
   <p:notesMasterIdLst>
-    <p:notesMasterId r:id="rId27"/>
+    <p:notesMasterId r:id="rId33"/>
   </p:notesMasterIdLst>
   <p:handoutMasterIdLst>
-    <p:handoutMasterId r:id="rId28"/>
+    <p:handoutMasterId r:id="rId34"/>
   </p:handoutMasterIdLst>
   <p:sldIdLst>
     <p:sldId id="256" r:id="rId4"/>
     <p:sldId id="301" r:id="rId5"/>
     <p:sldId id="297" r:id="rId6"/>
-    <p:sldId id="287" r:id="rId7"/>
-    <p:sldId id="295" r:id="rId8"/>
-    <p:sldId id="294" r:id="rId9"/>
-    <p:sldId id="288" r:id="rId10"/>
-    <p:sldId id="289" r:id="rId11"/>
-    <p:sldId id="332" r:id="rId12"/>
-    <p:sldId id="333" r:id="rId13"/>
-    <p:sldId id="334" r:id="rId14"/>
-    <p:sldId id="320" r:id="rId15"/>
-    <p:sldId id="321" r:id="rId16"/>
-    <p:sldId id="322" r:id="rId17"/>
-    <p:sldId id="319" r:id="rId18"/>
-    <p:sldId id="323" r:id="rId19"/>
-    <p:sldId id="329" r:id="rId20"/>
-    <p:sldId id="312" r:id="rId21"/>
-    <p:sldId id="328" r:id="rId22"/>
-    <p:sldId id="335" r:id="rId23"/>
-    <p:sldId id="311" r:id="rId24"/>
-    <p:sldId id="325" r:id="rId25"/>
-    <p:sldId id="330" r:id="rId26"/>
+    <p:sldId id="337" r:id="rId7"/>
+    <p:sldId id="287" r:id="rId8"/>
+    <p:sldId id="295" r:id="rId9"/>
+    <p:sldId id="336" r:id="rId10"/>
+    <p:sldId id="294" r:id="rId11"/>
+    <p:sldId id="288" r:id="rId12"/>
+    <p:sldId id="289" r:id="rId13"/>
+    <p:sldId id="332" r:id="rId14"/>
+    <p:sldId id="333" r:id="rId15"/>
+    <p:sldId id="334" r:id="rId16"/>
+    <p:sldId id="338" r:id="rId17"/>
+    <p:sldId id="320" r:id="rId18"/>
+    <p:sldId id="321" r:id="rId19"/>
+    <p:sldId id="322" r:id="rId20"/>
+    <p:sldId id="319" r:id="rId21"/>
+    <p:sldId id="323" r:id="rId22"/>
+    <p:sldId id="339" r:id="rId23"/>
+    <p:sldId id="329" r:id="rId24"/>
+    <p:sldId id="340" r:id="rId25"/>
+    <p:sldId id="312" r:id="rId26"/>
+    <p:sldId id="328" r:id="rId27"/>
+    <p:sldId id="335" r:id="rId28"/>
+    <p:sldId id="341" r:id="rId29"/>
+    <p:sldId id="311" r:id="rId30"/>
+    <p:sldId id="325" r:id="rId31"/>
+    <p:sldId id="330" r:id="rId32"/>
   </p:sldIdLst>
   <p:sldSz cx="9144000" cy="6858000" type="screen4x3"/>
   <p:notesSz cx="9942513" cy="6761163"/>
@@ -1203,7 +1209,7 @@
               <a:pPr>
                 <a:defRPr/>
               </a:pPr>
-              <a:t>12</a:t>
+              <a:t>15</a:t>
             </a:fld>
             <a:endParaRPr lang="de-DE"/>
           </a:p>
@@ -1732,7 +1738,7 @@
               <a:pPr>
                 <a:defRPr/>
               </a:pPr>
-              <a:t>21</a:t>
+              <a:t>27</a:t>
             </a:fld>
             <a:endParaRPr lang="de-DE" dirty="0"/>
           </a:p>
@@ -2064,7 +2070,7 @@
               <a:pPr>
                 <a:defRPr/>
               </a:pPr>
-              <a:t>13</a:t>
+              <a:t>16</a:t>
             </a:fld>
             <a:endParaRPr lang="de-DE"/>
           </a:p>
@@ -2213,7 +2219,7 @@
               <a:pPr>
                 <a:defRPr/>
               </a:pPr>
-              <a:t>14</a:t>
+              <a:t>17</a:t>
             </a:fld>
             <a:endParaRPr lang="de-DE"/>
           </a:p>
@@ -2635,7 +2641,7 @@
               <a:pPr>
                 <a:defRPr/>
               </a:pPr>
-              <a:t>15</a:t>
+              <a:t>18</a:t>
             </a:fld>
             <a:endParaRPr lang="de-DE"/>
           </a:p>
@@ -2861,7 +2867,7 @@
               <a:pPr>
                 <a:defRPr/>
               </a:pPr>
-              <a:t>16</a:t>
+              <a:t>19</a:t>
             </a:fld>
             <a:endParaRPr lang="de-DE"/>
           </a:p>
@@ -3065,7 +3071,7 @@
               <a:pPr>
                 <a:defRPr/>
               </a:pPr>
-              <a:t>17</a:t>
+              <a:t>21</a:t>
             </a:fld>
             <a:endParaRPr lang="de-DE"/>
           </a:p>
@@ -3447,7 +3453,7 @@
               <a:pPr>
                 <a:defRPr/>
               </a:pPr>
-              <a:t>18</a:t>
+              <a:t>23</a:t>
             </a:fld>
             <a:endParaRPr lang="de-DE"/>
           </a:p>
@@ -3717,7 +3723,7 @@
               <a:pPr>
                 <a:defRPr/>
               </a:pPr>
-              <a:t>19</a:t>
+              <a:t>24</a:t>
             </a:fld>
             <a:endParaRPr lang="de-DE"/>
           </a:p>
@@ -4007,7 +4013,7 @@
               <a:pPr>
                 <a:defRPr/>
               </a:pPr>
-              <a:t>20</a:t>
+              <a:t>25</a:t>
             </a:fld>
             <a:endParaRPr lang="de-DE"/>
           </a:p>
@@ -5848,7 +5854,7 @@
           <p:cNvPr id="2" name="Textplatzhalter 1">
             <a:extLst>
               <a:ext uri="{FF2B5EF4-FFF2-40B4-BE49-F238E27FC236}">
-                <a16:creationId xmlns:a16="http://schemas.microsoft.com/office/drawing/2014/main" id="{482F42DF-6375-4386-98AE-E1280CE9F63D}"/>
+                <a16:creationId xmlns:a16="http://schemas.microsoft.com/office/drawing/2014/main" id="{E12EDF2D-E22D-4111-B791-CA1B22C4913B}"/>
               </a:ext>
             </a:extLst>
           </p:cNvPr>
@@ -5866,24 +5872,24 @@
           <a:p>
             <a:r>
               <a:rPr lang="en-US" dirty="0"/>
-              <a:t>Prior examples, all attributes were quasi-identifier</a:t>
+              <a:t>This attack is based on background knowledge</a:t>
             </a:r>
           </a:p>
           <a:p>
             <a:pPr lvl="1"/>
             <a:r>
               <a:rPr lang="en-US" dirty="0"/>
-              <a:t>Not typical in the real world </a:t>
+              <a:t>Alice knows additionally that e.g. Carl(36, 47605) has a low risk of heart disease </a:t>
             </a:r>
             <a:r>
               <a:rPr lang="en-US" dirty="0">
                 <a:sym typeface="Wingdings" panose="05000000000000000000" pitchFamily="2" charset="2"/>
               </a:rPr>
-              <a:t> subsequent releases are common</a:t>
+              <a:t> c</a:t>
             </a:r>
             <a:r>
               <a:rPr lang="en-US" dirty="0"/>
-              <a:t> </a:t>
+              <a:t>onclude he has cancer</a:t>
             </a:r>
           </a:p>
         </p:txBody>
@@ -5893,7 +5899,7 @@
           <p:cNvPr id="3" name="Datumsplatzhalter 2">
             <a:extLst>
               <a:ext uri="{FF2B5EF4-FFF2-40B4-BE49-F238E27FC236}">
-                <a16:creationId xmlns:a16="http://schemas.microsoft.com/office/drawing/2014/main" id="{76ABE376-BDA0-4305-B6BE-8D8C0BF64F02}"/>
+                <a16:creationId xmlns:a16="http://schemas.microsoft.com/office/drawing/2014/main" id="{B528F102-CDB3-41C8-8D94-CB806376B463}"/>
               </a:ext>
             </a:extLst>
           </p:cNvPr>
@@ -5910,10 +5916,9 @@
           <a:lstStyle/>
           <a:p>
             <a:r>
-              <a:rPr lang="de-DE"/>
-              <a:t>30.01.2018</a:t>
-            </a:r>
-            <a:endParaRPr lang="de-DE" dirty="0"/>
+              <a:rPr lang="de-DE" dirty="0"/>
+              <a:t>06.02.2018</a:t>
+            </a:r>
           </a:p>
         </p:txBody>
       </p:sp>
@@ -5922,7 +5927,7 @@
           <p:cNvPr id="4" name="Fußzeilenplatzhalter 3">
             <a:extLst>
               <a:ext uri="{FF2B5EF4-FFF2-40B4-BE49-F238E27FC236}">
-                <a16:creationId xmlns:a16="http://schemas.microsoft.com/office/drawing/2014/main" id="{4EB0631A-ED17-4091-AB67-4D7FF760FE8B}"/>
+                <a16:creationId xmlns:a16="http://schemas.microsoft.com/office/drawing/2014/main" id="{FFC1C321-4680-4D84-9195-40BE4EC65999}"/>
               </a:ext>
             </a:extLst>
           </p:cNvPr>
@@ -5951,7 +5956,7 @@
           <p:cNvPr id="5" name="Foliennummernplatzhalter 4">
             <a:extLst>
               <a:ext uri="{FF2B5EF4-FFF2-40B4-BE49-F238E27FC236}">
-                <a16:creationId xmlns:a16="http://schemas.microsoft.com/office/drawing/2014/main" id="{706C0578-B337-493E-B4B8-D6D431BE9F3F}"/>
+                <a16:creationId xmlns:a16="http://schemas.microsoft.com/office/drawing/2014/main" id="{A95D21FA-A127-486F-963C-2CBB16E98C81}"/>
               </a:ext>
             </a:extLst>
           </p:cNvPr>
@@ -5971,6 +5976,796 @@
               <a:rPr lang="de-DE" smtClean="0"/>
               <a:pPr/>
               <a:t>10</a:t>
+            </a:fld>
+            <a:endParaRPr lang="de-DE"/>
+          </a:p>
+        </p:txBody>
+      </p:sp>
+      <p:sp>
+        <p:nvSpPr>
+          <p:cNvPr id="6" name="Titel 5">
+            <a:extLst>
+              <a:ext uri="{FF2B5EF4-FFF2-40B4-BE49-F238E27FC236}">
+                <a16:creationId xmlns:a16="http://schemas.microsoft.com/office/drawing/2014/main" id="{A34D44C4-357D-44B2-8D47-D4AB70C3956E}"/>
+              </a:ext>
+            </a:extLst>
+          </p:cNvPr>
+          <p:cNvSpPr>
+            <a:spLocks noGrp="1"/>
+          </p:cNvSpPr>
+          <p:nvPr>
+            <p:ph type="title"/>
+          </p:nvPr>
+        </p:nvSpPr>
+        <p:spPr/>
+        <p:txBody>
+          <a:bodyPr/>
+          <a:lstStyle/>
+          <a:p>
+            <a:r>
+              <a:rPr lang="de-DE" dirty="0"/>
+              <a:t>Background Knowledge </a:t>
+            </a:r>
+            <a:r>
+              <a:rPr lang="de-DE" dirty="0" err="1"/>
+              <a:t>Attack</a:t>
+            </a:r>
+            <a:endParaRPr lang="de-DE" dirty="0"/>
+          </a:p>
+        </p:txBody>
+      </p:sp>
+      <p:pic>
+        <p:nvPicPr>
+          <p:cNvPr id="9" name="Grafik 8">
+            <a:extLst>
+              <a:ext uri="{FF2B5EF4-FFF2-40B4-BE49-F238E27FC236}">
+                <a16:creationId xmlns:a16="http://schemas.microsoft.com/office/drawing/2014/main" id="{05831B25-B1FB-4227-BF6E-5DF268BA537D}"/>
+              </a:ext>
+            </a:extLst>
+          </p:cNvPr>
+          <p:cNvPicPr>
+            <a:picLocks noChangeAspect="1"/>
+          </p:cNvPicPr>
+          <p:nvPr/>
+        </p:nvPicPr>
+        <p:blipFill>
+          <a:blip r:embed="rId2">
+            <a:extLst>
+              <a:ext uri="{28A0092B-C50C-407E-A947-70E740481C1C}">
+                <a14:useLocalDpi xmlns:a14="http://schemas.microsoft.com/office/drawing/2010/main" val="0"/>
+              </a:ext>
+            </a:extLst>
+          </a:blip>
+          <a:stretch>
+            <a:fillRect/>
+          </a:stretch>
+        </p:blipFill>
+        <p:spPr>
+          <a:xfrm>
+            <a:off x="873318" y="2338825"/>
+            <a:ext cx="3410650" cy="2566186"/>
+          </a:xfrm>
+          <a:prstGeom prst="rect">
+            <a:avLst/>
+          </a:prstGeom>
+        </p:spPr>
+      </p:pic>
+      <p:pic>
+        <p:nvPicPr>
+          <p:cNvPr id="10" name="Grafik 9">
+            <a:extLst>
+              <a:ext uri="{FF2B5EF4-FFF2-40B4-BE49-F238E27FC236}">
+                <a16:creationId xmlns:a16="http://schemas.microsoft.com/office/drawing/2014/main" id="{9FF7B54C-52F5-429B-AABD-254DEB3E4B95}"/>
+              </a:ext>
+            </a:extLst>
+          </p:cNvPr>
+          <p:cNvPicPr>
+            <a:picLocks noChangeAspect="1"/>
+          </p:cNvPicPr>
+          <p:nvPr/>
+        </p:nvPicPr>
+        <p:blipFill>
+          <a:blip r:embed="rId3">
+            <a:extLst>
+              <a:ext uri="{28A0092B-C50C-407E-A947-70E740481C1C}">
+                <a14:useLocalDpi xmlns:a14="http://schemas.microsoft.com/office/drawing/2010/main" val="0"/>
+              </a:ext>
+            </a:extLst>
+          </a:blip>
+          <a:stretch>
+            <a:fillRect/>
+          </a:stretch>
+        </p:blipFill>
+        <p:spPr>
+          <a:xfrm>
+            <a:off x="4644008" y="2225669"/>
+            <a:ext cx="3673103" cy="2754827"/>
+          </a:xfrm>
+          <a:prstGeom prst="rect">
+            <a:avLst/>
+          </a:prstGeom>
+        </p:spPr>
+      </p:pic>
+      <p:sp>
+        <p:nvSpPr>
+          <p:cNvPr id="7" name="Textfeld 6">
+            <a:extLst>
+              <a:ext uri="{FF2B5EF4-FFF2-40B4-BE49-F238E27FC236}">
+                <a16:creationId xmlns:a16="http://schemas.microsoft.com/office/drawing/2014/main" id="{46CE9768-F2A9-4A64-92D6-80552AF1E3D7}"/>
+              </a:ext>
+            </a:extLst>
+          </p:cNvPr>
+          <p:cNvSpPr txBox="1"/>
+          <p:nvPr/>
+        </p:nvSpPr>
+        <p:spPr>
+          <a:xfrm>
+            <a:off x="873318" y="4954878"/>
+            <a:ext cx="5885836" cy="523220"/>
+          </a:xfrm>
+          <a:prstGeom prst="rect">
+            <a:avLst/>
+          </a:prstGeom>
+          <a:noFill/>
+        </p:spPr>
+        <p:txBody>
+          <a:bodyPr wrap="square" rtlCol="0">
+            <a:spAutoFit/>
+          </a:bodyPr>
+          <a:lstStyle/>
+          <a:p>
+            <a:pPr algn="l"/>
+            <a:r>
+              <a:rPr lang="en-US" sz="1000" dirty="0"/>
+              <a:t>Source: </a:t>
+            </a:r>
+            <a:r>
+              <a:rPr lang="en-US" sz="1000" b="0" dirty="0"/>
+              <a:t>t-Closeness: Privacy Beyond k-Anonymity and l-Diversity</a:t>
+            </a:r>
+            <a:endParaRPr lang="de-DE" sz="1000" b="0" dirty="0"/>
+          </a:p>
+          <a:p>
+            <a:endParaRPr lang="en-US" dirty="0"/>
+          </a:p>
+        </p:txBody>
+      </p:sp>
+    </p:spTree>
+    <p:extLst>
+      <p:ext uri="{BB962C8B-B14F-4D97-AF65-F5344CB8AC3E}">
+        <p14:creationId xmlns:p14="http://schemas.microsoft.com/office/powerpoint/2010/main" val="1545862038"/>
+      </p:ext>
+    </p:extLst>
+  </p:cSld>
+  <p:clrMapOvr>
+    <a:masterClrMapping/>
+  </p:clrMapOvr>
+</p:sld>
+</file>
+
+<file path=ppt/slides/slide11.xml><?xml version="1.0" encoding="utf-8"?>
+<p:sld xmlns:a="http://schemas.openxmlformats.org/drawingml/2006/main" xmlns:r="http://schemas.openxmlformats.org/officeDocument/2006/relationships" xmlns:p="http://schemas.openxmlformats.org/presentationml/2006/main">
+  <p:cSld>
+    <p:spTree>
+      <p:nvGrpSpPr>
+        <p:cNvPr id="1" name=""/>
+        <p:cNvGrpSpPr/>
+        <p:nvPr/>
+      </p:nvGrpSpPr>
+      <p:grpSpPr>
+        <a:xfrm>
+          <a:off x="0" y="0"/>
+          <a:ext cx="0" cy="0"/>
+          <a:chOff x="0" y="0"/>
+          <a:chExt cx="0" cy="0"/>
+        </a:xfrm>
+      </p:grpSpPr>
+      <p:sp>
+        <p:nvSpPr>
+          <p:cNvPr id="2" name="Textplatzhalter 1">
+            <a:extLst>
+              <a:ext uri="{FF2B5EF4-FFF2-40B4-BE49-F238E27FC236}">
+                <a16:creationId xmlns:a16="http://schemas.microsoft.com/office/drawing/2014/main" id="{62716006-562A-43E3-9DDE-A104B3493D01}"/>
+              </a:ext>
+            </a:extLst>
+          </p:cNvPr>
+          <p:cNvSpPr>
+            <a:spLocks noGrp="1"/>
+          </p:cNvSpPr>
+          <p:nvPr>
+            <p:ph type="body" sz="quarter" idx="13"/>
+          </p:nvPr>
+        </p:nvSpPr>
+        <p:spPr/>
+        <p:txBody>
+          <a:bodyPr/>
+          <a:lstStyle/>
+          <a:p>
+            <a:r>
+              <a:rPr lang="en-US" dirty="0"/>
+              <a:t>Based on order of tuples in the released data</a:t>
+            </a:r>
+          </a:p>
+          <a:p>
+            <a:pPr lvl="1"/>
+            <a:r>
+              <a:rPr lang="en-US" dirty="0"/>
+              <a:t>Often used in real world</a:t>
+            </a:r>
+          </a:p>
+          <a:p>
+            <a:pPr lvl="2"/>
+            <a:r>
+              <a:rPr lang="en-US" dirty="0"/>
+              <a:t>release of sensitive data</a:t>
+            </a:r>
+          </a:p>
+        </p:txBody>
+      </p:sp>
+      <p:sp>
+        <p:nvSpPr>
+          <p:cNvPr id="3" name="Datumsplatzhalter 2">
+            <a:extLst>
+              <a:ext uri="{FF2B5EF4-FFF2-40B4-BE49-F238E27FC236}">
+                <a16:creationId xmlns:a16="http://schemas.microsoft.com/office/drawing/2014/main" id="{AD3AB6C9-0DB8-4D81-A14E-52B661D2CC80}"/>
+              </a:ext>
+            </a:extLst>
+          </p:cNvPr>
+          <p:cNvSpPr>
+            <a:spLocks noGrp="1"/>
+          </p:cNvSpPr>
+          <p:nvPr>
+            <p:ph type="dt" sz="half" idx="14"/>
+          </p:nvPr>
+        </p:nvSpPr>
+        <p:spPr/>
+        <p:txBody>
+          <a:bodyPr/>
+          <a:lstStyle/>
+          <a:p>
+            <a:r>
+              <a:rPr lang="de-DE"/>
+              <a:t>30.01.2018</a:t>
+            </a:r>
+            <a:endParaRPr lang="de-DE" dirty="0"/>
+          </a:p>
+        </p:txBody>
+      </p:sp>
+      <p:sp>
+        <p:nvSpPr>
+          <p:cNvPr id="4" name="Fußzeilenplatzhalter 3">
+            <a:extLst>
+              <a:ext uri="{FF2B5EF4-FFF2-40B4-BE49-F238E27FC236}">
+                <a16:creationId xmlns:a16="http://schemas.microsoft.com/office/drawing/2014/main" id="{7A049113-3CC5-4ACC-BE03-43D9B950C6DA}"/>
+              </a:ext>
+            </a:extLst>
+          </p:cNvPr>
+          <p:cNvSpPr>
+            <a:spLocks noGrp="1"/>
+          </p:cNvSpPr>
+          <p:nvPr>
+            <p:ph type="ftr" sz="quarter" idx="15"/>
+          </p:nvPr>
+        </p:nvSpPr>
+        <p:spPr/>
+        <p:txBody>
+          <a:bodyPr/>
+          <a:lstStyle/>
+          <a:p>
+            <a:r>
+              <a:rPr lang="de-DE"/>
+              <a:t>Schallner Ludwig, Wiegnand Andreas</a:t>
+            </a:r>
+            <a:endParaRPr lang="de-DE" dirty="0"/>
+          </a:p>
+        </p:txBody>
+      </p:sp>
+      <p:sp>
+        <p:nvSpPr>
+          <p:cNvPr id="5" name="Foliennummernplatzhalter 4">
+            <a:extLst>
+              <a:ext uri="{FF2B5EF4-FFF2-40B4-BE49-F238E27FC236}">
+                <a16:creationId xmlns:a16="http://schemas.microsoft.com/office/drawing/2014/main" id="{E4EDDA99-AB0E-4825-AFC1-0682F00360D8}"/>
+              </a:ext>
+            </a:extLst>
+          </p:cNvPr>
+          <p:cNvSpPr>
+            <a:spLocks noGrp="1"/>
+          </p:cNvSpPr>
+          <p:nvPr>
+            <p:ph type="sldNum" sz="quarter" idx="16"/>
+          </p:nvPr>
+        </p:nvSpPr>
+        <p:spPr/>
+        <p:txBody>
+          <a:bodyPr/>
+          <a:lstStyle/>
+          <a:p>
+            <a:fld id="{50E76E58-F275-47A3-BB17-470016A267B6}" type="slidenum">
+              <a:rPr lang="de-DE" smtClean="0"/>
+              <a:pPr/>
+              <a:t>11</a:t>
+            </a:fld>
+            <a:endParaRPr lang="de-DE"/>
+          </a:p>
+        </p:txBody>
+      </p:sp>
+      <p:sp>
+        <p:nvSpPr>
+          <p:cNvPr id="6" name="Titel 5">
+            <a:extLst>
+              <a:ext uri="{FF2B5EF4-FFF2-40B4-BE49-F238E27FC236}">
+                <a16:creationId xmlns:a16="http://schemas.microsoft.com/office/drawing/2014/main" id="{5530D40E-2D43-4755-A8FC-A78B2B5D402C}"/>
+              </a:ext>
+            </a:extLst>
+          </p:cNvPr>
+          <p:cNvSpPr>
+            <a:spLocks noGrp="1"/>
+          </p:cNvSpPr>
+          <p:nvPr>
+            <p:ph type="title"/>
+          </p:nvPr>
+        </p:nvSpPr>
+        <p:spPr/>
+        <p:txBody>
+          <a:bodyPr/>
+          <a:lstStyle/>
+          <a:p>
+            <a:r>
+              <a:rPr lang="de-DE" dirty="0" err="1"/>
+              <a:t>Unsorted</a:t>
+            </a:r>
+            <a:r>
+              <a:rPr lang="de-DE" dirty="0"/>
+              <a:t> </a:t>
+            </a:r>
+            <a:r>
+              <a:rPr lang="de-DE" dirty="0" err="1"/>
+              <a:t>Matching</a:t>
+            </a:r>
+            <a:r>
+              <a:rPr lang="de-DE" dirty="0"/>
+              <a:t> </a:t>
+            </a:r>
+            <a:r>
+              <a:rPr lang="de-DE" dirty="0" err="1"/>
+              <a:t>Attacks</a:t>
+            </a:r>
+            <a:endParaRPr lang="de-DE" dirty="0"/>
+          </a:p>
+        </p:txBody>
+      </p:sp>
+      <p:pic>
+        <p:nvPicPr>
+          <p:cNvPr id="8" name="Grafik 7">
+            <a:extLst>
+              <a:ext uri="{FF2B5EF4-FFF2-40B4-BE49-F238E27FC236}">
+                <a16:creationId xmlns:a16="http://schemas.microsoft.com/office/drawing/2014/main" id="{52418571-4529-411F-B64C-DF801EE1CEA2}"/>
+              </a:ext>
+            </a:extLst>
+          </p:cNvPr>
+          <p:cNvPicPr>
+            <a:picLocks noChangeAspect="1"/>
+          </p:cNvPicPr>
+          <p:nvPr/>
+        </p:nvPicPr>
+        <p:blipFill>
+          <a:blip r:embed="rId2">
+            <a:extLst>
+              <a:ext uri="{28A0092B-C50C-407E-A947-70E740481C1C}">
+                <a14:useLocalDpi xmlns:a14="http://schemas.microsoft.com/office/drawing/2010/main" val="0"/>
+              </a:ext>
+            </a:extLst>
+          </a:blip>
+          <a:stretch>
+            <a:fillRect/>
+          </a:stretch>
+        </p:blipFill>
+        <p:spPr>
+          <a:xfrm>
+            <a:off x="2209470" y="2782583"/>
+            <a:ext cx="4725059" cy="2372056"/>
+          </a:xfrm>
+          <a:prstGeom prst="rect">
+            <a:avLst/>
+          </a:prstGeom>
+        </p:spPr>
+      </p:pic>
+      <p:sp>
+        <p:nvSpPr>
+          <p:cNvPr id="7" name="Pfeil: nach oben 6">
+            <a:extLst>
+              <a:ext uri="{FF2B5EF4-FFF2-40B4-BE49-F238E27FC236}">
+                <a16:creationId xmlns:a16="http://schemas.microsoft.com/office/drawing/2014/main" id="{32A3DA81-67B0-412B-AD13-622A9A050DD2}"/>
+              </a:ext>
+            </a:extLst>
+          </p:cNvPr>
+          <p:cNvSpPr/>
+          <p:nvPr/>
+        </p:nvSpPr>
+        <p:spPr>
+          <a:xfrm rot="14538008">
+            <a:off x="6805019" y="3664232"/>
+            <a:ext cx="415600" cy="415600"/>
+          </a:xfrm>
+          <a:prstGeom prst="upArrow">
+            <a:avLst/>
+          </a:prstGeom>
+          <a:solidFill>
+            <a:schemeClr val="bg1">
+              <a:lumMod val="75000"/>
+            </a:schemeClr>
+          </a:solidFill>
+          <a:ln>
+            <a:solidFill>
+              <a:schemeClr val="bg1">
+                <a:lumMod val="65000"/>
+              </a:schemeClr>
+            </a:solidFill>
+          </a:ln>
+        </p:spPr>
+        <p:style>
+          <a:lnRef idx="2">
+            <a:schemeClr val="accent1">
+              <a:shade val="50000"/>
+            </a:schemeClr>
+          </a:lnRef>
+          <a:fillRef idx="1">
+            <a:schemeClr val="accent1"/>
+          </a:fillRef>
+          <a:effectRef idx="0">
+            <a:schemeClr val="accent1"/>
+          </a:effectRef>
+          <a:fontRef idx="minor">
+            <a:schemeClr val="lt1"/>
+          </a:fontRef>
+        </p:style>
+        <p:txBody>
+          <a:bodyPr rot="0" spcFirstLastPara="0" vertOverflow="overflow" horzOverflow="overflow" vert="horz" wrap="square" lIns="91440" tIns="45720" rIns="91440" bIns="45720" numCol="1" spcCol="0" rtlCol="0" fromWordArt="0" anchor="ctr" anchorCtr="0" forceAA="0" compatLnSpc="1">
+            <a:prstTxWarp prst="textNoShape">
+              <a:avLst/>
+            </a:prstTxWarp>
+            <a:noAutofit/>
+          </a:bodyPr>
+          <a:lstStyle/>
+          <a:p>
+            <a:endParaRPr lang="de-DE"/>
+          </a:p>
+        </p:txBody>
+      </p:sp>
+      <p:sp>
+        <p:nvSpPr>
+          <p:cNvPr id="9" name="Pfeil: nach oben 8">
+            <a:extLst>
+              <a:ext uri="{FF2B5EF4-FFF2-40B4-BE49-F238E27FC236}">
+                <a16:creationId xmlns:a16="http://schemas.microsoft.com/office/drawing/2014/main" id="{23E141D4-90C0-4ADD-AAC0-C94A5F3656AF}"/>
+              </a:ext>
+            </a:extLst>
+          </p:cNvPr>
+          <p:cNvSpPr/>
+          <p:nvPr/>
+        </p:nvSpPr>
+        <p:spPr>
+          <a:xfrm rot="1495549">
+            <a:off x="3836350" y="5063264"/>
+            <a:ext cx="415600" cy="415600"/>
+          </a:xfrm>
+          <a:prstGeom prst="upArrow">
+            <a:avLst/>
+          </a:prstGeom>
+          <a:solidFill>
+            <a:schemeClr val="bg1">
+              <a:lumMod val="75000"/>
+            </a:schemeClr>
+          </a:solidFill>
+          <a:ln>
+            <a:solidFill>
+              <a:schemeClr val="bg1">
+                <a:lumMod val="65000"/>
+              </a:schemeClr>
+            </a:solidFill>
+          </a:ln>
+        </p:spPr>
+        <p:style>
+          <a:lnRef idx="2">
+            <a:schemeClr val="accent1">
+              <a:shade val="50000"/>
+            </a:schemeClr>
+          </a:lnRef>
+          <a:fillRef idx="1">
+            <a:schemeClr val="accent1"/>
+          </a:fillRef>
+          <a:effectRef idx="0">
+            <a:schemeClr val="accent1"/>
+          </a:effectRef>
+          <a:fontRef idx="minor">
+            <a:schemeClr val="lt1"/>
+          </a:fontRef>
+        </p:style>
+        <p:txBody>
+          <a:bodyPr rot="0" spcFirstLastPara="0" vertOverflow="overflow" horzOverflow="overflow" vert="horz" wrap="square" lIns="91440" tIns="45720" rIns="91440" bIns="45720" numCol="1" spcCol="0" rtlCol="0" fromWordArt="0" anchor="ctr" anchorCtr="0" forceAA="0" compatLnSpc="1">
+            <a:prstTxWarp prst="textNoShape">
+              <a:avLst/>
+            </a:prstTxWarp>
+            <a:noAutofit/>
+          </a:bodyPr>
+          <a:lstStyle/>
+          <a:p>
+            <a:endParaRPr lang="de-DE"/>
+          </a:p>
+        </p:txBody>
+      </p:sp>
+      <p:sp>
+        <p:nvSpPr>
+          <p:cNvPr id="10" name="Textfeld 9">
+            <a:extLst>
+              <a:ext uri="{FF2B5EF4-FFF2-40B4-BE49-F238E27FC236}">
+                <a16:creationId xmlns:a16="http://schemas.microsoft.com/office/drawing/2014/main" id="{3629483C-59DF-473B-92E3-EB230628E392}"/>
+              </a:ext>
+            </a:extLst>
+          </p:cNvPr>
+          <p:cNvSpPr txBox="1"/>
+          <p:nvPr/>
+        </p:nvSpPr>
+        <p:spPr>
+          <a:xfrm>
+            <a:off x="2628900" y="5435932"/>
+            <a:ext cx="2448272" cy="369332"/>
+          </a:xfrm>
+          <a:prstGeom prst="rect">
+            <a:avLst/>
+          </a:prstGeom>
+          <a:noFill/>
+        </p:spPr>
+        <p:txBody>
+          <a:bodyPr wrap="square" rtlCol="0">
+            <a:spAutoFit/>
+          </a:bodyPr>
+          <a:lstStyle/>
+          <a:p>
+            <a:r>
+              <a:rPr lang="en-US" b="0" dirty="0"/>
+              <a:t>Generation of race</a:t>
+            </a:r>
+          </a:p>
+        </p:txBody>
+      </p:sp>
+      <p:sp>
+        <p:nvSpPr>
+          <p:cNvPr id="11" name="Textfeld 10">
+            <a:extLst>
+              <a:ext uri="{FF2B5EF4-FFF2-40B4-BE49-F238E27FC236}">
+                <a16:creationId xmlns:a16="http://schemas.microsoft.com/office/drawing/2014/main" id="{BEF50669-3AB0-4CE1-8434-7A16472C3F23}"/>
+              </a:ext>
+            </a:extLst>
+          </p:cNvPr>
+          <p:cNvSpPr txBox="1"/>
+          <p:nvPr/>
+        </p:nvSpPr>
+        <p:spPr>
+          <a:xfrm>
+            <a:off x="7071890" y="3412037"/>
+            <a:ext cx="1483578" cy="646331"/>
+          </a:xfrm>
+          <a:prstGeom prst="rect">
+            <a:avLst/>
+          </a:prstGeom>
+          <a:noFill/>
+        </p:spPr>
+        <p:txBody>
+          <a:bodyPr wrap="square" rtlCol="0">
+            <a:spAutoFit/>
+          </a:bodyPr>
+          <a:lstStyle/>
+          <a:p>
+            <a:r>
+              <a:rPr lang="en-US" b="0" dirty="0"/>
+              <a:t>Generation of ZIP</a:t>
+            </a:r>
+          </a:p>
+        </p:txBody>
+      </p:sp>
+      <p:sp>
+        <p:nvSpPr>
+          <p:cNvPr id="12" name="Textfeld 11">
+            <a:extLst>
+              <a:ext uri="{FF2B5EF4-FFF2-40B4-BE49-F238E27FC236}">
+                <a16:creationId xmlns:a16="http://schemas.microsoft.com/office/drawing/2014/main" id="{EA2A541D-B33E-488E-BCB1-46CCB422A580}"/>
+              </a:ext>
+            </a:extLst>
+          </p:cNvPr>
+          <p:cNvSpPr txBox="1"/>
+          <p:nvPr/>
+        </p:nvSpPr>
+        <p:spPr>
+          <a:xfrm>
+            <a:off x="1998663" y="5924792"/>
+            <a:ext cx="5885836" cy="523220"/>
+          </a:xfrm>
+          <a:prstGeom prst="rect">
+            <a:avLst/>
+          </a:prstGeom>
+          <a:noFill/>
+        </p:spPr>
+        <p:txBody>
+          <a:bodyPr wrap="square" rtlCol="0">
+            <a:spAutoFit/>
+          </a:bodyPr>
+          <a:lstStyle/>
+          <a:p>
+            <a:pPr algn="l"/>
+            <a:r>
+              <a:rPr lang="en-US" sz="1000" dirty="0"/>
+              <a:t>Source: </a:t>
+            </a:r>
+            <a:r>
+              <a:rPr lang="en-US" sz="1000" b="0" dirty="0"/>
+              <a:t>k-ANONYMITY: A MODEL FOR PROTECTING PRIVACY</a:t>
+            </a:r>
+            <a:endParaRPr lang="de-DE" sz="1000" b="0" dirty="0"/>
+          </a:p>
+          <a:p>
+            <a:endParaRPr lang="en-US" dirty="0"/>
+          </a:p>
+        </p:txBody>
+      </p:sp>
+    </p:spTree>
+    <p:extLst>
+      <p:ext uri="{BB962C8B-B14F-4D97-AF65-F5344CB8AC3E}">
+        <p14:creationId xmlns:p14="http://schemas.microsoft.com/office/powerpoint/2010/main" val="4161008327"/>
+      </p:ext>
+    </p:extLst>
+  </p:cSld>
+  <p:clrMapOvr>
+    <a:masterClrMapping/>
+  </p:clrMapOvr>
+</p:sld>
+</file>
+
+<file path=ppt/slides/slide12.xml><?xml version="1.0" encoding="utf-8"?>
+<p:sld xmlns:a="http://schemas.openxmlformats.org/drawingml/2006/main" xmlns:r="http://schemas.openxmlformats.org/officeDocument/2006/relationships" xmlns:p="http://schemas.openxmlformats.org/presentationml/2006/main">
+  <p:cSld>
+    <p:spTree>
+      <p:nvGrpSpPr>
+        <p:cNvPr id="1" name=""/>
+        <p:cNvGrpSpPr/>
+        <p:nvPr/>
+      </p:nvGrpSpPr>
+      <p:grpSpPr>
+        <a:xfrm>
+          <a:off x="0" y="0"/>
+          <a:ext cx="0" cy="0"/>
+          <a:chOff x="0" y="0"/>
+          <a:chExt cx="0" cy="0"/>
+        </a:xfrm>
+      </p:grpSpPr>
+      <p:sp>
+        <p:nvSpPr>
+          <p:cNvPr id="2" name="Textplatzhalter 1">
+            <a:extLst>
+              <a:ext uri="{FF2B5EF4-FFF2-40B4-BE49-F238E27FC236}">
+                <a16:creationId xmlns:a16="http://schemas.microsoft.com/office/drawing/2014/main" id="{482F42DF-6375-4386-98AE-E1280CE9F63D}"/>
+              </a:ext>
+            </a:extLst>
+          </p:cNvPr>
+          <p:cNvSpPr>
+            <a:spLocks noGrp="1"/>
+          </p:cNvSpPr>
+          <p:nvPr>
+            <p:ph type="body" sz="quarter" idx="13"/>
+          </p:nvPr>
+        </p:nvSpPr>
+        <p:spPr/>
+        <p:txBody>
+          <a:bodyPr/>
+          <a:lstStyle/>
+          <a:p>
+            <a:r>
+              <a:rPr lang="en-US" dirty="0"/>
+              <a:t>Prior examples, all attributes were quasi-identifier</a:t>
+            </a:r>
+          </a:p>
+          <a:p>
+            <a:pPr lvl="1"/>
+            <a:r>
+              <a:rPr lang="en-US" dirty="0"/>
+              <a:t>Not typical in the real world </a:t>
+            </a:r>
+            <a:r>
+              <a:rPr lang="en-US" dirty="0">
+                <a:sym typeface="Wingdings" panose="05000000000000000000" pitchFamily="2" charset="2"/>
+              </a:rPr>
+              <a:t> subsequent releases are common</a:t>
+            </a:r>
+            <a:r>
+              <a:rPr lang="en-US" dirty="0"/>
+              <a:t> </a:t>
+            </a:r>
+          </a:p>
+        </p:txBody>
+      </p:sp>
+      <p:sp>
+        <p:nvSpPr>
+          <p:cNvPr id="3" name="Datumsplatzhalter 2">
+            <a:extLst>
+              <a:ext uri="{FF2B5EF4-FFF2-40B4-BE49-F238E27FC236}">
+                <a16:creationId xmlns:a16="http://schemas.microsoft.com/office/drawing/2014/main" id="{76ABE376-BDA0-4305-B6BE-8D8C0BF64F02}"/>
+              </a:ext>
+            </a:extLst>
+          </p:cNvPr>
+          <p:cNvSpPr>
+            <a:spLocks noGrp="1"/>
+          </p:cNvSpPr>
+          <p:nvPr>
+            <p:ph type="dt" sz="half" idx="14"/>
+          </p:nvPr>
+        </p:nvSpPr>
+        <p:spPr/>
+        <p:txBody>
+          <a:bodyPr/>
+          <a:lstStyle/>
+          <a:p>
+            <a:r>
+              <a:rPr lang="de-DE" dirty="0"/>
+              <a:t>06.02.2018</a:t>
+            </a:r>
+          </a:p>
+        </p:txBody>
+      </p:sp>
+      <p:sp>
+        <p:nvSpPr>
+          <p:cNvPr id="4" name="Fußzeilenplatzhalter 3">
+            <a:extLst>
+              <a:ext uri="{FF2B5EF4-FFF2-40B4-BE49-F238E27FC236}">
+                <a16:creationId xmlns:a16="http://schemas.microsoft.com/office/drawing/2014/main" id="{4EB0631A-ED17-4091-AB67-4D7FF760FE8B}"/>
+              </a:ext>
+            </a:extLst>
+          </p:cNvPr>
+          <p:cNvSpPr>
+            <a:spLocks noGrp="1"/>
+          </p:cNvSpPr>
+          <p:nvPr>
+            <p:ph type="ftr" sz="quarter" idx="15"/>
+          </p:nvPr>
+        </p:nvSpPr>
+        <p:spPr/>
+        <p:txBody>
+          <a:bodyPr/>
+          <a:lstStyle/>
+          <a:p>
+            <a:r>
+              <a:rPr lang="de-DE"/>
+              <a:t>Schallner Ludwig, Wiegnand Andreas</a:t>
+            </a:r>
+            <a:endParaRPr lang="de-DE" dirty="0"/>
+          </a:p>
+        </p:txBody>
+      </p:sp>
+      <p:sp>
+        <p:nvSpPr>
+          <p:cNvPr id="5" name="Foliennummernplatzhalter 4">
+            <a:extLst>
+              <a:ext uri="{FF2B5EF4-FFF2-40B4-BE49-F238E27FC236}">
+                <a16:creationId xmlns:a16="http://schemas.microsoft.com/office/drawing/2014/main" id="{706C0578-B337-493E-B4B8-D6D431BE9F3F}"/>
+              </a:ext>
+            </a:extLst>
+          </p:cNvPr>
+          <p:cNvSpPr>
+            <a:spLocks noGrp="1"/>
+          </p:cNvSpPr>
+          <p:nvPr>
+            <p:ph type="sldNum" sz="quarter" idx="16"/>
+          </p:nvPr>
+        </p:nvSpPr>
+        <p:spPr/>
+        <p:txBody>
+          <a:bodyPr/>
+          <a:lstStyle/>
+          <a:p>
+            <a:fld id="{50E76E58-F275-47A3-BB17-470016A267B6}" type="slidenum">
+              <a:rPr lang="de-DE" smtClean="0"/>
+              <a:pPr/>
+              <a:t>12</a:t>
             </a:fld>
             <a:endParaRPr lang="de-DE"/>
           </a:p>
@@ -6197,7 +6992,7 @@
 </p:sld>
 </file>
 
-<file path=ppt/slides/slide11.xml><?xml version="1.0" encoding="utf-8"?>
+<file path=ppt/slides/slide13.xml><?xml version="1.0" encoding="utf-8"?>
 <p:sld xmlns:a="http://schemas.openxmlformats.org/drawingml/2006/main" xmlns:r="http://schemas.openxmlformats.org/officeDocument/2006/relationships" xmlns:p="http://schemas.openxmlformats.org/presentationml/2006/main">
   <p:cSld>
     <p:spTree>
@@ -6268,10 +7063,9 @@
           <a:lstStyle/>
           <a:p>
             <a:r>
-              <a:rPr lang="de-DE"/>
-              <a:t>30.01.2018</a:t>
-            </a:r>
-            <a:endParaRPr lang="de-DE" dirty="0"/>
+              <a:rPr lang="de-DE" dirty="0"/>
+              <a:t>06.02.2018</a:t>
+            </a:r>
           </a:p>
         </p:txBody>
       </p:sp>
@@ -6328,7 +7122,7 @@
             <a:fld id="{50E76E58-F275-47A3-BB17-470016A267B6}" type="slidenum">
               <a:rPr lang="de-DE" smtClean="0"/>
               <a:pPr/>
-              <a:t>11</a:t>
+              <a:t>13</a:t>
             </a:fld>
             <a:endParaRPr lang="de-DE"/>
           </a:p>
@@ -6730,7 +7524,7 @@
 </p:sld>
 </file>
 
-<file path=ppt/slides/slide12.xml><?xml version="1.0" encoding="utf-8"?>
+<file path=ppt/slides/slide14.xml><?xml version="1.0" encoding="utf-8"?>
 <p:sld xmlns:a="http://schemas.openxmlformats.org/drawingml/2006/main" xmlns:r="http://schemas.openxmlformats.org/officeDocument/2006/relationships" xmlns:p="http://schemas.openxmlformats.org/presentationml/2006/main">
   <p:cSld>
     <p:spTree>
@@ -6749,18 +7543,51 @@
       </p:grpSpPr>
       <p:sp>
         <p:nvSpPr>
-          <p:cNvPr id="2" name="Textplatzhalter 1">
-            <a:extLst>
-              <a:ext uri="{FF2B5EF4-FFF2-40B4-BE49-F238E27FC236}">
-                <a16:creationId xmlns:a16="http://schemas.microsoft.com/office/drawing/2014/main" id="{B7F551F4-610E-488D-AB7B-CE0A61388660}"/>
-              </a:ext>
-            </a:extLst>
-          </p:cNvPr>
-          <p:cNvSpPr>
-            <a:spLocks noGrp="1"/>
-          </p:cNvSpPr>
-          <p:nvPr>
-            <p:ph type="body" sz="quarter" idx="13"/>
+          <p:cNvPr id="7" name="Titel 6">
+            <a:extLst>
+              <a:ext uri="{FF2B5EF4-FFF2-40B4-BE49-F238E27FC236}">
+                <a16:creationId xmlns:a16="http://schemas.microsoft.com/office/drawing/2014/main" id="{B2B07D15-4096-494A-A328-F4FC4C42FD96}"/>
+              </a:ext>
+            </a:extLst>
+          </p:cNvPr>
+          <p:cNvSpPr>
+            <a:spLocks noGrp="1"/>
+          </p:cNvSpPr>
+          <p:nvPr>
+            <p:ph type="ctrTitle"/>
+          </p:nvPr>
+        </p:nvSpPr>
+        <p:spPr>
+          <a:xfrm>
+            <a:off x="704850" y="1527175"/>
+            <a:ext cx="7704138" cy="2870200"/>
+          </a:xfrm>
+        </p:spPr>
+        <p:txBody>
+          <a:bodyPr/>
+          <a:lstStyle/>
+          <a:p>
+            <a:r>
+              <a:rPr lang="en-US" dirty="0"/>
+              <a:t>Optimal K-Anonymity</a:t>
+            </a:r>
+          </a:p>
+        </p:txBody>
+      </p:sp>
+      <p:sp>
+        <p:nvSpPr>
+          <p:cNvPr id="3" name="Datumsplatzhalter 2">
+            <a:extLst>
+              <a:ext uri="{FF2B5EF4-FFF2-40B4-BE49-F238E27FC236}">
+                <a16:creationId xmlns:a16="http://schemas.microsoft.com/office/drawing/2014/main" id="{D494A6F2-3A79-427E-B492-0AF8362994E0}"/>
+              </a:ext>
+            </a:extLst>
+          </p:cNvPr>
+          <p:cNvSpPr>
+            <a:spLocks noGrp="1"/>
+          </p:cNvSpPr>
+          <p:nvPr>
+            <p:ph type="dt" sz="half" idx="2"/>
           </p:nvPr>
         </p:nvSpPr>
         <p:spPr/>
@@ -6768,77 +7595,10 @@
           <a:bodyPr/>
           <a:lstStyle/>
           <a:p>
-            <a:endParaRPr lang="en-US" dirty="0"/>
-          </a:p>
-          <a:p>
             <a:r>
               <a:rPr lang="de-DE" dirty="0"/>
-              <a:t>Goal of K-</a:t>
-            </a:r>
-            <a:r>
-              <a:rPr lang="de-DE" dirty="0" err="1"/>
-              <a:t>Anonymity</a:t>
-            </a:r>
-            <a:r>
-              <a:rPr lang="de-DE" dirty="0"/>
-              <a:t> algorithm is to find a optimal solution</a:t>
-            </a:r>
-          </a:p>
-          <a:p>
-            <a:r>
-              <a:rPr lang="de-DE" dirty="0"/>
-              <a:t>Minimal Information loss</a:t>
-            </a:r>
-          </a:p>
-          <a:p>
-            <a:r>
-              <a:rPr lang="de-DE" dirty="0"/>
-              <a:t>Datamining</a:t>
-            </a:r>
-          </a:p>
-          <a:p>
-            <a:r>
-              <a:rPr lang="de-DE" dirty="0"/>
-              <a:t>Heuristic /Approximation/ Loss Metrics</a:t>
-            </a:r>
-          </a:p>
-          <a:p>
-            <a:r>
-              <a:rPr lang="de-DE" dirty="0"/>
-              <a:t>NP-Hard</a:t>
-            </a:r>
-          </a:p>
-          <a:p>
-            <a:endParaRPr lang="de-DE" dirty="0"/>
-          </a:p>
-        </p:txBody>
-      </p:sp>
-      <p:sp>
-        <p:nvSpPr>
-          <p:cNvPr id="3" name="Datumsplatzhalter 2">
-            <a:extLst>
-              <a:ext uri="{FF2B5EF4-FFF2-40B4-BE49-F238E27FC236}">
-                <a16:creationId xmlns:a16="http://schemas.microsoft.com/office/drawing/2014/main" id="{49D056D6-2543-4934-B1CF-0CC279797548}"/>
-              </a:ext>
-            </a:extLst>
-          </p:cNvPr>
-          <p:cNvSpPr>
-            <a:spLocks noGrp="1"/>
-          </p:cNvSpPr>
-          <p:nvPr>
-            <p:ph type="dt" sz="half" idx="14"/>
-          </p:nvPr>
-        </p:nvSpPr>
-        <p:spPr/>
-        <p:txBody>
-          <a:bodyPr/>
-          <a:lstStyle/>
-          <a:p>
-            <a:r>
-              <a:rPr lang="de-DE"/>
-              <a:t>30.01.2018</a:t>
-            </a:r>
-            <a:endParaRPr lang="de-DE" dirty="0"/>
+              <a:t>06.02.2018</a:t>
+            </a:r>
           </a:p>
         </p:txBody>
       </p:sp>
@@ -6847,18 +7607,23 @@
           <p:cNvPr id="4" name="Fußzeilenplatzhalter 3">
             <a:extLst>
               <a:ext uri="{FF2B5EF4-FFF2-40B4-BE49-F238E27FC236}">
-                <a16:creationId xmlns:a16="http://schemas.microsoft.com/office/drawing/2014/main" id="{ABEE3C34-C2C7-4728-B360-111405533D4C}"/>
-              </a:ext>
-            </a:extLst>
-          </p:cNvPr>
-          <p:cNvSpPr>
-            <a:spLocks noGrp="1"/>
-          </p:cNvSpPr>
-          <p:nvPr>
-            <p:ph type="ftr" sz="quarter" idx="15"/>
-          </p:nvPr>
-        </p:nvSpPr>
-        <p:spPr/>
+                <a16:creationId xmlns:a16="http://schemas.microsoft.com/office/drawing/2014/main" id="{09763DC7-3711-4A68-BD58-888E46287AEB}"/>
+              </a:ext>
+            </a:extLst>
+          </p:cNvPr>
+          <p:cNvSpPr>
+            <a:spLocks noGrp="1"/>
+          </p:cNvSpPr>
+          <p:nvPr>
+            <p:ph type="ftr" sz="quarter" idx="4294967295"/>
+          </p:nvPr>
+        </p:nvSpPr>
+        <p:spPr>
+          <a:xfrm>
+            <a:off x="3656013" y="6308725"/>
+            <a:ext cx="5487987" cy="288925"/>
+          </a:xfrm>
+        </p:spPr>
         <p:txBody>
           <a:bodyPr/>
           <a:lstStyle/>
@@ -6876,18 +7641,23 @@
           <p:cNvPr id="5" name="Foliennummernplatzhalter 4">
             <a:extLst>
               <a:ext uri="{FF2B5EF4-FFF2-40B4-BE49-F238E27FC236}">
-                <a16:creationId xmlns:a16="http://schemas.microsoft.com/office/drawing/2014/main" id="{6EB8AD93-9E3D-4E56-97AA-90997DA25138}"/>
-              </a:ext>
-            </a:extLst>
-          </p:cNvPr>
-          <p:cNvSpPr>
-            <a:spLocks noGrp="1"/>
-          </p:cNvSpPr>
-          <p:nvPr>
-            <p:ph type="sldNum" sz="quarter" idx="16"/>
-          </p:nvPr>
-        </p:nvSpPr>
-        <p:spPr/>
+                <a16:creationId xmlns:a16="http://schemas.microsoft.com/office/drawing/2014/main" id="{0898F6FC-B5CB-4664-9E93-A2CBC4A46FB0}"/>
+              </a:ext>
+            </a:extLst>
+          </p:cNvPr>
+          <p:cNvSpPr>
+            <a:spLocks noGrp="1"/>
+          </p:cNvSpPr>
+          <p:nvPr>
+            <p:ph type="sldNum" sz="quarter" idx="4294967295"/>
+          </p:nvPr>
+        </p:nvSpPr>
+        <p:spPr>
+          <a:xfrm>
+            <a:off x="8666163" y="6408738"/>
+            <a:ext cx="477837" cy="333375"/>
+          </a:xfrm>
+        </p:spPr>
         <p:txBody>
           <a:bodyPr/>
           <a:lstStyle/>
@@ -6895,7 +7665,191 @@
             <a:fld id="{50E76E58-F275-47A3-BB17-470016A267B6}" type="slidenum">
               <a:rPr lang="de-DE" smtClean="0"/>
               <a:pPr/>
-              <a:t>12</a:t>
+              <a:t>14</a:t>
+            </a:fld>
+            <a:endParaRPr lang="de-DE"/>
+          </a:p>
+        </p:txBody>
+      </p:sp>
+    </p:spTree>
+    <p:extLst>
+      <p:ext uri="{BB962C8B-B14F-4D97-AF65-F5344CB8AC3E}">
+        <p14:creationId xmlns:p14="http://schemas.microsoft.com/office/powerpoint/2010/main" val="3532074383"/>
+      </p:ext>
+    </p:extLst>
+  </p:cSld>
+  <p:clrMapOvr>
+    <a:masterClrMapping/>
+  </p:clrMapOvr>
+  <p:transition/>
+</p:sld>
+</file>
+
+<file path=ppt/slides/slide15.xml><?xml version="1.0" encoding="utf-8"?>
+<p:sld xmlns:a="http://schemas.openxmlformats.org/drawingml/2006/main" xmlns:r="http://schemas.openxmlformats.org/officeDocument/2006/relationships" xmlns:p="http://schemas.openxmlformats.org/presentationml/2006/main">
+  <p:cSld>
+    <p:spTree>
+      <p:nvGrpSpPr>
+        <p:cNvPr id="1" name=""/>
+        <p:cNvGrpSpPr/>
+        <p:nvPr/>
+      </p:nvGrpSpPr>
+      <p:grpSpPr>
+        <a:xfrm>
+          <a:off x="0" y="0"/>
+          <a:ext cx="0" cy="0"/>
+          <a:chOff x="0" y="0"/>
+          <a:chExt cx="0" cy="0"/>
+        </a:xfrm>
+      </p:grpSpPr>
+      <p:sp>
+        <p:nvSpPr>
+          <p:cNvPr id="2" name="Textplatzhalter 1">
+            <a:extLst>
+              <a:ext uri="{FF2B5EF4-FFF2-40B4-BE49-F238E27FC236}">
+                <a16:creationId xmlns:a16="http://schemas.microsoft.com/office/drawing/2014/main" id="{B7F551F4-610E-488D-AB7B-CE0A61388660}"/>
+              </a:ext>
+            </a:extLst>
+          </p:cNvPr>
+          <p:cNvSpPr>
+            <a:spLocks noGrp="1"/>
+          </p:cNvSpPr>
+          <p:nvPr>
+            <p:ph type="body" sz="quarter" idx="13"/>
+          </p:nvPr>
+        </p:nvSpPr>
+        <p:spPr/>
+        <p:txBody>
+          <a:bodyPr/>
+          <a:lstStyle/>
+          <a:p>
+            <a:endParaRPr lang="en-US" dirty="0"/>
+          </a:p>
+          <a:p>
+            <a:r>
+              <a:rPr lang="de-DE" dirty="0"/>
+              <a:t>Goal of K-</a:t>
+            </a:r>
+            <a:r>
+              <a:rPr lang="de-DE" dirty="0" err="1"/>
+              <a:t>Anonymity</a:t>
+            </a:r>
+            <a:r>
+              <a:rPr lang="de-DE" dirty="0"/>
+              <a:t> algorithm is to find a optimal solution</a:t>
+            </a:r>
+          </a:p>
+          <a:p>
+            <a:r>
+              <a:rPr lang="de-DE" dirty="0"/>
+              <a:t>Minimal Information loss</a:t>
+            </a:r>
+          </a:p>
+          <a:p>
+            <a:r>
+              <a:rPr lang="de-DE" dirty="0"/>
+              <a:t>Datamining</a:t>
+            </a:r>
+          </a:p>
+          <a:p>
+            <a:r>
+              <a:rPr lang="de-DE" dirty="0"/>
+              <a:t>Heuristic /Approximation/ Loss Metrics</a:t>
+            </a:r>
+          </a:p>
+          <a:p>
+            <a:r>
+              <a:rPr lang="de-DE" dirty="0"/>
+              <a:t>NP-Hard</a:t>
+            </a:r>
+          </a:p>
+          <a:p>
+            <a:endParaRPr lang="de-DE" dirty="0"/>
+          </a:p>
+        </p:txBody>
+      </p:sp>
+      <p:sp>
+        <p:nvSpPr>
+          <p:cNvPr id="3" name="Datumsplatzhalter 2">
+            <a:extLst>
+              <a:ext uri="{FF2B5EF4-FFF2-40B4-BE49-F238E27FC236}">
+                <a16:creationId xmlns:a16="http://schemas.microsoft.com/office/drawing/2014/main" id="{49D056D6-2543-4934-B1CF-0CC279797548}"/>
+              </a:ext>
+            </a:extLst>
+          </p:cNvPr>
+          <p:cNvSpPr>
+            <a:spLocks noGrp="1"/>
+          </p:cNvSpPr>
+          <p:nvPr>
+            <p:ph type="dt" sz="half" idx="14"/>
+          </p:nvPr>
+        </p:nvSpPr>
+        <p:spPr/>
+        <p:txBody>
+          <a:bodyPr/>
+          <a:lstStyle/>
+          <a:p>
+            <a:r>
+              <a:rPr lang="de-DE" dirty="0"/>
+              <a:t>06.02.2018</a:t>
+            </a:r>
+          </a:p>
+        </p:txBody>
+      </p:sp>
+      <p:sp>
+        <p:nvSpPr>
+          <p:cNvPr id="4" name="Fußzeilenplatzhalter 3">
+            <a:extLst>
+              <a:ext uri="{FF2B5EF4-FFF2-40B4-BE49-F238E27FC236}">
+                <a16:creationId xmlns:a16="http://schemas.microsoft.com/office/drawing/2014/main" id="{ABEE3C34-C2C7-4728-B360-111405533D4C}"/>
+              </a:ext>
+            </a:extLst>
+          </p:cNvPr>
+          <p:cNvSpPr>
+            <a:spLocks noGrp="1"/>
+          </p:cNvSpPr>
+          <p:nvPr>
+            <p:ph type="ftr" sz="quarter" idx="15"/>
+          </p:nvPr>
+        </p:nvSpPr>
+        <p:spPr/>
+        <p:txBody>
+          <a:bodyPr/>
+          <a:lstStyle/>
+          <a:p>
+            <a:r>
+              <a:rPr lang="de-DE"/>
+              <a:t>Schallner Ludwig, Wiegnand Andreas</a:t>
+            </a:r>
+            <a:endParaRPr lang="de-DE" dirty="0"/>
+          </a:p>
+        </p:txBody>
+      </p:sp>
+      <p:sp>
+        <p:nvSpPr>
+          <p:cNvPr id="5" name="Foliennummernplatzhalter 4">
+            <a:extLst>
+              <a:ext uri="{FF2B5EF4-FFF2-40B4-BE49-F238E27FC236}">
+                <a16:creationId xmlns:a16="http://schemas.microsoft.com/office/drawing/2014/main" id="{6EB8AD93-9E3D-4E56-97AA-90997DA25138}"/>
+              </a:ext>
+            </a:extLst>
+          </p:cNvPr>
+          <p:cNvSpPr>
+            <a:spLocks noGrp="1"/>
+          </p:cNvSpPr>
+          <p:nvPr>
+            <p:ph type="sldNum" sz="quarter" idx="16"/>
+          </p:nvPr>
+        </p:nvSpPr>
+        <p:spPr/>
+        <p:txBody>
+          <a:bodyPr/>
+          <a:lstStyle/>
+          <a:p>
+            <a:fld id="{50E76E58-F275-47A3-BB17-470016A267B6}" type="slidenum">
+              <a:rPr lang="de-DE" smtClean="0"/>
+              <a:pPr/>
+              <a:t>15</a:t>
             </a:fld>
             <a:endParaRPr lang="de-DE"/>
           </a:p>
@@ -7019,7 +7973,7 @@
 </p:sld>
 </file>
 
-<file path=ppt/slides/slide13.xml><?xml version="1.0" encoding="utf-8"?>
+<file path=ppt/slides/slide16.xml><?xml version="1.0" encoding="utf-8"?>
 <p:sld xmlns:a="http://schemas.openxmlformats.org/drawingml/2006/main" xmlns:r="http://schemas.openxmlformats.org/officeDocument/2006/relationships" xmlns:p="http://schemas.openxmlformats.org/presentationml/2006/main">
   <p:cSld>
     <p:spTree>
@@ -7159,10 +8113,9 @@
           <a:lstStyle/>
           <a:p>
             <a:r>
-              <a:rPr lang="de-DE"/>
-              <a:t>30.01.2018</a:t>
-            </a:r>
-            <a:endParaRPr lang="de-DE" dirty="0"/>
+              <a:rPr lang="de-DE" dirty="0"/>
+              <a:t>06.02.2018</a:t>
+            </a:r>
           </a:p>
         </p:txBody>
       </p:sp>
@@ -7219,7 +8172,7 @@
             <a:fld id="{50E76E58-F275-47A3-BB17-470016A267B6}" type="slidenum">
               <a:rPr lang="de-DE" smtClean="0"/>
               <a:pPr/>
-              <a:t>13</a:t>
+              <a:t>16</a:t>
             </a:fld>
             <a:endParaRPr lang="de-DE"/>
           </a:p>
@@ -7336,7 +8289,7 @@
 </p:sld>
 </file>
 
-<file path=ppt/slides/slide14.xml><?xml version="1.0" encoding="utf-8"?>
+<file path=ppt/slides/slide17.xml><?xml version="1.0" encoding="utf-8"?>
 <p:sld xmlns:a="http://schemas.openxmlformats.org/drawingml/2006/main" xmlns:r="http://schemas.openxmlformats.org/officeDocument/2006/relationships" xmlns:p="http://schemas.openxmlformats.org/presentationml/2006/main">
   <p:cSld>
     <p:spTree>
@@ -7405,10 +8358,9 @@
           <a:lstStyle/>
           <a:p>
             <a:r>
-              <a:rPr lang="de-DE"/>
-              <a:t>30.01.2018</a:t>
-            </a:r>
-            <a:endParaRPr lang="de-DE" dirty="0"/>
+              <a:rPr lang="de-DE" dirty="0"/>
+              <a:t>06.02.2018</a:t>
+            </a:r>
           </a:p>
         </p:txBody>
       </p:sp>
@@ -7465,7 +8417,7 @@
             <a:fld id="{50E76E58-F275-47A3-BB17-470016A267B6}" type="slidenum">
               <a:rPr lang="de-DE" smtClean="0"/>
               <a:pPr/>
-              <a:t>14</a:t>
+              <a:t>17</a:t>
             </a:fld>
             <a:endParaRPr lang="de-DE"/>
           </a:p>
@@ -7605,7 +8557,7 @@
 </p:sld>
 </file>
 
-<file path=ppt/slides/slide15.xml><?xml version="1.0" encoding="utf-8"?>
+<file path=ppt/slides/slide18.xml><?xml version="1.0" encoding="utf-8"?>
 <p:sld xmlns:a="http://schemas.openxmlformats.org/drawingml/2006/main" xmlns:r="http://schemas.openxmlformats.org/officeDocument/2006/relationships" xmlns:p="http://schemas.openxmlformats.org/presentationml/2006/main">
   <p:cSld>
     <p:spTree>
@@ -7712,10 +8664,9 @@
           <a:lstStyle/>
           <a:p>
             <a:r>
-              <a:rPr lang="de-DE"/>
-              <a:t>30.01.2018</a:t>
-            </a:r>
-            <a:endParaRPr lang="de-DE" dirty="0"/>
+              <a:rPr lang="de-DE" dirty="0"/>
+              <a:t>06.02.2018</a:t>
+            </a:r>
           </a:p>
         </p:txBody>
       </p:sp>
@@ -7772,7 +8723,7 @@
             <a:fld id="{50E76E58-F275-47A3-BB17-470016A267B6}" type="slidenum">
               <a:rPr lang="de-DE" smtClean="0"/>
               <a:pPr/>
-              <a:t>15</a:t>
+              <a:t>18</a:t>
             </a:fld>
             <a:endParaRPr lang="de-DE"/>
           </a:p>
@@ -7944,7 +8895,7 @@
 </p:sld>
 </file>
 
-<file path=ppt/slides/slide16.xml><?xml version="1.0" encoding="utf-8"?>
+<file path=ppt/slides/slide19.xml><?xml version="1.0" encoding="utf-8"?>
 <p:sld xmlns:a="http://schemas.openxmlformats.org/drawingml/2006/main" xmlns:r="http://schemas.openxmlformats.org/officeDocument/2006/relationships" xmlns:p="http://schemas.openxmlformats.org/presentationml/2006/main">
   <p:cSld>
     <p:spTree>
@@ -8013,10 +8964,9 @@
           <a:lstStyle/>
           <a:p>
             <a:r>
-              <a:rPr lang="de-DE"/>
-              <a:t>30.01.2018</a:t>
-            </a:r>
-            <a:endParaRPr lang="de-DE" dirty="0"/>
+              <a:rPr lang="de-DE" dirty="0"/>
+              <a:t>06.02.2018</a:t>
+            </a:r>
           </a:p>
         </p:txBody>
       </p:sp>
@@ -8073,7 +9023,7 @@
             <a:fld id="{50E76E58-F275-47A3-BB17-470016A267B6}" type="slidenum">
               <a:rPr lang="de-DE" smtClean="0"/>
               <a:pPr/>
-              <a:t>16</a:t>
+              <a:t>19</a:t>
             </a:fld>
             <a:endParaRPr lang="de-DE"/>
           </a:p>
@@ -8178,7 +9128,7 @@
 </p:sld>
 </file>
 
-<file path=ppt/slides/slide17.xml><?xml version="1.0" encoding="utf-8"?>
+<file path=ppt/slides/slide2.xml><?xml version="1.0" encoding="utf-8"?>
 <p:sld xmlns:a="http://schemas.openxmlformats.org/drawingml/2006/main" xmlns:r="http://schemas.openxmlformats.org/officeDocument/2006/relationships" xmlns:p="http://schemas.openxmlformats.org/presentationml/2006/main">
   <p:cSld>
     <p:spTree>
@@ -8197,13 +9147,7 @@
       </p:grpSpPr>
       <p:sp>
         <p:nvSpPr>
-          <p:cNvPr id="2" name="Textplatzhalter 1">
-            <a:extLst>
-              <a:ext uri="{FF2B5EF4-FFF2-40B4-BE49-F238E27FC236}">
-                <a16:creationId xmlns:a16="http://schemas.microsoft.com/office/drawing/2014/main" id="{9E03DEC0-5061-441C-8DF0-3B237B07CBC7}"/>
-              </a:ext>
-            </a:extLst>
-          </p:cNvPr>
+          <p:cNvPr id="5" name="Textplatzhalter 4"/>
           <p:cNvSpPr>
             <a:spLocks noGrp="1"/>
           </p:cNvSpPr>
@@ -8216,35 +9160,87 @@
           <a:bodyPr/>
           <a:lstStyle/>
           <a:p>
-            <a:r>
-              <a:rPr lang="en-US" sz="1600" dirty="0"/>
-              <a:t>For each generalization strategy, conduct a binary search to find all the k-anonymous nodes.</a:t>
-            </a:r>
-          </a:p>
-          <a:p>
-            <a:r>
-              <a:rPr lang="en-US" sz="1600" dirty="0"/>
-              <a:t>For each generalization strategy with k-anonymous nodes, only the k-anonymous node with the lowest height within the strategy is retained. </a:t>
-            </a:r>
-          </a:p>
-          <a:p>
-            <a:r>
-              <a:rPr lang="en-US" sz="1600" dirty="0"/>
-              <a:t>Now that we have the k-minimal nodes, these are compared n terms of their information loss and the node with the smallest information loss is selected as the globally optimal solution. </a:t>
-            </a:r>
-            <a:endParaRPr lang="de-DE" sz="1600" dirty="0"/>
-          </a:p>
-        </p:txBody>
-      </p:sp>
-      <p:sp>
-        <p:nvSpPr>
-          <p:cNvPr id="3" name="Datumsplatzhalter 2">
-            <a:extLst>
-              <a:ext uri="{FF2B5EF4-FFF2-40B4-BE49-F238E27FC236}">
-                <a16:creationId xmlns:a16="http://schemas.microsoft.com/office/drawing/2014/main" id="{20F69655-C41F-4F52-850B-8FF301499162}"/>
-              </a:ext>
-            </a:extLst>
-          </p:cNvPr>
+            <a:pPr marL="457200" indent="-457200">
+              <a:buFont typeface="+mj-lt"/>
+              <a:buAutoNum type="arabicPeriod"/>
+            </a:pPr>
+            <a:r>
+              <a:rPr lang="en-US" sz="2800" dirty="0"/>
+              <a:t>Basics</a:t>
+            </a:r>
+          </a:p>
+          <a:p>
+            <a:pPr marL="457200" indent="-457200">
+              <a:buFont typeface="+mj-lt"/>
+              <a:buAutoNum type="arabicPeriod"/>
+            </a:pPr>
+            <a:r>
+              <a:rPr lang="en-US" sz="2800" dirty="0"/>
+              <a:t>K-Anonymity</a:t>
+            </a:r>
+          </a:p>
+          <a:p>
+            <a:pPr marL="457200" indent="-457200">
+              <a:buFont typeface="+mj-lt"/>
+              <a:buAutoNum type="arabicPeriod"/>
+            </a:pPr>
+            <a:r>
+              <a:rPr lang="en-US" sz="2800" dirty="0"/>
+              <a:t>Attacks as Barriers</a:t>
+            </a:r>
+          </a:p>
+          <a:p>
+            <a:pPr marL="457200" indent="-457200">
+              <a:buFont typeface="+mj-lt"/>
+              <a:buAutoNum type="arabicPeriod"/>
+            </a:pPr>
+            <a:r>
+              <a:rPr lang="en-US" sz="2800" dirty="0"/>
+              <a:t>Optimal K-Anonymity</a:t>
+            </a:r>
+          </a:p>
+          <a:p>
+            <a:pPr marL="457200" indent="-457200">
+              <a:buFont typeface="+mj-lt"/>
+              <a:buAutoNum type="arabicPeriod"/>
+            </a:pPr>
+            <a:r>
+              <a:rPr lang="en-US" sz="2800" dirty="0"/>
+              <a:t>The OLA - Algorithm</a:t>
+            </a:r>
+          </a:p>
+          <a:p>
+            <a:pPr marL="457200" indent="-457200">
+              <a:buFont typeface="+mj-lt"/>
+              <a:buAutoNum type="arabicPeriod"/>
+            </a:pPr>
+            <a:r>
+              <a:rPr lang="en-US" sz="2800" dirty="0"/>
+              <a:t>Important Datatypes</a:t>
+            </a:r>
+          </a:p>
+          <a:p>
+            <a:pPr marL="457200" indent="-457200">
+              <a:buFont typeface="+mj-lt"/>
+              <a:buAutoNum type="arabicPeriod"/>
+            </a:pPr>
+            <a:r>
+              <a:rPr lang="en-US" sz="2800" dirty="0"/>
+              <a:t>Summary</a:t>
+            </a:r>
+            <a:endParaRPr lang="en-US" dirty="0"/>
+          </a:p>
+          <a:p>
+            <a:pPr marL="0" indent="0">
+              <a:buNone/>
+            </a:pPr>
+            <a:endParaRPr lang="en-US" dirty="0"/>
+          </a:p>
+        </p:txBody>
+      </p:sp>
+      <p:sp>
+        <p:nvSpPr>
+          <p:cNvPr id="3" name="Datumsplatzhalter 2"/>
           <p:cNvSpPr>
             <a:spLocks noGrp="1"/>
           </p:cNvSpPr>
@@ -8258,22 +9254,15 @@
           <a:lstStyle/>
           <a:p>
             <a:r>
-              <a:rPr lang="de-DE"/>
-              <a:t>30.01.2018</a:t>
-            </a:r>
-            <a:endParaRPr lang="de-DE" dirty="0"/>
-          </a:p>
-        </p:txBody>
-      </p:sp>
-      <p:sp>
-        <p:nvSpPr>
-          <p:cNvPr id="4" name="Fußzeilenplatzhalter 3">
-            <a:extLst>
-              <a:ext uri="{FF2B5EF4-FFF2-40B4-BE49-F238E27FC236}">
-                <a16:creationId xmlns:a16="http://schemas.microsoft.com/office/drawing/2014/main" id="{E318F325-191B-4FA6-BB68-C4AE2C79A1B0}"/>
-              </a:ext>
-            </a:extLst>
-          </p:cNvPr>
+              <a:rPr lang="de-DE" dirty="0"/>
+              <a:t>06.02.2018</a:t>
+            </a:r>
+          </a:p>
+        </p:txBody>
+      </p:sp>
+      <p:sp>
+        <p:nvSpPr>
+          <p:cNvPr id="4" name="Fußzeilenplatzhalter 3"/>
           <p:cNvSpPr>
             <a:spLocks noGrp="1"/>
           </p:cNvSpPr>
@@ -8287,22 +9276,23 @@
           <a:lstStyle/>
           <a:p>
             <a:r>
-              <a:rPr lang="de-DE"/>
-              <a:t>Schallner Ludwig, Wiegnand Andreas</a:t>
-            </a:r>
-            <a:endParaRPr lang="de-DE" dirty="0"/>
-          </a:p>
-        </p:txBody>
-      </p:sp>
-      <p:sp>
-        <p:nvSpPr>
-          <p:cNvPr id="5" name="Foliennummernplatzhalter 4">
-            <a:extLst>
-              <a:ext uri="{FF2B5EF4-FFF2-40B4-BE49-F238E27FC236}">
-                <a16:creationId xmlns:a16="http://schemas.microsoft.com/office/drawing/2014/main" id="{52F8785A-79E1-4080-B4F8-22842F4A41C1}"/>
-              </a:ext>
-            </a:extLst>
-          </p:cNvPr>
+              <a:rPr lang="de-DE" dirty="0"/>
+              <a:t>Schallner Ludwig, </a:t>
+            </a:r>
+            <a:r>
+              <a:rPr lang="de-DE" dirty="0" err="1"/>
+              <a:t>Wiegnand</a:t>
+            </a:r>
+            <a:r>
+              <a:rPr lang="de-DE" dirty="0"/>
+              <a:t> Andreas</a:t>
+            </a:r>
+          </a:p>
+        </p:txBody>
+      </p:sp>
+      <p:sp>
+        <p:nvSpPr>
+          <p:cNvPr id="6" name="Foliennummernplatzhalter 5"/>
           <p:cNvSpPr>
             <a:spLocks noGrp="1"/>
           </p:cNvSpPr>
@@ -8318,7 +9308,353 @@
             <a:fld id="{50E76E58-F275-47A3-BB17-470016A267B6}" type="slidenum">
               <a:rPr lang="de-DE" smtClean="0"/>
               <a:pPr/>
-              <a:t>17</a:t>
+              <a:t>2</a:t>
+            </a:fld>
+            <a:endParaRPr lang="de-DE" dirty="0"/>
+          </a:p>
+        </p:txBody>
+      </p:sp>
+      <p:sp>
+        <p:nvSpPr>
+          <p:cNvPr id="2" name="Titel 1"/>
+          <p:cNvSpPr>
+            <a:spLocks noGrp="1"/>
+          </p:cNvSpPr>
+          <p:nvPr>
+            <p:ph type="title"/>
+          </p:nvPr>
+        </p:nvSpPr>
+        <p:spPr/>
+        <p:txBody>
+          <a:bodyPr/>
+          <a:lstStyle/>
+          <a:p>
+            <a:r>
+              <a:rPr lang="de-DE" dirty="0"/>
+              <a:t>Outline</a:t>
+            </a:r>
+          </a:p>
+        </p:txBody>
+      </p:sp>
+    </p:spTree>
+    <p:extLst>
+      <p:ext uri="{BB962C8B-B14F-4D97-AF65-F5344CB8AC3E}">
+        <p14:creationId xmlns:p14="http://schemas.microsoft.com/office/powerpoint/2010/main" val="760479499"/>
+      </p:ext>
+    </p:extLst>
+  </p:cSld>
+  <p:clrMapOvr>
+    <a:masterClrMapping/>
+  </p:clrMapOvr>
+</p:sld>
+</file>
+
+<file path=ppt/slides/slide20.xml><?xml version="1.0" encoding="utf-8"?>
+<p:sld xmlns:a="http://schemas.openxmlformats.org/drawingml/2006/main" xmlns:r="http://schemas.openxmlformats.org/officeDocument/2006/relationships" xmlns:p="http://schemas.openxmlformats.org/presentationml/2006/main">
+  <p:cSld>
+    <p:spTree>
+      <p:nvGrpSpPr>
+        <p:cNvPr id="1" name=""/>
+        <p:cNvGrpSpPr/>
+        <p:nvPr/>
+      </p:nvGrpSpPr>
+      <p:grpSpPr>
+        <a:xfrm>
+          <a:off x="0" y="0"/>
+          <a:ext cx="0" cy="0"/>
+          <a:chOff x="0" y="0"/>
+          <a:chExt cx="0" cy="0"/>
+        </a:xfrm>
+      </p:grpSpPr>
+      <p:sp>
+        <p:nvSpPr>
+          <p:cNvPr id="7" name="Titel 6">
+            <a:extLst>
+              <a:ext uri="{FF2B5EF4-FFF2-40B4-BE49-F238E27FC236}">
+                <a16:creationId xmlns:a16="http://schemas.microsoft.com/office/drawing/2014/main" id="{F7FDCCA7-5998-4985-8333-DA555ACD892C}"/>
+              </a:ext>
+            </a:extLst>
+          </p:cNvPr>
+          <p:cNvSpPr>
+            <a:spLocks noGrp="1"/>
+          </p:cNvSpPr>
+          <p:nvPr>
+            <p:ph type="ctrTitle"/>
+          </p:nvPr>
+        </p:nvSpPr>
+        <p:spPr>
+          <a:xfrm>
+            <a:off x="704850" y="1527175"/>
+            <a:ext cx="7704138" cy="2870200"/>
+          </a:xfrm>
+        </p:spPr>
+        <p:txBody>
+          <a:bodyPr/>
+          <a:lstStyle/>
+          <a:p>
+            <a:r>
+              <a:rPr lang="en-US" dirty="0"/>
+              <a:t>OLA - </a:t>
+            </a:r>
+            <a:r>
+              <a:rPr lang="en-US" dirty="0" err="1"/>
+              <a:t>Algorithmen</a:t>
+            </a:r>
+            <a:endParaRPr lang="en-US" dirty="0"/>
+          </a:p>
+        </p:txBody>
+      </p:sp>
+      <p:sp>
+        <p:nvSpPr>
+          <p:cNvPr id="3" name="Datumsplatzhalter 2">
+            <a:extLst>
+              <a:ext uri="{FF2B5EF4-FFF2-40B4-BE49-F238E27FC236}">
+                <a16:creationId xmlns:a16="http://schemas.microsoft.com/office/drawing/2014/main" id="{68E0F862-1C8E-44EE-9EDE-042B597E7224}"/>
+              </a:ext>
+            </a:extLst>
+          </p:cNvPr>
+          <p:cNvSpPr>
+            <a:spLocks noGrp="1"/>
+          </p:cNvSpPr>
+          <p:nvPr>
+            <p:ph type="dt" sz="half" idx="2"/>
+          </p:nvPr>
+        </p:nvSpPr>
+        <p:spPr/>
+        <p:txBody>
+          <a:bodyPr/>
+          <a:lstStyle/>
+          <a:p>
+            <a:r>
+              <a:rPr lang="de-DE" dirty="0"/>
+              <a:t>06.02.2018</a:t>
+            </a:r>
+          </a:p>
+        </p:txBody>
+      </p:sp>
+      <p:sp>
+        <p:nvSpPr>
+          <p:cNvPr id="4" name="Fußzeilenplatzhalter 3">
+            <a:extLst>
+              <a:ext uri="{FF2B5EF4-FFF2-40B4-BE49-F238E27FC236}">
+                <a16:creationId xmlns:a16="http://schemas.microsoft.com/office/drawing/2014/main" id="{77AAFF70-D2F9-4D76-809B-88E75C91683F}"/>
+              </a:ext>
+            </a:extLst>
+          </p:cNvPr>
+          <p:cNvSpPr>
+            <a:spLocks noGrp="1"/>
+          </p:cNvSpPr>
+          <p:nvPr>
+            <p:ph type="ftr" sz="quarter" idx="4294967295"/>
+          </p:nvPr>
+        </p:nvSpPr>
+        <p:spPr>
+          <a:xfrm>
+            <a:off x="3656013" y="6308725"/>
+            <a:ext cx="5487987" cy="288925"/>
+          </a:xfrm>
+        </p:spPr>
+        <p:txBody>
+          <a:bodyPr/>
+          <a:lstStyle/>
+          <a:p>
+            <a:r>
+              <a:rPr lang="de-DE"/>
+              <a:t>Schallner Ludwig, Wiegnand Andreas</a:t>
+            </a:r>
+            <a:endParaRPr lang="de-DE" dirty="0"/>
+          </a:p>
+        </p:txBody>
+      </p:sp>
+      <p:sp>
+        <p:nvSpPr>
+          <p:cNvPr id="5" name="Foliennummernplatzhalter 4">
+            <a:extLst>
+              <a:ext uri="{FF2B5EF4-FFF2-40B4-BE49-F238E27FC236}">
+                <a16:creationId xmlns:a16="http://schemas.microsoft.com/office/drawing/2014/main" id="{5C51FAAE-58C4-4704-B0A8-77C70220F23C}"/>
+              </a:ext>
+            </a:extLst>
+          </p:cNvPr>
+          <p:cNvSpPr>
+            <a:spLocks noGrp="1"/>
+          </p:cNvSpPr>
+          <p:nvPr>
+            <p:ph type="sldNum" sz="quarter" idx="4294967295"/>
+          </p:nvPr>
+        </p:nvSpPr>
+        <p:spPr>
+          <a:xfrm>
+            <a:off x="8666163" y="6408738"/>
+            <a:ext cx="477837" cy="333375"/>
+          </a:xfrm>
+        </p:spPr>
+        <p:txBody>
+          <a:bodyPr/>
+          <a:lstStyle/>
+          <a:p>
+            <a:fld id="{50E76E58-F275-47A3-BB17-470016A267B6}" type="slidenum">
+              <a:rPr lang="de-DE" smtClean="0"/>
+              <a:pPr/>
+              <a:t>20</a:t>
+            </a:fld>
+            <a:endParaRPr lang="de-DE"/>
+          </a:p>
+        </p:txBody>
+      </p:sp>
+    </p:spTree>
+    <p:extLst>
+      <p:ext uri="{BB962C8B-B14F-4D97-AF65-F5344CB8AC3E}">
+        <p14:creationId xmlns:p14="http://schemas.microsoft.com/office/powerpoint/2010/main" val="2314248126"/>
+      </p:ext>
+    </p:extLst>
+  </p:cSld>
+  <p:clrMapOvr>
+    <a:masterClrMapping/>
+  </p:clrMapOvr>
+  <p:transition/>
+</p:sld>
+</file>
+
+<file path=ppt/slides/slide21.xml><?xml version="1.0" encoding="utf-8"?>
+<p:sld xmlns:a="http://schemas.openxmlformats.org/drawingml/2006/main" xmlns:r="http://schemas.openxmlformats.org/officeDocument/2006/relationships" xmlns:p="http://schemas.openxmlformats.org/presentationml/2006/main">
+  <p:cSld>
+    <p:spTree>
+      <p:nvGrpSpPr>
+        <p:cNvPr id="1" name=""/>
+        <p:cNvGrpSpPr/>
+        <p:nvPr/>
+      </p:nvGrpSpPr>
+      <p:grpSpPr>
+        <a:xfrm>
+          <a:off x="0" y="0"/>
+          <a:ext cx="0" cy="0"/>
+          <a:chOff x="0" y="0"/>
+          <a:chExt cx="0" cy="0"/>
+        </a:xfrm>
+      </p:grpSpPr>
+      <p:sp>
+        <p:nvSpPr>
+          <p:cNvPr id="2" name="Textplatzhalter 1">
+            <a:extLst>
+              <a:ext uri="{FF2B5EF4-FFF2-40B4-BE49-F238E27FC236}">
+                <a16:creationId xmlns:a16="http://schemas.microsoft.com/office/drawing/2014/main" id="{9E03DEC0-5061-441C-8DF0-3B237B07CBC7}"/>
+              </a:ext>
+            </a:extLst>
+          </p:cNvPr>
+          <p:cNvSpPr>
+            <a:spLocks noGrp="1"/>
+          </p:cNvSpPr>
+          <p:nvPr>
+            <p:ph type="body" sz="quarter" idx="13"/>
+          </p:nvPr>
+        </p:nvSpPr>
+        <p:spPr/>
+        <p:txBody>
+          <a:bodyPr/>
+          <a:lstStyle/>
+          <a:p>
+            <a:r>
+              <a:rPr lang="en-US" sz="1600" dirty="0"/>
+              <a:t>For each generalization strategy, conduct a binary search to find all the k-anonymous nodes.</a:t>
+            </a:r>
+          </a:p>
+          <a:p>
+            <a:r>
+              <a:rPr lang="en-US" sz="1600" dirty="0"/>
+              <a:t>For each generalization strategy with k-anonymous nodes, only the k-anonymous node with the lowest height within the strategy is retained. </a:t>
+            </a:r>
+          </a:p>
+          <a:p>
+            <a:r>
+              <a:rPr lang="en-US" sz="1600" dirty="0"/>
+              <a:t>Now that we have the k-minimal nodes, these are compared n terms of their information loss and the node with the smallest information loss is selected as the globally optimal solution. </a:t>
+            </a:r>
+            <a:endParaRPr lang="de-DE" sz="1600" dirty="0"/>
+          </a:p>
+        </p:txBody>
+      </p:sp>
+      <p:sp>
+        <p:nvSpPr>
+          <p:cNvPr id="3" name="Datumsplatzhalter 2">
+            <a:extLst>
+              <a:ext uri="{FF2B5EF4-FFF2-40B4-BE49-F238E27FC236}">
+                <a16:creationId xmlns:a16="http://schemas.microsoft.com/office/drawing/2014/main" id="{20F69655-C41F-4F52-850B-8FF301499162}"/>
+              </a:ext>
+            </a:extLst>
+          </p:cNvPr>
+          <p:cNvSpPr>
+            <a:spLocks noGrp="1"/>
+          </p:cNvSpPr>
+          <p:nvPr>
+            <p:ph type="dt" sz="half" idx="14"/>
+          </p:nvPr>
+        </p:nvSpPr>
+        <p:spPr/>
+        <p:txBody>
+          <a:bodyPr/>
+          <a:lstStyle/>
+          <a:p>
+            <a:r>
+              <a:rPr lang="de-DE" dirty="0"/>
+              <a:t>06.02.2018</a:t>
+            </a:r>
+          </a:p>
+        </p:txBody>
+      </p:sp>
+      <p:sp>
+        <p:nvSpPr>
+          <p:cNvPr id="4" name="Fußzeilenplatzhalter 3">
+            <a:extLst>
+              <a:ext uri="{FF2B5EF4-FFF2-40B4-BE49-F238E27FC236}">
+                <a16:creationId xmlns:a16="http://schemas.microsoft.com/office/drawing/2014/main" id="{E318F325-191B-4FA6-BB68-C4AE2C79A1B0}"/>
+              </a:ext>
+            </a:extLst>
+          </p:cNvPr>
+          <p:cNvSpPr>
+            <a:spLocks noGrp="1"/>
+          </p:cNvSpPr>
+          <p:nvPr>
+            <p:ph type="ftr" sz="quarter" idx="15"/>
+          </p:nvPr>
+        </p:nvSpPr>
+        <p:spPr/>
+        <p:txBody>
+          <a:bodyPr/>
+          <a:lstStyle/>
+          <a:p>
+            <a:r>
+              <a:rPr lang="de-DE"/>
+              <a:t>Schallner Ludwig, Wiegnand Andreas</a:t>
+            </a:r>
+            <a:endParaRPr lang="de-DE" dirty="0"/>
+          </a:p>
+        </p:txBody>
+      </p:sp>
+      <p:sp>
+        <p:nvSpPr>
+          <p:cNvPr id="5" name="Foliennummernplatzhalter 4">
+            <a:extLst>
+              <a:ext uri="{FF2B5EF4-FFF2-40B4-BE49-F238E27FC236}">
+                <a16:creationId xmlns:a16="http://schemas.microsoft.com/office/drawing/2014/main" id="{52F8785A-79E1-4080-B4F8-22842F4A41C1}"/>
+              </a:ext>
+            </a:extLst>
+          </p:cNvPr>
+          <p:cNvSpPr>
+            <a:spLocks noGrp="1"/>
+          </p:cNvSpPr>
+          <p:nvPr>
+            <p:ph type="sldNum" sz="quarter" idx="16"/>
+          </p:nvPr>
+        </p:nvSpPr>
+        <p:spPr/>
+        <p:txBody>
+          <a:bodyPr/>
+          <a:lstStyle/>
+          <a:p>
+            <a:fld id="{50E76E58-F275-47A3-BB17-470016A267B6}" type="slidenum">
+              <a:rPr lang="de-DE" smtClean="0"/>
+              <a:pPr/>
+              <a:t>21</a:t>
             </a:fld>
             <a:endParaRPr lang="de-DE"/>
           </a:p>
@@ -8456,7 +9792,7 @@
 </p:sld>
 </file>
 
-<file path=ppt/slides/slide18.xml><?xml version="1.0" encoding="utf-8"?>
+<file path=ppt/slides/slide22.xml><?xml version="1.0" encoding="utf-8"?>
 <p:sld xmlns:a="http://schemas.openxmlformats.org/drawingml/2006/main" xmlns:r="http://schemas.openxmlformats.org/officeDocument/2006/relationships" xmlns:p="http://schemas.openxmlformats.org/presentationml/2006/main">
   <p:cSld>
     <p:spTree>
@@ -8475,6 +9811,167 @@
       </p:grpSpPr>
       <p:sp>
         <p:nvSpPr>
+          <p:cNvPr id="7" name="Titel 6">
+            <a:extLst>
+              <a:ext uri="{FF2B5EF4-FFF2-40B4-BE49-F238E27FC236}">
+                <a16:creationId xmlns:a16="http://schemas.microsoft.com/office/drawing/2014/main" id="{5B988334-6799-4BED-8C1D-A3025BA38605}"/>
+              </a:ext>
+            </a:extLst>
+          </p:cNvPr>
+          <p:cNvSpPr>
+            <a:spLocks noGrp="1"/>
+          </p:cNvSpPr>
+          <p:nvPr>
+            <p:ph type="ctrTitle"/>
+          </p:nvPr>
+        </p:nvSpPr>
+        <p:spPr>
+          <a:xfrm>
+            <a:off x="704850" y="1527175"/>
+            <a:ext cx="7704138" cy="2870200"/>
+          </a:xfrm>
+        </p:spPr>
+        <p:txBody>
+          <a:bodyPr/>
+          <a:lstStyle/>
+          <a:p>
+            <a:r>
+              <a:rPr lang="en-US" dirty="0"/>
+              <a:t>Datatype - Moving Object Data</a:t>
+            </a:r>
+          </a:p>
+        </p:txBody>
+      </p:sp>
+      <p:sp>
+        <p:nvSpPr>
+          <p:cNvPr id="3" name="Datumsplatzhalter 2">
+            <a:extLst>
+              <a:ext uri="{FF2B5EF4-FFF2-40B4-BE49-F238E27FC236}">
+                <a16:creationId xmlns:a16="http://schemas.microsoft.com/office/drawing/2014/main" id="{3FC4CD3A-99AA-40A7-98E6-FD1D28C7DF1B}"/>
+              </a:ext>
+            </a:extLst>
+          </p:cNvPr>
+          <p:cNvSpPr>
+            <a:spLocks noGrp="1"/>
+          </p:cNvSpPr>
+          <p:nvPr>
+            <p:ph type="dt" sz="half" idx="2"/>
+          </p:nvPr>
+        </p:nvSpPr>
+        <p:spPr/>
+        <p:txBody>
+          <a:bodyPr/>
+          <a:lstStyle/>
+          <a:p>
+            <a:r>
+              <a:rPr lang="de-DE" dirty="0"/>
+              <a:t>06.02.2018</a:t>
+            </a:r>
+          </a:p>
+        </p:txBody>
+      </p:sp>
+      <p:sp>
+        <p:nvSpPr>
+          <p:cNvPr id="4" name="Fußzeilenplatzhalter 3">
+            <a:extLst>
+              <a:ext uri="{FF2B5EF4-FFF2-40B4-BE49-F238E27FC236}">
+                <a16:creationId xmlns:a16="http://schemas.microsoft.com/office/drawing/2014/main" id="{C433C980-9A01-4914-9E87-7C64284E6862}"/>
+              </a:ext>
+            </a:extLst>
+          </p:cNvPr>
+          <p:cNvSpPr>
+            <a:spLocks noGrp="1"/>
+          </p:cNvSpPr>
+          <p:nvPr>
+            <p:ph type="ftr" sz="quarter" idx="4294967295"/>
+          </p:nvPr>
+        </p:nvSpPr>
+        <p:spPr>
+          <a:xfrm>
+            <a:off x="3656013" y="6308725"/>
+            <a:ext cx="5487987" cy="288925"/>
+          </a:xfrm>
+        </p:spPr>
+        <p:txBody>
+          <a:bodyPr/>
+          <a:lstStyle/>
+          <a:p>
+            <a:r>
+              <a:rPr lang="de-DE"/>
+              <a:t>Schallner Ludwig, Wiegnand Andreas</a:t>
+            </a:r>
+            <a:endParaRPr lang="de-DE" dirty="0"/>
+          </a:p>
+        </p:txBody>
+      </p:sp>
+      <p:sp>
+        <p:nvSpPr>
+          <p:cNvPr id="5" name="Foliennummernplatzhalter 4">
+            <a:extLst>
+              <a:ext uri="{FF2B5EF4-FFF2-40B4-BE49-F238E27FC236}">
+                <a16:creationId xmlns:a16="http://schemas.microsoft.com/office/drawing/2014/main" id="{86C8A8DA-DEAD-4D62-B607-98887A90A8D8}"/>
+              </a:ext>
+            </a:extLst>
+          </p:cNvPr>
+          <p:cNvSpPr>
+            <a:spLocks noGrp="1"/>
+          </p:cNvSpPr>
+          <p:nvPr>
+            <p:ph type="sldNum" sz="quarter" idx="4294967295"/>
+          </p:nvPr>
+        </p:nvSpPr>
+        <p:spPr>
+          <a:xfrm>
+            <a:off x="8666163" y="6408738"/>
+            <a:ext cx="477837" cy="333375"/>
+          </a:xfrm>
+        </p:spPr>
+        <p:txBody>
+          <a:bodyPr/>
+          <a:lstStyle/>
+          <a:p>
+            <a:fld id="{50E76E58-F275-47A3-BB17-470016A267B6}" type="slidenum">
+              <a:rPr lang="de-DE" smtClean="0"/>
+              <a:pPr/>
+              <a:t>22</a:t>
+            </a:fld>
+            <a:endParaRPr lang="de-DE"/>
+          </a:p>
+        </p:txBody>
+      </p:sp>
+    </p:spTree>
+    <p:extLst>
+      <p:ext uri="{BB962C8B-B14F-4D97-AF65-F5344CB8AC3E}">
+        <p14:creationId xmlns:p14="http://schemas.microsoft.com/office/powerpoint/2010/main" val="1988280795"/>
+      </p:ext>
+    </p:extLst>
+  </p:cSld>
+  <p:clrMapOvr>
+    <a:masterClrMapping/>
+  </p:clrMapOvr>
+  <p:transition/>
+</p:sld>
+</file>
+
+<file path=ppt/slides/slide23.xml><?xml version="1.0" encoding="utf-8"?>
+<p:sld xmlns:a="http://schemas.openxmlformats.org/drawingml/2006/main" xmlns:r="http://schemas.openxmlformats.org/officeDocument/2006/relationships" xmlns:p="http://schemas.openxmlformats.org/presentationml/2006/main">
+  <p:cSld>
+    <p:spTree>
+      <p:nvGrpSpPr>
+        <p:cNvPr id="1" name=""/>
+        <p:cNvGrpSpPr/>
+        <p:nvPr/>
+      </p:nvGrpSpPr>
+      <p:grpSpPr>
+        <a:xfrm>
+          <a:off x="0" y="0"/>
+          <a:ext cx="0" cy="0"/>
+          <a:chOff x="0" y="0"/>
+          <a:chExt cx="0" cy="0"/>
+        </a:xfrm>
+      </p:grpSpPr>
+      <p:sp>
+        <p:nvSpPr>
           <p:cNvPr id="5" name="Textplatzhalter 4">
             <a:extLst>
               <a:ext uri="{FF2B5EF4-FFF2-40B4-BE49-F238E27FC236}">
@@ -8568,10 +10065,9 @@
           <a:lstStyle/>
           <a:p>
             <a:r>
-              <a:rPr lang="de-DE"/>
-              <a:t>30.01.2017</a:t>
-            </a:r>
-            <a:endParaRPr lang="de-DE" dirty="0"/>
+              <a:rPr lang="de-DE" dirty="0"/>
+              <a:t>06.02.2018</a:t>
+            </a:r>
           </a:p>
         </p:txBody>
       </p:sp>
@@ -8638,7 +10134,7 @@
             <a:fld id="{50E76E58-F275-47A3-BB17-470016A267B6}" type="slidenum">
               <a:rPr lang="de-DE" smtClean="0"/>
               <a:pPr/>
-              <a:t>18</a:t>
+              <a:t>23</a:t>
             </a:fld>
             <a:endParaRPr lang="de-DE" dirty="0"/>
           </a:p>
@@ -8666,10 +10162,9 @@
           <a:lstStyle/>
           <a:p>
             <a:r>
-              <a:rPr lang="de-DE"/>
-              <a:t>6. Datatyp - Moving Object Data</a:t>
-            </a:r>
-            <a:endParaRPr lang="de-DE" dirty="0"/>
+              <a:rPr lang="en-US" dirty="0"/>
+              <a:t>Datatype - Moving Object Data</a:t>
+            </a:r>
           </a:p>
         </p:txBody>
       </p:sp>
@@ -9149,7 +10644,7 @@
 </p:sld>
 </file>
 
-<file path=ppt/slides/slide19.xml><?xml version="1.0" encoding="utf-8"?>
+<file path=ppt/slides/slide24.xml><?xml version="1.0" encoding="utf-8"?>
 <p:sld xmlns:a="http://schemas.openxmlformats.org/drawingml/2006/main" xmlns:r="http://schemas.openxmlformats.org/officeDocument/2006/relationships" xmlns:p="http://schemas.openxmlformats.org/presentationml/2006/main">
   <p:cSld>
     <p:spTree>
@@ -9218,10 +10713,9 @@
           <a:lstStyle/>
           <a:p>
             <a:r>
-              <a:rPr lang="de-DE"/>
-              <a:t>30.01.2018</a:t>
-            </a:r>
-            <a:endParaRPr lang="de-DE" dirty="0"/>
+              <a:rPr lang="de-DE" dirty="0"/>
+              <a:t>06.02.2018</a:t>
+            </a:r>
           </a:p>
         </p:txBody>
       </p:sp>
@@ -9278,7 +10772,7 @@
             <a:fld id="{50E76E58-F275-47A3-BB17-470016A267B6}" type="slidenum">
               <a:rPr lang="de-DE" smtClean="0"/>
               <a:pPr/>
-              <a:t>19</a:t>
+              <a:t>24</a:t>
             </a:fld>
             <a:endParaRPr lang="de-DE"/>
           </a:p>
@@ -9306,26 +10800,9 @@
           <a:lstStyle/>
           <a:p>
             <a:r>
-              <a:rPr lang="de-DE" b="1" dirty="0"/>
-              <a:t>6. </a:t>
-            </a:r>
-            <a:r>
-              <a:rPr lang="de-DE" b="1" dirty="0" err="1"/>
-              <a:t>Datatyp</a:t>
-            </a:r>
-            <a:r>
-              <a:rPr lang="de-DE" b="1" dirty="0"/>
-              <a:t> - Moving </a:t>
-            </a:r>
-            <a:r>
-              <a:rPr lang="de-DE" b="1" dirty="0" err="1"/>
-              <a:t>Object</a:t>
-            </a:r>
-            <a:r>
-              <a:rPr lang="de-DE" b="1" dirty="0"/>
-              <a:t> Data</a:t>
-            </a:r>
-            <a:endParaRPr lang="de-DE" dirty="0"/>
+              <a:rPr lang="en-US"/>
+              <a:t>Datatype - Moving Object Data</a:t>
+            </a:r>
           </a:p>
         </p:txBody>
       </p:sp>
@@ -9609,7 +11086,7 @@
         <p:spPr>
           <a:xfrm>
             <a:off x="5313985" y="4400237"/>
-            <a:ext cx="2520280" cy="646331"/>
+            <a:ext cx="2520280" cy="830997"/>
           </a:xfrm>
           <a:prstGeom prst="rect">
             <a:avLst/>
@@ -9623,7 +11100,7 @@
           <a:lstStyle/>
           <a:p>
             <a:r>
-              <a:rPr lang="de-DE" dirty="0">
+              <a:rPr lang="de-DE" sz="2400" dirty="0">
                 <a:solidFill>
                   <a:srgbClr val="FF0000"/>
                 </a:solidFill>
@@ -9631,7 +11108,7 @@
               <a:t>Anonymity can </a:t>
             </a:r>
             <a:r>
-              <a:rPr lang="de-DE" dirty="0" err="1">
+              <a:rPr lang="de-DE" sz="2400" dirty="0" err="1">
                 <a:solidFill>
                   <a:srgbClr val="FF0000"/>
                 </a:solidFill>
@@ -9639,7 +11116,7 @@
               <a:t>cost</a:t>
             </a:r>
             <a:r>
-              <a:rPr lang="de-DE" dirty="0">
+              <a:rPr lang="de-DE" sz="2400" dirty="0">
                 <a:solidFill>
                   <a:srgbClr val="FF0000"/>
                 </a:solidFill>
@@ -9714,287 +11191,7 @@
 </p:sld>
 </file>
 
-<file path=ppt/slides/slide2.xml><?xml version="1.0" encoding="utf-8"?>
-<p:sld xmlns:a="http://schemas.openxmlformats.org/drawingml/2006/main" xmlns:r="http://schemas.openxmlformats.org/officeDocument/2006/relationships" xmlns:p="http://schemas.openxmlformats.org/presentationml/2006/main">
-  <p:cSld>
-    <p:spTree>
-      <p:nvGrpSpPr>
-        <p:cNvPr id="1" name=""/>
-        <p:cNvGrpSpPr/>
-        <p:nvPr/>
-      </p:nvGrpSpPr>
-      <p:grpSpPr>
-        <a:xfrm>
-          <a:off x="0" y="0"/>
-          <a:ext cx="0" cy="0"/>
-          <a:chOff x="0" y="0"/>
-          <a:chExt cx="0" cy="0"/>
-        </a:xfrm>
-      </p:grpSpPr>
-      <p:sp>
-        <p:nvSpPr>
-          <p:cNvPr id="2" name="Titel 1"/>
-          <p:cNvSpPr>
-            <a:spLocks noGrp="1"/>
-          </p:cNvSpPr>
-          <p:nvPr>
-            <p:ph type="title"/>
-          </p:nvPr>
-        </p:nvSpPr>
-        <p:spPr>
-          <a:xfrm>
-            <a:off x="827584" y="173037"/>
-            <a:ext cx="7886700" cy="573087"/>
-          </a:xfrm>
-        </p:spPr>
-        <p:txBody>
-          <a:bodyPr/>
-          <a:lstStyle/>
-          <a:p>
-            <a:r>
-              <a:rPr lang="de-DE" dirty="0"/>
-              <a:t>Index</a:t>
-            </a:r>
-          </a:p>
-        </p:txBody>
-      </p:sp>
-      <p:sp>
-        <p:nvSpPr>
-          <p:cNvPr id="3" name="Datumsplatzhalter 2"/>
-          <p:cNvSpPr>
-            <a:spLocks noGrp="1"/>
-          </p:cNvSpPr>
-          <p:nvPr>
-            <p:ph type="dt" sz="half" idx="4294967295"/>
-          </p:nvPr>
-        </p:nvSpPr>
-        <p:spPr>
-          <a:xfrm>
-            <a:off x="1331913" y="6208713"/>
-            <a:ext cx="1296987" cy="476250"/>
-          </a:xfrm>
-        </p:spPr>
-        <p:txBody>
-          <a:bodyPr/>
-          <a:lstStyle/>
-          <a:p>
-            <a:r>
-              <a:rPr lang="de-DE" dirty="0"/>
-              <a:t>30.01.2018</a:t>
-            </a:r>
-          </a:p>
-        </p:txBody>
-      </p:sp>
-      <p:sp>
-        <p:nvSpPr>
-          <p:cNvPr id="4" name="Fußzeilenplatzhalter 3"/>
-          <p:cNvSpPr>
-            <a:spLocks noGrp="1"/>
-          </p:cNvSpPr>
-          <p:nvPr>
-            <p:ph type="ftr" sz="quarter" idx="11"/>
-          </p:nvPr>
-        </p:nvSpPr>
-        <p:spPr/>
-        <p:txBody>
-          <a:bodyPr/>
-          <a:lstStyle/>
-          <a:p>
-            <a:endParaRPr lang="de-DE" dirty="0"/>
-          </a:p>
-        </p:txBody>
-      </p:sp>
-      <p:sp>
-        <p:nvSpPr>
-          <p:cNvPr id="5" name="Textplatzhalter 4"/>
-          <p:cNvSpPr>
-            <a:spLocks noGrp="1"/>
-          </p:cNvSpPr>
-          <p:nvPr>
-            <p:ph type="body" sz="quarter" idx="13"/>
-          </p:nvPr>
-        </p:nvSpPr>
-        <p:spPr>
-          <a:xfrm>
-            <a:off x="573088" y="1344287"/>
-            <a:ext cx="8570912" cy="5526600"/>
-          </a:xfrm>
-        </p:spPr>
-        <p:txBody>
-          <a:bodyPr/>
-          <a:lstStyle/>
-          <a:p>
-            <a:pPr marL="0" indent="0">
-              <a:buNone/>
-            </a:pPr>
-            <a:endParaRPr lang="de-DE" dirty="0"/>
-          </a:p>
-          <a:p>
-            <a:pPr marL="457200" indent="-457200">
-              <a:buFont typeface="+mj-lt"/>
-              <a:buAutoNum type="arabicPeriod"/>
-            </a:pPr>
-            <a:r>
-              <a:rPr lang="de-DE" sz="2800" dirty="0"/>
-              <a:t>Basics</a:t>
-            </a:r>
-          </a:p>
-          <a:p>
-            <a:pPr marL="457200" indent="-457200">
-              <a:buFont typeface="+mj-lt"/>
-              <a:buAutoNum type="arabicPeriod"/>
-            </a:pPr>
-            <a:r>
-              <a:rPr lang="de-DE" sz="2800" dirty="0"/>
-              <a:t>k-</a:t>
-            </a:r>
-            <a:r>
-              <a:rPr lang="de-DE" sz="2800" dirty="0" err="1"/>
-              <a:t>anonymity</a:t>
-            </a:r>
-            <a:endParaRPr lang="de-DE" sz="2800" dirty="0"/>
-          </a:p>
-          <a:p>
-            <a:pPr marL="457200" indent="-457200">
-              <a:buFont typeface="+mj-lt"/>
-              <a:buAutoNum type="arabicPeriod"/>
-            </a:pPr>
-            <a:r>
-              <a:rPr lang="de-DE" sz="2800" dirty="0" err="1"/>
-              <a:t>Attacks</a:t>
-            </a:r>
-            <a:r>
-              <a:rPr lang="de-DE" sz="2800" dirty="0"/>
-              <a:t> </a:t>
-            </a:r>
-            <a:r>
-              <a:rPr lang="de-DE" sz="2800" dirty="0" err="1"/>
-              <a:t>as</a:t>
-            </a:r>
-            <a:r>
-              <a:rPr lang="de-DE" sz="2800" dirty="0"/>
-              <a:t> </a:t>
-            </a:r>
-            <a:r>
-              <a:rPr lang="de-DE" sz="2800" dirty="0" err="1"/>
-              <a:t>Barriers</a:t>
-            </a:r>
-            <a:endParaRPr lang="de-DE" sz="2800" dirty="0"/>
-          </a:p>
-          <a:p>
-            <a:pPr marL="457200" indent="-457200">
-              <a:buFont typeface="+mj-lt"/>
-              <a:buAutoNum type="arabicPeriod"/>
-            </a:pPr>
-            <a:r>
-              <a:rPr lang="de-DE" sz="2800" dirty="0"/>
-              <a:t>The OLA - Algorithm</a:t>
-            </a:r>
-          </a:p>
-          <a:p>
-            <a:pPr marL="457200" indent="-457200">
-              <a:buFont typeface="+mj-lt"/>
-              <a:buAutoNum type="arabicPeriod"/>
-            </a:pPr>
-            <a:r>
-              <a:rPr lang="de-DE" sz="2800" dirty="0" err="1"/>
-              <a:t>Datatyp</a:t>
-            </a:r>
-            <a:r>
-              <a:rPr lang="de-DE" sz="2800" dirty="0"/>
-              <a:t> - Moving </a:t>
-            </a:r>
-            <a:r>
-              <a:rPr lang="de-DE" sz="2800" dirty="0" err="1"/>
-              <a:t>Object</a:t>
-            </a:r>
-            <a:r>
-              <a:rPr lang="de-DE" sz="2800" dirty="0"/>
-              <a:t> Data</a:t>
-            </a:r>
-          </a:p>
-          <a:p>
-            <a:pPr marL="457200" indent="-457200">
-              <a:buFont typeface="+mj-lt"/>
-              <a:buAutoNum type="arabicPeriod"/>
-            </a:pPr>
-            <a:r>
-              <a:rPr lang="de-DE" sz="2800" dirty="0" err="1"/>
-              <a:t>Datatype</a:t>
-            </a:r>
-            <a:r>
-              <a:rPr lang="de-DE" sz="2800" dirty="0"/>
-              <a:t> - High-Dimensional Transaction Data</a:t>
-            </a:r>
-          </a:p>
-          <a:p>
-            <a:pPr marL="457200" indent="-457200">
-              <a:buFont typeface="+mj-lt"/>
-              <a:buAutoNum type="arabicPeriod"/>
-            </a:pPr>
-            <a:r>
-              <a:rPr lang="de-DE" sz="2800" dirty="0"/>
-              <a:t>Summary</a:t>
-            </a:r>
-          </a:p>
-          <a:p>
-            <a:pPr marL="0" indent="0">
-              <a:buNone/>
-            </a:pPr>
-            <a:endParaRPr lang="de-DE" dirty="0"/>
-          </a:p>
-          <a:p>
-            <a:pPr marL="0" indent="0">
-              <a:buNone/>
-            </a:pPr>
-            <a:endParaRPr lang="de-DE" dirty="0"/>
-          </a:p>
-          <a:p>
-            <a:pPr marL="0" indent="0">
-              <a:buNone/>
-            </a:pPr>
-            <a:endParaRPr lang="de-DE" dirty="0"/>
-          </a:p>
-        </p:txBody>
-      </p:sp>
-      <p:sp>
-        <p:nvSpPr>
-          <p:cNvPr id="6" name="Foliennummernplatzhalter 5"/>
-          <p:cNvSpPr>
-            <a:spLocks noGrp="1"/>
-          </p:cNvSpPr>
-          <p:nvPr>
-            <p:ph type="sldNum" sz="quarter" idx="12"/>
-          </p:nvPr>
-        </p:nvSpPr>
-        <p:spPr/>
-        <p:txBody>
-          <a:bodyPr/>
-          <a:lstStyle/>
-          <a:p>
-            <a:fld id="{50E76E58-F275-47A3-BB17-470016A267B6}" type="slidenum">
-              <a:rPr lang="de-DE" smtClean="0"/>
-              <a:pPr/>
-              <a:t>2</a:t>
-            </a:fld>
-            <a:endParaRPr lang="de-DE" dirty="0"/>
-          </a:p>
-        </p:txBody>
-      </p:sp>
-    </p:spTree>
-    <p:extLst>
-      <p:ext uri="{BB962C8B-B14F-4D97-AF65-F5344CB8AC3E}">
-        <p14:creationId xmlns:p14="http://schemas.microsoft.com/office/powerpoint/2010/main" val="760479499"/>
-      </p:ext>
-    </p:extLst>
-  </p:cSld>
-  <p:clrMapOvr>
-    <a:masterClrMapping/>
-  </p:clrMapOvr>
-</p:sld>
-</file>
-
-<file path=ppt/slides/slide20.xml><?xml version="1.0" encoding="utf-8"?>
+<file path=ppt/slides/slide25.xml><?xml version="1.0" encoding="utf-8"?>
 <p:sld xmlns:a="http://schemas.openxmlformats.org/drawingml/2006/main" xmlns:r="http://schemas.openxmlformats.org/officeDocument/2006/relationships" xmlns:p="http://schemas.openxmlformats.org/presentationml/2006/main">
   <p:cSld>
     <p:spTree>
@@ -10093,10 +11290,9 @@
           <a:lstStyle/>
           <a:p>
             <a:r>
-              <a:rPr lang="de-DE"/>
-              <a:t>30.01.2018</a:t>
-            </a:r>
-            <a:endParaRPr lang="de-DE" dirty="0"/>
+              <a:rPr lang="de-DE" dirty="0"/>
+              <a:t>06.02.2018</a:t>
+            </a:r>
           </a:p>
         </p:txBody>
       </p:sp>
@@ -10153,7 +11349,7 @@
             <a:fld id="{50E76E58-F275-47A3-BB17-470016A267B6}" type="slidenum">
               <a:rPr lang="de-DE" smtClean="0"/>
               <a:pPr/>
-              <a:t>20</a:t>
+              <a:t>25</a:t>
             </a:fld>
             <a:endParaRPr lang="de-DE"/>
           </a:p>
@@ -10181,26 +11377,9 @@
           <a:lstStyle/>
           <a:p>
             <a:r>
-              <a:rPr lang="de-DE" b="1" dirty="0"/>
-              <a:t>6. </a:t>
-            </a:r>
-            <a:r>
-              <a:rPr lang="de-DE" b="1" dirty="0" err="1"/>
-              <a:t>Datatyp</a:t>
-            </a:r>
-            <a:r>
-              <a:rPr lang="de-DE" b="1" dirty="0"/>
-              <a:t> - Moving </a:t>
-            </a:r>
-            <a:r>
-              <a:rPr lang="de-DE" b="1" dirty="0" err="1"/>
-              <a:t>Object</a:t>
-            </a:r>
-            <a:r>
-              <a:rPr lang="de-DE" b="1" dirty="0"/>
-              <a:t> Data</a:t>
-            </a:r>
-            <a:endParaRPr lang="de-DE" dirty="0"/>
+              <a:rPr lang="en-US" dirty="0"/>
+              <a:t>Datatype - Moving Object Data</a:t>
+            </a:r>
           </a:p>
         </p:txBody>
       </p:sp>
@@ -10323,7 +11502,7 @@
         <p:spPr>
           <a:xfrm>
             <a:off x="2979614" y="4829452"/>
-            <a:ext cx="2520280" cy="646331"/>
+            <a:ext cx="2520280" cy="830997"/>
           </a:xfrm>
           <a:prstGeom prst="rect">
             <a:avLst/>
@@ -10337,7 +11516,7 @@
           <a:lstStyle/>
           <a:p>
             <a:r>
-              <a:rPr lang="de-DE" dirty="0">
+              <a:rPr lang="de-DE" sz="2400" dirty="0">
                 <a:solidFill>
                   <a:srgbClr val="FF0000"/>
                 </a:solidFill>
@@ -10345,7 +11524,7 @@
               <a:t>Anonymity can </a:t>
             </a:r>
             <a:r>
-              <a:rPr lang="de-DE" dirty="0" err="1">
+              <a:rPr lang="de-DE" sz="2400" dirty="0" err="1">
                 <a:solidFill>
                   <a:srgbClr val="FF0000"/>
                 </a:solidFill>
@@ -10353,7 +11532,7 @@
               <a:t>cost</a:t>
             </a:r>
             <a:r>
-              <a:rPr lang="de-DE" dirty="0">
+              <a:rPr lang="de-DE" sz="2400" dirty="0">
                 <a:solidFill>
                   <a:srgbClr val="FF0000"/>
                 </a:solidFill>
@@ -10376,7 +11555,7 @@
 </p:sld>
 </file>
 
-<file path=ppt/slides/slide21.xml><?xml version="1.0" encoding="utf-8"?>
+<file path=ppt/slides/slide26.xml><?xml version="1.0" encoding="utf-8"?>
 <p:sld xmlns:a="http://schemas.openxmlformats.org/drawingml/2006/main" xmlns:r="http://schemas.openxmlformats.org/officeDocument/2006/relationships" xmlns:p="http://schemas.openxmlformats.org/presentationml/2006/main">
   <p:cSld>
     <p:spTree>
@@ -10395,6 +11574,167 @@
       </p:grpSpPr>
       <p:sp>
         <p:nvSpPr>
+          <p:cNvPr id="7" name="Titel 6">
+            <a:extLst>
+              <a:ext uri="{FF2B5EF4-FFF2-40B4-BE49-F238E27FC236}">
+                <a16:creationId xmlns:a16="http://schemas.microsoft.com/office/drawing/2014/main" id="{CEC663F5-0B87-46DD-9F27-0E98B46D4CBA}"/>
+              </a:ext>
+            </a:extLst>
+          </p:cNvPr>
+          <p:cNvSpPr>
+            <a:spLocks noGrp="1"/>
+          </p:cNvSpPr>
+          <p:nvPr>
+            <p:ph type="ctrTitle"/>
+          </p:nvPr>
+        </p:nvSpPr>
+        <p:spPr>
+          <a:xfrm>
+            <a:off x="704850" y="1527175"/>
+            <a:ext cx="7704138" cy="2870200"/>
+          </a:xfrm>
+        </p:spPr>
+        <p:txBody>
+          <a:bodyPr/>
+          <a:lstStyle/>
+          <a:p>
+            <a:r>
+              <a:rPr lang="en-US" dirty="0"/>
+              <a:t>Datatype - High-Dimensional Transaction Data</a:t>
+            </a:r>
+          </a:p>
+        </p:txBody>
+      </p:sp>
+      <p:sp>
+        <p:nvSpPr>
+          <p:cNvPr id="3" name="Datumsplatzhalter 2">
+            <a:extLst>
+              <a:ext uri="{FF2B5EF4-FFF2-40B4-BE49-F238E27FC236}">
+                <a16:creationId xmlns:a16="http://schemas.microsoft.com/office/drawing/2014/main" id="{B5FB1D02-E0A3-43A3-BF1B-941DB72E3227}"/>
+              </a:ext>
+            </a:extLst>
+          </p:cNvPr>
+          <p:cNvSpPr>
+            <a:spLocks noGrp="1"/>
+          </p:cNvSpPr>
+          <p:nvPr>
+            <p:ph type="dt" sz="half" idx="2"/>
+          </p:nvPr>
+        </p:nvSpPr>
+        <p:spPr/>
+        <p:txBody>
+          <a:bodyPr/>
+          <a:lstStyle/>
+          <a:p>
+            <a:r>
+              <a:rPr lang="de-DE" dirty="0"/>
+              <a:t>06.02.2018</a:t>
+            </a:r>
+          </a:p>
+        </p:txBody>
+      </p:sp>
+      <p:sp>
+        <p:nvSpPr>
+          <p:cNvPr id="4" name="Fußzeilenplatzhalter 3">
+            <a:extLst>
+              <a:ext uri="{FF2B5EF4-FFF2-40B4-BE49-F238E27FC236}">
+                <a16:creationId xmlns:a16="http://schemas.microsoft.com/office/drawing/2014/main" id="{961CB94B-E14C-4FDA-A857-47D0B38174F1}"/>
+              </a:ext>
+            </a:extLst>
+          </p:cNvPr>
+          <p:cNvSpPr>
+            <a:spLocks noGrp="1"/>
+          </p:cNvSpPr>
+          <p:nvPr>
+            <p:ph type="ftr" sz="quarter" idx="4294967295"/>
+          </p:nvPr>
+        </p:nvSpPr>
+        <p:spPr>
+          <a:xfrm>
+            <a:off x="3656013" y="6308725"/>
+            <a:ext cx="5487987" cy="288925"/>
+          </a:xfrm>
+        </p:spPr>
+        <p:txBody>
+          <a:bodyPr/>
+          <a:lstStyle/>
+          <a:p>
+            <a:r>
+              <a:rPr lang="de-DE"/>
+              <a:t>Schallner Ludwig, Wiegnand Andreas</a:t>
+            </a:r>
+            <a:endParaRPr lang="de-DE" dirty="0"/>
+          </a:p>
+        </p:txBody>
+      </p:sp>
+      <p:sp>
+        <p:nvSpPr>
+          <p:cNvPr id="5" name="Foliennummernplatzhalter 4">
+            <a:extLst>
+              <a:ext uri="{FF2B5EF4-FFF2-40B4-BE49-F238E27FC236}">
+                <a16:creationId xmlns:a16="http://schemas.microsoft.com/office/drawing/2014/main" id="{D17BC6DF-9A02-4643-85E2-86DC2EC34F40}"/>
+              </a:ext>
+            </a:extLst>
+          </p:cNvPr>
+          <p:cNvSpPr>
+            <a:spLocks noGrp="1"/>
+          </p:cNvSpPr>
+          <p:nvPr>
+            <p:ph type="sldNum" sz="quarter" idx="4294967295"/>
+          </p:nvPr>
+        </p:nvSpPr>
+        <p:spPr>
+          <a:xfrm>
+            <a:off x="8666163" y="6408738"/>
+            <a:ext cx="477837" cy="333375"/>
+          </a:xfrm>
+        </p:spPr>
+        <p:txBody>
+          <a:bodyPr/>
+          <a:lstStyle/>
+          <a:p>
+            <a:fld id="{50E76E58-F275-47A3-BB17-470016A267B6}" type="slidenum">
+              <a:rPr lang="de-DE" smtClean="0"/>
+              <a:pPr/>
+              <a:t>26</a:t>
+            </a:fld>
+            <a:endParaRPr lang="de-DE"/>
+          </a:p>
+        </p:txBody>
+      </p:sp>
+    </p:spTree>
+    <p:extLst>
+      <p:ext uri="{BB962C8B-B14F-4D97-AF65-F5344CB8AC3E}">
+        <p14:creationId xmlns:p14="http://schemas.microsoft.com/office/powerpoint/2010/main" val="3009081077"/>
+      </p:ext>
+    </p:extLst>
+  </p:cSld>
+  <p:clrMapOvr>
+    <a:masterClrMapping/>
+  </p:clrMapOvr>
+  <p:transition/>
+</p:sld>
+</file>
+
+<file path=ppt/slides/slide27.xml><?xml version="1.0" encoding="utf-8"?>
+<p:sld xmlns:a="http://schemas.openxmlformats.org/drawingml/2006/main" xmlns:r="http://schemas.openxmlformats.org/officeDocument/2006/relationships" xmlns:p="http://schemas.openxmlformats.org/presentationml/2006/main">
+  <p:cSld>
+    <p:spTree>
+      <p:nvGrpSpPr>
+        <p:cNvPr id="1" name=""/>
+        <p:cNvGrpSpPr/>
+        <p:nvPr/>
+      </p:nvGrpSpPr>
+      <p:grpSpPr>
+        <a:xfrm>
+          <a:off x="0" y="0"/>
+          <a:ext cx="0" cy="0"/>
+          <a:chOff x="0" y="0"/>
+          <a:chExt cx="0" cy="0"/>
+        </a:xfrm>
+      </p:grpSpPr>
+      <p:sp>
+        <p:nvSpPr>
           <p:cNvPr id="5" name="Textplatzhalter 4">
             <a:extLst>
               <a:ext uri="{FF2B5EF4-FFF2-40B4-BE49-F238E27FC236}">
@@ -10427,14 +11767,9 @@
           </a:p>
           <a:p>
             <a:r>
-              <a:rPr lang="de-DE" dirty="0"/>
-              <a:t>Curse of high-</a:t>
-            </a:r>
-            <a:r>
-              <a:rPr lang="de-DE" dirty="0" err="1"/>
-              <a:t>dimensionality</a:t>
-            </a:r>
-            <a:endParaRPr lang="de-DE" dirty="0"/>
+              <a:rPr lang="en-US" dirty="0"/>
+              <a:t>Curse of high-dimensionality</a:t>
+            </a:r>
           </a:p>
           <a:p>
             <a:r>
@@ -10469,10 +11804,9 @@
           <a:lstStyle/>
           <a:p>
             <a:r>
-              <a:rPr lang="de-DE"/>
-              <a:t>30.01.2017</a:t>
-            </a:r>
-            <a:endParaRPr lang="de-DE" dirty="0"/>
+              <a:rPr lang="de-DE" dirty="0"/>
+              <a:t>06.02.2018</a:t>
+            </a:r>
           </a:p>
         </p:txBody>
       </p:sp>
@@ -10539,7 +11873,7 @@
             <a:fld id="{50E76E58-F275-47A3-BB17-470016A267B6}" type="slidenum">
               <a:rPr lang="de-DE" smtClean="0"/>
               <a:pPr/>
-              <a:t>21</a:t>
+              <a:t>27</a:t>
             </a:fld>
             <a:endParaRPr lang="de-DE" dirty="0"/>
           </a:p>
@@ -10567,10 +11901,13 @@
           <a:lstStyle/>
           <a:p>
             <a:r>
-              <a:rPr lang="de-DE"/>
-              <a:t>6. Datatype - High-Dimensional Transaction Data</a:t>
-            </a:r>
-            <a:endParaRPr lang="de-DE" dirty="0"/>
+              <a:rPr lang="de-DE" dirty="0" err="1"/>
+              <a:t>Datatype</a:t>
+            </a:r>
+            <a:r>
+              <a:rPr lang="de-DE" dirty="0"/>
+              <a:t> - High-Dimensional Transaction Data</a:t>
+            </a:r>
           </a:p>
         </p:txBody>
       </p:sp>
@@ -10628,7 +11965,7 @@
 </p:sld>
 </file>
 
-<file path=ppt/slides/slide22.xml><?xml version="1.0" encoding="utf-8"?>
+<file path=ppt/slides/slide28.xml><?xml version="1.0" encoding="utf-8"?>
 <p:sld xmlns:a="http://schemas.openxmlformats.org/drawingml/2006/main" xmlns:r="http://schemas.openxmlformats.org/officeDocument/2006/relationships" xmlns:p="http://schemas.openxmlformats.org/presentationml/2006/main">
   <p:cSld>
     <p:spTree>
@@ -10679,7 +12016,7 @@
           </a:p>
           <a:p>
             <a:r>
-              <a:rPr lang="de-DE" dirty="0"/>
+              <a:rPr lang="en-US" dirty="0"/>
               <a:t>Usability and anonymity</a:t>
             </a:r>
           </a:p>
@@ -10692,33 +12029,28 @@
           <a:p>
             <a:r>
               <a:rPr lang="de-DE" dirty="0"/>
-              <a:t>Hard to </a:t>
-            </a:r>
-            <a:r>
-              <a:rPr lang="de-DE" dirty="0" err="1"/>
+              <a:t>Hard </a:t>
+            </a:r>
+            <a:r>
+              <a:rPr lang="en-US" dirty="0"/>
+              <a:t>to</a:t>
+            </a:r>
+            <a:r>
+              <a:rPr lang="de-DE" dirty="0"/>
+              <a:t> </a:t>
+            </a:r>
+            <a:r>
+              <a:rPr lang="en-US" dirty="0"/>
               <a:t>predict</a:t>
             </a:r>
             <a:r>
               <a:rPr lang="de-DE" dirty="0"/>
-              <a:t> – Quasi-</a:t>
-            </a:r>
-            <a:r>
-              <a:rPr lang="de-DE" dirty="0" err="1"/>
-              <a:t>identifier</a:t>
-            </a:r>
-            <a:endParaRPr lang="de-DE" dirty="0"/>
-          </a:p>
-          <a:p>
-            <a:endParaRPr lang="de-DE" dirty="0"/>
-          </a:p>
-          <a:p>
-            <a:endParaRPr lang="de-DE" dirty="0"/>
-          </a:p>
-          <a:p>
-            <a:endParaRPr lang="de-DE" dirty="0"/>
-          </a:p>
-          <a:p>
-            <a:endParaRPr lang="de-DE" dirty="0"/>
+              <a:t> – </a:t>
+            </a:r>
+            <a:r>
+              <a:rPr lang="en-US" dirty="0"/>
+              <a:t>Quasi-identifier</a:t>
+            </a:r>
           </a:p>
         </p:txBody>
       </p:sp>
@@ -10744,10 +12076,9 @@
           <a:lstStyle/>
           <a:p>
             <a:r>
-              <a:rPr lang="de-DE"/>
-              <a:t>30.01.2018</a:t>
-            </a:r>
-            <a:endParaRPr lang="de-DE" dirty="0"/>
+              <a:rPr lang="de-DE" dirty="0"/>
+              <a:t>06.02.2018</a:t>
+            </a:r>
           </a:p>
         </p:txBody>
       </p:sp>
@@ -10804,7 +12135,7 @@
             <a:fld id="{50E76E58-F275-47A3-BB17-470016A267B6}" type="slidenum">
               <a:rPr lang="de-DE" smtClean="0"/>
               <a:pPr/>
-              <a:t>22</a:t>
+              <a:t>28</a:t>
             </a:fld>
             <a:endParaRPr lang="de-DE" dirty="0"/>
           </a:p>
@@ -10832,10 +12163,9 @@
           <a:lstStyle/>
           <a:p>
             <a:r>
-              <a:rPr lang="de-DE"/>
-              <a:t>7. Summary</a:t>
-            </a:r>
-            <a:endParaRPr lang="de-DE" dirty="0"/>
+              <a:rPr lang="de-DE" dirty="0"/>
+              <a:t>Summary</a:t>
+            </a:r>
           </a:p>
         </p:txBody>
       </p:sp>
@@ -10852,7 +12182,7 @@
 </p:sld>
 </file>
 
-<file path=ppt/slides/slide23.xml><?xml version="1.0" encoding="utf-8"?>
+<file path=ppt/slides/slide29.xml><?xml version="1.0" encoding="utf-8"?>
 <p:sld xmlns:a="http://schemas.openxmlformats.org/drawingml/2006/main" xmlns:r="http://schemas.openxmlformats.org/officeDocument/2006/relationships" xmlns:p="http://schemas.openxmlformats.org/presentationml/2006/main">
   <p:cSld>
     <p:spTree>
@@ -10892,35 +12222,53 @@
           <a:p>
             <a:r>
               <a:rPr lang="en-US" sz="1600" i="1" dirty="0"/>
-              <a:t>k</a:t>
-            </a:r>
+              <a:t>K-anonymity: a model for protecting privacy - </a:t>
+            </a:r>
+            <a:r>
+              <a:rPr lang="en-US" sz="1600" i="1" dirty="0" err="1"/>
+              <a:t>latanya</a:t>
+            </a:r>
+            <a:r>
+              <a:rPr lang="en-US" sz="1600" i="1" dirty="0"/>
+              <a:t> </a:t>
+            </a:r>
+            <a:r>
+              <a:rPr lang="en-US" sz="1600" i="1" dirty="0" err="1"/>
+              <a:t>sweeney</a:t>
+            </a:r>
+            <a:endParaRPr lang="en-US" sz="1600" i="1" dirty="0"/>
+          </a:p>
+          <a:p>
             <a:r>
               <a:rPr lang="en-US" sz="1600" dirty="0"/>
-              <a:t>-ANONYMITY: A MODEL FOR PROTECTING PRIVACY - </a:t>
-            </a:r>
-            <a:r>
-              <a:rPr lang="de-DE" sz="1600" dirty="0"/>
-              <a:t>LATANYA SWEENEY</a:t>
-            </a:r>
-          </a:p>
-          <a:p>
-            <a:r>
-              <a:rPr lang="de-DE" sz="1600" dirty="0"/>
-              <a:t>ACHIEVING </a:t>
-            </a:r>
-            <a:r>
-              <a:rPr lang="de-DE" sz="1600" i="1" dirty="0"/>
-              <a:t>k</a:t>
-            </a:r>
-            <a:r>
-              <a:rPr lang="de-DE" sz="1600" dirty="0"/>
-              <a:t>-ANONYMITY PRIVACY PROTECTIONUSING GENERALIZATION AND SUPPRESSION- LATANYA SWEENEY</a:t>
-            </a:r>
-          </a:p>
-          <a:p>
+              <a:t>Achieving k-Anonymity privacy </a:t>
+            </a:r>
+            <a:r>
+              <a:rPr lang="en-US" sz="1600" dirty="0" err="1"/>
+              <a:t>protectionusing</a:t>
+            </a:r>
             <a:r>
               <a:rPr lang="en-US" sz="1600" dirty="0"/>
-              <a:t>t-Closeness: Privacy Beyond k-Anonymity and l-Diversity</a:t>
+              <a:t> generalization and suppression- </a:t>
+            </a:r>
+            <a:r>
+              <a:rPr lang="en-US" sz="1600" dirty="0" err="1"/>
+              <a:t>latanya</a:t>
+            </a:r>
+            <a:r>
+              <a:rPr lang="en-US" sz="1600" dirty="0"/>
+              <a:t> </a:t>
+            </a:r>
+            <a:r>
+              <a:rPr lang="en-US" sz="1600" dirty="0" err="1"/>
+              <a:t>sweeney</a:t>
+            </a:r>
+            <a:endParaRPr lang="en-US" sz="1600" dirty="0"/>
+          </a:p>
+          <a:p>
+            <a:r>
+              <a:rPr lang="en-US" sz="1600" dirty="0"/>
+              <a:t>T-Closeness: Privacy Beyond k-Anonymity and l-Diversity</a:t>
             </a:r>
             <a:endParaRPr lang="de-DE" sz="1600" dirty="0"/>
           </a:p>
@@ -11033,7 +12381,7 @@
           <a:p>
             <a:r>
               <a:rPr lang="de-DE" dirty="0"/>
-              <a:t>30.01.2018</a:t>
+              <a:t>06.02.2018</a:t>
             </a:r>
           </a:p>
         </p:txBody>
@@ -11091,7 +12439,7 @@
             <a:fld id="{50E76E58-F275-47A3-BB17-470016A267B6}" type="slidenum">
               <a:rPr lang="de-DE" smtClean="0"/>
               <a:pPr/>
-              <a:t>23</a:t>
+              <a:t>29</a:t>
             </a:fld>
             <a:endParaRPr lang="de-DE"/>
           </a:p>
@@ -11264,10 +12612,9 @@
           <a:lstStyle/>
           <a:p>
             <a:r>
-              <a:rPr lang="de-DE"/>
-              <a:t>30.01.2018</a:t>
-            </a:r>
-            <a:endParaRPr lang="de-DE" dirty="0"/>
+              <a:rPr lang="de-DE" dirty="0"/>
+              <a:t>06.02.2018</a:t>
+            </a:r>
           </a:p>
         </p:txBody>
       </p:sp>
@@ -11293,10 +12640,17 @@
           <a:lstStyle/>
           <a:p>
             <a:r>
-              <a:rPr lang="de-DE"/>
-              <a:t>Schallner Ludwig, Wiegnand Andreas</a:t>
-            </a:r>
-            <a:endParaRPr lang="de-DE" dirty="0"/>
+              <a:rPr lang="de-DE" dirty="0"/>
+              <a:t>Schallner Ludwig, </a:t>
+            </a:r>
+            <a:r>
+              <a:rPr lang="de-DE" dirty="0" err="1"/>
+              <a:t>Wiegnand</a:t>
+            </a:r>
+            <a:r>
+              <a:rPr lang="de-DE" dirty="0"/>
+              <a:t> Andreas</a:t>
+            </a:r>
           </a:p>
         </p:txBody>
       </p:sp>
@@ -11390,18 +12744,51 @@
       </p:grpSpPr>
       <p:sp>
         <p:nvSpPr>
-          <p:cNvPr id="2" name="Textplatzhalter 1">
-            <a:extLst>
-              <a:ext uri="{FF2B5EF4-FFF2-40B4-BE49-F238E27FC236}">
-                <a16:creationId xmlns:a16="http://schemas.microsoft.com/office/drawing/2014/main" id="{ED439D2A-782E-4435-8FDF-59992AB0FFFC}"/>
-              </a:ext>
-            </a:extLst>
-          </p:cNvPr>
-          <p:cNvSpPr>
-            <a:spLocks noGrp="1"/>
-          </p:cNvSpPr>
-          <p:nvPr>
-            <p:ph type="body" sz="quarter" idx="13"/>
+          <p:cNvPr id="7" name="Titel 6">
+            <a:extLst>
+              <a:ext uri="{FF2B5EF4-FFF2-40B4-BE49-F238E27FC236}">
+                <a16:creationId xmlns:a16="http://schemas.microsoft.com/office/drawing/2014/main" id="{4544DD62-BD02-4A78-A617-FD0E065A1580}"/>
+              </a:ext>
+            </a:extLst>
+          </p:cNvPr>
+          <p:cNvSpPr>
+            <a:spLocks noGrp="1"/>
+          </p:cNvSpPr>
+          <p:nvPr>
+            <p:ph type="ctrTitle"/>
+          </p:nvPr>
+        </p:nvSpPr>
+        <p:spPr>
+          <a:xfrm>
+            <a:off x="704850" y="1527175"/>
+            <a:ext cx="7827590" cy="2870200"/>
+          </a:xfrm>
+        </p:spPr>
+        <p:txBody>
+          <a:bodyPr/>
+          <a:lstStyle/>
+          <a:p>
+            <a:r>
+              <a:rPr lang="en-US" dirty="0"/>
+              <a:t>K-Anonymity</a:t>
+            </a:r>
+          </a:p>
+        </p:txBody>
+      </p:sp>
+      <p:sp>
+        <p:nvSpPr>
+          <p:cNvPr id="3" name="Datumsplatzhalter 2">
+            <a:extLst>
+              <a:ext uri="{FF2B5EF4-FFF2-40B4-BE49-F238E27FC236}">
+                <a16:creationId xmlns:a16="http://schemas.microsoft.com/office/drawing/2014/main" id="{EEA2F4CA-6AF0-417C-B0EC-9A97A669B21D}"/>
+              </a:ext>
+            </a:extLst>
+          </p:cNvPr>
+          <p:cNvSpPr>
+            <a:spLocks noGrp="1"/>
+          </p:cNvSpPr>
+          <p:nvPr>
+            <p:ph type="dt" sz="half" idx="2"/>
           </p:nvPr>
         </p:nvSpPr>
         <p:spPr/>
@@ -11410,84 +12797,9 @@
           <a:lstStyle/>
           <a:p>
             <a:r>
-              <a:rPr lang="en-US" dirty="0"/>
-              <a:t>Is achieved if:</a:t>
-            </a:r>
-          </a:p>
-          <a:p>
-            <a:pPr lvl="1"/>
-            <a:r>
-              <a:rPr lang="en-US" dirty="0"/>
-              <a:t>At least k matching record with the same quasi-identifiers</a:t>
-            </a:r>
-          </a:p>
-          <a:p>
-            <a:r>
-              <a:rPr lang="en-US" dirty="0"/>
-              <a:t>Identifiers</a:t>
-            </a:r>
-          </a:p>
-          <a:p>
-            <a:pPr lvl="1"/>
-            <a:r>
-              <a:rPr lang="en-US" dirty="0"/>
-              <a:t>Attributes which identifies individuals explicitly </a:t>
-            </a:r>
-          </a:p>
-          <a:p>
-            <a:r>
-              <a:rPr lang="en-US" dirty="0"/>
-              <a:t>Quasi-identifiers</a:t>
-            </a:r>
-          </a:p>
-          <a:p>
-            <a:pPr lvl="1"/>
-            <a:r>
-              <a:rPr lang="en-US" dirty="0"/>
-              <a:t>Identifies an record owner only by combination of other Qis</a:t>
-            </a:r>
-          </a:p>
-          <a:p>
-            <a:r>
-              <a:rPr lang="en-US" dirty="0"/>
-              <a:t>Sensitive Data</a:t>
-            </a:r>
-          </a:p>
-          <a:p>
-            <a:pPr lvl="1"/>
-            <a:r>
-              <a:rPr lang="en-US" dirty="0"/>
-              <a:t>Data to which record owner doesn't want to get linked </a:t>
-            </a:r>
-          </a:p>
-        </p:txBody>
-      </p:sp>
-      <p:sp>
-        <p:nvSpPr>
-          <p:cNvPr id="3" name="Datumsplatzhalter 2">
-            <a:extLst>
-              <a:ext uri="{FF2B5EF4-FFF2-40B4-BE49-F238E27FC236}">
-                <a16:creationId xmlns:a16="http://schemas.microsoft.com/office/drawing/2014/main" id="{7592D87E-BB4F-4D9B-B1A3-7F22FE780002}"/>
-              </a:ext>
-            </a:extLst>
-          </p:cNvPr>
-          <p:cNvSpPr>
-            <a:spLocks noGrp="1"/>
-          </p:cNvSpPr>
-          <p:nvPr>
-            <p:ph type="dt" sz="half" idx="14"/>
-          </p:nvPr>
-        </p:nvSpPr>
-        <p:spPr/>
-        <p:txBody>
-          <a:bodyPr/>
-          <a:lstStyle/>
-          <a:p>
-            <a:r>
-              <a:rPr lang="de-DE"/>
-              <a:t>30.01.2018</a:t>
-            </a:r>
-            <a:endParaRPr lang="de-DE" dirty="0"/>
+              <a:rPr lang="de-DE" dirty="0"/>
+              <a:t>06.02.2018</a:t>
+            </a:r>
           </a:p>
         </p:txBody>
       </p:sp>
@@ -11496,18 +12808,23 @@
           <p:cNvPr id="4" name="Fußzeilenplatzhalter 3">
             <a:extLst>
               <a:ext uri="{FF2B5EF4-FFF2-40B4-BE49-F238E27FC236}">
-                <a16:creationId xmlns:a16="http://schemas.microsoft.com/office/drawing/2014/main" id="{FE70CA90-AC67-4927-9235-2F85DC31D619}"/>
-              </a:ext>
-            </a:extLst>
-          </p:cNvPr>
-          <p:cNvSpPr>
-            <a:spLocks noGrp="1"/>
-          </p:cNvSpPr>
-          <p:nvPr>
-            <p:ph type="ftr" sz="quarter" idx="15"/>
-          </p:nvPr>
-        </p:nvSpPr>
-        <p:spPr/>
+                <a16:creationId xmlns:a16="http://schemas.microsoft.com/office/drawing/2014/main" id="{A047CCAB-7216-4926-882A-D6BA09DB6FE9}"/>
+              </a:ext>
+            </a:extLst>
+          </p:cNvPr>
+          <p:cNvSpPr>
+            <a:spLocks noGrp="1"/>
+          </p:cNvSpPr>
+          <p:nvPr>
+            <p:ph type="ftr" sz="quarter" idx="4294967295"/>
+          </p:nvPr>
+        </p:nvSpPr>
+        <p:spPr>
+          <a:xfrm>
+            <a:off x="3656013" y="6308725"/>
+            <a:ext cx="5487987" cy="288925"/>
+          </a:xfrm>
+        </p:spPr>
         <p:txBody>
           <a:bodyPr/>
           <a:lstStyle/>
@@ -11525,18 +12842,23 @@
           <p:cNvPr id="5" name="Foliennummernplatzhalter 4">
             <a:extLst>
               <a:ext uri="{FF2B5EF4-FFF2-40B4-BE49-F238E27FC236}">
-                <a16:creationId xmlns:a16="http://schemas.microsoft.com/office/drawing/2014/main" id="{F7F907BC-D7D5-4926-838E-B2BABE8D091F}"/>
-              </a:ext>
-            </a:extLst>
-          </p:cNvPr>
-          <p:cNvSpPr>
-            <a:spLocks noGrp="1"/>
-          </p:cNvSpPr>
-          <p:nvPr>
-            <p:ph type="sldNum" sz="quarter" idx="16"/>
-          </p:nvPr>
-        </p:nvSpPr>
-        <p:spPr/>
+                <a16:creationId xmlns:a16="http://schemas.microsoft.com/office/drawing/2014/main" id="{6BE802D1-A299-4DB0-9E39-107F62ABAC68}"/>
+              </a:ext>
+            </a:extLst>
+          </p:cNvPr>
+          <p:cNvSpPr>
+            <a:spLocks noGrp="1"/>
+          </p:cNvSpPr>
+          <p:nvPr>
+            <p:ph type="sldNum" sz="quarter" idx="4294967295"/>
+          </p:nvPr>
+        </p:nvSpPr>
+        <p:spPr>
+          <a:xfrm>
+            <a:off x="8666163" y="6408738"/>
+            <a:ext cx="477837" cy="333375"/>
+          </a:xfrm>
+        </p:spPr>
         <p:txBody>
           <a:bodyPr/>
           <a:lstStyle/>
@@ -11550,44 +12872,17 @@
           </a:p>
         </p:txBody>
       </p:sp>
-      <p:sp>
-        <p:nvSpPr>
-          <p:cNvPr id="6" name="Titel 5">
-            <a:extLst>
-              <a:ext uri="{FF2B5EF4-FFF2-40B4-BE49-F238E27FC236}">
-                <a16:creationId xmlns:a16="http://schemas.microsoft.com/office/drawing/2014/main" id="{00D7DD37-D477-4068-A739-1E0BF8D56B2A}"/>
-              </a:ext>
-            </a:extLst>
-          </p:cNvPr>
-          <p:cNvSpPr>
-            <a:spLocks noGrp="1"/>
-          </p:cNvSpPr>
-          <p:nvPr>
-            <p:ph type="title"/>
-          </p:nvPr>
-        </p:nvSpPr>
-        <p:spPr/>
-        <p:txBody>
-          <a:bodyPr/>
-          <a:lstStyle/>
-          <a:p>
-            <a:r>
-              <a:rPr lang="de-DE" dirty="0"/>
-              <a:t>K-ANONYMITY </a:t>
-            </a:r>
-          </a:p>
-        </p:txBody>
-      </p:sp>
     </p:spTree>
     <p:extLst>
       <p:ext uri="{BB962C8B-B14F-4D97-AF65-F5344CB8AC3E}">
-        <p14:creationId xmlns:p14="http://schemas.microsoft.com/office/powerpoint/2010/main" val="2188879782"/>
+        <p14:creationId xmlns:p14="http://schemas.microsoft.com/office/powerpoint/2010/main" val="2676417399"/>
       </p:ext>
     </p:extLst>
   </p:cSld>
   <p:clrMapOvr>
     <a:masterClrMapping/>
   </p:clrMapOvr>
+  <p:transition/>
 </p:sld>
 </file>
 
@@ -11613,7 +12908,7 @@
           <p:cNvPr id="2" name="Textplatzhalter 1">
             <a:extLst>
               <a:ext uri="{FF2B5EF4-FFF2-40B4-BE49-F238E27FC236}">
-                <a16:creationId xmlns:a16="http://schemas.microsoft.com/office/drawing/2014/main" id="{3F57CBBF-584D-4412-87ED-456ABF0447CC}"/>
+                <a16:creationId xmlns:a16="http://schemas.microsoft.com/office/drawing/2014/main" id="{ED439D2A-782E-4435-8FDF-59992AB0FFFC}"/>
               </a:ext>
             </a:extLst>
           </p:cNvPr>
@@ -11629,42 +12924,84 @@
           <a:bodyPr/>
           <a:lstStyle/>
           <a:p>
-            <a:pPr marL="0" indent="0">
-              <a:buNone/>
-            </a:pPr>
+            <a:r>
+              <a:rPr lang="en-US" dirty="0"/>
+              <a:t>Is achieved if:</a:t>
+            </a:r>
+          </a:p>
+          <a:p>
+            <a:pPr lvl="1"/>
+            <a:r>
+              <a:rPr lang="en-US" dirty="0"/>
+              <a:t>At least k matching record with the same quasi-identifiers</a:t>
+            </a:r>
+          </a:p>
+          <a:p>
+            <a:r>
+              <a:rPr lang="en-US" dirty="0"/>
+              <a:t>Identifiers</a:t>
+            </a:r>
+          </a:p>
+          <a:p>
+            <a:pPr lvl="1"/>
+            <a:r>
+              <a:rPr lang="en-US" dirty="0"/>
+              <a:t>Attributes which identifies individuals explicitly </a:t>
+            </a:r>
+          </a:p>
+          <a:p>
+            <a:r>
+              <a:rPr lang="en-US" dirty="0"/>
+              <a:t>Quasi-identifiers</a:t>
+            </a:r>
+          </a:p>
+          <a:p>
+            <a:pPr lvl="1"/>
+            <a:r>
+              <a:rPr lang="en-US" dirty="0"/>
+              <a:t>Identifies an record owner only by combination of other Qis</a:t>
+            </a:r>
+          </a:p>
+          <a:p>
+            <a:r>
+              <a:rPr lang="en-US" dirty="0"/>
+              <a:t>Sensitive Data</a:t>
+            </a:r>
+          </a:p>
+          <a:p>
+            <a:pPr lvl="1"/>
+            <a:r>
+              <a:rPr lang="en-US" dirty="0"/>
+              <a:t>Data to which record owner doesn't want to get linked </a:t>
+            </a:r>
+          </a:p>
+        </p:txBody>
+      </p:sp>
+      <p:sp>
+        <p:nvSpPr>
+          <p:cNvPr id="3" name="Datumsplatzhalter 2">
+            <a:extLst>
+              <a:ext uri="{FF2B5EF4-FFF2-40B4-BE49-F238E27FC236}">
+                <a16:creationId xmlns:a16="http://schemas.microsoft.com/office/drawing/2014/main" id="{7592D87E-BB4F-4D9B-B1A3-7F22FE780002}"/>
+              </a:ext>
+            </a:extLst>
+          </p:cNvPr>
+          <p:cNvSpPr>
+            <a:spLocks noGrp="1"/>
+          </p:cNvSpPr>
+          <p:nvPr>
+            <p:ph type="dt" sz="half" idx="14"/>
+          </p:nvPr>
+        </p:nvSpPr>
+        <p:spPr/>
+        <p:txBody>
+          <a:bodyPr/>
+          <a:lstStyle/>
+          <a:p>
             <a:r>
               <a:rPr lang="de-DE" dirty="0"/>
-              <a:t>	</a:t>
-            </a:r>
-          </a:p>
-        </p:txBody>
-      </p:sp>
-      <p:sp>
-        <p:nvSpPr>
-          <p:cNvPr id="3" name="Datumsplatzhalter 2">
-            <a:extLst>
-              <a:ext uri="{FF2B5EF4-FFF2-40B4-BE49-F238E27FC236}">
-                <a16:creationId xmlns:a16="http://schemas.microsoft.com/office/drawing/2014/main" id="{4C1B7546-A060-4E05-82F1-E84F0AF1A6E4}"/>
-              </a:ext>
-            </a:extLst>
-          </p:cNvPr>
-          <p:cNvSpPr>
-            <a:spLocks noGrp="1"/>
-          </p:cNvSpPr>
-          <p:nvPr>
-            <p:ph type="dt" sz="half" idx="14"/>
-          </p:nvPr>
-        </p:nvSpPr>
-        <p:spPr/>
-        <p:txBody>
-          <a:bodyPr/>
-          <a:lstStyle/>
-          <a:p>
-            <a:r>
-              <a:rPr lang="de-DE"/>
-              <a:t>30.01.2018</a:t>
-            </a:r>
-            <a:endParaRPr lang="de-DE" dirty="0"/>
+              <a:t>06.02.2018</a:t>
+            </a:r>
           </a:p>
         </p:txBody>
       </p:sp>
@@ -11673,7 +13010,7 @@
           <p:cNvPr id="4" name="Fußzeilenplatzhalter 3">
             <a:extLst>
               <a:ext uri="{FF2B5EF4-FFF2-40B4-BE49-F238E27FC236}">
-                <a16:creationId xmlns:a16="http://schemas.microsoft.com/office/drawing/2014/main" id="{0520E25E-B969-4DC8-AFC4-2728A5DD2F6C}"/>
+                <a16:creationId xmlns:a16="http://schemas.microsoft.com/office/drawing/2014/main" id="{FE70CA90-AC67-4927-9235-2F85DC31D619}"/>
               </a:ext>
             </a:extLst>
           </p:cNvPr>
@@ -11702,7 +13039,7 @@
           <p:cNvPr id="5" name="Foliennummernplatzhalter 4">
             <a:extLst>
               <a:ext uri="{FF2B5EF4-FFF2-40B4-BE49-F238E27FC236}">
-                <a16:creationId xmlns:a16="http://schemas.microsoft.com/office/drawing/2014/main" id="{6BE4DF9E-5A6A-47F3-8605-B938844D1A85}"/>
+                <a16:creationId xmlns:a16="http://schemas.microsoft.com/office/drawing/2014/main" id="{F7F907BC-D7D5-4926-838E-B2BABE8D091F}"/>
               </a:ext>
             </a:extLst>
           </p:cNvPr>
@@ -11732,7 +13069,7 @@
           <p:cNvPr id="6" name="Titel 5">
             <a:extLst>
               <a:ext uri="{FF2B5EF4-FFF2-40B4-BE49-F238E27FC236}">
-                <a16:creationId xmlns:a16="http://schemas.microsoft.com/office/drawing/2014/main" id="{75095F09-1670-4988-9347-891DEB4B31FF}"/>
+                <a16:creationId xmlns:a16="http://schemas.microsoft.com/office/drawing/2014/main" id="{00D7DD37-D477-4068-A739-1E0BF8D56B2A}"/>
               </a:ext>
             </a:extLst>
           </p:cNvPr>
@@ -11750,205 +13087,15 @@
           <a:p>
             <a:r>
               <a:rPr lang="en-US" dirty="0"/>
-              <a:t>Example of K-Anonymity</a:t>
-            </a:r>
-          </a:p>
-        </p:txBody>
-      </p:sp>
-      <p:pic>
-        <p:nvPicPr>
-          <p:cNvPr id="7" name="Grafik 6">
-            <a:extLst>
-              <a:ext uri="{FF2B5EF4-FFF2-40B4-BE49-F238E27FC236}">
-                <a16:creationId xmlns:a16="http://schemas.microsoft.com/office/drawing/2014/main" id="{0685720F-1621-4C8A-ABD2-8E6A537227FE}"/>
-              </a:ext>
-            </a:extLst>
-          </p:cNvPr>
-          <p:cNvPicPr>
-            <a:picLocks noChangeAspect="1"/>
-          </p:cNvPicPr>
-          <p:nvPr/>
-        </p:nvPicPr>
-        <p:blipFill>
-          <a:blip r:embed="rId2">
-            <a:extLst>
-              <a:ext uri="{28A0092B-C50C-407E-A947-70E740481C1C}">
-                <a14:useLocalDpi xmlns:a14="http://schemas.microsoft.com/office/drawing/2010/main" val="0"/>
-              </a:ext>
-            </a:extLst>
-          </a:blip>
-          <a:stretch>
-            <a:fillRect/>
-          </a:stretch>
-        </p:blipFill>
-        <p:spPr>
-          <a:xfrm>
-            <a:off x="884156" y="1419684"/>
-            <a:ext cx="3210061" cy="2415262"/>
-          </a:xfrm>
-          <a:prstGeom prst="rect">
-            <a:avLst/>
-          </a:prstGeom>
-        </p:spPr>
-      </p:pic>
-      <p:pic>
-        <p:nvPicPr>
-          <p:cNvPr id="8" name="Grafik 7">
-            <a:extLst>
-              <a:ext uri="{FF2B5EF4-FFF2-40B4-BE49-F238E27FC236}">
-                <a16:creationId xmlns:a16="http://schemas.microsoft.com/office/drawing/2014/main" id="{814D82E5-6E87-485B-A839-E614D30190A3}"/>
-              </a:ext>
-            </a:extLst>
-          </p:cNvPr>
-          <p:cNvPicPr>
-            <a:picLocks noChangeAspect="1"/>
-          </p:cNvPicPr>
-          <p:nvPr/>
-        </p:nvPicPr>
-        <p:blipFill>
-          <a:blip r:embed="rId3">
-            <a:extLst>
-              <a:ext uri="{28A0092B-C50C-407E-A947-70E740481C1C}">
-                <a14:useLocalDpi xmlns:a14="http://schemas.microsoft.com/office/drawing/2010/main" val="0"/>
-              </a:ext>
-            </a:extLst>
-          </a:blip>
-          <a:stretch>
-            <a:fillRect/>
-          </a:stretch>
-        </p:blipFill>
-        <p:spPr>
-          <a:xfrm>
-            <a:off x="4548160" y="3431115"/>
-            <a:ext cx="3457079" cy="2592809"/>
-          </a:xfrm>
-          <a:prstGeom prst="rect">
-            <a:avLst/>
-          </a:prstGeom>
-        </p:spPr>
-      </p:pic>
-      <p:sp>
-        <p:nvSpPr>
-          <p:cNvPr id="9" name="Textfeld 8">
-            <a:extLst>
-              <a:ext uri="{FF2B5EF4-FFF2-40B4-BE49-F238E27FC236}">
-                <a16:creationId xmlns:a16="http://schemas.microsoft.com/office/drawing/2014/main" id="{06D8702C-4641-4B77-85FE-E7BD0B08ADB2}"/>
-              </a:ext>
-            </a:extLst>
-          </p:cNvPr>
-          <p:cNvSpPr txBox="1"/>
-          <p:nvPr/>
-        </p:nvSpPr>
-        <p:spPr>
-          <a:xfrm>
-            <a:off x="4944551" y="3103177"/>
-            <a:ext cx="2664296" cy="369332"/>
-          </a:xfrm>
-          <a:prstGeom prst="rect">
-            <a:avLst/>
-          </a:prstGeom>
-          <a:noFill/>
-        </p:spPr>
-        <p:txBody>
-          <a:bodyPr wrap="square" rtlCol="0">
-            <a:spAutoFit/>
-          </a:bodyPr>
-          <a:lstStyle/>
-          <a:p>
-            <a:r>
-              <a:rPr lang="de-DE" dirty="0"/>
-              <a:t>Table 2: 3-Anoymized</a:t>
-            </a:r>
-          </a:p>
-        </p:txBody>
-      </p:sp>
-      <p:sp>
-        <p:nvSpPr>
-          <p:cNvPr id="10" name="Textfeld 9">
-            <a:extLst>
-              <a:ext uri="{FF2B5EF4-FFF2-40B4-BE49-F238E27FC236}">
-                <a16:creationId xmlns:a16="http://schemas.microsoft.com/office/drawing/2014/main" id="{0F244F2D-A47F-4DF3-BE03-074FFBF40233}"/>
-              </a:ext>
-            </a:extLst>
-          </p:cNvPr>
-          <p:cNvSpPr txBox="1"/>
-          <p:nvPr/>
-        </p:nvSpPr>
-        <p:spPr>
-          <a:xfrm>
-            <a:off x="1157038" y="1050352"/>
-            <a:ext cx="2664296" cy="369332"/>
-          </a:xfrm>
-          <a:prstGeom prst="rect">
-            <a:avLst/>
-          </a:prstGeom>
-          <a:noFill/>
-        </p:spPr>
-        <p:txBody>
-          <a:bodyPr wrap="square" rtlCol="0">
-            <a:spAutoFit/>
-          </a:bodyPr>
-          <a:lstStyle/>
-          <a:p>
-            <a:r>
-              <a:rPr lang="de-DE" dirty="0"/>
-              <a:t>Table 1: original </a:t>
-            </a:r>
-            <a:r>
-              <a:rPr lang="en-US" dirty="0"/>
-              <a:t>data</a:t>
-            </a:r>
-          </a:p>
-        </p:txBody>
-      </p:sp>
-      <p:sp>
-        <p:nvSpPr>
-          <p:cNvPr id="11" name="Textfeld 10">
-            <a:extLst>
-              <a:ext uri="{FF2B5EF4-FFF2-40B4-BE49-F238E27FC236}">
-                <a16:creationId xmlns:a16="http://schemas.microsoft.com/office/drawing/2014/main" id="{67DE86B0-DB76-4D10-B85C-DF55B03A1CF6}"/>
-              </a:ext>
-            </a:extLst>
-          </p:cNvPr>
-          <p:cNvSpPr txBox="1"/>
-          <p:nvPr/>
-        </p:nvSpPr>
-        <p:spPr>
-          <a:xfrm>
-            <a:off x="1347854" y="5983981"/>
-            <a:ext cx="3980393" cy="523220"/>
-          </a:xfrm>
-          <a:prstGeom prst="rect">
-            <a:avLst/>
-          </a:prstGeom>
-          <a:noFill/>
-        </p:spPr>
-        <p:txBody>
-          <a:bodyPr wrap="square" rtlCol="0">
-            <a:spAutoFit/>
-          </a:bodyPr>
-          <a:lstStyle/>
-          <a:p>
-            <a:pPr algn="l"/>
-            <a:r>
-              <a:rPr lang="en-US" sz="1000" dirty="0"/>
-              <a:t>Source: </a:t>
-            </a:r>
-            <a:r>
-              <a:rPr lang="en-US" sz="1000" b="0" dirty="0"/>
-              <a:t>t-Closeness: Privacy Beyond k-Anonymity and l-Diversity</a:t>
-            </a:r>
-            <a:endParaRPr lang="de-DE" sz="1000" b="0" dirty="0"/>
-          </a:p>
-          <a:p>
-            <a:endParaRPr lang="en-US" dirty="0"/>
+              <a:t>K-ANONYMITY </a:t>
+            </a:r>
           </a:p>
         </p:txBody>
       </p:sp>
     </p:spTree>
     <p:extLst>
       <p:ext uri="{BB962C8B-B14F-4D97-AF65-F5344CB8AC3E}">
-        <p14:creationId xmlns:p14="http://schemas.microsoft.com/office/powerpoint/2010/main" val="4280611908"/>
+        <p14:creationId xmlns:p14="http://schemas.microsoft.com/office/powerpoint/2010/main" val="2188879782"/>
       </p:ext>
     </p:extLst>
   </p:cSld>
@@ -11980,7 +13127,7 @@
           <p:cNvPr id="2" name="Textplatzhalter 1">
             <a:extLst>
               <a:ext uri="{FF2B5EF4-FFF2-40B4-BE49-F238E27FC236}">
-                <a16:creationId xmlns:a16="http://schemas.microsoft.com/office/drawing/2014/main" id="{C376F1B7-5B4C-475F-A809-6EE3BFF59EF1}"/>
+                <a16:creationId xmlns:a16="http://schemas.microsoft.com/office/drawing/2014/main" id="{3F57CBBF-584D-4412-87ED-456ABF0447CC}"/>
               </a:ext>
             </a:extLst>
           </p:cNvPr>
@@ -11996,63 +13143,12 @@
           <a:bodyPr/>
           <a:lstStyle/>
           <a:p>
-            <a:r>
-              <a:rPr lang="en-US" dirty="0"/>
-              <a:t>Adversary has access to table and knows</a:t>
-            </a:r>
-          </a:p>
-          <a:p>
-            <a:pPr lvl="1"/>
-            <a:r>
-              <a:rPr lang="en-US" dirty="0"/>
-              <a:t>that the table is generalized</a:t>
-            </a:r>
-          </a:p>
-          <a:p>
-            <a:pPr lvl="1"/>
-            <a:r>
-              <a:rPr lang="en-US" dirty="0"/>
-              <a:t>the domain of the attributes</a:t>
-            </a:r>
-          </a:p>
-          <a:p>
-            <a:r>
-              <a:rPr lang="en-US" dirty="0"/>
-              <a:t>Instance-level background knowledge</a:t>
-            </a:r>
-          </a:p>
-          <a:p>
-            <a:pPr lvl="1"/>
-            <a:r>
-              <a:rPr lang="en-US" dirty="0"/>
-              <a:t>Adversary knows that his target does not suffer from a disease</a:t>
-            </a:r>
-          </a:p>
-          <a:p>
-            <a:pPr lvl="2"/>
-            <a:r>
-              <a:rPr lang="en-US" dirty="0"/>
-              <a:t>May conclude what the target really suffers from</a:t>
-            </a:r>
-          </a:p>
-          <a:p>
-            <a:r>
-              <a:rPr lang="en-US" dirty="0"/>
-              <a:t>Demographic background knowledge</a:t>
-            </a:r>
-          </a:p>
-          <a:p>
-            <a:pPr lvl="1"/>
-            <a:r>
-              <a:rPr lang="en-US" dirty="0"/>
-              <a:t>Adversary knows e.g. P(t[condition] = cancer| t[Age]&gt;=40)</a:t>
-            </a:r>
-          </a:p>
-          <a:p>
-            <a:pPr lvl="2"/>
-            <a:r>
-              <a:rPr lang="en-US" dirty="0"/>
-              <a:t>May use it to interference about records</a:t>
+            <a:pPr marL="0" indent="0">
+              <a:buNone/>
+            </a:pPr>
+            <a:r>
+              <a:rPr lang="de-DE" dirty="0"/>
+              <a:t>	</a:t>
             </a:r>
           </a:p>
         </p:txBody>
@@ -12062,7 +13158,7 @@
           <p:cNvPr id="3" name="Datumsplatzhalter 2">
             <a:extLst>
               <a:ext uri="{FF2B5EF4-FFF2-40B4-BE49-F238E27FC236}">
-                <a16:creationId xmlns:a16="http://schemas.microsoft.com/office/drawing/2014/main" id="{4E894F70-B7EF-4C12-9AE7-956450F47847}"/>
+                <a16:creationId xmlns:a16="http://schemas.microsoft.com/office/drawing/2014/main" id="{4C1B7546-A060-4E05-82F1-E84F0AF1A6E4}"/>
               </a:ext>
             </a:extLst>
           </p:cNvPr>
@@ -12079,10 +13175,9 @@
           <a:lstStyle/>
           <a:p>
             <a:r>
-              <a:rPr lang="de-DE"/>
-              <a:t>30.01.2018</a:t>
-            </a:r>
-            <a:endParaRPr lang="de-DE" dirty="0"/>
+              <a:rPr lang="de-DE" dirty="0"/>
+              <a:t>06.02.2018</a:t>
+            </a:r>
           </a:p>
         </p:txBody>
       </p:sp>
@@ -12091,7 +13186,7 @@
           <p:cNvPr id="4" name="Fußzeilenplatzhalter 3">
             <a:extLst>
               <a:ext uri="{FF2B5EF4-FFF2-40B4-BE49-F238E27FC236}">
-                <a16:creationId xmlns:a16="http://schemas.microsoft.com/office/drawing/2014/main" id="{6C9F7B15-09B7-4C02-BEFE-A16EB25204C1}"/>
+                <a16:creationId xmlns:a16="http://schemas.microsoft.com/office/drawing/2014/main" id="{0520E25E-B969-4DC8-AFC4-2728A5DD2F6C}"/>
               </a:ext>
             </a:extLst>
           </p:cNvPr>
@@ -12120,7 +13215,7 @@
           <p:cNvPr id="5" name="Foliennummernplatzhalter 4">
             <a:extLst>
               <a:ext uri="{FF2B5EF4-FFF2-40B4-BE49-F238E27FC236}">
-                <a16:creationId xmlns:a16="http://schemas.microsoft.com/office/drawing/2014/main" id="{B893CFF6-12F4-493D-97F2-8B11CF5363F2}"/>
+                <a16:creationId xmlns:a16="http://schemas.microsoft.com/office/drawing/2014/main" id="{6BE4DF9E-5A6A-47F3-8605-B938844D1A85}"/>
               </a:ext>
             </a:extLst>
           </p:cNvPr>
@@ -12150,7 +13245,7 @@
           <p:cNvPr id="6" name="Titel 5">
             <a:extLst>
               <a:ext uri="{FF2B5EF4-FFF2-40B4-BE49-F238E27FC236}">
-                <a16:creationId xmlns:a16="http://schemas.microsoft.com/office/drawing/2014/main" id="{E34BEA00-FDF4-41DD-BE03-480698278645}"/>
+                <a16:creationId xmlns:a16="http://schemas.microsoft.com/office/drawing/2014/main" id="{75095F09-1670-4988-9347-891DEB4B31FF}"/>
               </a:ext>
             </a:extLst>
           </p:cNvPr>
@@ -12168,16 +13263,205 @@
           <a:p>
             <a:r>
               <a:rPr lang="en-US" dirty="0"/>
-              <a:t>The Adversary’s Knowledge is Unknown </a:t>
-            </a:r>
-            <a:endParaRPr lang="de-DE" dirty="0"/>
+              <a:t>Example of K-Anonymity</a:t>
+            </a:r>
+          </a:p>
+        </p:txBody>
+      </p:sp>
+      <p:pic>
+        <p:nvPicPr>
+          <p:cNvPr id="7" name="Grafik 6">
+            <a:extLst>
+              <a:ext uri="{FF2B5EF4-FFF2-40B4-BE49-F238E27FC236}">
+                <a16:creationId xmlns:a16="http://schemas.microsoft.com/office/drawing/2014/main" id="{0685720F-1621-4C8A-ABD2-8E6A537227FE}"/>
+              </a:ext>
+            </a:extLst>
+          </p:cNvPr>
+          <p:cNvPicPr>
+            <a:picLocks noChangeAspect="1"/>
+          </p:cNvPicPr>
+          <p:nvPr/>
+        </p:nvPicPr>
+        <p:blipFill>
+          <a:blip r:embed="rId2">
+            <a:extLst>
+              <a:ext uri="{28A0092B-C50C-407E-A947-70E740481C1C}">
+                <a14:useLocalDpi xmlns:a14="http://schemas.microsoft.com/office/drawing/2010/main" val="0"/>
+              </a:ext>
+            </a:extLst>
+          </a:blip>
+          <a:stretch>
+            <a:fillRect/>
+          </a:stretch>
+        </p:blipFill>
+        <p:spPr>
+          <a:xfrm>
+            <a:off x="884156" y="1419684"/>
+            <a:ext cx="3210061" cy="2415262"/>
+          </a:xfrm>
+          <a:prstGeom prst="rect">
+            <a:avLst/>
+          </a:prstGeom>
+        </p:spPr>
+      </p:pic>
+      <p:pic>
+        <p:nvPicPr>
+          <p:cNvPr id="8" name="Grafik 7">
+            <a:extLst>
+              <a:ext uri="{FF2B5EF4-FFF2-40B4-BE49-F238E27FC236}">
+                <a16:creationId xmlns:a16="http://schemas.microsoft.com/office/drawing/2014/main" id="{814D82E5-6E87-485B-A839-E614D30190A3}"/>
+              </a:ext>
+            </a:extLst>
+          </p:cNvPr>
+          <p:cNvPicPr>
+            <a:picLocks noChangeAspect="1"/>
+          </p:cNvPicPr>
+          <p:nvPr/>
+        </p:nvPicPr>
+        <p:blipFill>
+          <a:blip r:embed="rId3">
+            <a:extLst>
+              <a:ext uri="{28A0092B-C50C-407E-A947-70E740481C1C}">
+                <a14:useLocalDpi xmlns:a14="http://schemas.microsoft.com/office/drawing/2010/main" val="0"/>
+              </a:ext>
+            </a:extLst>
+          </a:blip>
+          <a:stretch>
+            <a:fillRect/>
+          </a:stretch>
+        </p:blipFill>
+        <p:spPr>
+          <a:xfrm>
+            <a:off x="4548160" y="3431115"/>
+            <a:ext cx="3457079" cy="2592809"/>
+          </a:xfrm>
+          <a:prstGeom prst="rect">
+            <a:avLst/>
+          </a:prstGeom>
+        </p:spPr>
+      </p:pic>
+      <p:sp>
+        <p:nvSpPr>
+          <p:cNvPr id="9" name="Textfeld 8">
+            <a:extLst>
+              <a:ext uri="{FF2B5EF4-FFF2-40B4-BE49-F238E27FC236}">
+                <a16:creationId xmlns:a16="http://schemas.microsoft.com/office/drawing/2014/main" id="{06D8702C-4641-4B77-85FE-E7BD0B08ADB2}"/>
+              </a:ext>
+            </a:extLst>
+          </p:cNvPr>
+          <p:cNvSpPr txBox="1"/>
+          <p:nvPr/>
+        </p:nvSpPr>
+        <p:spPr>
+          <a:xfrm>
+            <a:off x="4944551" y="3103177"/>
+            <a:ext cx="2664296" cy="369332"/>
+          </a:xfrm>
+          <a:prstGeom prst="rect">
+            <a:avLst/>
+          </a:prstGeom>
+          <a:noFill/>
+        </p:spPr>
+        <p:txBody>
+          <a:bodyPr wrap="square" rtlCol="0">
+            <a:spAutoFit/>
+          </a:bodyPr>
+          <a:lstStyle/>
+          <a:p>
+            <a:r>
+              <a:rPr lang="de-DE" dirty="0"/>
+              <a:t>Table 2: 3-Anoymized</a:t>
+            </a:r>
+          </a:p>
+        </p:txBody>
+      </p:sp>
+      <p:sp>
+        <p:nvSpPr>
+          <p:cNvPr id="10" name="Textfeld 9">
+            <a:extLst>
+              <a:ext uri="{FF2B5EF4-FFF2-40B4-BE49-F238E27FC236}">
+                <a16:creationId xmlns:a16="http://schemas.microsoft.com/office/drawing/2014/main" id="{0F244F2D-A47F-4DF3-BE03-074FFBF40233}"/>
+              </a:ext>
+            </a:extLst>
+          </p:cNvPr>
+          <p:cNvSpPr txBox="1"/>
+          <p:nvPr/>
+        </p:nvSpPr>
+        <p:spPr>
+          <a:xfrm>
+            <a:off x="1157038" y="1050352"/>
+            <a:ext cx="2664296" cy="369332"/>
+          </a:xfrm>
+          <a:prstGeom prst="rect">
+            <a:avLst/>
+          </a:prstGeom>
+          <a:noFill/>
+        </p:spPr>
+        <p:txBody>
+          <a:bodyPr wrap="square" rtlCol="0">
+            <a:spAutoFit/>
+          </a:bodyPr>
+          <a:lstStyle/>
+          <a:p>
+            <a:r>
+              <a:rPr lang="de-DE" dirty="0"/>
+              <a:t>Table 1: original </a:t>
+            </a:r>
+            <a:r>
+              <a:rPr lang="en-US" dirty="0"/>
+              <a:t>data</a:t>
+            </a:r>
+          </a:p>
+        </p:txBody>
+      </p:sp>
+      <p:sp>
+        <p:nvSpPr>
+          <p:cNvPr id="11" name="Textfeld 10">
+            <a:extLst>
+              <a:ext uri="{FF2B5EF4-FFF2-40B4-BE49-F238E27FC236}">
+                <a16:creationId xmlns:a16="http://schemas.microsoft.com/office/drawing/2014/main" id="{67DE86B0-DB76-4D10-B85C-DF55B03A1CF6}"/>
+              </a:ext>
+            </a:extLst>
+          </p:cNvPr>
+          <p:cNvSpPr txBox="1"/>
+          <p:nvPr/>
+        </p:nvSpPr>
+        <p:spPr>
+          <a:xfrm>
+            <a:off x="1157038" y="5888729"/>
+            <a:ext cx="4088242" cy="523220"/>
+          </a:xfrm>
+          <a:prstGeom prst="rect">
+            <a:avLst/>
+          </a:prstGeom>
+          <a:noFill/>
+        </p:spPr>
+        <p:txBody>
+          <a:bodyPr wrap="square" rtlCol="0">
+            <a:spAutoFit/>
+          </a:bodyPr>
+          <a:lstStyle/>
+          <a:p>
+            <a:pPr algn="l"/>
+            <a:r>
+              <a:rPr lang="en-US" sz="1000" dirty="0"/>
+              <a:t>Source: </a:t>
+            </a:r>
+            <a:r>
+              <a:rPr lang="en-US" sz="1000" b="0" dirty="0"/>
+              <a:t>t-Closeness: Privacy Beyond k-Anonymity and l-Diversity</a:t>
+            </a:r>
+            <a:endParaRPr lang="de-DE" sz="1000" b="0" dirty="0"/>
+          </a:p>
+          <a:p>
+            <a:endParaRPr lang="en-US" dirty="0"/>
           </a:p>
         </p:txBody>
       </p:sp>
     </p:spTree>
     <p:extLst>
       <p:ext uri="{BB962C8B-B14F-4D97-AF65-F5344CB8AC3E}">
-        <p14:creationId xmlns:p14="http://schemas.microsoft.com/office/powerpoint/2010/main" val="1944751225"/>
+        <p14:creationId xmlns:p14="http://schemas.microsoft.com/office/powerpoint/2010/main" val="4280611908"/>
       </p:ext>
     </p:extLst>
   </p:cSld>
@@ -12206,24 +13490,24 @@
       </p:grpSpPr>
       <p:sp>
         <p:nvSpPr>
-          <p:cNvPr id="2" name="Textplatzhalter 1">
-            <a:extLst>
-              <a:ext uri="{FF2B5EF4-FFF2-40B4-BE49-F238E27FC236}">
-                <a16:creationId xmlns:a16="http://schemas.microsoft.com/office/drawing/2014/main" id="{728B2314-EA01-4E8C-8BE7-ECBAA0B7EA4D}"/>
-              </a:ext>
-            </a:extLst>
-          </p:cNvPr>
-          <p:cNvSpPr>
-            <a:spLocks noGrp="1"/>
-          </p:cNvSpPr>
-          <p:nvPr>
-            <p:ph type="body" sz="quarter" idx="13"/>
+          <p:cNvPr id="7" name="Titel 6">
+            <a:extLst>
+              <a:ext uri="{FF2B5EF4-FFF2-40B4-BE49-F238E27FC236}">
+                <a16:creationId xmlns:a16="http://schemas.microsoft.com/office/drawing/2014/main" id="{C1A43DC5-BE38-48EB-BD9B-C48D9A87E6D0}"/>
+              </a:ext>
+            </a:extLst>
+          </p:cNvPr>
+          <p:cNvSpPr>
+            <a:spLocks noGrp="1"/>
+          </p:cNvSpPr>
+          <p:nvPr>
+            <p:ph type="ctrTitle"/>
           </p:nvPr>
         </p:nvSpPr>
         <p:spPr>
           <a:xfrm>
-            <a:off x="430213" y="838200"/>
-            <a:ext cx="8570912" cy="5526600"/>
+            <a:off x="704850" y="1527175"/>
+            <a:ext cx="7704138" cy="2725737"/>
           </a:xfrm>
         </p:spPr>
         <p:txBody>
@@ -12232,21 +13516,7 @@
           <a:p>
             <a:r>
               <a:rPr lang="en-US" dirty="0"/>
-              <a:t>This attack is based on the homogeneity of data</a:t>
-            </a:r>
-          </a:p>
-          <a:p>
-            <a:pPr lvl="1"/>
-            <a:r>
-              <a:rPr lang="en-US" dirty="0"/>
-              <a:t>Age and Zip-Code of the target</a:t>
-            </a:r>
-          </a:p>
-          <a:p>
-            <a:pPr lvl="2"/>
-            <a:r>
-              <a:rPr lang="en-US" dirty="0"/>
-              <a:t>Leads to concluding of disease of the record owner </a:t>
+              <a:t>Attacks as Barriers</a:t>
             </a:r>
           </a:p>
         </p:txBody>
@@ -12256,15 +13526,15 @@
           <p:cNvPr id="3" name="Datumsplatzhalter 2">
             <a:extLst>
               <a:ext uri="{FF2B5EF4-FFF2-40B4-BE49-F238E27FC236}">
-                <a16:creationId xmlns:a16="http://schemas.microsoft.com/office/drawing/2014/main" id="{AC0A4336-E51A-4E5B-9447-8611A2E59618}"/>
-              </a:ext>
-            </a:extLst>
-          </p:cNvPr>
-          <p:cNvSpPr>
-            <a:spLocks noGrp="1"/>
-          </p:cNvSpPr>
-          <p:nvPr>
-            <p:ph type="dt" sz="half" idx="14"/>
+                <a16:creationId xmlns:a16="http://schemas.microsoft.com/office/drawing/2014/main" id="{8541F952-8E7D-497D-A5C1-06D26EA690A1}"/>
+              </a:ext>
+            </a:extLst>
+          </p:cNvPr>
+          <p:cNvSpPr>
+            <a:spLocks noGrp="1"/>
+          </p:cNvSpPr>
+          <p:nvPr>
+            <p:ph type="dt" sz="half" idx="2"/>
           </p:nvPr>
         </p:nvSpPr>
         <p:spPr/>
@@ -12273,10 +13543,9 @@
           <a:lstStyle/>
           <a:p>
             <a:r>
-              <a:rPr lang="de-DE"/>
-              <a:t>30.01.2018</a:t>
-            </a:r>
-            <a:endParaRPr lang="de-DE" dirty="0"/>
+              <a:rPr lang="de-DE" dirty="0"/>
+              <a:t>06.02.2018</a:t>
+            </a:r>
           </a:p>
         </p:txBody>
       </p:sp>
@@ -12285,18 +13554,23 @@
           <p:cNvPr id="4" name="Fußzeilenplatzhalter 3">
             <a:extLst>
               <a:ext uri="{FF2B5EF4-FFF2-40B4-BE49-F238E27FC236}">
-                <a16:creationId xmlns:a16="http://schemas.microsoft.com/office/drawing/2014/main" id="{754B249F-E965-425F-ABB0-889A92CC7208}"/>
-              </a:ext>
-            </a:extLst>
-          </p:cNvPr>
-          <p:cNvSpPr>
-            <a:spLocks noGrp="1"/>
-          </p:cNvSpPr>
-          <p:nvPr>
-            <p:ph type="ftr" sz="quarter" idx="15"/>
-          </p:nvPr>
-        </p:nvSpPr>
-        <p:spPr/>
+                <a16:creationId xmlns:a16="http://schemas.microsoft.com/office/drawing/2014/main" id="{B2AB9FD5-A9D6-4B99-AA58-99510B4060DC}"/>
+              </a:ext>
+            </a:extLst>
+          </p:cNvPr>
+          <p:cNvSpPr>
+            <a:spLocks noGrp="1"/>
+          </p:cNvSpPr>
+          <p:nvPr>
+            <p:ph type="ftr" sz="quarter" idx="4294967295"/>
+          </p:nvPr>
+        </p:nvSpPr>
+        <p:spPr>
+          <a:xfrm>
+            <a:off x="3656013" y="6308725"/>
+            <a:ext cx="5487987" cy="288925"/>
+          </a:xfrm>
+        </p:spPr>
         <p:txBody>
           <a:bodyPr/>
           <a:lstStyle/>
@@ -12314,18 +13588,23 @@
           <p:cNvPr id="5" name="Foliennummernplatzhalter 4">
             <a:extLst>
               <a:ext uri="{FF2B5EF4-FFF2-40B4-BE49-F238E27FC236}">
-                <a16:creationId xmlns:a16="http://schemas.microsoft.com/office/drawing/2014/main" id="{6CFD7C77-691E-4BBF-BA2F-83CB6702347A}"/>
-              </a:ext>
-            </a:extLst>
-          </p:cNvPr>
-          <p:cNvSpPr>
-            <a:spLocks noGrp="1"/>
-          </p:cNvSpPr>
-          <p:nvPr>
-            <p:ph type="sldNum" sz="quarter" idx="16"/>
-          </p:nvPr>
-        </p:nvSpPr>
-        <p:spPr/>
+                <a16:creationId xmlns:a16="http://schemas.microsoft.com/office/drawing/2014/main" id="{9E9F36DE-4A31-4A74-B1C1-88E95DA1AB86}"/>
+              </a:ext>
+            </a:extLst>
+          </p:cNvPr>
+          <p:cNvSpPr>
+            <a:spLocks noGrp="1"/>
+          </p:cNvSpPr>
+          <p:nvPr>
+            <p:ph type="sldNum" sz="quarter" idx="4294967295"/>
+          </p:nvPr>
+        </p:nvSpPr>
+        <p:spPr>
+          <a:xfrm>
+            <a:off x="8666163" y="6408738"/>
+            <a:ext cx="477837" cy="333375"/>
+          </a:xfrm>
+        </p:spPr>
         <p:txBody>
           <a:bodyPr/>
           <a:lstStyle/>
@@ -12339,160 +13618,17 @@
           </a:p>
         </p:txBody>
       </p:sp>
-      <p:sp>
-        <p:nvSpPr>
-          <p:cNvPr id="6" name="Titel 5">
-            <a:extLst>
-              <a:ext uri="{FF2B5EF4-FFF2-40B4-BE49-F238E27FC236}">
-                <a16:creationId xmlns:a16="http://schemas.microsoft.com/office/drawing/2014/main" id="{D6A3F582-8596-4106-89D0-7C9AD9860247}"/>
-              </a:ext>
-            </a:extLst>
-          </p:cNvPr>
-          <p:cNvSpPr>
-            <a:spLocks noGrp="1"/>
-          </p:cNvSpPr>
-          <p:nvPr>
-            <p:ph type="title"/>
-          </p:nvPr>
-        </p:nvSpPr>
-        <p:spPr/>
-        <p:txBody>
-          <a:bodyPr/>
-          <a:lstStyle/>
-          <a:p>
-            <a:r>
-              <a:rPr lang="en-US" dirty="0"/>
-              <a:t>Homogeneity Attack</a:t>
-            </a:r>
-          </a:p>
-        </p:txBody>
-      </p:sp>
-      <p:pic>
-        <p:nvPicPr>
-          <p:cNvPr id="8" name="Grafik 7">
-            <a:extLst>
-              <a:ext uri="{FF2B5EF4-FFF2-40B4-BE49-F238E27FC236}">
-                <a16:creationId xmlns:a16="http://schemas.microsoft.com/office/drawing/2014/main" id="{75AF9F48-C339-43FE-A2E3-393D958933B0}"/>
-              </a:ext>
-            </a:extLst>
-          </p:cNvPr>
-          <p:cNvPicPr>
-            <a:picLocks noChangeAspect="1"/>
-          </p:cNvPicPr>
-          <p:nvPr/>
-        </p:nvPicPr>
-        <p:blipFill>
-          <a:blip r:embed="rId2">
-            <a:extLst>
-              <a:ext uri="{28A0092B-C50C-407E-A947-70E740481C1C}">
-                <a14:useLocalDpi xmlns:a14="http://schemas.microsoft.com/office/drawing/2010/main" val="0"/>
-              </a:ext>
-            </a:extLst>
-          </a:blip>
-          <a:stretch>
-            <a:fillRect/>
-          </a:stretch>
-        </p:blipFill>
-        <p:spPr>
-          <a:xfrm>
-            <a:off x="873318" y="2338825"/>
-            <a:ext cx="3410650" cy="2566186"/>
-          </a:xfrm>
-          <a:prstGeom prst="rect">
-            <a:avLst/>
-          </a:prstGeom>
-        </p:spPr>
-      </p:pic>
-      <p:pic>
-        <p:nvPicPr>
-          <p:cNvPr id="10" name="Grafik 9">
-            <a:extLst>
-              <a:ext uri="{FF2B5EF4-FFF2-40B4-BE49-F238E27FC236}">
-                <a16:creationId xmlns:a16="http://schemas.microsoft.com/office/drawing/2014/main" id="{C01810A6-58CE-44E7-B84B-3A9FED100B75}"/>
-              </a:ext>
-            </a:extLst>
-          </p:cNvPr>
-          <p:cNvPicPr>
-            <a:picLocks noChangeAspect="1"/>
-          </p:cNvPicPr>
-          <p:nvPr/>
-        </p:nvPicPr>
-        <p:blipFill>
-          <a:blip r:embed="rId3">
-            <a:extLst>
-              <a:ext uri="{28A0092B-C50C-407E-A947-70E740481C1C}">
-                <a14:useLocalDpi xmlns:a14="http://schemas.microsoft.com/office/drawing/2010/main" val="0"/>
-              </a:ext>
-            </a:extLst>
-          </a:blip>
-          <a:stretch>
-            <a:fillRect/>
-          </a:stretch>
-        </p:blipFill>
-        <p:spPr>
-          <a:xfrm>
-            <a:off x="4644008" y="2225669"/>
-            <a:ext cx="3673103" cy="2754827"/>
-          </a:xfrm>
-          <a:prstGeom prst="rect">
-            <a:avLst/>
-          </a:prstGeom>
-        </p:spPr>
-      </p:pic>
-      <p:sp>
-        <p:nvSpPr>
-          <p:cNvPr id="9" name="Textfeld 8">
-            <a:extLst>
-              <a:ext uri="{FF2B5EF4-FFF2-40B4-BE49-F238E27FC236}">
-                <a16:creationId xmlns:a16="http://schemas.microsoft.com/office/drawing/2014/main" id="{7066DF1C-BF32-4CAF-A359-B1BEC8E64FB5}"/>
-              </a:ext>
-            </a:extLst>
-          </p:cNvPr>
-          <p:cNvSpPr txBox="1"/>
-          <p:nvPr/>
-        </p:nvSpPr>
-        <p:spPr>
-          <a:xfrm>
-            <a:off x="873318" y="4954878"/>
-            <a:ext cx="5885836" cy="523220"/>
-          </a:xfrm>
-          <a:prstGeom prst="rect">
-            <a:avLst/>
-          </a:prstGeom>
-          <a:noFill/>
-        </p:spPr>
-        <p:txBody>
-          <a:bodyPr wrap="square" rtlCol="0">
-            <a:spAutoFit/>
-          </a:bodyPr>
-          <a:lstStyle/>
-          <a:p>
-            <a:pPr algn="l"/>
-            <a:r>
-              <a:rPr lang="en-US" sz="1000" dirty="0"/>
-              <a:t>Source: </a:t>
-            </a:r>
-            <a:r>
-              <a:rPr lang="en-US" sz="1000" b="0" dirty="0"/>
-              <a:t>t-Closeness: Privacy Beyond k-Anonymity and l-Diversity</a:t>
-            </a:r>
-            <a:endParaRPr lang="de-DE" sz="1000" b="0" dirty="0"/>
-          </a:p>
-          <a:p>
-            <a:endParaRPr lang="en-US" dirty="0"/>
-          </a:p>
-        </p:txBody>
-      </p:sp>
     </p:spTree>
     <p:extLst>
       <p:ext uri="{BB962C8B-B14F-4D97-AF65-F5344CB8AC3E}">
-        <p14:creationId xmlns:p14="http://schemas.microsoft.com/office/powerpoint/2010/main" val="1125947265"/>
+        <p14:creationId xmlns:p14="http://schemas.microsoft.com/office/powerpoint/2010/main" val="3311779893"/>
       </p:ext>
     </p:extLst>
   </p:cSld>
   <p:clrMapOvr>
     <a:masterClrMapping/>
   </p:clrMapOvr>
+  <p:transition/>
 </p:sld>
 </file>
 
@@ -12518,7 +13654,7 @@
           <p:cNvPr id="2" name="Textplatzhalter 1">
             <a:extLst>
               <a:ext uri="{FF2B5EF4-FFF2-40B4-BE49-F238E27FC236}">
-                <a16:creationId xmlns:a16="http://schemas.microsoft.com/office/drawing/2014/main" id="{E12EDF2D-E22D-4111-B791-CA1B22C4913B}"/>
+                <a16:creationId xmlns:a16="http://schemas.microsoft.com/office/drawing/2014/main" id="{C376F1B7-5B4C-475F-A809-6EE3BFF59EF1}"/>
               </a:ext>
             </a:extLst>
           </p:cNvPr>
@@ -12536,24 +13672,61 @@
           <a:p>
             <a:r>
               <a:rPr lang="en-US" dirty="0"/>
-              <a:t>This attack is based on background knowledge</a:t>
+              <a:t>Adversary has access to table and knows</a:t>
             </a:r>
           </a:p>
           <a:p>
             <a:pPr lvl="1"/>
             <a:r>
               <a:rPr lang="en-US" dirty="0"/>
-              <a:t>Alice knows additionally that e.g. Carl(36, 47605) has a low risk of heart disease </a:t>
-            </a:r>
-            <a:r>
-              <a:rPr lang="en-US" dirty="0">
-                <a:sym typeface="Wingdings" panose="05000000000000000000" pitchFamily="2" charset="2"/>
-              </a:rPr>
-              <a:t> c</a:t>
-            </a:r>
+              <a:t>that the table is generalized</a:t>
+            </a:r>
+          </a:p>
+          <a:p>
+            <a:pPr lvl="1"/>
             <a:r>
               <a:rPr lang="en-US" dirty="0"/>
-              <a:t>onclude he has cancer</a:t>
+              <a:t>the domain of the attributes</a:t>
+            </a:r>
+          </a:p>
+          <a:p>
+            <a:r>
+              <a:rPr lang="en-US" dirty="0"/>
+              <a:t>Instance-level background knowledge</a:t>
+            </a:r>
+          </a:p>
+          <a:p>
+            <a:pPr lvl="1"/>
+            <a:r>
+              <a:rPr lang="en-US" dirty="0"/>
+              <a:t>Adversary knows that his target does not suffer from a disease</a:t>
+            </a:r>
+          </a:p>
+          <a:p>
+            <a:pPr lvl="2"/>
+            <a:r>
+              <a:rPr lang="en-US" dirty="0"/>
+              <a:t>May conclude what the target really suffers from</a:t>
+            </a:r>
+          </a:p>
+          <a:p>
+            <a:r>
+              <a:rPr lang="en-US" dirty="0"/>
+              <a:t>Demographic background knowledge</a:t>
+            </a:r>
+          </a:p>
+          <a:p>
+            <a:pPr lvl="1"/>
+            <a:r>
+              <a:rPr lang="en-US" dirty="0"/>
+              <a:t>Adversary knows e.g. P(t[condition] = cancer| t[Age]&gt;=40)</a:t>
+            </a:r>
+          </a:p>
+          <a:p>
+            <a:pPr lvl="2"/>
+            <a:r>
+              <a:rPr lang="en-US" dirty="0"/>
+              <a:t>May use it to interference about records</a:t>
             </a:r>
           </a:p>
         </p:txBody>
@@ -12563,7 +13736,7 @@
           <p:cNvPr id="3" name="Datumsplatzhalter 2">
             <a:extLst>
               <a:ext uri="{FF2B5EF4-FFF2-40B4-BE49-F238E27FC236}">
-                <a16:creationId xmlns:a16="http://schemas.microsoft.com/office/drawing/2014/main" id="{B528F102-CDB3-41C8-8D94-CB806376B463}"/>
+                <a16:creationId xmlns:a16="http://schemas.microsoft.com/office/drawing/2014/main" id="{4E894F70-B7EF-4C12-9AE7-956450F47847}"/>
               </a:ext>
             </a:extLst>
           </p:cNvPr>
@@ -12580,10 +13753,9 @@
           <a:lstStyle/>
           <a:p>
             <a:r>
-              <a:rPr lang="de-DE"/>
-              <a:t>30.01.2018</a:t>
-            </a:r>
-            <a:endParaRPr lang="de-DE" dirty="0"/>
+              <a:rPr lang="de-DE" dirty="0"/>
+              <a:t>06.02.2018</a:t>
+            </a:r>
           </a:p>
         </p:txBody>
       </p:sp>
@@ -12592,7 +13764,7 @@
           <p:cNvPr id="4" name="Fußzeilenplatzhalter 3">
             <a:extLst>
               <a:ext uri="{FF2B5EF4-FFF2-40B4-BE49-F238E27FC236}">
-                <a16:creationId xmlns:a16="http://schemas.microsoft.com/office/drawing/2014/main" id="{FFC1C321-4680-4D84-9195-40BE4EC65999}"/>
+                <a16:creationId xmlns:a16="http://schemas.microsoft.com/office/drawing/2014/main" id="{6C9F7B15-09B7-4C02-BEFE-A16EB25204C1}"/>
               </a:ext>
             </a:extLst>
           </p:cNvPr>
@@ -12621,7 +13793,7 @@
           <p:cNvPr id="5" name="Foliennummernplatzhalter 4">
             <a:extLst>
               <a:ext uri="{FF2B5EF4-FFF2-40B4-BE49-F238E27FC236}">
-                <a16:creationId xmlns:a16="http://schemas.microsoft.com/office/drawing/2014/main" id="{A95D21FA-A127-486F-963C-2CBB16E98C81}"/>
+                <a16:creationId xmlns:a16="http://schemas.microsoft.com/office/drawing/2014/main" id="{B893CFF6-12F4-493D-97F2-8B11CF5363F2}"/>
               </a:ext>
             </a:extLst>
           </p:cNvPr>
@@ -12651,7 +13823,7 @@
           <p:cNvPr id="6" name="Titel 5">
             <a:extLst>
               <a:ext uri="{FF2B5EF4-FFF2-40B4-BE49-F238E27FC236}">
-                <a16:creationId xmlns:a16="http://schemas.microsoft.com/office/drawing/2014/main" id="{A34D44C4-357D-44B2-8D47-D4AB70C3956E}"/>
+                <a16:creationId xmlns:a16="http://schemas.microsoft.com/office/drawing/2014/main" id="{E34BEA00-FDF4-41DD-BE03-480698278645}"/>
               </a:ext>
             </a:extLst>
           </p:cNvPr>
@@ -12668,137 +13840,17 @@
           <a:lstStyle/>
           <a:p>
             <a:r>
-              <a:rPr lang="de-DE" dirty="0"/>
-              <a:t>Background Knowledge </a:t>
-            </a:r>
-            <a:r>
-              <a:rPr lang="de-DE" dirty="0" err="1"/>
-              <a:t>Attack</a:t>
+              <a:rPr lang="en-US" dirty="0"/>
+              <a:t>The Adversary’s Knowledge is Unknown </a:t>
             </a:r>
             <a:endParaRPr lang="de-DE" dirty="0"/>
-          </a:p>
-        </p:txBody>
-      </p:sp>
-      <p:pic>
-        <p:nvPicPr>
-          <p:cNvPr id="9" name="Grafik 8">
-            <a:extLst>
-              <a:ext uri="{FF2B5EF4-FFF2-40B4-BE49-F238E27FC236}">
-                <a16:creationId xmlns:a16="http://schemas.microsoft.com/office/drawing/2014/main" id="{05831B25-B1FB-4227-BF6E-5DF268BA537D}"/>
-              </a:ext>
-            </a:extLst>
-          </p:cNvPr>
-          <p:cNvPicPr>
-            <a:picLocks noChangeAspect="1"/>
-          </p:cNvPicPr>
-          <p:nvPr/>
-        </p:nvPicPr>
-        <p:blipFill>
-          <a:blip r:embed="rId2">
-            <a:extLst>
-              <a:ext uri="{28A0092B-C50C-407E-A947-70E740481C1C}">
-                <a14:useLocalDpi xmlns:a14="http://schemas.microsoft.com/office/drawing/2010/main" val="0"/>
-              </a:ext>
-            </a:extLst>
-          </a:blip>
-          <a:stretch>
-            <a:fillRect/>
-          </a:stretch>
-        </p:blipFill>
-        <p:spPr>
-          <a:xfrm>
-            <a:off x="873318" y="2338825"/>
-            <a:ext cx="3410650" cy="2566186"/>
-          </a:xfrm>
-          <a:prstGeom prst="rect">
-            <a:avLst/>
-          </a:prstGeom>
-        </p:spPr>
-      </p:pic>
-      <p:pic>
-        <p:nvPicPr>
-          <p:cNvPr id="10" name="Grafik 9">
-            <a:extLst>
-              <a:ext uri="{FF2B5EF4-FFF2-40B4-BE49-F238E27FC236}">
-                <a16:creationId xmlns:a16="http://schemas.microsoft.com/office/drawing/2014/main" id="{9FF7B54C-52F5-429B-AABD-254DEB3E4B95}"/>
-              </a:ext>
-            </a:extLst>
-          </p:cNvPr>
-          <p:cNvPicPr>
-            <a:picLocks noChangeAspect="1"/>
-          </p:cNvPicPr>
-          <p:nvPr/>
-        </p:nvPicPr>
-        <p:blipFill>
-          <a:blip r:embed="rId3">
-            <a:extLst>
-              <a:ext uri="{28A0092B-C50C-407E-A947-70E740481C1C}">
-                <a14:useLocalDpi xmlns:a14="http://schemas.microsoft.com/office/drawing/2010/main" val="0"/>
-              </a:ext>
-            </a:extLst>
-          </a:blip>
-          <a:stretch>
-            <a:fillRect/>
-          </a:stretch>
-        </p:blipFill>
-        <p:spPr>
-          <a:xfrm>
-            <a:off x="4644008" y="2225669"/>
-            <a:ext cx="3673103" cy="2754827"/>
-          </a:xfrm>
-          <a:prstGeom prst="rect">
-            <a:avLst/>
-          </a:prstGeom>
-        </p:spPr>
-      </p:pic>
-      <p:sp>
-        <p:nvSpPr>
-          <p:cNvPr id="7" name="Textfeld 6">
-            <a:extLst>
-              <a:ext uri="{FF2B5EF4-FFF2-40B4-BE49-F238E27FC236}">
-                <a16:creationId xmlns:a16="http://schemas.microsoft.com/office/drawing/2014/main" id="{46CE9768-F2A9-4A64-92D6-80552AF1E3D7}"/>
-              </a:ext>
-            </a:extLst>
-          </p:cNvPr>
-          <p:cNvSpPr txBox="1"/>
-          <p:nvPr/>
-        </p:nvSpPr>
-        <p:spPr>
-          <a:xfrm>
-            <a:off x="873318" y="4954878"/>
-            <a:ext cx="5885836" cy="523220"/>
-          </a:xfrm>
-          <a:prstGeom prst="rect">
-            <a:avLst/>
-          </a:prstGeom>
-          <a:noFill/>
-        </p:spPr>
-        <p:txBody>
-          <a:bodyPr wrap="square" rtlCol="0">
-            <a:spAutoFit/>
-          </a:bodyPr>
-          <a:lstStyle/>
-          <a:p>
-            <a:pPr algn="l"/>
-            <a:r>
-              <a:rPr lang="en-US" sz="1000" dirty="0"/>
-              <a:t>Source: </a:t>
-            </a:r>
-            <a:r>
-              <a:rPr lang="en-US" sz="1000" b="0" dirty="0"/>
-              <a:t>t-Closeness: Privacy Beyond k-Anonymity and l-Diversity</a:t>
-            </a:r>
-            <a:endParaRPr lang="de-DE" sz="1000" b="0" dirty="0"/>
-          </a:p>
-          <a:p>
-            <a:endParaRPr lang="en-US" dirty="0"/>
           </a:p>
         </p:txBody>
       </p:sp>
     </p:spTree>
     <p:extLst>
       <p:ext uri="{BB962C8B-B14F-4D97-AF65-F5344CB8AC3E}">
-        <p14:creationId xmlns:p14="http://schemas.microsoft.com/office/powerpoint/2010/main" val="1545862038"/>
+        <p14:creationId xmlns:p14="http://schemas.microsoft.com/office/powerpoint/2010/main" val="1944751225"/>
       </p:ext>
     </p:extLst>
   </p:cSld>
@@ -12830,7 +13882,7 @@
           <p:cNvPr id="2" name="Textplatzhalter 1">
             <a:extLst>
               <a:ext uri="{FF2B5EF4-FFF2-40B4-BE49-F238E27FC236}">
-                <a16:creationId xmlns:a16="http://schemas.microsoft.com/office/drawing/2014/main" id="{62716006-562A-43E3-9DDE-A104B3493D01}"/>
+                <a16:creationId xmlns:a16="http://schemas.microsoft.com/office/drawing/2014/main" id="{728B2314-EA01-4E8C-8BE7-ECBAA0B7EA4D}"/>
               </a:ext>
             </a:extLst>
           </p:cNvPr>
@@ -12841,58 +13893,62 @@
             <p:ph type="body" sz="quarter" idx="13"/>
           </p:nvPr>
         </p:nvSpPr>
+        <p:spPr>
+          <a:xfrm>
+            <a:off x="430213" y="838200"/>
+            <a:ext cx="8570912" cy="5526600"/>
+          </a:xfrm>
+        </p:spPr>
+        <p:txBody>
+          <a:bodyPr/>
+          <a:lstStyle/>
+          <a:p>
+            <a:r>
+              <a:rPr lang="en-US" dirty="0"/>
+              <a:t>This attack is based on the homogeneity of data</a:t>
+            </a:r>
+          </a:p>
+          <a:p>
+            <a:pPr lvl="1"/>
+            <a:r>
+              <a:rPr lang="en-US" dirty="0"/>
+              <a:t>Age and Zip-Code of the target</a:t>
+            </a:r>
+          </a:p>
+          <a:p>
+            <a:pPr lvl="2"/>
+            <a:r>
+              <a:rPr lang="en-US" dirty="0"/>
+              <a:t>Leads to concluding of disease of the record owner </a:t>
+            </a:r>
+          </a:p>
+        </p:txBody>
+      </p:sp>
+      <p:sp>
+        <p:nvSpPr>
+          <p:cNvPr id="3" name="Datumsplatzhalter 2">
+            <a:extLst>
+              <a:ext uri="{FF2B5EF4-FFF2-40B4-BE49-F238E27FC236}">
+                <a16:creationId xmlns:a16="http://schemas.microsoft.com/office/drawing/2014/main" id="{AC0A4336-E51A-4E5B-9447-8611A2E59618}"/>
+              </a:ext>
+            </a:extLst>
+          </p:cNvPr>
+          <p:cNvSpPr>
+            <a:spLocks noGrp="1"/>
+          </p:cNvSpPr>
+          <p:nvPr>
+            <p:ph type="dt" sz="half" idx="14"/>
+          </p:nvPr>
+        </p:nvSpPr>
         <p:spPr/>
         <p:txBody>
           <a:bodyPr/>
           <a:lstStyle/>
           <a:p>
             <a:r>
-              <a:rPr lang="en-US" dirty="0"/>
-              <a:t>Based on order of tuples in the released data</a:t>
-            </a:r>
-          </a:p>
-          <a:p>
-            <a:pPr lvl="1"/>
-            <a:r>
-              <a:rPr lang="en-US" dirty="0"/>
-              <a:t>Often used in real world</a:t>
-            </a:r>
-          </a:p>
-          <a:p>
-            <a:pPr lvl="2"/>
-            <a:r>
-              <a:rPr lang="en-US" dirty="0"/>
-              <a:t>release of sensitive data</a:t>
-            </a:r>
-          </a:p>
-        </p:txBody>
-      </p:sp>
-      <p:sp>
-        <p:nvSpPr>
-          <p:cNvPr id="3" name="Datumsplatzhalter 2">
-            <a:extLst>
-              <a:ext uri="{FF2B5EF4-FFF2-40B4-BE49-F238E27FC236}">
-                <a16:creationId xmlns:a16="http://schemas.microsoft.com/office/drawing/2014/main" id="{AD3AB6C9-0DB8-4D81-A14E-52B661D2CC80}"/>
-              </a:ext>
-            </a:extLst>
-          </p:cNvPr>
-          <p:cNvSpPr>
-            <a:spLocks noGrp="1"/>
-          </p:cNvSpPr>
-          <p:nvPr>
-            <p:ph type="dt" sz="half" idx="14"/>
-          </p:nvPr>
-        </p:nvSpPr>
-        <p:spPr/>
-        <p:txBody>
-          <a:bodyPr/>
-          <a:lstStyle/>
-          <a:p>
-            <a:r>
-              <a:rPr lang="de-DE"/>
-              <a:t>30.01.2018</a:t>
-            </a:r>
-            <a:endParaRPr lang="de-DE" dirty="0"/>
+              <a:rPr lang="de-DE" dirty="0"/>
+              <a:t>06.02.2018</a:t>
+            </a:r>
           </a:p>
         </p:txBody>
       </p:sp>
@@ -12901,7 +13957,7 @@
           <p:cNvPr id="4" name="Fußzeilenplatzhalter 3">
             <a:extLst>
               <a:ext uri="{FF2B5EF4-FFF2-40B4-BE49-F238E27FC236}">
-                <a16:creationId xmlns:a16="http://schemas.microsoft.com/office/drawing/2014/main" id="{7A049113-3CC5-4ACC-BE03-43D9B950C6DA}"/>
+                <a16:creationId xmlns:a16="http://schemas.microsoft.com/office/drawing/2014/main" id="{754B249F-E965-425F-ABB0-889A92CC7208}"/>
               </a:ext>
             </a:extLst>
           </p:cNvPr>
@@ -12930,7 +13986,7 @@
           <p:cNvPr id="5" name="Foliennummernplatzhalter 4">
             <a:extLst>
               <a:ext uri="{FF2B5EF4-FFF2-40B4-BE49-F238E27FC236}">
-                <a16:creationId xmlns:a16="http://schemas.microsoft.com/office/drawing/2014/main" id="{E4EDDA99-AB0E-4825-AFC1-0682F00360D8}"/>
+                <a16:creationId xmlns:a16="http://schemas.microsoft.com/office/drawing/2014/main" id="{6CFD7C77-691E-4BBF-BA2F-83CB6702347A}"/>
               </a:ext>
             </a:extLst>
           </p:cNvPr>
@@ -12960,7 +14016,7 @@
           <p:cNvPr id="6" name="Titel 5">
             <a:extLst>
               <a:ext uri="{FF2B5EF4-FFF2-40B4-BE49-F238E27FC236}">
-                <a16:creationId xmlns:a16="http://schemas.microsoft.com/office/drawing/2014/main" id="{5530D40E-2D43-4755-A8FC-A78B2B5D402C}"/>
+                <a16:creationId xmlns:a16="http://schemas.microsoft.com/office/drawing/2014/main" id="{D6A3F582-8596-4106-89D0-7C9AD9860247}"/>
               </a:ext>
             </a:extLst>
           </p:cNvPr>
@@ -12977,26 +14033,9 @@
           <a:lstStyle/>
           <a:p>
             <a:r>
-              <a:rPr lang="de-DE" dirty="0" err="1"/>
-              <a:t>Unsorted</a:t>
-            </a:r>
-            <a:r>
-              <a:rPr lang="de-DE" dirty="0"/>
-              <a:t> </a:t>
-            </a:r>
-            <a:r>
-              <a:rPr lang="de-DE" dirty="0" err="1"/>
-              <a:t>Matching</a:t>
-            </a:r>
-            <a:r>
-              <a:rPr lang="de-DE" dirty="0"/>
-              <a:t> </a:t>
-            </a:r>
-            <a:r>
-              <a:rPr lang="de-DE" dirty="0" err="1"/>
-              <a:t>Attacks</a:t>
-            </a:r>
-            <a:endParaRPr lang="de-DE" dirty="0"/>
+              <a:rPr lang="en-US" dirty="0"/>
+              <a:t>Homogeneity Attack</a:t>
+            </a:r>
           </a:p>
         </p:txBody>
       </p:sp>
@@ -13005,7 +14044,7 @@
           <p:cNvPr id="8" name="Grafik 7">
             <a:extLst>
               <a:ext uri="{FF2B5EF4-FFF2-40B4-BE49-F238E27FC236}">
-                <a16:creationId xmlns:a16="http://schemas.microsoft.com/office/drawing/2014/main" id="{52418571-4529-411F-B64C-DF801EE1CEA2}"/>
+                <a16:creationId xmlns:a16="http://schemas.microsoft.com/office/drawing/2014/main" id="{75AF9F48-C339-43FE-A2E3-393D958933B0}"/>
               </a:ext>
             </a:extLst>
           </p:cNvPr>
@@ -13028,179 +14067,56 @@
         </p:blipFill>
         <p:spPr>
           <a:xfrm>
-            <a:off x="2209470" y="2782583"/>
-            <a:ext cx="4725059" cy="2372056"/>
+            <a:off x="873318" y="2338825"/>
+            <a:ext cx="3410650" cy="2566186"/>
           </a:xfrm>
           <a:prstGeom prst="rect">
             <a:avLst/>
           </a:prstGeom>
         </p:spPr>
       </p:pic>
-      <p:sp>
-        <p:nvSpPr>
-          <p:cNvPr id="7" name="Pfeil: nach oben 6">
-            <a:extLst>
-              <a:ext uri="{FF2B5EF4-FFF2-40B4-BE49-F238E27FC236}">
-                <a16:creationId xmlns:a16="http://schemas.microsoft.com/office/drawing/2014/main" id="{32A3DA81-67B0-412B-AD13-622A9A050DD2}"/>
-              </a:ext>
-            </a:extLst>
-          </p:cNvPr>
-          <p:cNvSpPr/>
+      <p:pic>
+        <p:nvPicPr>
+          <p:cNvPr id="10" name="Grafik 9">
+            <a:extLst>
+              <a:ext uri="{FF2B5EF4-FFF2-40B4-BE49-F238E27FC236}">
+                <a16:creationId xmlns:a16="http://schemas.microsoft.com/office/drawing/2014/main" id="{C01810A6-58CE-44E7-B84B-3A9FED100B75}"/>
+              </a:ext>
+            </a:extLst>
+          </p:cNvPr>
+          <p:cNvPicPr>
+            <a:picLocks noChangeAspect="1"/>
+          </p:cNvPicPr>
           <p:nvPr/>
-        </p:nvSpPr>
-        <p:spPr>
-          <a:xfrm rot="14538008">
-            <a:off x="6805019" y="3664232"/>
-            <a:ext cx="415600" cy="415600"/>
-          </a:xfrm>
-          <a:prstGeom prst="upArrow">
-            <a:avLst/>
-          </a:prstGeom>
-          <a:solidFill>
-            <a:schemeClr val="bg1">
-              <a:lumMod val="75000"/>
-            </a:schemeClr>
-          </a:solidFill>
-          <a:ln>
-            <a:solidFill>
-              <a:schemeClr val="bg1">
-                <a:lumMod val="65000"/>
-              </a:schemeClr>
-            </a:solidFill>
-          </a:ln>
-        </p:spPr>
-        <p:style>
-          <a:lnRef idx="2">
-            <a:schemeClr val="accent1">
-              <a:shade val="50000"/>
-            </a:schemeClr>
-          </a:lnRef>
-          <a:fillRef idx="1">
-            <a:schemeClr val="accent1"/>
-          </a:fillRef>
-          <a:effectRef idx="0">
-            <a:schemeClr val="accent1"/>
-          </a:effectRef>
-          <a:fontRef idx="minor">
-            <a:schemeClr val="lt1"/>
-          </a:fontRef>
-        </p:style>
-        <p:txBody>
-          <a:bodyPr rot="0" spcFirstLastPara="0" vertOverflow="overflow" horzOverflow="overflow" vert="horz" wrap="square" lIns="91440" tIns="45720" rIns="91440" bIns="45720" numCol="1" spcCol="0" rtlCol="0" fromWordArt="0" anchor="ctr" anchorCtr="0" forceAA="0" compatLnSpc="1">
-            <a:prstTxWarp prst="textNoShape">
-              <a:avLst/>
-            </a:prstTxWarp>
-            <a:noAutofit/>
-          </a:bodyPr>
-          <a:lstStyle/>
-          <a:p>
-            <a:endParaRPr lang="de-DE"/>
-          </a:p>
-        </p:txBody>
-      </p:sp>
-      <p:sp>
-        <p:nvSpPr>
-          <p:cNvPr id="9" name="Pfeil: nach oben 8">
-            <a:extLst>
-              <a:ext uri="{FF2B5EF4-FFF2-40B4-BE49-F238E27FC236}">
-                <a16:creationId xmlns:a16="http://schemas.microsoft.com/office/drawing/2014/main" id="{23E141D4-90C0-4ADD-AAC0-C94A5F3656AF}"/>
-              </a:ext>
-            </a:extLst>
-          </p:cNvPr>
-          <p:cNvSpPr/>
-          <p:nvPr/>
-        </p:nvSpPr>
-        <p:spPr>
-          <a:xfrm rot="1495549">
-            <a:off x="3836350" y="5063264"/>
-            <a:ext cx="415600" cy="415600"/>
-          </a:xfrm>
-          <a:prstGeom prst="upArrow">
-            <a:avLst/>
-          </a:prstGeom>
-          <a:solidFill>
-            <a:schemeClr val="bg1">
-              <a:lumMod val="75000"/>
-            </a:schemeClr>
-          </a:solidFill>
-          <a:ln>
-            <a:solidFill>
-              <a:schemeClr val="bg1">
-                <a:lumMod val="65000"/>
-              </a:schemeClr>
-            </a:solidFill>
-          </a:ln>
-        </p:spPr>
-        <p:style>
-          <a:lnRef idx="2">
-            <a:schemeClr val="accent1">
-              <a:shade val="50000"/>
-            </a:schemeClr>
-          </a:lnRef>
-          <a:fillRef idx="1">
-            <a:schemeClr val="accent1"/>
-          </a:fillRef>
-          <a:effectRef idx="0">
-            <a:schemeClr val="accent1"/>
-          </a:effectRef>
-          <a:fontRef idx="minor">
-            <a:schemeClr val="lt1"/>
-          </a:fontRef>
-        </p:style>
-        <p:txBody>
-          <a:bodyPr rot="0" spcFirstLastPara="0" vertOverflow="overflow" horzOverflow="overflow" vert="horz" wrap="square" lIns="91440" tIns="45720" rIns="91440" bIns="45720" numCol="1" spcCol="0" rtlCol="0" fromWordArt="0" anchor="ctr" anchorCtr="0" forceAA="0" compatLnSpc="1">
-            <a:prstTxWarp prst="textNoShape">
-              <a:avLst/>
-            </a:prstTxWarp>
-            <a:noAutofit/>
-          </a:bodyPr>
-          <a:lstStyle/>
-          <a:p>
-            <a:endParaRPr lang="de-DE"/>
-          </a:p>
-        </p:txBody>
-      </p:sp>
-      <p:sp>
-        <p:nvSpPr>
-          <p:cNvPr id="10" name="Textfeld 9">
-            <a:extLst>
-              <a:ext uri="{FF2B5EF4-FFF2-40B4-BE49-F238E27FC236}">
-                <a16:creationId xmlns:a16="http://schemas.microsoft.com/office/drawing/2014/main" id="{3629483C-59DF-473B-92E3-EB230628E392}"/>
-              </a:ext>
-            </a:extLst>
-          </p:cNvPr>
-          <p:cNvSpPr txBox="1"/>
-          <p:nvPr/>
-        </p:nvSpPr>
+        </p:nvPicPr>
+        <p:blipFill>
+          <a:blip r:embed="rId3">
+            <a:extLst>
+              <a:ext uri="{28A0092B-C50C-407E-A947-70E740481C1C}">
+                <a14:useLocalDpi xmlns:a14="http://schemas.microsoft.com/office/drawing/2010/main" val="0"/>
+              </a:ext>
+            </a:extLst>
+          </a:blip>
+          <a:stretch>
+            <a:fillRect/>
+          </a:stretch>
+        </p:blipFill>
         <p:spPr>
           <a:xfrm>
-            <a:off x="2628900" y="5435932"/>
-            <a:ext cx="2448272" cy="369332"/>
+            <a:off x="4644008" y="2225669"/>
+            <a:ext cx="3673103" cy="2754827"/>
           </a:xfrm>
           <a:prstGeom prst="rect">
             <a:avLst/>
           </a:prstGeom>
-          <a:noFill/>
         </p:spPr>
-        <p:txBody>
-          <a:bodyPr wrap="square" rtlCol="0">
-            <a:spAutoFit/>
-          </a:bodyPr>
-          <a:lstStyle/>
-          <a:p>
-            <a:r>
-              <a:rPr lang="en-US" b="0" dirty="0"/>
-              <a:t>Generation of race</a:t>
-            </a:r>
-          </a:p>
-        </p:txBody>
-      </p:sp>
-      <p:sp>
-        <p:nvSpPr>
-          <p:cNvPr id="11" name="Textfeld 10">
-            <a:extLst>
-              <a:ext uri="{FF2B5EF4-FFF2-40B4-BE49-F238E27FC236}">
-                <a16:creationId xmlns:a16="http://schemas.microsoft.com/office/drawing/2014/main" id="{BEF50669-3AB0-4CE1-8434-7A16472C3F23}"/>
+      </p:pic>
+      <p:sp>
+        <p:nvSpPr>
+          <p:cNvPr id="9" name="Textfeld 8">
+            <a:extLst>
+              <a:ext uri="{FF2B5EF4-FFF2-40B4-BE49-F238E27FC236}">
+                <a16:creationId xmlns:a16="http://schemas.microsoft.com/office/drawing/2014/main" id="{7066DF1C-BF32-4CAF-A359-B1BEC8E64FB5}"/>
               </a:ext>
             </a:extLst>
           </p:cNvPr>
@@ -13209,42 +14125,7 @@
         </p:nvSpPr>
         <p:spPr>
           <a:xfrm>
-            <a:off x="7071890" y="3412037"/>
-            <a:ext cx="1483578" cy="646331"/>
-          </a:xfrm>
-          <a:prstGeom prst="rect">
-            <a:avLst/>
-          </a:prstGeom>
-          <a:noFill/>
-        </p:spPr>
-        <p:txBody>
-          <a:bodyPr wrap="square" rtlCol="0">
-            <a:spAutoFit/>
-          </a:bodyPr>
-          <a:lstStyle/>
-          <a:p>
-            <a:r>
-              <a:rPr lang="en-US" b="0" dirty="0"/>
-              <a:t>Generation of ZIP</a:t>
-            </a:r>
-          </a:p>
-        </p:txBody>
-      </p:sp>
-      <p:sp>
-        <p:nvSpPr>
-          <p:cNvPr id="12" name="Textfeld 11">
-            <a:extLst>
-              <a:ext uri="{FF2B5EF4-FFF2-40B4-BE49-F238E27FC236}">
-                <a16:creationId xmlns:a16="http://schemas.microsoft.com/office/drawing/2014/main" id="{EA2A541D-B33E-488E-BCB1-46CCB422A580}"/>
-              </a:ext>
-            </a:extLst>
-          </p:cNvPr>
-          <p:cNvSpPr txBox="1"/>
-          <p:nvPr/>
-        </p:nvSpPr>
-        <p:spPr>
-          <a:xfrm>
-            <a:off x="1998663" y="5924792"/>
+            <a:off x="873318" y="4954878"/>
             <a:ext cx="5885836" cy="523220"/>
           </a:xfrm>
           <a:prstGeom prst="rect">
@@ -13265,7 +14146,7 @@
             </a:r>
             <a:r>
               <a:rPr lang="en-US" sz="1000" b="0" dirty="0"/>
-              <a:t>k-ANONYMITY: A MODEL FOR PROTECTING PRIVACY</a:t>
+              <a:t>t-Closeness: Privacy Beyond k-Anonymity and l-Diversity</a:t>
             </a:r>
             <a:endParaRPr lang="de-DE" sz="1000" b="0" dirty="0"/>
           </a:p>
@@ -13277,7 +14158,7 @@
     </p:spTree>
     <p:extLst>
       <p:ext uri="{BB962C8B-B14F-4D97-AF65-F5344CB8AC3E}">
-        <p14:creationId xmlns:p14="http://schemas.microsoft.com/office/powerpoint/2010/main" val="4161008327"/>
+        <p14:creationId xmlns:p14="http://schemas.microsoft.com/office/powerpoint/2010/main" val="1125947265"/>
       </p:ext>
     </p:extLst>
   </p:cSld>
@@ -14368,18 +15249,18 @@
 
 <file path=customXml/item1.xml><?xml version="1.0" encoding="utf-8"?>
 <Control xmlns="http://schemas.microsoft.com/VisualStudio/2011/storyboarding/control">
-  <Id Name="dec3670c-0d6f-4455-9c2f-971d108358d4" Revision="1" Stencil="System.MyShapes" StencilVersion="1.0"/>
+  <Id Name="System.Storyboarding.Common.Button" Revision="1" Stencil="System.Storyboarding.Common" StencilVersion="0.1"/>
 </Control>
 </file>
 
 <file path=customXml/item2.xml><?xml version="1.0" encoding="utf-8"?>
 <Control xmlns="http://schemas.microsoft.com/VisualStudio/2011/storyboarding/control">
-  <Id Name="System.Storyboarding.Common.Button" Revision="1" Stencil="System.Storyboarding.Common" StencilVersion="0.1"/>
+  <Id Name="dec3670c-0d6f-4455-9c2f-971d108358d4" Revision="1" Stencil="System.MyShapes" StencilVersion="1.0"/>
 </Control>
 </file>
 
 <file path=customXml/itemProps1.xml><?xml version="1.0" encoding="utf-8"?>
-<ds:datastoreItem xmlns:ds="http://schemas.openxmlformats.org/officeDocument/2006/customXml" ds:itemID="{566C5A5A-5A83-4A95-95C1-260C6D486DE6}">
+<ds:datastoreItem xmlns:ds="http://schemas.openxmlformats.org/officeDocument/2006/customXml" ds:itemID="{206AFEA3-501E-4E71-91B3-BDBE1D839E11}">
   <ds:schemaRefs>
     <ds:schemaRef ds:uri="http://schemas.microsoft.com/VisualStudio/2011/storyboarding/control"/>
   </ds:schemaRefs>
@@ -14387,7 +15268,7 @@
 </file>
 
 <file path=customXml/itemProps2.xml><?xml version="1.0" encoding="utf-8"?>
-<ds:datastoreItem xmlns:ds="http://schemas.openxmlformats.org/officeDocument/2006/customXml" ds:itemID="{206AFEA3-501E-4E71-91B3-BDBE1D839E11}">
+<ds:datastoreItem xmlns:ds="http://schemas.openxmlformats.org/officeDocument/2006/customXml" ds:itemID="{566C5A5A-5A83-4A95-95C1-260C6D486DE6}">
   <ds:schemaRefs>
     <ds:schemaRef ds:uri="http://schemas.microsoft.com/VisualStudio/2011/storyboarding/control"/>
   </ds:schemaRefs>

--- a/presentation/sicherheits_final_anV3.pptx
+++ b/presentation/sicherheits_final_anV3.pptx
@@ -5,10 +5,10 @@
     <p:sldMasterId id="2147483678" r:id="rId3"/>
   </p:sldMasterIdLst>
   <p:notesMasterIdLst>
-    <p:notesMasterId r:id="rId33"/>
+    <p:notesMasterId r:id="rId34"/>
   </p:notesMasterIdLst>
   <p:handoutMasterIdLst>
-    <p:handoutMasterId r:id="rId34"/>
+    <p:handoutMasterId r:id="rId35"/>
   </p:handoutMasterIdLst>
   <p:sldIdLst>
     <p:sldId id="256" r:id="rId4"/>
@@ -24,22 +24,23 @@
     <p:sldId id="332" r:id="rId14"/>
     <p:sldId id="333" r:id="rId15"/>
     <p:sldId id="334" r:id="rId16"/>
-    <p:sldId id="338" r:id="rId17"/>
-    <p:sldId id="320" r:id="rId18"/>
-    <p:sldId id="321" r:id="rId19"/>
-    <p:sldId id="322" r:id="rId20"/>
-    <p:sldId id="319" r:id="rId21"/>
-    <p:sldId id="323" r:id="rId22"/>
-    <p:sldId id="339" r:id="rId23"/>
-    <p:sldId id="329" r:id="rId24"/>
-    <p:sldId id="340" r:id="rId25"/>
-    <p:sldId id="312" r:id="rId26"/>
-    <p:sldId id="328" r:id="rId27"/>
-    <p:sldId id="335" r:id="rId28"/>
-    <p:sldId id="341" r:id="rId29"/>
-    <p:sldId id="311" r:id="rId30"/>
-    <p:sldId id="325" r:id="rId31"/>
-    <p:sldId id="330" r:id="rId32"/>
+    <p:sldId id="342" r:id="rId17"/>
+    <p:sldId id="338" r:id="rId18"/>
+    <p:sldId id="320" r:id="rId19"/>
+    <p:sldId id="321" r:id="rId20"/>
+    <p:sldId id="322" r:id="rId21"/>
+    <p:sldId id="319" r:id="rId22"/>
+    <p:sldId id="323" r:id="rId23"/>
+    <p:sldId id="339" r:id="rId24"/>
+    <p:sldId id="329" r:id="rId25"/>
+    <p:sldId id="340" r:id="rId26"/>
+    <p:sldId id="312" r:id="rId27"/>
+    <p:sldId id="328" r:id="rId28"/>
+    <p:sldId id="335" r:id="rId29"/>
+    <p:sldId id="341" r:id="rId30"/>
+    <p:sldId id="311" r:id="rId31"/>
+    <p:sldId id="325" r:id="rId32"/>
+    <p:sldId id="330" r:id="rId33"/>
   </p:sldIdLst>
   <p:sldSz cx="9144000" cy="6858000" type="screen4x3"/>
   <p:notesSz cx="9942513" cy="6761163"/>
@@ -1209,7 +1210,7 @@
               <a:pPr>
                 <a:defRPr/>
               </a:pPr>
-              <a:t>15</a:t>
+              <a:t>16</a:t>
             </a:fld>
             <a:endParaRPr lang="de-DE"/>
           </a:p>
@@ -1738,7 +1739,7 @@
               <a:pPr>
                 <a:defRPr/>
               </a:pPr>
-              <a:t>27</a:t>
+              <a:t>28</a:t>
             </a:fld>
             <a:endParaRPr lang="de-DE" dirty="0"/>
           </a:p>
@@ -2070,7 +2071,7 @@
               <a:pPr>
                 <a:defRPr/>
               </a:pPr>
-              <a:t>16</a:t>
+              <a:t>17</a:t>
             </a:fld>
             <a:endParaRPr lang="de-DE"/>
           </a:p>
@@ -2219,7 +2220,7 @@
               <a:pPr>
                 <a:defRPr/>
               </a:pPr>
-              <a:t>17</a:t>
+              <a:t>18</a:t>
             </a:fld>
             <a:endParaRPr lang="de-DE"/>
           </a:p>
@@ -2641,7 +2642,7 @@
               <a:pPr>
                 <a:defRPr/>
               </a:pPr>
-              <a:t>18</a:t>
+              <a:t>19</a:t>
             </a:fld>
             <a:endParaRPr lang="de-DE"/>
           </a:p>
@@ -2867,7 +2868,7 @@
               <a:pPr>
                 <a:defRPr/>
               </a:pPr>
-              <a:t>19</a:t>
+              <a:t>20</a:t>
             </a:fld>
             <a:endParaRPr lang="de-DE"/>
           </a:p>
@@ -3071,7 +3072,7 @@
               <a:pPr>
                 <a:defRPr/>
               </a:pPr>
-              <a:t>21</a:t>
+              <a:t>22</a:t>
             </a:fld>
             <a:endParaRPr lang="de-DE"/>
           </a:p>
@@ -3453,7 +3454,7 @@
               <a:pPr>
                 <a:defRPr/>
               </a:pPr>
-              <a:t>23</a:t>
+              <a:t>24</a:t>
             </a:fld>
             <a:endParaRPr lang="de-DE"/>
           </a:p>
@@ -3723,7 +3724,7 @@
               <a:pPr>
                 <a:defRPr/>
               </a:pPr>
-              <a:t>24</a:t>
+              <a:t>25</a:t>
             </a:fld>
             <a:endParaRPr lang="de-DE"/>
           </a:p>
@@ -4013,7 +4014,7 @@
               <a:pPr>
                 <a:defRPr/>
               </a:pPr>
-              <a:t>25</a:t>
+              <a:t>26</a:t>
             </a:fld>
             <a:endParaRPr lang="de-DE"/>
           </a:p>
@@ -6003,14 +6004,9 @@
           <a:lstStyle/>
           <a:p>
             <a:r>
-              <a:rPr lang="de-DE" dirty="0"/>
-              <a:t>Background Knowledge </a:t>
-            </a:r>
-            <a:r>
-              <a:rPr lang="de-DE" dirty="0" err="1"/>
-              <a:t>Attack</a:t>
-            </a:r>
-            <a:endParaRPr lang="de-DE" dirty="0"/>
+              <a:rPr lang="en-US" dirty="0"/>
+              <a:t>Background Knowledge Attack</a:t>
+            </a:r>
           </a:p>
         </p:txBody>
       </p:sp>
@@ -6312,26 +6308,9 @@
           <a:lstStyle/>
           <a:p>
             <a:r>
-              <a:rPr lang="de-DE" dirty="0" err="1"/>
-              <a:t>Unsorted</a:t>
-            </a:r>
-            <a:r>
-              <a:rPr lang="de-DE" dirty="0"/>
-              <a:t> </a:t>
-            </a:r>
-            <a:r>
-              <a:rPr lang="de-DE" dirty="0" err="1"/>
-              <a:t>Matching</a:t>
-            </a:r>
-            <a:r>
-              <a:rPr lang="de-DE" dirty="0"/>
-              <a:t> </a:t>
-            </a:r>
-            <a:r>
-              <a:rPr lang="de-DE" dirty="0" err="1"/>
-              <a:t>Attacks</a:t>
-            </a:r>
-            <a:endParaRPr lang="de-DE" dirty="0"/>
+              <a:rPr lang="en-US" dirty="0"/>
+              <a:t>Unsorted Matching Attacks</a:t>
+            </a:r>
           </a:p>
         </p:txBody>
       </p:sp>
@@ -7183,8 +7162,8 @@
         </p:blipFill>
         <p:spPr>
           <a:xfrm>
-            <a:off x="4864348" y="1416863"/>
-            <a:ext cx="3195856" cy="2228718"/>
+            <a:off x="4530905" y="3006786"/>
+            <a:ext cx="3917845" cy="2732217"/>
           </a:xfrm>
           <a:prstGeom prst="rect">
             <a:avLst/>
@@ -7218,20 +7197,353 @@
         </p:blipFill>
         <p:spPr>
           <a:xfrm>
-            <a:off x="634941" y="1415459"/>
-            <a:ext cx="3248505" cy="2228719"/>
+            <a:off x="527013" y="1387517"/>
+            <a:ext cx="3982388" cy="2732218"/>
           </a:xfrm>
           <a:prstGeom prst="rect">
             <a:avLst/>
           </a:prstGeom>
         </p:spPr>
       </p:pic>
+      <p:sp>
+        <p:nvSpPr>
+          <p:cNvPr id="15" name="Textfeld 14">
+            <a:extLst>
+              <a:ext uri="{FF2B5EF4-FFF2-40B4-BE49-F238E27FC236}">
+                <a16:creationId xmlns:a16="http://schemas.microsoft.com/office/drawing/2014/main" id="{AC01D92A-91D7-483A-B70A-8EFB67811A17}"/>
+              </a:ext>
+            </a:extLst>
+          </p:cNvPr>
+          <p:cNvSpPr txBox="1"/>
+          <p:nvPr/>
+        </p:nvSpPr>
+        <p:spPr>
+          <a:xfrm>
+            <a:off x="1052758" y="4095895"/>
+            <a:ext cx="2813127" cy="276999"/>
+          </a:xfrm>
+          <a:prstGeom prst="rect">
+            <a:avLst/>
+          </a:prstGeom>
+          <a:noFill/>
+        </p:spPr>
+        <p:txBody>
+          <a:bodyPr wrap="square" rtlCol="0">
+            <a:spAutoFit/>
+          </a:bodyPr>
+          <a:lstStyle/>
+          <a:p>
+            <a:r>
+              <a:rPr lang="en-US" sz="1200" b="0" dirty="0"/>
+              <a:t>Released table 1</a:t>
+            </a:r>
+          </a:p>
+        </p:txBody>
+      </p:sp>
+      <p:sp>
+        <p:nvSpPr>
+          <p:cNvPr id="16" name="Textfeld 15">
+            <a:extLst>
+              <a:ext uri="{FF2B5EF4-FFF2-40B4-BE49-F238E27FC236}">
+                <a16:creationId xmlns:a16="http://schemas.microsoft.com/office/drawing/2014/main" id="{C022F68A-AEAC-4556-BE0A-878D4DAC8439}"/>
+              </a:ext>
+            </a:extLst>
+          </p:cNvPr>
+          <p:cNvSpPr txBox="1"/>
+          <p:nvPr/>
+        </p:nvSpPr>
+        <p:spPr>
+          <a:xfrm>
+            <a:off x="5083263" y="5719003"/>
+            <a:ext cx="2813127" cy="276999"/>
+          </a:xfrm>
+          <a:prstGeom prst="rect">
+            <a:avLst/>
+          </a:prstGeom>
+          <a:noFill/>
+        </p:spPr>
+        <p:txBody>
+          <a:bodyPr wrap="square" rtlCol="0">
+            <a:spAutoFit/>
+          </a:bodyPr>
+          <a:lstStyle/>
+          <a:p>
+            <a:r>
+              <a:rPr lang="en-US" sz="1200" b="0" dirty="0"/>
+              <a:t>Released table 2</a:t>
+            </a:r>
+          </a:p>
+        </p:txBody>
+      </p:sp>
+      <p:sp>
+        <p:nvSpPr>
+          <p:cNvPr id="17" name="Textfeld 16">
+            <a:extLst>
+              <a:ext uri="{FF2B5EF4-FFF2-40B4-BE49-F238E27FC236}">
+                <a16:creationId xmlns:a16="http://schemas.microsoft.com/office/drawing/2014/main" id="{7E7045DB-CB22-4938-B6CF-2F0DC2898601}"/>
+              </a:ext>
+            </a:extLst>
+          </p:cNvPr>
+          <p:cNvSpPr txBox="1"/>
+          <p:nvPr/>
+        </p:nvSpPr>
+        <p:spPr>
+          <a:xfrm>
+            <a:off x="1946116" y="5987788"/>
+            <a:ext cx="2294718" cy="276999"/>
+          </a:xfrm>
+          <a:prstGeom prst="rect">
+            <a:avLst/>
+          </a:prstGeom>
+          <a:noFill/>
+        </p:spPr>
+        <p:txBody>
+          <a:bodyPr wrap="square" rtlCol="0">
+            <a:spAutoFit/>
+          </a:bodyPr>
+          <a:lstStyle/>
+          <a:p>
+            <a:r>
+              <a:rPr lang="en-US" sz="1200" b="0" dirty="0"/>
+              <a:t>Linked table of table 1 and 2</a:t>
+            </a:r>
+          </a:p>
+        </p:txBody>
+      </p:sp>
+      <p:sp>
+        <p:nvSpPr>
+          <p:cNvPr id="19" name="Textfeld 18">
+            <a:extLst>
+              <a:ext uri="{FF2B5EF4-FFF2-40B4-BE49-F238E27FC236}">
+                <a16:creationId xmlns:a16="http://schemas.microsoft.com/office/drawing/2014/main" id="{02BEA6A7-4CFE-45F3-9425-EB59733CB9DB}"/>
+              </a:ext>
+            </a:extLst>
+          </p:cNvPr>
+          <p:cNvSpPr txBox="1"/>
+          <p:nvPr/>
+        </p:nvSpPr>
+        <p:spPr>
+          <a:xfrm>
+            <a:off x="4509401" y="6012821"/>
+            <a:ext cx="5885836" cy="523220"/>
+          </a:xfrm>
+          <a:prstGeom prst="rect">
+            <a:avLst/>
+          </a:prstGeom>
+          <a:noFill/>
+        </p:spPr>
+        <p:txBody>
+          <a:bodyPr wrap="square" rtlCol="0">
+            <a:spAutoFit/>
+          </a:bodyPr>
+          <a:lstStyle/>
+          <a:p>
+            <a:pPr algn="l"/>
+            <a:r>
+              <a:rPr lang="en-US" sz="1000" dirty="0"/>
+              <a:t>Source: </a:t>
+            </a:r>
+            <a:r>
+              <a:rPr lang="en-US" sz="1000" b="0" dirty="0"/>
+              <a:t>k-ANONYMITY: A MODEL FOR PROTECTING PRIVACY</a:t>
+            </a:r>
+            <a:endParaRPr lang="de-DE" sz="1000" b="0" dirty="0"/>
+          </a:p>
+          <a:p>
+            <a:endParaRPr lang="en-US" dirty="0"/>
+          </a:p>
+        </p:txBody>
+      </p:sp>
+    </p:spTree>
+    <p:extLst>
+      <p:ext uri="{BB962C8B-B14F-4D97-AF65-F5344CB8AC3E}">
+        <p14:creationId xmlns:p14="http://schemas.microsoft.com/office/powerpoint/2010/main" val="3021785598"/>
+      </p:ext>
+    </p:extLst>
+  </p:cSld>
+  <p:clrMapOvr>
+    <a:masterClrMapping/>
+  </p:clrMapOvr>
+</p:sld>
+</file>
+
+<file path=ppt/slides/slide14.xml><?xml version="1.0" encoding="utf-8"?>
+<p:sld xmlns:a="http://schemas.openxmlformats.org/drawingml/2006/main" xmlns:r="http://schemas.openxmlformats.org/officeDocument/2006/relationships" xmlns:p="http://schemas.openxmlformats.org/presentationml/2006/main">
+  <p:cSld>
+    <p:spTree>
+      <p:nvGrpSpPr>
+        <p:cNvPr id="1" name=""/>
+        <p:cNvGrpSpPr/>
+        <p:nvPr/>
+      </p:nvGrpSpPr>
+      <p:grpSpPr>
+        <a:xfrm>
+          <a:off x="0" y="0"/>
+          <a:ext cx="0" cy="0"/>
+          <a:chOff x="0" y="0"/>
+          <a:chExt cx="0" cy="0"/>
+        </a:xfrm>
+      </p:grpSpPr>
+      <p:sp>
+        <p:nvSpPr>
+          <p:cNvPr id="2" name="Textplatzhalter 1">
+            <a:extLst>
+              <a:ext uri="{FF2B5EF4-FFF2-40B4-BE49-F238E27FC236}">
+                <a16:creationId xmlns:a16="http://schemas.microsoft.com/office/drawing/2014/main" id="{4422A192-4A2A-43BF-8AAF-732CD4C9E061}"/>
+              </a:ext>
+            </a:extLst>
+          </p:cNvPr>
+          <p:cNvSpPr>
+            <a:spLocks noGrp="1"/>
+          </p:cNvSpPr>
+          <p:nvPr>
+            <p:ph type="body" sz="quarter" idx="13"/>
+          </p:nvPr>
+        </p:nvSpPr>
+        <p:spPr/>
+        <p:txBody>
+          <a:bodyPr/>
+          <a:lstStyle/>
+          <a:p>
+            <a:r>
+              <a:rPr lang="en-US" dirty="0"/>
+              <a:t>Linking both tables on {Problem}</a:t>
+            </a:r>
+          </a:p>
+          <a:p>
+            <a:endParaRPr lang="en-US" dirty="0"/>
+          </a:p>
+          <a:p>
+            <a:pPr lvl="1"/>
+            <a:endParaRPr lang="en-US" dirty="0"/>
+          </a:p>
+          <a:p>
+            <a:endParaRPr lang="en-US" dirty="0"/>
+          </a:p>
+        </p:txBody>
+      </p:sp>
+      <p:sp>
+        <p:nvSpPr>
+          <p:cNvPr id="3" name="Datumsplatzhalter 2">
+            <a:extLst>
+              <a:ext uri="{FF2B5EF4-FFF2-40B4-BE49-F238E27FC236}">
+                <a16:creationId xmlns:a16="http://schemas.microsoft.com/office/drawing/2014/main" id="{B28A28C5-728D-4CC4-BE1A-20884BCA265F}"/>
+              </a:ext>
+            </a:extLst>
+          </p:cNvPr>
+          <p:cNvSpPr>
+            <a:spLocks noGrp="1"/>
+          </p:cNvSpPr>
+          <p:nvPr>
+            <p:ph type="dt" sz="half" idx="14"/>
+          </p:nvPr>
+        </p:nvSpPr>
+        <p:spPr/>
+        <p:txBody>
+          <a:bodyPr/>
+          <a:lstStyle/>
+          <a:p>
+            <a:r>
+              <a:rPr lang="de-DE"/>
+              <a:t>30.01.2018</a:t>
+            </a:r>
+            <a:endParaRPr lang="de-DE" dirty="0"/>
+          </a:p>
+        </p:txBody>
+      </p:sp>
+      <p:sp>
+        <p:nvSpPr>
+          <p:cNvPr id="4" name="Fußzeilenplatzhalter 3">
+            <a:extLst>
+              <a:ext uri="{FF2B5EF4-FFF2-40B4-BE49-F238E27FC236}">
+                <a16:creationId xmlns:a16="http://schemas.microsoft.com/office/drawing/2014/main" id="{3E51C5A8-6579-4C6F-A696-E6418C7947F2}"/>
+              </a:ext>
+            </a:extLst>
+          </p:cNvPr>
+          <p:cNvSpPr>
+            <a:spLocks noGrp="1"/>
+          </p:cNvSpPr>
+          <p:nvPr>
+            <p:ph type="ftr" sz="quarter" idx="15"/>
+          </p:nvPr>
+        </p:nvSpPr>
+        <p:spPr/>
+        <p:txBody>
+          <a:bodyPr/>
+          <a:lstStyle/>
+          <a:p>
+            <a:r>
+              <a:rPr lang="de-DE"/>
+              <a:t>Schallner Ludwig, Wiegnand Andreas</a:t>
+            </a:r>
+            <a:endParaRPr lang="de-DE" dirty="0"/>
+          </a:p>
+        </p:txBody>
+      </p:sp>
+      <p:sp>
+        <p:nvSpPr>
+          <p:cNvPr id="5" name="Foliennummernplatzhalter 4">
+            <a:extLst>
+              <a:ext uri="{FF2B5EF4-FFF2-40B4-BE49-F238E27FC236}">
+                <a16:creationId xmlns:a16="http://schemas.microsoft.com/office/drawing/2014/main" id="{4A3C5ED1-2936-4CCF-A462-50C5C0E0C96C}"/>
+              </a:ext>
+            </a:extLst>
+          </p:cNvPr>
+          <p:cNvSpPr>
+            <a:spLocks noGrp="1"/>
+          </p:cNvSpPr>
+          <p:nvPr>
+            <p:ph type="sldNum" sz="quarter" idx="16"/>
+          </p:nvPr>
+        </p:nvSpPr>
+        <p:spPr/>
+        <p:txBody>
+          <a:bodyPr/>
+          <a:lstStyle/>
+          <a:p>
+            <a:fld id="{50E76E58-F275-47A3-BB17-470016A267B6}" type="slidenum">
+              <a:rPr lang="de-DE" smtClean="0"/>
+              <a:pPr/>
+              <a:t>14</a:t>
+            </a:fld>
+            <a:endParaRPr lang="de-DE"/>
+          </a:p>
+        </p:txBody>
+      </p:sp>
+      <p:sp>
+        <p:nvSpPr>
+          <p:cNvPr id="6" name="Titel 5">
+            <a:extLst>
+              <a:ext uri="{FF2B5EF4-FFF2-40B4-BE49-F238E27FC236}">
+                <a16:creationId xmlns:a16="http://schemas.microsoft.com/office/drawing/2014/main" id="{A3BC5FFB-802C-4B31-9DF1-E89B1CB1AAB6}"/>
+              </a:ext>
+            </a:extLst>
+          </p:cNvPr>
+          <p:cNvSpPr>
+            <a:spLocks noGrp="1"/>
+          </p:cNvSpPr>
+          <p:nvPr>
+            <p:ph type="title"/>
+          </p:nvPr>
+        </p:nvSpPr>
+        <p:spPr/>
+        <p:txBody>
+          <a:bodyPr/>
+          <a:lstStyle/>
+          <a:p>
+            <a:r>
+              <a:rPr lang="en-US" dirty="0"/>
+              <a:t>Complementary Release Attack</a:t>
+            </a:r>
+          </a:p>
+        </p:txBody>
+      </p:sp>
       <p:pic>
         <p:nvPicPr>
-          <p:cNvPr id="13" name="Grafik 12">
-            <a:extLst>
-              <a:ext uri="{FF2B5EF4-FFF2-40B4-BE49-F238E27FC236}">
-                <a16:creationId xmlns:a16="http://schemas.microsoft.com/office/drawing/2014/main" id="{B8226B20-2B97-4934-872A-B6AA063F96E4}"/>
+          <p:cNvPr id="7" name="Grafik 6">
+            <a:extLst>
+              <a:ext uri="{FF2B5EF4-FFF2-40B4-BE49-F238E27FC236}">
+                <a16:creationId xmlns:a16="http://schemas.microsoft.com/office/drawing/2014/main" id="{E25691BF-9A28-4BD1-B71A-396025B90458}"/>
               </a:ext>
             </a:extLst>
           </p:cNvPr>
@@ -7241,7 +7553,7 @@
           <p:nvPr/>
         </p:nvPicPr>
         <p:blipFill>
-          <a:blip r:embed="rId3">
+          <a:blip r:embed="rId2">
             <a:extLst>
               <a:ext uri="{28A0092B-C50C-407E-A947-70E740481C1C}">
                 <a14:useLocalDpi xmlns:a14="http://schemas.microsoft.com/office/drawing/2010/main" val="0"/>
@@ -7254,8 +7566,8 @@
         </p:blipFill>
         <p:spPr>
           <a:xfrm>
-            <a:off x="1619672" y="3951755"/>
-            <a:ext cx="2947607" cy="2059937"/>
+            <a:off x="534034" y="1897450"/>
+            <a:ext cx="5461001" cy="3816424"/>
           </a:xfrm>
           <a:prstGeom prst="rect">
             <a:avLst/>
@@ -7264,10 +7576,10 @@
       </p:pic>
       <p:sp>
         <p:nvSpPr>
-          <p:cNvPr id="14" name="Pfeil: nach rechts 13">
-            <a:extLst>
-              <a:ext uri="{FF2B5EF4-FFF2-40B4-BE49-F238E27FC236}">
-                <a16:creationId xmlns:a16="http://schemas.microsoft.com/office/drawing/2014/main" id="{DD498C96-9F6C-4C92-B90F-1A052180AD04}"/>
+          <p:cNvPr id="8" name="Pfeil: nach rechts 7">
+            <a:extLst>
+              <a:ext uri="{FF2B5EF4-FFF2-40B4-BE49-F238E27FC236}">
+                <a16:creationId xmlns:a16="http://schemas.microsoft.com/office/drawing/2014/main" id="{F668598B-6091-41E1-B671-DC55E2237757}"/>
               </a:ext>
             </a:extLst>
           </p:cNvPr>
@@ -7276,7 +7588,7 @@
         </p:nvSpPr>
         <p:spPr>
           <a:xfrm>
-            <a:off x="4701757" y="4583144"/>
+            <a:off x="6067908" y="3448946"/>
             <a:ext cx="774020" cy="713433"/>
           </a:xfrm>
           <a:prstGeom prst="rightArrow">
@@ -7322,10 +7634,10 @@
       </p:sp>
       <p:sp>
         <p:nvSpPr>
-          <p:cNvPr id="15" name="Textfeld 14">
-            <a:extLst>
-              <a:ext uri="{FF2B5EF4-FFF2-40B4-BE49-F238E27FC236}">
-                <a16:creationId xmlns:a16="http://schemas.microsoft.com/office/drawing/2014/main" id="{AC01D92A-91D7-483A-B70A-8EFB67811A17}"/>
+          <p:cNvPr id="9" name="Textfeld 8">
+            <a:extLst>
+              <a:ext uri="{FF2B5EF4-FFF2-40B4-BE49-F238E27FC236}">
+                <a16:creationId xmlns:a16="http://schemas.microsoft.com/office/drawing/2014/main" id="{F386A16D-001A-4847-AEEE-0D03B8F584FE}"/>
               </a:ext>
             </a:extLst>
           </p:cNvPr>
@@ -7334,112 +7646,7 @@
         </p:nvSpPr>
         <p:spPr>
           <a:xfrm>
-            <a:off x="1111834" y="3564200"/>
-            <a:ext cx="2294718" cy="276999"/>
-          </a:xfrm>
-          <a:prstGeom prst="rect">
-            <a:avLst/>
-          </a:prstGeom>
-          <a:noFill/>
-        </p:spPr>
-        <p:txBody>
-          <a:bodyPr wrap="square" rtlCol="0">
-            <a:spAutoFit/>
-          </a:bodyPr>
-          <a:lstStyle/>
-          <a:p>
-            <a:r>
-              <a:rPr lang="en-US" sz="1200" b="0" dirty="0"/>
-              <a:t>Released table 1</a:t>
-            </a:r>
-          </a:p>
-        </p:txBody>
-      </p:sp>
-      <p:sp>
-        <p:nvSpPr>
-          <p:cNvPr id="16" name="Textfeld 15">
-            <a:extLst>
-              <a:ext uri="{FF2B5EF4-FFF2-40B4-BE49-F238E27FC236}">
-                <a16:creationId xmlns:a16="http://schemas.microsoft.com/office/drawing/2014/main" id="{C022F68A-AEAC-4556-BE0A-878D4DAC8439}"/>
-              </a:ext>
-            </a:extLst>
-          </p:cNvPr>
-          <p:cNvSpPr txBox="1"/>
-          <p:nvPr/>
-        </p:nvSpPr>
-        <p:spPr>
-          <a:xfrm>
-            <a:off x="5314917" y="3601777"/>
-            <a:ext cx="2294718" cy="276999"/>
-          </a:xfrm>
-          <a:prstGeom prst="rect">
-            <a:avLst/>
-          </a:prstGeom>
-          <a:noFill/>
-        </p:spPr>
-        <p:txBody>
-          <a:bodyPr wrap="square" rtlCol="0">
-            <a:spAutoFit/>
-          </a:bodyPr>
-          <a:lstStyle/>
-          <a:p>
-            <a:r>
-              <a:rPr lang="en-US" sz="1200" b="0" dirty="0"/>
-              <a:t>Released table 2</a:t>
-            </a:r>
-          </a:p>
-        </p:txBody>
-      </p:sp>
-      <p:sp>
-        <p:nvSpPr>
-          <p:cNvPr id="17" name="Textfeld 16">
-            <a:extLst>
-              <a:ext uri="{FF2B5EF4-FFF2-40B4-BE49-F238E27FC236}">
-                <a16:creationId xmlns:a16="http://schemas.microsoft.com/office/drawing/2014/main" id="{7E7045DB-CB22-4938-B6CF-2F0DC2898601}"/>
-              </a:ext>
-            </a:extLst>
-          </p:cNvPr>
-          <p:cNvSpPr txBox="1"/>
-          <p:nvPr/>
-        </p:nvSpPr>
-        <p:spPr>
-          <a:xfrm>
-            <a:off x="1946116" y="5987788"/>
-            <a:ext cx="2294718" cy="276999"/>
-          </a:xfrm>
-          <a:prstGeom prst="rect">
-            <a:avLst/>
-          </a:prstGeom>
-          <a:noFill/>
-        </p:spPr>
-        <p:txBody>
-          <a:bodyPr wrap="square" rtlCol="0">
-            <a:spAutoFit/>
-          </a:bodyPr>
-          <a:lstStyle/>
-          <a:p>
-            <a:r>
-              <a:rPr lang="en-US" sz="1200" b="0" dirty="0"/>
-              <a:t>Linked table of table 1 and 2</a:t>
-            </a:r>
-          </a:p>
-        </p:txBody>
-      </p:sp>
-      <p:sp>
-        <p:nvSpPr>
-          <p:cNvPr id="18" name="Textfeld 17">
-            <a:extLst>
-              <a:ext uri="{FF2B5EF4-FFF2-40B4-BE49-F238E27FC236}">
-                <a16:creationId xmlns:a16="http://schemas.microsoft.com/office/drawing/2014/main" id="{7E27042C-B6A3-40E3-815E-0CC13AFB8708}"/>
-              </a:ext>
-            </a:extLst>
-          </p:cNvPr>
-          <p:cNvSpPr txBox="1"/>
-          <p:nvPr/>
-        </p:nvSpPr>
-        <p:spPr>
-          <a:xfrm>
-            <a:off x="5336740" y="4432028"/>
+            <a:off x="6777596" y="3297830"/>
             <a:ext cx="2115579" cy="1015663"/>
           </a:xfrm>
           <a:prstGeom prst="rect">
@@ -7467,221 +7674,16 @@
           </a:p>
         </p:txBody>
       </p:sp>
-      <p:sp>
-        <p:nvSpPr>
-          <p:cNvPr id="19" name="Textfeld 18">
-            <a:extLst>
-              <a:ext uri="{FF2B5EF4-FFF2-40B4-BE49-F238E27FC236}">
-                <a16:creationId xmlns:a16="http://schemas.microsoft.com/office/drawing/2014/main" id="{02BEA6A7-4CFE-45F3-9425-EB59733CB9DB}"/>
-              </a:ext>
-            </a:extLst>
-          </p:cNvPr>
-          <p:cNvSpPr txBox="1"/>
-          <p:nvPr/>
-        </p:nvSpPr>
-        <p:spPr>
-          <a:xfrm>
-            <a:off x="4509401" y="6012821"/>
-            <a:ext cx="5885836" cy="523220"/>
-          </a:xfrm>
-          <a:prstGeom prst="rect">
-            <a:avLst/>
-          </a:prstGeom>
-          <a:noFill/>
-        </p:spPr>
-        <p:txBody>
-          <a:bodyPr wrap="square" rtlCol="0">
-            <a:spAutoFit/>
-          </a:bodyPr>
-          <a:lstStyle/>
-          <a:p>
-            <a:pPr algn="l"/>
-            <a:r>
-              <a:rPr lang="en-US" sz="1000" dirty="0"/>
-              <a:t>Source: </a:t>
-            </a:r>
-            <a:r>
-              <a:rPr lang="en-US" sz="1000" b="0" dirty="0"/>
-              <a:t>k-ANONYMITY: A MODEL FOR PROTECTING PRIVACY</a:t>
-            </a:r>
-            <a:endParaRPr lang="de-DE" sz="1000" b="0" dirty="0"/>
-          </a:p>
-          <a:p>
-            <a:endParaRPr lang="en-US" dirty="0"/>
-          </a:p>
-        </p:txBody>
-      </p:sp>
     </p:spTree>
     <p:extLst>
       <p:ext uri="{BB962C8B-B14F-4D97-AF65-F5344CB8AC3E}">
-        <p14:creationId xmlns:p14="http://schemas.microsoft.com/office/powerpoint/2010/main" val="3021785598"/>
+        <p14:creationId xmlns:p14="http://schemas.microsoft.com/office/powerpoint/2010/main" val="3305544099"/>
       </p:ext>
     </p:extLst>
   </p:cSld>
   <p:clrMapOvr>
     <a:masterClrMapping/>
   </p:clrMapOvr>
-</p:sld>
-</file>
-
-<file path=ppt/slides/slide14.xml><?xml version="1.0" encoding="utf-8"?>
-<p:sld xmlns:a="http://schemas.openxmlformats.org/drawingml/2006/main" xmlns:r="http://schemas.openxmlformats.org/officeDocument/2006/relationships" xmlns:p="http://schemas.openxmlformats.org/presentationml/2006/main">
-  <p:cSld>
-    <p:spTree>
-      <p:nvGrpSpPr>
-        <p:cNvPr id="1" name=""/>
-        <p:cNvGrpSpPr/>
-        <p:nvPr/>
-      </p:nvGrpSpPr>
-      <p:grpSpPr>
-        <a:xfrm>
-          <a:off x="0" y="0"/>
-          <a:ext cx="0" cy="0"/>
-          <a:chOff x="0" y="0"/>
-          <a:chExt cx="0" cy="0"/>
-        </a:xfrm>
-      </p:grpSpPr>
-      <p:sp>
-        <p:nvSpPr>
-          <p:cNvPr id="7" name="Titel 6">
-            <a:extLst>
-              <a:ext uri="{FF2B5EF4-FFF2-40B4-BE49-F238E27FC236}">
-                <a16:creationId xmlns:a16="http://schemas.microsoft.com/office/drawing/2014/main" id="{B2B07D15-4096-494A-A328-F4FC4C42FD96}"/>
-              </a:ext>
-            </a:extLst>
-          </p:cNvPr>
-          <p:cNvSpPr>
-            <a:spLocks noGrp="1"/>
-          </p:cNvSpPr>
-          <p:nvPr>
-            <p:ph type="ctrTitle"/>
-          </p:nvPr>
-        </p:nvSpPr>
-        <p:spPr>
-          <a:xfrm>
-            <a:off x="704850" y="1527175"/>
-            <a:ext cx="7704138" cy="2870200"/>
-          </a:xfrm>
-        </p:spPr>
-        <p:txBody>
-          <a:bodyPr/>
-          <a:lstStyle/>
-          <a:p>
-            <a:r>
-              <a:rPr lang="en-US" dirty="0"/>
-              <a:t>Optimal K-Anonymity</a:t>
-            </a:r>
-          </a:p>
-        </p:txBody>
-      </p:sp>
-      <p:sp>
-        <p:nvSpPr>
-          <p:cNvPr id="3" name="Datumsplatzhalter 2">
-            <a:extLst>
-              <a:ext uri="{FF2B5EF4-FFF2-40B4-BE49-F238E27FC236}">
-                <a16:creationId xmlns:a16="http://schemas.microsoft.com/office/drawing/2014/main" id="{D494A6F2-3A79-427E-B492-0AF8362994E0}"/>
-              </a:ext>
-            </a:extLst>
-          </p:cNvPr>
-          <p:cNvSpPr>
-            <a:spLocks noGrp="1"/>
-          </p:cNvSpPr>
-          <p:nvPr>
-            <p:ph type="dt" sz="half" idx="2"/>
-          </p:nvPr>
-        </p:nvSpPr>
-        <p:spPr/>
-        <p:txBody>
-          <a:bodyPr/>
-          <a:lstStyle/>
-          <a:p>
-            <a:r>
-              <a:rPr lang="de-DE" dirty="0"/>
-              <a:t>06.02.2018</a:t>
-            </a:r>
-          </a:p>
-        </p:txBody>
-      </p:sp>
-      <p:sp>
-        <p:nvSpPr>
-          <p:cNvPr id="4" name="Fußzeilenplatzhalter 3">
-            <a:extLst>
-              <a:ext uri="{FF2B5EF4-FFF2-40B4-BE49-F238E27FC236}">
-                <a16:creationId xmlns:a16="http://schemas.microsoft.com/office/drawing/2014/main" id="{09763DC7-3711-4A68-BD58-888E46287AEB}"/>
-              </a:ext>
-            </a:extLst>
-          </p:cNvPr>
-          <p:cNvSpPr>
-            <a:spLocks noGrp="1"/>
-          </p:cNvSpPr>
-          <p:nvPr>
-            <p:ph type="ftr" sz="quarter" idx="4294967295"/>
-          </p:nvPr>
-        </p:nvSpPr>
-        <p:spPr>
-          <a:xfrm>
-            <a:off x="3656013" y="6308725"/>
-            <a:ext cx="5487987" cy="288925"/>
-          </a:xfrm>
-        </p:spPr>
-        <p:txBody>
-          <a:bodyPr/>
-          <a:lstStyle/>
-          <a:p>
-            <a:r>
-              <a:rPr lang="de-DE"/>
-              <a:t>Schallner Ludwig, Wiegnand Andreas</a:t>
-            </a:r>
-            <a:endParaRPr lang="de-DE" dirty="0"/>
-          </a:p>
-        </p:txBody>
-      </p:sp>
-      <p:sp>
-        <p:nvSpPr>
-          <p:cNvPr id="5" name="Foliennummernplatzhalter 4">
-            <a:extLst>
-              <a:ext uri="{FF2B5EF4-FFF2-40B4-BE49-F238E27FC236}">
-                <a16:creationId xmlns:a16="http://schemas.microsoft.com/office/drawing/2014/main" id="{0898F6FC-B5CB-4664-9E93-A2CBC4A46FB0}"/>
-              </a:ext>
-            </a:extLst>
-          </p:cNvPr>
-          <p:cNvSpPr>
-            <a:spLocks noGrp="1"/>
-          </p:cNvSpPr>
-          <p:nvPr>
-            <p:ph type="sldNum" sz="quarter" idx="4294967295"/>
-          </p:nvPr>
-        </p:nvSpPr>
-        <p:spPr>
-          <a:xfrm>
-            <a:off x="8666163" y="6408738"/>
-            <a:ext cx="477837" cy="333375"/>
-          </a:xfrm>
-        </p:spPr>
-        <p:txBody>
-          <a:bodyPr/>
-          <a:lstStyle/>
-          <a:p>
-            <a:fld id="{50E76E58-F275-47A3-BB17-470016A267B6}" type="slidenum">
-              <a:rPr lang="de-DE" smtClean="0"/>
-              <a:pPr/>
-              <a:t>14</a:t>
-            </a:fld>
-            <a:endParaRPr lang="de-DE"/>
-          </a:p>
-        </p:txBody>
-      </p:sp>
-    </p:spTree>
-    <p:extLst>
-      <p:ext uri="{BB962C8B-B14F-4D97-AF65-F5344CB8AC3E}">
-        <p14:creationId xmlns:p14="http://schemas.microsoft.com/office/powerpoint/2010/main" val="3532074383"/>
-      </p:ext>
-    </p:extLst>
-  </p:cSld>
-  <p:clrMapOvr>
-    <a:masterClrMapping/>
-  </p:clrMapOvr>
-  <p:transition/>
 </p:sld>
 </file>
 
@@ -7704,67 +7706,34 @@
       </p:grpSpPr>
       <p:sp>
         <p:nvSpPr>
-          <p:cNvPr id="2" name="Textplatzhalter 1">
-            <a:extLst>
-              <a:ext uri="{FF2B5EF4-FFF2-40B4-BE49-F238E27FC236}">
-                <a16:creationId xmlns:a16="http://schemas.microsoft.com/office/drawing/2014/main" id="{B7F551F4-610E-488D-AB7B-CE0A61388660}"/>
-              </a:ext>
-            </a:extLst>
-          </p:cNvPr>
-          <p:cNvSpPr>
-            <a:spLocks noGrp="1"/>
-          </p:cNvSpPr>
-          <p:nvPr>
-            <p:ph type="body" sz="quarter" idx="13"/>
-          </p:nvPr>
-        </p:nvSpPr>
-        <p:spPr/>
-        <p:txBody>
-          <a:bodyPr/>
-          <a:lstStyle/>
-          <a:p>
-            <a:endParaRPr lang="en-US" dirty="0"/>
-          </a:p>
-          <a:p>
-            <a:r>
-              <a:rPr lang="de-DE" dirty="0"/>
-              <a:t>Goal of K-</a:t>
-            </a:r>
-            <a:r>
-              <a:rPr lang="de-DE" dirty="0" err="1"/>
-              <a:t>Anonymity</a:t>
-            </a:r>
-            <a:r>
-              <a:rPr lang="de-DE" dirty="0"/>
-              <a:t> algorithm is to find a optimal solution</a:t>
-            </a:r>
-          </a:p>
-          <a:p>
-            <a:r>
-              <a:rPr lang="de-DE" dirty="0"/>
-              <a:t>Minimal Information loss</a:t>
-            </a:r>
-          </a:p>
-          <a:p>
-            <a:r>
-              <a:rPr lang="de-DE" dirty="0"/>
-              <a:t>Datamining</a:t>
-            </a:r>
-          </a:p>
-          <a:p>
-            <a:r>
-              <a:rPr lang="de-DE" dirty="0"/>
-              <a:t>Heuristic /Approximation/ Loss Metrics</a:t>
-            </a:r>
-          </a:p>
-          <a:p>
-            <a:r>
-              <a:rPr lang="de-DE" dirty="0"/>
-              <a:t>NP-Hard</a:t>
-            </a:r>
-          </a:p>
-          <a:p>
-            <a:endParaRPr lang="de-DE" dirty="0"/>
+          <p:cNvPr id="7" name="Titel 6">
+            <a:extLst>
+              <a:ext uri="{FF2B5EF4-FFF2-40B4-BE49-F238E27FC236}">
+                <a16:creationId xmlns:a16="http://schemas.microsoft.com/office/drawing/2014/main" id="{B2B07D15-4096-494A-A328-F4FC4C42FD96}"/>
+              </a:ext>
+            </a:extLst>
+          </p:cNvPr>
+          <p:cNvSpPr>
+            <a:spLocks noGrp="1"/>
+          </p:cNvSpPr>
+          <p:nvPr>
+            <p:ph type="ctrTitle"/>
+          </p:nvPr>
+        </p:nvSpPr>
+        <p:spPr>
+          <a:xfrm>
+            <a:off x="704850" y="1527175"/>
+            <a:ext cx="7704138" cy="2870200"/>
+          </a:xfrm>
+        </p:spPr>
+        <p:txBody>
+          <a:bodyPr/>
+          <a:lstStyle/>
+          <a:p>
+            <a:r>
+              <a:rPr lang="en-US" dirty="0"/>
+              <a:t>Optimal K-Anonymity</a:t>
+            </a:r>
           </a:p>
         </p:txBody>
       </p:sp>
@@ -7773,15 +7742,15 @@
           <p:cNvPr id="3" name="Datumsplatzhalter 2">
             <a:extLst>
               <a:ext uri="{FF2B5EF4-FFF2-40B4-BE49-F238E27FC236}">
-                <a16:creationId xmlns:a16="http://schemas.microsoft.com/office/drawing/2014/main" id="{49D056D6-2543-4934-B1CF-0CC279797548}"/>
-              </a:ext>
-            </a:extLst>
-          </p:cNvPr>
-          <p:cNvSpPr>
-            <a:spLocks noGrp="1"/>
-          </p:cNvSpPr>
-          <p:nvPr>
-            <p:ph type="dt" sz="half" idx="14"/>
+                <a16:creationId xmlns:a16="http://schemas.microsoft.com/office/drawing/2014/main" id="{D494A6F2-3A79-427E-B492-0AF8362994E0}"/>
+              </a:ext>
+            </a:extLst>
+          </p:cNvPr>
+          <p:cNvSpPr>
+            <a:spLocks noGrp="1"/>
+          </p:cNvSpPr>
+          <p:nvPr>
+            <p:ph type="dt" sz="half" idx="2"/>
           </p:nvPr>
         </p:nvSpPr>
         <p:spPr/>
@@ -7801,18 +7770,23 @@
           <p:cNvPr id="4" name="Fußzeilenplatzhalter 3">
             <a:extLst>
               <a:ext uri="{FF2B5EF4-FFF2-40B4-BE49-F238E27FC236}">
-                <a16:creationId xmlns:a16="http://schemas.microsoft.com/office/drawing/2014/main" id="{ABEE3C34-C2C7-4728-B360-111405533D4C}"/>
-              </a:ext>
-            </a:extLst>
-          </p:cNvPr>
-          <p:cNvSpPr>
-            <a:spLocks noGrp="1"/>
-          </p:cNvSpPr>
-          <p:nvPr>
-            <p:ph type="ftr" sz="quarter" idx="15"/>
-          </p:nvPr>
-        </p:nvSpPr>
-        <p:spPr/>
+                <a16:creationId xmlns:a16="http://schemas.microsoft.com/office/drawing/2014/main" id="{09763DC7-3711-4A68-BD58-888E46287AEB}"/>
+              </a:ext>
+            </a:extLst>
+          </p:cNvPr>
+          <p:cNvSpPr>
+            <a:spLocks noGrp="1"/>
+          </p:cNvSpPr>
+          <p:nvPr>
+            <p:ph type="ftr" sz="quarter" idx="4294967295"/>
+          </p:nvPr>
+        </p:nvSpPr>
+        <p:spPr>
+          <a:xfrm>
+            <a:off x="3656013" y="6308725"/>
+            <a:ext cx="5487987" cy="288925"/>
+          </a:xfrm>
+        </p:spPr>
         <p:txBody>
           <a:bodyPr/>
           <a:lstStyle/>
@@ -7830,18 +7804,23 @@
           <p:cNvPr id="5" name="Foliennummernplatzhalter 4">
             <a:extLst>
               <a:ext uri="{FF2B5EF4-FFF2-40B4-BE49-F238E27FC236}">
-                <a16:creationId xmlns:a16="http://schemas.microsoft.com/office/drawing/2014/main" id="{6EB8AD93-9E3D-4E56-97AA-90997DA25138}"/>
-              </a:ext>
-            </a:extLst>
-          </p:cNvPr>
-          <p:cNvSpPr>
-            <a:spLocks noGrp="1"/>
-          </p:cNvSpPr>
-          <p:nvPr>
-            <p:ph type="sldNum" sz="quarter" idx="16"/>
-          </p:nvPr>
-        </p:nvSpPr>
-        <p:spPr/>
+                <a16:creationId xmlns:a16="http://schemas.microsoft.com/office/drawing/2014/main" id="{0898F6FC-B5CB-4664-9E93-A2CBC4A46FB0}"/>
+              </a:ext>
+            </a:extLst>
+          </p:cNvPr>
+          <p:cNvSpPr>
+            <a:spLocks noGrp="1"/>
+          </p:cNvSpPr>
+          <p:nvPr>
+            <p:ph type="sldNum" sz="quarter" idx="4294967295"/>
+          </p:nvPr>
+        </p:nvSpPr>
+        <p:spPr>
+          <a:xfrm>
+            <a:off x="8666163" y="6408738"/>
+            <a:ext cx="477837" cy="333375"/>
+          </a:xfrm>
+        </p:spPr>
         <p:txBody>
           <a:bodyPr/>
           <a:lstStyle/>
@@ -7855,121 +7834,17 @@
           </a:p>
         </p:txBody>
       </p:sp>
-      <p:sp>
-        <p:nvSpPr>
-          <p:cNvPr id="6" name="Titel 5">
-            <a:extLst>
-              <a:ext uri="{FF2B5EF4-FFF2-40B4-BE49-F238E27FC236}">
-                <a16:creationId xmlns:a16="http://schemas.microsoft.com/office/drawing/2014/main" id="{4BFCF9A1-69B3-4D2C-8818-7711643B9733}"/>
-              </a:ext>
-            </a:extLst>
-          </p:cNvPr>
-          <p:cNvSpPr>
-            <a:spLocks noGrp="1"/>
-          </p:cNvSpPr>
-          <p:nvPr>
-            <p:ph type="title"/>
-          </p:nvPr>
-        </p:nvSpPr>
-        <p:spPr/>
-        <p:txBody>
-          <a:bodyPr/>
-          <a:lstStyle/>
-          <a:p>
-            <a:r>
-              <a:rPr lang="de-DE" dirty="0"/>
-              <a:t>Optimal K-</a:t>
-            </a:r>
-            <a:r>
-              <a:rPr lang="de-DE" dirty="0" err="1"/>
-              <a:t>Anonymity</a:t>
-            </a:r>
-            <a:endParaRPr lang="de-DE" dirty="0"/>
-          </a:p>
-        </p:txBody>
-      </p:sp>
-      <p:pic>
-        <p:nvPicPr>
-          <p:cNvPr id="8" name="Grafik 7">
-            <a:extLst>
-              <a:ext uri="{FF2B5EF4-FFF2-40B4-BE49-F238E27FC236}">
-                <a16:creationId xmlns:a16="http://schemas.microsoft.com/office/drawing/2014/main" id="{F8F3F7CA-32E0-4C54-8871-FD67CAB0A2A8}"/>
-              </a:ext>
-            </a:extLst>
-          </p:cNvPr>
-          <p:cNvPicPr>
-            <a:picLocks noChangeAspect="1"/>
-          </p:cNvPicPr>
-          <p:nvPr/>
-        </p:nvPicPr>
-        <p:blipFill>
-          <a:blip r:embed="rId3">
-            <a:extLst>
-              <a:ext uri="{28A0092B-C50C-407E-A947-70E740481C1C}">
-                <a14:useLocalDpi xmlns:a14="http://schemas.microsoft.com/office/drawing/2010/main" val="0"/>
-              </a:ext>
-            </a:extLst>
-          </a:blip>
-          <a:stretch>
-            <a:fillRect/>
-          </a:stretch>
-        </p:blipFill>
-        <p:spPr>
-          <a:xfrm>
-            <a:off x="430213" y="3941346"/>
-            <a:ext cx="3887369" cy="1843724"/>
-          </a:xfrm>
-          <a:prstGeom prst="rect">
-            <a:avLst/>
-          </a:prstGeom>
-        </p:spPr>
-      </p:pic>
-      <p:pic>
-        <p:nvPicPr>
-          <p:cNvPr id="9" name="Grafik 8">
-            <a:extLst>
-              <a:ext uri="{FF2B5EF4-FFF2-40B4-BE49-F238E27FC236}">
-                <a16:creationId xmlns:a16="http://schemas.microsoft.com/office/drawing/2014/main" id="{0435FEEA-0B13-44FB-A367-342EC84D6421}"/>
-              </a:ext>
-            </a:extLst>
-          </p:cNvPr>
-          <p:cNvPicPr>
-            <a:picLocks noChangeAspect="1"/>
-          </p:cNvPicPr>
-          <p:nvPr/>
-        </p:nvPicPr>
-        <p:blipFill>
-          <a:blip r:embed="rId4">
-            <a:extLst>
-              <a:ext uri="{28A0092B-C50C-407E-A947-70E740481C1C}">
-                <a14:useLocalDpi xmlns:a14="http://schemas.microsoft.com/office/drawing/2010/main" val="0"/>
-              </a:ext>
-            </a:extLst>
-          </a:blip>
-          <a:stretch>
-            <a:fillRect/>
-          </a:stretch>
-        </p:blipFill>
-        <p:spPr>
-          <a:xfrm>
-            <a:off x="5004048" y="3570859"/>
-            <a:ext cx="2066032" cy="2556971"/>
-          </a:xfrm>
-          <a:prstGeom prst="rect">
-            <a:avLst/>
-          </a:prstGeom>
-        </p:spPr>
-      </p:pic>
     </p:spTree>
     <p:extLst>
       <p:ext uri="{BB962C8B-B14F-4D97-AF65-F5344CB8AC3E}">
-        <p14:creationId xmlns:p14="http://schemas.microsoft.com/office/powerpoint/2010/main" val="1624472290"/>
+        <p14:creationId xmlns:p14="http://schemas.microsoft.com/office/powerpoint/2010/main" val="3532074383"/>
       </p:ext>
     </p:extLst>
   </p:cSld>
   <p:clrMapOvr>
     <a:masterClrMapping/>
   </p:clrMapOvr>
+  <p:transition/>
 </p:sld>
 </file>
 
@@ -7990,12 +7865,198 @@
           <a:chExt cx="0" cy="0"/>
         </a:xfrm>
       </p:grpSpPr>
+      <p:sp>
+        <p:nvSpPr>
+          <p:cNvPr id="2" name="Textplatzhalter 1">
+            <a:extLst>
+              <a:ext uri="{FF2B5EF4-FFF2-40B4-BE49-F238E27FC236}">
+                <a16:creationId xmlns:a16="http://schemas.microsoft.com/office/drawing/2014/main" id="{B7F551F4-610E-488D-AB7B-CE0A61388660}"/>
+              </a:ext>
+            </a:extLst>
+          </p:cNvPr>
+          <p:cNvSpPr>
+            <a:spLocks noGrp="1"/>
+          </p:cNvSpPr>
+          <p:nvPr>
+            <p:ph type="body" sz="quarter" idx="13"/>
+          </p:nvPr>
+        </p:nvSpPr>
+        <p:spPr/>
+        <p:txBody>
+          <a:bodyPr/>
+          <a:lstStyle/>
+          <a:p>
+            <a:endParaRPr lang="en-US" dirty="0"/>
+          </a:p>
+          <a:p>
+            <a:r>
+              <a:rPr lang="de-DE" dirty="0"/>
+              <a:t>Goal of K-</a:t>
+            </a:r>
+            <a:r>
+              <a:rPr lang="de-DE" dirty="0" err="1"/>
+              <a:t>Anonymity</a:t>
+            </a:r>
+            <a:r>
+              <a:rPr lang="de-DE" dirty="0"/>
+              <a:t> algorithm is to find a optimal solution</a:t>
+            </a:r>
+          </a:p>
+          <a:p>
+            <a:r>
+              <a:rPr lang="de-DE" dirty="0"/>
+              <a:t>Minimal Information loss</a:t>
+            </a:r>
+          </a:p>
+          <a:p>
+            <a:r>
+              <a:rPr lang="de-DE" dirty="0"/>
+              <a:t>Datamining</a:t>
+            </a:r>
+          </a:p>
+          <a:p>
+            <a:r>
+              <a:rPr lang="de-DE" dirty="0"/>
+              <a:t>Heuristic /Approximation/ Loss Metrics</a:t>
+            </a:r>
+          </a:p>
+          <a:p>
+            <a:r>
+              <a:rPr lang="de-DE" dirty="0"/>
+              <a:t>NP-Hard</a:t>
+            </a:r>
+          </a:p>
+          <a:p>
+            <a:endParaRPr lang="de-DE" dirty="0"/>
+          </a:p>
+        </p:txBody>
+      </p:sp>
+      <p:sp>
+        <p:nvSpPr>
+          <p:cNvPr id="3" name="Datumsplatzhalter 2">
+            <a:extLst>
+              <a:ext uri="{FF2B5EF4-FFF2-40B4-BE49-F238E27FC236}">
+                <a16:creationId xmlns:a16="http://schemas.microsoft.com/office/drawing/2014/main" id="{49D056D6-2543-4934-B1CF-0CC279797548}"/>
+              </a:ext>
+            </a:extLst>
+          </p:cNvPr>
+          <p:cNvSpPr>
+            <a:spLocks noGrp="1"/>
+          </p:cNvSpPr>
+          <p:nvPr>
+            <p:ph type="dt" sz="half" idx="14"/>
+          </p:nvPr>
+        </p:nvSpPr>
+        <p:spPr/>
+        <p:txBody>
+          <a:bodyPr/>
+          <a:lstStyle/>
+          <a:p>
+            <a:r>
+              <a:rPr lang="de-DE" dirty="0"/>
+              <a:t>06.02.2018</a:t>
+            </a:r>
+          </a:p>
+        </p:txBody>
+      </p:sp>
+      <p:sp>
+        <p:nvSpPr>
+          <p:cNvPr id="4" name="Fußzeilenplatzhalter 3">
+            <a:extLst>
+              <a:ext uri="{FF2B5EF4-FFF2-40B4-BE49-F238E27FC236}">
+                <a16:creationId xmlns:a16="http://schemas.microsoft.com/office/drawing/2014/main" id="{ABEE3C34-C2C7-4728-B360-111405533D4C}"/>
+              </a:ext>
+            </a:extLst>
+          </p:cNvPr>
+          <p:cNvSpPr>
+            <a:spLocks noGrp="1"/>
+          </p:cNvSpPr>
+          <p:nvPr>
+            <p:ph type="ftr" sz="quarter" idx="15"/>
+          </p:nvPr>
+        </p:nvSpPr>
+        <p:spPr/>
+        <p:txBody>
+          <a:bodyPr/>
+          <a:lstStyle/>
+          <a:p>
+            <a:r>
+              <a:rPr lang="de-DE"/>
+              <a:t>Schallner Ludwig, Wiegnand Andreas</a:t>
+            </a:r>
+            <a:endParaRPr lang="de-DE" dirty="0"/>
+          </a:p>
+        </p:txBody>
+      </p:sp>
+      <p:sp>
+        <p:nvSpPr>
+          <p:cNvPr id="5" name="Foliennummernplatzhalter 4">
+            <a:extLst>
+              <a:ext uri="{FF2B5EF4-FFF2-40B4-BE49-F238E27FC236}">
+                <a16:creationId xmlns:a16="http://schemas.microsoft.com/office/drawing/2014/main" id="{6EB8AD93-9E3D-4E56-97AA-90997DA25138}"/>
+              </a:ext>
+            </a:extLst>
+          </p:cNvPr>
+          <p:cNvSpPr>
+            <a:spLocks noGrp="1"/>
+          </p:cNvSpPr>
+          <p:nvPr>
+            <p:ph type="sldNum" sz="quarter" idx="16"/>
+          </p:nvPr>
+        </p:nvSpPr>
+        <p:spPr/>
+        <p:txBody>
+          <a:bodyPr/>
+          <a:lstStyle/>
+          <a:p>
+            <a:fld id="{50E76E58-F275-47A3-BB17-470016A267B6}" type="slidenum">
+              <a:rPr lang="de-DE" smtClean="0"/>
+              <a:pPr/>
+              <a:t>16</a:t>
+            </a:fld>
+            <a:endParaRPr lang="de-DE"/>
+          </a:p>
+        </p:txBody>
+      </p:sp>
+      <p:sp>
+        <p:nvSpPr>
+          <p:cNvPr id="6" name="Titel 5">
+            <a:extLst>
+              <a:ext uri="{FF2B5EF4-FFF2-40B4-BE49-F238E27FC236}">
+                <a16:creationId xmlns:a16="http://schemas.microsoft.com/office/drawing/2014/main" id="{4BFCF9A1-69B3-4D2C-8818-7711643B9733}"/>
+              </a:ext>
+            </a:extLst>
+          </p:cNvPr>
+          <p:cNvSpPr>
+            <a:spLocks noGrp="1"/>
+          </p:cNvSpPr>
+          <p:nvPr>
+            <p:ph type="title"/>
+          </p:nvPr>
+        </p:nvSpPr>
+        <p:spPr/>
+        <p:txBody>
+          <a:bodyPr/>
+          <a:lstStyle/>
+          <a:p>
+            <a:r>
+              <a:rPr lang="de-DE" dirty="0"/>
+              <a:t>Optimal K-</a:t>
+            </a:r>
+            <a:r>
+              <a:rPr lang="de-DE" dirty="0" err="1"/>
+              <a:t>Anonymity</a:t>
+            </a:r>
+            <a:endParaRPr lang="de-DE" dirty="0"/>
+          </a:p>
+        </p:txBody>
+      </p:sp>
       <p:pic>
         <p:nvPicPr>
-          <p:cNvPr id="7" name="Grafik 6">
-            <a:extLst>
-              <a:ext uri="{FF2B5EF4-FFF2-40B4-BE49-F238E27FC236}">
-                <a16:creationId xmlns:a16="http://schemas.microsoft.com/office/drawing/2014/main" id="{CEFAB84D-C3D4-4914-AD65-3F5CDC7E38B9}"/>
+          <p:cNvPr id="8" name="Grafik 7">
+            <a:extLst>
+              <a:ext uri="{FF2B5EF4-FFF2-40B4-BE49-F238E27FC236}">
+                <a16:creationId xmlns:a16="http://schemas.microsoft.com/office/drawing/2014/main" id="{F8F3F7CA-32E0-4C54-8871-FD67CAB0A2A8}"/>
               </a:ext>
             </a:extLst>
           </p:cNvPr>
@@ -8005,281 +8066,67 @@
           <p:nvPr/>
         </p:nvPicPr>
         <p:blipFill>
-          <a:blip r:embed="rId3"/>
+          <a:blip r:embed="rId3">
+            <a:extLst>
+              <a:ext uri="{28A0092B-C50C-407E-A947-70E740481C1C}">
+                <a14:useLocalDpi xmlns:a14="http://schemas.microsoft.com/office/drawing/2010/main" val="0"/>
+              </a:ext>
+            </a:extLst>
+          </a:blip>
           <a:stretch>
             <a:fillRect/>
           </a:stretch>
         </p:blipFill>
         <p:spPr>
           <a:xfrm>
-            <a:off x="5023032" y="3976432"/>
-            <a:ext cx="2990850" cy="1762125"/>
+            <a:off x="430213" y="3941346"/>
+            <a:ext cx="3887369" cy="1843724"/>
           </a:xfrm>
           <a:prstGeom prst="rect">
             <a:avLst/>
           </a:prstGeom>
         </p:spPr>
       </p:pic>
-      <p:sp>
-        <p:nvSpPr>
-          <p:cNvPr id="2" name="Textplatzhalter 1">
-            <a:extLst>
-              <a:ext uri="{FF2B5EF4-FFF2-40B4-BE49-F238E27FC236}">
-                <a16:creationId xmlns:a16="http://schemas.microsoft.com/office/drawing/2014/main" id="{7C32DD69-3EF5-415C-990C-1E48C3A326C4}"/>
-              </a:ext>
-            </a:extLst>
-          </p:cNvPr>
-          <p:cNvSpPr>
-            <a:spLocks noGrp="1"/>
-          </p:cNvSpPr>
-          <p:nvPr>
-            <p:ph type="body" sz="quarter" idx="13"/>
-          </p:nvPr>
-        </p:nvSpPr>
-        <p:spPr/>
-        <p:txBody>
-          <a:bodyPr/>
-          <a:lstStyle/>
-          <a:p>
-            <a:r>
-              <a:rPr lang="en-US" dirty="0"/>
-              <a:t>Generalizing: a value is replaced by a less specific, more general value </a:t>
-            </a:r>
-          </a:p>
-          <a:p>
-            <a:r>
-              <a:rPr lang="en-US" dirty="0"/>
-              <a:t>Suppression refers to removing a certain attribute value</a:t>
-            </a:r>
-            <a:endParaRPr lang="en-US" i="1" dirty="0"/>
-          </a:p>
-          <a:p>
-            <a:r>
-              <a:rPr lang="en-US" dirty="0"/>
-              <a:t>Some </a:t>
-            </a:r>
-            <a:r>
-              <a:rPr lang="de-DE" dirty="0"/>
-              <a:t>algorithms</a:t>
-            </a:r>
-            <a:r>
-              <a:rPr lang="en-US" dirty="0"/>
-              <a:t> works with MaxSup</a:t>
-            </a:r>
-          </a:p>
-          <a:p>
-            <a:r>
-              <a:rPr lang="en-US" dirty="0"/>
-              <a:t>Generalization include Suppression</a:t>
-            </a:r>
-          </a:p>
-          <a:p>
-            <a:r>
-              <a:rPr lang="en-US" dirty="0"/>
-              <a:t>Problem: Suppression can drastically</a:t>
-            </a:r>
-          </a:p>
-          <a:p>
-            <a:pPr marL="0" indent="0">
-              <a:buNone/>
-            </a:pPr>
-            <a:r>
-              <a:rPr lang="en-US" dirty="0"/>
-              <a:t>   reduce data quality</a:t>
-            </a:r>
-            <a:endParaRPr lang="de-DE" dirty="0"/>
-          </a:p>
-        </p:txBody>
-      </p:sp>
-      <p:sp>
-        <p:nvSpPr>
-          <p:cNvPr id="3" name="Datumsplatzhalter 2">
-            <a:extLst>
-              <a:ext uri="{FF2B5EF4-FFF2-40B4-BE49-F238E27FC236}">
-                <a16:creationId xmlns:a16="http://schemas.microsoft.com/office/drawing/2014/main" id="{3B376E2D-21B0-4BCB-B6B7-6911665926D4}"/>
-              </a:ext>
-            </a:extLst>
-          </p:cNvPr>
-          <p:cNvSpPr>
-            <a:spLocks noGrp="1"/>
-          </p:cNvSpPr>
-          <p:nvPr>
-            <p:ph type="dt" sz="half" idx="14"/>
-          </p:nvPr>
-        </p:nvSpPr>
-        <p:spPr/>
-        <p:txBody>
-          <a:bodyPr/>
-          <a:lstStyle/>
-          <a:p>
-            <a:r>
-              <a:rPr lang="de-DE" dirty="0"/>
-              <a:t>06.02.2018</a:t>
-            </a:r>
-          </a:p>
-        </p:txBody>
-      </p:sp>
-      <p:sp>
-        <p:nvSpPr>
-          <p:cNvPr id="4" name="Fußzeilenplatzhalter 3">
-            <a:extLst>
-              <a:ext uri="{FF2B5EF4-FFF2-40B4-BE49-F238E27FC236}">
-                <a16:creationId xmlns:a16="http://schemas.microsoft.com/office/drawing/2014/main" id="{7F4344EE-8113-4041-BDC8-BFC34AA277B9}"/>
-              </a:ext>
-            </a:extLst>
-          </p:cNvPr>
-          <p:cNvSpPr>
-            <a:spLocks noGrp="1"/>
-          </p:cNvSpPr>
-          <p:nvPr>
-            <p:ph type="ftr" sz="quarter" idx="15"/>
-          </p:nvPr>
-        </p:nvSpPr>
-        <p:spPr/>
-        <p:txBody>
-          <a:bodyPr/>
-          <a:lstStyle/>
-          <a:p>
-            <a:r>
-              <a:rPr lang="de-DE"/>
-              <a:t>Schallner Ludwig, Wiegnand Andreas</a:t>
-            </a:r>
-            <a:endParaRPr lang="de-DE" dirty="0"/>
-          </a:p>
-        </p:txBody>
-      </p:sp>
-      <p:sp>
-        <p:nvSpPr>
-          <p:cNvPr id="5" name="Foliennummernplatzhalter 4">
-            <a:extLst>
-              <a:ext uri="{FF2B5EF4-FFF2-40B4-BE49-F238E27FC236}">
-                <a16:creationId xmlns:a16="http://schemas.microsoft.com/office/drawing/2014/main" id="{AE20C96D-28EE-47F2-8898-160717279F6F}"/>
-              </a:ext>
-            </a:extLst>
-          </p:cNvPr>
-          <p:cNvSpPr>
-            <a:spLocks noGrp="1"/>
-          </p:cNvSpPr>
-          <p:nvPr>
-            <p:ph type="sldNum" sz="quarter" idx="16"/>
-          </p:nvPr>
-        </p:nvSpPr>
-        <p:spPr/>
-        <p:txBody>
-          <a:bodyPr/>
-          <a:lstStyle/>
-          <a:p>
-            <a:fld id="{50E76E58-F275-47A3-BB17-470016A267B6}" type="slidenum">
-              <a:rPr lang="de-DE" smtClean="0"/>
-              <a:pPr/>
-              <a:t>16</a:t>
-            </a:fld>
-            <a:endParaRPr lang="de-DE"/>
-          </a:p>
-        </p:txBody>
-      </p:sp>
-      <p:sp>
-        <p:nvSpPr>
-          <p:cNvPr id="6" name="Titel 5">
-            <a:extLst>
-              <a:ext uri="{FF2B5EF4-FFF2-40B4-BE49-F238E27FC236}">
-                <a16:creationId xmlns:a16="http://schemas.microsoft.com/office/drawing/2014/main" id="{F4C53128-9BE4-4961-B2C1-5007447E2543}"/>
-              </a:ext>
-            </a:extLst>
-          </p:cNvPr>
-          <p:cNvSpPr>
-            <a:spLocks noGrp="1"/>
-          </p:cNvSpPr>
-          <p:nvPr>
-            <p:ph type="title"/>
-          </p:nvPr>
-        </p:nvSpPr>
-        <p:spPr/>
-        <p:txBody>
-          <a:bodyPr/>
-          <a:lstStyle/>
-          <a:p>
-            <a:r>
-              <a:rPr lang="de-DE" dirty="0"/>
-              <a:t>K-</a:t>
-            </a:r>
-            <a:r>
-              <a:rPr lang="de-DE" dirty="0" err="1"/>
-              <a:t>Anonymity</a:t>
-            </a:r>
-            <a:r>
-              <a:rPr lang="de-DE" dirty="0"/>
-              <a:t> </a:t>
-            </a:r>
-            <a:r>
-              <a:rPr lang="de-DE" dirty="0" err="1"/>
-              <a:t>Generalization</a:t>
-            </a:r>
-            <a:r>
-              <a:rPr lang="de-DE" dirty="0"/>
-              <a:t> and </a:t>
-            </a:r>
-            <a:r>
-              <a:rPr lang="de-DE" dirty="0" err="1"/>
-              <a:t>Supression</a:t>
-            </a:r>
-            <a:endParaRPr lang="de-DE" dirty="0"/>
-          </a:p>
-        </p:txBody>
-      </p:sp>
-      <p:sp>
-        <p:nvSpPr>
-          <p:cNvPr id="8" name="Textfeld 7">
-            <a:extLst>
-              <a:ext uri="{FF2B5EF4-FFF2-40B4-BE49-F238E27FC236}">
-                <a16:creationId xmlns:a16="http://schemas.microsoft.com/office/drawing/2014/main" id="{0D4C9887-50AB-4686-94FF-DCFD85A27939}"/>
-              </a:ext>
-            </a:extLst>
-          </p:cNvPr>
-          <p:cNvSpPr txBox="1"/>
+      <p:pic>
+        <p:nvPicPr>
+          <p:cNvPr id="9" name="Grafik 8">
+            <a:extLst>
+              <a:ext uri="{FF2B5EF4-FFF2-40B4-BE49-F238E27FC236}">
+                <a16:creationId xmlns:a16="http://schemas.microsoft.com/office/drawing/2014/main" id="{0435FEEA-0B13-44FB-A367-342EC84D6421}"/>
+              </a:ext>
+            </a:extLst>
+          </p:cNvPr>
+          <p:cNvPicPr>
+            <a:picLocks noChangeAspect="1"/>
+          </p:cNvPicPr>
           <p:nvPr/>
-        </p:nvSpPr>
+        </p:nvPicPr>
+        <p:blipFill>
+          <a:blip r:embed="rId4">
+            <a:extLst>
+              <a:ext uri="{28A0092B-C50C-407E-A947-70E740481C1C}">
+                <a14:useLocalDpi xmlns:a14="http://schemas.microsoft.com/office/drawing/2010/main" val="0"/>
+              </a:ext>
+            </a:extLst>
+          </a:blip>
+          <a:stretch>
+            <a:fillRect/>
+          </a:stretch>
+        </p:blipFill>
         <p:spPr>
           <a:xfrm>
-            <a:off x="2935077" y="5826779"/>
-            <a:ext cx="7128792" cy="369332"/>
+            <a:off x="5004048" y="3570859"/>
+            <a:ext cx="2066032" cy="2556971"/>
           </a:xfrm>
           <a:prstGeom prst="rect">
             <a:avLst/>
           </a:prstGeom>
-          <a:noFill/>
         </p:spPr>
-        <p:txBody>
-          <a:bodyPr wrap="square" rtlCol="0">
-            <a:spAutoFit/>
-          </a:bodyPr>
-          <a:lstStyle/>
-          <a:p>
-            <a:r>
-              <a:rPr lang="de-DE" sz="900" b="0" dirty="0"/>
-              <a:t>Source: ACHIEVING </a:t>
-            </a:r>
-            <a:r>
-              <a:rPr lang="de-DE" sz="900" b="0" i="1" dirty="0"/>
-              <a:t>k</a:t>
-            </a:r>
-            <a:r>
-              <a:rPr lang="de-DE" sz="900" b="0" dirty="0"/>
-              <a:t>-ANONYMITY PRIVACY PROTECTION</a:t>
-            </a:r>
-          </a:p>
-          <a:p>
-            <a:r>
-              <a:rPr lang="de-DE" sz="900" b="0" dirty="0"/>
-              <a:t>USING GENERALIZATION AND SUPPRESSION: Sweeney 2002</a:t>
-            </a:r>
-          </a:p>
-        </p:txBody>
-      </p:sp>
+      </p:pic>
     </p:spTree>
     <p:extLst>
       <p:ext uri="{BB962C8B-B14F-4D97-AF65-F5344CB8AC3E}">
-        <p14:creationId xmlns:p14="http://schemas.microsoft.com/office/powerpoint/2010/main" val="1303133818"/>
+        <p14:creationId xmlns:p14="http://schemas.microsoft.com/office/powerpoint/2010/main" val="1624472290"/>
       </p:ext>
     </p:extLst>
   </p:cSld>
@@ -8311,7 +8158,7 @@
           <p:cNvPr id="7" name="Grafik 6">
             <a:extLst>
               <a:ext uri="{FF2B5EF4-FFF2-40B4-BE49-F238E27FC236}">
-                <a16:creationId xmlns:a16="http://schemas.microsoft.com/office/drawing/2014/main" id="{A8156BB6-EC70-48A0-9B51-DFE5080A303E}"/>
+                <a16:creationId xmlns:a16="http://schemas.microsoft.com/office/drawing/2014/main" id="{CEFAB84D-C3D4-4914-AD65-3F5CDC7E38B9}"/>
               </a:ext>
             </a:extLst>
           </p:cNvPr>
@@ -8328,8 +8175,8 @@
         </p:blipFill>
         <p:spPr>
           <a:xfrm>
-            <a:off x="373063" y="980728"/>
-            <a:ext cx="6766923" cy="3802366"/>
+            <a:off x="5023032" y="3976432"/>
+            <a:ext cx="2990850" cy="1762125"/>
           </a:xfrm>
           <a:prstGeom prst="rect">
             <a:avLst/>
@@ -8338,10 +8185,81 @@
       </p:pic>
       <p:sp>
         <p:nvSpPr>
+          <p:cNvPr id="2" name="Textplatzhalter 1">
+            <a:extLst>
+              <a:ext uri="{FF2B5EF4-FFF2-40B4-BE49-F238E27FC236}">
+                <a16:creationId xmlns:a16="http://schemas.microsoft.com/office/drawing/2014/main" id="{7C32DD69-3EF5-415C-990C-1E48C3A326C4}"/>
+              </a:ext>
+            </a:extLst>
+          </p:cNvPr>
+          <p:cNvSpPr>
+            <a:spLocks noGrp="1"/>
+          </p:cNvSpPr>
+          <p:nvPr>
+            <p:ph type="body" sz="quarter" idx="13"/>
+          </p:nvPr>
+        </p:nvSpPr>
+        <p:spPr/>
+        <p:txBody>
+          <a:bodyPr/>
+          <a:lstStyle/>
+          <a:p>
+            <a:r>
+              <a:rPr lang="en-US" dirty="0"/>
+              <a:t>Generalizing: a value is replaced by a less specific, more general value </a:t>
+            </a:r>
+          </a:p>
+          <a:p>
+            <a:r>
+              <a:rPr lang="en-US" dirty="0"/>
+              <a:t>Suppression refers to removing a certain attribute value</a:t>
+            </a:r>
+            <a:endParaRPr lang="en-US" i="1" dirty="0"/>
+          </a:p>
+          <a:p>
+            <a:r>
+              <a:rPr lang="en-US" dirty="0"/>
+              <a:t>Some </a:t>
+            </a:r>
+            <a:r>
+              <a:rPr lang="de-DE" dirty="0"/>
+              <a:t>algorithms</a:t>
+            </a:r>
+            <a:r>
+              <a:rPr lang="en-US" dirty="0"/>
+              <a:t> works with MaxSup</a:t>
+            </a:r>
+          </a:p>
+          <a:p>
+            <a:r>
+              <a:rPr lang="en-US" dirty="0"/>
+              <a:t>Generalization include Suppression</a:t>
+            </a:r>
+          </a:p>
+          <a:p>
+            <a:r>
+              <a:rPr lang="en-US" dirty="0"/>
+              <a:t>Problem: Suppression can drastically</a:t>
+            </a:r>
+          </a:p>
+          <a:p>
+            <a:pPr marL="0" indent="0">
+              <a:buNone/>
+            </a:pPr>
+            <a:r>
+              <a:rPr lang="en-US" dirty="0"/>
+              <a:t>   reduce data quality</a:t>
+            </a:r>
+            <a:endParaRPr lang="de-DE" dirty="0"/>
+          </a:p>
+        </p:txBody>
+      </p:sp>
+      <p:sp>
+        <p:nvSpPr>
           <p:cNvPr id="3" name="Datumsplatzhalter 2">
             <a:extLst>
               <a:ext uri="{FF2B5EF4-FFF2-40B4-BE49-F238E27FC236}">
-                <a16:creationId xmlns:a16="http://schemas.microsoft.com/office/drawing/2014/main" id="{E43159F1-4B2B-4D8A-85F3-BE6869DA49B7}"/>
+                <a16:creationId xmlns:a16="http://schemas.microsoft.com/office/drawing/2014/main" id="{3B376E2D-21B0-4BCB-B6B7-6911665926D4}"/>
               </a:ext>
             </a:extLst>
           </p:cNvPr>
@@ -8369,7 +8287,7 @@
           <p:cNvPr id="4" name="Fußzeilenplatzhalter 3">
             <a:extLst>
               <a:ext uri="{FF2B5EF4-FFF2-40B4-BE49-F238E27FC236}">
-                <a16:creationId xmlns:a16="http://schemas.microsoft.com/office/drawing/2014/main" id="{B03DDF20-3961-43D3-A811-B75326A33DE3}"/>
+                <a16:creationId xmlns:a16="http://schemas.microsoft.com/office/drawing/2014/main" id="{7F4344EE-8113-4041-BDC8-BFC34AA277B9}"/>
               </a:ext>
             </a:extLst>
           </p:cNvPr>
@@ -8398,7 +8316,7 @@
           <p:cNvPr id="5" name="Foliennummernplatzhalter 4">
             <a:extLst>
               <a:ext uri="{FF2B5EF4-FFF2-40B4-BE49-F238E27FC236}">
-                <a16:creationId xmlns:a16="http://schemas.microsoft.com/office/drawing/2014/main" id="{87F80F08-6213-4E62-BB1A-D9FADB986BAD}"/>
+                <a16:creationId xmlns:a16="http://schemas.microsoft.com/office/drawing/2014/main" id="{AE20C96D-28EE-47F2-8898-160717279F6F}"/>
               </a:ext>
             </a:extLst>
           </p:cNvPr>
@@ -8428,7 +8346,7 @@
           <p:cNvPr id="6" name="Titel 5">
             <a:extLst>
               <a:ext uri="{FF2B5EF4-FFF2-40B4-BE49-F238E27FC236}">
-                <a16:creationId xmlns:a16="http://schemas.microsoft.com/office/drawing/2014/main" id="{BD79206F-6FDA-472B-A9F3-982A455FAE6A}"/>
+                <a16:creationId xmlns:a16="http://schemas.microsoft.com/office/drawing/2014/main" id="{F4C53128-9BE4-4961-B2C1-5007447E2543}"/>
               </a:ext>
             </a:extLst>
           </p:cNvPr>
@@ -8445,8 +8363,28 @@
           <a:lstStyle/>
           <a:p>
             <a:r>
-              <a:rPr lang="de-DE"/>
-              <a:t>K-Anonymity - Generalizations lattice</a:t>
+              <a:rPr lang="de-DE" dirty="0"/>
+              <a:t>K-</a:t>
+            </a:r>
+            <a:r>
+              <a:rPr lang="de-DE" dirty="0" err="1"/>
+              <a:t>Anonymity</a:t>
+            </a:r>
+            <a:r>
+              <a:rPr lang="de-DE" dirty="0"/>
+              <a:t> </a:t>
+            </a:r>
+            <a:r>
+              <a:rPr lang="de-DE" dirty="0" err="1"/>
+              <a:t>Generalization</a:t>
+            </a:r>
+            <a:r>
+              <a:rPr lang="de-DE" dirty="0"/>
+              <a:t> and </a:t>
+            </a:r>
+            <a:r>
+              <a:rPr lang="de-DE" dirty="0" err="1"/>
+              <a:t>Supression</a:t>
             </a:r>
             <a:endParaRPr lang="de-DE" dirty="0"/>
           </a:p>
@@ -8457,7 +8395,7 @@
           <p:cNvPr id="8" name="Textfeld 7">
             <a:extLst>
               <a:ext uri="{FF2B5EF4-FFF2-40B4-BE49-F238E27FC236}">
-                <a16:creationId xmlns:a16="http://schemas.microsoft.com/office/drawing/2014/main" id="{7D761876-F2DC-4D42-B3C9-6CAD0DBAA104}"/>
+                <a16:creationId xmlns:a16="http://schemas.microsoft.com/office/drawing/2014/main" id="{0D4C9887-50AB-4686-94FF-DCFD85A27939}"/>
               </a:ext>
             </a:extLst>
           </p:cNvPr>
@@ -8466,8 +8404,8 @@
         </p:nvSpPr>
         <p:spPr>
           <a:xfrm>
-            <a:off x="430213" y="4802511"/>
-            <a:ext cx="10248904" cy="246221"/>
+            <a:off x="2935077" y="5826779"/>
+            <a:ext cx="7128792" cy="369332"/>
           </a:xfrm>
           <a:prstGeom prst="rect">
             <a:avLst/>
@@ -8480,66 +8418,23 @@
           </a:bodyPr>
           <a:lstStyle/>
           <a:p>
-            <a:pPr algn="l"/>
-            <a:r>
-              <a:rPr lang="de-DE" sz="1000" dirty="0"/>
-              <a:t>Source: </a:t>
-            </a:r>
-            <a:r>
-              <a:rPr lang="en-US" sz="1000" b="0" dirty="0"/>
-              <a:t>A Globally Optimal k-Anonymity Method for the </a:t>
-            </a:r>
-            <a:r>
-              <a:rPr lang="de-DE" sz="1000" b="0" dirty="0"/>
-              <a:t>De-</a:t>
-            </a:r>
-            <a:r>
-              <a:rPr lang="de-DE" sz="1000" b="0" dirty="0" err="1"/>
-              <a:t>Identification</a:t>
-            </a:r>
-            <a:r>
-              <a:rPr lang="de-DE" sz="1000" b="0" dirty="0"/>
-              <a:t> of Health Data:</a:t>
-            </a:r>
-            <a:r>
-              <a:rPr lang="pl-PL" sz="1000" b="0" dirty="0"/>
-              <a:t>16:670–682. DOI 10.1197/jamia.M3144.</a:t>
-            </a:r>
-            <a:endParaRPr lang="de-DE" sz="1000" dirty="0"/>
-          </a:p>
-        </p:txBody>
-      </p:sp>
-      <p:sp>
-        <p:nvSpPr>
-          <p:cNvPr id="2" name="Textfeld 1">
-            <a:extLst>
-              <a:ext uri="{FF2B5EF4-FFF2-40B4-BE49-F238E27FC236}">
-                <a16:creationId xmlns:a16="http://schemas.microsoft.com/office/drawing/2014/main" id="{E42CD5B6-2AC4-4E7D-B383-30C2611366DC}"/>
-              </a:ext>
-            </a:extLst>
-          </p:cNvPr>
-          <p:cNvSpPr txBox="1"/>
-          <p:nvPr/>
-        </p:nvSpPr>
-        <p:spPr>
-          <a:xfrm>
-            <a:off x="1668292" y="5394051"/>
-            <a:ext cx="4176464" cy="369332"/>
-          </a:xfrm>
-          <a:prstGeom prst="rect">
-            <a:avLst/>
-          </a:prstGeom>
-          <a:noFill/>
-        </p:spPr>
-        <p:txBody>
-          <a:bodyPr wrap="square" rtlCol="0">
-            <a:spAutoFit/>
-          </a:bodyPr>
-          <a:lstStyle/>
-          <a:p>
-            <a:r>
-              <a:rPr lang="de-DE" dirty="0"/>
-              <a:t>&lt;d1,g0,a4&gt;</a:t>
+            <a:r>
+              <a:rPr lang="de-DE" sz="900" b="0" dirty="0"/>
+              <a:t>Source: ACHIEVING </a:t>
+            </a:r>
+            <a:r>
+              <a:rPr lang="de-DE" sz="900" b="0" i="1" dirty="0"/>
+              <a:t>k</a:t>
+            </a:r>
+            <a:r>
+              <a:rPr lang="de-DE" sz="900" b="0" dirty="0"/>
+              <a:t>-ANONYMITY PRIVACY PROTECTION</a:t>
+            </a:r>
+          </a:p>
+          <a:p>
+            <a:r>
+              <a:rPr lang="de-DE" sz="900" b="0" dirty="0"/>
+              <a:t>USING GENERALIZATION AND SUPPRESSION: Sweeney 2002</a:t>
             </a:r>
           </a:p>
         </p:txBody>
@@ -8547,7 +8442,7 @@
     </p:spTree>
     <p:extLst>
       <p:ext uri="{BB962C8B-B14F-4D97-AF65-F5344CB8AC3E}">
-        <p14:creationId xmlns:p14="http://schemas.microsoft.com/office/powerpoint/2010/main" val="1502828464"/>
+        <p14:creationId xmlns:p14="http://schemas.microsoft.com/office/powerpoint/2010/main" val="1303133818"/>
       </p:ext>
     </p:extLst>
   </p:cSld>
@@ -8574,6 +8469,274 @@
           <a:chExt cx="0" cy="0"/>
         </a:xfrm>
       </p:grpSpPr>
+      <p:pic>
+        <p:nvPicPr>
+          <p:cNvPr id="7" name="Grafik 6">
+            <a:extLst>
+              <a:ext uri="{FF2B5EF4-FFF2-40B4-BE49-F238E27FC236}">
+                <a16:creationId xmlns:a16="http://schemas.microsoft.com/office/drawing/2014/main" id="{A8156BB6-EC70-48A0-9B51-DFE5080A303E}"/>
+              </a:ext>
+            </a:extLst>
+          </p:cNvPr>
+          <p:cNvPicPr>
+            <a:picLocks noChangeAspect="1"/>
+          </p:cNvPicPr>
+          <p:nvPr/>
+        </p:nvPicPr>
+        <p:blipFill>
+          <a:blip r:embed="rId3"/>
+          <a:stretch>
+            <a:fillRect/>
+          </a:stretch>
+        </p:blipFill>
+        <p:spPr>
+          <a:xfrm>
+            <a:off x="373063" y="980728"/>
+            <a:ext cx="6766923" cy="3802366"/>
+          </a:xfrm>
+          <a:prstGeom prst="rect">
+            <a:avLst/>
+          </a:prstGeom>
+        </p:spPr>
+      </p:pic>
+      <p:sp>
+        <p:nvSpPr>
+          <p:cNvPr id="3" name="Datumsplatzhalter 2">
+            <a:extLst>
+              <a:ext uri="{FF2B5EF4-FFF2-40B4-BE49-F238E27FC236}">
+                <a16:creationId xmlns:a16="http://schemas.microsoft.com/office/drawing/2014/main" id="{E43159F1-4B2B-4D8A-85F3-BE6869DA49B7}"/>
+              </a:ext>
+            </a:extLst>
+          </p:cNvPr>
+          <p:cNvSpPr>
+            <a:spLocks noGrp="1"/>
+          </p:cNvSpPr>
+          <p:nvPr>
+            <p:ph type="dt" sz="half" idx="14"/>
+          </p:nvPr>
+        </p:nvSpPr>
+        <p:spPr/>
+        <p:txBody>
+          <a:bodyPr/>
+          <a:lstStyle/>
+          <a:p>
+            <a:r>
+              <a:rPr lang="de-DE" dirty="0"/>
+              <a:t>06.02.2018</a:t>
+            </a:r>
+          </a:p>
+        </p:txBody>
+      </p:sp>
+      <p:sp>
+        <p:nvSpPr>
+          <p:cNvPr id="4" name="Fußzeilenplatzhalter 3">
+            <a:extLst>
+              <a:ext uri="{FF2B5EF4-FFF2-40B4-BE49-F238E27FC236}">
+                <a16:creationId xmlns:a16="http://schemas.microsoft.com/office/drawing/2014/main" id="{B03DDF20-3961-43D3-A811-B75326A33DE3}"/>
+              </a:ext>
+            </a:extLst>
+          </p:cNvPr>
+          <p:cNvSpPr>
+            <a:spLocks noGrp="1"/>
+          </p:cNvSpPr>
+          <p:nvPr>
+            <p:ph type="ftr" sz="quarter" idx="15"/>
+          </p:nvPr>
+        </p:nvSpPr>
+        <p:spPr/>
+        <p:txBody>
+          <a:bodyPr/>
+          <a:lstStyle/>
+          <a:p>
+            <a:r>
+              <a:rPr lang="de-DE"/>
+              <a:t>Schallner Ludwig, Wiegnand Andreas</a:t>
+            </a:r>
+            <a:endParaRPr lang="de-DE" dirty="0"/>
+          </a:p>
+        </p:txBody>
+      </p:sp>
+      <p:sp>
+        <p:nvSpPr>
+          <p:cNvPr id="5" name="Foliennummernplatzhalter 4">
+            <a:extLst>
+              <a:ext uri="{FF2B5EF4-FFF2-40B4-BE49-F238E27FC236}">
+                <a16:creationId xmlns:a16="http://schemas.microsoft.com/office/drawing/2014/main" id="{87F80F08-6213-4E62-BB1A-D9FADB986BAD}"/>
+              </a:ext>
+            </a:extLst>
+          </p:cNvPr>
+          <p:cNvSpPr>
+            <a:spLocks noGrp="1"/>
+          </p:cNvSpPr>
+          <p:nvPr>
+            <p:ph type="sldNum" sz="quarter" idx="16"/>
+          </p:nvPr>
+        </p:nvSpPr>
+        <p:spPr/>
+        <p:txBody>
+          <a:bodyPr/>
+          <a:lstStyle/>
+          <a:p>
+            <a:fld id="{50E76E58-F275-47A3-BB17-470016A267B6}" type="slidenum">
+              <a:rPr lang="de-DE" smtClean="0"/>
+              <a:pPr/>
+              <a:t>18</a:t>
+            </a:fld>
+            <a:endParaRPr lang="de-DE"/>
+          </a:p>
+        </p:txBody>
+      </p:sp>
+      <p:sp>
+        <p:nvSpPr>
+          <p:cNvPr id="6" name="Titel 5">
+            <a:extLst>
+              <a:ext uri="{FF2B5EF4-FFF2-40B4-BE49-F238E27FC236}">
+                <a16:creationId xmlns:a16="http://schemas.microsoft.com/office/drawing/2014/main" id="{BD79206F-6FDA-472B-A9F3-982A455FAE6A}"/>
+              </a:ext>
+            </a:extLst>
+          </p:cNvPr>
+          <p:cNvSpPr>
+            <a:spLocks noGrp="1"/>
+          </p:cNvSpPr>
+          <p:nvPr>
+            <p:ph type="title"/>
+          </p:nvPr>
+        </p:nvSpPr>
+        <p:spPr/>
+        <p:txBody>
+          <a:bodyPr/>
+          <a:lstStyle/>
+          <a:p>
+            <a:r>
+              <a:rPr lang="de-DE"/>
+              <a:t>K-Anonymity - Generalizations lattice</a:t>
+            </a:r>
+            <a:endParaRPr lang="de-DE" dirty="0"/>
+          </a:p>
+        </p:txBody>
+      </p:sp>
+      <p:sp>
+        <p:nvSpPr>
+          <p:cNvPr id="8" name="Textfeld 7">
+            <a:extLst>
+              <a:ext uri="{FF2B5EF4-FFF2-40B4-BE49-F238E27FC236}">
+                <a16:creationId xmlns:a16="http://schemas.microsoft.com/office/drawing/2014/main" id="{7D761876-F2DC-4D42-B3C9-6CAD0DBAA104}"/>
+              </a:ext>
+            </a:extLst>
+          </p:cNvPr>
+          <p:cNvSpPr txBox="1"/>
+          <p:nvPr/>
+        </p:nvSpPr>
+        <p:spPr>
+          <a:xfrm>
+            <a:off x="430213" y="4802511"/>
+            <a:ext cx="10248904" cy="246221"/>
+          </a:xfrm>
+          <a:prstGeom prst="rect">
+            <a:avLst/>
+          </a:prstGeom>
+          <a:noFill/>
+        </p:spPr>
+        <p:txBody>
+          <a:bodyPr wrap="square" rtlCol="0">
+            <a:spAutoFit/>
+          </a:bodyPr>
+          <a:lstStyle/>
+          <a:p>
+            <a:pPr algn="l"/>
+            <a:r>
+              <a:rPr lang="de-DE" sz="1000" dirty="0"/>
+              <a:t>Source: </a:t>
+            </a:r>
+            <a:r>
+              <a:rPr lang="en-US" sz="1000" b="0" dirty="0"/>
+              <a:t>A Globally Optimal k-Anonymity Method for the </a:t>
+            </a:r>
+            <a:r>
+              <a:rPr lang="de-DE" sz="1000" b="0" dirty="0"/>
+              <a:t>De-</a:t>
+            </a:r>
+            <a:r>
+              <a:rPr lang="de-DE" sz="1000" b="0" dirty="0" err="1"/>
+              <a:t>Identification</a:t>
+            </a:r>
+            <a:r>
+              <a:rPr lang="de-DE" sz="1000" b="0" dirty="0"/>
+              <a:t> of Health Data:</a:t>
+            </a:r>
+            <a:r>
+              <a:rPr lang="pl-PL" sz="1000" b="0" dirty="0"/>
+              <a:t>16:670–682. DOI 10.1197/jamia.M3144.</a:t>
+            </a:r>
+            <a:endParaRPr lang="de-DE" sz="1000" dirty="0"/>
+          </a:p>
+        </p:txBody>
+      </p:sp>
+      <p:sp>
+        <p:nvSpPr>
+          <p:cNvPr id="2" name="Textfeld 1">
+            <a:extLst>
+              <a:ext uri="{FF2B5EF4-FFF2-40B4-BE49-F238E27FC236}">
+                <a16:creationId xmlns:a16="http://schemas.microsoft.com/office/drawing/2014/main" id="{E42CD5B6-2AC4-4E7D-B383-30C2611366DC}"/>
+              </a:ext>
+            </a:extLst>
+          </p:cNvPr>
+          <p:cNvSpPr txBox="1"/>
+          <p:nvPr/>
+        </p:nvSpPr>
+        <p:spPr>
+          <a:xfrm>
+            <a:off x="1668292" y="5394051"/>
+            <a:ext cx="4176464" cy="369332"/>
+          </a:xfrm>
+          <a:prstGeom prst="rect">
+            <a:avLst/>
+          </a:prstGeom>
+          <a:noFill/>
+        </p:spPr>
+        <p:txBody>
+          <a:bodyPr wrap="square" rtlCol="0">
+            <a:spAutoFit/>
+          </a:bodyPr>
+          <a:lstStyle/>
+          <a:p>
+            <a:r>
+              <a:rPr lang="de-DE" dirty="0"/>
+              <a:t>&lt;d1,g0,a4&gt;</a:t>
+            </a:r>
+          </a:p>
+        </p:txBody>
+      </p:sp>
+    </p:spTree>
+    <p:extLst>
+      <p:ext uri="{BB962C8B-B14F-4D97-AF65-F5344CB8AC3E}">
+        <p14:creationId xmlns:p14="http://schemas.microsoft.com/office/powerpoint/2010/main" val="1502828464"/>
+      </p:ext>
+    </p:extLst>
+  </p:cSld>
+  <p:clrMapOvr>
+    <a:masterClrMapping/>
+  </p:clrMapOvr>
+</p:sld>
+</file>
+
+<file path=ppt/slides/slide19.xml><?xml version="1.0" encoding="utf-8"?>
+<p:sld xmlns:a="http://schemas.openxmlformats.org/drawingml/2006/main" xmlns:r="http://schemas.openxmlformats.org/officeDocument/2006/relationships" xmlns:p="http://schemas.openxmlformats.org/presentationml/2006/main">
+  <p:cSld>
+    <p:spTree>
+      <p:nvGrpSpPr>
+        <p:cNvPr id="1" name=""/>
+        <p:cNvGrpSpPr/>
+        <p:nvPr/>
+      </p:nvGrpSpPr>
+      <p:grpSpPr>
+        <a:xfrm>
+          <a:off x="0" y="0"/>
+          <a:ext cx="0" cy="0"/>
+          <a:chOff x="0" y="0"/>
+          <a:chExt cx="0" cy="0"/>
+        </a:xfrm>
+      </p:grpSpPr>
       <p:sp>
         <p:nvSpPr>
           <p:cNvPr id="2" name="Textplatzhalter 1">
@@ -8723,7 +8886,7 @@
             <a:fld id="{50E76E58-F275-47A3-BB17-470016A267B6}" type="slidenum">
               <a:rPr lang="de-DE" smtClean="0"/>
               <a:pPr/>
-              <a:t>18</a:t>
+              <a:t>19</a:t>
             </a:fld>
             <a:endParaRPr lang="de-DE"/>
           </a:p>
@@ -8895,239 +9058,6 @@
 </p:sld>
 </file>
 
-<file path=ppt/slides/slide19.xml><?xml version="1.0" encoding="utf-8"?>
-<p:sld xmlns:a="http://schemas.openxmlformats.org/drawingml/2006/main" xmlns:r="http://schemas.openxmlformats.org/officeDocument/2006/relationships" xmlns:p="http://schemas.openxmlformats.org/presentationml/2006/main">
-  <p:cSld>
-    <p:spTree>
-      <p:nvGrpSpPr>
-        <p:cNvPr id="1" name=""/>
-        <p:cNvGrpSpPr/>
-        <p:nvPr/>
-      </p:nvGrpSpPr>
-      <p:grpSpPr>
-        <a:xfrm>
-          <a:off x="0" y="0"/>
-          <a:ext cx="0" cy="0"/>
-          <a:chOff x="0" y="0"/>
-          <a:chExt cx="0" cy="0"/>
-        </a:xfrm>
-      </p:grpSpPr>
-      <p:pic>
-        <p:nvPicPr>
-          <p:cNvPr id="7" name="Grafik 6">
-            <a:extLst>
-              <a:ext uri="{FF2B5EF4-FFF2-40B4-BE49-F238E27FC236}">
-                <a16:creationId xmlns:a16="http://schemas.microsoft.com/office/drawing/2014/main" id="{404361C0-34F1-4172-B597-BD63A2DD00C9}"/>
-              </a:ext>
-            </a:extLst>
-          </p:cNvPr>
-          <p:cNvPicPr>
-            <a:picLocks noChangeAspect="1"/>
-          </p:cNvPicPr>
-          <p:nvPr/>
-        </p:nvPicPr>
-        <p:blipFill>
-          <a:blip r:embed="rId3"/>
-          <a:stretch>
-            <a:fillRect/>
-          </a:stretch>
-        </p:blipFill>
-        <p:spPr>
-          <a:xfrm>
-            <a:off x="683568" y="934437"/>
-            <a:ext cx="6984776" cy="4989126"/>
-          </a:xfrm>
-          <a:prstGeom prst="rect">
-            <a:avLst/>
-          </a:prstGeom>
-        </p:spPr>
-      </p:pic>
-      <p:sp>
-        <p:nvSpPr>
-          <p:cNvPr id="3" name="Datumsplatzhalter 2">
-            <a:extLst>
-              <a:ext uri="{FF2B5EF4-FFF2-40B4-BE49-F238E27FC236}">
-                <a16:creationId xmlns:a16="http://schemas.microsoft.com/office/drawing/2014/main" id="{4EB317CE-989D-4B30-A8C6-7028647C0F56}"/>
-              </a:ext>
-            </a:extLst>
-          </p:cNvPr>
-          <p:cNvSpPr>
-            <a:spLocks noGrp="1"/>
-          </p:cNvSpPr>
-          <p:nvPr>
-            <p:ph type="dt" sz="half" idx="14"/>
-          </p:nvPr>
-        </p:nvSpPr>
-        <p:spPr/>
-        <p:txBody>
-          <a:bodyPr/>
-          <a:lstStyle/>
-          <a:p>
-            <a:r>
-              <a:rPr lang="de-DE" dirty="0"/>
-              <a:t>06.02.2018</a:t>
-            </a:r>
-          </a:p>
-        </p:txBody>
-      </p:sp>
-      <p:sp>
-        <p:nvSpPr>
-          <p:cNvPr id="4" name="Fußzeilenplatzhalter 3">
-            <a:extLst>
-              <a:ext uri="{FF2B5EF4-FFF2-40B4-BE49-F238E27FC236}">
-                <a16:creationId xmlns:a16="http://schemas.microsoft.com/office/drawing/2014/main" id="{1DB02071-4B88-4207-A0BA-496FA298C163}"/>
-              </a:ext>
-            </a:extLst>
-          </p:cNvPr>
-          <p:cNvSpPr>
-            <a:spLocks noGrp="1"/>
-          </p:cNvSpPr>
-          <p:nvPr>
-            <p:ph type="ftr" sz="quarter" idx="15"/>
-          </p:nvPr>
-        </p:nvSpPr>
-        <p:spPr/>
-        <p:txBody>
-          <a:bodyPr/>
-          <a:lstStyle/>
-          <a:p>
-            <a:r>
-              <a:rPr lang="de-DE"/>
-              <a:t>Schallner Ludwig, Wiegnand Andreas</a:t>
-            </a:r>
-            <a:endParaRPr lang="de-DE" dirty="0"/>
-          </a:p>
-        </p:txBody>
-      </p:sp>
-      <p:sp>
-        <p:nvSpPr>
-          <p:cNvPr id="5" name="Foliennummernplatzhalter 4">
-            <a:extLst>
-              <a:ext uri="{FF2B5EF4-FFF2-40B4-BE49-F238E27FC236}">
-                <a16:creationId xmlns:a16="http://schemas.microsoft.com/office/drawing/2014/main" id="{FFB2AEF1-EAC4-4B51-BD15-4750BC6FFC35}"/>
-              </a:ext>
-            </a:extLst>
-          </p:cNvPr>
-          <p:cNvSpPr>
-            <a:spLocks noGrp="1"/>
-          </p:cNvSpPr>
-          <p:nvPr>
-            <p:ph type="sldNum" sz="quarter" idx="16"/>
-          </p:nvPr>
-        </p:nvSpPr>
-        <p:spPr/>
-        <p:txBody>
-          <a:bodyPr/>
-          <a:lstStyle/>
-          <a:p>
-            <a:fld id="{50E76E58-F275-47A3-BB17-470016A267B6}" type="slidenum">
-              <a:rPr lang="de-DE" smtClean="0"/>
-              <a:pPr/>
-              <a:t>19</a:t>
-            </a:fld>
-            <a:endParaRPr lang="de-DE"/>
-          </a:p>
-        </p:txBody>
-      </p:sp>
-      <p:sp>
-        <p:nvSpPr>
-          <p:cNvPr id="6" name="Titel 5">
-            <a:extLst>
-              <a:ext uri="{FF2B5EF4-FFF2-40B4-BE49-F238E27FC236}">
-                <a16:creationId xmlns:a16="http://schemas.microsoft.com/office/drawing/2014/main" id="{5BED4C25-0DB8-433E-99DC-8A6377B5AE22}"/>
-              </a:ext>
-            </a:extLst>
-          </p:cNvPr>
-          <p:cNvSpPr>
-            <a:spLocks noGrp="1"/>
-          </p:cNvSpPr>
-          <p:nvPr>
-            <p:ph type="title"/>
-          </p:nvPr>
-        </p:nvSpPr>
-        <p:spPr/>
-        <p:txBody>
-          <a:bodyPr/>
-          <a:lstStyle/>
-          <a:p>
-            <a:r>
-              <a:rPr lang="de-DE"/>
-              <a:t>K-Anonymity - Generalizations lattice con‘t</a:t>
-            </a:r>
-            <a:endParaRPr lang="de-DE" dirty="0"/>
-          </a:p>
-        </p:txBody>
-      </p:sp>
-      <p:sp>
-        <p:nvSpPr>
-          <p:cNvPr id="8" name="Textfeld 7">
-            <a:extLst>
-              <a:ext uri="{FF2B5EF4-FFF2-40B4-BE49-F238E27FC236}">
-                <a16:creationId xmlns:a16="http://schemas.microsoft.com/office/drawing/2014/main" id="{41AD45E4-475E-42E0-A5D1-579C76C35F48}"/>
-              </a:ext>
-            </a:extLst>
-          </p:cNvPr>
-          <p:cNvSpPr txBox="1"/>
-          <p:nvPr/>
-        </p:nvSpPr>
-        <p:spPr>
-          <a:xfrm>
-            <a:off x="1115616" y="5893022"/>
-            <a:ext cx="10248904" cy="246221"/>
-          </a:xfrm>
-          <a:prstGeom prst="rect">
-            <a:avLst/>
-          </a:prstGeom>
-          <a:noFill/>
-        </p:spPr>
-        <p:txBody>
-          <a:bodyPr wrap="square" rtlCol="0">
-            <a:spAutoFit/>
-          </a:bodyPr>
-          <a:lstStyle/>
-          <a:p>
-            <a:pPr algn="l"/>
-            <a:r>
-              <a:rPr lang="de-DE" sz="1000" dirty="0"/>
-              <a:t>Source: </a:t>
-            </a:r>
-            <a:r>
-              <a:rPr lang="en-US" sz="1000" b="0" dirty="0"/>
-              <a:t>A Globally Optimal k-Anonymity Method for the </a:t>
-            </a:r>
-            <a:r>
-              <a:rPr lang="de-DE" sz="1000" b="0" dirty="0"/>
-              <a:t>De-</a:t>
-            </a:r>
-            <a:r>
-              <a:rPr lang="de-DE" sz="1000" b="0" dirty="0" err="1"/>
-              <a:t>Identification</a:t>
-            </a:r>
-            <a:r>
-              <a:rPr lang="de-DE" sz="1000" b="0" dirty="0"/>
-              <a:t> of Health Data:</a:t>
-            </a:r>
-            <a:r>
-              <a:rPr lang="pl-PL" sz="1000" b="0" dirty="0"/>
-              <a:t>16:670–682. DOI 10.1197/jamia.M3144.</a:t>
-            </a:r>
-            <a:endParaRPr lang="de-DE" sz="1000" dirty="0"/>
-          </a:p>
-        </p:txBody>
-      </p:sp>
-    </p:spTree>
-    <p:extLst>
-      <p:ext uri="{BB962C8B-B14F-4D97-AF65-F5344CB8AC3E}">
-        <p14:creationId xmlns:p14="http://schemas.microsoft.com/office/powerpoint/2010/main" val="1674632603"/>
-      </p:ext>
-    </p:extLst>
-  </p:cSld>
-  <p:clrMapOvr>
-    <a:masterClrMapping/>
-  </p:clrMapOvr>
-</p:sld>
-</file>
-
 <file path=ppt/slides/slide2.xml><?xml version="1.0" encoding="utf-8"?>
 <p:sld xmlns:a="http://schemas.openxmlformats.org/drawingml/2006/main" xmlns:r="http://schemas.openxmlformats.org/officeDocument/2006/relationships" xmlns:p="http://schemas.openxmlformats.org/presentationml/2006/main">
   <p:cSld>
@@ -9366,58 +9296,50 @@
           <a:chExt cx="0" cy="0"/>
         </a:xfrm>
       </p:grpSpPr>
-      <p:sp>
-        <p:nvSpPr>
-          <p:cNvPr id="7" name="Titel 6">
-            <a:extLst>
-              <a:ext uri="{FF2B5EF4-FFF2-40B4-BE49-F238E27FC236}">
-                <a16:creationId xmlns:a16="http://schemas.microsoft.com/office/drawing/2014/main" id="{F7FDCCA7-5998-4985-8333-DA555ACD892C}"/>
-              </a:ext>
-            </a:extLst>
-          </p:cNvPr>
-          <p:cNvSpPr>
-            <a:spLocks noGrp="1"/>
-          </p:cNvSpPr>
-          <p:nvPr>
-            <p:ph type="ctrTitle"/>
-          </p:nvPr>
-        </p:nvSpPr>
+      <p:pic>
+        <p:nvPicPr>
+          <p:cNvPr id="7" name="Grafik 6">
+            <a:extLst>
+              <a:ext uri="{FF2B5EF4-FFF2-40B4-BE49-F238E27FC236}">
+                <a16:creationId xmlns:a16="http://schemas.microsoft.com/office/drawing/2014/main" id="{404361C0-34F1-4172-B597-BD63A2DD00C9}"/>
+              </a:ext>
+            </a:extLst>
+          </p:cNvPr>
+          <p:cNvPicPr>
+            <a:picLocks noChangeAspect="1"/>
+          </p:cNvPicPr>
+          <p:nvPr/>
+        </p:nvPicPr>
+        <p:blipFill>
+          <a:blip r:embed="rId3"/>
+          <a:stretch>
+            <a:fillRect/>
+          </a:stretch>
+        </p:blipFill>
         <p:spPr>
           <a:xfrm>
-            <a:off x="704850" y="1527175"/>
-            <a:ext cx="7704138" cy="2870200"/>
+            <a:off x="683568" y="934437"/>
+            <a:ext cx="6984776" cy="4989126"/>
           </a:xfrm>
+          <a:prstGeom prst="rect">
+            <a:avLst/>
+          </a:prstGeom>
         </p:spPr>
-        <p:txBody>
-          <a:bodyPr/>
-          <a:lstStyle/>
-          <a:p>
-            <a:r>
-              <a:rPr lang="en-US" dirty="0"/>
-              <a:t>OLA - </a:t>
-            </a:r>
-            <a:r>
-              <a:rPr lang="en-US" dirty="0" err="1"/>
-              <a:t>Algorithmen</a:t>
-            </a:r>
-            <a:endParaRPr lang="en-US" dirty="0"/>
-          </a:p>
-        </p:txBody>
-      </p:sp>
+      </p:pic>
       <p:sp>
         <p:nvSpPr>
           <p:cNvPr id="3" name="Datumsplatzhalter 2">
             <a:extLst>
               <a:ext uri="{FF2B5EF4-FFF2-40B4-BE49-F238E27FC236}">
-                <a16:creationId xmlns:a16="http://schemas.microsoft.com/office/drawing/2014/main" id="{68E0F862-1C8E-44EE-9EDE-042B597E7224}"/>
-              </a:ext>
-            </a:extLst>
-          </p:cNvPr>
-          <p:cNvSpPr>
-            <a:spLocks noGrp="1"/>
-          </p:cNvSpPr>
-          <p:nvPr>
-            <p:ph type="dt" sz="half" idx="2"/>
+                <a16:creationId xmlns:a16="http://schemas.microsoft.com/office/drawing/2014/main" id="{4EB317CE-989D-4B30-A8C6-7028647C0F56}"/>
+              </a:ext>
+            </a:extLst>
+          </p:cNvPr>
+          <p:cNvSpPr>
+            <a:spLocks noGrp="1"/>
+          </p:cNvSpPr>
+          <p:nvPr>
+            <p:ph type="dt" sz="half" idx="14"/>
           </p:nvPr>
         </p:nvSpPr>
         <p:spPr/>
@@ -9437,23 +9359,18 @@
           <p:cNvPr id="4" name="Fußzeilenplatzhalter 3">
             <a:extLst>
               <a:ext uri="{FF2B5EF4-FFF2-40B4-BE49-F238E27FC236}">
-                <a16:creationId xmlns:a16="http://schemas.microsoft.com/office/drawing/2014/main" id="{77AAFF70-D2F9-4D76-809B-88E75C91683F}"/>
-              </a:ext>
-            </a:extLst>
-          </p:cNvPr>
-          <p:cNvSpPr>
-            <a:spLocks noGrp="1"/>
-          </p:cNvSpPr>
-          <p:nvPr>
-            <p:ph type="ftr" sz="quarter" idx="4294967295"/>
-          </p:nvPr>
-        </p:nvSpPr>
-        <p:spPr>
-          <a:xfrm>
-            <a:off x="3656013" y="6308725"/>
-            <a:ext cx="5487987" cy="288925"/>
-          </a:xfrm>
-        </p:spPr>
+                <a16:creationId xmlns:a16="http://schemas.microsoft.com/office/drawing/2014/main" id="{1DB02071-4B88-4207-A0BA-496FA298C163}"/>
+              </a:ext>
+            </a:extLst>
+          </p:cNvPr>
+          <p:cNvSpPr>
+            <a:spLocks noGrp="1"/>
+          </p:cNvSpPr>
+          <p:nvPr>
+            <p:ph type="ftr" sz="quarter" idx="15"/>
+          </p:nvPr>
+        </p:nvSpPr>
+        <p:spPr/>
         <p:txBody>
           <a:bodyPr/>
           <a:lstStyle/>
@@ -9471,23 +9388,18 @@
           <p:cNvPr id="5" name="Foliennummernplatzhalter 4">
             <a:extLst>
               <a:ext uri="{FF2B5EF4-FFF2-40B4-BE49-F238E27FC236}">
-                <a16:creationId xmlns:a16="http://schemas.microsoft.com/office/drawing/2014/main" id="{5C51FAAE-58C4-4704-B0A8-77C70220F23C}"/>
-              </a:ext>
-            </a:extLst>
-          </p:cNvPr>
-          <p:cNvSpPr>
-            <a:spLocks noGrp="1"/>
-          </p:cNvSpPr>
-          <p:nvPr>
-            <p:ph type="sldNum" sz="quarter" idx="4294967295"/>
-          </p:nvPr>
-        </p:nvSpPr>
-        <p:spPr>
-          <a:xfrm>
-            <a:off x="8666163" y="6408738"/>
-            <a:ext cx="477837" cy="333375"/>
-          </a:xfrm>
-        </p:spPr>
+                <a16:creationId xmlns:a16="http://schemas.microsoft.com/office/drawing/2014/main" id="{FFB2AEF1-EAC4-4B51-BD15-4750BC6FFC35}"/>
+              </a:ext>
+            </a:extLst>
+          </p:cNvPr>
+          <p:cNvSpPr>
+            <a:spLocks noGrp="1"/>
+          </p:cNvSpPr>
+          <p:nvPr>
+            <p:ph type="sldNum" sz="quarter" idx="16"/>
+          </p:nvPr>
+        </p:nvSpPr>
+        <p:spPr/>
         <p:txBody>
           <a:bodyPr/>
           <a:lstStyle/>
@@ -9501,17 +9413,102 @@
           </a:p>
         </p:txBody>
       </p:sp>
+      <p:sp>
+        <p:nvSpPr>
+          <p:cNvPr id="6" name="Titel 5">
+            <a:extLst>
+              <a:ext uri="{FF2B5EF4-FFF2-40B4-BE49-F238E27FC236}">
+                <a16:creationId xmlns:a16="http://schemas.microsoft.com/office/drawing/2014/main" id="{5BED4C25-0DB8-433E-99DC-8A6377B5AE22}"/>
+              </a:ext>
+            </a:extLst>
+          </p:cNvPr>
+          <p:cNvSpPr>
+            <a:spLocks noGrp="1"/>
+          </p:cNvSpPr>
+          <p:nvPr>
+            <p:ph type="title"/>
+          </p:nvPr>
+        </p:nvSpPr>
+        <p:spPr/>
+        <p:txBody>
+          <a:bodyPr/>
+          <a:lstStyle/>
+          <a:p>
+            <a:r>
+              <a:rPr lang="de-DE"/>
+              <a:t>K-Anonymity - Generalizations lattice con‘t</a:t>
+            </a:r>
+            <a:endParaRPr lang="de-DE" dirty="0"/>
+          </a:p>
+        </p:txBody>
+      </p:sp>
+      <p:sp>
+        <p:nvSpPr>
+          <p:cNvPr id="8" name="Textfeld 7">
+            <a:extLst>
+              <a:ext uri="{FF2B5EF4-FFF2-40B4-BE49-F238E27FC236}">
+                <a16:creationId xmlns:a16="http://schemas.microsoft.com/office/drawing/2014/main" id="{41AD45E4-475E-42E0-A5D1-579C76C35F48}"/>
+              </a:ext>
+            </a:extLst>
+          </p:cNvPr>
+          <p:cNvSpPr txBox="1"/>
+          <p:nvPr/>
+        </p:nvSpPr>
+        <p:spPr>
+          <a:xfrm>
+            <a:off x="1115616" y="5893022"/>
+            <a:ext cx="10248904" cy="246221"/>
+          </a:xfrm>
+          <a:prstGeom prst="rect">
+            <a:avLst/>
+          </a:prstGeom>
+          <a:noFill/>
+        </p:spPr>
+        <p:txBody>
+          <a:bodyPr wrap="square" rtlCol="0">
+            <a:spAutoFit/>
+          </a:bodyPr>
+          <a:lstStyle/>
+          <a:p>
+            <a:pPr algn="l"/>
+            <a:r>
+              <a:rPr lang="de-DE" sz="1000" dirty="0"/>
+              <a:t>Source: </a:t>
+            </a:r>
+            <a:r>
+              <a:rPr lang="en-US" sz="1000" b="0" dirty="0"/>
+              <a:t>A Globally Optimal k-Anonymity Method for the </a:t>
+            </a:r>
+            <a:r>
+              <a:rPr lang="de-DE" sz="1000" b="0" dirty="0"/>
+              <a:t>De-</a:t>
+            </a:r>
+            <a:r>
+              <a:rPr lang="de-DE" sz="1000" b="0" dirty="0" err="1"/>
+              <a:t>Identification</a:t>
+            </a:r>
+            <a:r>
+              <a:rPr lang="de-DE" sz="1000" b="0" dirty="0"/>
+              <a:t> of Health Data:</a:t>
+            </a:r>
+            <a:r>
+              <a:rPr lang="pl-PL" sz="1000" b="0" dirty="0"/>
+              <a:t>16:670–682. DOI 10.1197/jamia.M3144.</a:t>
+            </a:r>
+            <a:endParaRPr lang="de-DE" sz="1000" dirty="0"/>
+          </a:p>
+        </p:txBody>
+      </p:sp>
     </p:spTree>
     <p:extLst>
       <p:ext uri="{BB962C8B-B14F-4D97-AF65-F5344CB8AC3E}">
-        <p14:creationId xmlns:p14="http://schemas.microsoft.com/office/powerpoint/2010/main" val="2314248126"/>
+        <p14:creationId xmlns:p14="http://schemas.microsoft.com/office/powerpoint/2010/main" val="1674632603"/>
       </p:ext>
     </p:extLst>
   </p:cSld>
   <p:clrMapOvr>
     <a:masterClrMapping/>
   </p:clrMapOvr>
-  <p:transition/>
 </p:sld>
 </file>
 
@@ -9534,42 +9531,39 @@
       </p:grpSpPr>
       <p:sp>
         <p:nvSpPr>
-          <p:cNvPr id="2" name="Textplatzhalter 1">
-            <a:extLst>
-              <a:ext uri="{FF2B5EF4-FFF2-40B4-BE49-F238E27FC236}">
-                <a16:creationId xmlns:a16="http://schemas.microsoft.com/office/drawing/2014/main" id="{9E03DEC0-5061-441C-8DF0-3B237B07CBC7}"/>
-              </a:ext>
-            </a:extLst>
-          </p:cNvPr>
-          <p:cNvSpPr>
-            <a:spLocks noGrp="1"/>
-          </p:cNvSpPr>
-          <p:nvPr>
-            <p:ph type="body" sz="quarter" idx="13"/>
-          </p:nvPr>
-        </p:nvSpPr>
-        <p:spPr/>
-        <p:txBody>
-          <a:bodyPr/>
-          <a:lstStyle/>
-          <a:p>
-            <a:r>
-              <a:rPr lang="en-US" sz="1600" dirty="0"/>
-              <a:t>For each generalization strategy, conduct a binary search to find all the k-anonymous nodes.</a:t>
-            </a:r>
-          </a:p>
-          <a:p>
-            <a:r>
-              <a:rPr lang="en-US" sz="1600" dirty="0"/>
-              <a:t>For each generalization strategy with k-anonymous nodes, only the k-anonymous node with the lowest height within the strategy is retained. </a:t>
-            </a:r>
-          </a:p>
-          <a:p>
-            <a:r>
-              <a:rPr lang="en-US" sz="1600" dirty="0"/>
-              <a:t>Now that we have the k-minimal nodes, these are compared n terms of their information loss and the node with the smallest information loss is selected as the globally optimal solution. </a:t>
-            </a:r>
-            <a:endParaRPr lang="de-DE" sz="1600" dirty="0"/>
+          <p:cNvPr id="7" name="Titel 6">
+            <a:extLst>
+              <a:ext uri="{FF2B5EF4-FFF2-40B4-BE49-F238E27FC236}">
+                <a16:creationId xmlns:a16="http://schemas.microsoft.com/office/drawing/2014/main" id="{F7FDCCA7-5998-4985-8333-DA555ACD892C}"/>
+              </a:ext>
+            </a:extLst>
+          </p:cNvPr>
+          <p:cNvSpPr>
+            <a:spLocks noGrp="1"/>
+          </p:cNvSpPr>
+          <p:nvPr>
+            <p:ph type="ctrTitle"/>
+          </p:nvPr>
+        </p:nvSpPr>
+        <p:spPr>
+          <a:xfrm>
+            <a:off x="704850" y="1527175"/>
+            <a:ext cx="7704138" cy="2870200"/>
+          </a:xfrm>
+        </p:spPr>
+        <p:txBody>
+          <a:bodyPr/>
+          <a:lstStyle/>
+          <a:p>
+            <a:r>
+              <a:rPr lang="en-US" dirty="0"/>
+              <a:t>OLA - </a:t>
+            </a:r>
+            <a:r>
+              <a:rPr lang="en-US" dirty="0" err="1"/>
+              <a:t>Algorithmen</a:t>
+            </a:r>
+            <a:endParaRPr lang="en-US" dirty="0"/>
           </a:p>
         </p:txBody>
       </p:sp>
@@ -9578,15 +9572,15 @@
           <p:cNvPr id="3" name="Datumsplatzhalter 2">
             <a:extLst>
               <a:ext uri="{FF2B5EF4-FFF2-40B4-BE49-F238E27FC236}">
-                <a16:creationId xmlns:a16="http://schemas.microsoft.com/office/drawing/2014/main" id="{20F69655-C41F-4F52-850B-8FF301499162}"/>
-              </a:ext>
-            </a:extLst>
-          </p:cNvPr>
-          <p:cNvSpPr>
-            <a:spLocks noGrp="1"/>
-          </p:cNvSpPr>
-          <p:nvPr>
-            <p:ph type="dt" sz="half" idx="14"/>
+                <a16:creationId xmlns:a16="http://schemas.microsoft.com/office/drawing/2014/main" id="{68E0F862-1C8E-44EE-9EDE-042B597E7224}"/>
+              </a:ext>
+            </a:extLst>
+          </p:cNvPr>
+          <p:cNvSpPr>
+            <a:spLocks noGrp="1"/>
+          </p:cNvSpPr>
+          <p:nvPr>
+            <p:ph type="dt" sz="half" idx="2"/>
           </p:nvPr>
         </p:nvSpPr>
         <p:spPr/>
@@ -9606,18 +9600,23 @@
           <p:cNvPr id="4" name="Fußzeilenplatzhalter 3">
             <a:extLst>
               <a:ext uri="{FF2B5EF4-FFF2-40B4-BE49-F238E27FC236}">
-                <a16:creationId xmlns:a16="http://schemas.microsoft.com/office/drawing/2014/main" id="{E318F325-191B-4FA6-BB68-C4AE2C79A1B0}"/>
-              </a:ext>
-            </a:extLst>
-          </p:cNvPr>
-          <p:cNvSpPr>
-            <a:spLocks noGrp="1"/>
-          </p:cNvSpPr>
-          <p:nvPr>
-            <p:ph type="ftr" sz="quarter" idx="15"/>
-          </p:nvPr>
-        </p:nvSpPr>
-        <p:spPr/>
+                <a16:creationId xmlns:a16="http://schemas.microsoft.com/office/drawing/2014/main" id="{77AAFF70-D2F9-4D76-809B-88E75C91683F}"/>
+              </a:ext>
+            </a:extLst>
+          </p:cNvPr>
+          <p:cNvSpPr>
+            <a:spLocks noGrp="1"/>
+          </p:cNvSpPr>
+          <p:nvPr>
+            <p:ph type="ftr" sz="quarter" idx="4294967295"/>
+          </p:nvPr>
+        </p:nvSpPr>
+        <p:spPr>
+          <a:xfrm>
+            <a:off x="3656013" y="6308725"/>
+            <a:ext cx="5487987" cy="288925"/>
+          </a:xfrm>
+        </p:spPr>
         <p:txBody>
           <a:bodyPr/>
           <a:lstStyle/>
@@ -9635,18 +9634,23 @@
           <p:cNvPr id="5" name="Foliennummernplatzhalter 4">
             <a:extLst>
               <a:ext uri="{FF2B5EF4-FFF2-40B4-BE49-F238E27FC236}">
-                <a16:creationId xmlns:a16="http://schemas.microsoft.com/office/drawing/2014/main" id="{52F8785A-79E1-4080-B4F8-22842F4A41C1}"/>
-              </a:ext>
-            </a:extLst>
-          </p:cNvPr>
-          <p:cNvSpPr>
-            <a:spLocks noGrp="1"/>
-          </p:cNvSpPr>
-          <p:nvPr>
-            <p:ph type="sldNum" sz="quarter" idx="16"/>
-          </p:nvPr>
-        </p:nvSpPr>
-        <p:spPr/>
+                <a16:creationId xmlns:a16="http://schemas.microsoft.com/office/drawing/2014/main" id="{5C51FAAE-58C4-4704-B0A8-77C70220F23C}"/>
+              </a:ext>
+            </a:extLst>
+          </p:cNvPr>
+          <p:cNvSpPr>
+            <a:spLocks noGrp="1"/>
+          </p:cNvSpPr>
+          <p:nvPr>
+            <p:ph type="sldNum" sz="quarter" idx="4294967295"/>
+          </p:nvPr>
+        </p:nvSpPr>
+        <p:spPr>
+          <a:xfrm>
+            <a:off x="8666163" y="6408738"/>
+            <a:ext cx="477837" cy="333375"/>
+          </a:xfrm>
+        </p:spPr>
         <p:txBody>
           <a:bodyPr/>
           <a:lstStyle/>
@@ -9655,6 +9659,165 @@
               <a:rPr lang="de-DE" smtClean="0"/>
               <a:pPr/>
               <a:t>21</a:t>
+            </a:fld>
+            <a:endParaRPr lang="de-DE"/>
+          </a:p>
+        </p:txBody>
+      </p:sp>
+    </p:spTree>
+    <p:extLst>
+      <p:ext uri="{BB962C8B-B14F-4D97-AF65-F5344CB8AC3E}">
+        <p14:creationId xmlns:p14="http://schemas.microsoft.com/office/powerpoint/2010/main" val="2314248126"/>
+      </p:ext>
+    </p:extLst>
+  </p:cSld>
+  <p:clrMapOvr>
+    <a:masterClrMapping/>
+  </p:clrMapOvr>
+  <p:transition/>
+</p:sld>
+</file>
+
+<file path=ppt/slides/slide22.xml><?xml version="1.0" encoding="utf-8"?>
+<p:sld xmlns:a="http://schemas.openxmlformats.org/drawingml/2006/main" xmlns:r="http://schemas.openxmlformats.org/officeDocument/2006/relationships" xmlns:p="http://schemas.openxmlformats.org/presentationml/2006/main">
+  <p:cSld>
+    <p:spTree>
+      <p:nvGrpSpPr>
+        <p:cNvPr id="1" name=""/>
+        <p:cNvGrpSpPr/>
+        <p:nvPr/>
+      </p:nvGrpSpPr>
+      <p:grpSpPr>
+        <a:xfrm>
+          <a:off x="0" y="0"/>
+          <a:ext cx="0" cy="0"/>
+          <a:chOff x="0" y="0"/>
+          <a:chExt cx="0" cy="0"/>
+        </a:xfrm>
+      </p:grpSpPr>
+      <p:sp>
+        <p:nvSpPr>
+          <p:cNvPr id="2" name="Textplatzhalter 1">
+            <a:extLst>
+              <a:ext uri="{FF2B5EF4-FFF2-40B4-BE49-F238E27FC236}">
+                <a16:creationId xmlns:a16="http://schemas.microsoft.com/office/drawing/2014/main" id="{9E03DEC0-5061-441C-8DF0-3B237B07CBC7}"/>
+              </a:ext>
+            </a:extLst>
+          </p:cNvPr>
+          <p:cNvSpPr>
+            <a:spLocks noGrp="1"/>
+          </p:cNvSpPr>
+          <p:nvPr>
+            <p:ph type="body" sz="quarter" idx="13"/>
+          </p:nvPr>
+        </p:nvSpPr>
+        <p:spPr/>
+        <p:txBody>
+          <a:bodyPr/>
+          <a:lstStyle/>
+          <a:p>
+            <a:r>
+              <a:rPr lang="en-US" sz="1600" dirty="0"/>
+              <a:t>For each generalization strategy, conduct a binary search to find all the k-anonymous nodes.</a:t>
+            </a:r>
+          </a:p>
+          <a:p>
+            <a:r>
+              <a:rPr lang="en-US" sz="1600" dirty="0"/>
+              <a:t>For each generalization strategy with k-anonymous nodes, only the k-anonymous node with the lowest height within the strategy is retained. </a:t>
+            </a:r>
+          </a:p>
+          <a:p>
+            <a:r>
+              <a:rPr lang="en-US" sz="1600" dirty="0"/>
+              <a:t>Now that we have the k-minimal nodes, these are compared n terms of their information loss and the node with the smallest information loss is selected as the globally optimal solution. </a:t>
+            </a:r>
+            <a:endParaRPr lang="de-DE" sz="1600" dirty="0"/>
+          </a:p>
+        </p:txBody>
+      </p:sp>
+      <p:sp>
+        <p:nvSpPr>
+          <p:cNvPr id="3" name="Datumsplatzhalter 2">
+            <a:extLst>
+              <a:ext uri="{FF2B5EF4-FFF2-40B4-BE49-F238E27FC236}">
+                <a16:creationId xmlns:a16="http://schemas.microsoft.com/office/drawing/2014/main" id="{20F69655-C41F-4F52-850B-8FF301499162}"/>
+              </a:ext>
+            </a:extLst>
+          </p:cNvPr>
+          <p:cNvSpPr>
+            <a:spLocks noGrp="1"/>
+          </p:cNvSpPr>
+          <p:nvPr>
+            <p:ph type="dt" sz="half" idx="14"/>
+          </p:nvPr>
+        </p:nvSpPr>
+        <p:spPr/>
+        <p:txBody>
+          <a:bodyPr/>
+          <a:lstStyle/>
+          <a:p>
+            <a:r>
+              <a:rPr lang="de-DE" dirty="0"/>
+              <a:t>06.02.2018</a:t>
+            </a:r>
+          </a:p>
+        </p:txBody>
+      </p:sp>
+      <p:sp>
+        <p:nvSpPr>
+          <p:cNvPr id="4" name="Fußzeilenplatzhalter 3">
+            <a:extLst>
+              <a:ext uri="{FF2B5EF4-FFF2-40B4-BE49-F238E27FC236}">
+                <a16:creationId xmlns:a16="http://schemas.microsoft.com/office/drawing/2014/main" id="{E318F325-191B-4FA6-BB68-C4AE2C79A1B0}"/>
+              </a:ext>
+            </a:extLst>
+          </p:cNvPr>
+          <p:cNvSpPr>
+            <a:spLocks noGrp="1"/>
+          </p:cNvSpPr>
+          <p:nvPr>
+            <p:ph type="ftr" sz="quarter" idx="15"/>
+          </p:nvPr>
+        </p:nvSpPr>
+        <p:spPr/>
+        <p:txBody>
+          <a:bodyPr/>
+          <a:lstStyle/>
+          <a:p>
+            <a:r>
+              <a:rPr lang="de-DE"/>
+              <a:t>Schallner Ludwig, Wiegnand Andreas</a:t>
+            </a:r>
+            <a:endParaRPr lang="de-DE" dirty="0"/>
+          </a:p>
+        </p:txBody>
+      </p:sp>
+      <p:sp>
+        <p:nvSpPr>
+          <p:cNvPr id="5" name="Foliennummernplatzhalter 4">
+            <a:extLst>
+              <a:ext uri="{FF2B5EF4-FFF2-40B4-BE49-F238E27FC236}">
+                <a16:creationId xmlns:a16="http://schemas.microsoft.com/office/drawing/2014/main" id="{52F8785A-79E1-4080-B4F8-22842F4A41C1}"/>
+              </a:ext>
+            </a:extLst>
+          </p:cNvPr>
+          <p:cNvSpPr>
+            <a:spLocks noGrp="1"/>
+          </p:cNvSpPr>
+          <p:nvPr>
+            <p:ph type="sldNum" sz="quarter" idx="16"/>
+          </p:nvPr>
+        </p:nvSpPr>
+        <p:spPr/>
+        <p:txBody>
+          <a:bodyPr/>
+          <a:lstStyle/>
+          <a:p>
+            <a:fld id="{50E76E58-F275-47A3-BB17-470016A267B6}" type="slidenum">
+              <a:rPr lang="de-DE" smtClean="0"/>
+              <a:pPr/>
+              <a:t>22</a:t>
             </a:fld>
             <a:endParaRPr lang="de-DE"/>
           </a:p>
@@ -9792,167 +9955,6 @@
 </p:sld>
 </file>
 
-<file path=ppt/slides/slide22.xml><?xml version="1.0" encoding="utf-8"?>
-<p:sld xmlns:a="http://schemas.openxmlformats.org/drawingml/2006/main" xmlns:r="http://schemas.openxmlformats.org/officeDocument/2006/relationships" xmlns:p="http://schemas.openxmlformats.org/presentationml/2006/main">
-  <p:cSld>
-    <p:spTree>
-      <p:nvGrpSpPr>
-        <p:cNvPr id="1" name=""/>
-        <p:cNvGrpSpPr/>
-        <p:nvPr/>
-      </p:nvGrpSpPr>
-      <p:grpSpPr>
-        <a:xfrm>
-          <a:off x="0" y="0"/>
-          <a:ext cx="0" cy="0"/>
-          <a:chOff x="0" y="0"/>
-          <a:chExt cx="0" cy="0"/>
-        </a:xfrm>
-      </p:grpSpPr>
-      <p:sp>
-        <p:nvSpPr>
-          <p:cNvPr id="7" name="Titel 6">
-            <a:extLst>
-              <a:ext uri="{FF2B5EF4-FFF2-40B4-BE49-F238E27FC236}">
-                <a16:creationId xmlns:a16="http://schemas.microsoft.com/office/drawing/2014/main" id="{5B988334-6799-4BED-8C1D-A3025BA38605}"/>
-              </a:ext>
-            </a:extLst>
-          </p:cNvPr>
-          <p:cNvSpPr>
-            <a:spLocks noGrp="1"/>
-          </p:cNvSpPr>
-          <p:nvPr>
-            <p:ph type="ctrTitle"/>
-          </p:nvPr>
-        </p:nvSpPr>
-        <p:spPr>
-          <a:xfrm>
-            <a:off x="704850" y="1527175"/>
-            <a:ext cx="7704138" cy="2870200"/>
-          </a:xfrm>
-        </p:spPr>
-        <p:txBody>
-          <a:bodyPr/>
-          <a:lstStyle/>
-          <a:p>
-            <a:r>
-              <a:rPr lang="en-US" dirty="0"/>
-              <a:t>Datatype - Moving Object Data</a:t>
-            </a:r>
-          </a:p>
-        </p:txBody>
-      </p:sp>
-      <p:sp>
-        <p:nvSpPr>
-          <p:cNvPr id="3" name="Datumsplatzhalter 2">
-            <a:extLst>
-              <a:ext uri="{FF2B5EF4-FFF2-40B4-BE49-F238E27FC236}">
-                <a16:creationId xmlns:a16="http://schemas.microsoft.com/office/drawing/2014/main" id="{3FC4CD3A-99AA-40A7-98E6-FD1D28C7DF1B}"/>
-              </a:ext>
-            </a:extLst>
-          </p:cNvPr>
-          <p:cNvSpPr>
-            <a:spLocks noGrp="1"/>
-          </p:cNvSpPr>
-          <p:nvPr>
-            <p:ph type="dt" sz="half" idx="2"/>
-          </p:nvPr>
-        </p:nvSpPr>
-        <p:spPr/>
-        <p:txBody>
-          <a:bodyPr/>
-          <a:lstStyle/>
-          <a:p>
-            <a:r>
-              <a:rPr lang="de-DE" dirty="0"/>
-              <a:t>06.02.2018</a:t>
-            </a:r>
-          </a:p>
-        </p:txBody>
-      </p:sp>
-      <p:sp>
-        <p:nvSpPr>
-          <p:cNvPr id="4" name="Fußzeilenplatzhalter 3">
-            <a:extLst>
-              <a:ext uri="{FF2B5EF4-FFF2-40B4-BE49-F238E27FC236}">
-                <a16:creationId xmlns:a16="http://schemas.microsoft.com/office/drawing/2014/main" id="{C433C980-9A01-4914-9E87-7C64284E6862}"/>
-              </a:ext>
-            </a:extLst>
-          </p:cNvPr>
-          <p:cNvSpPr>
-            <a:spLocks noGrp="1"/>
-          </p:cNvSpPr>
-          <p:nvPr>
-            <p:ph type="ftr" sz="quarter" idx="4294967295"/>
-          </p:nvPr>
-        </p:nvSpPr>
-        <p:spPr>
-          <a:xfrm>
-            <a:off x="3656013" y="6308725"/>
-            <a:ext cx="5487987" cy="288925"/>
-          </a:xfrm>
-        </p:spPr>
-        <p:txBody>
-          <a:bodyPr/>
-          <a:lstStyle/>
-          <a:p>
-            <a:r>
-              <a:rPr lang="de-DE"/>
-              <a:t>Schallner Ludwig, Wiegnand Andreas</a:t>
-            </a:r>
-            <a:endParaRPr lang="de-DE" dirty="0"/>
-          </a:p>
-        </p:txBody>
-      </p:sp>
-      <p:sp>
-        <p:nvSpPr>
-          <p:cNvPr id="5" name="Foliennummernplatzhalter 4">
-            <a:extLst>
-              <a:ext uri="{FF2B5EF4-FFF2-40B4-BE49-F238E27FC236}">
-                <a16:creationId xmlns:a16="http://schemas.microsoft.com/office/drawing/2014/main" id="{86C8A8DA-DEAD-4D62-B607-98887A90A8D8}"/>
-              </a:ext>
-            </a:extLst>
-          </p:cNvPr>
-          <p:cNvSpPr>
-            <a:spLocks noGrp="1"/>
-          </p:cNvSpPr>
-          <p:nvPr>
-            <p:ph type="sldNum" sz="quarter" idx="4294967295"/>
-          </p:nvPr>
-        </p:nvSpPr>
-        <p:spPr>
-          <a:xfrm>
-            <a:off x="8666163" y="6408738"/>
-            <a:ext cx="477837" cy="333375"/>
-          </a:xfrm>
-        </p:spPr>
-        <p:txBody>
-          <a:bodyPr/>
-          <a:lstStyle/>
-          <a:p>
-            <a:fld id="{50E76E58-F275-47A3-BB17-470016A267B6}" type="slidenum">
-              <a:rPr lang="de-DE" smtClean="0"/>
-              <a:pPr/>
-              <a:t>22</a:t>
-            </a:fld>
-            <a:endParaRPr lang="de-DE"/>
-          </a:p>
-        </p:txBody>
-      </p:sp>
-    </p:spTree>
-    <p:extLst>
-      <p:ext uri="{BB962C8B-B14F-4D97-AF65-F5344CB8AC3E}">
-        <p14:creationId xmlns:p14="http://schemas.microsoft.com/office/powerpoint/2010/main" val="1988280795"/>
-      </p:ext>
-    </p:extLst>
-  </p:cSld>
-  <p:clrMapOvr>
-    <a:masterClrMapping/>
-  </p:clrMapOvr>
-  <p:transition/>
-</p:sld>
-</file>
-
 <file path=ppt/slides/slide23.xml><?xml version="1.0" encoding="utf-8"?>
 <p:sld xmlns:a="http://schemas.openxmlformats.org/drawingml/2006/main" xmlns:r="http://schemas.openxmlformats.org/officeDocument/2006/relationships" xmlns:p="http://schemas.openxmlformats.org/presentationml/2006/main">
   <p:cSld>
@@ -9972,6 +9974,167 @@
       </p:grpSpPr>
       <p:sp>
         <p:nvSpPr>
+          <p:cNvPr id="7" name="Titel 6">
+            <a:extLst>
+              <a:ext uri="{FF2B5EF4-FFF2-40B4-BE49-F238E27FC236}">
+                <a16:creationId xmlns:a16="http://schemas.microsoft.com/office/drawing/2014/main" id="{5B988334-6799-4BED-8C1D-A3025BA38605}"/>
+              </a:ext>
+            </a:extLst>
+          </p:cNvPr>
+          <p:cNvSpPr>
+            <a:spLocks noGrp="1"/>
+          </p:cNvSpPr>
+          <p:nvPr>
+            <p:ph type="ctrTitle"/>
+          </p:nvPr>
+        </p:nvSpPr>
+        <p:spPr>
+          <a:xfrm>
+            <a:off x="704850" y="1527175"/>
+            <a:ext cx="7704138" cy="2870200"/>
+          </a:xfrm>
+        </p:spPr>
+        <p:txBody>
+          <a:bodyPr/>
+          <a:lstStyle/>
+          <a:p>
+            <a:r>
+              <a:rPr lang="en-US" dirty="0"/>
+              <a:t>Datatype - Moving Object Data</a:t>
+            </a:r>
+          </a:p>
+        </p:txBody>
+      </p:sp>
+      <p:sp>
+        <p:nvSpPr>
+          <p:cNvPr id="3" name="Datumsplatzhalter 2">
+            <a:extLst>
+              <a:ext uri="{FF2B5EF4-FFF2-40B4-BE49-F238E27FC236}">
+                <a16:creationId xmlns:a16="http://schemas.microsoft.com/office/drawing/2014/main" id="{3FC4CD3A-99AA-40A7-98E6-FD1D28C7DF1B}"/>
+              </a:ext>
+            </a:extLst>
+          </p:cNvPr>
+          <p:cNvSpPr>
+            <a:spLocks noGrp="1"/>
+          </p:cNvSpPr>
+          <p:nvPr>
+            <p:ph type="dt" sz="half" idx="2"/>
+          </p:nvPr>
+        </p:nvSpPr>
+        <p:spPr/>
+        <p:txBody>
+          <a:bodyPr/>
+          <a:lstStyle/>
+          <a:p>
+            <a:r>
+              <a:rPr lang="de-DE" dirty="0"/>
+              <a:t>06.02.2018</a:t>
+            </a:r>
+          </a:p>
+        </p:txBody>
+      </p:sp>
+      <p:sp>
+        <p:nvSpPr>
+          <p:cNvPr id="4" name="Fußzeilenplatzhalter 3">
+            <a:extLst>
+              <a:ext uri="{FF2B5EF4-FFF2-40B4-BE49-F238E27FC236}">
+                <a16:creationId xmlns:a16="http://schemas.microsoft.com/office/drawing/2014/main" id="{C433C980-9A01-4914-9E87-7C64284E6862}"/>
+              </a:ext>
+            </a:extLst>
+          </p:cNvPr>
+          <p:cNvSpPr>
+            <a:spLocks noGrp="1"/>
+          </p:cNvSpPr>
+          <p:nvPr>
+            <p:ph type="ftr" sz="quarter" idx="4294967295"/>
+          </p:nvPr>
+        </p:nvSpPr>
+        <p:spPr>
+          <a:xfrm>
+            <a:off x="3656013" y="6308725"/>
+            <a:ext cx="5487987" cy="288925"/>
+          </a:xfrm>
+        </p:spPr>
+        <p:txBody>
+          <a:bodyPr/>
+          <a:lstStyle/>
+          <a:p>
+            <a:r>
+              <a:rPr lang="de-DE"/>
+              <a:t>Schallner Ludwig, Wiegnand Andreas</a:t>
+            </a:r>
+            <a:endParaRPr lang="de-DE" dirty="0"/>
+          </a:p>
+        </p:txBody>
+      </p:sp>
+      <p:sp>
+        <p:nvSpPr>
+          <p:cNvPr id="5" name="Foliennummernplatzhalter 4">
+            <a:extLst>
+              <a:ext uri="{FF2B5EF4-FFF2-40B4-BE49-F238E27FC236}">
+                <a16:creationId xmlns:a16="http://schemas.microsoft.com/office/drawing/2014/main" id="{86C8A8DA-DEAD-4D62-B607-98887A90A8D8}"/>
+              </a:ext>
+            </a:extLst>
+          </p:cNvPr>
+          <p:cNvSpPr>
+            <a:spLocks noGrp="1"/>
+          </p:cNvSpPr>
+          <p:nvPr>
+            <p:ph type="sldNum" sz="quarter" idx="4294967295"/>
+          </p:nvPr>
+        </p:nvSpPr>
+        <p:spPr>
+          <a:xfrm>
+            <a:off x="8666163" y="6408738"/>
+            <a:ext cx="477837" cy="333375"/>
+          </a:xfrm>
+        </p:spPr>
+        <p:txBody>
+          <a:bodyPr/>
+          <a:lstStyle/>
+          <a:p>
+            <a:fld id="{50E76E58-F275-47A3-BB17-470016A267B6}" type="slidenum">
+              <a:rPr lang="de-DE" smtClean="0"/>
+              <a:pPr/>
+              <a:t>23</a:t>
+            </a:fld>
+            <a:endParaRPr lang="de-DE"/>
+          </a:p>
+        </p:txBody>
+      </p:sp>
+    </p:spTree>
+    <p:extLst>
+      <p:ext uri="{BB962C8B-B14F-4D97-AF65-F5344CB8AC3E}">
+        <p14:creationId xmlns:p14="http://schemas.microsoft.com/office/powerpoint/2010/main" val="1988280795"/>
+      </p:ext>
+    </p:extLst>
+  </p:cSld>
+  <p:clrMapOvr>
+    <a:masterClrMapping/>
+  </p:clrMapOvr>
+  <p:transition/>
+</p:sld>
+</file>
+
+<file path=ppt/slides/slide24.xml><?xml version="1.0" encoding="utf-8"?>
+<p:sld xmlns:a="http://schemas.openxmlformats.org/drawingml/2006/main" xmlns:r="http://schemas.openxmlformats.org/officeDocument/2006/relationships" xmlns:p="http://schemas.openxmlformats.org/presentationml/2006/main">
+  <p:cSld>
+    <p:spTree>
+      <p:nvGrpSpPr>
+        <p:cNvPr id="1" name=""/>
+        <p:cNvGrpSpPr/>
+        <p:nvPr/>
+      </p:nvGrpSpPr>
+      <p:grpSpPr>
+        <a:xfrm>
+          <a:off x="0" y="0"/>
+          <a:ext cx="0" cy="0"/>
+          <a:chOff x="0" y="0"/>
+          <a:chExt cx="0" cy="0"/>
+        </a:xfrm>
+      </p:grpSpPr>
+      <p:sp>
+        <p:nvSpPr>
           <p:cNvPr id="5" name="Textplatzhalter 4">
             <a:extLst>
               <a:ext uri="{FF2B5EF4-FFF2-40B4-BE49-F238E27FC236}">
@@ -10134,7 +10297,7 @@
             <a:fld id="{50E76E58-F275-47A3-BB17-470016A267B6}" type="slidenum">
               <a:rPr lang="de-DE" smtClean="0"/>
               <a:pPr/>
-              <a:t>23</a:t>
+              <a:t>24</a:t>
             </a:fld>
             <a:endParaRPr lang="de-DE" dirty="0"/>
           </a:p>
@@ -10644,7 +10807,7 @@
 </p:sld>
 </file>
 
-<file path=ppt/slides/slide24.xml><?xml version="1.0" encoding="utf-8"?>
+<file path=ppt/slides/slide25.xml><?xml version="1.0" encoding="utf-8"?>
 <p:sld xmlns:a="http://schemas.openxmlformats.org/drawingml/2006/main" xmlns:r="http://schemas.openxmlformats.org/officeDocument/2006/relationships" xmlns:p="http://schemas.openxmlformats.org/presentationml/2006/main">
   <p:cSld>
     <p:spTree>
@@ -10772,7 +10935,7 @@
             <a:fld id="{50E76E58-F275-47A3-BB17-470016A267B6}" type="slidenum">
               <a:rPr lang="de-DE" smtClean="0"/>
               <a:pPr/>
-              <a:t>24</a:t>
+              <a:t>25</a:t>
             </a:fld>
             <a:endParaRPr lang="de-DE"/>
           </a:p>
@@ -11182,370 +11345,6 @@
     <p:extLst>
       <p:ext uri="{BB962C8B-B14F-4D97-AF65-F5344CB8AC3E}">
         <p14:creationId xmlns:p14="http://schemas.microsoft.com/office/powerpoint/2010/main" val="830300591"/>
-      </p:ext>
-    </p:extLst>
-  </p:cSld>
-  <p:clrMapOvr>
-    <a:masterClrMapping/>
-  </p:clrMapOvr>
-</p:sld>
-</file>
-
-<file path=ppt/slides/slide25.xml><?xml version="1.0" encoding="utf-8"?>
-<p:sld xmlns:a="http://schemas.openxmlformats.org/drawingml/2006/main" xmlns:r="http://schemas.openxmlformats.org/officeDocument/2006/relationships" xmlns:p="http://schemas.openxmlformats.org/presentationml/2006/main">
-  <p:cSld>
-    <p:spTree>
-      <p:nvGrpSpPr>
-        <p:cNvPr id="1" name=""/>
-        <p:cNvGrpSpPr/>
-        <p:nvPr/>
-      </p:nvGrpSpPr>
-      <p:grpSpPr>
-        <a:xfrm>
-          <a:off x="0" y="0"/>
-          <a:ext cx="0" cy="0"/>
-          <a:chOff x="0" y="0"/>
-          <a:chExt cx="0" cy="0"/>
-        </a:xfrm>
-      </p:grpSpPr>
-      <p:pic>
-        <p:nvPicPr>
-          <p:cNvPr id="7" name="Grafik 6">
-            <a:extLst>
-              <a:ext uri="{FF2B5EF4-FFF2-40B4-BE49-F238E27FC236}">
-                <a16:creationId xmlns:a16="http://schemas.microsoft.com/office/drawing/2014/main" id="{9826C630-75C9-4634-86D6-BA0F4742BBE9}"/>
-              </a:ext>
-            </a:extLst>
-          </p:cNvPr>
-          <p:cNvPicPr>
-            <a:picLocks noChangeAspect="1"/>
-          </p:cNvPicPr>
-          <p:nvPr/>
-        </p:nvPicPr>
-        <p:blipFill>
-          <a:blip r:embed="rId3"/>
-          <a:stretch>
-            <a:fillRect/>
-          </a:stretch>
-        </p:blipFill>
-        <p:spPr>
-          <a:xfrm>
-            <a:off x="430213" y="1268760"/>
-            <a:ext cx="3516160" cy="2808312"/>
-          </a:xfrm>
-          <a:prstGeom prst="rect">
-            <a:avLst/>
-          </a:prstGeom>
-        </p:spPr>
-      </p:pic>
-      <p:pic>
-        <p:nvPicPr>
-          <p:cNvPr id="8" name="Grafik 7">
-            <a:extLst>
-              <a:ext uri="{FF2B5EF4-FFF2-40B4-BE49-F238E27FC236}">
-                <a16:creationId xmlns:a16="http://schemas.microsoft.com/office/drawing/2014/main" id="{7F6EF6CD-FDFC-46CC-8469-AF363E9A4B9C}"/>
-              </a:ext>
-            </a:extLst>
-          </p:cNvPr>
-          <p:cNvPicPr>
-            <a:picLocks noChangeAspect="1"/>
-          </p:cNvPicPr>
-          <p:nvPr/>
-        </p:nvPicPr>
-        <p:blipFill>
-          <a:blip r:embed="rId4"/>
-          <a:stretch>
-            <a:fillRect/>
-          </a:stretch>
-        </p:blipFill>
-        <p:spPr>
-          <a:xfrm>
-            <a:off x="4301331" y="1243608"/>
-            <a:ext cx="3799061" cy="2793183"/>
-          </a:xfrm>
-          <a:prstGeom prst="rect">
-            <a:avLst/>
-          </a:prstGeom>
-        </p:spPr>
-      </p:pic>
-      <p:sp>
-        <p:nvSpPr>
-          <p:cNvPr id="3" name="Datumsplatzhalter 2">
-            <a:extLst>
-              <a:ext uri="{FF2B5EF4-FFF2-40B4-BE49-F238E27FC236}">
-                <a16:creationId xmlns:a16="http://schemas.microsoft.com/office/drawing/2014/main" id="{AE43D9CA-6D18-407F-8866-086A77E3F973}"/>
-              </a:ext>
-            </a:extLst>
-          </p:cNvPr>
-          <p:cNvSpPr>
-            <a:spLocks noGrp="1"/>
-          </p:cNvSpPr>
-          <p:nvPr>
-            <p:ph type="dt" sz="half" idx="14"/>
-          </p:nvPr>
-        </p:nvSpPr>
-        <p:spPr/>
-        <p:txBody>
-          <a:bodyPr/>
-          <a:lstStyle/>
-          <a:p>
-            <a:r>
-              <a:rPr lang="de-DE" dirty="0"/>
-              <a:t>06.02.2018</a:t>
-            </a:r>
-          </a:p>
-        </p:txBody>
-      </p:sp>
-      <p:sp>
-        <p:nvSpPr>
-          <p:cNvPr id="4" name="Fußzeilenplatzhalter 3">
-            <a:extLst>
-              <a:ext uri="{FF2B5EF4-FFF2-40B4-BE49-F238E27FC236}">
-                <a16:creationId xmlns:a16="http://schemas.microsoft.com/office/drawing/2014/main" id="{5DC267CC-4176-4CDE-BCAD-0664D589884A}"/>
-              </a:ext>
-            </a:extLst>
-          </p:cNvPr>
-          <p:cNvSpPr>
-            <a:spLocks noGrp="1"/>
-          </p:cNvSpPr>
-          <p:nvPr>
-            <p:ph type="ftr" sz="quarter" idx="15"/>
-          </p:nvPr>
-        </p:nvSpPr>
-        <p:spPr/>
-        <p:txBody>
-          <a:bodyPr/>
-          <a:lstStyle/>
-          <a:p>
-            <a:r>
-              <a:rPr lang="de-DE"/>
-              <a:t>Schallner Ludwig, Wiegnand Andreas</a:t>
-            </a:r>
-            <a:endParaRPr lang="de-DE" dirty="0"/>
-          </a:p>
-        </p:txBody>
-      </p:sp>
-      <p:sp>
-        <p:nvSpPr>
-          <p:cNvPr id="5" name="Foliennummernplatzhalter 4">
-            <a:extLst>
-              <a:ext uri="{FF2B5EF4-FFF2-40B4-BE49-F238E27FC236}">
-                <a16:creationId xmlns:a16="http://schemas.microsoft.com/office/drawing/2014/main" id="{534DA981-97DF-418D-8360-D2D89C2C4E87}"/>
-              </a:ext>
-            </a:extLst>
-          </p:cNvPr>
-          <p:cNvSpPr>
-            <a:spLocks noGrp="1"/>
-          </p:cNvSpPr>
-          <p:nvPr>
-            <p:ph type="sldNum" sz="quarter" idx="16"/>
-          </p:nvPr>
-        </p:nvSpPr>
-        <p:spPr/>
-        <p:txBody>
-          <a:bodyPr/>
-          <a:lstStyle/>
-          <a:p>
-            <a:fld id="{50E76E58-F275-47A3-BB17-470016A267B6}" type="slidenum">
-              <a:rPr lang="de-DE" smtClean="0"/>
-              <a:pPr/>
-              <a:t>25</a:t>
-            </a:fld>
-            <a:endParaRPr lang="de-DE"/>
-          </a:p>
-        </p:txBody>
-      </p:sp>
-      <p:sp>
-        <p:nvSpPr>
-          <p:cNvPr id="6" name="Titel 5">
-            <a:extLst>
-              <a:ext uri="{FF2B5EF4-FFF2-40B4-BE49-F238E27FC236}">
-                <a16:creationId xmlns:a16="http://schemas.microsoft.com/office/drawing/2014/main" id="{E287B4F3-A00F-4EAF-B676-963A8CB951EF}"/>
-              </a:ext>
-            </a:extLst>
-          </p:cNvPr>
-          <p:cNvSpPr>
-            <a:spLocks noGrp="1"/>
-          </p:cNvSpPr>
-          <p:nvPr>
-            <p:ph type="title"/>
-          </p:nvPr>
-        </p:nvSpPr>
-        <p:spPr/>
-        <p:txBody>
-          <a:bodyPr/>
-          <a:lstStyle/>
-          <a:p>
-            <a:r>
-              <a:rPr lang="en-US" dirty="0"/>
-              <a:t>Datatype - Moving Object Data</a:t>
-            </a:r>
-          </a:p>
-        </p:txBody>
-      </p:sp>
-      <p:sp>
-        <p:nvSpPr>
-          <p:cNvPr id="11" name="Textfeld 10">
-            <a:extLst>
-              <a:ext uri="{FF2B5EF4-FFF2-40B4-BE49-F238E27FC236}">
-                <a16:creationId xmlns:a16="http://schemas.microsoft.com/office/drawing/2014/main" id="{424BBDCD-DC8C-4839-A14E-55AF77E5D746}"/>
-              </a:ext>
-            </a:extLst>
-          </p:cNvPr>
-          <p:cNvSpPr txBox="1"/>
-          <p:nvPr/>
-        </p:nvSpPr>
-        <p:spPr>
-          <a:xfrm>
-            <a:off x="899592" y="4036791"/>
-            <a:ext cx="2880320" cy="400110"/>
-          </a:xfrm>
-          <a:prstGeom prst="rect">
-            <a:avLst/>
-          </a:prstGeom>
-          <a:noFill/>
-        </p:spPr>
-        <p:txBody>
-          <a:bodyPr wrap="square" rtlCol="0">
-            <a:spAutoFit/>
-          </a:bodyPr>
-          <a:lstStyle/>
-          <a:p>
-            <a:r>
-              <a:rPr lang="en-US" sz="1000" b="0" dirty="0"/>
-              <a:t>A Customizable </a:t>
-            </a:r>
-            <a:r>
-              <a:rPr lang="en-US" sz="1000" b="0" i="1" dirty="0"/>
-              <a:t>k</a:t>
-            </a:r>
-            <a:r>
-              <a:rPr lang="en-US" sz="1000" b="0" dirty="0"/>
-              <a:t>-Anonymity Model for Protecting Location Privacy – </a:t>
-            </a:r>
-            <a:r>
-              <a:rPr lang="en-US" sz="1000" b="0" dirty="0" err="1"/>
-              <a:t>Bugra</a:t>
-            </a:r>
-            <a:r>
-              <a:rPr lang="en-US" sz="1000" b="0" dirty="0"/>
-              <a:t> a. Ling</a:t>
-            </a:r>
-            <a:endParaRPr lang="de-DE" sz="1000" dirty="0"/>
-          </a:p>
-        </p:txBody>
-      </p:sp>
-      <p:sp>
-        <p:nvSpPr>
-          <p:cNvPr id="9" name="Textfeld 8">
-            <a:extLst>
-              <a:ext uri="{FF2B5EF4-FFF2-40B4-BE49-F238E27FC236}">
-                <a16:creationId xmlns:a16="http://schemas.microsoft.com/office/drawing/2014/main" id="{FAD62C39-C15A-4990-9D49-79EA5474DF8B}"/>
-              </a:ext>
-            </a:extLst>
-          </p:cNvPr>
-          <p:cNvSpPr txBox="1"/>
-          <p:nvPr/>
-        </p:nvSpPr>
-        <p:spPr>
-          <a:xfrm>
-            <a:off x="4760701" y="4077072"/>
-            <a:ext cx="2880320" cy="400110"/>
-          </a:xfrm>
-          <a:prstGeom prst="rect">
-            <a:avLst/>
-          </a:prstGeom>
-          <a:noFill/>
-        </p:spPr>
-        <p:txBody>
-          <a:bodyPr wrap="square" rtlCol="0">
-            <a:spAutoFit/>
-          </a:bodyPr>
-          <a:lstStyle/>
-          <a:p>
-            <a:r>
-              <a:rPr lang="en-US" sz="1000" b="0" dirty="0"/>
-              <a:t>A Customizable </a:t>
-            </a:r>
-            <a:r>
-              <a:rPr lang="en-US" sz="1000" b="0" i="1" dirty="0"/>
-              <a:t>k</a:t>
-            </a:r>
-            <a:r>
-              <a:rPr lang="en-US" sz="1000" b="0" dirty="0"/>
-              <a:t>-Anonymity Model for Protecting Location Privacy – </a:t>
-            </a:r>
-            <a:r>
-              <a:rPr lang="en-US" sz="1000" b="0" dirty="0" err="1"/>
-              <a:t>Bugra</a:t>
-            </a:r>
-            <a:r>
-              <a:rPr lang="en-US" sz="1000" b="0" dirty="0"/>
-              <a:t> a. Ling</a:t>
-            </a:r>
-            <a:endParaRPr lang="de-DE" sz="1000" dirty="0"/>
-          </a:p>
-        </p:txBody>
-      </p:sp>
-      <p:sp>
-        <p:nvSpPr>
-          <p:cNvPr id="10" name="Textfeld 9">
-            <a:extLst>
-              <a:ext uri="{FF2B5EF4-FFF2-40B4-BE49-F238E27FC236}">
-                <a16:creationId xmlns:a16="http://schemas.microsoft.com/office/drawing/2014/main" id="{106DBB63-9FAA-4C9D-B2DF-F5C1B6F448BE}"/>
-              </a:ext>
-            </a:extLst>
-          </p:cNvPr>
-          <p:cNvSpPr txBox="1"/>
-          <p:nvPr/>
-        </p:nvSpPr>
-        <p:spPr>
-          <a:xfrm>
-            <a:off x="2979614" y="4829452"/>
-            <a:ext cx="2520280" cy="830997"/>
-          </a:xfrm>
-          <a:prstGeom prst="rect">
-            <a:avLst/>
-          </a:prstGeom>
-          <a:noFill/>
-        </p:spPr>
-        <p:txBody>
-          <a:bodyPr wrap="square" rtlCol="0">
-            <a:spAutoFit/>
-          </a:bodyPr>
-          <a:lstStyle/>
-          <a:p>
-            <a:r>
-              <a:rPr lang="de-DE" sz="2400" dirty="0">
-                <a:solidFill>
-                  <a:srgbClr val="FF0000"/>
-                </a:solidFill>
-              </a:rPr>
-              <a:t>Anonymity can </a:t>
-            </a:r>
-            <a:r>
-              <a:rPr lang="de-DE" sz="2400" dirty="0" err="1">
-                <a:solidFill>
-                  <a:srgbClr val="FF0000"/>
-                </a:solidFill>
-              </a:rPr>
-              <a:t>cost</a:t>
-            </a:r>
-            <a:r>
-              <a:rPr lang="de-DE" sz="2400" dirty="0">
-                <a:solidFill>
-                  <a:srgbClr val="FF0000"/>
-                </a:solidFill>
-              </a:rPr>
-              <a:t> Utility </a:t>
-            </a:r>
-          </a:p>
-        </p:txBody>
-      </p:sp>
-    </p:spTree>
-    <p:extLst>
-      <p:ext uri="{BB962C8B-B14F-4D97-AF65-F5344CB8AC3E}">
-        <p14:creationId xmlns:p14="http://schemas.microsoft.com/office/powerpoint/2010/main" val="4101966844"/>
       </p:ext>
     </p:extLst>
   </p:cSld>
@@ -11572,53 +11371,80 @@
           <a:chExt cx="0" cy="0"/>
         </a:xfrm>
       </p:grpSpPr>
-      <p:sp>
-        <p:nvSpPr>
-          <p:cNvPr id="7" name="Titel 6">
-            <a:extLst>
-              <a:ext uri="{FF2B5EF4-FFF2-40B4-BE49-F238E27FC236}">
-                <a16:creationId xmlns:a16="http://schemas.microsoft.com/office/drawing/2014/main" id="{CEC663F5-0B87-46DD-9F27-0E98B46D4CBA}"/>
-              </a:ext>
-            </a:extLst>
-          </p:cNvPr>
-          <p:cNvSpPr>
-            <a:spLocks noGrp="1"/>
-          </p:cNvSpPr>
-          <p:nvPr>
-            <p:ph type="ctrTitle"/>
-          </p:nvPr>
-        </p:nvSpPr>
+      <p:pic>
+        <p:nvPicPr>
+          <p:cNvPr id="7" name="Grafik 6">
+            <a:extLst>
+              <a:ext uri="{FF2B5EF4-FFF2-40B4-BE49-F238E27FC236}">
+                <a16:creationId xmlns:a16="http://schemas.microsoft.com/office/drawing/2014/main" id="{9826C630-75C9-4634-86D6-BA0F4742BBE9}"/>
+              </a:ext>
+            </a:extLst>
+          </p:cNvPr>
+          <p:cNvPicPr>
+            <a:picLocks noChangeAspect="1"/>
+          </p:cNvPicPr>
+          <p:nvPr/>
+        </p:nvPicPr>
+        <p:blipFill>
+          <a:blip r:embed="rId3"/>
+          <a:stretch>
+            <a:fillRect/>
+          </a:stretch>
+        </p:blipFill>
         <p:spPr>
           <a:xfrm>
-            <a:off x="704850" y="1527175"/>
-            <a:ext cx="7704138" cy="2870200"/>
+            <a:off x="430213" y="1268760"/>
+            <a:ext cx="3516160" cy="2808312"/>
           </a:xfrm>
+          <a:prstGeom prst="rect">
+            <a:avLst/>
+          </a:prstGeom>
         </p:spPr>
-        <p:txBody>
-          <a:bodyPr/>
-          <a:lstStyle/>
-          <a:p>
-            <a:r>
-              <a:rPr lang="en-US" dirty="0"/>
-              <a:t>Datatype - High-Dimensional Transaction Data</a:t>
-            </a:r>
-          </a:p>
-        </p:txBody>
-      </p:sp>
+      </p:pic>
+      <p:pic>
+        <p:nvPicPr>
+          <p:cNvPr id="8" name="Grafik 7">
+            <a:extLst>
+              <a:ext uri="{FF2B5EF4-FFF2-40B4-BE49-F238E27FC236}">
+                <a16:creationId xmlns:a16="http://schemas.microsoft.com/office/drawing/2014/main" id="{7F6EF6CD-FDFC-46CC-8469-AF363E9A4B9C}"/>
+              </a:ext>
+            </a:extLst>
+          </p:cNvPr>
+          <p:cNvPicPr>
+            <a:picLocks noChangeAspect="1"/>
+          </p:cNvPicPr>
+          <p:nvPr/>
+        </p:nvPicPr>
+        <p:blipFill>
+          <a:blip r:embed="rId4"/>
+          <a:stretch>
+            <a:fillRect/>
+          </a:stretch>
+        </p:blipFill>
+        <p:spPr>
+          <a:xfrm>
+            <a:off x="4301331" y="1243608"/>
+            <a:ext cx="3799061" cy="2793183"/>
+          </a:xfrm>
+          <a:prstGeom prst="rect">
+            <a:avLst/>
+          </a:prstGeom>
+        </p:spPr>
+      </p:pic>
       <p:sp>
         <p:nvSpPr>
           <p:cNvPr id="3" name="Datumsplatzhalter 2">
             <a:extLst>
               <a:ext uri="{FF2B5EF4-FFF2-40B4-BE49-F238E27FC236}">
-                <a16:creationId xmlns:a16="http://schemas.microsoft.com/office/drawing/2014/main" id="{B5FB1D02-E0A3-43A3-BF1B-941DB72E3227}"/>
-              </a:ext>
-            </a:extLst>
-          </p:cNvPr>
-          <p:cNvSpPr>
-            <a:spLocks noGrp="1"/>
-          </p:cNvSpPr>
-          <p:nvPr>
-            <p:ph type="dt" sz="half" idx="2"/>
+                <a16:creationId xmlns:a16="http://schemas.microsoft.com/office/drawing/2014/main" id="{AE43D9CA-6D18-407F-8866-086A77E3F973}"/>
+              </a:ext>
+            </a:extLst>
+          </p:cNvPr>
+          <p:cNvSpPr>
+            <a:spLocks noGrp="1"/>
+          </p:cNvSpPr>
+          <p:nvPr>
+            <p:ph type="dt" sz="half" idx="14"/>
           </p:nvPr>
         </p:nvSpPr>
         <p:spPr/>
@@ -11638,23 +11464,18 @@
           <p:cNvPr id="4" name="Fußzeilenplatzhalter 3">
             <a:extLst>
               <a:ext uri="{FF2B5EF4-FFF2-40B4-BE49-F238E27FC236}">
-                <a16:creationId xmlns:a16="http://schemas.microsoft.com/office/drawing/2014/main" id="{961CB94B-E14C-4FDA-A857-47D0B38174F1}"/>
-              </a:ext>
-            </a:extLst>
-          </p:cNvPr>
-          <p:cNvSpPr>
-            <a:spLocks noGrp="1"/>
-          </p:cNvSpPr>
-          <p:nvPr>
-            <p:ph type="ftr" sz="quarter" idx="4294967295"/>
-          </p:nvPr>
-        </p:nvSpPr>
-        <p:spPr>
-          <a:xfrm>
-            <a:off x="3656013" y="6308725"/>
-            <a:ext cx="5487987" cy="288925"/>
-          </a:xfrm>
-        </p:spPr>
+                <a16:creationId xmlns:a16="http://schemas.microsoft.com/office/drawing/2014/main" id="{5DC267CC-4176-4CDE-BCAD-0664D589884A}"/>
+              </a:ext>
+            </a:extLst>
+          </p:cNvPr>
+          <p:cNvSpPr>
+            <a:spLocks noGrp="1"/>
+          </p:cNvSpPr>
+          <p:nvPr>
+            <p:ph type="ftr" sz="quarter" idx="15"/>
+          </p:nvPr>
+        </p:nvSpPr>
+        <p:spPr/>
         <p:txBody>
           <a:bodyPr/>
           <a:lstStyle/>
@@ -11672,23 +11493,18 @@
           <p:cNvPr id="5" name="Foliennummernplatzhalter 4">
             <a:extLst>
               <a:ext uri="{FF2B5EF4-FFF2-40B4-BE49-F238E27FC236}">
-                <a16:creationId xmlns:a16="http://schemas.microsoft.com/office/drawing/2014/main" id="{D17BC6DF-9A02-4643-85E2-86DC2EC34F40}"/>
-              </a:ext>
-            </a:extLst>
-          </p:cNvPr>
-          <p:cNvSpPr>
-            <a:spLocks noGrp="1"/>
-          </p:cNvSpPr>
-          <p:nvPr>
-            <p:ph type="sldNum" sz="quarter" idx="4294967295"/>
-          </p:nvPr>
-        </p:nvSpPr>
-        <p:spPr>
-          <a:xfrm>
-            <a:off x="8666163" y="6408738"/>
-            <a:ext cx="477837" cy="333375"/>
-          </a:xfrm>
-        </p:spPr>
+                <a16:creationId xmlns:a16="http://schemas.microsoft.com/office/drawing/2014/main" id="{534DA981-97DF-418D-8360-D2D89C2C4E87}"/>
+              </a:ext>
+            </a:extLst>
+          </p:cNvPr>
+          <p:cNvSpPr>
+            <a:spLocks noGrp="1"/>
+          </p:cNvSpPr>
+          <p:nvPr>
+            <p:ph type="sldNum" sz="quarter" idx="16"/>
+          </p:nvPr>
+        </p:nvSpPr>
+        <p:spPr/>
         <p:txBody>
           <a:bodyPr/>
           <a:lstStyle/>
@@ -11702,17 +11518,203 @@
           </a:p>
         </p:txBody>
       </p:sp>
+      <p:sp>
+        <p:nvSpPr>
+          <p:cNvPr id="6" name="Titel 5">
+            <a:extLst>
+              <a:ext uri="{FF2B5EF4-FFF2-40B4-BE49-F238E27FC236}">
+                <a16:creationId xmlns:a16="http://schemas.microsoft.com/office/drawing/2014/main" id="{E287B4F3-A00F-4EAF-B676-963A8CB951EF}"/>
+              </a:ext>
+            </a:extLst>
+          </p:cNvPr>
+          <p:cNvSpPr>
+            <a:spLocks noGrp="1"/>
+          </p:cNvSpPr>
+          <p:nvPr>
+            <p:ph type="title"/>
+          </p:nvPr>
+        </p:nvSpPr>
+        <p:spPr/>
+        <p:txBody>
+          <a:bodyPr/>
+          <a:lstStyle/>
+          <a:p>
+            <a:r>
+              <a:rPr lang="en-US" dirty="0"/>
+              <a:t>Datatype - Moving Object Data</a:t>
+            </a:r>
+          </a:p>
+        </p:txBody>
+      </p:sp>
+      <p:sp>
+        <p:nvSpPr>
+          <p:cNvPr id="11" name="Textfeld 10">
+            <a:extLst>
+              <a:ext uri="{FF2B5EF4-FFF2-40B4-BE49-F238E27FC236}">
+                <a16:creationId xmlns:a16="http://schemas.microsoft.com/office/drawing/2014/main" id="{424BBDCD-DC8C-4839-A14E-55AF77E5D746}"/>
+              </a:ext>
+            </a:extLst>
+          </p:cNvPr>
+          <p:cNvSpPr txBox="1"/>
+          <p:nvPr/>
+        </p:nvSpPr>
+        <p:spPr>
+          <a:xfrm>
+            <a:off x="899592" y="4036791"/>
+            <a:ext cx="2880320" cy="400110"/>
+          </a:xfrm>
+          <a:prstGeom prst="rect">
+            <a:avLst/>
+          </a:prstGeom>
+          <a:noFill/>
+        </p:spPr>
+        <p:txBody>
+          <a:bodyPr wrap="square" rtlCol="0">
+            <a:spAutoFit/>
+          </a:bodyPr>
+          <a:lstStyle/>
+          <a:p>
+            <a:r>
+              <a:rPr lang="en-US" sz="1000" b="0" dirty="0"/>
+              <a:t>A Customizable </a:t>
+            </a:r>
+            <a:r>
+              <a:rPr lang="en-US" sz="1000" b="0" i="1" dirty="0"/>
+              <a:t>k</a:t>
+            </a:r>
+            <a:r>
+              <a:rPr lang="en-US" sz="1000" b="0" dirty="0"/>
+              <a:t>-Anonymity Model for Protecting Location Privacy – </a:t>
+            </a:r>
+            <a:r>
+              <a:rPr lang="en-US" sz="1000" b="0" dirty="0" err="1"/>
+              <a:t>Bugra</a:t>
+            </a:r>
+            <a:r>
+              <a:rPr lang="en-US" sz="1000" b="0" dirty="0"/>
+              <a:t> a. Ling</a:t>
+            </a:r>
+            <a:endParaRPr lang="de-DE" sz="1000" dirty="0"/>
+          </a:p>
+        </p:txBody>
+      </p:sp>
+      <p:sp>
+        <p:nvSpPr>
+          <p:cNvPr id="9" name="Textfeld 8">
+            <a:extLst>
+              <a:ext uri="{FF2B5EF4-FFF2-40B4-BE49-F238E27FC236}">
+                <a16:creationId xmlns:a16="http://schemas.microsoft.com/office/drawing/2014/main" id="{FAD62C39-C15A-4990-9D49-79EA5474DF8B}"/>
+              </a:ext>
+            </a:extLst>
+          </p:cNvPr>
+          <p:cNvSpPr txBox="1"/>
+          <p:nvPr/>
+        </p:nvSpPr>
+        <p:spPr>
+          <a:xfrm>
+            <a:off x="4760701" y="4077072"/>
+            <a:ext cx="2880320" cy="400110"/>
+          </a:xfrm>
+          <a:prstGeom prst="rect">
+            <a:avLst/>
+          </a:prstGeom>
+          <a:noFill/>
+        </p:spPr>
+        <p:txBody>
+          <a:bodyPr wrap="square" rtlCol="0">
+            <a:spAutoFit/>
+          </a:bodyPr>
+          <a:lstStyle/>
+          <a:p>
+            <a:r>
+              <a:rPr lang="en-US" sz="1000" b="0" dirty="0"/>
+              <a:t>A Customizable </a:t>
+            </a:r>
+            <a:r>
+              <a:rPr lang="en-US" sz="1000" b="0" i="1" dirty="0"/>
+              <a:t>k</a:t>
+            </a:r>
+            <a:r>
+              <a:rPr lang="en-US" sz="1000" b="0" dirty="0"/>
+              <a:t>-Anonymity Model for Protecting Location Privacy – </a:t>
+            </a:r>
+            <a:r>
+              <a:rPr lang="en-US" sz="1000" b="0" dirty="0" err="1"/>
+              <a:t>Bugra</a:t>
+            </a:r>
+            <a:r>
+              <a:rPr lang="en-US" sz="1000" b="0" dirty="0"/>
+              <a:t> a. Ling</a:t>
+            </a:r>
+            <a:endParaRPr lang="de-DE" sz="1000" dirty="0"/>
+          </a:p>
+        </p:txBody>
+      </p:sp>
+      <p:sp>
+        <p:nvSpPr>
+          <p:cNvPr id="10" name="Textfeld 9">
+            <a:extLst>
+              <a:ext uri="{FF2B5EF4-FFF2-40B4-BE49-F238E27FC236}">
+                <a16:creationId xmlns:a16="http://schemas.microsoft.com/office/drawing/2014/main" id="{106DBB63-9FAA-4C9D-B2DF-F5C1B6F448BE}"/>
+              </a:ext>
+            </a:extLst>
+          </p:cNvPr>
+          <p:cNvSpPr txBox="1"/>
+          <p:nvPr/>
+        </p:nvSpPr>
+        <p:spPr>
+          <a:xfrm>
+            <a:off x="2979614" y="4829452"/>
+            <a:ext cx="2520280" cy="830997"/>
+          </a:xfrm>
+          <a:prstGeom prst="rect">
+            <a:avLst/>
+          </a:prstGeom>
+          <a:noFill/>
+        </p:spPr>
+        <p:txBody>
+          <a:bodyPr wrap="square" rtlCol="0">
+            <a:spAutoFit/>
+          </a:bodyPr>
+          <a:lstStyle/>
+          <a:p>
+            <a:r>
+              <a:rPr lang="de-DE" sz="2400" dirty="0">
+                <a:solidFill>
+                  <a:srgbClr val="FF0000"/>
+                </a:solidFill>
+              </a:rPr>
+              <a:t>Anonymity can </a:t>
+            </a:r>
+            <a:r>
+              <a:rPr lang="de-DE" sz="2400" dirty="0" err="1">
+                <a:solidFill>
+                  <a:srgbClr val="FF0000"/>
+                </a:solidFill>
+              </a:rPr>
+              <a:t>cost</a:t>
+            </a:r>
+            <a:r>
+              <a:rPr lang="de-DE" sz="2400" dirty="0">
+                <a:solidFill>
+                  <a:srgbClr val="FF0000"/>
+                </a:solidFill>
+              </a:rPr>
+              <a:t> Utility </a:t>
+            </a:r>
+          </a:p>
+        </p:txBody>
+      </p:sp>
     </p:spTree>
     <p:extLst>
       <p:ext uri="{BB962C8B-B14F-4D97-AF65-F5344CB8AC3E}">
-        <p14:creationId xmlns:p14="http://schemas.microsoft.com/office/powerpoint/2010/main" val="3009081077"/>
+        <p14:creationId xmlns:p14="http://schemas.microsoft.com/office/powerpoint/2010/main" val="4101966844"/>
       </p:ext>
     </p:extLst>
   </p:cSld>
   <p:clrMapOvr>
     <a:masterClrMapping/>
   </p:clrMapOvr>
-  <p:transition/>
 </p:sld>
 </file>
 
@@ -11735,50 +11737,34 @@
       </p:grpSpPr>
       <p:sp>
         <p:nvSpPr>
-          <p:cNvPr id="5" name="Textplatzhalter 4">
-            <a:extLst>
-              <a:ext uri="{FF2B5EF4-FFF2-40B4-BE49-F238E27FC236}">
-                <a16:creationId xmlns:a16="http://schemas.microsoft.com/office/drawing/2014/main" id="{064D59BE-0376-4E44-A0FE-7031A294F35F}"/>
-              </a:ext>
-            </a:extLst>
-          </p:cNvPr>
-          <p:cNvSpPr>
-            <a:spLocks noGrp="1"/>
-          </p:cNvSpPr>
-          <p:nvPr>
-            <p:ph type="body" sz="quarter" idx="13"/>
-          </p:nvPr>
-        </p:nvSpPr>
-        <p:spPr/>
+          <p:cNvPr id="7" name="Titel 6">
+            <a:extLst>
+              <a:ext uri="{FF2B5EF4-FFF2-40B4-BE49-F238E27FC236}">
+                <a16:creationId xmlns:a16="http://schemas.microsoft.com/office/drawing/2014/main" id="{CEC663F5-0B87-46DD-9F27-0E98B46D4CBA}"/>
+              </a:ext>
+            </a:extLst>
+          </p:cNvPr>
+          <p:cNvSpPr>
+            <a:spLocks noGrp="1"/>
+          </p:cNvSpPr>
+          <p:nvPr>
+            <p:ph type="ctrTitle"/>
+          </p:nvPr>
+        </p:nvSpPr>
+        <p:spPr>
+          <a:xfrm>
+            <a:off x="704850" y="1527175"/>
+            <a:ext cx="7704138" cy="2870200"/>
+          </a:xfrm>
+        </p:spPr>
         <p:txBody>
           <a:bodyPr/>
           <a:lstStyle/>
           <a:p>
             <a:r>
               <a:rPr lang="en-US" dirty="0"/>
-              <a:t>Transaction data is high-dimensional</a:t>
-            </a:r>
-          </a:p>
-          <a:p>
-            <a:r>
-              <a:rPr lang="en-US" dirty="0"/>
-              <a:t>Each dimension could be a potential QID attribute</a:t>
-            </a:r>
-          </a:p>
-          <a:p>
-            <a:r>
-              <a:rPr lang="en-US" dirty="0"/>
-              <a:t>Curse of high-dimensionality</a:t>
-            </a:r>
-          </a:p>
-          <a:p>
-            <a:r>
-              <a:rPr lang="de-DE" dirty="0"/>
-              <a:t>Bound background knowledge of the attacker</a:t>
-            </a:r>
-          </a:p>
-          <a:p>
-            <a:endParaRPr lang="de-DE" dirty="0"/>
+              <a:t>Datatype - High-Dimensional Transaction Data</a:t>
+            </a:r>
           </a:p>
         </p:txBody>
       </p:sp>
@@ -11787,15 +11773,15 @@
           <p:cNvPr id="3" name="Datumsplatzhalter 2">
             <a:extLst>
               <a:ext uri="{FF2B5EF4-FFF2-40B4-BE49-F238E27FC236}">
-                <a16:creationId xmlns:a16="http://schemas.microsoft.com/office/drawing/2014/main" id="{69419E86-0E9E-4216-B427-413C6BA3C0D7}"/>
-              </a:ext>
-            </a:extLst>
-          </p:cNvPr>
-          <p:cNvSpPr>
-            <a:spLocks noGrp="1"/>
-          </p:cNvSpPr>
-          <p:nvPr>
-            <p:ph type="dt" sz="half" idx="14"/>
+                <a16:creationId xmlns:a16="http://schemas.microsoft.com/office/drawing/2014/main" id="{B5FB1D02-E0A3-43A3-BF1B-941DB72E3227}"/>
+              </a:ext>
+            </a:extLst>
+          </p:cNvPr>
+          <p:cNvSpPr>
+            <a:spLocks noGrp="1"/>
+          </p:cNvSpPr>
+          <p:nvPr>
+            <p:ph type="dt" sz="half" idx="2"/>
           </p:nvPr>
         </p:nvSpPr>
         <p:spPr/>
@@ -11815,21 +11801,21 @@
           <p:cNvPr id="4" name="Fußzeilenplatzhalter 3">
             <a:extLst>
               <a:ext uri="{FF2B5EF4-FFF2-40B4-BE49-F238E27FC236}">
-                <a16:creationId xmlns:a16="http://schemas.microsoft.com/office/drawing/2014/main" id="{212DC528-EE24-4AC3-9EED-1BF090D99EF2}"/>
-              </a:ext>
-            </a:extLst>
-          </p:cNvPr>
-          <p:cNvSpPr>
-            <a:spLocks noGrp="1"/>
-          </p:cNvSpPr>
-          <p:nvPr>
-            <p:ph type="ftr" sz="quarter" idx="15"/>
+                <a16:creationId xmlns:a16="http://schemas.microsoft.com/office/drawing/2014/main" id="{961CB94B-E14C-4FDA-A857-47D0B38174F1}"/>
+              </a:ext>
+            </a:extLst>
+          </p:cNvPr>
+          <p:cNvSpPr>
+            <a:spLocks noGrp="1"/>
+          </p:cNvSpPr>
+          <p:nvPr>
+            <p:ph type="ftr" sz="quarter" idx="4294967295"/>
           </p:nvPr>
         </p:nvSpPr>
         <p:spPr>
           <a:xfrm>
-            <a:off x="2755900" y="6308725"/>
-            <a:ext cx="5487988" cy="288925"/>
+            <a:off x="3656013" y="6308725"/>
+            <a:ext cx="5487987" cy="288925"/>
           </a:xfrm>
         </p:spPr>
         <p:txBody>
@@ -11838,7 +11824,7 @@
           <a:p>
             <a:r>
               <a:rPr lang="de-DE"/>
-              <a:t>Andreas Wiegand &amp; Ludwig Schallner</a:t>
+              <a:t>Schallner Ludwig, Wiegnand Andreas</a:t>
             </a:r>
             <a:endParaRPr lang="de-DE" dirty="0"/>
           </a:p>
@@ -11846,23 +11832,23 @@
       </p:sp>
       <p:sp>
         <p:nvSpPr>
-          <p:cNvPr id="6" name="Foliennummernplatzhalter 5">
-            <a:extLst>
-              <a:ext uri="{FF2B5EF4-FFF2-40B4-BE49-F238E27FC236}">
-                <a16:creationId xmlns:a16="http://schemas.microsoft.com/office/drawing/2014/main" id="{E25D3BF9-A70C-417F-A9C7-F883A5D091A9}"/>
-              </a:ext>
-            </a:extLst>
-          </p:cNvPr>
-          <p:cNvSpPr>
-            <a:spLocks noGrp="1"/>
-          </p:cNvSpPr>
-          <p:nvPr>
-            <p:ph type="sldNum" sz="quarter" idx="16"/>
+          <p:cNvPr id="5" name="Foliennummernplatzhalter 4">
+            <a:extLst>
+              <a:ext uri="{FF2B5EF4-FFF2-40B4-BE49-F238E27FC236}">
+                <a16:creationId xmlns:a16="http://schemas.microsoft.com/office/drawing/2014/main" id="{D17BC6DF-9A02-4643-85E2-86DC2EC34F40}"/>
+              </a:ext>
+            </a:extLst>
+          </p:cNvPr>
+          <p:cNvSpPr>
+            <a:spLocks noGrp="1"/>
+          </p:cNvSpPr>
+          <p:nvPr>
+            <p:ph type="sldNum" sz="quarter" idx="4294967295"/>
           </p:nvPr>
         </p:nvSpPr>
         <p:spPr>
           <a:xfrm>
-            <a:off x="8415338" y="6408738"/>
+            <a:off x="8666163" y="6408738"/>
             <a:ext cx="477837" cy="333375"/>
           </a:xfrm>
         </p:spPr>
@@ -11875,93 +11861,21 @@
               <a:pPr/>
               <a:t>27</a:t>
             </a:fld>
-            <a:endParaRPr lang="de-DE" dirty="0"/>
-          </a:p>
-        </p:txBody>
-      </p:sp>
-      <p:sp>
-        <p:nvSpPr>
-          <p:cNvPr id="2" name="Titel 1">
-            <a:extLst>
-              <a:ext uri="{FF2B5EF4-FFF2-40B4-BE49-F238E27FC236}">
-                <a16:creationId xmlns:a16="http://schemas.microsoft.com/office/drawing/2014/main" id="{DD780236-DFF8-4429-AD46-A0D4B640B608}"/>
-              </a:ext>
-            </a:extLst>
-          </p:cNvPr>
-          <p:cNvSpPr>
-            <a:spLocks noGrp="1"/>
-          </p:cNvSpPr>
-          <p:nvPr>
-            <p:ph type="title"/>
-          </p:nvPr>
-        </p:nvSpPr>
-        <p:spPr/>
-        <p:txBody>
-          <a:bodyPr/>
-          <a:lstStyle/>
-          <a:p>
-            <a:r>
-              <a:rPr lang="de-DE" dirty="0" err="1"/>
-              <a:t>Datatype</a:t>
-            </a:r>
-            <a:r>
-              <a:rPr lang="de-DE" dirty="0"/>
-              <a:t> - High-Dimensional Transaction Data</a:t>
-            </a:r>
-          </a:p>
-        </p:txBody>
-      </p:sp>
-      <p:pic>
-        <p:nvPicPr>
-          <p:cNvPr id="2050" name="Picture 2" descr="F:\PSI-MSem\5dbb589fabdcab96c9bb12877d5c15c4_preview_card.jpg"/>
-          <p:cNvPicPr>
-            <a:picLocks noChangeAspect="1" noChangeArrowheads="1"/>
-          </p:cNvPicPr>
-          <p:nvPr/>
-        </p:nvPicPr>
-        <p:blipFill>
-          <a:blip r:embed="rId3">
-            <a:extLst>
-              <a:ext uri="{28A0092B-C50C-407E-A947-70E740481C1C}">
-                <a14:useLocalDpi xmlns:a14="http://schemas.microsoft.com/office/drawing/2010/main" val="0"/>
-              </a:ext>
-            </a:extLst>
-          </a:blip>
-          <a:srcRect/>
-          <a:stretch>
-            <a:fillRect/>
-          </a:stretch>
-        </p:blipFill>
-        <p:spPr bwMode="auto">
-          <a:xfrm>
-            <a:off x="4355976" y="3140968"/>
-            <a:ext cx="3610422" cy="2708198"/>
-          </a:xfrm>
-          <a:prstGeom prst="rect">
-            <a:avLst/>
-          </a:prstGeom>
-          <a:noFill/>
-          <a:extLst>
-            <a:ext uri="{909E8E84-426E-40DD-AFC4-6F175D3DCCD1}">
-              <a14:hiddenFill xmlns:a14="http://schemas.microsoft.com/office/drawing/2010/main">
-                <a:solidFill>
-                  <a:srgbClr val="FFFFFF"/>
-                </a:solidFill>
-              </a14:hiddenFill>
-            </a:ext>
-          </a:extLst>
-        </p:spPr>
-      </p:pic>
+            <a:endParaRPr lang="de-DE"/>
+          </a:p>
+        </p:txBody>
+      </p:sp>
     </p:spTree>
     <p:extLst>
       <p:ext uri="{BB962C8B-B14F-4D97-AF65-F5344CB8AC3E}">
-        <p14:creationId xmlns:p14="http://schemas.microsoft.com/office/powerpoint/2010/main" val="673325542"/>
+        <p14:creationId xmlns:p14="http://schemas.microsoft.com/office/powerpoint/2010/main" val="3009081077"/>
       </p:ext>
     </p:extLst>
   </p:cSld>
   <p:clrMapOvr>
     <a:masterClrMapping/>
   </p:clrMapOvr>
+  <p:transition/>
 </p:sld>
 </file>
 
@@ -11987,7 +11901,7 @@
           <p:cNvPr id="5" name="Textplatzhalter 4">
             <a:extLst>
               <a:ext uri="{FF2B5EF4-FFF2-40B4-BE49-F238E27FC236}">
-                <a16:creationId xmlns:a16="http://schemas.microsoft.com/office/drawing/2014/main" id="{BE3AB503-2D36-4EFD-97BC-4FB481D902EA}"/>
+                <a16:creationId xmlns:a16="http://schemas.microsoft.com/office/drawing/2014/main" id="{064D59BE-0376-4E44-A0FE-7031A294F35F}"/>
               </a:ext>
             </a:extLst>
           </p:cNvPr>
@@ -12005,52 +11919,29 @@
           <a:p>
             <a:r>
               <a:rPr lang="en-US" dirty="0"/>
-              <a:t>Attacks against anonymity</a:t>
+              <a:t>Transaction data is high-dimensional</a:t>
             </a:r>
           </a:p>
           <a:p>
             <a:r>
               <a:rPr lang="en-US" dirty="0"/>
-              <a:t>There is no combination between optimal k-anonymity and data quality</a:t>
+              <a:t>Each dimension could be a potential QID attribute</a:t>
             </a:r>
           </a:p>
           <a:p>
             <a:r>
               <a:rPr lang="en-US" dirty="0"/>
-              <a:t>Usability and anonymity</a:t>
+              <a:t>Curse of high-dimensionality</a:t>
             </a:r>
           </a:p>
           <a:p>
             <a:r>
               <a:rPr lang="de-DE" dirty="0"/>
-              <a:t>NP – Hard</a:t>
-            </a:r>
-          </a:p>
-          <a:p>
-            <a:r>
-              <a:rPr lang="de-DE" dirty="0"/>
-              <a:t>Hard </a:t>
-            </a:r>
-            <a:r>
-              <a:rPr lang="en-US" dirty="0"/>
-              <a:t>to</a:t>
-            </a:r>
-            <a:r>
-              <a:rPr lang="de-DE" dirty="0"/>
-              <a:t> </a:t>
-            </a:r>
-            <a:r>
-              <a:rPr lang="en-US" dirty="0"/>
-              <a:t>predict</a:t>
-            </a:r>
-            <a:r>
-              <a:rPr lang="de-DE" dirty="0"/>
-              <a:t> – </a:t>
-            </a:r>
-            <a:r>
-              <a:rPr lang="en-US" dirty="0"/>
-              <a:t>Quasi-identifier</a:t>
-            </a:r>
+              <a:t>Bound background knowledge of the attacker</a:t>
+            </a:r>
+          </a:p>
+          <a:p>
+            <a:endParaRPr lang="de-DE" dirty="0"/>
           </a:p>
         </p:txBody>
       </p:sp>
@@ -12059,7 +11950,7 @@
           <p:cNvPr id="3" name="Datumsplatzhalter 2">
             <a:extLst>
               <a:ext uri="{FF2B5EF4-FFF2-40B4-BE49-F238E27FC236}">
-                <a16:creationId xmlns:a16="http://schemas.microsoft.com/office/drawing/2014/main" id="{3B50A201-5742-48F2-9C76-90EB7278DE8B}"/>
+                <a16:creationId xmlns:a16="http://schemas.microsoft.com/office/drawing/2014/main" id="{69419E86-0E9E-4216-B427-413C6BA3C0D7}"/>
               </a:ext>
             </a:extLst>
           </p:cNvPr>
@@ -12087,7 +11978,7 @@
           <p:cNvPr id="4" name="Fußzeilenplatzhalter 3">
             <a:extLst>
               <a:ext uri="{FF2B5EF4-FFF2-40B4-BE49-F238E27FC236}">
-                <a16:creationId xmlns:a16="http://schemas.microsoft.com/office/drawing/2014/main" id="{905609BE-6FD9-442B-89BF-1438B615F4CE}"/>
+                <a16:creationId xmlns:a16="http://schemas.microsoft.com/office/drawing/2014/main" id="{212DC528-EE24-4AC3-9EED-1BF090D99EF2}"/>
               </a:ext>
             </a:extLst>
           </p:cNvPr>
@@ -12098,7 +11989,12 @@
             <p:ph type="ftr" sz="quarter" idx="15"/>
           </p:nvPr>
         </p:nvSpPr>
-        <p:spPr/>
+        <p:spPr>
+          <a:xfrm>
+            <a:off x="2755900" y="6308725"/>
+            <a:ext cx="5487988" cy="288925"/>
+          </a:xfrm>
+        </p:spPr>
         <p:txBody>
           <a:bodyPr/>
           <a:lstStyle/>
@@ -12116,7 +12012,7 @@
           <p:cNvPr id="6" name="Foliennummernplatzhalter 5">
             <a:extLst>
               <a:ext uri="{FF2B5EF4-FFF2-40B4-BE49-F238E27FC236}">
-                <a16:creationId xmlns:a16="http://schemas.microsoft.com/office/drawing/2014/main" id="{9B878E9B-BDE0-4DC9-9BC7-6B1CE8112B95}"/>
+                <a16:creationId xmlns:a16="http://schemas.microsoft.com/office/drawing/2014/main" id="{E25D3BF9-A70C-417F-A9C7-F883A5D091A9}"/>
               </a:ext>
             </a:extLst>
           </p:cNvPr>
@@ -12127,7 +12023,12 @@
             <p:ph type="sldNum" sz="quarter" idx="16"/>
           </p:nvPr>
         </p:nvSpPr>
-        <p:spPr/>
+        <p:spPr>
+          <a:xfrm>
+            <a:off x="8415338" y="6408738"/>
+            <a:ext cx="477837" cy="333375"/>
+          </a:xfrm>
+        </p:spPr>
         <p:txBody>
           <a:bodyPr/>
           <a:lstStyle/>
@@ -12146,7 +12047,7 @@
           <p:cNvPr id="2" name="Titel 1">
             <a:extLst>
               <a:ext uri="{FF2B5EF4-FFF2-40B4-BE49-F238E27FC236}">
-                <a16:creationId xmlns:a16="http://schemas.microsoft.com/office/drawing/2014/main" id="{60CF76F7-DA21-4280-B132-DB1CBFFB0632}"/>
+                <a16:creationId xmlns:a16="http://schemas.microsoft.com/office/drawing/2014/main" id="{DD780236-DFF8-4429-AD46-A0D4B640B608}"/>
               </a:ext>
             </a:extLst>
           </p:cNvPr>
@@ -12163,16 +12064,61 @@
           <a:lstStyle/>
           <a:p>
             <a:r>
+              <a:rPr lang="de-DE" dirty="0" err="1"/>
+              <a:t>Datatype</a:t>
+            </a:r>
+            <a:r>
               <a:rPr lang="de-DE" dirty="0"/>
-              <a:t>Summary</a:t>
-            </a:r>
-          </a:p>
-        </p:txBody>
-      </p:sp>
+              <a:t> - High-Dimensional Transaction Data</a:t>
+            </a:r>
+          </a:p>
+        </p:txBody>
+      </p:sp>
+      <p:pic>
+        <p:nvPicPr>
+          <p:cNvPr id="2050" name="Picture 2" descr="F:\PSI-MSem\5dbb589fabdcab96c9bb12877d5c15c4_preview_card.jpg"/>
+          <p:cNvPicPr>
+            <a:picLocks noChangeAspect="1" noChangeArrowheads="1"/>
+          </p:cNvPicPr>
+          <p:nvPr/>
+        </p:nvPicPr>
+        <p:blipFill>
+          <a:blip r:embed="rId3">
+            <a:extLst>
+              <a:ext uri="{28A0092B-C50C-407E-A947-70E740481C1C}">
+                <a14:useLocalDpi xmlns:a14="http://schemas.microsoft.com/office/drawing/2010/main" val="0"/>
+              </a:ext>
+            </a:extLst>
+          </a:blip>
+          <a:srcRect/>
+          <a:stretch>
+            <a:fillRect/>
+          </a:stretch>
+        </p:blipFill>
+        <p:spPr bwMode="auto">
+          <a:xfrm>
+            <a:off x="4355976" y="3140968"/>
+            <a:ext cx="3610422" cy="2708198"/>
+          </a:xfrm>
+          <a:prstGeom prst="rect">
+            <a:avLst/>
+          </a:prstGeom>
+          <a:noFill/>
+          <a:extLst>
+            <a:ext uri="{909E8E84-426E-40DD-AFC4-6F175D3DCCD1}">
+              <a14:hiddenFill xmlns:a14="http://schemas.microsoft.com/office/drawing/2010/main">
+                <a:solidFill>
+                  <a:srgbClr val="FFFFFF"/>
+                </a:solidFill>
+              </a14:hiddenFill>
+            </a:ext>
+          </a:extLst>
+        </p:spPr>
+      </p:pic>
     </p:spTree>
     <p:extLst>
       <p:ext uri="{BB962C8B-B14F-4D97-AF65-F5344CB8AC3E}">
-        <p14:creationId xmlns:p14="http://schemas.microsoft.com/office/powerpoint/2010/main" val="3866177470"/>
+        <p14:creationId xmlns:p14="http://schemas.microsoft.com/office/powerpoint/2010/main" val="673325542"/>
       </p:ext>
     </p:extLst>
   </p:cSld>
@@ -12201,10 +12147,10 @@
       </p:grpSpPr>
       <p:sp>
         <p:nvSpPr>
-          <p:cNvPr id="2" name="Textplatzhalter 1">
-            <a:extLst>
-              <a:ext uri="{FF2B5EF4-FFF2-40B4-BE49-F238E27FC236}">
-                <a16:creationId xmlns:a16="http://schemas.microsoft.com/office/drawing/2014/main" id="{49BB8B8B-A570-48B5-98F3-A65233D7450A}"/>
+          <p:cNvPr id="5" name="Textplatzhalter 4">
+            <a:extLst>
+              <a:ext uri="{FF2B5EF4-FFF2-40B4-BE49-F238E27FC236}">
+                <a16:creationId xmlns:a16="http://schemas.microsoft.com/office/drawing/2014/main" id="{BE3AB503-2D36-4EFD-97BC-4FB481D902EA}"/>
               </a:ext>
             </a:extLst>
           </p:cNvPr>
@@ -12221,140 +12167,53 @@
           <a:lstStyle/>
           <a:p>
             <a:r>
-              <a:rPr lang="en-US" sz="1600" i="1" dirty="0"/>
-              <a:t>K-anonymity: a model for protecting privacy - </a:t>
-            </a:r>
-            <a:r>
-              <a:rPr lang="en-US" sz="1600" i="1" dirty="0" err="1"/>
-              <a:t>latanya</a:t>
-            </a:r>
-            <a:r>
-              <a:rPr lang="en-US" sz="1600" i="1" dirty="0"/>
+              <a:rPr lang="en-US" dirty="0"/>
+              <a:t>Attacks against anonymity</a:t>
+            </a:r>
+          </a:p>
+          <a:p>
+            <a:r>
+              <a:rPr lang="en-US" dirty="0"/>
+              <a:t>There is no combination between optimal k-anonymity and data quality</a:t>
+            </a:r>
+          </a:p>
+          <a:p>
+            <a:r>
+              <a:rPr lang="en-US" dirty="0"/>
+              <a:t>Usability and anonymity</a:t>
+            </a:r>
+          </a:p>
+          <a:p>
+            <a:r>
+              <a:rPr lang="de-DE" dirty="0"/>
+              <a:t>NP – Hard</a:t>
+            </a:r>
+          </a:p>
+          <a:p>
+            <a:r>
+              <a:rPr lang="de-DE" dirty="0"/>
+              <a:t>Hard </a:t>
+            </a:r>
+            <a:r>
+              <a:rPr lang="en-US" dirty="0"/>
+              <a:t>to</a:t>
+            </a:r>
+            <a:r>
+              <a:rPr lang="de-DE" dirty="0"/>
               <a:t> </a:t>
             </a:r>
             <a:r>
-              <a:rPr lang="en-US" sz="1600" i="1" dirty="0" err="1"/>
-              <a:t>sweeney</a:t>
-            </a:r>
-            <a:endParaRPr lang="en-US" sz="1600" i="1" dirty="0"/>
-          </a:p>
-          <a:p>
-            <a:r>
-              <a:rPr lang="en-US" sz="1600" dirty="0"/>
-              <a:t>Achieving k-Anonymity privacy </a:t>
-            </a:r>
-            <a:r>
-              <a:rPr lang="en-US" sz="1600" dirty="0" err="1"/>
-              <a:t>protectionusing</a:t>
-            </a:r>
-            <a:r>
-              <a:rPr lang="en-US" sz="1600" dirty="0"/>
-              <a:t> generalization and suppression- </a:t>
-            </a:r>
-            <a:r>
-              <a:rPr lang="en-US" sz="1600" dirty="0" err="1"/>
-              <a:t>latanya</a:t>
-            </a:r>
-            <a:r>
-              <a:rPr lang="en-US" sz="1600" dirty="0"/>
-              <a:t> </a:t>
-            </a:r>
-            <a:r>
-              <a:rPr lang="en-US" sz="1600" dirty="0" err="1"/>
-              <a:t>sweeney</a:t>
-            </a:r>
-            <a:endParaRPr lang="en-US" sz="1600" dirty="0"/>
-          </a:p>
-          <a:p>
-            <a:r>
-              <a:rPr lang="en-US" sz="1600" dirty="0"/>
-              <a:t>T-Closeness: Privacy Beyond k-Anonymity and l-Diversity</a:t>
-            </a:r>
-            <a:endParaRPr lang="de-DE" sz="1600" dirty="0"/>
-          </a:p>
-          <a:p>
-            <a:r>
-              <a:rPr lang="de-DE" sz="1600" dirty="0" err="1"/>
-              <a:t>Efficient</a:t>
-            </a:r>
-            <a:r>
-              <a:rPr lang="de-DE" sz="1600" dirty="0"/>
-              <a:t> Multidimensional Suppression for K-</a:t>
-            </a:r>
-            <a:r>
-              <a:rPr lang="de-DE" sz="1600" dirty="0" err="1"/>
-              <a:t>Anonymity</a:t>
-            </a:r>
-            <a:r>
-              <a:rPr lang="de-DE" sz="1600" dirty="0"/>
+              <a:rPr lang="en-US" dirty="0"/>
+              <a:t>predict</a:t>
+            </a:r>
+            <a:r>
+              <a:rPr lang="de-DE" dirty="0"/>
               <a:t> – </a:t>
             </a:r>
             <a:r>
-              <a:rPr lang="de-DE" sz="1600" dirty="0" err="1"/>
-              <a:t>Kisilevich</a:t>
-            </a:r>
-            <a:endParaRPr lang="de-DE" sz="1600" dirty="0"/>
-          </a:p>
-          <a:p>
-            <a:r>
-              <a:rPr lang="en-US" sz="1600" dirty="0"/>
-              <a:t>A Globally Optimal k-Anonymity Method for the </a:t>
-            </a:r>
-            <a:r>
-              <a:rPr lang="de-DE" sz="1600" dirty="0"/>
-              <a:t>De-</a:t>
-            </a:r>
-            <a:r>
-              <a:rPr lang="de-DE" sz="1600" dirty="0" err="1"/>
-              <a:t>Identification</a:t>
-            </a:r>
-            <a:r>
-              <a:rPr lang="de-DE" sz="1600" dirty="0"/>
-              <a:t> of Health Data - EL EMAM</a:t>
-            </a:r>
-          </a:p>
-          <a:p>
-            <a:r>
-              <a:rPr lang="en-US" sz="1600" dirty="0"/>
-              <a:t>On the Complexity of Optimal K- anonymity - </a:t>
-            </a:r>
-            <a:r>
-              <a:rPr lang="de-DE" sz="1600" dirty="0"/>
-              <a:t>Adam </a:t>
-            </a:r>
-            <a:r>
-              <a:rPr lang="de-DE" sz="1600" dirty="0" err="1"/>
-              <a:t>Meyerson</a:t>
-            </a:r>
-            <a:r>
-              <a:rPr lang="de-DE" sz="1600" dirty="0"/>
-              <a:t>/ Ryan Williams</a:t>
-            </a:r>
-          </a:p>
-          <a:p>
-            <a:r>
-              <a:rPr lang="en-US" sz="1600" dirty="0"/>
-              <a:t>On k-Anonymity and the Curse of Dimensionality - </a:t>
-            </a:r>
-            <a:r>
-              <a:rPr lang="de-DE" sz="1600" dirty="0" err="1"/>
-              <a:t>Charu</a:t>
-            </a:r>
-            <a:r>
-              <a:rPr lang="de-DE" sz="1600" dirty="0"/>
-              <a:t> C. </a:t>
-            </a:r>
-            <a:r>
-              <a:rPr lang="de-DE" sz="1600" dirty="0" err="1"/>
-              <a:t>Aggarwal</a:t>
-            </a:r>
-            <a:endParaRPr lang="de-DE" sz="1600" dirty="0"/>
-          </a:p>
-          <a:p>
-            <a:pPr marL="0" indent="0">
-              <a:buNone/>
-            </a:pPr>
-            <a:endParaRPr lang="de-DE" dirty="0"/>
+              <a:rPr lang="en-US" dirty="0"/>
+              <a:t>Quasi-identifier</a:t>
+            </a:r>
           </a:p>
         </p:txBody>
       </p:sp>
@@ -12363,7 +12222,7 @@
           <p:cNvPr id="3" name="Datumsplatzhalter 2">
             <a:extLst>
               <a:ext uri="{FF2B5EF4-FFF2-40B4-BE49-F238E27FC236}">
-                <a16:creationId xmlns:a16="http://schemas.microsoft.com/office/drawing/2014/main" id="{F0DB5EA5-51C9-4549-9895-5448C09EA1B3}"/>
+                <a16:creationId xmlns:a16="http://schemas.microsoft.com/office/drawing/2014/main" id="{3B50A201-5742-48F2-9C76-90EB7278DE8B}"/>
               </a:ext>
             </a:extLst>
           </p:cNvPr>
@@ -12391,7 +12250,7 @@
           <p:cNvPr id="4" name="Fußzeilenplatzhalter 3">
             <a:extLst>
               <a:ext uri="{FF2B5EF4-FFF2-40B4-BE49-F238E27FC236}">
-                <a16:creationId xmlns:a16="http://schemas.microsoft.com/office/drawing/2014/main" id="{C0C37ED7-1187-42D7-86ED-39A26DA047F1}"/>
+                <a16:creationId xmlns:a16="http://schemas.microsoft.com/office/drawing/2014/main" id="{905609BE-6FD9-442B-89BF-1438B615F4CE}"/>
               </a:ext>
             </a:extLst>
           </p:cNvPr>
@@ -12409,7 +12268,7 @@
           <a:p>
             <a:r>
               <a:rPr lang="de-DE"/>
-              <a:t>Schallner Ludwig, Wiegnand Andreas</a:t>
+              <a:t>Andreas Wiegand &amp; Ludwig Schallner</a:t>
             </a:r>
             <a:endParaRPr lang="de-DE" dirty="0"/>
           </a:p>
@@ -12417,10 +12276,10 @@
       </p:sp>
       <p:sp>
         <p:nvSpPr>
-          <p:cNvPr id="5" name="Foliennummernplatzhalter 4">
-            <a:extLst>
-              <a:ext uri="{FF2B5EF4-FFF2-40B4-BE49-F238E27FC236}">
-                <a16:creationId xmlns:a16="http://schemas.microsoft.com/office/drawing/2014/main" id="{16D6F16B-2528-4FEE-88E6-5ED93A994027}"/>
+          <p:cNvPr id="6" name="Foliennummernplatzhalter 5">
+            <a:extLst>
+              <a:ext uri="{FF2B5EF4-FFF2-40B4-BE49-F238E27FC236}">
+                <a16:creationId xmlns:a16="http://schemas.microsoft.com/office/drawing/2014/main" id="{9B878E9B-BDE0-4DC9-9BC7-6B1CE8112B95}"/>
               </a:ext>
             </a:extLst>
           </p:cNvPr>
@@ -12441,16 +12300,16 @@
               <a:pPr/>
               <a:t>29</a:t>
             </a:fld>
-            <a:endParaRPr lang="de-DE"/>
-          </a:p>
-        </p:txBody>
-      </p:sp>
-      <p:sp>
-        <p:nvSpPr>
-          <p:cNvPr id="6" name="Titel 5">
-            <a:extLst>
-              <a:ext uri="{FF2B5EF4-FFF2-40B4-BE49-F238E27FC236}">
-                <a16:creationId xmlns:a16="http://schemas.microsoft.com/office/drawing/2014/main" id="{CD33735C-D8FC-4123-AF0E-AD807C63A187}"/>
+            <a:endParaRPr lang="de-DE" dirty="0"/>
+          </a:p>
+        </p:txBody>
+      </p:sp>
+      <p:sp>
+        <p:nvSpPr>
+          <p:cNvPr id="2" name="Titel 1">
+            <a:extLst>
+              <a:ext uri="{FF2B5EF4-FFF2-40B4-BE49-F238E27FC236}">
+                <a16:creationId xmlns:a16="http://schemas.microsoft.com/office/drawing/2014/main" id="{60CF76F7-DA21-4280-B132-DB1CBFFB0632}"/>
               </a:ext>
             </a:extLst>
           </p:cNvPr>
@@ -12468,7 +12327,7 @@
           <a:p>
             <a:r>
               <a:rPr lang="de-DE" dirty="0"/>
-              <a:t>Source</a:t>
+              <a:t>Summary</a:t>
             </a:r>
           </a:p>
         </p:txBody>
@@ -12476,7 +12335,7 @@
     </p:spTree>
     <p:extLst>
       <p:ext uri="{BB962C8B-B14F-4D97-AF65-F5344CB8AC3E}">
-        <p14:creationId xmlns:p14="http://schemas.microsoft.com/office/powerpoint/2010/main" val="1540188078"/>
+        <p14:creationId xmlns:p14="http://schemas.microsoft.com/office/powerpoint/2010/main" val="3866177470"/>
       </p:ext>
     </p:extLst>
   </p:cSld>
@@ -12567,7 +12426,7 @@
             <a:pPr lvl="1"/>
             <a:r>
               <a:rPr lang="en-US" dirty="0"/>
-              <a:t>Record owners interest is to be anonym.</a:t>
+              <a:t>Record owners interest is to be anonym</a:t>
             </a:r>
           </a:p>
           <a:p>
@@ -12716,6 +12575,310 @@
     <p:extLst>
       <p:ext uri="{BB962C8B-B14F-4D97-AF65-F5344CB8AC3E}">
         <p14:creationId xmlns:p14="http://schemas.microsoft.com/office/powerpoint/2010/main" val="2903989552"/>
+      </p:ext>
+    </p:extLst>
+  </p:cSld>
+  <p:clrMapOvr>
+    <a:masterClrMapping/>
+  </p:clrMapOvr>
+</p:sld>
+</file>
+
+<file path=ppt/slides/slide30.xml><?xml version="1.0" encoding="utf-8"?>
+<p:sld xmlns:a="http://schemas.openxmlformats.org/drawingml/2006/main" xmlns:r="http://schemas.openxmlformats.org/officeDocument/2006/relationships" xmlns:p="http://schemas.openxmlformats.org/presentationml/2006/main">
+  <p:cSld>
+    <p:spTree>
+      <p:nvGrpSpPr>
+        <p:cNvPr id="1" name=""/>
+        <p:cNvGrpSpPr/>
+        <p:nvPr/>
+      </p:nvGrpSpPr>
+      <p:grpSpPr>
+        <a:xfrm>
+          <a:off x="0" y="0"/>
+          <a:ext cx="0" cy="0"/>
+          <a:chOff x="0" y="0"/>
+          <a:chExt cx="0" cy="0"/>
+        </a:xfrm>
+      </p:grpSpPr>
+      <p:sp>
+        <p:nvSpPr>
+          <p:cNvPr id="2" name="Textplatzhalter 1">
+            <a:extLst>
+              <a:ext uri="{FF2B5EF4-FFF2-40B4-BE49-F238E27FC236}">
+                <a16:creationId xmlns:a16="http://schemas.microsoft.com/office/drawing/2014/main" id="{49BB8B8B-A570-48B5-98F3-A65233D7450A}"/>
+              </a:ext>
+            </a:extLst>
+          </p:cNvPr>
+          <p:cNvSpPr>
+            <a:spLocks noGrp="1"/>
+          </p:cNvSpPr>
+          <p:nvPr>
+            <p:ph type="body" sz="quarter" idx="13"/>
+          </p:nvPr>
+        </p:nvSpPr>
+        <p:spPr/>
+        <p:txBody>
+          <a:bodyPr/>
+          <a:lstStyle/>
+          <a:p>
+            <a:r>
+              <a:rPr lang="en-US" sz="1600" i="1" dirty="0"/>
+              <a:t>K-anonymity: a model for protecting privacy - </a:t>
+            </a:r>
+            <a:r>
+              <a:rPr lang="en-US" sz="1600" i="1" dirty="0" err="1"/>
+              <a:t>latanya</a:t>
+            </a:r>
+            <a:r>
+              <a:rPr lang="en-US" sz="1600" i="1" dirty="0"/>
+              <a:t> </a:t>
+            </a:r>
+            <a:r>
+              <a:rPr lang="en-US" sz="1600" i="1" dirty="0" err="1"/>
+              <a:t>sweeney</a:t>
+            </a:r>
+            <a:endParaRPr lang="en-US" sz="1600" i="1" dirty="0"/>
+          </a:p>
+          <a:p>
+            <a:r>
+              <a:rPr lang="en-US" sz="1600" dirty="0"/>
+              <a:t>Achieving k-Anonymity privacy </a:t>
+            </a:r>
+            <a:r>
+              <a:rPr lang="en-US" sz="1600" dirty="0" err="1"/>
+              <a:t>protectionusing</a:t>
+            </a:r>
+            <a:r>
+              <a:rPr lang="en-US" sz="1600" dirty="0"/>
+              <a:t> generalization and suppression- </a:t>
+            </a:r>
+            <a:r>
+              <a:rPr lang="en-US" sz="1600" dirty="0" err="1"/>
+              <a:t>latanya</a:t>
+            </a:r>
+            <a:r>
+              <a:rPr lang="en-US" sz="1600" dirty="0"/>
+              <a:t> </a:t>
+            </a:r>
+            <a:r>
+              <a:rPr lang="en-US" sz="1600" dirty="0" err="1"/>
+              <a:t>sweeney</a:t>
+            </a:r>
+            <a:endParaRPr lang="en-US" sz="1600" dirty="0"/>
+          </a:p>
+          <a:p>
+            <a:r>
+              <a:rPr lang="en-US" sz="1600" dirty="0"/>
+              <a:t>T-Closeness: Privacy Beyond k-Anonymity and l-Diversity</a:t>
+            </a:r>
+            <a:endParaRPr lang="de-DE" sz="1600" dirty="0"/>
+          </a:p>
+          <a:p>
+            <a:r>
+              <a:rPr lang="de-DE" sz="1600" dirty="0" err="1"/>
+              <a:t>Efficient</a:t>
+            </a:r>
+            <a:r>
+              <a:rPr lang="de-DE" sz="1600" dirty="0"/>
+              <a:t> Multidimensional Suppression for K-</a:t>
+            </a:r>
+            <a:r>
+              <a:rPr lang="de-DE" sz="1600" dirty="0" err="1"/>
+              <a:t>Anonymity</a:t>
+            </a:r>
+            <a:r>
+              <a:rPr lang="de-DE" sz="1600" dirty="0"/>
+              <a:t> – </a:t>
+            </a:r>
+            <a:r>
+              <a:rPr lang="de-DE" sz="1600" dirty="0" err="1"/>
+              <a:t>Kisilevich</a:t>
+            </a:r>
+            <a:endParaRPr lang="de-DE" sz="1600" dirty="0"/>
+          </a:p>
+          <a:p>
+            <a:r>
+              <a:rPr lang="en-US" sz="1600" dirty="0"/>
+              <a:t>A Globally Optimal k-Anonymity Method for the </a:t>
+            </a:r>
+            <a:r>
+              <a:rPr lang="de-DE" sz="1600" dirty="0"/>
+              <a:t>De-</a:t>
+            </a:r>
+            <a:r>
+              <a:rPr lang="de-DE" sz="1600" dirty="0" err="1"/>
+              <a:t>Identification</a:t>
+            </a:r>
+            <a:r>
+              <a:rPr lang="de-DE" sz="1600" dirty="0"/>
+              <a:t> of Health Data - EL EMAM</a:t>
+            </a:r>
+          </a:p>
+          <a:p>
+            <a:r>
+              <a:rPr lang="en-US" sz="1600" dirty="0"/>
+              <a:t>On the Complexity of Optimal K- anonymity - </a:t>
+            </a:r>
+            <a:r>
+              <a:rPr lang="de-DE" sz="1600" dirty="0"/>
+              <a:t>Adam </a:t>
+            </a:r>
+            <a:r>
+              <a:rPr lang="de-DE" sz="1600" dirty="0" err="1"/>
+              <a:t>Meyerson</a:t>
+            </a:r>
+            <a:r>
+              <a:rPr lang="de-DE" sz="1600" dirty="0"/>
+              <a:t>/ Ryan Williams</a:t>
+            </a:r>
+          </a:p>
+          <a:p>
+            <a:r>
+              <a:rPr lang="en-US" sz="1600" dirty="0"/>
+              <a:t>On k-Anonymity and the Curse of Dimensionality - </a:t>
+            </a:r>
+            <a:r>
+              <a:rPr lang="de-DE" sz="1600" dirty="0" err="1"/>
+              <a:t>Charu</a:t>
+            </a:r>
+            <a:r>
+              <a:rPr lang="de-DE" sz="1600" dirty="0"/>
+              <a:t> C. </a:t>
+            </a:r>
+            <a:r>
+              <a:rPr lang="de-DE" sz="1600" dirty="0" err="1"/>
+              <a:t>Aggarwal</a:t>
+            </a:r>
+            <a:endParaRPr lang="de-DE" sz="1600" dirty="0"/>
+          </a:p>
+          <a:p>
+            <a:pPr marL="0" indent="0">
+              <a:buNone/>
+            </a:pPr>
+            <a:endParaRPr lang="de-DE" dirty="0"/>
+          </a:p>
+        </p:txBody>
+      </p:sp>
+      <p:sp>
+        <p:nvSpPr>
+          <p:cNvPr id="3" name="Datumsplatzhalter 2">
+            <a:extLst>
+              <a:ext uri="{FF2B5EF4-FFF2-40B4-BE49-F238E27FC236}">
+                <a16:creationId xmlns:a16="http://schemas.microsoft.com/office/drawing/2014/main" id="{F0DB5EA5-51C9-4549-9895-5448C09EA1B3}"/>
+              </a:ext>
+            </a:extLst>
+          </p:cNvPr>
+          <p:cNvSpPr>
+            <a:spLocks noGrp="1"/>
+          </p:cNvSpPr>
+          <p:nvPr>
+            <p:ph type="dt" sz="half" idx="14"/>
+          </p:nvPr>
+        </p:nvSpPr>
+        <p:spPr/>
+        <p:txBody>
+          <a:bodyPr/>
+          <a:lstStyle/>
+          <a:p>
+            <a:r>
+              <a:rPr lang="de-DE" dirty="0"/>
+              <a:t>06.02.2018</a:t>
+            </a:r>
+          </a:p>
+        </p:txBody>
+      </p:sp>
+      <p:sp>
+        <p:nvSpPr>
+          <p:cNvPr id="4" name="Fußzeilenplatzhalter 3">
+            <a:extLst>
+              <a:ext uri="{FF2B5EF4-FFF2-40B4-BE49-F238E27FC236}">
+                <a16:creationId xmlns:a16="http://schemas.microsoft.com/office/drawing/2014/main" id="{C0C37ED7-1187-42D7-86ED-39A26DA047F1}"/>
+              </a:ext>
+            </a:extLst>
+          </p:cNvPr>
+          <p:cNvSpPr>
+            <a:spLocks noGrp="1"/>
+          </p:cNvSpPr>
+          <p:nvPr>
+            <p:ph type="ftr" sz="quarter" idx="15"/>
+          </p:nvPr>
+        </p:nvSpPr>
+        <p:spPr/>
+        <p:txBody>
+          <a:bodyPr/>
+          <a:lstStyle/>
+          <a:p>
+            <a:r>
+              <a:rPr lang="de-DE"/>
+              <a:t>Schallner Ludwig, Wiegnand Andreas</a:t>
+            </a:r>
+            <a:endParaRPr lang="de-DE" dirty="0"/>
+          </a:p>
+        </p:txBody>
+      </p:sp>
+      <p:sp>
+        <p:nvSpPr>
+          <p:cNvPr id="5" name="Foliennummernplatzhalter 4">
+            <a:extLst>
+              <a:ext uri="{FF2B5EF4-FFF2-40B4-BE49-F238E27FC236}">
+                <a16:creationId xmlns:a16="http://schemas.microsoft.com/office/drawing/2014/main" id="{16D6F16B-2528-4FEE-88E6-5ED93A994027}"/>
+              </a:ext>
+            </a:extLst>
+          </p:cNvPr>
+          <p:cNvSpPr>
+            <a:spLocks noGrp="1"/>
+          </p:cNvSpPr>
+          <p:nvPr>
+            <p:ph type="sldNum" sz="quarter" idx="16"/>
+          </p:nvPr>
+        </p:nvSpPr>
+        <p:spPr/>
+        <p:txBody>
+          <a:bodyPr/>
+          <a:lstStyle/>
+          <a:p>
+            <a:fld id="{50E76E58-F275-47A3-BB17-470016A267B6}" type="slidenum">
+              <a:rPr lang="de-DE" smtClean="0"/>
+              <a:pPr/>
+              <a:t>30</a:t>
+            </a:fld>
+            <a:endParaRPr lang="de-DE"/>
+          </a:p>
+        </p:txBody>
+      </p:sp>
+      <p:sp>
+        <p:nvSpPr>
+          <p:cNvPr id="6" name="Titel 5">
+            <a:extLst>
+              <a:ext uri="{FF2B5EF4-FFF2-40B4-BE49-F238E27FC236}">
+                <a16:creationId xmlns:a16="http://schemas.microsoft.com/office/drawing/2014/main" id="{CD33735C-D8FC-4123-AF0E-AD807C63A187}"/>
+              </a:ext>
+            </a:extLst>
+          </p:cNvPr>
+          <p:cNvSpPr>
+            <a:spLocks noGrp="1"/>
+          </p:cNvSpPr>
+          <p:nvPr>
+            <p:ph type="title"/>
+          </p:nvPr>
+        </p:nvSpPr>
+        <p:spPr/>
+        <p:txBody>
+          <a:bodyPr/>
+          <a:lstStyle/>
+          <a:p>
+            <a:r>
+              <a:rPr lang="de-DE" dirty="0"/>
+              <a:t>Source</a:t>
+            </a:r>
+          </a:p>
+        </p:txBody>
+      </p:sp>
+    </p:spTree>
+    <p:extLst>
+      <p:ext uri="{BB962C8B-B14F-4D97-AF65-F5344CB8AC3E}">
+        <p14:creationId xmlns:p14="http://schemas.microsoft.com/office/powerpoint/2010/main" val="1540188078"/>
       </p:ext>
     </p:extLst>
   </p:cSld>
@@ -15249,18 +15412,18 @@
 
 <file path=customXml/item1.xml><?xml version="1.0" encoding="utf-8"?>
 <Control xmlns="http://schemas.microsoft.com/VisualStudio/2011/storyboarding/control">
-  <Id Name="System.Storyboarding.Common.Button" Revision="1" Stencil="System.Storyboarding.Common" StencilVersion="0.1"/>
+  <Id Name="dec3670c-0d6f-4455-9c2f-971d108358d4" Revision="1" Stencil="System.MyShapes" StencilVersion="1.0"/>
 </Control>
 </file>
 
 <file path=customXml/item2.xml><?xml version="1.0" encoding="utf-8"?>
 <Control xmlns="http://schemas.microsoft.com/VisualStudio/2011/storyboarding/control">
-  <Id Name="dec3670c-0d6f-4455-9c2f-971d108358d4" Revision="1" Stencil="System.MyShapes" StencilVersion="1.0"/>
+  <Id Name="System.Storyboarding.Common.Button" Revision="1" Stencil="System.Storyboarding.Common" StencilVersion="0.1"/>
 </Control>
 </file>
 
 <file path=customXml/itemProps1.xml><?xml version="1.0" encoding="utf-8"?>
-<ds:datastoreItem xmlns:ds="http://schemas.openxmlformats.org/officeDocument/2006/customXml" ds:itemID="{206AFEA3-501E-4E71-91B3-BDBE1D839E11}">
+<ds:datastoreItem xmlns:ds="http://schemas.openxmlformats.org/officeDocument/2006/customXml" ds:itemID="{566C5A5A-5A83-4A95-95C1-260C6D486DE6}">
   <ds:schemaRefs>
     <ds:schemaRef ds:uri="http://schemas.microsoft.com/VisualStudio/2011/storyboarding/control"/>
   </ds:schemaRefs>
@@ -15268,7 +15431,7 @@
 </file>
 
 <file path=customXml/itemProps2.xml><?xml version="1.0" encoding="utf-8"?>
-<ds:datastoreItem xmlns:ds="http://schemas.openxmlformats.org/officeDocument/2006/customXml" ds:itemID="{566C5A5A-5A83-4A95-95C1-260C6D486DE6}">
+<ds:datastoreItem xmlns:ds="http://schemas.openxmlformats.org/officeDocument/2006/customXml" ds:itemID="{206AFEA3-501E-4E71-91B3-BDBE1D839E11}">
   <ds:schemaRefs>
     <ds:schemaRef ds:uri="http://schemas.microsoft.com/VisualStudio/2011/storyboarding/control"/>
   </ds:schemaRefs>

--- a/presentation/sicherheits_final_anV3.pptx
+++ b/presentation/sicherheits_final_anV3.pptx
@@ -188,10 +188,6 @@
     </p:ext>
   </p:extLst>
 </p:presentation>
-</file>
-
-<file path=ppt/revisionInfo.xml><?xml version="1.0" encoding="utf-8"?>
-<p1510:revInfo xmlns:a="http://schemas.openxmlformats.org/drawingml/2006/main" xmlns:r="http://schemas.openxmlformats.org/officeDocument/2006/relationships" xmlns:p1510="http://schemas.microsoft.com/office/powerpoint/2015/10/main"/>
 </file>
 
 <file path=ppt/handoutMasters/handoutMaster1.xml><?xml version="1.0" encoding="utf-8"?>
@@ -7748,7 +7744,15 @@
           <a:p>
             <a:r>
               <a:rPr lang="de-DE" dirty="0"/>
-              <a:t>Datamining</a:t>
+              <a:t>Datamining / </a:t>
+            </a:r>
+            <a:r>
+              <a:rPr lang="de-DE" dirty="0" err="1"/>
+              <a:t>Machine</a:t>
+            </a:r>
+            <a:r>
+              <a:rPr lang="de-DE" dirty="0"/>
+              <a:t> Learning</a:t>
             </a:r>
           </a:p>
           <a:p>
@@ -9216,7 +9220,7 @@
             </a:pPr>
             <a:r>
               <a:rPr lang="en-US" sz="2800" dirty="0"/>
-              <a:t>Important Datatypes</a:t>
+              <a:t>Other datatypes</a:t>
             </a:r>
           </a:p>
           <a:p>
@@ -11068,61 +11072,6 @@
               <a:t>, C</a:t>
             </a:r>
             <a:endParaRPr lang="de-DE" dirty="0"/>
-          </a:p>
-        </p:txBody>
-      </p:sp>
-      <p:sp>
-        <p:nvSpPr>
-          <p:cNvPr id="9" name="Textfeld 8">
-            <a:extLst>
-              <a:ext uri="{FF2B5EF4-FFF2-40B4-BE49-F238E27FC236}">
-                <a16:creationId xmlns:a16="http://schemas.microsoft.com/office/drawing/2014/main" id="{9881E812-91CB-4F52-9977-A6FFDF601A61}"/>
-              </a:ext>
-            </a:extLst>
-          </p:cNvPr>
-          <p:cNvSpPr txBox="1"/>
-          <p:nvPr/>
-        </p:nvSpPr>
-        <p:spPr>
-          <a:xfrm>
-            <a:off x="5313985" y="4400237"/>
-            <a:ext cx="2520280" cy="830997"/>
-          </a:xfrm>
-          <a:prstGeom prst="rect">
-            <a:avLst/>
-          </a:prstGeom>
-          <a:noFill/>
-        </p:spPr>
-        <p:txBody>
-          <a:bodyPr wrap="square" rtlCol="0">
-            <a:spAutoFit/>
-          </a:bodyPr>
-          <a:lstStyle/>
-          <a:p>
-            <a:r>
-              <a:rPr lang="de-DE" sz="2400" dirty="0">
-                <a:solidFill>
-                  <a:srgbClr val="FF0000"/>
-                </a:solidFill>
-              </a:rPr>
-              <a:t>Anonymity can </a:t>
-            </a:r>
-            <a:r>
-              <a:rPr lang="de-DE" sz="2400" dirty="0" err="1">
-                <a:solidFill>
-                  <a:srgbClr val="FF0000"/>
-                </a:solidFill>
-              </a:rPr>
-              <a:t>cost</a:t>
-            </a:r>
-            <a:r>
-              <a:rPr lang="de-DE" sz="2400" dirty="0">
-                <a:solidFill>
-                  <a:srgbClr val="FF0000"/>
-                </a:solidFill>
-              </a:rPr>
-              <a:t> Utility </a:t>
-            </a:r>
           </a:p>
         </p:txBody>
       </p:sp>
@@ -15249,18 +15198,18 @@
 
 <file path=customXml/item1.xml><?xml version="1.0" encoding="utf-8"?>
 <Control xmlns="http://schemas.microsoft.com/VisualStudio/2011/storyboarding/control">
-  <Id Name="System.Storyboarding.Common.Button" Revision="1" Stencil="System.Storyboarding.Common" StencilVersion="0.1"/>
+  <Id Name="dec3670c-0d6f-4455-9c2f-971d108358d4" Revision="1" Stencil="System.MyShapes" StencilVersion="1.0"/>
 </Control>
 </file>
 
 <file path=customXml/item2.xml><?xml version="1.0" encoding="utf-8"?>
 <Control xmlns="http://schemas.microsoft.com/VisualStudio/2011/storyboarding/control">
-  <Id Name="dec3670c-0d6f-4455-9c2f-971d108358d4" Revision="1" Stencil="System.MyShapes" StencilVersion="1.0"/>
+  <Id Name="System.Storyboarding.Common.Button" Revision="1" Stencil="System.Storyboarding.Common" StencilVersion="0.1"/>
 </Control>
 </file>
 
 <file path=customXml/itemProps1.xml><?xml version="1.0" encoding="utf-8"?>
-<ds:datastoreItem xmlns:ds="http://schemas.openxmlformats.org/officeDocument/2006/customXml" ds:itemID="{206AFEA3-501E-4E71-91B3-BDBE1D839E11}">
+<ds:datastoreItem xmlns:ds="http://schemas.openxmlformats.org/officeDocument/2006/customXml" ds:itemID="{566C5A5A-5A83-4A95-95C1-260C6D486DE6}">
   <ds:schemaRefs>
     <ds:schemaRef ds:uri="http://schemas.microsoft.com/VisualStudio/2011/storyboarding/control"/>
   </ds:schemaRefs>
@@ -15268,7 +15217,7 @@
 </file>
 
 <file path=customXml/itemProps2.xml><?xml version="1.0" encoding="utf-8"?>
-<ds:datastoreItem xmlns:ds="http://schemas.openxmlformats.org/officeDocument/2006/customXml" ds:itemID="{566C5A5A-5A83-4A95-95C1-260C6D486DE6}">
+<ds:datastoreItem xmlns:ds="http://schemas.openxmlformats.org/officeDocument/2006/customXml" ds:itemID="{206AFEA3-501E-4E71-91B3-BDBE1D839E11}">
   <ds:schemaRefs>
     <ds:schemaRef ds:uri="http://schemas.microsoft.com/VisualStudio/2011/storyboarding/control"/>
   </ds:schemaRefs>
